--- a/Présentation UPOP.pptx
+++ b/Présentation UPOP.pptx
@@ -5,7 +5,7 @@
     <p:sldMasterId id="2147483648" r:id="rId1"/>
   </p:sldMasterIdLst>
   <p:notesMasterIdLst>
-    <p:notesMasterId r:id="rId17"/>
+    <p:notesMasterId r:id="rId19"/>
   </p:notesMasterIdLst>
   <p:sldIdLst>
     <p:sldId id="270" r:id="rId2"/>
@@ -23,6 +23,8 @@
     <p:sldId id="267" r:id="rId14"/>
     <p:sldId id="268" r:id="rId15"/>
     <p:sldId id="265" r:id="rId16"/>
+    <p:sldId id="271" r:id="rId17"/>
+    <p:sldId id="272" r:id="rId18"/>
   </p:sldIdLst>
   <p:sldSz cx="12192000" cy="6858000"/>
   <p:notesSz cx="6858000" cy="9144000"/>
@@ -215,7 +217,7 @@
           <a:p>
             <a:fld id="{64F3B9CB-A3A7-4201-8496-2CBC87780604}" type="datetimeFigureOut">
               <a:rPr lang="fr-FR" smtClean="0"/>
-              <a:t>16/11/2017</a:t>
+              <a:t>17/11/2017</a:t>
             </a:fld>
             <a:endParaRPr lang="fr-FR"/>
           </a:p>
@@ -713,7 +715,7 @@
           <a:p>
             <a:fld id="{EF339115-3077-41F7-8CCB-1E5454686776}" type="datetimeFigureOut">
               <a:rPr lang="fr-FR" smtClean="0"/>
-              <a:t>16/11/2017</a:t>
+              <a:t>17/11/2017</a:t>
             </a:fld>
             <a:endParaRPr lang="fr-FR"/>
           </a:p>
@@ -911,7 +913,7 @@
           <a:p>
             <a:fld id="{EF339115-3077-41F7-8CCB-1E5454686776}" type="datetimeFigureOut">
               <a:rPr lang="fr-FR" smtClean="0"/>
-              <a:t>16/11/2017</a:t>
+              <a:t>17/11/2017</a:t>
             </a:fld>
             <a:endParaRPr lang="fr-FR"/>
           </a:p>
@@ -1119,7 +1121,7 @@
           <a:p>
             <a:fld id="{EF339115-3077-41F7-8CCB-1E5454686776}" type="datetimeFigureOut">
               <a:rPr lang="fr-FR" smtClean="0"/>
-              <a:t>16/11/2017</a:t>
+              <a:t>17/11/2017</a:t>
             </a:fld>
             <a:endParaRPr lang="fr-FR"/>
           </a:p>
@@ -1317,7 +1319,7 @@
           <a:p>
             <a:fld id="{EF339115-3077-41F7-8CCB-1E5454686776}" type="datetimeFigureOut">
               <a:rPr lang="fr-FR" smtClean="0"/>
-              <a:t>16/11/2017</a:t>
+              <a:t>17/11/2017</a:t>
             </a:fld>
             <a:endParaRPr lang="fr-FR"/>
           </a:p>
@@ -1592,7 +1594,7 @@
           <a:p>
             <a:fld id="{EF339115-3077-41F7-8CCB-1E5454686776}" type="datetimeFigureOut">
               <a:rPr lang="fr-FR" smtClean="0"/>
-              <a:t>16/11/2017</a:t>
+              <a:t>17/11/2017</a:t>
             </a:fld>
             <a:endParaRPr lang="fr-FR"/>
           </a:p>
@@ -1857,7 +1859,7 @@
           <a:p>
             <a:fld id="{EF339115-3077-41F7-8CCB-1E5454686776}" type="datetimeFigureOut">
               <a:rPr lang="fr-FR" smtClean="0"/>
-              <a:t>16/11/2017</a:t>
+              <a:t>17/11/2017</a:t>
             </a:fld>
             <a:endParaRPr lang="fr-FR"/>
           </a:p>
@@ -2269,7 +2271,7 @@
           <a:p>
             <a:fld id="{EF339115-3077-41F7-8CCB-1E5454686776}" type="datetimeFigureOut">
               <a:rPr lang="fr-FR" smtClean="0"/>
-              <a:t>16/11/2017</a:t>
+              <a:t>17/11/2017</a:t>
             </a:fld>
             <a:endParaRPr lang="fr-FR"/>
           </a:p>
@@ -2410,7 +2412,7 @@
           <a:p>
             <a:fld id="{EF339115-3077-41F7-8CCB-1E5454686776}" type="datetimeFigureOut">
               <a:rPr lang="fr-FR" smtClean="0"/>
-              <a:t>16/11/2017</a:t>
+              <a:t>17/11/2017</a:t>
             </a:fld>
             <a:endParaRPr lang="fr-FR"/>
           </a:p>
@@ -2523,7 +2525,7 @@
           <a:p>
             <a:fld id="{EF339115-3077-41F7-8CCB-1E5454686776}" type="datetimeFigureOut">
               <a:rPr lang="fr-FR" smtClean="0"/>
-              <a:t>16/11/2017</a:t>
+              <a:t>17/11/2017</a:t>
             </a:fld>
             <a:endParaRPr lang="fr-FR"/>
           </a:p>
@@ -2834,7 +2836,7 @@
           <a:p>
             <a:fld id="{EF339115-3077-41F7-8CCB-1E5454686776}" type="datetimeFigureOut">
               <a:rPr lang="fr-FR" smtClean="0"/>
-              <a:t>16/11/2017</a:t>
+              <a:t>17/11/2017</a:t>
             </a:fld>
             <a:endParaRPr lang="fr-FR"/>
           </a:p>
@@ -3122,7 +3124,7 @@
           <a:p>
             <a:fld id="{EF339115-3077-41F7-8CCB-1E5454686776}" type="datetimeFigureOut">
               <a:rPr lang="fr-FR" smtClean="0"/>
-              <a:t>16/11/2017</a:t>
+              <a:t>17/11/2017</a:t>
             </a:fld>
             <a:endParaRPr lang="fr-FR"/>
           </a:p>
@@ -3363,7 +3365,7 @@
           <a:p>
             <a:fld id="{EF339115-3077-41F7-8CCB-1E5454686776}" type="datetimeFigureOut">
               <a:rPr lang="fr-FR" smtClean="0"/>
-              <a:t>16/11/2017</a:t>
+              <a:t>17/11/2017</a:t>
             </a:fld>
             <a:endParaRPr lang="fr-FR"/>
           </a:p>
@@ -5256,8 +5258,8 @@
         </p:nvSpPr>
         <p:spPr>
           <a:xfrm>
-            <a:off x="2309567" y="1583703"/>
-            <a:ext cx="2677212" cy="1200329"/>
+            <a:off x="1128467" y="726453"/>
+            <a:ext cx="11606458" cy="5909310"/>
           </a:xfrm>
           <a:prstGeom prst="rect">
             <a:avLst/>
@@ -5284,7 +5286,31 @@
             </a:r>
             <a:r>
               <a:rPr lang="fr-FR" dirty="0"/>
-              <a:t> : JOUR 4</a:t>
+              <a:t> et réalisé : JOUR 4</a:t>
+            </a:r>
+          </a:p>
+          <a:p>
+            <a:r>
+              <a:rPr lang="fr-FR" dirty="0"/>
+              <a:t>Page de connexion </a:t>
+            </a:r>
+          </a:p>
+          <a:p>
+            <a:r>
+              <a:rPr lang="fr-FR" dirty="0"/>
+              <a:t>(PHP utilisateur dans la base)</a:t>
+            </a:r>
+          </a:p>
+          <a:p>
+            <a:r>
+              <a:rPr lang="fr-FR" dirty="0"/>
+              <a:t>Créer page d'inscription - reste a faire communiqué</a:t>
+            </a:r>
+          </a:p>
+          <a:p>
+            <a:r>
+              <a:rPr lang="fr-FR" dirty="0"/>
+              <a:t>harmonisation du site</a:t>
             </a:r>
           </a:p>
           <a:p>
@@ -5293,7 +5319,100 @@
           <a:p>
             <a:r>
               <a:rPr lang="fr-FR" dirty="0"/>
-              <a:t>Objectif réalisé  JOUR 4 :</a:t>
+              <a:t>Page de compte structure du site</a:t>
+            </a:r>
+          </a:p>
+          <a:p>
+            <a:r>
+              <a:rPr lang="fr-FR" dirty="0"/>
+              <a:t>Page d'administrateur - à mettre en harmonisation</a:t>
+            </a:r>
+          </a:p>
+          <a:p>
+            <a:endParaRPr lang="fr-FR" dirty="0"/>
+          </a:p>
+          <a:p>
+            <a:r>
+              <a:rPr lang="fr-FR" dirty="0"/>
+              <a:t>Page CSS main.css en place </a:t>
+            </a:r>
+          </a:p>
+          <a:p>
+            <a:r>
+              <a:rPr lang="fr-FR" dirty="0"/>
+              <a:t>Uniformisé tout les CSS du site</a:t>
+            </a:r>
+          </a:p>
+          <a:p>
+            <a:r>
+              <a:rPr lang="fr-FR" dirty="0"/>
+              <a:t>Rectification de la page panier - a terminé</a:t>
+            </a:r>
+          </a:p>
+          <a:p>
+            <a:endParaRPr lang="fr-FR" dirty="0"/>
+          </a:p>
+          <a:p>
+            <a:r>
+              <a:rPr lang="fr-FR" dirty="0" err="1"/>
+              <a:t>Recupération</a:t>
+            </a:r>
+            <a:r>
+              <a:rPr lang="fr-FR" dirty="0"/>
+              <a:t> des données articles</a:t>
+            </a:r>
+          </a:p>
+          <a:p>
+            <a:r>
+              <a:rPr lang="fr-FR" dirty="0" err="1"/>
+              <a:t>Requete</a:t>
+            </a:r>
+            <a:r>
+              <a:rPr lang="fr-FR" dirty="0"/>
+              <a:t> SQL</a:t>
+            </a:r>
+          </a:p>
+          <a:p>
+            <a:r>
+              <a:rPr lang="fr-FR" dirty="0"/>
+              <a:t>Partie connexion PHP (créer une </a:t>
+            </a:r>
+            <a:r>
+              <a:rPr lang="fr-FR" dirty="0" err="1"/>
+              <a:t>sesison</a:t>
+            </a:r>
+            <a:r>
+              <a:rPr lang="fr-FR" dirty="0"/>
+              <a:t>)</a:t>
+            </a:r>
+          </a:p>
+          <a:p>
+            <a:r>
+              <a:rPr lang="fr-FR" dirty="0"/>
+              <a:t>Mise en place du diaporama</a:t>
+            </a:r>
+          </a:p>
+          <a:p>
+            <a:endParaRPr lang="fr-FR" dirty="0"/>
+          </a:p>
+          <a:p>
+            <a:r>
+              <a:rPr lang="fr-FR" dirty="0"/>
+              <a:t>Bloque </a:t>
+            </a:r>
+            <a:r>
+              <a:rPr lang="fr-FR" dirty="0" err="1"/>
+              <a:t>modele</a:t>
+            </a:r>
+            <a:r>
+              <a:rPr lang="fr-FR" dirty="0"/>
+              <a:t> page figurine</a:t>
+            </a:r>
+          </a:p>
+          <a:p>
+            <a:r>
+              <a:rPr lang="fr-FR" dirty="0"/>
+              <a:t>Nettoyage code</a:t>
             </a:r>
           </a:p>
           <a:p>
@@ -5477,8 +5596,8 @@
         </p:nvSpPr>
         <p:spPr>
           <a:xfrm>
-            <a:off x="3959258" y="1696825"/>
-            <a:ext cx="2837468" cy="1477328"/>
+            <a:off x="172149" y="0"/>
+            <a:ext cx="11847699" cy="6740307"/>
           </a:xfrm>
           <a:prstGeom prst="rect">
             <a:avLst/>
@@ -5492,36 +5611,225 @@
           <a:lstStyle/>
           <a:p>
             <a:r>
+              <a:rPr lang="fr-FR" dirty="0"/>
+              <a:t>Journée 5 : REALISEE</a:t>
+            </a:r>
+          </a:p>
+          <a:p>
+            <a:endParaRPr lang="fr-FR" dirty="0"/>
+          </a:p>
+          <a:p>
+            <a:r>
+              <a:rPr lang="fr-FR" dirty="0"/>
+              <a:t>La modification de la </a:t>
+            </a:r>
+            <a:r>
               <a:rPr lang="fr-FR" dirty="0" err="1"/>
-              <a:t>Ojectif</a:t>
-            </a:r>
-            <a:r>
-              <a:rPr lang="fr-FR" dirty="0"/>
-              <a:t> à </a:t>
+              <a:t>Navbar</a:t>
+            </a:r>
+            <a:r>
+              <a:rPr lang="fr-FR" dirty="0"/>
+              <a:t> : centrée icone + fixée la </a:t>
             </a:r>
             <a:r>
               <a:rPr lang="fr-FR" dirty="0" err="1"/>
-              <a:t>realisé</a:t>
-            </a:r>
-            <a:r>
-              <a:rPr lang="fr-FR" dirty="0"/>
-              <a:t> : JOUR 5</a:t>
-            </a:r>
-          </a:p>
-          <a:p>
+              <a:t>navbar</a:t>
+            </a:r>
             <a:endParaRPr lang="fr-FR" dirty="0"/>
           </a:p>
           <a:p>
             <a:r>
-              <a:rPr lang="fr-FR" dirty="0"/>
-              <a:t>Objectif réalisé  JOUR 5  :</a:t>
-            </a:r>
-          </a:p>
-          <a:p>
-            <a:endParaRPr lang="fr-FR" dirty="0"/>
-          </a:p>
-          <a:p>
-            <a:endParaRPr lang="fr-FR" dirty="0"/>
+              <a:rPr lang="fr-FR" dirty="0" err="1"/>
+              <a:t>magin</a:t>
+            </a:r>
+            <a:r>
+              <a:rPr lang="fr-FR" dirty="0"/>
+              <a:t>-top en place sur la </a:t>
+            </a:r>
+            <a:r>
+              <a:rPr lang="fr-FR" dirty="0" err="1"/>
+              <a:t>navbar</a:t>
+            </a:r>
+            <a:r>
+              <a:rPr lang="fr-FR" dirty="0"/>
+              <a:t> : remise en place des structures de page</a:t>
+            </a:r>
+          </a:p>
+          <a:p>
+            <a:r>
+              <a:rPr lang="fr-FR" dirty="0"/>
+              <a:t>Page contact : </a:t>
+            </a:r>
+          </a:p>
+          <a:p>
+            <a:r>
+              <a:rPr lang="fr-FR" dirty="0"/>
+              <a:t>Enlevé la bordure grise (optimiser à la forme du site)</a:t>
+            </a:r>
+          </a:p>
+          <a:p>
+            <a:r>
+              <a:rPr lang="fr-FR" dirty="0"/>
+              <a:t>Adresse = panel panel-default (intégrer)</a:t>
+            </a:r>
+          </a:p>
+          <a:p>
+            <a:r>
+              <a:rPr lang="fr-FR" dirty="0"/>
+              <a:t>Page figurine :</a:t>
+            </a:r>
+          </a:p>
+          <a:p>
+            <a:r>
+              <a:rPr lang="fr-FR" dirty="0"/>
+              <a:t>Modification du modèle de figurine </a:t>
+            </a:r>
+          </a:p>
+          <a:p>
+            <a:r>
+              <a:rPr lang="fr-FR" dirty="0"/>
+              <a:t>détourage des images (articles)</a:t>
+            </a:r>
+          </a:p>
+          <a:p>
+            <a:r>
+              <a:rPr lang="fr-FR" dirty="0"/>
+              <a:t>Page accueil :</a:t>
+            </a:r>
+          </a:p>
+          <a:p>
+            <a:r>
+              <a:rPr lang="fr-FR" dirty="0" err="1"/>
+              <a:t>suppresion</a:t>
+            </a:r>
+            <a:r>
+              <a:rPr lang="fr-FR" dirty="0"/>
+              <a:t> du </a:t>
+            </a:r>
+            <a:r>
+              <a:rPr lang="fr-FR" dirty="0" err="1"/>
+              <a:t>caroussel</a:t>
+            </a:r>
+            <a:r>
+              <a:rPr lang="fr-FR" dirty="0"/>
+              <a:t> = a la place vidéo (je pose le code vidéo - anis/</a:t>
+            </a:r>
+            <a:r>
+              <a:rPr lang="fr-FR" dirty="0" err="1"/>
+              <a:t>jc</a:t>
+            </a:r>
+            <a:r>
+              <a:rPr lang="fr-FR" dirty="0"/>
+              <a:t> télécharge la vidéo) dans le container </a:t>
+            </a:r>
+          </a:p>
+          <a:p>
+            <a:r>
+              <a:rPr lang="fr-FR" dirty="0"/>
+              <a:t>Remplacé </a:t>
+            </a:r>
+            <a:r>
+              <a:rPr lang="fr-FR" dirty="0" err="1"/>
+              <a:t>deadpool</a:t>
+            </a:r>
+            <a:r>
+              <a:rPr lang="fr-FR" dirty="0"/>
+              <a:t> par un </a:t>
+            </a:r>
+            <a:r>
+              <a:rPr lang="fr-FR" dirty="0" err="1"/>
+              <a:t>caroussel</a:t>
+            </a:r>
+            <a:r>
+              <a:rPr lang="fr-FR" dirty="0"/>
+              <a:t> </a:t>
+            </a:r>
+          </a:p>
+          <a:p>
+            <a:r>
+              <a:rPr lang="fr-FR" dirty="0"/>
+              <a:t>Page panier :</a:t>
+            </a:r>
+          </a:p>
+          <a:p>
+            <a:r>
+              <a:rPr lang="fr-FR" dirty="0"/>
+              <a:t>Rectification a terminée</a:t>
+            </a:r>
+          </a:p>
+          <a:p>
+            <a:r>
+              <a:rPr lang="fr-FR" dirty="0"/>
+              <a:t>Page compte : </a:t>
+            </a:r>
+          </a:p>
+          <a:p>
+            <a:r>
+              <a:rPr lang="fr-FR" dirty="0"/>
+              <a:t>Structure de page a réaliser concernant l'historique du panier </a:t>
+            </a:r>
+          </a:p>
+          <a:p>
+            <a:r>
+              <a:rPr lang="fr-FR" dirty="0" err="1"/>
+              <a:t>Navbar</a:t>
+            </a:r>
+            <a:r>
+              <a:rPr lang="fr-FR" dirty="0"/>
+              <a:t> : ajouter un bouton déconnexion (en option)</a:t>
+            </a:r>
+          </a:p>
+          <a:p>
+            <a:r>
+              <a:rPr lang="fr-FR" dirty="0"/>
+              <a:t>Fixé en haut en de </a:t>
+            </a:r>
+            <a:r>
+              <a:rPr lang="fr-FR" dirty="0" err="1"/>
+              <a:t>lécran</a:t>
+            </a:r>
+            <a:r>
+              <a:rPr lang="fr-FR" dirty="0"/>
+              <a:t> - même lorsque tu </a:t>
+            </a:r>
+            <a:r>
+              <a:rPr lang="fr-FR" dirty="0" err="1"/>
+              <a:t>scrolls</a:t>
+            </a:r>
+            <a:r>
+              <a:rPr lang="fr-FR" dirty="0"/>
+              <a:t> </a:t>
+            </a:r>
+          </a:p>
+          <a:p>
+            <a:r>
+              <a:rPr lang="fr-FR" dirty="0"/>
+              <a:t>infos bulles sur les icones </a:t>
+            </a:r>
+          </a:p>
+          <a:p>
+            <a:r>
+              <a:rPr lang="fr-FR" dirty="0"/>
+              <a:t>----------------&gt; a finalisé plus tard</a:t>
+            </a:r>
+          </a:p>
+          <a:p>
+            <a:r>
+              <a:rPr lang="fr-FR" dirty="0"/>
+              <a:t>PHP : </a:t>
+            </a:r>
+          </a:p>
+          <a:p>
+            <a:r>
+              <a:rPr lang="fr-FR" dirty="0"/>
+              <a:t>page d'inscription</a:t>
+            </a:r>
+          </a:p>
+          <a:p>
+            <a:r>
+              <a:rPr lang="fr-FR" dirty="0"/>
+              <a:t>page gestion</a:t>
+            </a:r>
           </a:p>
         </p:txBody>
       </p:sp>
@@ -5529,6 +5837,330 @@
     <p:extLst>
       <p:ext uri="{BB962C8B-B14F-4D97-AF65-F5344CB8AC3E}">
         <p14:creationId xmlns:p14="http://schemas.microsoft.com/office/powerpoint/2010/main" val="384764369"/>
+      </p:ext>
+    </p:extLst>
+  </p:cSld>
+  <p:clrMapOvr>
+    <a:masterClrMapping/>
+  </p:clrMapOvr>
+</p:sld>
+</file>
+
+<file path=ppt/slides/slide16.xml><?xml version="1.0" encoding="utf-8"?>
+<p:sld xmlns:a="http://schemas.openxmlformats.org/drawingml/2006/main" xmlns:r="http://schemas.openxmlformats.org/officeDocument/2006/relationships" xmlns:p="http://schemas.openxmlformats.org/presentationml/2006/main">
+  <p:cSld>
+    <p:spTree>
+      <p:nvGrpSpPr>
+        <p:cNvPr id="1" name=""/>
+        <p:cNvGrpSpPr/>
+        <p:nvPr/>
+      </p:nvGrpSpPr>
+      <p:grpSpPr>
+        <a:xfrm>
+          <a:off x="0" y="0"/>
+          <a:ext cx="0" cy="0"/>
+          <a:chOff x="0" y="0"/>
+          <a:chExt cx="0" cy="0"/>
+        </a:xfrm>
+      </p:grpSpPr>
+      <p:sp>
+        <p:nvSpPr>
+          <p:cNvPr id="2" name="Titre 1">
+            <a:extLst>
+              <a:ext uri="{FF2B5EF4-FFF2-40B4-BE49-F238E27FC236}">
+                <a16:creationId xmlns:a16="http://schemas.microsoft.com/office/drawing/2014/main" id="{FC5859B7-5D92-429D-AA36-34CB579D8431}"/>
+              </a:ext>
+            </a:extLst>
+          </p:cNvPr>
+          <p:cNvSpPr>
+            <a:spLocks noGrp="1"/>
+          </p:cNvSpPr>
+          <p:nvPr>
+            <p:ph type="ctrTitle"/>
+          </p:nvPr>
+        </p:nvSpPr>
+        <p:spPr>
+          <a:xfrm>
+            <a:off x="1524000" y="1122363"/>
+            <a:ext cx="9144000" cy="2387600"/>
+          </a:xfrm>
+        </p:spPr>
+        <p:txBody>
+          <a:bodyPr/>
+          <a:lstStyle/>
+          <a:p>
+            <a:endParaRPr lang="fr-FR"/>
+          </a:p>
+        </p:txBody>
+      </p:sp>
+      <p:sp>
+        <p:nvSpPr>
+          <p:cNvPr id="3" name="Sous-titre 2">
+            <a:extLst>
+              <a:ext uri="{FF2B5EF4-FFF2-40B4-BE49-F238E27FC236}">
+                <a16:creationId xmlns:a16="http://schemas.microsoft.com/office/drawing/2014/main" id="{BA6FBF37-8729-41B4-8ECD-04743E2F5227}"/>
+              </a:ext>
+            </a:extLst>
+          </p:cNvPr>
+          <p:cNvSpPr>
+            <a:spLocks noGrp="1"/>
+          </p:cNvSpPr>
+          <p:nvPr>
+            <p:ph type="subTitle" idx="1"/>
+          </p:nvPr>
+        </p:nvSpPr>
+        <p:spPr>
+          <a:xfrm>
+            <a:off x="1524000" y="3602038"/>
+            <a:ext cx="9144000" cy="1655762"/>
+          </a:xfrm>
+        </p:spPr>
+        <p:txBody>
+          <a:bodyPr/>
+          <a:lstStyle/>
+          <a:p>
+            <a:endParaRPr lang="fr-FR"/>
+          </a:p>
+        </p:txBody>
+      </p:sp>
+      <p:pic>
+        <p:nvPicPr>
+          <p:cNvPr id="7" name="Image 6">
+            <a:extLst>
+              <a:ext uri="{FF2B5EF4-FFF2-40B4-BE49-F238E27FC236}">
+                <a16:creationId xmlns:a16="http://schemas.microsoft.com/office/drawing/2014/main" id="{1CB72F68-4AD6-4FB2-9AB8-D6451FA13416}"/>
+              </a:ext>
+            </a:extLst>
+          </p:cNvPr>
+          <p:cNvPicPr>
+            <a:picLocks noChangeAspect="1"/>
+          </p:cNvPicPr>
+          <p:nvPr/>
+        </p:nvPicPr>
+        <p:blipFill>
+          <a:blip r:embed="rId2">
+            <a:extLst>
+              <a:ext uri="{28A0092B-C50C-407E-A947-70E740481C1C}">
+                <a14:useLocalDpi xmlns:a14="http://schemas.microsoft.com/office/drawing/2010/main" val="0"/>
+              </a:ext>
+            </a:extLst>
+          </a:blip>
+          <a:stretch>
+            <a:fillRect/>
+          </a:stretch>
+        </p:blipFill>
+        <p:spPr>
+          <a:xfrm>
+            <a:off x="4542" y="0"/>
+            <a:ext cx="12182915" cy="6858000"/>
+          </a:xfrm>
+          <a:prstGeom prst="rect">
+            <a:avLst/>
+          </a:prstGeom>
+        </p:spPr>
+      </p:pic>
+      <p:pic>
+        <p:nvPicPr>
+          <p:cNvPr id="9" name="Image 8">
+            <a:extLst>
+              <a:ext uri="{FF2B5EF4-FFF2-40B4-BE49-F238E27FC236}">
+                <a16:creationId xmlns:a16="http://schemas.microsoft.com/office/drawing/2014/main" id="{DDD74F79-50B8-4ED4-B6D9-9A7E75EB116D}"/>
+              </a:ext>
+            </a:extLst>
+          </p:cNvPr>
+          <p:cNvPicPr>
+            <a:picLocks noChangeAspect="1"/>
+          </p:cNvPicPr>
+          <p:nvPr/>
+        </p:nvPicPr>
+        <p:blipFill>
+          <a:blip r:embed="rId3">
+            <a:extLst>
+              <a:ext uri="{28A0092B-C50C-407E-A947-70E740481C1C}">
+                <a14:useLocalDpi xmlns:a14="http://schemas.microsoft.com/office/drawing/2010/main" val="0"/>
+              </a:ext>
+            </a:extLst>
+          </a:blip>
+          <a:stretch>
+            <a:fillRect/>
+          </a:stretch>
+        </p:blipFill>
+        <p:spPr>
+          <a:xfrm>
+            <a:off x="10668000" y="5554358"/>
+            <a:ext cx="1574627" cy="1349680"/>
+          </a:xfrm>
+          <a:prstGeom prst="rect">
+            <a:avLst/>
+          </a:prstGeom>
+        </p:spPr>
+      </p:pic>
+    </p:spTree>
+    <p:extLst>
+      <p:ext uri="{BB962C8B-B14F-4D97-AF65-F5344CB8AC3E}">
+        <p14:creationId xmlns:p14="http://schemas.microsoft.com/office/powerpoint/2010/main" val="210633486"/>
+      </p:ext>
+    </p:extLst>
+  </p:cSld>
+  <p:clrMapOvr>
+    <a:masterClrMapping/>
+  </p:clrMapOvr>
+</p:sld>
+</file>
+
+<file path=ppt/slides/slide17.xml><?xml version="1.0" encoding="utf-8"?>
+<p:sld xmlns:a="http://schemas.openxmlformats.org/drawingml/2006/main" xmlns:r="http://schemas.openxmlformats.org/officeDocument/2006/relationships" xmlns:p="http://schemas.openxmlformats.org/presentationml/2006/main">
+  <p:cSld>
+    <p:spTree>
+      <p:nvGrpSpPr>
+        <p:cNvPr id="1" name=""/>
+        <p:cNvGrpSpPr/>
+        <p:nvPr/>
+      </p:nvGrpSpPr>
+      <p:grpSpPr>
+        <a:xfrm>
+          <a:off x="0" y="0"/>
+          <a:ext cx="0" cy="0"/>
+          <a:chOff x="0" y="0"/>
+          <a:chExt cx="0" cy="0"/>
+        </a:xfrm>
+      </p:grpSpPr>
+      <p:sp>
+        <p:nvSpPr>
+          <p:cNvPr id="2" name="Titre 1">
+            <a:extLst>
+              <a:ext uri="{FF2B5EF4-FFF2-40B4-BE49-F238E27FC236}">
+                <a16:creationId xmlns:a16="http://schemas.microsoft.com/office/drawing/2014/main" id="{FC5859B7-5D92-429D-AA36-34CB579D8431}"/>
+              </a:ext>
+            </a:extLst>
+          </p:cNvPr>
+          <p:cNvSpPr>
+            <a:spLocks noGrp="1"/>
+          </p:cNvSpPr>
+          <p:nvPr>
+            <p:ph type="ctrTitle"/>
+          </p:nvPr>
+        </p:nvSpPr>
+        <p:spPr>
+          <a:xfrm>
+            <a:off x="1524000" y="1122363"/>
+            <a:ext cx="9144000" cy="2387600"/>
+          </a:xfrm>
+        </p:spPr>
+        <p:txBody>
+          <a:bodyPr/>
+          <a:lstStyle/>
+          <a:p>
+            <a:endParaRPr lang="fr-FR"/>
+          </a:p>
+        </p:txBody>
+      </p:sp>
+      <p:sp>
+        <p:nvSpPr>
+          <p:cNvPr id="3" name="Sous-titre 2">
+            <a:extLst>
+              <a:ext uri="{FF2B5EF4-FFF2-40B4-BE49-F238E27FC236}">
+                <a16:creationId xmlns:a16="http://schemas.microsoft.com/office/drawing/2014/main" id="{BA6FBF37-8729-41B4-8ECD-04743E2F5227}"/>
+              </a:ext>
+            </a:extLst>
+          </p:cNvPr>
+          <p:cNvSpPr>
+            <a:spLocks noGrp="1"/>
+          </p:cNvSpPr>
+          <p:nvPr>
+            <p:ph type="subTitle" idx="1"/>
+          </p:nvPr>
+        </p:nvSpPr>
+        <p:spPr>
+          <a:xfrm>
+            <a:off x="1524000" y="3602038"/>
+            <a:ext cx="9144000" cy="1655762"/>
+          </a:xfrm>
+        </p:spPr>
+        <p:txBody>
+          <a:bodyPr/>
+          <a:lstStyle/>
+          <a:p>
+            <a:endParaRPr lang="fr-FR"/>
+          </a:p>
+        </p:txBody>
+      </p:sp>
+      <p:pic>
+        <p:nvPicPr>
+          <p:cNvPr id="7" name="Image 6">
+            <a:extLst>
+              <a:ext uri="{FF2B5EF4-FFF2-40B4-BE49-F238E27FC236}">
+                <a16:creationId xmlns:a16="http://schemas.microsoft.com/office/drawing/2014/main" id="{1CB72F68-4AD6-4FB2-9AB8-D6451FA13416}"/>
+              </a:ext>
+            </a:extLst>
+          </p:cNvPr>
+          <p:cNvPicPr>
+            <a:picLocks noChangeAspect="1"/>
+          </p:cNvPicPr>
+          <p:nvPr/>
+        </p:nvPicPr>
+        <p:blipFill>
+          <a:blip r:embed="rId2">
+            <a:extLst>
+              <a:ext uri="{28A0092B-C50C-407E-A947-70E740481C1C}">
+                <a14:useLocalDpi xmlns:a14="http://schemas.microsoft.com/office/drawing/2010/main" val="0"/>
+              </a:ext>
+            </a:extLst>
+          </a:blip>
+          <a:stretch>
+            <a:fillRect/>
+          </a:stretch>
+        </p:blipFill>
+        <p:spPr>
+          <a:xfrm>
+            <a:off x="4542" y="0"/>
+            <a:ext cx="12182915" cy="6858000"/>
+          </a:xfrm>
+          <a:prstGeom prst="rect">
+            <a:avLst/>
+          </a:prstGeom>
+        </p:spPr>
+      </p:pic>
+      <p:pic>
+        <p:nvPicPr>
+          <p:cNvPr id="9" name="Image 8">
+            <a:extLst>
+              <a:ext uri="{FF2B5EF4-FFF2-40B4-BE49-F238E27FC236}">
+                <a16:creationId xmlns:a16="http://schemas.microsoft.com/office/drawing/2014/main" id="{DDD74F79-50B8-4ED4-B6D9-9A7E75EB116D}"/>
+              </a:ext>
+            </a:extLst>
+          </p:cNvPr>
+          <p:cNvPicPr>
+            <a:picLocks noChangeAspect="1"/>
+          </p:cNvPicPr>
+          <p:nvPr/>
+        </p:nvPicPr>
+        <p:blipFill>
+          <a:blip r:embed="rId3">
+            <a:extLst>
+              <a:ext uri="{28A0092B-C50C-407E-A947-70E740481C1C}">
+                <a14:useLocalDpi xmlns:a14="http://schemas.microsoft.com/office/drawing/2010/main" val="0"/>
+              </a:ext>
+            </a:extLst>
+          </a:blip>
+          <a:stretch>
+            <a:fillRect/>
+          </a:stretch>
+        </p:blipFill>
+        <p:spPr>
+          <a:xfrm>
+            <a:off x="10668000" y="5554358"/>
+            <a:ext cx="1574627" cy="1349680"/>
+          </a:xfrm>
+          <a:prstGeom prst="rect">
+            <a:avLst/>
+          </a:prstGeom>
+        </p:spPr>
+      </p:pic>
+    </p:spTree>
+    <p:extLst>
+      <p:ext uri="{BB962C8B-B14F-4D97-AF65-F5344CB8AC3E}">
+        <p14:creationId xmlns:p14="http://schemas.microsoft.com/office/powerpoint/2010/main" val="978903507"/>
       </p:ext>
     </p:extLst>
   </p:cSld>
@@ -7126,8 +7758,8 @@
         </p:nvSpPr>
         <p:spPr>
           <a:xfrm>
-            <a:off x="3978111" y="1122362"/>
-            <a:ext cx="5571242" cy="4524315"/>
+            <a:off x="381000" y="2383207"/>
+            <a:ext cx="9903905" cy="954107"/>
           </a:xfrm>
           <a:prstGeom prst="rect">
             <a:avLst/>
@@ -7141,101 +7773,359 @@
           <a:lstStyle/>
           <a:p>
             <a:r>
-              <a:rPr lang="fr-FR" dirty="0" err="1"/>
-              <a:t>Ojectif</a:t>
-            </a:r>
-            <a:r>
-              <a:rPr lang="fr-FR" dirty="0"/>
-              <a:t> à </a:t>
-            </a:r>
-            <a:r>
-              <a:rPr lang="fr-FR" dirty="0" err="1"/>
-              <a:t>realisé</a:t>
-            </a:r>
-            <a:r>
-              <a:rPr lang="fr-FR" dirty="0"/>
-              <a:t> : JOUR 1 : </a:t>
-            </a:r>
-          </a:p>
-          <a:p>
-            <a:r>
-              <a:rPr lang="fr-FR" dirty="0"/>
-              <a:t>Mise en place d’une base de donnée</a:t>
-            </a:r>
-          </a:p>
-          <a:p>
-            <a:r>
-              <a:rPr lang="fr-FR" dirty="0"/>
-              <a:t>MCD / Merise</a:t>
+              <a:rPr lang="fr-FR" sz="2800" dirty="0"/>
+              <a:t>- </a:t>
+            </a:r>
+            <a:r>
+              <a:rPr lang="fr-FR" sz="2800" dirty="0" err="1"/>
+              <a:t>Database</a:t>
+            </a:r>
+            <a:r>
+              <a:rPr lang="fr-FR" sz="2800" dirty="0"/>
+              <a:t> avec les tables réalisé</a:t>
+            </a:r>
+          </a:p>
+          <a:p>
+            <a:r>
+              <a:rPr lang="fr-FR" sz="2800" dirty="0"/>
+              <a:t>- MCD / Merise </a:t>
+            </a:r>
+          </a:p>
+        </p:txBody>
+      </p:sp>
+      <p:sp>
+        <p:nvSpPr>
+          <p:cNvPr id="8" name="Rectangle 7">
+            <a:extLst>
+              <a:ext uri="{FF2B5EF4-FFF2-40B4-BE49-F238E27FC236}">
+                <a16:creationId xmlns:a16="http://schemas.microsoft.com/office/drawing/2014/main" id="{4C0ED370-6748-452A-8819-778C501D92DF}"/>
+              </a:ext>
+            </a:extLst>
+          </p:cNvPr>
+          <p:cNvSpPr/>
+          <p:nvPr/>
+        </p:nvSpPr>
+        <p:spPr>
+          <a:xfrm>
+            <a:off x="287079" y="135803"/>
+            <a:ext cx="3895725" cy="1140104"/>
+          </a:xfrm>
+          <a:prstGeom prst="rect">
+            <a:avLst/>
+          </a:prstGeom>
+          <a:solidFill>
+            <a:schemeClr val="tx1">
+              <a:lumMod val="95000"/>
+              <a:lumOff val="5000"/>
+            </a:schemeClr>
+          </a:solidFill>
+          <a:ln>
+            <a:solidFill>
+              <a:schemeClr val="tx1">
+                <a:lumMod val="85000"/>
+                <a:lumOff val="15000"/>
+              </a:schemeClr>
+            </a:solidFill>
+          </a:ln>
+          <a:effectLst/>
+          <a:scene3d>
+            <a:camera prst="orthographicFront">
+              <a:rot lat="0" lon="0" rev="0"/>
+            </a:camera>
+            <a:lightRig rig="chilly" dir="t">
+              <a:rot lat="0" lon="0" rev="18480000"/>
+            </a:lightRig>
+          </a:scene3d>
+          <a:sp3d prstMaterial="clear">
+            <a:bevelT h="63500"/>
+          </a:sp3d>
+        </p:spPr>
+        <p:style>
+          <a:lnRef idx="2">
+            <a:schemeClr val="accent1">
+              <a:shade val="50000"/>
+            </a:schemeClr>
+          </a:lnRef>
+          <a:fillRef idx="1">
+            <a:schemeClr val="accent1"/>
+          </a:fillRef>
+          <a:effectRef idx="0">
+            <a:schemeClr val="accent1"/>
+          </a:effectRef>
+          <a:fontRef idx="minor">
+            <a:schemeClr val="lt1"/>
+          </a:fontRef>
+        </p:style>
+        <p:txBody>
+          <a:bodyPr rtlCol="0" anchor="ctr"/>
+          <a:lstStyle/>
+          <a:p>
+            <a:pPr algn="ctr"/>
+            <a:r>
+              <a:rPr lang="fr-FR" sz="2800" b="1" dirty="0">
+                <a:solidFill>
+                  <a:schemeClr val="bg2">
+                    <a:lumMod val="25000"/>
+                  </a:schemeClr>
+                </a:solidFill>
+              </a:rPr>
+              <a:t>TACHES REALISEES          </a:t>
+            </a:r>
+          </a:p>
+          <a:p>
+            <a:pPr algn="ctr"/>
+            <a:r>
+              <a:rPr lang="fr-FR" sz="2800" b="1" dirty="0">
+                <a:solidFill>
+                  <a:schemeClr val="bg2">
+                    <a:lumMod val="25000"/>
+                  </a:schemeClr>
+                </a:solidFill>
+              </a:rPr>
+              <a:t>LE JOUR 1</a:t>
+            </a:r>
+          </a:p>
+        </p:txBody>
+      </p:sp>
+      <p:sp>
+        <p:nvSpPr>
+          <p:cNvPr id="4" name="ZoneTexte 3">
+            <a:extLst>
+              <a:ext uri="{FF2B5EF4-FFF2-40B4-BE49-F238E27FC236}">
+                <a16:creationId xmlns:a16="http://schemas.microsoft.com/office/drawing/2014/main" id="{4BF73A7A-D643-4483-B2E7-65BEE07ACFB8}"/>
+              </a:ext>
+            </a:extLst>
+          </p:cNvPr>
+          <p:cNvSpPr txBox="1"/>
+          <p:nvPr/>
+        </p:nvSpPr>
+        <p:spPr>
+          <a:xfrm>
+            <a:off x="181638" y="4395626"/>
+            <a:ext cx="11828721" cy="1569660"/>
+          </a:xfrm>
+          <a:prstGeom prst="rect">
+            <a:avLst/>
+          </a:prstGeom>
+          <a:noFill/>
+        </p:spPr>
+        <p:txBody>
+          <a:bodyPr wrap="square" rtlCol="0">
+            <a:spAutoFit/>
+          </a:bodyPr>
+          <a:lstStyle/>
+          <a:p>
+            <a:r>
+              <a:rPr lang="fr-FR" sz="2600" dirty="0"/>
+              <a:t>(Voir fichier croquis du site complet)</a:t>
+            </a:r>
+          </a:p>
+          <a:p>
+            <a:r>
+              <a:rPr lang="fr-FR" sz="2600" dirty="0"/>
+              <a:t>- Icon réalisé</a:t>
+            </a:r>
+          </a:p>
+          <a:p>
+            <a:r>
+              <a:rPr lang="fr-FR" sz="2600" dirty="0"/>
+              <a:t>- Image et présentation de chacun des produits récupéré </a:t>
             </a:r>
           </a:p>
           <a:p>
             <a:endParaRPr lang="fr-FR" dirty="0"/>
           </a:p>
-          <a:p>
-            <a:r>
-              <a:rPr lang="fr-FR" dirty="0"/>
-              <a:t>Croquis et structure du site internet</a:t>
+        </p:txBody>
+      </p:sp>
+      <p:sp>
+        <p:nvSpPr>
+          <p:cNvPr id="10" name="Rectangle : coins arrondis 9">
+            <a:extLst>
+              <a:ext uri="{FF2B5EF4-FFF2-40B4-BE49-F238E27FC236}">
+                <a16:creationId xmlns:a16="http://schemas.microsoft.com/office/drawing/2014/main" id="{01B418DB-4A5B-4A7C-892A-027DEF08F489}"/>
+              </a:ext>
+            </a:extLst>
+          </p:cNvPr>
+          <p:cNvSpPr/>
+          <p:nvPr/>
+        </p:nvSpPr>
+        <p:spPr>
+          <a:xfrm>
+            <a:off x="287079" y="1701281"/>
+            <a:ext cx="6713796" cy="597988"/>
+          </a:xfrm>
+          <a:prstGeom prst="roundRect">
+            <a:avLst/>
+          </a:prstGeom>
+          <a:solidFill>
+            <a:schemeClr val="bg2">
+              <a:lumMod val="90000"/>
+            </a:schemeClr>
+          </a:solidFill>
+          <a:ln>
+            <a:solidFill>
+              <a:schemeClr val="bg1">
+                <a:lumMod val="75000"/>
+              </a:schemeClr>
+            </a:solidFill>
+          </a:ln>
+        </p:spPr>
+        <p:style>
+          <a:lnRef idx="2">
+            <a:schemeClr val="accent1">
+              <a:shade val="50000"/>
+            </a:schemeClr>
+          </a:lnRef>
+          <a:fillRef idx="1">
+            <a:schemeClr val="accent1"/>
+          </a:fillRef>
+          <a:effectRef idx="0">
+            <a:schemeClr val="accent1"/>
+          </a:effectRef>
+          <a:fontRef idx="minor">
+            <a:schemeClr val="lt1"/>
+          </a:fontRef>
+        </p:style>
+        <p:txBody>
+          <a:bodyPr rtlCol="0" anchor="ctr"/>
+          <a:lstStyle/>
+          <a:p>
+            <a:pPr algn="ctr"/>
+            <a:endParaRPr lang="fr-FR"/>
+          </a:p>
+        </p:txBody>
+      </p:sp>
+      <p:sp>
+        <p:nvSpPr>
+          <p:cNvPr id="11" name="ZoneTexte 10">
+            <a:extLst>
+              <a:ext uri="{FF2B5EF4-FFF2-40B4-BE49-F238E27FC236}">
+                <a16:creationId xmlns:a16="http://schemas.microsoft.com/office/drawing/2014/main" id="{4F6769F6-DD94-4D1F-8DB2-0EFDC6FDC03E}"/>
+              </a:ext>
+            </a:extLst>
+          </p:cNvPr>
+          <p:cNvSpPr txBox="1"/>
+          <p:nvPr/>
+        </p:nvSpPr>
+        <p:spPr>
+          <a:xfrm>
+            <a:off x="381000" y="1701282"/>
+            <a:ext cx="5715000" cy="954107"/>
+          </a:xfrm>
+          <a:prstGeom prst="rect">
+            <a:avLst/>
+          </a:prstGeom>
+          <a:noFill/>
+        </p:spPr>
+        <p:txBody>
+          <a:bodyPr wrap="square" rtlCol="0">
+            <a:spAutoFit/>
+          </a:bodyPr>
+          <a:lstStyle/>
+          <a:p>
+            <a:r>
+              <a:rPr lang="fr-FR" sz="2800" dirty="0"/>
+              <a:t>Mise en place d'une base de donnée : </a:t>
+            </a:r>
+          </a:p>
+          <a:p>
+            <a:endParaRPr lang="fr-FR" sz="2800" dirty="0"/>
+          </a:p>
+        </p:txBody>
+      </p:sp>
+      <p:sp>
+        <p:nvSpPr>
+          <p:cNvPr id="14" name="Rectangle : coins arrondis 13">
+            <a:extLst>
+              <a:ext uri="{FF2B5EF4-FFF2-40B4-BE49-F238E27FC236}">
+                <a16:creationId xmlns:a16="http://schemas.microsoft.com/office/drawing/2014/main" id="{49EB4802-E9E5-439C-B63F-E1CDF0E5CC08}"/>
+              </a:ext>
+            </a:extLst>
+          </p:cNvPr>
+          <p:cNvSpPr/>
+          <p:nvPr/>
+        </p:nvSpPr>
+        <p:spPr>
+          <a:xfrm>
+            <a:off x="287078" y="3520687"/>
+            <a:ext cx="6713796" cy="597988"/>
+          </a:xfrm>
+          <a:prstGeom prst="roundRect">
+            <a:avLst/>
+          </a:prstGeom>
+          <a:solidFill>
+            <a:schemeClr val="bg2">
+              <a:lumMod val="90000"/>
+            </a:schemeClr>
+          </a:solidFill>
+          <a:ln>
+            <a:solidFill>
+              <a:schemeClr val="bg1">
+                <a:lumMod val="75000"/>
+              </a:schemeClr>
+            </a:solidFill>
+          </a:ln>
+        </p:spPr>
+        <p:style>
+          <a:lnRef idx="2">
+            <a:schemeClr val="accent1">
+              <a:shade val="50000"/>
+            </a:schemeClr>
+          </a:lnRef>
+          <a:fillRef idx="1">
+            <a:schemeClr val="accent1"/>
+          </a:fillRef>
+          <a:effectRef idx="0">
+            <a:schemeClr val="accent1"/>
+          </a:effectRef>
+          <a:fontRef idx="minor">
+            <a:schemeClr val="lt1"/>
+          </a:fontRef>
+        </p:style>
+        <p:txBody>
+          <a:bodyPr rtlCol="0" anchor="ctr"/>
+          <a:lstStyle/>
+          <a:p>
+            <a:pPr algn="ctr"/>
+            <a:endParaRPr lang="fr-FR"/>
+          </a:p>
+        </p:txBody>
+      </p:sp>
+      <p:sp>
+        <p:nvSpPr>
+          <p:cNvPr id="13" name="ZoneTexte 12">
+            <a:extLst>
+              <a:ext uri="{FF2B5EF4-FFF2-40B4-BE49-F238E27FC236}">
+                <a16:creationId xmlns:a16="http://schemas.microsoft.com/office/drawing/2014/main" id="{C6389C57-5DA0-4BF3-B171-99F2E9FB9D6E}"/>
+              </a:ext>
+            </a:extLst>
+          </p:cNvPr>
+          <p:cNvSpPr txBox="1"/>
+          <p:nvPr/>
+        </p:nvSpPr>
+        <p:spPr>
+          <a:xfrm>
+            <a:off x="227878" y="3563921"/>
+            <a:ext cx="6832195" cy="800219"/>
+          </a:xfrm>
+          <a:prstGeom prst="rect">
+            <a:avLst/>
+          </a:prstGeom>
+          <a:noFill/>
+        </p:spPr>
+        <p:txBody>
+          <a:bodyPr wrap="square" rtlCol="0">
+            <a:spAutoFit/>
+          </a:bodyPr>
+          <a:lstStyle/>
+          <a:p>
+            <a:r>
+              <a:rPr lang="fr-FR" sz="2800" dirty="0"/>
+              <a:t>Mise en place de la structure du site internet :  </a:t>
             </a:r>
           </a:p>
           <a:p>
             <a:endParaRPr lang="fr-FR" dirty="0"/>
-          </a:p>
-          <a:p>
-            <a:r>
-              <a:rPr lang="fr-FR" dirty="0"/>
-              <a:t>Objectif réalisé  JOUR 1  :</a:t>
-            </a:r>
-          </a:p>
-          <a:p>
-            <a:endParaRPr lang="fr-FR" dirty="0"/>
-          </a:p>
-          <a:p>
-            <a:r>
-              <a:rPr lang="fr-FR" dirty="0"/>
-              <a:t>- Mise en place d'une base de donnée : </a:t>
-            </a:r>
-          </a:p>
-          <a:p>
-            <a:r>
-              <a:rPr lang="fr-FR" dirty="0"/>
-              <a:t>- </a:t>
-            </a:r>
-            <a:r>
-              <a:rPr lang="fr-FR" dirty="0" err="1"/>
-              <a:t>Database</a:t>
-            </a:r>
-            <a:r>
-              <a:rPr lang="fr-FR" dirty="0"/>
-              <a:t> avec les tables réalisé</a:t>
-            </a:r>
-          </a:p>
-          <a:p>
-            <a:r>
-              <a:rPr lang="fr-FR" dirty="0"/>
-              <a:t>- MCD / Merise </a:t>
-            </a:r>
-          </a:p>
-          <a:p>
-            <a:endParaRPr lang="fr-FR" dirty="0"/>
-          </a:p>
-          <a:p>
-            <a:r>
-              <a:rPr lang="fr-FR" dirty="0"/>
-              <a:t>- Mise en place de la structure du site internet :  (Voir fichier croquis du site complet)</a:t>
-            </a:r>
-          </a:p>
-          <a:p>
-            <a:r>
-              <a:rPr lang="fr-FR" dirty="0"/>
-              <a:t>- Icon réalisé</a:t>
-            </a:r>
-          </a:p>
-          <a:p>
-            <a:r>
-              <a:rPr lang="fr-FR" dirty="0"/>
-              <a:t>- Image et présentation de chacun des produits récupéré </a:t>
-            </a:r>
           </a:p>
         </p:txBody>
       </p:sp>

--- a/Présentation UPOP.pptx
+++ b/Présentation UPOP.pptx
@@ -5,7 +5,7 @@
     <p:sldMasterId id="2147483648" r:id="rId1"/>
   </p:sldMasterIdLst>
   <p:notesMasterIdLst>
-    <p:notesMasterId r:id="rId19"/>
+    <p:notesMasterId r:id="rId17"/>
   </p:notesMasterIdLst>
   <p:sldIdLst>
     <p:sldId id="270" r:id="rId2"/>
@@ -17,14 +17,12 @@
     <p:sldId id="260" r:id="rId8"/>
     <p:sldId id="261" r:id="rId9"/>
     <p:sldId id="262" r:id="rId10"/>
-    <p:sldId id="263" r:id="rId11"/>
-    <p:sldId id="269" r:id="rId12"/>
-    <p:sldId id="266" r:id="rId13"/>
+    <p:sldId id="269" r:id="rId11"/>
+    <p:sldId id="266" r:id="rId12"/>
+    <p:sldId id="263" r:id="rId13"/>
     <p:sldId id="267" r:id="rId14"/>
     <p:sldId id="268" r:id="rId15"/>
     <p:sldId id="265" r:id="rId16"/>
-    <p:sldId id="271" r:id="rId17"/>
-    <p:sldId id="272" r:id="rId18"/>
   </p:sldIdLst>
   <p:sldSz cx="12192000" cy="6858000"/>
   <p:notesSz cx="6858000" cy="9144000"/>
@@ -549,7 +547,7 @@
           <a:p>
             <a:fld id="{A82AFA23-60E9-432C-A398-95A4C87C79C9}" type="slidenum">
               <a:rPr lang="fr-FR" smtClean="0"/>
-              <a:t>12</a:t>
+              <a:t>11</a:t>
             </a:fld>
             <a:endParaRPr lang="fr-FR"/>
           </a:p>
@@ -3841,7 +3839,7 @@
           <a:p>
             <a:r>
               <a:rPr lang="fr-FR" dirty="0"/>
-              <a:t>Cahiers des charges : 5 mn</a:t>
+              <a:t>Cahier des charges : 5 mn</a:t>
             </a:r>
           </a:p>
           <a:p>
@@ -4022,72 +4020,12 @@
           <a:chExt cx="0" cy="0"/>
         </a:xfrm>
       </p:grpSpPr>
-      <p:sp>
-        <p:nvSpPr>
-          <p:cNvPr id="2" name="Titre 1">
-            <a:extLst>
-              <a:ext uri="{FF2B5EF4-FFF2-40B4-BE49-F238E27FC236}">
-                <a16:creationId xmlns:a16="http://schemas.microsoft.com/office/drawing/2014/main" id="{FC5859B7-5D92-429D-AA36-34CB579D8431}"/>
-              </a:ext>
-            </a:extLst>
-          </p:cNvPr>
-          <p:cNvSpPr>
-            <a:spLocks noGrp="1"/>
-          </p:cNvSpPr>
-          <p:nvPr>
-            <p:ph type="ctrTitle"/>
-          </p:nvPr>
-        </p:nvSpPr>
-        <p:spPr>
-          <a:xfrm>
-            <a:off x="1524000" y="1122363"/>
-            <a:ext cx="9144000" cy="2387600"/>
-          </a:xfrm>
-        </p:spPr>
-        <p:txBody>
-          <a:bodyPr/>
-          <a:lstStyle/>
-          <a:p>
-            <a:endParaRPr lang="fr-FR"/>
-          </a:p>
-        </p:txBody>
-      </p:sp>
-      <p:sp>
-        <p:nvSpPr>
-          <p:cNvPr id="3" name="Sous-titre 2">
-            <a:extLst>
-              <a:ext uri="{FF2B5EF4-FFF2-40B4-BE49-F238E27FC236}">
-                <a16:creationId xmlns:a16="http://schemas.microsoft.com/office/drawing/2014/main" id="{BA6FBF37-8729-41B4-8ECD-04743E2F5227}"/>
-              </a:ext>
-            </a:extLst>
-          </p:cNvPr>
-          <p:cNvSpPr>
-            <a:spLocks noGrp="1"/>
-          </p:cNvSpPr>
-          <p:nvPr>
-            <p:ph type="subTitle" idx="1"/>
-          </p:nvPr>
-        </p:nvSpPr>
-        <p:spPr>
-          <a:xfrm>
-            <a:off x="1524000" y="3602038"/>
-            <a:ext cx="9144000" cy="1655762"/>
-          </a:xfrm>
-        </p:spPr>
-        <p:txBody>
-          <a:bodyPr/>
-          <a:lstStyle/>
-          <a:p>
-            <a:endParaRPr lang="fr-FR"/>
-          </a:p>
-        </p:txBody>
-      </p:sp>
       <p:pic>
         <p:nvPicPr>
-          <p:cNvPr id="7" name="Image 6">
-            <a:extLst>
-              <a:ext uri="{FF2B5EF4-FFF2-40B4-BE49-F238E27FC236}">
-                <a16:creationId xmlns:a16="http://schemas.microsoft.com/office/drawing/2014/main" id="{1CB72F68-4AD6-4FB2-9AB8-D6451FA13416}"/>
+          <p:cNvPr id="4" name="Image 3">
+            <a:extLst>
+              <a:ext uri="{FF2B5EF4-FFF2-40B4-BE49-F238E27FC236}">
+                <a16:creationId xmlns:a16="http://schemas.microsoft.com/office/drawing/2014/main" id="{E3E4CBA3-447F-4FDB-82E4-A40129AACC31}"/>
               </a:ext>
             </a:extLst>
           </p:cNvPr>
@@ -4110,7 +4048,7 @@
         </p:blipFill>
         <p:spPr>
           <a:xfrm>
-            <a:off x="4542" y="0"/>
+            <a:off x="9085" y="-58203"/>
             <a:ext cx="12182915" cy="6858000"/>
           </a:xfrm>
           <a:prstGeom prst="rect">
@@ -4118,48 +4056,12 @@
           </a:prstGeom>
         </p:spPr>
       </p:pic>
-      <p:pic>
-        <p:nvPicPr>
-          <p:cNvPr id="9" name="Image 8">
-            <a:extLst>
-              <a:ext uri="{FF2B5EF4-FFF2-40B4-BE49-F238E27FC236}">
-                <a16:creationId xmlns:a16="http://schemas.microsoft.com/office/drawing/2014/main" id="{DDD74F79-50B8-4ED4-B6D9-9A7E75EB116D}"/>
-              </a:ext>
-            </a:extLst>
-          </p:cNvPr>
-          <p:cNvPicPr>
-            <a:picLocks noChangeAspect="1"/>
-          </p:cNvPicPr>
-          <p:nvPr/>
-        </p:nvPicPr>
-        <p:blipFill>
-          <a:blip r:embed="rId3">
-            <a:extLst>
-              <a:ext uri="{28A0092B-C50C-407E-A947-70E740481C1C}">
-                <a14:useLocalDpi xmlns:a14="http://schemas.microsoft.com/office/drawing/2010/main" val="0"/>
-              </a:ext>
-            </a:extLst>
-          </a:blip>
-          <a:stretch>
-            <a:fillRect/>
-          </a:stretch>
-        </p:blipFill>
-        <p:spPr>
-          <a:xfrm>
-            <a:off x="10668000" y="5554358"/>
-            <a:ext cx="1574627" cy="1349680"/>
-          </a:xfrm>
-          <a:prstGeom prst="rect">
-            <a:avLst/>
-          </a:prstGeom>
-        </p:spPr>
-      </p:pic>
-      <p:sp>
-        <p:nvSpPr>
-          <p:cNvPr id="4" name="ZoneTexte 3">
-            <a:extLst>
-              <a:ext uri="{FF2B5EF4-FFF2-40B4-BE49-F238E27FC236}">
-                <a16:creationId xmlns:a16="http://schemas.microsoft.com/office/drawing/2014/main" id="{5860BA3D-9912-4AE2-850B-D06A44A3988D}"/>
+      <p:sp>
+        <p:nvSpPr>
+          <p:cNvPr id="5" name="ZoneTexte 4">
+            <a:extLst>
+              <a:ext uri="{FF2B5EF4-FFF2-40B4-BE49-F238E27FC236}">
+                <a16:creationId xmlns:a16="http://schemas.microsoft.com/office/drawing/2014/main" id="{6AC1C380-47E7-4FB6-A006-F006A4EDD187}"/>
               </a:ext>
             </a:extLst>
           </p:cNvPr>
@@ -4168,8 +4070,8 @@
         </p:nvSpPr>
         <p:spPr>
           <a:xfrm>
-            <a:off x="866774" y="1000125"/>
-            <a:ext cx="8810626" cy="4770537"/>
+            <a:off x="3327661" y="801279"/>
+            <a:ext cx="6674178" cy="4801314"/>
           </a:xfrm>
           <a:prstGeom prst="rect">
             <a:avLst/>
@@ -4183,104 +4085,128 @@
           <a:lstStyle/>
           <a:p>
             <a:r>
-              <a:rPr lang="fr-FR" sz="4400" dirty="0"/>
-              <a:t>Style visuel du Site:</a:t>
-            </a:r>
-          </a:p>
-          <a:p>
-            <a:endParaRPr lang="fr-FR" sz="4400" dirty="0"/>
+              <a:rPr lang="fr-FR" dirty="0"/>
+              <a:t>4 familles de 3 objets : </a:t>
+            </a:r>
+          </a:p>
+          <a:p>
+            <a:r>
+              <a:rPr lang="fr-FR" dirty="0"/>
+              <a:t>1 - Pop Série (GOT, Breaking Bad, </a:t>
+            </a:r>
+            <a:r>
+              <a:rPr lang="fr-FR" dirty="0" err="1"/>
+              <a:t>Lost</a:t>
+            </a:r>
+            <a:r>
+              <a:rPr lang="fr-FR" dirty="0"/>
+              <a:t> )</a:t>
+            </a:r>
+          </a:p>
+          <a:p>
+            <a:r>
+              <a:rPr lang="fr-FR" dirty="0"/>
+              <a:t>2 - Pop Jeux vidéo (The </a:t>
+            </a:r>
+            <a:r>
+              <a:rPr lang="fr-FR" dirty="0" err="1"/>
+              <a:t>witcher</a:t>
+            </a:r>
+            <a:r>
+              <a:rPr lang="fr-FR" dirty="0"/>
+              <a:t>, Mario, Zelda)</a:t>
+            </a:r>
+          </a:p>
+          <a:p>
+            <a:r>
+              <a:rPr lang="fr-FR" dirty="0"/>
+              <a:t>3 - Pop Animés (Pokémon, Dragon Ball, South Park)</a:t>
+            </a:r>
+          </a:p>
+          <a:p>
+            <a:r>
+              <a:rPr lang="fr-FR" dirty="0"/>
+              <a:t>4 - Pop Film (Star Wars, Harry Potter, Seigneur des Anneaux)</a:t>
+            </a:r>
           </a:p>
           <a:p>
             <a:endParaRPr lang="fr-FR" dirty="0"/>
           </a:p>
           <a:p>
+            <a:r>
+              <a:rPr lang="fr-FR" dirty="0"/>
+              <a:t>Site épurée</a:t>
+            </a:r>
+          </a:p>
+          <a:p>
+            <a:r>
+              <a:rPr lang="fr-FR" dirty="0"/>
+              <a:t>Fond blanc </a:t>
+            </a:r>
+          </a:p>
+          <a:p>
+            <a:r>
+              <a:rPr lang="fr-FR" dirty="0" err="1"/>
+              <a:t>navbar</a:t>
+            </a:r>
+            <a:r>
+              <a:rPr lang="fr-FR" dirty="0"/>
+              <a:t> simple et épuré </a:t>
+            </a:r>
+          </a:p>
+          <a:p>
+            <a:r>
+              <a:rPr lang="fr-FR" dirty="0"/>
+              <a:t>Logo par articles : </a:t>
+            </a:r>
+          </a:p>
+          <a:p>
+            <a:r>
+              <a:rPr lang="fr-FR" dirty="0"/>
+              <a:t>Série : télé</a:t>
+            </a:r>
+          </a:p>
+          <a:p>
+            <a:r>
+              <a:rPr lang="fr-FR" dirty="0"/>
+              <a:t>Jeux vidéo : manette</a:t>
+            </a:r>
+          </a:p>
+          <a:p>
+            <a:r>
+              <a:rPr lang="fr-FR" dirty="0"/>
+              <a:t>Animés :  tête </a:t>
+            </a:r>
+            <a:r>
+              <a:rPr lang="fr-FR" dirty="0" err="1"/>
+              <a:t>pikachu</a:t>
+            </a:r>
             <a:endParaRPr lang="fr-FR" dirty="0"/>
           </a:p>
           <a:p>
+            <a:r>
+              <a:rPr lang="fr-FR" dirty="0"/>
+              <a:t>Film : bande de film</a:t>
+            </a:r>
+          </a:p>
+          <a:p>
+            <a:r>
+              <a:rPr lang="fr-FR" dirty="0"/>
+              <a:t>Trait centré grisé entre bloque d'articles</a:t>
+            </a:r>
+          </a:p>
+          <a:p>
             <a:endParaRPr lang="fr-FR" dirty="0"/>
           </a:p>
           <a:p>
             <a:endParaRPr lang="fr-FR" dirty="0"/>
           </a:p>
-          <a:p>
-            <a:endParaRPr lang="fr-FR" dirty="0"/>
-          </a:p>
-          <a:p>
-            <a:endParaRPr lang="fr-FR" dirty="0"/>
-          </a:p>
-          <a:p>
-            <a:endParaRPr lang="fr-FR" dirty="0"/>
-          </a:p>
-          <a:p>
-            <a:endParaRPr lang="fr-FR" dirty="0"/>
-          </a:p>
-          <a:p>
-            <a:endParaRPr lang="fr-FR" dirty="0"/>
-          </a:p>
-          <a:p>
-            <a:endParaRPr lang="fr-FR" dirty="0"/>
-          </a:p>
-          <a:p>
-            <a:endParaRPr lang="fr-FR" dirty="0"/>
-          </a:p>
-          <a:p>
-            <a:endParaRPr lang="fr-FR" dirty="0"/>
-          </a:p>
-        </p:txBody>
-      </p:sp>
-      <p:pic>
-        <p:nvPicPr>
-          <p:cNvPr id="6" name="Image 5" descr="Une image contenant capture d’écran&#10;&#10;Description générée avec un niveau de confiance très élevé">
-            <a:extLst>
-              <a:ext uri="{FF2B5EF4-FFF2-40B4-BE49-F238E27FC236}">
-                <a16:creationId xmlns:a16="http://schemas.microsoft.com/office/drawing/2014/main" id="{D9FD9FE2-D772-4457-A685-306E2CFFC77C}"/>
-              </a:ext>
-            </a:extLst>
-          </p:cNvPr>
-          <p:cNvPicPr>
-            <a:picLocks noChangeAspect="1"/>
-          </p:cNvPicPr>
-          <p:nvPr/>
-        </p:nvPicPr>
-        <p:blipFill>
-          <a:blip r:embed="rId4">
-            <a:extLst>
-              <a:ext uri="{28A0092B-C50C-407E-A947-70E740481C1C}">
-                <a14:useLocalDpi xmlns:a14="http://schemas.microsoft.com/office/drawing/2010/main" val="0"/>
-              </a:ext>
-            </a:extLst>
-          </a:blip>
-          <a:stretch>
-            <a:fillRect/>
-          </a:stretch>
-        </p:blipFill>
-        <p:spPr>
-          <a:xfrm>
-            <a:off x="641177" y="1876610"/>
-            <a:ext cx="10217323" cy="4682940"/>
-          </a:xfrm>
-          <a:prstGeom prst="roundRect">
-            <a:avLst>
-              <a:gd name="adj" fmla="val 8594"/>
-            </a:avLst>
-          </a:prstGeom>
-          <a:solidFill>
-            <a:srgbClr val="FFFFFF">
-              <a:shade val="85000"/>
-            </a:srgbClr>
-          </a:solidFill>
-          <a:ln>
-            <a:noFill/>
-          </a:ln>
-          <a:effectLst>
-            <a:reflection blurRad="12700" stA="38000" endPos="28000" dist="5000" dir="5400000" sy="-100000" algn="bl" rotWithShape="0"/>
-          </a:effectLst>
-        </p:spPr>
-      </p:pic>
+        </p:txBody>
+      </p:sp>
     </p:spTree>
     <p:extLst>
       <p:ext uri="{BB962C8B-B14F-4D97-AF65-F5344CB8AC3E}">
-        <p14:creationId xmlns:p14="http://schemas.microsoft.com/office/powerpoint/2010/main" val="1770725856"/>
+        <p14:creationId xmlns:p14="http://schemas.microsoft.com/office/powerpoint/2010/main" val="1444868974"/>
       </p:ext>
     </p:extLst>
   </p:cSld>
@@ -4307,12 +4233,72 @@
           <a:chExt cx="0" cy="0"/>
         </a:xfrm>
       </p:grpSpPr>
+      <p:sp>
+        <p:nvSpPr>
+          <p:cNvPr id="2" name="Titre 1">
+            <a:extLst>
+              <a:ext uri="{FF2B5EF4-FFF2-40B4-BE49-F238E27FC236}">
+                <a16:creationId xmlns:a16="http://schemas.microsoft.com/office/drawing/2014/main" id="{FC5859B7-5D92-429D-AA36-34CB579D8431}"/>
+              </a:ext>
+            </a:extLst>
+          </p:cNvPr>
+          <p:cNvSpPr>
+            <a:spLocks noGrp="1"/>
+          </p:cNvSpPr>
+          <p:nvPr>
+            <p:ph type="ctrTitle"/>
+          </p:nvPr>
+        </p:nvSpPr>
+        <p:spPr>
+          <a:xfrm>
+            <a:off x="1524000" y="1122363"/>
+            <a:ext cx="9144000" cy="2387600"/>
+          </a:xfrm>
+        </p:spPr>
+        <p:txBody>
+          <a:bodyPr/>
+          <a:lstStyle/>
+          <a:p>
+            <a:endParaRPr lang="fr-FR"/>
+          </a:p>
+        </p:txBody>
+      </p:sp>
+      <p:sp>
+        <p:nvSpPr>
+          <p:cNvPr id="3" name="Sous-titre 2">
+            <a:extLst>
+              <a:ext uri="{FF2B5EF4-FFF2-40B4-BE49-F238E27FC236}">
+                <a16:creationId xmlns:a16="http://schemas.microsoft.com/office/drawing/2014/main" id="{BA6FBF37-8729-41B4-8ECD-04743E2F5227}"/>
+              </a:ext>
+            </a:extLst>
+          </p:cNvPr>
+          <p:cNvSpPr>
+            <a:spLocks noGrp="1"/>
+          </p:cNvSpPr>
+          <p:nvPr>
+            <p:ph type="subTitle" idx="1"/>
+          </p:nvPr>
+        </p:nvSpPr>
+        <p:spPr>
+          <a:xfrm>
+            <a:off x="1524000" y="3602038"/>
+            <a:ext cx="9144000" cy="1655762"/>
+          </a:xfrm>
+        </p:spPr>
+        <p:txBody>
+          <a:bodyPr/>
+          <a:lstStyle/>
+          <a:p>
+            <a:endParaRPr lang="fr-FR"/>
+          </a:p>
+        </p:txBody>
+      </p:sp>
       <p:pic>
         <p:nvPicPr>
-          <p:cNvPr id="4" name="Image 3">
-            <a:extLst>
-              <a:ext uri="{FF2B5EF4-FFF2-40B4-BE49-F238E27FC236}">
-                <a16:creationId xmlns:a16="http://schemas.microsoft.com/office/drawing/2014/main" id="{E3E4CBA3-447F-4FDB-82E4-A40129AACC31}"/>
+          <p:cNvPr id="7" name="Image 6">
+            <a:extLst>
+              <a:ext uri="{FF2B5EF4-FFF2-40B4-BE49-F238E27FC236}">
+                <a16:creationId xmlns:a16="http://schemas.microsoft.com/office/drawing/2014/main" id="{1CB72F68-4AD6-4FB2-9AB8-D6451FA13416}"/>
               </a:ext>
             </a:extLst>
           </p:cNvPr>
@@ -4322,7 +4308,7 @@
           <p:nvPr/>
         </p:nvPicPr>
         <p:blipFill>
-          <a:blip r:embed="rId2">
+          <a:blip r:embed="rId3">
             <a:extLst>
               <a:ext uri="{28A0092B-C50C-407E-A947-70E740481C1C}">
                 <a14:useLocalDpi xmlns:a14="http://schemas.microsoft.com/office/drawing/2010/main" val="0"/>
@@ -4335,7 +4321,7 @@
         </p:blipFill>
         <p:spPr>
           <a:xfrm>
-            <a:off x="9085" y="-58203"/>
+            <a:off x="4542" y="-584"/>
             <a:ext cx="12182915" cy="6858000"/>
           </a:xfrm>
           <a:prstGeom prst="rect">
@@ -4343,12 +4329,48 @@
           </a:prstGeom>
         </p:spPr>
       </p:pic>
-      <p:sp>
-        <p:nvSpPr>
-          <p:cNvPr id="5" name="ZoneTexte 4">
-            <a:extLst>
-              <a:ext uri="{FF2B5EF4-FFF2-40B4-BE49-F238E27FC236}">
-                <a16:creationId xmlns:a16="http://schemas.microsoft.com/office/drawing/2014/main" id="{6AC1C380-47E7-4FB6-A006-F006A4EDD187}"/>
+      <p:pic>
+        <p:nvPicPr>
+          <p:cNvPr id="9" name="Image 8">
+            <a:extLst>
+              <a:ext uri="{FF2B5EF4-FFF2-40B4-BE49-F238E27FC236}">
+                <a16:creationId xmlns:a16="http://schemas.microsoft.com/office/drawing/2014/main" id="{DDD74F79-50B8-4ED4-B6D9-9A7E75EB116D}"/>
+              </a:ext>
+            </a:extLst>
+          </p:cNvPr>
+          <p:cNvPicPr>
+            <a:picLocks noChangeAspect="1"/>
+          </p:cNvPicPr>
+          <p:nvPr/>
+        </p:nvPicPr>
+        <p:blipFill>
+          <a:blip r:embed="rId4">
+            <a:extLst>
+              <a:ext uri="{28A0092B-C50C-407E-A947-70E740481C1C}">
+                <a14:useLocalDpi xmlns:a14="http://schemas.microsoft.com/office/drawing/2010/main" val="0"/>
+              </a:ext>
+            </a:extLst>
+          </a:blip>
+          <a:stretch>
+            <a:fillRect/>
+          </a:stretch>
+        </p:blipFill>
+        <p:spPr>
+          <a:xfrm>
+            <a:off x="10668000" y="5554358"/>
+            <a:ext cx="1574627" cy="1349680"/>
+          </a:xfrm>
+          <a:prstGeom prst="rect">
+            <a:avLst/>
+          </a:prstGeom>
+        </p:spPr>
+      </p:pic>
+      <p:sp>
+        <p:nvSpPr>
+          <p:cNvPr id="4" name="ZoneTexte 3">
+            <a:extLst>
+              <a:ext uri="{FF2B5EF4-FFF2-40B4-BE49-F238E27FC236}">
+                <a16:creationId xmlns:a16="http://schemas.microsoft.com/office/drawing/2014/main" id="{AB59E90D-7500-4E71-BB64-7F5114D22478}"/>
               </a:ext>
             </a:extLst>
           </p:cNvPr>
@@ -4357,8 +4379,8 @@
         </p:nvSpPr>
         <p:spPr>
           <a:xfrm>
-            <a:off x="3327661" y="801279"/>
-            <a:ext cx="6674178" cy="4801314"/>
+            <a:off x="5149742" y="3823406"/>
+            <a:ext cx="11991237" cy="1754326"/>
           </a:xfrm>
           <a:prstGeom prst="rect">
             <a:avLst/>
@@ -4373,117 +4395,520 @@
           <a:p>
             <a:r>
               <a:rPr lang="fr-FR" dirty="0"/>
-              <a:t>4 familles de 3 objets : </a:t>
+              <a:t>Structure du de la page d'accueil/connexion HTML/CSS OK</a:t>
             </a:r>
           </a:p>
           <a:p>
             <a:r>
               <a:rPr lang="fr-FR" dirty="0"/>
-              <a:t>1 - Pop Série (GOT, Breaking Bad, </a:t>
-            </a:r>
-            <a:r>
-              <a:rPr lang="fr-FR" dirty="0" err="1"/>
-              <a:t>Lost</a:t>
-            </a:r>
+              <a:t>TOOLBAR TERMINEE + Structure des pages OK</a:t>
+            </a:r>
+          </a:p>
+          <a:p>
             <a:r>
               <a:rPr lang="fr-FR" dirty="0"/>
-              <a:t> )</a:t>
+              <a:t>Structure de la page : ACCUEIL (CSS à finir)</a:t>
             </a:r>
           </a:p>
           <a:p>
             <a:r>
               <a:rPr lang="fr-FR" dirty="0"/>
-              <a:t>2 - Pop Jeux vidéo (The </a:t>
-            </a:r>
-            <a:r>
-              <a:rPr lang="fr-FR" dirty="0" err="1"/>
-              <a:t>witcher</a:t>
-            </a:r>
+              <a:t>Structure de la page : PANIER OK</a:t>
+            </a:r>
+          </a:p>
+          <a:p>
             <a:r>
               <a:rPr lang="fr-FR" dirty="0"/>
-              <a:t>, Mario, Zelda)</a:t>
+              <a:t>Structure de la page : contact OK</a:t>
             </a:r>
           </a:p>
           <a:p>
             <a:r>
               <a:rPr lang="fr-FR" dirty="0"/>
-              <a:t>3 - Pop Animés (Pokémon, Dragon Ball, South Park)</a:t>
-            </a:r>
-          </a:p>
+              <a:t>Structure de la page FIGURINE : à finir</a:t>
+            </a:r>
+          </a:p>
+        </p:txBody>
+      </p:sp>
+      <p:sp>
+        <p:nvSpPr>
+          <p:cNvPr id="8" name="Rectangle 7">
+            <a:extLst>
+              <a:ext uri="{FF2B5EF4-FFF2-40B4-BE49-F238E27FC236}">
+                <a16:creationId xmlns:a16="http://schemas.microsoft.com/office/drawing/2014/main" id="{E1A18443-C348-4139-938A-18431080DC27}"/>
+              </a:ext>
+            </a:extLst>
+          </p:cNvPr>
+          <p:cNvSpPr/>
+          <p:nvPr/>
+        </p:nvSpPr>
+        <p:spPr>
+          <a:xfrm>
+            <a:off x="287079" y="135803"/>
+            <a:ext cx="3895725" cy="1140104"/>
+          </a:xfrm>
+          <a:prstGeom prst="rect">
+            <a:avLst/>
+          </a:prstGeom>
+          <a:solidFill>
+            <a:schemeClr val="tx1">
+              <a:lumMod val="95000"/>
+              <a:lumOff val="5000"/>
+            </a:schemeClr>
+          </a:solidFill>
+          <a:ln>
+            <a:solidFill>
+              <a:schemeClr val="tx1">
+                <a:lumMod val="85000"/>
+                <a:lumOff val="15000"/>
+              </a:schemeClr>
+            </a:solidFill>
+          </a:ln>
+          <a:effectLst/>
+          <a:scene3d>
+            <a:camera prst="orthographicFront">
+              <a:rot lat="0" lon="0" rev="0"/>
+            </a:camera>
+            <a:lightRig rig="chilly" dir="t">
+              <a:rot lat="0" lon="0" rev="18480000"/>
+            </a:lightRig>
+          </a:scene3d>
+          <a:sp3d prstMaterial="clear">
+            <a:bevelT h="63500"/>
+          </a:sp3d>
+        </p:spPr>
+        <p:style>
+          <a:lnRef idx="2">
+            <a:schemeClr val="accent1">
+              <a:shade val="50000"/>
+            </a:schemeClr>
+          </a:lnRef>
+          <a:fillRef idx="1">
+            <a:schemeClr val="accent1"/>
+          </a:fillRef>
+          <a:effectRef idx="0">
+            <a:schemeClr val="accent1"/>
+          </a:effectRef>
+          <a:fontRef idx="minor">
+            <a:schemeClr val="lt1"/>
+          </a:fontRef>
+        </p:style>
+        <p:txBody>
+          <a:bodyPr rtlCol="0" anchor="ctr"/>
+          <a:lstStyle/>
+          <a:p>
+            <a:pPr algn="ctr"/>
+            <a:r>
+              <a:rPr lang="fr-FR" sz="2800" b="1" dirty="0">
+                <a:solidFill>
+                  <a:schemeClr val="bg2">
+                    <a:lumMod val="25000"/>
+                  </a:schemeClr>
+                </a:solidFill>
+              </a:rPr>
+              <a:t>TACHES REALISEES          </a:t>
+            </a:r>
+          </a:p>
+          <a:p>
+            <a:pPr algn="ctr"/>
+            <a:r>
+              <a:rPr lang="fr-FR" sz="2800" b="1" dirty="0">
+                <a:solidFill>
+                  <a:schemeClr val="bg2">
+                    <a:lumMod val="25000"/>
+                  </a:schemeClr>
+                </a:solidFill>
+              </a:rPr>
+              <a:t>LE JOUR 2</a:t>
+            </a:r>
+          </a:p>
+        </p:txBody>
+      </p:sp>
+      <p:sp>
+        <p:nvSpPr>
+          <p:cNvPr id="11" name="Rectangle : coins arrondis 10">
+            <a:extLst>
+              <a:ext uri="{FF2B5EF4-FFF2-40B4-BE49-F238E27FC236}">
+                <a16:creationId xmlns:a16="http://schemas.microsoft.com/office/drawing/2014/main" id="{A2DA2ED2-2F7C-411C-8317-415991087695}"/>
+              </a:ext>
+            </a:extLst>
+          </p:cNvPr>
+          <p:cNvSpPr/>
+          <p:nvPr/>
+        </p:nvSpPr>
+        <p:spPr>
+          <a:xfrm>
+            <a:off x="5212220" y="1518027"/>
+            <a:ext cx="6713796" cy="597988"/>
+          </a:xfrm>
+          <a:prstGeom prst="roundRect">
+            <a:avLst/>
+          </a:prstGeom>
+          <a:solidFill>
+            <a:schemeClr val="bg2">
+              <a:lumMod val="90000"/>
+            </a:schemeClr>
+          </a:solidFill>
+          <a:ln>
+            <a:solidFill>
+              <a:schemeClr val="bg1">
+                <a:lumMod val="75000"/>
+              </a:schemeClr>
+            </a:solidFill>
+          </a:ln>
+        </p:spPr>
+        <p:style>
+          <a:lnRef idx="2">
+            <a:schemeClr val="accent1">
+              <a:shade val="50000"/>
+            </a:schemeClr>
+          </a:lnRef>
+          <a:fillRef idx="1">
+            <a:schemeClr val="accent1"/>
+          </a:fillRef>
+          <a:effectRef idx="0">
+            <a:schemeClr val="accent1"/>
+          </a:effectRef>
+          <a:fontRef idx="minor">
+            <a:schemeClr val="lt1"/>
+          </a:fontRef>
+        </p:style>
+        <p:txBody>
+          <a:bodyPr rtlCol="0" anchor="ctr"/>
+          <a:lstStyle/>
+          <a:p>
+            <a:pPr algn="ctr"/>
+            <a:endParaRPr lang="fr-FR"/>
+          </a:p>
+        </p:txBody>
+      </p:sp>
+      <p:sp>
+        <p:nvSpPr>
+          <p:cNvPr id="10" name="ZoneTexte 9">
+            <a:extLst>
+              <a:ext uri="{FF2B5EF4-FFF2-40B4-BE49-F238E27FC236}">
+                <a16:creationId xmlns:a16="http://schemas.microsoft.com/office/drawing/2014/main" id="{D1832708-1695-4C60-991B-C46C3AF5A038}"/>
+              </a:ext>
+            </a:extLst>
+          </p:cNvPr>
+          <p:cNvSpPr txBox="1"/>
+          <p:nvPr/>
+        </p:nvSpPr>
+        <p:spPr>
+          <a:xfrm>
+            <a:off x="5259348" y="1539711"/>
+            <a:ext cx="5715000" cy="523220"/>
+          </a:xfrm>
+          <a:prstGeom prst="rect">
+            <a:avLst/>
+          </a:prstGeom>
+          <a:noFill/>
+        </p:spPr>
+        <p:txBody>
+          <a:bodyPr wrap="square" rtlCol="0">
+            <a:spAutoFit/>
+          </a:bodyPr>
+          <a:lstStyle/>
+          <a:p>
+            <a:r>
+              <a:rPr lang="fr-FR" sz="2800" dirty="0"/>
+              <a:t>Mise en place d'une base de donnée : </a:t>
+            </a:r>
+          </a:p>
+        </p:txBody>
+      </p:sp>
+      <p:sp>
+        <p:nvSpPr>
+          <p:cNvPr id="13" name="Rectangle : coins arrondis 12">
+            <a:extLst>
+              <a:ext uri="{FF2B5EF4-FFF2-40B4-BE49-F238E27FC236}">
+                <a16:creationId xmlns:a16="http://schemas.microsoft.com/office/drawing/2014/main" id="{198A8430-37CE-4D69-871F-A4A18D3018D0}"/>
+              </a:ext>
+            </a:extLst>
+          </p:cNvPr>
+          <p:cNvSpPr/>
+          <p:nvPr/>
+        </p:nvSpPr>
+        <p:spPr>
+          <a:xfrm>
+            <a:off x="227878" y="1480892"/>
+            <a:ext cx="3610697" cy="597988"/>
+          </a:xfrm>
+          <a:prstGeom prst="roundRect">
+            <a:avLst/>
+          </a:prstGeom>
+          <a:solidFill>
+            <a:schemeClr val="bg2">
+              <a:lumMod val="90000"/>
+            </a:schemeClr>
+          </a:solidFill>
+          <a:ln>
+            <a:solidFill>
+              <a:schemeClr val="bg1">
+                <a:lumMod val="75000"/>
+              </a:schemeClr>
+            </a:solidFill>
+          </a:ln>
+        </p:spPr>
+        <p:style>
+          <a:lnRef idx="2">
+            <a:schemeClr val="accent1">
+              <a:shade val="50000"/>
+            </a:schemeClr>
+          </a:lnRef>
+          <a:fillRef idx="1">
+            <a:schemeClr val="accent1"/>
+          </a:fillRef>
+          <a:effectRef idx="0">
+            <a:schemeClr val="accent1"/>
+          </a:effectRef>
+          <a:fontRef idx="minor">
+            <a:schemeClr val="lt1"/>
+          </a:fontRef>
+        </p:style>
+        <p:txBody>
+          <a:bodyPr rtlCol="0" anchor="ctr"/>
+          <a:lstStyle/>
+          <a:p>
+            <a:pPr algn="ctr"/>
+            <a:endParaRPr lang="fr-FR"/>
+          </a:p>
+        </p:txBody>
+      </p:sp>
+      <p:sp>
+        <p:nvSpPr>
+          <p:cNvPr id="12" name="ZoneTexte 11">
+            <a:extLst>
+              <a:ext uri="{FF2B5EF4-FFF2-40B4-BE49-F238E27FC236}">
+                <a16:creationId xmlns:a16="http://schemas.microsoft.com/office/drawing/2014/main" id="{C30DF4A2-B7C8-4B43-8DDC-204AA6CB45F8}"/>
+              </a:ext>
+            </a:extLst>
+          </p:cNvPr>
+          <p:cNvSpPr txBox="1"/>
+          <p:nvPr/>
+        </p:nvSpPr>
+        <p:spPr>
+          <a:xfrm>
+            <a:off x="326562" y="1514266"/>
+            <a:ext cx="3413328" cy="523220"/>
+          </a:xfrm>
+          <a:prstGeom prst="rect">
+            <a:avLst/>
+          </a:prstGeom>
+          <a:noFill/>
+        </p:spPr>
+        <p:txBody>
+          <a:bodyPr wrap="square" rtlCol="0">
+            <a:spAutoFit/>
+          </a:bodyPr>
+          <a:lstStyle/>
+          <a:p>
+            <a:r>
+              <a:rPr lang="fr-FR" sz="2800" dirty="0"/>
+              <a:t>Mise en place du PHP: </a:t>
+            </a:r>
+          </a:p>
+        </p:txBody>
+      </p:sp>
+      <p:sp>
+        <p:nvSpPr>
+          <p:cNvPr id="5" name="ZoneTexte 4">
+            <a:extLst>
+              <a:ext uri="{FF2B5EF4-FFF2-40B4-BE49-F238E27FC236}">
+                <a16:creationId xmlns:a16="http://schemas.microsoft.com/office/drawing/2014/main" id="{D2C1AAD1-F5B5-47C7-9A5B-2C39D626CB44}"/>
+              </a:ext>
+            </a:extLst>
+          </p:cNvPr>
+          <p:cNvSpPr txBox="1"/>
+          <p:nvPr/>
+        </p:nvSpPr>
+        <p:spPr>
+          <a:xfrm>
+            <a:off x="196220" y="2172802"/>
+            <a:ext cx="5892193" cy="1477328"/>
+          </a:xfrm>
+          <a:prstGeom prst="rect">
+            <a:avLst/>
+          </a:prstGeom>
+          <a:noFill/>
+        </p:spPr>
+        <p:txBody>
+          <a:bodyPr wrap="square" rtlCol="0">
+            <a:spAutoFit/>
+          </a:bodyPr>
+          <a:lstStyle/>
           <a:p>
             <a:r>
               <a:rPr lang="fr-FR" dirty="0"/>
-              <a:t>4 - Pop Film (Star Wars, Harry Potter, Seigneur des Anneaux)</a:t>
+              <a:t>Connexion du PHP au MySQL</a:t>
+            </a:r>
+          </a:p>
+          <a:p>
+            <a:r>
+              <a:rPr lang="fr-FR" dirty="0"/>
+              <a:t>récupération des données en SQL avec la Base</a:t>
+            </a:r>
+          </a:p>
+          <a:p>
+            <a:r>
+              <a:rPr lang="fr-FR" dirty="0"/>
+              <a:t>Insertion de données</a:t>
+            </a:r>
+          </a:p>
+          <a:p>
+            <a:r>
+              <a:rPr lang="fr-FR" dirty="0"/>
+              <a:t>Préparation de la page ADMIN (SQL)</a:t>
+            </a:r>
+          </a:p>
+          <a:p>
+            <a:r>
+              <a:rPr lang="fr-FR" dirty="0"/>
+              <a:t>Remplissage de la base de données </a:t>
+            </a:r>
+          </a:p>
+        </p:txBody>
+      </p:sp>
+      <p:sp>
+        <p:nvSpPr>
+          <p:cNvPr id="6" name="ZoneTexte 5">
+            <a:extLst>
+              <a:ext uri="{FF2B5EF4-FFF2-40B4-BE49-F238E27FC236}">
+                <a16:creationId xmlns:a16="http://schemas.microsoft.com/office/drawing/2014/main" id="{5A2C846F-289C-4987-9B80-12FAF9871A5D}"/>
+              </a:ext>
+            </a:extLst>
+          </p:cNvPr>
+          <p:cNvSpPr txBox="1"/>
+          <p:nvPr/>
+        </p:nvSpPr>
+        <p:spPr>
+          <a:xfrm>
+            <a:off x="5212220" y="2189832"/>
+            <a:ext cx="5337181" cy="1200329"/>
+          </a:xfrm>
+          <a:prstGeom prst="rect">
+            <a:avLst/>
+          </a:prstGeom>
+          <a:noFill/>
+        </p:spPr>
+        <p:txBody>
+          <a:bodyPr wrap="square" rtlCol="0">
+            <a:spAutoFit/>
+          </a:bodyPr>
+          <a:lstStyle/>
+          <a:p>
+            <a:r>
+              <a:rPr lang="fr-FR" dirty="0"/>
+              <a:t>INSERT (remplir la base des données avec les produits)</a:t>
+            </a:r>
+          </a:p>
+          <a:p>
+            <a:r>
+              <a:rPr lang="fr-FR" dirty="0"/>
+              <a:t>SELECT</a:t>
+            </a:r>
+          </a:p>
+          <a:p>
+            <a:r>
+              <a:rPr lang="fr-FR" dirty="0"/>
+              <a:t>CONDITIONS ET ALGO</a:t>
             </a:r>
           </a:p>
           <a:p>
             <a:endParaRPr lang="fr-FR" dirty="0"/>
           </a:p>
-          <a:p>
-            <a:r>
-              <a:rPr lang="fr-FR" dirty="0"/>
-              <a:t>Site épurée</a:t>
-            </a:r>
-          </a:p>
-          <a:p>
-            <a:r>
-              <a:rPr lang="fr-FR" dirty="0"/>
-              <a:t>Fond blanc </a:t>
-            </a:r>
-          </a:p>
-          <a:p>
-            <a:r>
-              <a:rPr lang="fr-FR" dirty="0" err="1"/>
-              <a:t>navbar</a:t>
-            </a:r>
-            <a:r>
-              <a:rPr lang="fr-FR" dirty="0"/>
-              <a:t> simple et épuré </a:t>
-            </a:r>
-          </a:p>
-          <a:p>
-            <a:r>
-              <a:rPr lang="fr-FR" dirty="0"/>
-              <a:t>Logo par articles : </a:t>
-            </a:r>
-          </a:p>
-          <a:p>
-            <a:r>
-              <a:rPr lang="fr-FR" dirty="0"/>
-              <a:t>Série : télé</a:t>
-            </a:r>
-          </a:p>
-          <a:p>
-            <a:r>
-              <a:rPr lang="fr-FR" dirty="0"/>
-              <a:t>Jeux vidéo : manette</a:t>
-            </a:r>
-          </a:p>
-          <a:p>
-            <a:r>
-              <a:rPr lang="fr-FR" dirty="0"/>
-              <a:t>Animés :  tête </a:t>
-            </a:r>
-            <a:r>
-              <a:rPr lang="fr-FR" dirty="0" err="1"/>
-              <a:t>pikachu</a:t>
-            </a:r>
-            <a:endParaRPr lang="fr-FR" dirty="0"/>
-          </a:p>
-          <a:p>
-            <a:r>
-              <a:rPr lang="fr-FR" dirty="0"/>
-              <a:t>Film : bande de film</a:t>
-            </a:r>
-          </a:p>
-          <a:p>
-            <a:r>
-              <a:rPr lang="fr-FR" dirty="0"/>
-              <a:t>Trait centré grisé entre bloque d'articles</a:t>
-            </a:r>
-          </a:p>
-          <a:p>
-            <a:endParaRPr lang="fr-FR" dirty="0"/>
+        </p:txBody>
+      </p:sp>
+      <p:sp>
+        <p:nvSpPr>
+          <p:cNvPr id="15" name="Rectangle : coins arrondis 14">
+            <a:extLst>
+              <a:ext uri="{FF2B5EF4-FFF2-40B4-BE49-F238E27FC236}">
+                <a16:creationId xmlns:a16="http://schemas.microsoft.com/office/drawing/2014/main" id="{099C8943-B205-40BC-B0BA-463D0F52F929}"/>
+              </a:ext>
+            </a:extLst>
+          </p:cNvPr>
+          <p:cNvSpPr/>
+          <p:nvPr/>
+        </p:nvSpPr>
+        <p:spPr>
+          <a:xfrm>
+            <a:off x="5149742" y="3120974"/>
+            <a:ext cx="6713796" cy="597988"/>
+          </a:xfrm>
+          <a:prstGeom prst="roundRect">
+            <a:avLst/>
+          </a:prstGeom>
+          <a:solidFill>
+            <a:schemeClr val="bg2">
+              <a:lumMod val="90000"/>
+            </a:schemeClr>
+          </a:solidFill>
+          <a:ln>
+            <a:solidFill>
+              <a:schemeClr val="bg1">
+                <a:lumMod val="75000"/>
+              </a:schemeClr>
+            </a:solidFill>
+          </a:ln>
+        </p:spPr>
+        <p:style>
+          <a:lnRef idx="2">
+            <a:schemeClr val="accent1">
+              <a:shade val="50000"/>
+            </a:schemeClr>
+          </a:lnRef>
+          <a:fillRef idx="1">
+            <a:schemeClr val="accent1"/>
+          </a:fillRef>
+          <a:effectRef idx="0">
+            <a:schemeClr val="accent1"/>
+          </a:effectRef>
+          <a:fontRef idx="minor">
+            <a:schemeClr val="lt1"/>
+          </a:fontRef>
+        </p:style>
+        <p:txBody>
+          <a:bodyPr rtlCol="0" anchor="ctr"/>
+          <a:lstStyle/>
+          <a:p>
+            <a:pPr algn="ctr"/>
+            <a:endParaRPr lang="fr-FR"/>
+          </a:p>
+        </p:txBody>
+      </p:sp>
+      <p:sp>
+        <p:nvSpPr>
+          <p:cNvPr id="14" name="ZoneTexte 13">
+            <a:extLst>
+              <a:ext uri="{FF2B5EF4-FFF2-40B4-BE49-F238E27FC236}">
+                <a16:creationId xmlns:a16="http://schemas.microsoft.com/office/drawing/2014/main" id="{826B989A-334A-426F-ACAB-F59A8819908A}"/>
+              </a:ext>
+            </a:extLst>
+          </p:cNvPr>
+          <p:cNvSpPr txBox="1"/>
+          <p:nvPr/>
+        </p:nvSpPr>
+        <p:spPr>
+          <a:xfrm>
+            <a:off x="5131927" y="3118047"/>
+            <a:ext cx="6832195" cy="800219"/>
+          </a:xfrm>
+          <a:prstGeom prst="rect">
+            <a:avLst/>
+          </a:prstGeom>
+          <a:noFill/>
+        </p:spPr>
+        <p:txBody>
+          <a:bodyPr wrap="square" rtlCol="0">
+            <a:spAutoFit/>
+          </a:bodyPr>
+          <a:lstStyle/>
+          <a:p>
+            <a:r>
+              <a:rPr lang="fr-FR" sz="2800" dirty="0"/>
+              <a:t>Mise en place de la structure du site internet :  </a:t>
+            </a:r>
           </a:p>
           <a:p>
             <a:endParaRPr lang="fr-FR" dirty="0"/>
@@ -4493,7 +4918,7 @@
     </p:spTree>
     <p:extLst>
       <p:ext uri="{BB962C8B-B14F-4D97-AF65-F5344CB8AC3E}">
-        <p14:creationId xmlns:p14="http://schemas.microsoft.com/office/powerpoint/2010/main" val="1444868974"/>
+        <p14:creationId xmlns:p14="http://schemas.microsoft.com/office/powerpoint/2010/main" val="2972754837"/>
       </p:ext>
     </p:extLst>
   </p:cSld>
@@ -4595,7 +5020,7 @@
           <p:nvPr/>
         </p:nvPicPr>
         <p:blipFill>
-          <a:blip r:embed="rId3">
+          <a:blip r:embed="rId2">
             <a:extLst>
               <a:ext uri="{28A0092B-C50C-407E-A947-70E740481C1C}">
                 <a14:useLocalDpi xmlns:a14="http://schemas.microsoft.com/office/drawing/2010/main" val="0"/>
@@ -4622,6 +5047,116 @@
             <a:extLst>
               <a:ext uri="{FF2B5EF4-FFF2-40B4-BE49-F238E27FC236}">
                 <a16:creationId xmlns:a16="http://schemas.microsoft.com/office/drawing/2014/main" id="{DDD74F79-50B8-4ED4-B6D9-9A7E75EB116D}"/>
+              </a:ext>
+            </a:extLst>
+          </p:cNvPr>
+          <p:cNvPicPr>
+            <a:picLocks noChangeAspect="1"/>
+          </p:cNvPicPr>
+          <p:nvPr/>
+        </p:nvPicPr>
+        <p:blipFill>
+          <a:blip r:embed="rId3">
+            <a:extLst>
+              <a:ext uri="{28A0092B-C50C-407E-A947-70E740481C1C}">
+                <a14:useLocalDpi xmlns:a14="http://schemas.microsoft.com/office/drawing/2010/main" val="0"/>
+              </a:ext>
+            </a:extLst>
+          </a:blip>
+          <a:stretch>
+            <a:fillRect/>
+          </a:stretch>
+        </p:blipFill>
+        <p:spPr>
+          <a:xfrm>
+            <a:off x="10668000" y="5554358"/>
+            <a:ext cx="1574627" cy="1349680"/>
+          </a:xfrm>
+          <a:prstGeom prst="rect">
+            <a:avLst/>
+          </a:prstGeom>
+        </p:spPr>
+      </p:pic>
+      <p:sp>
+        <p:nvSpPr>
+          <p:cNvPr id="4" name="ZoneTexte 3">
+            <a:extLst>
+              <a:ext uri="{FF2B5EF4-FFF2-40B4-BE49-F238E27FC236}">
+                <a16:creationId xmlns:a16="http://schemas.microsoft.com/office/drawing/2014/main" id="{5860BA3D-9912-4AE2-850B-D06A44A3988D}"/>
+              </a:ext>
+            </a:extLst>
+          </p:cNvPr>
+          <p:cNvSpPr txBox="1"/>
+          <p:nvPr/>
+        </p:nvSpPr>
+        <p:spPr>
+          <a:xfrm>
+            <a:off x="866774" y="1000125"/>
+            <a:ext cx="8810626" cy="4770537"/>
+          </a:xfrm>
+          <a:prstGeom prst="rect">
+            <a:avLst/>
+          </a:prstGeom>
+          <a:noFill/>
+        </p:spPr>
+        <p:txBody>
+          <a:bodyPr wrap="square" rtlCol="0">
+            <a:spAutoFit/>
+          </a:bodyPr>
+          <a:lstStyle/>
+          <a:p>
+            <a:r>
+              <a:rPr lang="fr-FR" sz="4400" dirty="0"/>
+              <a:t>Style visuel du Site:</a:t>
+            </a:r>
+          </a:p>
+          <a:p>
+            <a:endParaRPr lang="fr-FR" sz="4400" dirty="0"/>
+          </a:p>
+          <a:p>
+            <a:endParaRPr lang="fr-FR" dirty="0"/>
+          </a:p>
+          <a:p>
+            <a:endParaRPr lang="fr-FR" dirty="0"/>
+          </a:p>
+          <a:p>
+            <a:endParaRPr lang="fr-FR" dirty="0"/>
+          </a:p>
+          <a:p>
+            <a:endParaRPr lang="fr-FR" dirty="0"/>
+          </a:p>
+          <a:p>
+            <a:endParaRPr lang="fr-FR" dirty="0"/>
+          </a:p>
+          <a:p>
+            <a:endParaRPr lang="fr-FR" dirty="0"/>
+          </a:p>
+          <a:p>
+            <a:endParaRPr lang="fr-FR" dirty="0"/>
+          </a:p>
+          <a:p>
+            <a:endParaRPr lang="fr-FR" dirty="0"/>
+          </a:p>
+          <a:p>
+            <a:endParaRPr lang="fr-FR" dirty="0"/>
+          </a:p>
+          <a:p>
+            <a:endParaRPr lang="fr-FR" dirty="0"/>
+          </a:p>
+          <a:p>
+            <a:endParaRPr lang="fr-FR" dirty="0"/>
+          </a:p>
+          <a:p>
+            <a:endParaRPr lang="fr-FR" dirty="0"/>
+          </a:p>
+        </p:txBody>
+      </p:sp>
+      <p:pic>
+        <p:nvPicPr>
+          <p:cNvPr id="6" name="Image 5" descr="Une image contenant capture d’écran&#10;&#10;Description générée avec un niveau de confiance très élevé">
+            <a:extLst>
+              <a:ext uri="{FF2B5EF4-FFF2-40B4-BE49-F238E27FC236}">
+                <a16:creationId xmlns:a16="http://schemas.microsoft.com/office/drawing/2014/main" id="{D9FD9FE2-D772-4457-A685-306E2CFFC77C}"/>
               </a:ext>
             </a:extLst>
           </p:cNvPr>
@@ -4644,179 +5179,31 @@
         </p:blipFill>
         <p:spPr>
           <a:xfrm>
-            <a:off x="10668000" y="5554358"/>
-            <a:ext cx="1574627" cy="1349680"/>
-          </a:xfrm>
-          <a:prstGeom prst="rect">
-            <a:avLst/>
+            <a:off x="641177" y="1876610"/>
+            <a:ext cx="10217323" cy="4682940"/>
+          </a:xfrm>
+          <a:prstGeom prst="roundRect">
+            <a:avLst>
+              <a:gd name="adj" fmla="val 8594"/>
+            </a:avLst>
           </a:prstGeom>
+          <a:solidFill>
+            <a:srgbClr val="FFFFFF">
+              <a:shade val="85000"/>
+            </a:srgbClr>
+          </a:solidFill>
+          <a:ln>
+            <a:noFill/>
+          </a:ln>
+          <a:effectLst>
+            <a:reflection blurRad="12700" stA="38000" endPos="28000" dist="5000" dir="5400000" sy="-100000" algn="bl" rotWithShape="0"/>
+          </a:effectLst>
         </p:spPr>
       </p:pic>
-      <p:sp>
-        <p:nvSpPr>
-          <p:cNvPr id="4" name="ZoneTexte 3">
-            <a:extLst>
-              <a:ext uri="{FF2B5EF4-FFF2-40B4-BE49-F238E27FC236}">
-                <a16:creationId xmlns:a16="http://schemas.microsoft.com/office/drawing/2014/main" id="{AB59E90D-7500-4E71-BB64-7F5114D22478}"/>
-              </a:ext>
-            </a:extLst>
-          </p:cNvPr>
-          <p:cNvSpPr txBox="1"/>
-          <p:nvPr/>
-        </p:nvSpPr>
-        <p:spPr>
-          <a:xfrm>
-            <a:off x="1715678" y="0"/>
-            <a:ext cx="11991237" cy="6740307"/>
-          </a:xfrm>
-          <a:prstGeom prst="rect">
-            <a:avLst/>
-          </a:prstGeom>
-          <a:noFill/>
-        </p:spPr>
-        <p:txBody>
-          <a:bodyPr wrap="square" rtlCol="0">
-            <a:spAutoFit/>
-          </a:bodyPr>
-          <a:lstStyle/>
-          <a:p>
-            <a:r>
-              <a:rPr lang="fr-FR" dirty="0"/>
-              <a:t>OBJECTIF BASE DE DONNEES  :</a:t>
-            </a:r>
-          </a:p>
-          <a:p>
-            <a:r>
-              <a:rPr lang="fr-FR" dirty="0"/>
-              <a:t>INSERT (remplir la base des données avec les produits)</a:t>
-            </a:r>
-          </a:p>
-          <a:p>
-            <a:r>
-              <a:rPr lang="fr-FR" dirty="0"/>
-              <a:t>SELECT</a:t>
-            </a:r>
-          </a:p>
-          <a:p>
-            <a:r>
-              <a:rPr lang="fr-FR" dirty="0"/>
-              <a:t>CONDITIONS ET ALGO</a:t>
-            </a:r>
-          </a:p>
-          <a:p>
-            <a:endParaRPr lang="fr-FR" dirty="0"/>
-          </a:p>
-          <a:p>
-            <a:r>
-              <a:rPr lang="fr-FR" dirty="0"/>
-              <a:t>OBJECTIF STRUCTURE SITE  :</a:t>
-            </a:r>
-          </a:p>
-          <a:p>
-            <a:r>
-              <a:rPr lang="fr-FR" dirty="0"/>
-              <a:t>INSTALLATION HTML/CSS + structure des autres pages</a:t>
-            </a:r>
-          </a:p>
-          <a:p>
-            <a:endParaRPr lang="fr-FR" dirty="0"/>
-          </a:p>
-          <a:p>
-            <a:r>
-              <a:rPr lang="fr-FR" dirty="0"/>
-              <a:t>Couleur de base : NOIR GRIS VERT</a:t>
-            </a:r>
-          </a:p>
-          <a:p>
-            <a:endParaRPr lang="fr-FR" dirty="0"/>
-          </a:p>
-          <a:p>
-            <a:r>
-              <a:rPr lang="fr-FR" dirty="0"/>
-              <a:t>Jour 2 effectuée : </a:t>
-            </a:r>
-          </a:p>
-          <a:p>
-            <a:r>
-              <a:rPr lang="fr-FR" dirty="0"/>
-              <a:t>Structure du de la page d'accueil/connexion HTML/CSS OK</a:t>
-            </a:r>
-          </a:p>
-          <a:p>
-            <a:r>
-              <a:rPr lang="fr-FR" dirty="0"/>
-              <a:t>TOOLBAR TERMINEE + Structure des pages OK</a:t>
-            </a:r>
-          </a:p>
-          <a:p>
-            <a:r>
-              <a:rPr lang="fr-FR" dirty="0"/>
-              <a:t>Structure de la page : ACCUEIL (CSS à finir)</a:t>
-            </a:r>
-          </a:p>
-          <a:p>
-            <a:r>
-              <a:rPr lang="fr-FR" dirty="0"/>
-              <a:t>Structure de la page : PANIER OK</a:t>
-            </a:r>
-          </a:p>
-          <a:p>
-            <a:r>
-              <a:rPr lang="fr-FR" dirty="0"/>
-              <a:t>Structure de la page : contact OK</a:t>
-            </a:r>
-          </a:p>
-          <a:p>
-            <a:r>
-              <a:rPr lang="fr-FR" dirty="0"/>
-              <a:t>Structure de la page FIGURINE : à finir</a:t>
-            </a:r>
-          </a:p>
-          <a:p>
-            <a:endParaRPr lang="fr-FR" dirty="0"/>
-          </a:p>
-          <a:p>
-            <a:r>
-              <a:rPr lang="fr-FR" dirty="0"/>
-              <a:t>PHP : </a:t>
-            </a:r>
-          </a:p>
-          <a:p>
-            <a:r>
-              <a:rPr lang="fr-FR" dirty="0"/>
-              <a:t>Connexion du PHP au MySQL</a:t>
-            </a:r>
-          </a:p>
-          <a:p>
-            <a:r>
-              <a:rPr lang="fr-FR" dirty="0"/>
-              <a:t>récupération des données en SQL avec la Base</a:t>
-            </a:r>
-          </a:p>
-          <a:p>
-            <a:r>
-              <a:rPr lang="fr-FR" dirty="0"/>
-              <a:t>Insertion de données</a:t>
-            </a:r>
-          </a:p>
-          <a:p>
-            <a:r>
-              <a:rPr lang="fr-FR" dirty="0"/>
-              <a:t>Préparation de la page ADMIN (SQL)</a:t>
-            </a:r>
-          </a:p>
-          <a:p>
-            <a:r>
-              <a:rPr lang="fr-FR" dirty="0"/>
-              <a:t>Remplissage de la base de données </a:t>
-            </a:r>
-          </a:p>
-        </p:txBody>
-      </p:sp>
     </p:spTree>
     <p:extLst>
       <p:ext uri="{BB962C8B-B14F-4D97-AF65-F5344CB8AC3E}">
-        <p14:creationId xmlns:p14="http://schemas.microsoft.com/office/powerpoint/2010/main" val="2972754837"/>
+        <p14:creationId xmlns:p14="http://schemas.microsoft.com/office/powerpoint/2010/main" val="1770725856"/>
       </p:ext>
     </p:extLst>
   </p:cSld>
@@ -4931,7 +5318,7 @@
         </p:blipFill>
         <p:spPr>
           <a:xfrm>
-            <a:off x="4542" y="0"/>
+            <a:off x="4542" y="-29496"/>
             <a:ext cx="12182915" cy="6858000"/>
           </a:xfrm>
           <a:prstGeom prst="rect">
@@ -4977,10 +5364,162 @@
       </p:pic>
       <p:sp>
         <p:nvSpPr>
-          <p:cNvPr id="4" name="ZoneTexte 3">
-            <a:extLst>
-              <a:ext uri="{FF2B5EF4-FFF2-40B4-BE49-F238E27FC236}">
-                <a16:creationId xmlns:a16="http://schemas.microsoft.com/office/drawing/2014/main" id="{3C71DE3E-3C7C-426B-822C-6C4C9E4711B4}"/>
+          <p:cNvPr id="8" name="Rectangle 7">
+            <a:extLst>
+              <a:ext uri="{FF2B5EF4-FFF2-40B4-BE49-F238E27FC236}">
+                <a16:creationId xmlns:a16="http://schemas.microsoft.com/office/drawing/2014/main" id="{58D1D85F-0956-40BA-AF2D-0B8655F94332}"/>
+              </a:ext>
+            </a:extLst>
+          </p:cNvPr>
+          <p:cNvSpPr/>
+          <p:nvPr/>
+        </p:nvSpPr>
+        <p:spPr>
+          <a:xfrm>
+            <a:off x="287079" y="135803"/>
+            <a:ext cx="3895725" cy="1140104"/>
+          </a:xfrm>
+          <a:prstGeom prst="rect">
+            <a:avLst/>
+          </a:prstGeom>
+          <a:solidFill>
+            <a:schemeClr val="tx1">
+              <a:lumMod val="95000"/>
+              <a:lumOff val="5000"/>
+            </a:schemeClr>
+          </a:solidFill>
+          <a:ln>
+            <a:solidFill>
+              <a:schemeClr val="tx1">
+                <a:lumMod val="85000"/>
+                <a:lumOff val="15000"/>
+              </a:schemeClr>
+            </a:solidFill>
+          </a:ln>
+          <a:effectLst/>
+          <a:scene3d>
+            <a:camera prst="orthographicFront">
+              <a:rot lat="0" lon="0" rev="0"/>
+            </a:camera>
+            <a:lightRig rig="chilly" dir="t">
+              <a:rot lat="0" lon="0" rev="18480000"/>
+            </a:lightRig>
+          </a:scene3d>
+          <a:sp3d prstMaterial="clear">
+            <a:bevelT h="63500"/>
+          </a:sp3d>
+        </p:spPr>
+        <p:style>
+          <a:lnRef idx="2">
+            <a:schemeClr val="accent1">
+              <a:shade val="50000"/>
+            </a:schemeClr>
+          </a:lnRef>
+          <a:fillRef idx="1">
+            <a:schemeClr val="accent1"/>
+          </a:fillRef>
+          <a:effectRef idx="0">
+            <a:schemeClr val="accent1"/>
+          </a:effectRef>
+          <a:fontRef idx="minor">
+            <a:schemeClr val="lt1"/>
+          </a:fontRef>
+        </p:style>
+        <p:txBody>
+          <a:bodyPr rtlCol="0" anchor="ctr"/>
+          <a:lstStyle/>
+          <a:p>
+            <a:pPr algn="ctr"/>
+            <a:r>
+              <a:rPr lang="fr-FR" sz="2800" b="1" dirty="0">
+                <a:solidFill>
+                  <a:schemeClr val="bg2">
+                    <a:lumMod val="25000"/>
+                  </a:schemeClr>
+                </a:solidFill>
+              </a:rPr>
+              <a:t>TACHES REALISEES          </a:t>
+            </a:r>
+          </a:p>
+          <a:p>
+            <a:pPr algn="ctr"/>
+            <a:r>
+              <a:rPr lang="fr-FR" sz="2800" b="1" dirty="0">
+                <a:solidFill>
+                  <a:schemeClr val="bg2">
+                    <a:lumMod val="25000"/>
+                  </a:schemeClr>
+                </a:solidFill>
+              </a:rPr>
+              <a:t>LE JOUR 3</a:t>
+            </a:r>
+          </a:p>
+        </p:txBody>
+      </p:sp>
+      <p:sp>
+        <p:nvSpPr>
+          <p:cNvPr id="10" name="Rectangle : coins arrondis 9">
+            <a:extLst>
+              <a:ext uri="{FF2B5EF4-FFF2-40B4-BE49-F238E27FC236}">
+                <a16:creationId xmlns:a16="http://schemas.microsoft.com/office/drawing/2014/main" id="{EF10D90F-3991-4A6E-9877-0E0611A16E35}"/>
+              </a:ext>
+            </a:extLst>
+          </p:cNvPr>
+          <p:cNvSpPr/>
+          <p:nvPr/>
+        </p:nvSpPr>
+        <p:spPr>
+          <a:xfrm>
+            <a:off x="227878" y="1398212"/>
+            <a:ext cx="6713796" cy="597988"/>
+          </a:xfrm>
+          <a:prstGeom prst="roundRect">
+            <a:avLst/>
+          </a:prstGeom>
+          <a:solidFill>
+            <a:schemeClr val="bg2">
+              <a:lumMod val="90000"/>
+            </a:schemeClr>
+          </a:solidFill>
+          <a:ln>
+            <a:solidFill>
+              <a:schemeClr val="bg1">
+                <a:lumMod val="75000"/>
+              </a:schemeClr>
+            </a:solidFill>
+          </a:ln>
+        </p:spPr>
+        <p:style>
+          <a:lnRef idx="2">
+            <a:schemeClr val="accent1">
+              <a:shade val="50000"/>
+            </a:schemeClr>
+          </a:lnRef>
+          <a:fillRef idx="1">
+            <a:schemeClr val="accent1"/>
+          </a:fillRef>
+          <a:effectRef idx="0">
+            <a:schemeClr val="accent1"/>
+          </a:effectRef>
+          <a:fontRef idx="minor">
+            <a:schemeClr val="lt1"/>
+          </a:fontRef>
+        </p:style>
+        <p:txBody>
+          <a:bodyPr rtlCol="0" anchor="ctr"/>
+          <a:lstStyle/>
+          <a:p>
+            <a:pPr algn="ctr"/>
+            <a:endParaRPr lang="fr-FR"/>
+          </a:p>
+        </p:txBody>
+      </p:sp>
+      <p:sp>
+        <p:nvSpPr>
+          <p:cNvPr id="11" name="ZoneTexte 10">
+            <a:extLst>
+              <a:ext uri="{FF2B5EF4-FFF2-40B4-BE49-F238E27FC236}">
+                <a16:creationId xmlns:a16="http://schemas.microsoft.com/office/drawing/2014/main" id="{CD8C034E-B7A2-4ECB-8772-E234F946086F}"/>
               </a:ext>
             </a:extLst>
           </p:cNvPr>
@@ -4989,8 +5528,8 @@
         </p:nvSpPr>
         <p:spPr>
           <a:xfrm>
-            <a:off x="2422688" y="1234911"/>
-            <a:ext cx="7072185" cy="4524315"/>
+            <a:off x="287078" y="1406852"/>
+            <a:ext cx="5715000" cy="954107"/>
           </a:xfrm>
           <a:prstGeom prst="rect">
             <a:avLst/>
@@ -5004,81 +5543,304 @@
           <a:lstStyle/>
           <a:p>
             <a:r>
-              <a:rPr lang="fr-FR" dirty="0"/>
-              <a:t>OBJECTIF  STRUCTURE SITE :</a:t>
-            </a:r>
-          </a:p>
-          <a:p>
-            <a:r>
-              <a:rPr lang="fr-FR" dirty="0"/>
+              <a:rPr lang="fr-FR" sz="2800" dirty="0"/>
+              <a:t>Mise en place d'une base de donnée : </a:t>
+            </a:r>
+          </a:p>
+          <a:p>
+            <a:endParaRPr lang="fr-FR" sz="2800" dirty="0"/>
+          </a:p>
+        </p:txBody>
+      </p:sp>
+      <p:sp>
+        <p:nvSpPr>
+          <p:cNvPr id="12" name="Rectangle : coins arrondis 11">
+            <a:extLst>
+              <a:ext uri="{FF2B5EF4-FFF2-40B4-BE49-F238E27FC236}">
+                <a16:creationId xmlns:a16="http://schemas.microsoft.com/office/drawing/2014/main" id="{B4A8CAC8-E170-41C2-B26E-09E2361EEF03}"/>
+              </a:ext>
+            </a:extLst>
+          </p:cNvPr>
+          <p:cNvSpPr/>
+          <p:nvPr/>
+        </p:nvSpPr>
+        <p:spPr>
+          <a:xfrm>
+            <a:off x="227878" y="2958300"/>
+            <a:ext cx="6713796" cy="597988"/>
+          </a:xfrm>
+          <a:prstGeom prst="roundRect">
+            <a:avLst/>
+          </a:prstGeom>
+          <a:solidFill>
+            <a:schemeClr val="bg2">
+              <a:lumMod val="90000"/>
+            </a:schemeClr>
+          </a:solidFill>
+          <a:ln>
+            <a:solidFill>
+              <a:schemeClr val="bg1">
+                <a:lumMod val="75000"/>
+              </a:schemeClr>
+            </a:solidFill>
+          </a:ln>
+        </p:spPr>
+        <p:style>
+          <a:lnRef idx="2">
+            <a:schemeClr val="accent1">
+              <a:shade val="50000"/>
+            </a:schemeClr>
+          </a:lnRef>
+          <a:fillRef idx="1">
+            <a:schemeClr val="accent1"/>
+          </a:fillRef>
+          <a:effectRef idx="0">
+            <a:schemeClr val="accent1"/>
+          </a:effectRef>
+          <a:fontRef idx="minor">
+            <a:schemeClr val="lt1"/>
+          </a:fontRef>
+        </p:style>
+        <p:txBody>
+          <a:bodyPr rtlCol="0" anchor="ctr"/>
+          <a:lstStyle/>
+          <a:p>
+            <a:pPr algn="ctr"/>
+            <a:endParaRPr lang="fr-FR"/>
+          </a:p>
+        </p:txBody>
+      </p:sp>
+      <p:sp>
+        <p:nvSpPr>
+          <p:cNvPr id="13" name="ZoneTexte 12">
+            <a:extLst>
+              <a:ext uri="{FF2B5EF4-FFF2-40B4-BE49-F238E27FC236}">
+                <a16:creationId xmlns:a16="http://schemas.microsoft.com/office/drawing/2014/main" id="{F90FD864-7AEA-482F-BE0A-C85D5DD55867}"/>
+              </a:ext>
+            </a:extLst>
+          </p:cNvPr>
+          <p:cNvSpPr txBox="1"/>
+          <p:nvPr/>
+        </p:nvSpPr>
+        <p:spPr>
+          <a:xfrm>
+            <a:off x="168678" y="2959328"/>
+            <a:ext cx="6832195" cy="800219"/>
+          </a:xfrm>
+          <a:prstGeom prst="rect">
+            <a:avLst/>
+          </a:prstGeom>
+          <a:noFill/>
+        </p:spPr>
+        <p:txBody>
+          <a:bodyPr wrap="square" rtlCol="0">
+            <a:spAutoFit/>
+          </a:bodyPr>
+          <a:lstStyle/>
+          <a:p>
+            <a:r>
+              <a:rPr lang="fr-FR" sz="2800" dirty="0"/>
+              <a:t>Mise en place de la structure du site internet :  </a:t>
+            </a:r>
+          </a:p>
+          <a:p>
+            <a:endParaRPr lang="fr-FR" dirty="0"/>
+          </a:p>
+        </p:txBody>
+      </p:sp>
+      <p:sp>
+        <p:nvSpPr>
+          <p:cNvPr id="5" name="Ellipse 4">
+            <a:extLst>
+              <a:ext uri="{FF2B5EF4-FFF2-40B4-BE49-F238E27FC236}">
+                <a16:creationId xmlns:a16="http://schemas.microsoft.com/office/drawing/2014/main" id="{63331D3F-0205-4361-A429-CA35175779E6}"/>
+              </a:ext>
+            </a:extLst>
+          </p:cNvPr>
+          <p:cNvSpPr/>
+          <p:nvPr/>
+        </p:nvSpPr>
+        <p:spPr>
+          <a:xfrm>
+            <a:off x="381000" y="6115665"/>
+            <a:ext cx="513735" cy="462116"/>
+          </a:xfrm>
+          <a:prstGeom prst="ellipse">
+            <a:avLst/>
+          </a:prstGeom>
+          <a:solidFill>
+            <a:schemeClr val="bg1">
+              <a:lumMod val="65000"/>
+            </a:schemeClr>
+          </a:solidFill>
+          <a:ln>
+            <a:solidFill>
+              <a:schemeClr val="bg1">
+                <a:lumMod val="65000"/>
+              </a:schemeClr>
+            </a:solidFill>
+          </a:ln>
+        </p:spPr>
+        <p:style>
+          <a:lnRef idx="2">
+            <a:schemeClr val="accent1">
+              <a:shade val="50000"/>
+            </a:schemeClr>
+          </a:lnRef>
+          <a:fillRef idx="1">
+            <a:schemeClr val="accent1"/>
+          </a:fillRef>
+          <a:effectRef idx="0">
+            <a:schemeClr val="accent1"/>
+          </a:effectRef>
+          <a:fontRef idx="minor">
+            <a:schemeClr val="lt1"/>
+          </a:fontRef>
+        </p:style>
+        <p:txBody>
+          <a:bodyPr rtlCol="0" anchor="ctr"/>
+          <a:lstStyle/>
+          <a:p>
+            <a:pPr algn="ctr"/>
+            <a:endParaRPr lang="fr-FR"/>
+          </a:p>
+        </p:txBody>
+      </p:sp>
+      <p:sp>
+        <p:nvSpPr>
+          <p:cNvPr id="6" name="ZoneTexte 5">
+            <a:extLst>
+              <a:ext uri="{FF2B5EF4-FFF2-40B4-BE49-F238E27FC236}">
+                <a16:creationId xmlns:a16="http://schemas.microsoft.com/office/drawing/2014/main" id="{8107E87B-3E56-4CD5-BE3B-3212844B0879}"/>
+              </a:ext>
+            </a:extLst>
+          </p:cNvPr>
+          <p:cNvSpPr txBox="1"/>
+          <p:nvPr/>
+        </p:nvSpPr>
+        <p:spPr>
+          <a:xfrm>
+            <a:off x="904567" y="6182173"/>
+            <a:ext cx="5191432" cy="477054"/>
+          </a:xfrm>
+          <a:prstGeom prst="rect">
+            <a:avLst/>
+          </a:prstGeom>
+          <a:noFill/>
+        </p:spPr>
+        <p:txBody>
+          <a:bodyPr wrap="square" rtlCol="0">
+            <a:spAutoFit/>
+          </a:bodyPr>
+          <a:lstStyle/>
+          <a:p>
+            <a:r>
+              <a:rPr lang="fr-FR" sz="2500" dirty="0"/>
+              <a:t>Mise en page des fichiers sur GITHUB</a:t>
+            </a:r>
+          </a:p>
+        </p:txBody>
+      </p:sp>
+      <p:sp>
+        <p:nvSpPr>
+          <p:cNvPr id="14" name="ZoneTexte 13">
+            <a:extLst>
+              <a:ext uri="{FF2B5EF4-FFF2-40B4-BE49-F238E27FC236}">
+                <a16:creationId xmlns:a16="http://schemas.microsoft.com/office/drawing/2014/main" id="{A6BC288B-6DB6-475F-8449-1EC72B958D80}"/>
+              </a:ext>
+            </a:extLst>
+          </p:cNvPr>
+          <p:cNvSpPr txBox="1"/>
+          <p:nvPr/>
+        </p:nvSpPr>
+        <p:spPr>
+          <a:xfrm>
+            <a:off x="168678" y="3580185"/>
+            <a:ext cx="10031361" cy="2308324"/>
+          </a:xfrm>
+          <a:prstGeom prst="rect">
+            <a:avLst/>
+          </a:prstGeom>
+          <a:noFill/>
+        </p:spPr>
+        <p:txBody>
+          <a:bodyPr wrap="square" rtlCol="0">
+            <a:spAutoFit/>
+          </a:bodyPr>
+          <a:lstStyle/>
+          <a:p>
+            <a:r>
+              <a:rPr lang="fr-FR" sz="2400" dirty="0"/>
               <a:t>Synthétisé les CSS/HTML</a:t>
             </a:r>
           </a:p>
           <a:p>
             <a:r>
-              <a:rPr lang="fr-FR" dirty="0"/>
+              <a:rPr lang="fr-FR" sz="2400" dirty="0"/>
               <a:t>Finir les modèles de BOX</a:t>
             </a:r>
           </a:p>
           <a:p>
             <a:r>
-              <a:rPr lang="fr-FR" dirty="0"/>
+              <a:rPr lang="fr-FR" sz="2400" dirty="0"/>
               <a:t>Page compte a créer</a:t>
             </a:r>
           </a:p>
           <a:p>
-            <a:endParaRPr lang="fr-FR" dirty="0"/>
-          </a:p>
-          <a:p>
-            <a:r>
-              <a:rPr lang="fr-FR" dirty="0"/>
-              <a:t>OBJECTIF BASE DE DONNEE :</a:t>
-            </a:r>
-          </a:p>
-          <a:p>
-            <a:r>
-              <a:rPr lang="fr-FR" dirty="0"/>
+            <a:r>
+              <a:rPr lang="fr-FR" sz="2400" dirty="0"/>
+              <a:t>Mise en page et structure du site HTML/CSS terminée</a:t>
+            </a:r>
+          </a:p>
+          <a:p>
+            <a:r>
+              <a:rPr lang="fr-FR" sz="2400" dirty="0"/>
+              <a:t>Fusion des différents CSS (Main.css : qui est le CSS général et des CSS spécifiques</a:t>
+            </a:r>
+          </a:p>
+        </p:txBody>
+      </p:sp>
+      <p:sp>
+        <p:nvSpPr>
+          <p:cNvPr id="15" name="ZoneTexte 14">
+            <a:extLst>
+              <a:ext uri="{FF2B5EF4-FFF2-40B4-BE49-F238E27FC236}">
+                <a16:creationId xmlns:a16="http://schemas.microsoft.com/office/drawing/2014/main" id="{29065034-299F-49C1-84F6-EA189ADE9B99}"/>
+              </a:ext>
+            </a:extLst>
+          </p:cNvPr>
+          <p:cNvSpPr txBox="1"/>
+          <p:nvPr/>
+        </p:nvSpPr>
+        <p:spPr>
+          <a:xfrm>
+            <a:off x="227878" y="2067034"/>
+            <a:ext cx="5348747" cy="1200329"/>
+          </a:xfrm>
+          <a:prstGeom prst="rect">
+            <a:avLst/>
+          </a:prstGeom>
+          <a:noFill/>
+        </p:spPr>
+        <p:txBody>
+          <a:bodyPr wrap="square" rtlCol="0">
+            <a:spAutoFit/>
+          </a:bodyPr>
+          <a:lstStyle/>
+          <a:p>
+            <a:r>
+              <a:rPr lang="fr-FR" sz="2400" dirty="0"/>
               <a:t>Remplir catégorie commande articles</a:t>
             </a:r>
           </a:p>
           <a:p>
             <a:r>
-              <a:rPr lang="fr-FR" dirty="0"/>
+              <a:rPr lang="fr-FR" sz="2400" dirty="0"/>
               <a:t>Finir page admin</a:t>
             </a:r>
           </a:p>
           <a:p>
-            <a:endParaRPr lang="fr-FR" dirty="0"/>
-          </a:p>
-          <a:p>
-            <a:r>
-              <a:rPr lang="fr-FR" dirty="0"/>
-              <a:t>Jour 3 effectuée :</a:t>
-            </a:r>
-          </a:p>
-          <a:p>
-            <a:r>
-              <a:rPr lang="fr-FR" dirty="0"/>
-              <a:t>Mise en page et structure du site HTML/CSS terminée</a:t>
-            </a:r>
-          </a:p>
-          <a:p>
-            <a:r>
-              <a:rPr lang="fr-FR" dirty="0"/>
-              <a:t>Fusion des différents CSS (Main.css : qui est le CSS général et des CSS spécifiques)</a:t>
-            </a:r>
-          </a:p>
-          <a:p>
-            <a:r>
-              <a:rPr lang="fr-FR" dirty="0"/>
-              <a:t>Mise en plage des fichiers sur GITHUB</a:t>
-            </a:r>
-          </a:p>
-          <a:p>
-            <a:endParaRPr lang="fr-FR" dirty="0"/>
-          </a:p>
-          <a:p>
-            <a:endParaRPr lang="fr-FR" dirty="0"/>
+            <a:endParaRPr lang="fr-FR" sz="2400" dirty="0"/>
           </a:p>
         </p:txBody>
       </p:sp>
@@ -5258,8 +6020,8 @@
         </p:nvSpPr>
         <p:spPr>
           <a:xfrm>
-            <a:off x="1128467" y="726453"/>
-            <a:ext cx="11606458" cy="5909310"/>
+            <a:off x="785647" y="4040457"/>
+            <a:ext cx="5102448" cy="1477328"/>
           </a:xfrm>
           <a:prstGeom prst="rect">
             <a:avLst/>
@@ -5272,23 +6034,297 @@
           </a:bodyPr>
           <a:lstStyle/>
           <a:p>
-            <a:r>
-              <a:rPr lang="fr-FR" dirty="0" err="1"/>
-              <a:t>Ojectif</a:t>
-            </a:r>
+            <a:endParaRPr lang="fr-FR" dirty="0"/>
+          </a:p>
+          <a:p>
+            <a:endParaRPr lang="fr-FR" dirty="0"/>
+          </a:p>
+          <a:p>
             <a:r>
               <a:rPr lang="fr-FR" dirty="0"/>
-              <a:t> à </a:t>
-            </a:r>
-            <a:r>
-              <a:rPr lang="fr-FR" dirty="0" err="1"/>
-              <a:t>realisé</a:t>
-            </a:r>
-            <a:r>
-              <a:rPr lang="fr-FR" dirty="0"/>
-              <a:t> et réalisé : JOUR 4</a:t>
-            </a:r>
-          </a:p>
+              <a:t>Mise en place du diaporama</a:t>
+            </a:r>
+          </a:p>
+          <a:p>
+            <a:endParaRPr lang="fr-FR" dirty="0"/>
+          </a:p>
+          <a:p>
+            <a:endParaRPr lang="fr-FR" dirty="0"/>
+          </a:p>
+        </p:txBody>
+      </p:sp>
+      <p:sp>
+        <p:nvSpPr>
+          <p:cNvPr id="8" name="Rectangle 7">
+            <a:extLst>
+              <a:ext uri="{FF2B5EF4-FFF2-40B4-BE49-F238E27FC236}">
+                <a16:creationId xmlns:a16="http://schemas.microsoft.com/office/drawing/2014/main" id="{D28FC254-DCCF-48FB-9C04-18E199F79725}"/>
+              </a:ext>
+            </a:extLst>
+          </p:cNvPr>
+          <p:cNvSpPr/>
+          <p:nvPr/>
+        </p:nvSpPr>
+        <p:spPr>
+          <a:xfrm>
+            <a:off x="287079" y="135803"/>
+            <a:ext cx="3895725" cy="1140104"/>
+          </a:xfrm>
+          <a:prstGeom prst="rect">
+            <a:avLst/>
+          </a:prstGeom>
+          <a:solidFill>
+            <a:schemeClr val="tx1">
+              <a:lumMod val="95000"/>
+              <a:lumOff val="5000"/>
+            </a:schemeClr>
+          </a:solidFill>
+          <a:ln>
+            <a:solidFill>
+              <a:schemeClr val="tx1">
+                <a:lumMod val="85000"/>
+                <a:lumOff val="15000"/>
+              </a:schemeClr>
+            </a:solidFill>
+          </a:ln>
+          <a:effectLst/>
+          <a:scene3d>
+            <a:camera prst="orthographicFront">
+              <a:rot lat="0" lon="0" rev="0"/>
+            </a:camera>
+            <a:lightRig rig="chilly" dir="t">
+              <a:rot lat="0" lon="0" rev="18480000"/>
+            </a:lightRig>
+          </a:scene3d>
+          <a:sp3d prstMaterial="clear">
+            <a:bevelT h="63500"/>
+          </a:sp3d>
+        </p:spPr>
+        <p:style>
+          <a:lnRef idx="2">
+            <a:schemeClr val="accent1">
+              <a:shade val="50000"/>
+            </a:schemeClr>
+          </a:lnRef>
+          <a:fillRef idx="1">
+            <a:schemeClr val="accent1"/>
+          </a:fillRef>
+          <a:effectRef idx="0">
+            <a:schemeClr val="accent1"/>
+          </a:effectRef>
+          <a:fontRef idx="minor">
+            <a:schemeClr val="lt1"/>
+          </a:fontRef>
+        </p:style>
+        <p:txBody>
+          <a:bodyPr rtlCol="0" anchor="ctr"/>
+          <a:lstStyle/>
+          <a:p>
+            <a:pPr algn="ctr"/>
+            <a:r>
+              <a:rPr lang="fr-FR" sz="2800" b="1" dirty="0">
+                <a:solidFill>
+                  <a:schemeClr val="bg2">
+                    <a:lumMod val="25000"/>
+                  </a:schemeClr>
+                </a:solidFill>
+              </a:rPr>
+              <a:t>TACHES REALISEES          </a:t>
+            </a:r>
+          </a:p>
+          <a:p>
+            <a:pPr algn="ctr"/>
+            <a:r>
+              <a:rPr lang="fr-FR" sz="2800" b="1" dirty="0">
+                <a:solidFill>
+                  <a:schemeClr val="bg2">
+                    <a:lumMod val="25000"/>
+                  </a:schemeClr>
+                </a:solidFill>
+              </a:rPr>
+              <a:t>LE JOUR 4</a:t>
+            </a:r>
+          </a:p>
+        </p:txBody>
+      </p:sp>
+      <p:sp>
+        <p:nvSpPr>
+          <p:cNvPr id="10" name="Rectangle : coins arrondis 9">
+            <a:extLst>
+              <a:ext uri="{FF2B5EF4-FFF2-40B4-BE49-F238E27FC236}">
+                <a16:creationId xmlns:a16="http://schemas.microsoft.com/office/drawing/2014/main" id="{93AA23F2-1377-4D6A-96FF-8EDF79963BD2}"/>
+              </a:ext>
+            </a:extLst>
+          </p:cNvPr>
+          <p:cNvSpPr/>
+          <p:nvPr/>
+        </p:nvSpPr>
+        <p:spPr>
+          <a:xfrm>
+            <a:off x="227878" y="1480892"/>
+            <a:ext cx="3610697" cy="597988"/>
+          </a:xfrm>
+          <a:prstGeom prst="roundRect">
+            <a:avLst/>
+          </a:prstGeom>
+          <a:solidFill>
+            <a:schemeClr val="bg2">
+              <a:lumMod val="90000"/>
+            </a:schemeClr>
+          </a:solidFill>
+          <a:ln>
+            <a:solidFill>
+              <a:schemeClr val="bg1">
+                <a:lumMod val="75000"/>
+              </a:schemeClr>
+            </a:solidFill>
+          </a:ln>
+        </p:spPr>
+        <p:style>
+          <a:lnRef idx="2">
+            <a:schemeClr val="accent1">
+              <a:shade val="50000"/>
+            </a:schemeClr>
+          </a:lnRef>
+          <a:fillRef idx="1">
+            <a:schemeClr val="accent1"/>
+          </a:fillRef>
+          <a:effectRef idx="0">
+            <a:schemeClr val="accent1"/>
+          </a:effectRef>
+          <a:fontRef idx="minor">
+            <a:schemeClr val="lt1"/>
+          </a:fontRef>
+        </p:style>
+        <p:txBody>
+          <a:bodyPr rtlCol="0" anchor="ctr"/>
+          <a:lstStyle/>
+          <a:p>
+            <a:pPr algn="ctr"/>
+            <a:endParaRPr lang="fr-FR"/>
+          </a:p>
+        </p:txBody>
+      </p:sp>
+      <p:sp>
+        <p:nvSpPr>
+          <p:cNvPr id="12" name="Rectangle : coins arrondis 11">
+            <a:extLst>
+              <a:ext uri="{FF2B5EF4-FFF2-40B4-BE49-F238E27FC236}">
+                <a16:creationId xmlns:a16="http://schemas.microsoft.com/office/drawing/2014/main" id="{2FAD5DC3-847F-4DD0-A72D-E5A190B1130F}"/>
+              </a:ext>
+            </a:extLst>
+          </p:cNvPr>
+          <p:cNvSpPr/>
+          <p:nvPr/>
+        </p:nvSpPr>
+        <p:spPr>
+          <a:xfrm>
+            <a:off x="4996529" y="1452161"/>
+            <a:ext cx="6713796" cy="597988"/>
+          </a:xfrm>
+          <a:prstGeom prst="roundRect">
+            <a:avLst/>
+          </a:prstGeom>
+          <a:solidFill>
+            <a:schemeClr val="bg2">
+              <a:lumMod val="90000"/>
+            </a:schemeClr>
+          </a:solidFill>
+          <a:ln>
+            <a:solidFill>
+              <a:schemeClr val="bg1">
+                <a:lumMod val="75000"/>
+              </a:schemeClr>
+            </a:solidFill>
+          </a:ln>
+        </p:spPr>
+        <p:style>
+          <a:lnRef idx="2">
+            <a:schemeClr val="accent1">
+              <a:shade val="50000"/>
+            </a:schemeClr>
+          </a:lnRef>
+          <a:fillRef idx="1">
+            <a:schemeClr val="accent1"/>
+          </a:fillRef>
+          <a:effectRef idx="0">
+            <a:schemeClr val="accent1"/>
+          </a:effectRef>
+          <a:fontRef idx="minor">
+            <a:schemeClr val="lt1"/>
+          </a:fontRef>
+        </p:style>
+        <p:txBody>
+          <a:bodyPr rtlCol="0" anchor="ctr"/>
+          <a:lstStyle/>
+          <a:p>
+            <a:pPr algn="ctr"/>
+            <a:endParaRPr lang="fr-FR"/>
+          </a:p>
+        </p:txBody>
+      </p:sp>
+      <p:sp>
+        <p:nvSpPr>
+          <p:cNvPr id="13" name="ZoneTexte 12">
+            <a:extLst>
+              <a:ext uri="{FF2B5EF4-FFF2-40B4-BE49-F238E27FC236}">
+                <a16:creationId xmlns:a16="http://schemas.microsoft.com/office/drawing/2014/main" id="{BED65DF1-9FF0-49AC-8EAE-DB55472A5B80}"/>
+              </a:ext>
+            </a:extLst>
+          </p:cNvPr>
+          <p:cNvSpPr txBox="1"/>
+          <p:nvPr/>
+        </p:nvSpPr>
+        <p:spPr>
+          <a:xfrm>
+            <a:off x="287079" y="1500602"/>
+            <a:ext cx="3413328" cy="523220"/>
+          </a:xfrm>
+          <a:prstGeom prst="rect">
+            <a:avLst/>
+          </a:prstGeom>
+          <a:noFill/>
+        </p:spPr>
+        <p:txBody>
+          <a:bodyPr wrap="square" rtlCol="0">
+            <a:spAutoFit/>
+          </a:bodyPr>
+          <a:lstStyle/>
+          <a:p>
+            <a:r>
+              <a:rPr lang="fr-FR" sz="2800" dirty="0"/>
+              <a:t>Mise en place du PHP: </a:t>
+            </a:r>
+          </a:p>
+        </p:txBody>
+      </p:sp>
+      <p:sp>
+        <p:nvSpPr>
+          <p:cNvPr id="14" name="ZoneTexte 13">
+            <a:extLst>
+              <a:ext uri="{FF2B5EF4-FFF2-40B4-BE49-F238E27FC236}">
+                <a16:creationId xmlns:a16="http://schemas.microsoft.com/office/drawing/2014/main" id="{2DA9836E-4C21-4398-87F7-955C6D0CCACF}"/>
+              </a:ext>
+            </a:extLst>
+          </p:cNvPr>
+          <p:cNvSpPr txBox="1"/>
+          <p:nvPr/>
+        </p:nvSpPr>
+        <p:spPr>
+          <a:xfrm>
+            <a:off x="309412" y="2580540"/>
+            <a:ext cx="3767271" cy="1200329"/>
+          </a:xfrm>
+          <a:prstGeom prst="rect">
+            <a:avLst/>
+          </a:prstGeom>
+          <a:noFill/>
+        </p:spPr>
+        <p:txBody>
+          <a:bodyPr wrap="square" rtlCol="0">
+            <a:spAutoFit/>
+          </a:bodyPr>
+          <a:lstStyle/>
           <a:p>
             <a:r>
               <a:rPr lang="fr-FR" dirty="0"/>
@@ -5304,6 +6340,258 @@
           <a:p>
             <a:r>
               <a:rPr lang="fr-FR" dirty="0"/>
+              <a:t>Partie connexion PHP (créer une </a:t>
+            </a:r>
+            <a:r>
+              <a:rPr lang="fr-FR" dirty="0" err="1"/>
+              <a:t>sesison</a:t>
+            </a:r>
+            <a:r>
+              <a:rPr lang="fr-FR" dirty="0"/>
+              <a:t>)</a:t>
+            </a:r>
+          </a:p>
+        </p:txBody>
+      </p:sp>
+      <p:sp>
+        <p:nvSpPr>
+          <p:cNvPr id="15" name="Rectangle : coins arrondis 14">
+            <a:extLst>
+              <a:ext uri="{FF2B5EF4-FFF2-40B4-BE49-F238E27FC236}">
+                <a16:creationId xmlns:a16="http://schemas.microsoft.com/office/drawing/2014/main" id="{D0C67815-F03B-4FCB-AC5A-1183D6A259E0}"/>
+              </a:ext>
+            </a:extLst>
+          </p:cNvPr>
+          <p:cNvSpPr/>
+          <p:nvPr/>
+        </p:nvSpPr>
+        <p:spPr>
+          <a:xfrm>
+            <a:off x="5149742" y="3120974"/>
+            <a:ext cx="6713796" cy="597988"/>
+          </a:xfrm>
+          <a:prstGeom prst="roundRect">
+            <a:avLst/>
+          </a:prstGeom>
+          <a:solidFill>
+            <a:schemeClr val="bg2">
+              <a:lumMod val="90000"/>
+            </a:schemeClr>
+          </a:solidFill>
+          <a:ln>
+            <a:solidFill>
+              <a:schemeClr val="bg1">
+                <a:lumMod val="75000"/>
+              </a:schemeClr>
+            </a:solidFill>
+          </a:ln>
+        </p:spPr>
+        <p:style>
+          <a:lnRef idx="2">
+            <a:schemeClr val="accent1">
+              <a:shade val="50000"/>
+            </a:schemeClr>
+          </a:lnRef>
+          <a:fillRef idx="1">
+            <a:schemeClr val="accent1"/>
+          </a:fillRef>
+          <a:effectRef idx="0">
+            <a:schemeClr val="accent1"/>
+          </a:effectRef>
+          <a:fontRef idx="minor">
+            <a:schemeClr val="lt1"/>
+          </a:fontRef>
+        </p:style>
+        <p:txBody>
+          <a:bodyPr rtlCol="0" anchor="ctr"/>
+          <a:lstStyle/>
+          <a:p>
+            <a:pPr algn="ctr"/>
+            <a:endParaRPr lang="fr-FR"/>
+          </a:p>
+        </p:txBody>
+      </p:sp>
+      <p:sp>
+        <p:nvSpPr>
+          <p:cNvPr id="11" name="ZoneTexte 10">
+            <a:extLst>
+              <a:ext uri="{FF2B5EF4-FFF2-40B4-BE49-F238E27FC236}">
+                <a16:creationId xmlns:a16="http://schemas.microsoft.com/office/drawing/2014/main" id="{F6B9F89C-058C-4460-B5E0-D16E1A58C242}"/>
+              </a:ext>
+            </a:extLst>
+          </p:cNvPr>
+          <p:cNvSpPr txBox="1"/>
+          <p:nvPr/>
+        </p:nvSpPr>
+        <p:spPr>
+          <a:xfrm>
+            <a:off x="5131927" y="3118047"/>
+            <a:ext cx="6832195" cy="800219"/>
+          </a:xfrm>
+          <a:prstGeom prst="rect">
+            <a:avLst/>
+          </a:prstGeom>
+          <a:noFill/>
+        </p:spPr>
+        <p:txBody>
+          <a:bodyPr wrap="square" rtlCol="0">
+            <a:spAutoFit/>
+          </a:bodyPr>
+          <a:lstStyle/>
+          <a:p>
+            <a:r>
+              <a:rPr lang="fr-FR" sz="2800" dirty="0"/>
+              <a:t>Mise en place de la structure du site internet :  </a:t>
+            </a:r>
+          </a:p>
+          <a:p>
+            <a:endParaRPr lang="fr-FR" dirty="0"/>
+          </a:p>
+        </p:txBody>
+      </p:sp>
+      <p:sp>
+        <p:nvSpPr>
+          <p:cNvPr id="17" name="ZoneTexte 16">
+            <a:extLst>
+              <a:ext uri="{FF2B5EF4-FFF2-40B4-BE49-F238E27FC236}">
+                <a16:creationId xmlns:a16="http://schemas.microsoft.com/office/drawing/2014/main" id="{FFE0F939-6D43-4FF3-B5D8-A391BFEC3DB4}"/>
+              </a:ext>
+            </a:extLst>
+          </p:cNvPr>
+          <p:cNvSpPr txBox="1"/>
+          <p:nvPr/>
+        </p:nvSpPr>
+        <p:spPr>
+          <a:xfrm>
+            <a:off x="5134696" y="1492408"/>
+            <a:ext cx="5715000" cy="954107"/>
+          </a:xfrm>
+          <a:prstGeom prst="rect">
+            <a:avLst/>
+          </a:prstGeom>
+          <a:noFill/>
+        </p:spPr>
+        <p:txBody>
+          <a:bodyPr wrap="square" rtlCol="0">
+            <a:spAutoFit/>
+          </a:bodyPr>
+          <a:lstStyle/>
+          <a:p>
+            <a:r>
+              <a:rPr lang="fr-FR" sz="2800" dirty="0"/>
+              <a:t>Mise en place d'une base de donnée : </a:t>
+            </a:r>
+          </a:p>
+          <a:p>
+            <a:endParaRPr lang="fr-FR" sz="2800" dirty="0"/>
+          </a:p>
+        </p:txBody>
+      </p:sp>
+      <p:sp>
+        <p:nvSpPr>
+          <p:cNvPr id="18" name="ZoneTexte 17">
+            <a:extLst>
+              <a:ext uri="{FF2B5EF4-FFF2-40B4-BE49-F238E27FC236}">
+                <a16:creationId xmlns:a16="http://schemas.microsoft.com/office/drawing/2014/main" id="{CBF18C57-1FC6-4DB5-BB6D-E5F37C562EF4}"/>
+              </a:ext>
+            </a:extLst>
+          </p:cNvPr>
+          <p:cNvSpPr txBox="1"/>
+          <p:nvPr/>
+        </p:nvSpPr>
+        <p:spPr>
+          <a:xfrm>
+            <a:off x="5149742" y="2178545"/>
+            <a:ext cx="5684909" cy="923330"/>
+          </a:xfrm>
+          <a:prstGeom prst="rect">
+            <a:avLst/>
+          </a:prstGeom>
+          <a:noFill/>
+        </p:spPr>
+        <p:txBody>
+          <a:bodyPr wrap="square" rtlCol="0">
+            <a:spAutoFit/>
+          </a:bodyPr>
+          <a:lstStyle/>
+          <a:p>
+            <a:r>
+              <a:rPr lang="fr-FR" dirty="0" err="1"/>
+              <a:t>Recupération</a:t>
+            </a:r>
+            <a:r>
+              <a:rPr lang="fr-FR" dirty="0"/>
+              <a:t> des données articles</a:t>
+            </a:r>
+          </a:p>
+          <a:p>
+            <a:r>
+              <a:rPr lang="fr-FR" dirty="0" err="1"/>
+              <a:t>Requete</a:t>
+            </a:r>
+            <a:r>
+              <a:rPr lang="fr-FR" dirty="0"/>
+              <a:t> SQL</a:t>
+            </a:r>
+          </a:p>
+          <a:p>
+            <a:r>
+              <a:rPr lang="fr-FR" dirty="0"/>
+              <a:t>Base de données terminée</a:t>
+            </a:r>
+          </a:p>
+        </p:txBody>
+      </p:sp>
+      <p:sp>
+        <p:nvSpPr>
+          <p:cNvPr id="19" name="ZoneTexte 18">
+            <a:extLst>
+              <a:ext uri="{FF2B5EF4-FFF2-40B4-BE49-F238E27FC236}">
+                <a16:creationId xmlns:a16="http://schemas.microsoft.com/office/drawing/2014/main" id="{BB1264BE-4405-4F03-BD35-18DDFD083B88}"/>
+              </a:ext>
+            </a:extLst>
+          </p:cNvPr>
+          <p:cNvSpPr txBox="1"/>
+          <p:nvPr/>
+        </p:nvSpPr>
+        <p:spPr>
+          <a:xfrm>
+            <a:off x="5149742" y="3727156"/>
+            <a:ext cx="6181725" cy="2862322"/>
+          </a:xfrm>
+          <a:prstGeom prst="rect">
+            <a:avLst/>
+          </a:prstGeom>
+          <a:noFill/>
+        </p:spPr>
+        <p:txBody>
+          <a:bodyPr wrap="square" rtlCol="0">
+            <a:spAutoFit/>
+          </a:bodyPr>
+          <a:lstStyle/>
+          <a:p>
+            <a:r>
+              <a:rPr lang="fr-FR" dirty="0"/>
+              <a:t>Bloque </a:t>
+            </a:r>
+            <a:r>
+              <a:rPr lang="fr-FR" dirty="0" err="1"/>
+              <a:t>modele</a:t>
+            </a:r>
+            <a:r>
+              <a:rPr lang="fr-FR" dirty="0"/>
+              <a:t> page figurine</a:t>
+            </a:r>
+          </a:p>
+          <a:p>
+            <a:r>
+              <a:rPr lang="fr-FR" dirty="0"/>
+              <a:t>Nettoyage code</a:t>
+            </a:r>
+          </a:p>
+          <a:p>
+            <a:r>
+              <a:rPr lang="fr-FR" dirty="0"/>
               <a:t>Créer page d'inscription - reste a faire communiqué</a:t>
             </a:r>
           </a:p>
@@ -5314,9 +6602,6 @@
             </a:r>
           </a:p>
           <a:p>
-            <a:endParaRPr lang="fr-FR" dirty="0"/>
-          </a:p>
-          <a:p>
             <a:r>
               <a:rPr lang="fr-FR" dirty="0"/>
               <a:t>Page de compte structure du site</a:t>
@@ -5329,9 +6614,6 @@
             </a:r>
           </a:p>
           <a:p>
-            <a:endParaRPr lang="fr-FR" dirty="0"/>
-          </a:p>
-          <a:p>
             <a:r>
               <a:rPr lang="fr-FR" dirty="0"/>
               <a:t>Page CSS main.css en place </a:t>
@@ -5352,71 +6634,63 @@
           <a:p>
             <a:endParaRPr lang="fr-FR" dirty="0"/>
           </a:p>
-          <a:p>
-            <a:r>
-              <a:rPr lang="fr-FR" dirty="0" err="1"/>
-              <a:t>Recupération</a:t>
-            </a:r>
-            <a:r>
-              <a:rPr lang="fr-FR" dirty="0"/>
-              <a:t> des données articles</a:t>
-            </a:r>
-          </a:p>
-          <a:p>
-            <a:r>
-              <a:rPr lang="fr-FR" dirty="0" err="1"/>
-              <a:t>Requete</a:t>
-            </a:r>
-            <a:r>
-              <a:rPr lang="fr-FR" dirty="0"/>
-              <a:t> SQL</a:t>
-            </a:r>
-          </a:p>
-          <a:p>
-            <a:r>
-              <a:rPr lang="fr-FR" dirty="0"/>
-              <a:t>Partie connexion PHP (créer une </a:t>
-            </a:r>
-            <a:r>
-              <a:rPr lang="fr-FR" dirty="0" err="1"/>
-              <a:t>sesison</a:t>
-            </a:r>
-            <a:r>
-              <a:rPr lang="fr-FR" dirty="0"/>
-              <a:t>)</a:t>
-            </a:r>
-          </a:p>
-          <a:p>
-            <a:r>
-              <a:rPr lang="fr-FR" dirty="0"/>
-              <a:t>Mise en place du diaporama</a:t>
-            </a:r>
-          </a:p>
-          <a:p>
-            <a:endParaRPr lang="fr-FR" dirty="0"/>
-          </a:p>
-          <a:p>
-            <a:r>
-              <a:rPr lang="fr-FR" dirty="0"/>
-              <a:t>Bloque </a:t>
-            </a:r>
-            <a:r>
-              <a:rPr lang="fr-FR" dirty="0" err="1"/>
-              <a:t>modele</a:t>
-            </a:r>
-            <a:r>
-              <a:rPr lang="fr-FR" dirty="0"/>
-              <a:t> page figurine</a:t>
-            </a:r>
-          </a:p>
-          <a:p>
-            <a:r>
-              <a:rPr lang="fr-FR" dirty="0"/>
-              <a:t>Nettoyage code</a:t>
-            </a:r>
-          </a:p>
-          <a:p>
-            <a:endParaRPr lang="fr-FR" dirty="0"/>
+        </p:txBody>
+      </p:sp>
+      <p:sp>
+        <p:nvSpPr>
+          <p:cNvPr id="20" name="Ellipse 19">
+            <a:extLst>
+              <a:ext uri="{FF2B5EF4-FFF2-40B4-BE49-F238E27FC236}">
+                <a16:creationId xmlns:a16="http://schemas.microsoft.com/office/drawing/2014/main" id="{98286945-2EE3-4F5A-96EC-B0EA39A10022}"/>
+              </a:ext>
+            </a:extLst>
+          </p:cNvPr>
+          <p:cNvSpPr/>
+          <p:nvPr/>
+        </p:nvSpPr>
+        <p:spPr>
+          <a:xfrm>
+            <a:off x="227878" y="4548063"/>
+            <a:ext cx="513735" cy="462116"/>
+          </a:xfrm>
+          <a:prstGeom prst="ellipse">
+            <a:avLst/>
+          </a:prstGeom>
+          <a:solidFill>
+            <a:schemeClr val="bg1">
+              <a:lumMod val="65000"/>
+            </a:schemeClr>
+          </a:solidFill>
+          <a:ln>
+            <a:solidFill>
+              <a:schemeClr val="bg1">
+                <a:lumMod val="65000"/>
+              </a:schemeClr>
+            </a:solidFill>
+          </a:ln>
+        </p:spPr>
+        <p:style>
+          <a:lnRef idx="2">
+            <a:schemeClr val="accent1">
+              <a:shade val="50000"/>
+            </a:schemeClr>
+          </a:lnRef>
+          <a:fillRef idx="1">
+            <a:schemeClr val="accent1"/>
+          </a:fillRef>
+          <a:effectRef idx="0">
+            <a:schemeClr val="accent1"/>
+          </a:effectRef>
+          <a:fontRef idx="minor">
+            <a:schemeClr val="lt1"/>
+          </a:fontRef>
+        </p:style>
+        <p:txBody>
+          <a:bodyPr rtlCol="0" anchor="ctr"/>
+          <a:lstStyle/>
+          <a:p>
+            <a:pPr algn="ctr"/>
+            <a:endParaRPr lang="fr-FR"/>
           </a:p>
         </p:txBody>
       </p:sp>
@@ -5584,10 +6858,162 @@
       </p:pic>
       <p:sp>
         <p:nvSpPr>
-          <p:cNvPr id="4" name="ZoneTexte 3">
-            <a:extLst>
-              <a:ext uri="{FF2B5EF4-FFF2-40B4-BE49-F238E27FC236}">
-                <a16:creationId xmlns:a16="http://schemas.microsoft.com/office/drawing/2014/main" id="{D8B14DF5-51C1-4CEA-89D5-471BD224BE1B}"/>
+          <p:cNvPr id="8" name="Rectangle 7">
+            <a:extLst>
+              <a:ext uri="{FF2B5EF4-FFF2-40B4-BE49-F238E27FC236}">
+                <a16:creationId xmlns:a16="http://schemas.microsoft.com/office/drawing/2014/main" id="{46A4E0E5-E494-4AE0-AF70-6D68F67F4519}"/>
+              </a:ext>
+            </a:extLst>
+          </p:cNvPr>
+          <p:cNvSpPr/>
+          <p:nvPr/>
+        </p:nvSpPr>
+        <p:spPr>
+          <a:xfrm>
+            <a:off x="287079" y="135803"/>
+            <a:ext cx="3895725" cy="1140104"/>
+          </a:xfrm>
+          <a:prstGeom prst="rect">
+            <a:avLst/>
+          </a:prstGeom>
+          <a:solidFill>
+            <a:schemeClr val="tx1">
+              <a:lumMod val="95000"/>
+              <a:lumOff val="5000"/>
+            </a:schemeClr>
+          </a:solidFill>
+          <a:ln>
+            <a:solidFill>
+              <a:schemeClr val="tx1">
+                <a:lumMod val="85000"/>
+                <a:lumOff val="15000"/>
+              </a:schemeClr>
+            </a:solidFill>
+          </a:ln>
+          <a:effectLst/>
+          <a:scene3d>
+            <a:camera prst="orthographicFront">
+              <a:rot lat="0" lon="0" rev="0"/>
+            </a:camera>
+            <a:lightRig rig="chilly" dir="t">
+              <a:rot lat="0" lon="0" rev="18480000"/>
+            </a:lightRig>
+          </a:scene3d>
+          <a:sp3d prstMaterial="clear">
+            <a:bevelT h="63500"/>
+          </a:sp3d>
+        </p:spPr>
+        <p:style>
+          <a:lnRef idx="2">
+            <a:schemeClr val="accent1">
+              <a:shade val="50000"/>
+            </a:schemeClr>
+          </a:lnRef>
+          <a:fillRef idx="1">
+            <a:schemeClr val="accent1"/>
+          </a:fillRef>
+          <a:effectRef idx="0">
+            <a:schemeClr val="accent1"/>
+          </a:effectRef>
+          <a:fontRef idx="minor">
+            <a:schemeClr val="lt1"/>
+          </a:fontRef>
+        </p:style>
+        <p:txBody>
+          <a:bodyPr rtlCol="0" anchor="ctr"/>
+          <a:lstStyle/>
+          <a:p>
+            <a:pPr algn="ctr"/>
+            <a:r>
+              <a:rPr lang="fr-FR" sz="2800" b="1" dirty="0">
+                <a:solidFill>
+                  <a:schemeClr val="bg2">
+                    <a:lumMod val="25000"/>
+                  </a:schemeClr>
+                </a:solidFill>
+              </a:rPr>
+              <a:t>TACHES REALISEES          </a:t>
+            </a:r>
+          </a:p>
+          <a:p>
+            <a:pPr algn="ctr"/>
+            <a:r>
+              <a:rPr lang="fr-FR" sz="2800" b="1" dirty="0">
+                <a:solidFill>
+                  <a:schemeClr val="bg2">
+                    <a:lumMod val="25000"/>
+                  </a:schemeClr>
+                </a:solidFill>
+              </a:rPr>
+              <a:t>LE JOUR 5</a:t>
+            </a:r>
+          </a:p>
+        </p:txBody>
+      </p:sp>
+      <p:sp>
+        <p:nvSpPr>
+          <p:cNvPr id="12" name="Rectangle : coins arrondis 11">
+            <a:extLst>
+              <a:ext uri="{FF2B5EF4-FFF2-40B4-BE49-F238E27FC236}">
+                <a16:creationId xmlns:a16="http://schemas.microsoft.com/office/drawing/2014/main" id="{3EA27282-E777-4E69-AB81-9175616CB228}"/>
+              </a:ext>
+            </a:extLst>
+          </p:cNvPr>
+          <p:cNvSpPr/>
+          <p:nvPr/>
+        </p:nvSpPr>
+        <p:spPr>
+          <a:xfrm>
+            <a:off x="7974705" y="1657951"/>
+            <a:ext cx="3610697" cy="597988"/>
+          </a:xfrm>
+          <a:prstGeom prst="roundRect">
+            <a:avLst/>
+          </a:prstGeom>
+          <a:solidFill>
+            <a:schemeClr val="bg2">
+              <a:lumMod val="90000"/>
+            </a:schemeClr>
+          </a:solidFill>
+          <a:ln>
+            <a:solidFill>
+              <a:schemeClr val="bg1">
+                <a:lumMod val="75000"/>
+              </a:schemeClr>
+            </a:solidFill>
+          </a:ln>
+        </p:spPr>
+        <p:style>
+          <a:lnRef idx="2">
+            <a:schemeClr val="accent1">
+              <a:shade val="50000"/>
+            </a:schemeClr>
+          </a:lnRef>
+          <a:fillRef idx="1">
+            <a:schemeClr val="accent1"/>
+          </a:fillRef>
+          <a:effectRef idx="0">
+            <a:schemeClr val="accent1"/>
+          </a:effectRef>
+          <a:fontRef idx="minor">
+            <a:schemeClr val="lt1"/>
+          </a:fontRef>
+        </p:style>
+        <p:txBody>
+          <a:bodyPr rtlCol="0" anchor="ctr"/>
+          <a:lstStyle/>
+          <a:p>
+            <a:pPr algn="ctr"/>
+            <a:endParaRPr lang="fr-FR"/>
+          </a:p>
+        </p:txBody>
+      </p:sp>
+      <p:sp>
+        <p:nvSpPr>
+          <p:cNvPr id="11" name="ZoneTexte 10">
+            <a:extLst>
+              <a:ext uri="{FF2B5EF4-FFF2-40B4-BE49-F238E27FC236}">
+                <a16:creationId xmlns:a16="http://schemas.microsoft.com/office/drawing/2014/main" id="{403BF5EF-A333-41F4-AA39-FC43861C57E7}"/>
               </a:ext>
             </a:extLst>
           </p:cNvPr>
@@ -5596,8 +7022,8 @@
         </p:nvSpPr>
         <p:spPr>
           <a:xfrm>
-            <a:off x="172149" y="0"/>
-            <a:ext cx="11847699" cy="6740307"/>
+            <a:off x="8055540" y="1695335"/>
+            <a:ext cx="3610697" cy="523220"/>
           </a:xfrm>
           <a:prstGeom prst="rect">
             <a:avLst/>
@@ -5611,17 +7037,189 @@
           <a:lstStyle/>
           <a:p>
             <a:r>
+              <a:rPr lang="fr-FR" sz="2800" dirty="0"/>
+              <a:t>Mise en place du PHP: </a:t>
+            </a:r>
+          </a:p>
+        </p:txBody>
+      </p:sp>
+      <p:sp>
+        <p:nvSpPr>
+          <p:cNvPr id="5" name="ZoneTexte 4">
+            <a:extLst>
+              <a:ext uri="{FF2B5EF4-FFF2-40B4-BE49-F238E27FC236}">
+                <a16:creationId xmlns:a16="http://schemas.microsoft.com/office/drawing/2014/main" id="{3A7D69C5-518F-43BA-A111-33A390D23D81}"/>
+              </a:ext>
+            </a:extLst>
+          </p:cNvPr>
+          <p:cNvSpPr txBox="1"/>
+          <p:nvPr/>
+        </p:nvSpPr>
+        <p:spPr>
+          <a:xfrm>
+            <a:off x="8168695" y="2418490"/>
+            <a:ext cx="2526890" cy="1200329"/>
+          </a:xfrm>
+          <a:prstGeom prst="rect">
+            <a:avLst/>
+          </a:prstGeom>
+          <a:noFill/>
+        </p:spPr>
+        <p:txBody>
+          <a:bodyPr wrap="square" rtlCol="0">
+            <a:spAutoFit/>
+          </a:bodyPr>
+          <a:lstStyle/>
+          <a:p>
+            <a:r>
               <a:rPr lang="fr-FR" dirty="0"/>
-              <a:t>Journée 5 : REALISEE</a:t>
+              <a:t>Connexion au page : </a:t>
+            </a:r>
+          </a:p>
+          <a:p>
+            <a:r>
+              <a:rPr lang="fr-FR" dirty="0"/>
+              <a:t>- d'inscription</a:t>
+            </a:r>
+          </a:p>
+          <a:p>
+            <a:r>
+              <a:rPr lang="fr-FR" dirty="0"/>
+              <a:t>- page gestion</a:t>
             </a:r>
           </a:p>
           <a:p>
             <a:endParaRPr lang="fr-FR" dirty="0"/>
           </a:p>
+        </p:txBody>
+      </p:sp>
+      <p:sp>
+        <p:nvSpPr>
+          <p:cNvPr id="14" name="Rectangle : coins arrondis 13">
+            <a:extLst>
+              <a:ext uri="{FF2B5EF4-FFF2-40B4-BE49-F238E27FC236}">
+                <a16:creationId xmlns:a16="http://schemas.microsoft.com/office/drawing/2014/main" id="{9170A82E-578D-4E92-A94D-CC3E0A4B2817}"/>
+              </a:ext>
+            </a:extLst>
+          </p:cNvPr>
+          <p:cNvSpPr/>
+          <p:nvPr/>
+        </p:nvSpPr>
+        <p:spPr>
+          <a:xfrm>
+            <a:off x="104823" y="1669387"/>
+            <a:ext cx="6713796" cy="597988"/>
+          </a:xfrm>
+          <a:prstGeom prst="roundRect">
+            <a:avLst/>
+          </a:prstGeom>
+          <a:solidFill>
+            <a:schemeClr val="bg2">
+              <a:lumMod val="90000"/>
+            </a:schemeClr>
+          </a:solidFill>
+          <a:ln>
+            <a:solidFill>
+              <a:schemeClr val="bg1">
+                <a:lumMod val="75000"/>
+              </a:schemeClr>
+            </a:solidFill>
+          </a:ln>
+        </p:spPr>
+        <p:style>
+          <a:lnRef idx="2">
+            <a:schemeClr val="accent1">
+              <a:shade val="50000"/>
+            </a:schemeClr>
+          </a:lnRef>
+          <a:fillRef idx="1">
+            <a:schemeClr val="accent1"/>
+          </a:fillRef>
+          <a:effectRef idx="0">
+            <a:schemeClr val="accent1"/>
+          </a:effectRef>
+          <a:fontRef idx="minor">
+            <a:schemeClr val="lt1"/>
+          </a:fontRef>
+        </p:style>
+        <p:txBody>
+          <a:bodyPr rtlCol="0" anchor="ctr"/>
+          <a:lstStyle/>
+          <a:p>
+            <a:pPr algn="ctr"/>
+            <a:endParaRPr lang="fr-FR"/>
+          </a:p>
+        </p:txBody>
+      </p:sp>
+      <p:sp>
+        <p:nvSpPr>
+          <p:cNvPr id="13" name="ZoneTexte 12">
+            <a:extLst>
+              <a:ext uri="{FF2B5EF4-FFF2-40B4-BE49-F238E27FC236}">
+                <a16:creationId xmlns:a16="http://schemas.microsoft.com/office/drawing/2014/main" id="{AFF7CEF6-BBA1-42AE-96E9-8D38E4DF964D}"/>
+              </a:ext>
+            </a:extLst>
+          </p:cNvPr>
+          <p:cNvSpPr txBox="1"/>
+          <p:nvPr/>
+        </p:nvSpPr>
+        <p:spPr>
+          <a:xfrm>
+            <a:off x="45624" y="1662970"/>
+            <a:ext cx="6832195" cy="800219"/>
+          </a:xfrm>
+          <a:prstGeom prst="rect">
+            <a:avLst/>
+          </a:prstGeom>
+          <a:noFill/>
+        </p:spPr>
+        <p:txBody>
+          <a:bodyPr wrap="square" rtlCol="0">
+            <a:spAutoFit/>
+          </a:bodyPr>
+          <a:lstStyle/>
+          <a:p>
+            <a:r>
+              <a:rPr lang="fr-FR" sz="2800" dirty="0"/>
+              <a:t>Mise en place de la structure du site internet :  </a:t>
+            </a:r>
+          </a:p>
+          <a:p>
+            <a:endParaRPr lang="fr-FR" dirty="0"/>
+          </a:p>
+        </p:txBody>
+      </p:sp>
+      <p:sp>
+        <p:nvSpPr>
+          <p:cNvPr id="6" name="ZoneTexte 5">
+            <a:extLst>
+              <a:ext uri="{FF2B5EF4-FFF2-40B4-BE49-F238E27FC236}">
+                <a16:creationId xmlns:a16="http://schemas.microsoft.com/office/drawing/2014/main" id="{93229CD7-DE2B-451C-B43F-46EC8DE3F7DB}"/>
+              </a:ext>
+            </a:extLst>
+          </p:cNvPr>
+          <p:cNvSpPr txBox="1"/>
+          <p:nvPr/>
+        </p:nvSpPr>
+        <p:spPr>
+          <a:xfrm>
+            <a:off x="146054" y="2362667"/>
+            <a:ext cx="6054721" cy="4247317"/>
+          </a:xfrm>
+          <a:prstGeom prst="rect">
+            <a:avLst/>
+          </a:prstGeom>
+          <a:noFill/>
+        </p:spPr>
+        <p:txBody>
+          <a:bodyPr wrap="square" rtlCol="0">
+            <a:spAutoFit/>
+          </a:bodyPr>
+          <a:lstStyle/>
           <a:p>
             <a:r>
               <a:rPr lang="fr-FR" dirty="0"/>
-              <a:t>La modification de la </a:t>
+              <a:t>Modification de la </a:t>
             </a:r>
             <a:r>
               <a:rPr lang="fr-FR" dirty="0" err="1"/>
@@ -5629,7 +7227,7 @@
             </a:r>
             <a:r>
               <a:rPr lang="fr-FR" dirty="0"/>
-              <a:t> : centrée icone + fixée la </a:t>
+              <a:t> (Ajout bouton : page de connexion) + fixée la </a:t>
             </a:r>
             <a:r>
               <a:rPr lang="fr-FR" dirty="0" err="1"/>
@@ -5639,24 +7237,6 @@
           </a:p>
           <a:p>
             <a:r>
-              <a:rPr lang="fr-FR" dirty="0" err="1"/>
-              <a:t>magin</a:t>
-            </a:r>
-            <a:r>
-              <a:rPr lang="fr-FR" dirty="0"/>
-              <a:t>-top en place sur la </a:t>
-            </a:r>
-            <a:r>
-              <a:rPr lang="fr-FR" dirty="0" err="1"/>
-              <a:t>navbar</a:t>
-            </a:r>
-            <a:r>
-              <a:rPr lang="fr-FR" dirty="0"/>
-              <a:t> : remise en place des structures de page</a:t>
-            </a:r>
-          </a:p>
-          <a:p>
-            <a:r>
               <a:rPr lang="fr-FR" dirty="0"/>
               <a:t>Page contact : </a:t>
             </a:r>
@@ -5699,12 +7279,27 @@
           </a:p>
           <a:p>
             <a:r>
+              <a:rPr lang="fr-FR" dirty="0"/>
+              <a:t>suppression du </a:t>
+            </a:r>
+            <a:r>
               <a:rPr lang="fr-FR" dirty="0" err="1"/>
-              <a:t>suppresion</a:t>
-            </a:r>
+              <a:t>carroussel</a:t>
+            </a:r>
+            <a:endParaRPr lang="fr-FR" dirty="0"/>
+          </a:p>
+          <a:p>
             <a:r>
               <a:rPr lang="fr-FR" dirty="0"/>
-              <a:t> du </a:t>
+              <a:t>Remplacé </a:t>
+            </a:r>
+            <a:r>
+              <a:rPr lang="fr-FR" dirty="0" err="1"/>
+              <a:t>deadpool</a:t>
+            </a:r>
+            <a:r>
+              <a:rPr lang="fr-FR" dirty="0"/>
+              <a:t> par un </a:t>
             </a:r>
             <a:r>
               <a:rPr lang="fr-FR" dirty="0" err="1"/>
@@ -5712,36 +7307,6 @@
             </a:r>
             <a:r>
               <a:rPr lang="fr-FR" dirty="0"/>
-              <a:t> = a la place vidéo (je pose le code vidéo - anis/</a:t>
-            </a:r>
-            <a:r>
-              <a:rPr lang="fr-FR" dirty="0" err="1"/>
-              <a:t>jc</a:t>
-            </a:r>
-            <a:r>
-              <a:rPr lang="fr-FR" dirty="0"/>
-              <a:t> télécharge la vidéo) dans le container </a:t>
-            </a:r>
-          </a:p>
-          <a:p>
-            <a:r>
-              <a:rPr lang="fr-FR" dirty="0"/>
-              <a:t>Remplacé </a:t>
-            </a:r>
-            <a:r>
-              <a:rPr lang="fr-FR" dirty="0" err="1"/>
-              <a:t>deadpool</a:t>
-            </a:r>
-            <a:r>
-              <a:rPr lang="fr-FR" dirty="0"/>
-              <a:t> par un </a:t>
-            </a:r>
-            <a:r>
-              <a:rPr lang="fr-FR" dirty="0" err="1"/>
-              <a:t>caroussel</a:t>
-            </a:r>
-            <a:r>
-              <a:rPr lang="fr-FR" dirty="0"/>
               <a:t> </a:t>
             </a:r>
           </a:p>
@@ -5767,68 +7332,6 @@
             <a:r>
               <a:rPr lang="fr-FR" dirty="0"/>
               <a:t>Structure de page a réaliser concernant l'historique du panier </a:t>
-            </a:r>
-          </a:p>
-          <a:p>
-            <a:r>
-              <a:rPr lang="fr-FR" dirty="0" err="1"/>
-              <a:t>Navbar</a:t>
-            </a:r>
-            <a:r>
-              <a:rPr lang="fr-FR" dirty="0"/>
-              <a:t> : ajouter un bouton déconnexion (en option)</a:t>
-            </a:r>
-          </a:p>
-          <a:p>
-            <a:r>
-              <a:rPr lang="fr-FR" dirty="0"/>
-              <a:t>Fixé en haut en de </a:t>
-            </a:r>
-            <a:r>
-              <a:rPr lang="fr-FR" dirty="0" err="1"/>
-              <a:t>lécran</a:t>
-            </a:r>
-            <a:r>
-              <a:rPr lang="fr-FR" dirty="0"/>
-              <a:t> - même lorsque tu </a:t>
-            </a:r>
-            <a:r>
-              <a:rPr lang="fr-FR" dirty="0" err="1"/>
-              <a:t>scrolls</a:t>
-            </a:r>
-            <a:r>
-              <a:rPr lang="fr-FR" dirty="0"/>
-              <a:t> </a:t>
-            </a:r>
-          </a:p>
-          <a:p>
-            <a:r>
-              <a:rPr lang="fr-FR" dirty="0"/>
-              <a:t>infos bulles sur les icones </a:t>
-            </a:r>
-          </a:p>
-          <a:p>
-            <a:r>
-              <a:rPr lang="fr-FR" dirty="0"/>
-              <a:t>----------------&gt; a finalisé plus tard</a:t>
-            </a:r>
-          </a:p>
-          <a:p>
-            <a:r>
-              <a:rPr lang="fr-FR" dirty="0"/>
-              <a:t>PHP : </a:t>
-            </a:r>
-          </a:p>
-          <a:p>
-            <a:r>
-              <a:rPr lang="fr-FR" dirty="0"/>
-              <a:t>page d'inscription</a:t>
-            </a:r>
-          </a:p>
-          <a:p>
-            <a:r>
-              <a:rPr lang="fr-FR" dirty="0"/>
-              <a:t>page gestion</a:t>
             </a:r>
           </a:p>
         </p:txBody>
@@ -5837,330 +7340,6 @@
     <p:extLst>
       <p:ext uri="{BB962C8B-B14F-4D97-AF65-F5344CB8AC3E}">
         <p14:creationId xmlns:p14="http://schemas.microsoft.com/office/powerpoint/2010/main" val="384764369"/>
-      </p:ext>
-    </p:extLst>
-  </p:cSld>
-  <p:clrMapOvr>
-    <a:masterClrMapping/>
-  </p:clrMapOvr>
-</p:sld>
-</file>
-
-<file path=ppt/slides/slide16.xml><?xml version="1.0" encoding="utf-8"?>
-<p:sld xmlns:a="http://schemas.openxmlformats.org/drawingml/2006/main" xmlns:r="http://schemas.openxmlformats.org/officeDocument/2006/relationships" xmlns:p="http://schemas.openxmlformats.org/presentationml/2006/main">
-  <p:cSld>
-    <p:spTree>
-      <p:nvGrpSpPr>
-        <p:cNvPr id="1" name=""/>
-        <p:cNvGrpSpPr/>
-        <p:nvPr/>
-      </p:nvGrpSpPr>
-      <p:grpSpPr>
-        <a:xfrm>
-          <a:off x="0" y="0"/>
-          <a:ext cx="0" cy="0"/>
-          <a:chOff x="0" y="0"/>
-          <a:chExt cx="0" cy="0"/>
-        </a:xfrm>
-      </p:grpSpPr>
-      <p:sp>
-        <p:nvSpPr>
-          <p:cNvPr id="2" name="Titre 1">
-            <a:extLst>
-              <a:ext uri="{FF2B5EF4-FFF2-40B4-BE49-F238E27FC236}">
-                <a16:creationId xmlns:a16="http://schemas.microsoft.com/office/drawing/2014/main" id="{FC5859B7-5D92-429D-AA36-34CB579D8431}"/>
-              </a:ext>
-            </a:extLst>
-          </p:cNvPr>
-          <p:cNvSpPr>
-            <a:spLocks noGrp="1"/>
-          </p:cNvSpPr>
-          <p:nvPr>
-            <p:ph type="ctrTitle"/>
-          </p:nvPr>
-        </p:nvSpPr>
-        <p:spPr>
-          <a:xfrm>
-            <a:off x="1524000" y="1122363"/>
-            <a:ext cx="9144000" cy="2387600"/>
-          </a:xfrm>
-        </p:spPr>
-        <p:txBody>
-          <a:bodyPr/>
-          <a:lstStyle/>
-          <a:p>
-            <a:endParaRPr lang="fr-FR"/>
-          </a:p>
-        </p:txBody>
-      </p:sp>
-      <p:sp>
-        <p:nvSpPr>
-          <p:cNvPr id="3" name="Sous-titre 2">
-            <a:extLst>
-              <a:ext uri="{FF2B5EF4-FFF2-40B4-BE49-F238E27FC236}">
-                <a16:creationId xmlns:a16="http://schemas.microsoft.com/office/drawing/2014/main" id="{BA6FBF37-8729-41B4-8ECD-04743E2F5227}"/>
-              </a:ext>
-            </a:extLst>
-          </p:cNvPr>
-          <p:cNvSpPr>
-            <a:spLocks noGrp="1"/>
-          </p:cNvSpPr>
-          <p:nvPr>
-            <p:ph type="subTitle" idx="1"/>
-          </p:nvPr>
-        </p:nvSpPr>
-        <p:spPr>
-          <a:xfrm>
-            <a:off x="1524000" y="3602038"/>
-            <a:ext cx="9144000" cy="1655762"/>
-          </a:xfrm>
-        </p:spPr>
-        <p:txBody>
-          <a:bodyPr/>
-          <a:lstStyle/>
-          <a:p>
-            <a:endParaRPr lang="fr-FR"/>
-          </a:p>
-        </p:txBody>
-      </p:sp>
-      <p:pic>
-        <p:nvPicPr>
-          <p:cNvPr id="7" name="Image 6">
-            <a:extLst>
-              <a:ext uri="{FF2B5EF4-FFF2-40B4-BE49-F238E27FC236}">
-                <a16:creationId xmlns:a16="http://schemas.microsoft.com/office/drawing/2014/main" id="{1CB72F68-4AD6-4FB2-9AB8-D6451FA13416}"/>
-              </a:ext>
-            </a:extLst>
-          </p:cNvPr>
-          <p:cNvPicPr>
-            <a:picLocks noChangeAspect="1"/>
-          </p:cNvPicPr>
-          <p:nvPr/>
-        </p:nvPicPr>
-        <p:blipFill>
-          <a:blip r:embed="rId2">
-            <a:extLst>
-              <a:ext uri="{28A0092B-C50C-407E-A947-70E740481C1C}">
-                <a14:useLocalDpi xmlns:a14="http://schemas.microsoft.com/office/drawing/2010/main" val="0"/>
-              </a:ext>
-            </a:extLst>
-          </a:blip>
-          <a:stretch>
-            <a:fillRect/>
-          </a:stretch>
-        </p:blipFill>
-        <p:spPr>
-          <a:xfrm>
-            <a:off x="4542" y="0"/>
-            <a:ext cx="12182915" cy="6858000"/>
-          </a:xfrm>
-          <a:prstGeom prst="rect">
-            <a:avLst/>
-          </a:prstGeom>
-        </p:spPr>
-      </p:pic>
-      <p:pic>
-        <p:nvPicPr>
-          <p:cNvPr id="9" name="Image 8">
-            <a:extLst>
-              <a:ext uri="{FF2B5EF4-FFF2-40B4-BE49-F238E27FC236}">
-                <a16:creationId xmlns:a16="http://schemas.microsoft.com/office/drawing/2014/main" id="{DDD74F79-50B8-4ED4-B6D9-9A7E75EB116D}"/>
-              </a:ext>
-            </a:extLst>
-          </p:cNvPr>
-          <p:cNvPicPr>
-            <a:picLocks noChangeAspect="1"/>
-          </p:cNvPicPr>
-          <p:nvPr/>
-        </p:nvPicPr>
-        <p:blipFill>
-          <a:blip r:embed="rId3">
-            <a:extLst>
-              <a:ext uri="{28A0092B-C50C-407E-A947-70E740481C1C}">
-                <a14:useLocalDpi xmlns:a14="http://schemas.microsoft.com/office/drawing/2010/main" val="0"/>
-              </a:ext>
-            </a:extLst>
-          </a:blip>
-          <a:stretch>
-            <a:fillRect/>
-          </a:stretch>
-        </p:blipFill>
-        <p:spPr>
-          <a:xfrm>
-            <a:off x="10668000" y="5554358"/>
-            <a:ext cx="1574627" cy="1349680"/>
-          </a:xfrm>
-          <a:prstGeom prst="rect">
-            <a:avLst/>
-          </a:prstGeom>
-        </p:spPr>
-      </p:pic>
-    </p:spTree>
-    <p:extLst>
-      <p:ext uri="{BB962C8B-B14F-4D97-AF65-F5344CB8AC3E}">
-        <p14:creationId xmlns:p14="http://schemas.microsoft.com/office/powerpoint/2010/main" val="210633486"/>
-      </p:ext>
-    </p:extLst>
-  </p:cSld>
-  <p:clrMapOvr>
-    <a:masterClrMapping/>
-  </p:clrMapOvr>
-</p:sld>
-</file>
-
-<file path=ppt/slides/slide17.xml><?xml version="1.0" encoding="utf-8"?>
-<p:sld xmlns:a="http://schemas.openxmlformats.org/drawingml/2006/main" xmlns:r="http://schemas.openxmlformats.org/officeDocument/2006/relationships" xmlns:p="http://schemas.openxmlformats.org/presentationml/2006/main">
-  <p:cSld>
-    <p:spTree>
-      <p:nvGrpSpPr>
-        <p:cNvPr id="1" name=""/>
-        <p:cNvGrpSpPr/>
-        <p:nvPr/>
-      </p:nvGrpSpPr>
-      <p:grpSpPr>
-        <a:xfrm>
-          <a:off x="0" y="0"/>
-          <a:ext cx="0" cy="0"/>
-          <a:chOff x="0" y="0"/>
-          <a:chExt cx="0" cy="0"/>
-        </a:xfrm>
-      </p:grpSpPr>
-      <p:sp>
-        <p:nvSpPr>
-          <p:cNvPr id="2" name="Titre 1">
-            <a:extLst>
-              <a:ext uri="{FF2B5EF4-FFF2-40B4-BE49-F238E27FC236}">
-                <a16:creationId xmlns:a16="http://schemas.microsoft.com/office/drawing/2014/main" id="{FC5859B7-5D92-429D-AA36-34CB579D8431}"/>
-              </a:ext>
-            </a:extLst>
-          </p:cNvPr>
-          <p:cNvSpPr>
-            <a:spLocks noGrp="1"/>
-          </p:cNvSpPr>
-          <p:nvPr>
-            <p:ph type="ctrTitle"/>
-          </p:nvPr>
-        </p:nvSpPr>
-        <p:spPr>
-          <a:xfrm>
-            <a:off x="1524000" y="1122363"/>
-            <a:ext cx="9144000" cy="2387600"/>
-          </a:xfrm>
-        </p:spPr>
-        <p:txBody>
-          <a:bodyPr/>
-          <a:lstStyle/>
-          <a:p>
-            <a:endParaRPr lang="fr-FR"/>
-          </a:p>
-        </p:txBody>
-      </p:sp>
-      <p:sp>
-        <p:nvSpPr>
-          <p:cNvPr id="3" name="Sous-titre 2">
-            <a:extLst>
-              <a:ext uri="{FF2B5EF4-FFF2-40B4-BE49-F238E27FC236}">
-                <a16:creationId xmlns:a16="http://schemas.microsoft.com/office/drawing/2014/main" id="{BA6FBF37-8729-41B4-8ECD-04743E2F5227}"/>
-              </a:ext>
-            </a:extLst>
-          </p:cNvPr>
-          <p:cNvSpPr>
-            <a:spLocks noGrp="1"/>
-          </p:cNvSpPr>
-          <p:nvPr>
-            <p:ph type="subTitle" idx="1"/>
-          </p:nvPr>
-        </p:nvSpPr>
-        <p:spPr>
-          <a:xfrm>
-            <a:off x="1524000" y="3602038"/>
-            <a:ext cx="9144000" cy="1655762"/>
-          </a:xfrm>
-        </p:spPr>
-        <p:txBody>
-          <a:bodyPr/>
-          <a:lstStyle/>
-          <a:p>
-            <a:endParaRPr lang="fr-FR"/>
-          </a:p>
-        </p:txBody>
-      </p:sp>
-      <p:pic>
-        <p:nvPicPr>
-          <p:cNvPr id="7" name="Image 6">
-            <a:extLst>
-              <a:ext uri="{FF2B5EF4-FFF2-40B4-BE49-F238E27FC236}">
-                <a16:creationId xmlns:a16="http://schemas.microsoft.com/office/drawing/2014/main" id="{1CB72F68-4AD6-4FB2-9AB8-D6451FA13416}"/>
-              </a:ext>
-            </a:extLst>
-          </p:cNvPr>
-          <p:cNvPicPr>
-            <a:picLocks noChangeAspect="1"/>
-          </p:cNvPicPr>
-          <p:nvPr/>
-        </p:nvPicPr>
-        <p:blipFill>
-          <a:blip r:embed="rId2">
-            <a:extLst>
-              <a:ext uri="{28A0092B-C50C-407E-A947-70E740481C1C}">
-                <a14:useLocalDpi xmlns:a14="http://schemas.microsoft.com/office/drawing/2010/main" val="0"/>
-              </a:ext>
-            </a:extLst>
-          </a:blip>
-          <a:stretch>
-            <a:fillRect/>
-          </a:stretch>
-        </p:blipFill>
-        <p:spPr>
-          <a:xfrm>
-            <a:off x="4542" y="0"/>
-            <a:ext cx="12182915" cy="6858000"/>
-          </a:xfrm>
-          <a:prstGeom prst="rect">
-            <a:avLst/>
-          </a:prstGeom>
-        </p:spPr>
-      </p:pic>
-      <p:pic>
-        <p:nvPicPr>
-          <p:cNvPr id="9" name="Image 8">
-            <a:extLst>
-              <a:ext uri="{FF2B5EF4-FFF2-40B4-BE49-F238E27FC236}">
-                <a16:creationId xmlns:a16="http://schemas.microsoft.com/office/drawing/2014/main" id="{DDD74F79-50B8-4ED4-B6D9-9A7E75EB116D}"/>
-              </a:ext>
-            </a:extLst>
-          </p:cNvPr>
-          <p:cNvPicPr>
-            <a:picLocks noChangeAspect="1"/>
-          </p:cNvPicPr>
-          <p:nvPr/>
-        </p:nvPicPr>
-        <p:blipFill>
-          <a:blip r:embed="rId3">
-            <a:extLst>
-              <a:ext uri="{28A0092B-C50C-407E-A947-70E740481C1C}">
-                <a14:useLocalDpi xmlns:a14="http://schemas.microsoft.com/office/drawing/2010/main" val="0"/>
-              </a:ext>
-            </a:extLst>
-          </a:blip>
-          <a:stretch>
-            <a:fillRect/>
-          </a:stretch>
-        </p:blipFill>
-        <p:spPr>
-          <a:xfrm>
-            <a:off x="10668000" y="5554358"/>
-            <a:ext cx="1574627" cy="1349680"/>
-          </a:xfrm>
-          <a:prstGeom prst="rect">
-            <a:avLst/>
-          </a:prstGeom>
-        </p:spPr>
-      </p:pic>
-    </p:spTree>
-    <p:extLst>
-      <p:ext uri="{BB962C8B-B14F-4D97-AF65-F5344CB8AC3E}">
-        <p14:creationId xmlns:p14="http://schemas.microsoft.com/office/powerpoint/2010/main" val="978903507"/>
       </p:ext>
     </p:extLst>
   </p:cSld>

--- a/Présentation UPOP.pptx
+++ b/Présentation UPOP.pptx
@@ -5,32 +5,28 @@
     <p:sldMasterId id="2147483660" r:id="rId1"/>
   </p:sldMasterIdLst>
   <p:notesMasterIdLst>
-    <p:notesMasterId r:id="rId25"/>
+    <p:notesMasterId r:id="rId21"/>
   </p:notesMasterIdLst>
   <p:sldIdLst>
-    <p:sldId id="270" r:id="rId2"/>
-    <p:sldId id="256" r:id="rId3"/>
-    <p:sldId id="257" r:id="rId4"/>
-    <p:sldId id="278" r:id="rId5"/>
-    <p:sldId id="258" r:id="rId6"/>
-    <p:sldId id="259" r:id="rId7"/>
-    <p:sldId id="264" r:id="rId8"/>
-    <p:sldId id="260" r:id="rId9"/>
-    <p:sldId id="261" r:id="rId10"/>
-    <p:sldId id="262" r:id="rId11"/>
-    <p:sldId id="269" r:id="rId12"/>
+    <p:sldId id="256" r:id="rId2"/>
+    <p:sldId id="257" r:id="rId3"/>
+    <p:sldId id="278" r:id="rId4"/>
+    <p:sldId id="280" r:id="rId5"/>
+    <p:sldId id="279" r:id="rId6"/>
+    <p:sldId id="281" r:id="rId7"/>
+    <p:sldId id="282" r:id="rId8"/>
+    <p:sldId id="284" r:id="rId9"/>
+    <p:sldId id="264" r:id="rId10"/>
+    <p:sldId id="260" r:id="rId11"/>
+    <p:sldId id="261" r:id="rId12"/>
     <p:sldId id="277" r:id="rId13"/>
     <p:sldId id="266" r:id="rId14"/>
-    <p:sldId id="263" r:id="rId15"/>
-    <p:sldId id="267" r:id="rId16"/>
-    <p:sldId id="268" r:id="rId17"/>
-    <p:sldId id="265" r:id="rId18"/>
-    <p:sldId id="271" r:id="rId19"/>
-    <p:sldId id="272" r:id="rId20"/>
-    <p:sldId id="273" r:id="rId21"/>
-    <p:sldId id="274" r:id="rId22"/>
-    <p:sldId id="275" r:id="rId23"/>
-    <p:sldId id="276" r:id="rId24"/>
+    <p:sldId id="267" r:id="rId15"/>
+    <p:sldId id="268" r:id="rId16"/>
+    <p:sldId id="265" r:id="rId17"/>
+    <p:sldId id="271" r:id="rId18"/>
+    <p:sldId id="272" r:id="rId19"/>
+    <p:sldId id="273" r:id="rId20"/>
   </p:sldIdLst>
   <p:sldSz cx="12192000" cy="6858000"/>
   <p:notesSz cx="6858000" cy="9144000"/>
@@ -6555,290 +6551,131 @@
       </p:grpSpPr>
       <p:sp>
         <p:nvSpPr>
-          <p:cNvPr id="3" name="Espace réservé du contenu 2">
+          <p:cNvPr id="10" name="ZoneTexte 9">
             <a:extLst>
               <a:ext uri="{FF2B5EF4-FFF2-40B4-BE49-F238E27FC236}">
-                <a16:creationId xmlns:a16="http://schemas.microsoft.com/office/drawing/2014/main" id="{4163ECAE-0A2B-484D-8DFA-264C06A2EA3B}"/>
+                <a16:creationId xmlns:a16="http://schemas.microsoft.com/office/drawing/2014/main" id="{B1555614-269C-4439-9BA9-4B06F7CF5E5D}"/>
               </a:ext>
             </a:extLst>
           </p:cNvPr>
-          <p:cNvSpPr>
-            <a:spLocks noGrp="1"/>
-          </p:cNvSpPr>
-          <p:nvPr>
-            <p:ph idx="1"/>
-          </p:nvPr>
-        </p:nvSpPr>
-        <p:spPr>
-          <a:xfrm>
-            <a:off x="729575" y="1089499"/>
-            <a:ext cx="11258210" cy="5403376"/>
-          </a:xfrm>
-        </p:spPr>
-        <p:txBody>
-          <a:bodyPr>
-            <a:normAutofit fontScale="92500" lnSpcReduction="10000"/>
-          </a:bodyPr>
-          <a:lstStyle/>
-          <a:p>
-            <a:r>
-              <a:rPr lang="fr-FR" dirty="0">
-                <a:latin typeface="Book Antiqua" panose="02040602050305030304" pitchFamily="18" charset="0"/>
-              </a:rPr>
-              <a:t>Cahier des charges : 5 mn</a:t>
-            </a:r>
-          </a:p>
-          <a:p>
-            <a:pPr marL="0" indent="0">
-              <a:buNone/>
-            </a:pPr>
-            <a:r>
-              <a:rPr lang="fr-FR" dirty="0">
-                <a:latin typeface="Book Antiqua" panose="02040602050305030304" pitchFamily="18" charset="0"/>
-              </a:rPr>
-              <a:t>but du software (programme)</a:t>
-            </a:r>
-          </a:p>
-          <a:p>
-            <a:pPr marL="0" indent="0">
-              <a:buNone/>
-            </a:pPr>
-            <a:r>
-              <a:rPr lang="fr-FR" dirty="0">
-                <a:latin typeface="Book Antiqua" panose="02040602050305030304" pitchFamily="18" charset="0"/>
-              </a:rPr>
-              <a:t>Présentation fonction</a:t>
-            </a:r>
-          </a:p>
-          <a:p>
-            <a:pPr marL="0" indent="0">
-              <a:buNone/>
-            </a:pPr>
-            <a:endParaRPr lang="fr-FR" dirty="0">
-              <a:latin typeface="Book Antiqua" panose="02040602050305030304" pitchFamily="18" charset="0"/>
-            </a:endParaRPr>
-          </a:p>
-          <a:p>
-            <a:pPr marL="0" indent="0">
-              <a:buNone/>
-            </a:pPr>
-            <a:r>
-              <a:rPr lang="fr-FR" dirty="0">
-                <a:latin typeface="Book Antiqua" panose="02040602050305030304" pitchFamily="18" charset="0"/>
-              </a:rPr>
-              <a:t>ANALYSE 10 mn</a:t>
-            </a:r>
-          </a:p>
-          <a:p>
-            <a:pPr marL="0" indent="0">
-              <a:buNone/>
-            </a:pPr>
-            <a:r>
-              <a:rPr lang="fr-FR" dirty="0" err="1">
-                <a:latin typeface="Book Antiqua" panose="02040602050305030304" pitchFamily="18" charset="0"/>
-              </a:rPr>
-              <a:t>Mcd</a:t>
-            </a:r>
-            <a:r>
-              <a:rPr lang="fr-FR" dirty="0">
-                <a:latin typeface="Book Antiqua" panose="02040602050305030304" pitchFamily="18" charset="0"/>
-              </a:rPr>
-              <a:t> – </a:t>
-            </a:r>
-            <a:r>
-              <a:rPr lang="fr-FR" dirty="0" err="1">
-                <a:latin typeface="Book Antiqua" panose="02040602050305030304" pitchFamily="18" charset="0"/>
-              </a:rPr>
-              <a:t>Sql</a:t>
-            </a:r>
-            <a:endParaRPr lang="fr-FR" dirty="0">
-              <a:latin typeface="Book Antiqua" panose="02040602050305030304" pitchFamily="18" charset="0"/>
-            </a:endParaRPr>
-          </a:p>
-          <a:p>
-            <a:pPr marL="0" indent="0">
-              <a:buNone/>
-            </a:pPr>
-            <a:r>
-              <a:rPr lang="fr-FR" dirty="0">
-                <a:latin typeface="Book Antiqua" panose="02040602050305030304" pitchFamily="18" charset="0"/>
-              </a:rPr>
-              <a:t>Interface (html/</a:t>
-            </a:r>
-            <a:r>
-              <a:rPr lang="fr-FR" dirty="0" err="1">
-                <a:latin typeface="Book Antiqua" panose="02040602050305030304" pitchFamily="18" charset="0"/>
-              </a:rPr>
-              <a:t>css</a:t>
-            </a:r>
-            <a:r>
-              <a:rPr lang="fr-FR" dirty="0">
-                <a:latin typeface="Book Antiqua" panose="02040602050305030304" pitchFamily="18" charset="0"/>
-              </a:rPr>
-              <a:t>)</a:t>
-            </a:r>
-          </a:p>
-          <a:p>
-            <a:pPr marL="0" indent="0">
-              <a:buNone/>
-            </a:pPr>
-            <a:r>
-              <a:rPr lang="fr-FR" dirty="0">
-                <a:latin typeface="Book Antiqua" panose="02040602050305030304" pitchFamily="18" charset="0"/>
-              </a:rPr>
-              <a:t>Jeu de tests</a:t>
-            </a:r>
-          </a:p>
-          <a:p>
-            <a:pPr marL="0" indent="0">
-              <a:buNone/>
-            </a:pPr>
-            <a:endParaRPr lang="fr-FR" dirty="0">
-              <a:latin typeface="Book Antiqua" panose="02040602050305030304" pitchFamily="18" charset="0"/>
-            </a:endParaRPr>
-          </a:p>
-          <a:p>
-            <a:pPr marL="0" indent="0">
-              <a:buNone/>
-            </a:pPr>
-            <a:r>
-              <a:rPr lang="fr-FR" dirty="0">
-                <a:latin typeface="Book Antiqua" panose="02040602050305030304" pitchFamily="18" charset="0"/>
-              </a:rPr>
-              <a:t>GESTION PROJET 5mns</a:t>
-            </a:r>
-          </a:p>
-          <a:p>
-            <a:pPr marL="0" indent="0">
-              <a:buNone/>
-            </a:pPr>
-            <a:r>
-              <a:rPr lang="fr-FR" dirty="0">
-                <a:latin typeface="Book Antiqua" panose="02040602050305030304" pitchFamily="18" charset="0"/>
-              </a:rPr>
-              <a:t>Gestion tâches</a:t>
-            </a:r>
-          </a:p>
-          <a:p>
-            <a:pPr marL="0" indent="0">
-              <a:buNone/>
-            </a:pPr>
-            <a:r>
-              <a:rPr lang="fr-FR" dirty="0">
-                <a:latin typeface="Book Antiqua" panose="02040602050305030304" pitchFamily="18" charset="0"/>
-              </a:rPr>
-              <a:t>Ordo</a:t>
-            </a:r>
-          </a:p>
-          <a:p>
-            <a:pPr marL="0" indent="0">
-              <a:buNone/>
-            </a:pPr>
-            <a:r>
-              <a:rPr lang="fr-FR" dirty="0">
-                <a:latin typeface="Book Antiqua" panose="02040602050305030304" pitchFamily="18" charset="0"/>
-              </a:rPr>
-              <a:t>Affectation ressources</a:t>
-            </a:r>
-          </a:p>
-          <a:p>
-            <a:pPr marL="0" indent="0">
-              <a:buNone/>
-            </a:pPr>
-            <a:r>
-              <a:rPr lang="fr-FR" dirty="0">
-                <a:latin typeface="Book Antiqua" panose="02040602050305030304" pitchFamily="18" charset="0"/>
-              </a:rPr>
-              <a:t>Question 1h30</a:t>
-            </a:r>
-          </a:p>
-          <a:p>
-            <a:pPr marL="0" indent="0">
-              <a:buNone/>
-            </a:pPr>
-            <a:endParaRPr lang="fr-FR" dirty="0">
-              <a:latin typeface="Book Antiqua" panose="02040602050305030304" pitchFamily="18" charset="0"/>
-            </a:endParaRPr>
-          </a:p>
-          <a:p>
-            <a:pPr marL="0" indent="0">
-              <a:buNone/>
-            </a:pPr>
-            <a:endParaRPr lang="fr-FR" dirty="0">
-              <a:latin typeface="Book Antiqua" panose="02040602050305030304" pitchFamily="18" charset="0"/>
-            </a:endParaRPr>
-          </a:p>
-          <a:p>
-            <a:pPr marL="0" indent="0">
-              <a:buNone/>
-            </a:pPr>
-            <a:endParaRPr lang="fr-FR" dirty="0">
-              <a:latin typeface="Book Antiqua" panose="02040602050305030304" pitchFamily="18" charset="0"/>
-            </a:endParaRPr>
-          </a:p>
-        </p:txBody>
-      </p:sp>
-      <p:sp>
-        <p:nvSpPr>
-          <p:cNvPr id="4" name="Rectangle 3">
-            <a:extLst>
-              <a:ext uri="{FF2B5EF4-FFF2-40B4-BE49-F238E27FC236}">
-                <a16:creationId xmlns:a16="http://schemas.microsoft.com/office/drawing/2014/main" id="{0DED5BD4-E65E-4F7C-8B9E-C6EC508F8A34}"/>
-              </a:ext>
-            </a:extLst>
-          </p:cNvPr>
-          <p:cNvSpPr/>
+          <p:cNvSpPr txBox="1"/>
           <p:nvPr/>
         </p:nvSpPr>
         <p:spPr>
           <a:xfrm>
-            <a:off x="0" y="0"/>
-            <a:ext cx="2490281" cy="834501"/>
+            <a:off x="16047" y="2194127"/>
+            <a:ext cx="11850145" cy="923330"/>
           </a:xfrm>
           <a:prstGeom prst="rect">
             <a:avLst/>
           </a:prstGeom>
           <a:noFill/>
-          <a:ln>
-            <a:noFill/>
-          </a:ln>
-        </p:spPr>
-        <p:style>
-          <a:lnRef idx="2">
-            <a:schemeClr val="accent1">
-              <a:shade val="50000"/>
-            </a:schemeClr>
-          </a:lnRef>
-          <a:fillRef idx="1">
-            <a:schemeClr val="accent1"/>
-          </a:fillRef>
-          <a:effectRef idx="0">
-            <a:schemeClr val="accent1"/>
-          </a:effectRef>
-          <a:fontRef idx="minor">
-            <a:schemeClr val="lt1"/>
-          </a:fontRef>
-        </p:style>
-        <p:txBody>
-          <a:bodyPr rtlCol="0" anchor="ctr"/>
+        </p:spPr>
+        <p:txBody>
+          <a:bodyPr wrap="square" rtlCol="0">
+            <a:spAutoFit/>
+          </a:bodyPr>
           <a:lstStyle/>
           <a:p>
             <a:pPr algn="ctr"/>
             <a:r>
-              <a:rPr lang="fr-FR" sz="2400" dirty="0">
+              <a:rPr lang="fr-FR" sz="5400" b="1" dirty="0">
                 <a:latin typeface="Book Antiqua" panose="02040602050305030304" pitchFamily="18" charset="0"/>
-              </a:rPr>
-              <a:t>Présentation :</a:t>
-            </a:r>
+                <a:cs typeface="Calibri" panose="020F0502020204030204" pitchFamily="34" charset="0"/>
+              </a:rPr>
+              <a:t>Présentation Projet Fil Rouge</a:t>
+            </a:r>
+          </a:p>
+        </p:txBody>
+      </p:sp>
+      <p:sp>
+        <p:nvSpPr>
+          <p:cNvPr id="3" name="ZoneTexte 2">
+            <a:extLst>
+              <a:ext uri="{FF2B5EF4-FFF2-40B4-BE49-F238E27FC236}">
+                <a16:creationId xmlns:a16="http://schemas.microsoft.com/office/drawing/2014/main" id="{4D1AF6A5-8ACD-4B00-8DF8-871E9E3E0E61}"/>
+              </a:ext>
+            </a:extLst>
+          </p:cNvPr>
+          <p:cNvSpPr txBox="1"/>
+          <p:nvPr/>
+        </p:nvSpPr>
+        <p:spPr>
+          <a:xfrm>
+            <a:off x="3162691" y="3429000"/>
+            <a:ext cx="5866618" cy="461665"/>
+          </a:xfrm>
+          <a:prstGeom prst="rect">
+            <a:avLst/>
+          </a:prstGeom>
+          <a:noFill/>
+        </p:spPr>
+        <p:txBody>
+          <a:bodyPr wrap="square" rtlCol="0">
+            <a:spAutoFit/>
+          </a:bodyPr>
+          <a:lstStyle/>
+          <a:p>
+            <a:r>
+              <a:rPr lang="fr-FR" sz="2400" b="1" dirty="0">
+                <a:solidFill>
+                  <a:schemeClr val="tx1">
+                    <a:lumMod val="85000"/>
+                  </a:schemeClr>
+                </a:solidFill>
+                <a:effectLst>
+                  <a:outerShdw blurRad="38100" dist="38100" dir="2700000" algn="tl">
+                    <a:srgbClr val="000000">
+                      <a:alpha val="43137"/>
+                    </a:srgbClr>
+                  </a:outerShdw>
+                </a:effectLst>
+                <a:latin typeface="Book Antiqua" panose="02040602050305030304" pitchFamily="18" charset="0"/>
+              </a:rPr>
+              <a:t>Site  Internet : Boutique en ligne </a:t>
+            </a:r>
+            <a:r>
+              <a:rPr lang="fr-FR" sz="2400" b="1" dirty="0" err="1">
+                <a:solidFill>
+                  <a:schemeClr val="tx1">
+                    <a:lumMod val="85000"/>
+                  </a:schemeClr>
+                </a:solidFill>
+                <a:effectLst>
+                  <a:outerShdw blurRad="38100" dist="38100" dir="2700000" algn="tl">
+                    <a:srgbClr val="000000">
+                      <a:alpha val="43137"/>
+                    </a:srgbClr>
+                  </a:outerShdw>
+                </a:effectLst>
+                <a:latin typeface="Book Antiqua" panose="02040602050305030304" pitchFamily="18" charset="0"/>
+              </a:rPr>
+              <a:t>U’Pop</a:t>
+            </a:r>
+            <a:endParaRPr lang="fr-FR" sz="2400" b="1" dirty="0">
+              <a:solidFill>
+                <a:schemeClr val="tx1">
+                  <a:lumMod val="85000"/>
+                </a:schemeClr>
+              </a:solidFill>
+              <a:effectLst>
+                <a:outerShdw blurRad="38100" dist="38100" dir="2700000" algn="tl">
+                  <a:srgbClr val="000000">
+                    <a:alpha val="43137"/>
+                  </a:srgbClr>
+                </a:outerShdw>
+              </a:effectLst>
+              <a:latin typeface="Book Antiqua" panose="02040602050305030304" pitchFamily="18" charset="0"/>
+            </a:endParaRPr>
           </a:p>
         </p:txBody>
       </p:sp>
       <p:pic>
         <p:nvPicPr>
-          <p:cNvPr id="7" name="Image 6">
+          <p:cNvPr id="6" name="Image 5">
             <a:extLst>
               <a:ext uri="{FF2B5EF4-FFF2-40B4-BE49-F238E27FC236}">
-                <a16:creationId xmlns:a16="http://schemas.microsoft.com/office/drawing/2014/main" id="{BDDA57E1-BF15-4763-ADD8-507886DB2D2D}"/>
+                <a16:creationId xmlns:a16="http://schemas.microsoft.com/office/drawing/2014/main" id="{A40D7B04-F15F-4A23-925B-1E290657620C}"/>
               </a:ext>
             </a:extLst>
           </p:cNvPr>
@@ -6872,7 +6709,7 @@
     </p:spTree>
     <p:extLst>
       <p:ext uri="{BB962C8B-B14F-4D97-AF65-F5344CB8AC3E}">
-        <p14:creationId xmlns:p14="http://schemas.microsoft.com/office/powerpoint/2010/main" val="3141876636"/>
+        <p14:creationId xmlns:p14="http://schemas.microsoft.com/office/powerpoint/2010/main" val="286658702"/>
       </p:ext>
     </p:extLst>
   </p:cSld>
@@ -6904,7 +6741,7 @@
           <p:cNvPr id="4" name="ZoneTexte 3">
             <a:extLst>
               <a:ext uri="{FF2B5EF4-FFF2-40B4-BE49-F238E27FC236}">
-                <a16:creationId xmlns:a16="http://schemas.microsoft.com/office/drawing/2014/main" id="{C04C4F3B-C055-43AF-B598-D454DAEC6730}"/>
+                <a16:creationId xmlns:a16="http://schemas.microsoft.com/office/drawing/2014/main" id="{7E782867-B202-431E-B5DB-C356E2E3DA8D}"/>
               </a:ext>
             </a:extLst>
           </p:cNvPr>
@@ -6913,8 +6750,8 @@
         </p:nvSpPr>
         <p:spPr>
           <a:xfrm>
-            <a:off x="376946" y="200995"/>
-            <a:ext cx="2726178" cy="369332"/>
+            <a:off x="1019175" y="904875"/>
+            <a:ext cx="8629650" cy="1754326"/>
           </a:xfrm>
           <a:prstGeom prst="rect">
             <a:avLst/>
@@ -6929,17 +6766,35 @@
           <a:p>
             <a:r>
               <a:rPr lang="fr-FR" dirty="0"/>
-              <a:t>Structure du Site Web:</a:t>
-            </a:r>
+              <a:t>Conception du MCD :</a:t>
+            </a:r>
+          </a:p>
+          <a:p>
+            <a:endParaRPr lang="fr-FR" dirty="0"/>
+          </a:p>
+          <a:p>
+            <a:r>
+              <a:rPr lang="fr-FR" dirty="0"/>
+              <a:t>Ajout du model mcd !!</a:t>
+            </a:r>
+          </a:p>
+          <a:p>
+            <a:endParaRPr lang="fr-FR" dirty="0"/>
+          </a:p>
+          <a:p>
+            <a:endParaRPr lang="fr-FR" dirty="0"/>
+          </a:p>
+          <a:p>
+            <a:endParaRPr lang="fr-FR" dirty="0"/>
           </a:p>
         </p:txBody>
       </p:sp>
       <p:pic>
         <p:nvPicPr>
-          <p:cNvPr id="12" name="Image 11" descr="Une image contenant texte, carte&#10;&#10;Description générée avec un niveau de confiance élevé">
+          <p:cNvPr id="3" name="Image 2">
             <a:extLst>
               <a:ext uri="{FF2B5EF4-FFF2-40B4-BE49-F238E27FC236}">
-                <a16:creationId xmlns:a16="http://schemas.microsoft.com/office/drawing/2014/main" id="{CA3C8E9E-8F03-4099-9BA6-54C5AD462A68}"/>
+                <a16:creationId xmlns:a16="http://schemas.microsoft.com/office/drawing/2014/main" id="{DE42098A-2D7B-46E9-AAA0-A720DDA3977C}"/>
               </a:ext>
             </a:extLst>
           </p:cNvPr>
@@ -6951,15 +6806,6 @@
         <p:blipFill>
           <a:blip r:embed="rId2">
             <a:extLst>
-              <a:ext uri="{BEBA8EAE-BF5A-486C-A8C5-ECC9F3942E4B}">
-                <a14:imgProps xmlns:a14="http://schemas.microsoft.com/office/drawing/2010/main">
-                  <a14:imgLayer r:embed="rId3">
-                    <a14:imgEffect>
-                      <a14:sharpenSoften amount="100000"/>
-                    </a14:imgEffect>
-                  </a14:imgLayer>
-                </a14:imgProps>
-              </a:ext>
               <a:ext uri="{28A0092B-C50C-407E-A947-70E740481C1C}">
                 <a14:useLocalDpi xmlns:a14="http://schemas.microsoft.com/office/drawing/2010/main" val="0"/>
               </a:ext>
@@ -6971,42 +6817,6 @@
         </p:blipFill>
         <p:spPr>
           <a:xfrm>
-            <a:off x="521911" y="1037415"/>
-            <a:ext cx="9509535" cy="4991100"/>
-          </a:xfrm>
-          <a:prstGeom prst="rect">
-            <a:avLst/>
-          </a:prstGeom>
-        </p:spPr>
-      </p:pic>
-      <p:pic>
-        <p:nvPicPr>
-          <p:cNvPr id="5" name="Image 4">
-            <a:extLst>
-              <a:ext uri="{FF2B5EF4-FFF2-40B4-BE49-F238E27FC236}">
-                <a16:creationId xmlns:a16="http://schemas.microsoft.com/office/drawing/2014/main" id="{7FB2B263-735D-4472-832D-35F87F1C2E23}"/>
-              </a:ext>
-            </a:extLst>
-          </p:cNvPr>
-          <p:cNvPicPr>
-            <a:picLocks noChangeAspect="1"/>
-          </p:cNvPicPr>
-          <p:nvPr/>
-        </p:nvPicPr>
-        <p:blipFill>
-          <a:blip r:embed="rId4">
-            <a:extLst>
-              <a:ext uri="{28A0092B-C50C-407E-A947-70E740481C1C}">
-                <a14:useLocalDpi xmlns:a14="http://schemas.microsoft.com/office/drawing/2010/main" val="0"/>
-              </a:ext>
-            </a:extLst>
-          </a:blip>
-          <a:stretch>
-            <a:fillRect/>
-          </a:stretch>
-        </p:blipFill>
-        <p:spPr>
-          <a:xfrm>
             <a:off x="10284905" y="5787957"/>
             <a:ext cx="1697453" cy="892816"/>
           </a:xfrm>
@@ -7018,7 +6828,7 @@
     </p:spTree>
     <p:extLst>
       <p:ext uri="{BB962C8B-B14F-4D97-AF65-F5344CB8AC3E}">
-        <p14:creationId xmlns:p14="http://schemas.microsoft.com/office/powerpoint/2010/main" val="506688579"/>
+        <p14:creationId xmlns:p14="http://schemas.microsoft.com/office/powerpoint/2010/main" val="757861432"/>
       </p:ext>
     </p:extLst>
   </p:cSld>
@@ -7047,10 +6857,10 @@
       </p:grpSpPr>
       <p:sp>
         <p:nvSpPr>
-          <p:cNvPr id="5" name="ZoneTexte 4">
+          <p:cNvPr id="4" name="ZoneTexte 3">
             <a:extLst>
               <a:ext uri="{FF2B5EF4-FFF2-40B4-BE49-F238E27FC236}">
-                <a16:creationId xmlns:a16="http://schemas.microsoft.com/office/drawing/2014/main" id="{6AC1C380-47E7-4FB6-A006-F006A4EDD187}"/>
+                <a16:creationId xmlns:a16="http://schemas.microsoft.com/office/drawing/2014/main" id="{D8DEA46A-11D0-48C6-AFDC-51CF2D0684FA}"/>
               </a:ext>
             </a:extLst>
           </p:cNvPr>
@@ -7059,8 +6869,8 @@
         </p:nvSpPr>
         <p:spPr>
           <a:xfrm>
-            <a:off x="662282" y="1715679"/>
-            <a:ext cx="6674178" cy="4801314"/>
+            <a:off x="1524000" y="1122363"/>
+            <a:ext cx="7629525" cy="4801314"/>
           </a:xfrm>
           <a:prstGeom prst="rect">
             <a:avLst/>
@@ -7074,169 +6884,233 @@
           <a:lstStyle/>
           <a:p>
             <a:r>
-              <a:rPr lang="fr-FR" dirty="0">
-                <a:latin typeface="Book Antiqua" panose="02040602050305030304" pitchFamily="18" charset="0"/>
-              </a:rPr>
-              <a:t>4 familles de 3 objets : </a:t>
-            </a:r>
-          </a:p>
-          <a:p>
-            <a:r>
-              <a:rPr lang="fr-FR" dirty="0">
-                <a:latin typeface="Book Antiqua" panose="02040602050305030304" pitchFamily="18" charset="0"/>
-              </a:rPr>
-              <a:t>1 - Pop Série (GOT, Breaking Bad, </a:t>
-            </a:r>
-            <a:r>
-              <a:rPr lang="fr-FR" dirty="0" err="1">
-                <a:latin typeface="Book Antiqua" panose="02040602050305030304" pitchFamily="18" charset="0"/>
-              </a:rPr>
-              <a:t>Lost</a:t>
-            </a:r>
-            <a:r>
-              <a:rPr lang="fr-FR" dirty="0">
-                <a:latin typeface="Book Antiqua" panose="02040602050305030304" pitchFamily="18" charset="0"/>
-              </a:rPr>
-              <a:t> )</a:t>
-            </a:r>
-          </a:p>
-          <a:p>
-            <a:r>
-              <a:rPr lang="fr-FR" dirty="0">
-                <a:latin typeface="Book Antiqua" panose="02040602050305030304" pitchFamily="18" charset="0"/>
-              </a:rPr>
-              <a:t>2 - Pop Jeux vidéo (The </a:t>
-            </a:r>
-            <a:r>
-              <a:rPr lang="fr-FR" dirty="0" err="1">
-                <a:latin typeface="Book Antiqua" panose="02040602050305030304" pitchFamily="18" charset="0"/>
-              </a:rPr>
-              <a:t>witcher</a:t>
-            </a:r>
-            <a:r>
-              <a:rPr lang="fr-FR" dirty="0">
-                <a:latin typeface="Book Antiqua" panose="02040602050305030304" pitchFamily="18" charset="0"/>
-              </a:rPr>
-              <a:t>, Mario, Zelda)</a:t>
-            </a:r>
-          </a:p>
-          <a:p>
-            <a:r>
-              <a:rPr lang="fr-FR" dirty="0">
-                <a:latin typeface="Book Antiqua" panose="02040602050305030304" pitchFamily="18" charset="0"/>
-              </a:rPr>
-              <a:t>3 - Pop Animés (Pokémon, Dragon Ball, South Park)</a:t>
-            </a:r>
-          </a:p>
-          <a:p>
-            <a:r>
-              <a:rPr lang="fr-FR" dirty="0">
-                <a:latin typeface="Book Antiqua" panose="02040602050305030304" pitchFamily="18" charset="0"/>
-              </a:rPr>
-              <a:t>4 - Pop Film (Star Wars, Harry Potter, Seigneur des Anneaux)</a:t>
-            </a:r>
-          </a:p>
-          <a:p>
-            <a:endParaRPr lang="fr-FR" dirty="0">
-              <a:latin typeface="Book Antiqua" panose="02040602050305030304" pitchFamily="18" charset="0"/>
-            </a:endParaRPr>
-          </a:p>
-          <a:p>
-            <a:r>
-              <a:rPr lang="fr-FR" dirty="0">
-                <a:latin typeface="Book Antiqua" panose="02040602050305030304" pitchFamily="18" charset="0"/>
-              </a:rPr>
-              <a:t>Site épurée</a:t>
-            </a:r>
-          </a:p>
-          <a:p>
-            <a:r>
-              <a:rPr lang="fr-FR" dirty="0">
-                <a:latin typeface="Book Antiqua" panose="02040602050305030304" pitchFamily="18" charset="0"/>
-              </a:rPr>
-              <a:t>Fond blanc </a:t>
-            </a:r>
-          </a:p>
-          <a:p>
-            <a:r>
-              <a:rPr lang="fr-FR" dirty="0" err="1">
-                <a:latin typeface="Book Antiqua" panose="02040602050305030304" pitchFamily="18" charset="0"/>
-              </a:rPr>
-              <a:t>navbar</a:t>
-            </a:r>
-            <a:r>
-              <a:rPr lang="fr-FR" dirty="0">
-                <a:latin typeface="Book Antiqua" panose="02040602050305030304" pitchFamily="18" charset="0"/>
-              </a:rPr>
-              <a:t> simple et épuré </a:t>
-            </a:r>
-          </a:p>
-          <a:p>
-            <a:r>
-              <a:rPr lang="fr-FR" dirty="0">
-                <a:latin typeface="Book Antiqua" panose="02040602050305030304" pitchFamily="18" charset="0"/>
-              </a:rPr>
-              <a:t>Logo par articles : </a:t>
-            </a:r>
-          </a:p>
-          <a:p>
-            <a:r>
-              <a:rPr lang="fr-FR" dirty="0">
-                <a:latin typeface="Book Antiqua" panose="02040602050305030304" pitchFamily="18" charset="0"/>
-              </a:rPr>
-              <a:t>Série : télé</a:t>
-            </a:r>
-          </a:p>
-          <a:p>
-            <a:r>
-              <a:rPr lang="fr-FR" dirty="0">
-                <a:latin typeface="Book Antiqua" panose="02040602050305030304" pitchFamily="18" charset="0"/>
-              </a:rPr>
-              <a:t>Jeux vidéo : manette</a:t>
-            </a:r>
-          </a:p>
-          <a:p>
-            <a:r>
-              <a:rPr lang="fr-FR" dirty="0">
-                <a:latin typeface="Book Antiqua" panose="02040602050305030304" pitchFamily="18" charset="0"/>
-              </a:rPr>
-              <a:t>Animés :  tête </a:t>
-            </a:r>
-            <a:r>
-              <a:rPr lang="fr-FR" dirty="0" err="1">
-                <a:latin typeface="Book Antiqua" panose="02040602050305030304" pitchFamily="18" charset="0"/>
-              </a:rPr>
-              <a:t>pikachu</a:t>
-            </a:r>
-            <a:endParaRPr lang="fr-FR" dirty="0">
-              <a:latin typeface="Book Antiqua" panose="02040602050305030304" pitchFamily="18" charset="0"/>
-            </a:endParaRPr>
-          </a:p>
-          <a:p>
-            <a:r>
-              <a:rPr lang="fr-FR" dirty="0">
-                <a:latin typeface="Book Antiqua" panose="02040602050305030304" pitchFamily="18" charset="0"/>
-              </a:rPr>
-              <a:t>Film : bande de film</a:t>
-            </a:r>
-          </a:p>
-          <a:p>
-            <a:r>
-              <a:rPr lang="fr-FR" dirty="0">
-                <a:latin typeface="Book Antiqua" panose="02040602050305030304" pitchFamily="18" charset="0"/>
-              </a:rPr>
-              <a:t>Trait centré grisé entre bloque d'articles</a:t>
-            </a:r>
-          </a:p>
-          <a:p>
-            <a:endParaRPr lang="fr-FR" dirty="0">
-              <a:latin typeface="Book Antiqua" panose="02040602050305030304" pitchFamily="18" charset="0"/>
-            </a:endParaRPr>
-          </a:p>
-          <a:p>
-            <a:endParaRPr lang="fr-FR" dirty="0">
-              <a:latin typeface="Book Antiqua" panose="02040602050305030304" pitchFamily="18" charset="0"/>
-            </a:endParaRPr>
+              <a:rPr lang="fr-FR" dirty="0"/>
+              <a:t>Création de la base de données:</a:t>
+            </a:r>
+          </a:p>
+          <a:p>
+            <a:endParaRPr lang="fr-FR" dirty="0"/>
+          </a:p>
+          <a:p>
+            <a:r>
+              <a:rPr lang="fr-FR" dirty="0"/>
+              <a:t>FICHE_CLIENT (</a:t>
+            </a:r>
+            <a:r>
+              <a:rPr lang="fr-FR" dirty="0" err="1"/>
+              <a:t>loginClient</a:t>
+            </a:r>
+            <a:r>
+              <a:rPr lang="fr-FR" dirty="0"/>
+              <a:t>#, </a:t>
+            </a:r>
+            <a:r>
+              <a:rPr lang="fr-FR" dirty="0" err="1"/>
+              <a:t>nomClient</a:t>
+            </a:r>
+            <a:r>
+              <a:rPr lang="fr-FR" dirty="0"/>
+              <a:t>, </a:t>
+            </a:r>
+            <a:r>
+              <a:rPr lang="fr-FR" dirty="0" err="1"/>
+              <a:t>prenomClient</a:t>
+            </a:r>
+            <a:r>
+              <a:rPr lang="fr-FR" dirty="0"/>
+              <a:t>, </a:t>
+            </a:r>
+            <a:r>
+              <a:rPr lang="fr-FR" dirty="0" err="1"/>
+              <a:t>genreClient,dateNaissanceClient</a:t>
+            </a:r>
+            <a:r>
+              <a:rPr lang="fr-FR" dirty="0"/>
+              <a:t>, </a:t>
+            </a:r>
+            <a:r>
+              <a:rPr lang="fr-FR" dirty="0" err="1"/>
+              <a:t>passwordClient</a:t>
+            </a:r>
+            <a:r>
+              <a:rPr lang="fr-FR" dirty="0"/>
+              <a:t>, </a:t>
+            </a:r>
+            <a:r>
+              <a:rPr lang="fr-FR" dirty="0" err="1"/>
+              <a:t>adresseClient</a:t>
+            </a:r>
+            <a:r>
+              <a:rPr lang="fr-FR" dirty="0"/>
+              <a:t>, </a:t>
+            </a:r>
+            <a:r>
+              <a:rPr lang="fr-FR" dirty="0" err="1"/>
+              <a:t>cpClient</a:t>
+            </a:r>
+            <a:r>
+              <a:rPr lang="fr-FR" dirty="0"/>
+              <a:t>, </a:t>
+            </a:r>
+            <a:r>
+              <a:rPr lang="fr-FR" dirty="0" err="1"/>
+              <a:t>villeClient</a:t>
+            </a:r>
+            <a:r>
+              <a:rPr lang="fr-FR" dirty="0"/>
+              <a:t>, </a:t>
+            </a:r>
+            <a:r>
+              <a:rPr lang="fr-FR" dirty="0" err="1"/>
+              <a:t>mailClient</a:t>
+            </a:r>
+            <a:r>
+              <a:rPr lang="fr-FR" dirty="0"/>
+              <a:t>) COMMANDE (</a:t>
+            </a:r>
+            <a:r>
+              <a:rPr lang="fr-FR" dirty="0" err="1"/>
+              <a:t>numeroCommande</a:t>
+            </a:r>
+            <a:r>
+              <a:rPr lang="fr-FR" dirty="0"/>
+              <a:t>#, </a:t>
+            </a:r>
+            <a:r>
+              <a:rPr lang="fr-FR" dirty="0" err="1"/>
+              <a:t>loginClient</a:t>
+            </a:r>
+            <a:r>
+              <a:rPr lang="fr-FR" dirty="0"/>
+              <a:t>##, </a:t>
+            </a:r>
+            <a:r>
+              <a:rPr lang="fr-FR" dirty="0" err="1"/>
+              <a:t>dateCreation</a:t>
+            </a:r>
+            <a:r>
+              <a:rPr lang="fr-FR" dirty="0"/>
+              <a:t>, </a:t>
+            </a:r>
+            <a:r>
+              <a:rPr lang="fr-FR" dirty="0" err="1"/>
+              <a:t>dateValidation</a:t>
+            </a:r>
+            <a:r>
+              <a:rPr lang="fr-FR" dirty="0"/>
+              <a:t>) COMMANDE_ARTICLE (</a:t>
+            </a:r>
+            <a:r>
+              <a:rPr lang="fr-FR" dirty="0" err="1"/>
+              <a:t>numeroCommande</a:t>
+            </a:r>
+            <a:r>
+              <a:rPr lang="fr-FR" dirty="0"/>
+              <a:t>##, </a:t>
+            </a:r>
+            <a:r>
+              <a:rPr lang="fr-FR" dirty="0" err="1"/>
+              <a:t>refArticle</a:t>
+            </a:r>
+            <a:r>
+              <a:rPr lang="fr-FR" dirty="0"/>
+              <a:t>##, </a:t>
+            </a:r>
+            <a:r>
+              <a:rPr lang="fr-FR" dirty="0" err="1"/>
+              <a:t>quantiteArticle</a:t>
+            </a:r>
+            <a:r>
+              <a:rPr lang="fr-FR" dirty="0"/>
+              <a:t>) FICHE_ARTICLE (</a:t>
+            </a:r>
+            <a:r>
+              <a:rPr lang="fr-FR" dirty="0" err="1"/>
+              <a:t>refArticle</a:t>
+            </a:r>
+            <a:r>
+              <a:rPr lang="fr-FR" dirty="0"/>
+              <a:t>#, </a:t>
+            </a:r>
+            <a:r>
+              <a:rPr lang="fr-FR" dirty="0" err="1"/>
+              <a:t>libelleArticle</a:t>
+            </a:r>
+            <a:r>
+              <a:rPr lang="fr-FR" dirty="0"/>
+              <a:t>, </a:t>
+            </a:r>
+            <a:r>
+              <a:rPr lang="fr-FR" dirty="0" err="1"/>
+              <a:t>descriptifArticle</a:t>
+            </a:r>
+            <a:r>
+              <a:rPr lang="fr-FR" dirty="0"/>
+              <a:t>, </a:t>
+            </a:r>
+            <a:r>
+              <a:rPr lang="fr-FR" dirty="0" err="1"/>
+              <a:t>libelleUnivers</a:t>
+            </a:r>
+            <a:r>
+              <a:rPr lang="fr-FR" dirty="0"/>
+              <a:t>##) STOCK_ARTICLE (</a:t>
+            </a:r>
+            <a:r>
+              <a:rPr lang="fr-FR" dirty="0" err="1"/>
+              <a:t>refArticle</a:t>
+            </a:r>
+            <a:r>
+              <a:rPr lang="fr-FR" dirty="0"/>
+              <a:t>##, stock) UNIVERS (</a:t>
+            </a:r>
+            <a:r>
+              <a:rPr lang="fr-FR" dirty="0" err="1"/>
+              <a:t>libelleUnivers</a:t>
+            </a:r>
+            <a:r>
+              <a:rPr lang="fr-FR" dirty="0"/>
+              <a:t>#) UNIVERS_CATEGORIE (</a:t>
+            </a:r>
+            <a:r>
+              <a:rPr lang="fr-FR" dirty="0" err="1"/>
+              <a:t>libelleUnivers</a:t>
+            </a:r>
+            <a:r>
+              <a:rPr lang="fr-FR" dirty="0"/>
+              <a:t>##,</a:t>
+            </a:r>
+            <a:r>
+              <a:rPr lang="fr-FR" dirty="0" err="1"/>
+              <a:t>libelleCategorie</a:t>
+            </a:r>
+            <a:r>
+              <a:rPr lang="fr-FR" dirty="0"/>
+              <a:t>##) CATEGORIE (</a:t>
+            </a:r>
+            <a:r>
+              <a:rPr lang="fr-FR" dirty="0" err="1"/>
+              <a:t>libelleCategorie</a:t>
+            </a:r>
+            <a:r>
+              <a:rPr lang="fr-FR" dirty="0"/>
+              <a:t>#)</a:t>
+            </a:r>
+          </a:p>
+          <a:p>
+            <a:endParaRPr lang="fr-FR" dirty="0"/>
+          </a:p>
+          <a:p>
+            <a:endParaRPr lang="fr-FR" dirty="0"/>
+          </a:p>
+          <a:p>
+            <a:endParaRPr lang="fr-FR" dirty="0"/>
+          </a:p>
+          <a:p>
+            <a:endParaRPr lang="fr-FR" dirty="0"/>
+          </a:p>
+          <a:p>
+            <a:endParaRPr lang="fr-FR" dirty="0"/>
           </a:p>
         </p:txBody>
       </p:sp>
@@ -7245,7 +7119,7 @@
           <p:cNvPr id="3" name="Image 2">
             <a:extLst>
               <a:ext uri="{FF2B5EF4-FFF2-40B4-BE49-F238E27FC236}">
-                <a16:creationId xmlns:a16="http://schemas.microsoft.com/office/drawing/2014/main" id="{35152C1E-C429-4AC6-B7B4-7654A719C374}"/>
+                <a16:creationId xmlns:a16="http://schemas.microsoft.com/office/drawing/2014/main" id="{4BBFD248-88F4-4A3F-A925-2835FB3D6D59}"/>
               </a:ext>
             </a:extLst>
           </p:cNvPr>
@@ -7279,7 +7153,7 @@
     </p:spTree>
     <p:extLst>
       <p:ext uri="{BB962C8B-B14F-4D97-AF65-F5344CB8AC3E}">
-        <p14:creationId xmlns:p14="http://schemas.microsoft.com/office/powerpoint/2010/main" val="1444868974"/>
+        <p14:creationId xmlns:p14="http://schemas.microsoft.com/office/powerpoint/2010/main" val="2292033355"/>
       </p:ext>
     </p:extLst>
   </p:cSld>
@@ -8048,10 +7922,70 @@
       </p:grpSpPr>
       <p:sp>
         <p:nvSpPr>
-          <p:cNvPr id="4" name="ZoneTexte 3">
+          <p:cNvPr id="10" name="Rectangle : coins arrondis 9">
             <a:extLst>
               <a:ext uri="{FF2B5EF4-FFF2-40B4-BE49-F238E27FC236}">
-                <a16:creationId xmlns:a16="http://schemas.microsoft.com/office/drawing/2014/main" id="{5860BA3D-9912-4AE2-850B-D06A44A3988D}"/>
+                <a16:creationId xmlns:a16="http://schemas.microsoft.com/office/drawing/2014/main" id="{EF10D90F-3991-4A6E-9877-0E0611A16E35}"/>
+              </a:ext>
+            </a:extLst>
+          </p:cNvPr>
+          <p:cNvSpPr/>
+          <p:nvPr/>
+        </p:nvSpPr>
+        <p:spPr>
+          <a:xfrm>
+            <a:off x="227878" y="1398212"/>
+            <a:ext cx="6713796" cy="597988"/>
+          </a:xfrm>
+          <a:prstGeom prst="roundRect">
+            <a:avLst/>
+          </a:prstGeom>
+          <a:solidFill>
+            <a:schemeClr val="bg2">
+              <a:lumMod val="90000"/>
+            </a:schemeClr>
+          </a:solidFill>
+          <a:ln>
+            <a:solidFill>
+              <a:schemeClr val="bg1">
+                <a:lumMod val="75000"/>
+              </a:schemeClr>
+            </a:solidFill>
+          </a:ln>
+        </p:spPr>
+        <p:style>
+          <a:lnRef idx="2">
+            <a:schemeClr val="accent1">
+              <a:shade val="50000"/>
+            </a:schemeClr>
+          </a:lnRef>
+          <a:fillRef idx="1">
+            <a:schemeClr val="accent1"/>
+          </a:fillRef>
+          <a:effectRef idx="0">
+            <a:schemeClr val="accent1"/>
+          </a:effectRef>
+          <a:fontRef idx="minor">
+            <a:schemeClr val="lt1"/>
+          </a:fontRef>
+        </p:style>
+        <p:txBody>
+          <a:bodyPr rtlCol="0" anchor="ctr"/>
+          <a:lstStyle/>
+          <a:p>
+            <a:pPr algn="ctr"/>
+            <a:endParaRPr lang="fr-FR">
+              <a:latin typeface="Book Antiqua" panose="02040602050305030304" pitchFamily="18" charset="0"/>
+            </a:endParaRPr>
+          </a:p>
+        </p:txBody>
+      </p:sp>
+      <p:sp>
+        <p:nvSpPr>
+          <p:cNvPr id="11" name="ZoneTexte 10">
+            <a:extLst>
+              <a:ext uri="{FF2B5EF4-FFF2-40B4-BE49-F238E27FC236}">
+                <a16:creationId xmlns:a16="http://schemas.microsoft.com/office/drawing/2014/main" id="{CD8C034E-B7A2-4ECB-8772-E234F946086F}"/>
               </a:ext>
             </a:extLst>
           </p:cNvPr>
@@ -8060,8 +7994,8 @@
         </p:nvSpPr>
         <p:spPr>
           <a:xfrm>
-            <a:off x="866774" y="1000125"/>
-            <a:ext cx="8810626" cy="4585871"/>
+            <a:off x="287078" y="1406852"/>
+            <a:ext cx="5715000" cy="830997"/>
           </a:xfrm>
           <a:prstGeom prst="rect">
             <a:avLst/>
@@ -8075,59 +8009,398 @@
           <a:lstStyle/>
           <a:p>
             <a:r>
-              <a:rPr lang="fr-FR" sz="3200" dirty="0">
+              <a:rPr lang="fr-FR" sz="2000" dirty="0">
                 <a:latin typeface="Book Antiqua" panose="02040602050305030304" pitchFamily="18" charset="0"/>
               </a:rPr>
-              <a:t>Style visuel du Site :</a:t>
-            </a:r>
-          </a:p>
-          <a:p>
-            <a:endParaRPr lang="fr-FR" sz="4400" dirty="0"/>
-          </a:p>
-          <a:p>
-            <a:endParaRPr lang="fr-FR" dirty="0"/>
-          </a:p>
-          <a:p>
-            <a:endParaRPr lang="fr-FR" dirty="0"/>
-          </a:p>
-          <a:p>
-            <a:endParaRPr lang="fr-FR" dirty="0"/>
-          </a:p>
-          <a:p>
-            <a:endParaRPr lang="fr-FR" dirty="0"/>
-          </a:p>
-          <a:p>
-            <a:endParaRPr lang="fr-FR" dirty="0"/>
-          </a:p>
-          <a:p>
-            <a:endParaRPr lang="fr-FR" dirty="0"/>
-          </a:p>
-          <a:p>
-            <a:endParaRPr lang="fr-FR" dirty="0"/>
-          </a:p>
-          <a:p>
-            <a:endParaRPr lang="fr-FR" dirty="0"/>
-          </a:p>
-          <a:p>
-            <a:endParaRPr lang="fr-FR" dirty="0"/>
-          </a:p>
-          <a:p>
-            <a:endParaRPr lang="fr-FR" dirty="0"/>
-          </a:p>
-          <a:p>
-            <a:endParaRPr lang="fr-FR" dirty="0"/>
-          </a:p>
-          <a:p>
-            <a:endParaRPr lang="fr-FR" dirty="0"/>
+              <a:t>Mise en place d'une base de donnée : </a:t>
+            </a:r>
+          </a:p>
+          <a:p>
+            <a:endParaRPr lang="fr-FR" sz="2800" dirty="0">
+              <a:latin typeface="Book Antiqua" panose="02040602050305030304" pitchFamily="18" charset="0"/>
+            </a:endParaRPr>
+          </a:p>
+        </p:txBody>
+      </p:sp>
+      <p:sp>
+        <p:nvSpPr>
+          <p:cNvPr id="12" name="Rectangle : coins arrondis 11">
+            <a:extLst>
+              <a:ext uri="{FF2B5EF4-FFF2-40B4-BE49-F238E27FC236}">
+                <a16:creationId xmlns:a16="http://schemas.microsoft.com/office/drawing/2014/main" id="{B4A8CAC8-E170-41C2-B26E-09E2361EEF03}"/>
+              </a:ext>
+            </a:extLst>
+          </p:cNvPr>
+          <p:cNvSpPr/>
+          <p:nvPr/>
+        </p:nvSpPr>
+        <p:spPr>
+          <a:xfrm>
+            <a:off x="227878" y="2958300"/>
+            <a:ext cx="6713796" cy="597988"/>
+          </a:xfrm>
+          <a:prstGeom prst="roundRect">
+            <a:avLst/>
+          </a:prstGeom>
+          <a:solidFill>
+            <a:schemeClr val="bg2">
+              <a:lumMod val="90000"/>
+            </a:schemeClr>
+          </a:solidFill>
+          <a:ln>
+            <a:solidFill>
+              <a:schemeClr val="bg1">
+                <a:lumMod val="75000"/>
+              </a:schemeClr>
+            </a:solidFill>
+          </a:ln>
+        </p:spPr>
+        <p:style>
+          <a:lnRef idx="2">
+            <a:schemeClr val="accent1">
+              <a:shade val="50000"/>
+            </a:schemeClr>
+          </a:lnRef>
+          <a:fillRef idx="1">
+            <a:schemeClr val="accent1"/>
+          </a:fillRef>
+          <a:effectRef idx="0">
+            <a:schemeClr val="accent1"/>
+          </a:effectRef>
+          <a:fontRef idx="minor">
+            <a:schemeClr val="lt1"/>
+          </a:fontRef>
+        </p:style>
+        <p:txBody>
+          <a:bodyPr rtlCol="0" anchor="ctr"/>
+          <a:lstStyle/>
+          <a:p>
+            <a:pPr algn="ctr"/>
+            <a:endParaRPr lang="fr-FR">
+              <a:latin typeface="Book Antiqua" panose="02040602050305030304" pitchFamily="18" charset="0"/>
+            </a:endParaRPr>
+          </a:p>
+        </p:txBody>
+      </p:sp>
+      <p:sp>
+        <p:nvSpPr>
+          <p:cNvPr id="13" name="ZoneTexte 12">
+            <a:extLst>
+              <a:ext uri="{FF2B5EF4-FFF2-40B4-BE49-F238E27FC236}">
+                <a16:creationId xmlns:a16="http://schemas.microsoft.com/office/drawing/2014/main" id="{F90FD864-7AEA-482F-BE0A-C85D5DD55867}"/>
+              </a:ext>
+            </a:extLst>
+          </p:cNvPr>
+          <p:cNvSpPr txBox="1"/>
+          <p:nvPr/>
+        </p:nvSpPr>
+        <p:spPr>
+          <a:xfrm>
+            <a:off x="168678" y="2959328"/>
+            <a:ext cx="6832195" cy="677108"/>
+          </a:xfrm>
+          <a:prstGeom prst="rect">
+            <a:avLst/>
+          </a:prstGeom>
+          <a:noFill/>
+        </p:spPr>
+        <p:txBody>
+          <a:bodyPr wrap="square" rtlCol="0">
+            <a:spAutoFit/>
+          </a:bodyPr>
+          <a:lstStyle/>
+          <a:p>
+            <a:r>
+              <a:rPr lang="fr-FR" sz="2000" dirty="0">
+                <a:latin typeface="Book Antiqua" panose="02040602050305030304" pitchFamily="18" charset="0"/>
+              </a:rPr>
+              <a:t>Mise en place de la structure du site internet :  </a:t>
+            </a:r>
+          </a:p>
+          <a:p>
+            <a:endParaRPr lang="fr-FR" dirty="0">
+              <a:latin typeface="Book Antiqua" panose="02040602050305030304" pitchFamily="18" charset="0"/>
+            </a:endParaRPr>
+          </a:p>
+        </p:txBody>
+      </p:sp>
+      <p:sp>
+        <p:nvSpPr>
+          <p:cNvPr id="5" name="Ellipse 4">
+            <a:extLst>
+              <a:ext uri="{FF2B5EF4-FFF2-40B4-BE49-F238E27FC236}">
+                <a16:creationId xmlns:a16="http://schemas.microsoft.com/office/drawing/2014/main" id="{63331D3F-0205-4361-A429-CA35175779E6}"/>
+              </a:ext>
+            </a:extLst>
+          </p:cNvPr>
+          <p:cNvSpPr/>
+          <p:nvPr/>
+        </p:nvSpPr>
+        <p:spPr>
+          <a:xfrm>
+            <a:off x="381000" y="6115665"/>
+            <a:ext cx="513735" cy="462116"/>
+          </a:xfrm>
+          <a:prstGeom prst="ellipse">
+            <a:avLst/>
+          </a:prstGeom>
+          <a:solidFill>
+            <a:schemeClr val="bg1">
+              <a:lumMod val="65000"/>
+            </a:schemeClr>
+          </a:solidFill>
+          <a:ln>
+            <a:solidFill>
+              <a:schemeClr val="bg1">
+                <a:lumMod val="65000"/>
+              </a:schemeClr>
+            </a:solidFill>
+          </a:ln>
+        </p:spPr>
+        <p:style>
+          <a:lnRef idx="2">
+            <a:schemeClr val="accent1">
+              <a:shade val="50000"/>
+            </a:schemeClr>
+          </a:lnRef>
+          <a:fillRef idx="1">
+            <a:schemeClr val="accent1"/>
+          </a:fillRef>
+          <a:effectRef idx="0">
+            <a:schemeClr val="accent1"/>
+          </a:effectRef>
+          <a:fontRef idx="minor">
+            <a:schemeClr val="lt1"/>
+          </a:fontRef>
+        </p:style>
+        <p:txBody>
+          <a:bodyPr rtlCol="0" anchor="ctr"/>
+          <a:lstStyle/>
+          <a:p>
+            <a:pPr algn="ctr"/>
+            <a:endParaRPr lang="fr-FR">
+              <a:latin typeface="Book Antiqua" panose="02040602050305030304" pitchFamily="18" charset="0"/>
+            </a:endParaRPr>
+          </a:p>
+        </p:txBody>
+      </p:sp>
+      <p:sp>
+        <p:nvSpPr>
+          <p:cNvPr id="6" name="ZoneTexte 5">
+            <a:extLst>
+              <a:ext uri="{FF2B5EF4-FFF2-40B4-BE49-F238E27FC236}">
+                <a16:creationId xmlns:a16="http://schemas.microsoft.com/office/drawing/2014/main" id="{8107E87B-3E56-4CD5-BE3B-3212844B0879}"/>
+              </a:ext>
+            </a:extLst>
+          </p:cNvPr>
+          <p:cNvSpPr txBox="1"/>
+          <p:nvPr/>
+        </p:nvSpPr>
+        <p:spPr>
+          <a:xfrm>
+            <a:off x="904567" y="6182173"/>
+            <a:ext cx="5191432" cy="369332"/>
+          </a:xfrm>
+          <a:prstGeom prst="rect">
+            <a:avLst/>
+          </a:prstGeom>
+          <a:noFill/>
+        </p:spPr>
+        <p:txBody>
+          <a:bodyPr wrap="square" rtlCol="0">
+            <a:spAutoFit/>
+          </a:bodyPr>
+          <a:lstStyle/>
+          <a:p>
+            <a:r>
+              <a:rPr lang="fr-FR" dirty="0">
+                <a:latin typeface="Book Antiqua" panose="02040602050305030304" pitchFamily="18" charset="0"/>
+              </a:rPr>
+              <a:t>Mise en page des fichiers sur GITHUB</a:t>
+            </a:r>
+          </a:p>
+        </p:txBody>
+      </p:sp>
+      <p:sp>
+        <p:nvSpPr>
+          <p:cNvPr id="14" name="ZoneTexte 13">
+            <a:extLst>
+              <a:ext uri="{FF2B5EF4-FFF2-40B4-BE49-F238E27FC236}">
+                <a16:creationId xmlns:a16="http://schemas.microsoft.com/office/drawing/2014/main" id="{A6BC288B-6DB6-475F-8449-1EC72B958D80}"/>
+              </a:ext>
+            </a:extLst>
+          </p:cNvPr>
+          <p:cNvSpPr txBox="1"/>
+          <p:nvPr/>
+        </p:nvSpPr>
+        <p:spPr>
+          <a:xfrm>
+            <a:off x="168678" y="3580185"/>
+            <a:ext cx="10031361" cy="1631216"/>
+          </a:xfrm>
+          <a:prstGeom prst="rect">
+            <a:avLst/>
+          </a:prstGeom>
+          <a:noFill/>
+        </p:spPr>
+        <p:txBody>
+          <a:bodyPr wrap="square" rtlCol="0">
+            <a:spAutoFit/>
+          </a:bodyPr>
+          <a:lstStyle/>
+          <a:p>
+            <a:r>
+              <a:rPr lang="fr-FR" sz="2000" dirty="0">
+                <a:latin typeface="Book Antiqua" panose="02040602050305030304" pitchFamily="18" charset="0"/>
+              </a:rPr>
+              <a:t>Synthétisé les CSS/HTML</a:t>
+            </a:r>
+          </a:p>
+          <a:p>
+            <a:r>
+              <a:rPr lang="fr-FR" sz="2000" dirty="0">
+                <a:latin typeface="Book Antiqua" panose="02040602050305030304" pitchFamily="18" charset="0"/>
+              </a:rPr>
+              <a:t>Finir les modèles de BOX</a:t>
+            </a:r>
+          </a:p>
+          <a:p>
+            <a:r>
+              <a:rPr lang="fr-FR" sz="2000" dirty="0">
+                <a:latin typeface="Book Antiqua" panose="02040602050305030304" pitchFamily="18" charset="0"/>
+              </a:rPr>
+              <a:t>Page compte a créer</a:t>
+            </a:r>
+          </a:p>
+          <a:p>
+            <a:r>
+              <a:rPr lang="fr-FR" sz="2000" dirty="0">
+                <a:latin typeface="Book Antiqua" panose="02040602050305030304" pitchFamily="18" charset="0"/>
+              </a:rPr>
+              <a:t>Mise en page et structure du site HTML/CSS terminée</a:t>
+            </a:r>
+          </a:p>
+          <a:p>
+            <a:r>
+              <a:rPr lang="fr-FR" sz="2000" dirty="0">
+                <a:latin typeface="Book Antiqua" panose="02040602050305030304" pitchFamily="18" charset="0"/>
+              </a:rPr>
+              <a:t>Fusion des différents CSS (Main.css : qui est le CSS général et des CSS spécifiques</a:t>
+            </a:r>
+          </a:p>
+        </p:txBody>
+      </p:sp>
+      <p:sp>
+        <p:nvSpPr>
+          <p:cNvPr id="15" name="ZoneTexte 14">
+            <a:extLst>
+              <a:ext uri="{FF2B5EF4-FFF2-40B4-BE49-F238E27FC236}">
+                <a16:creationId xmlns:a16="http://schemas.microsoft.com/office/drawing/2014/main" id="{29065034-299F-49C1-84F6-EA189ADE9B99}"/>
+              </a:ext>
+            </a:extLst>
+          </p:cNvPr>
+          <p:cNvSpPr txBox="1"/>
+          <p:nvPr/>
+        </p:nvSpPr>
+        <p:spPr>
+          <a:xfrm>
+            <a:off x="227878" y="2067034"/>
+            <a:ext cx="5348747" cy="1015663"/>
+          </a:xfrm>
+          <a:prstGeom prst="rect">
+            <a:avLst/>
+          </a:prstGeom>
+          <a:noFill/>
+        </p:spPr>
+        <p:txBody>
+          <a:bodyPr wrap="square" rtlCol="0">
+            <a:spAutoFit/>
+          </a:bodyPr>
+          <a:lstStyle/>
+          <a:p>
+            <a:r>
+              <a:rPr lang="fr-FR" sz="2000" dirty="0">
+                <a:latin typeface="Book Antiqua" panose="02040602050305030304" pitchFamily="18" charset="0"/>
+              </a:rPr>
+              <a:t>Remplir catégorie commande articles</a:t>
+            </a:r>
+          </a:p>
+          <a:p>
+            <a:r>
+              <a:rPr lang="fr-FR" sz="2000" dirty="0">
+                <a:latin typeface="Book Antiqua" panose="02040602050305030304" pitchFamily="18" charset="0"/>
+              </a:rPr>
+              <a:t>Finir page admin</a:t>
+            </a:r>
+          </a:p>
+          <a:p>
+            <a:endParaRPr lang="fr-FR" sz="2000" dirty="0">
+              <a:latin typeface="Book Antiqua" panose="02040602050305030304" pitchFamily="18" charset="0"/>
+            </a:endParaRPr>
+          </a:p>
+        </p:txBody>
+      </p:sp>
+      <p:sp>
+        <p:nvSpPr>
+          <p:cNvPr id="16" name="Rectangle 15">
+            <a:extLst>
+              <a:ext uri="{FF2B5EF4-FFF2-40B4-BE49-F238E27FC236}">
+                <a16:creationId xmlns:a16="http://schemas.microsoft.com/office/drawing/2014/main" id="{A4F8D916-1D5E-44D8-B6C6-4E4926BCAFDD}"/>
+              </a:ext>
+            </a:extLst>
+          </p:cNvPr>
+          <p:cNvSpPr/>
+          <p:nvPr/>
+        </p:nvSpPr>
+        <p:spPr>
+          <a:xfrm>
+            <a:off x="0" y="0"/>
+            <a:ext cx="2130641" cy="834501"/>
+          </a:xfrm>
+          <a:prstGeom prst="rect">
+            <a:avLst/>
+          </a:prstGeom>
+          <a:noFill/>
+          <a:ln>
+            <a:noFill/>
+          </a:ln>
+        </p:spPr>
+        <p:style>
+          <a:lnRef idx="2">
+            <a:schemeClr val="accent1">
+              <a:shade val="50000"/>
+            </a:schemeClr>
+          </a:lnRef>
+          <a:fillRef idx="1">
+            <a:schemeClr val="accent1"/>
+          </a:fillRef>
+          <a:effectRef idx="0">
+            <a:schemeClr val="accent1"/>
+          </a:effectRef>
+          <a:fontRef idx="minor">
+            <a:schemeClr val="lt1"/>
+          </a:fontRef>
+        </p:style>
+        <p:txBody>
+          <a:bodyPr rtlCol="0" anchor="ctr"/>
+          <a:lstStyle/>
+          <a:p>
+            <a:pPr algn="ctr"/>
+            <a:r>
+              <a:rPr lang="fr-FR" sz="2400" dirty="0">
+                <a:latin typeface="Book Antiqua" panose="02040602050305030304" pitchFamily="18" charset="0"/>
+              </a:rPr>
+              <a:t>Jour 3 :</a:t>
+            </a:r>
           </a:p>
         </p:txBody>
       </p:sp>
       <p:pic>
         <p:nvPicPr>
-          <p:cNvPr id="6" name="Image 5" descr="Une image contenant capture d’écran&#10;&#10;Description générée avec un niveau de confiance très élevé">
+          <p:cNvPr id="18" name="Image 17">
             <a:extLst>
               <a:ext uri="{FF2B5EF4-FFF2-40B4-BE49-F238E27FC236}">
-                <a16:creationId xmlns:a16="http://schemas.microsoft.com/office/drawing/2014/main" id="{D9FD9FE2-D772-4457-A685-306E2CFFC77C}"/>
+                <a16:creationId xmlns:a16="http://schemas.microsoft.com/office/drawing/2014/main" id="{5936973D-9DBC-4A74-BA34-AD28244451CD}"/>
               </a:ext>
             </a:extLst>
           </p:cNvPr>
@@ -8150,55 +8423,6 @@
         </p:blipFill>
         <p:spPr>
           <a:xfrm>
-            <a:off x="1533487" y="2089601"/>
-            <a:ext cx="8365855" cy="3834350"/>
-          </a:xfrm>
-          <a:prstGeom prst="roundRect">
-            <a:avLst>
-              <a:gd name="adj" fmla="val 8594"/>
-            </a:avLst>
-          </a:prstGeom>
-          <a:solidFill>
-            <a:srgbClr val="FFFFFF">
-              <a:shade val="85000"/>
-            </a:srgbClr>
-          </a:solidFill>
-          <a:ln>
-            <a:noFill/>
-          </a:ln>
-          <a:effectLst>
-            <a:reflection blurRad="12700" stA="38000" endPos="28000" dist="5000" dir="5400000" sy="-100000" algn="bl" rotWithShape="0"/>
-          </a:effectLst>
-        </p:spPr>
-      </p:pic>
-      <p:pic>
-        <p:nvPicPr>
-          <p:cNvPr id="5" name="Image 4">
-            <a:extLst>
-              <a:ext uri="{FF2B5EF4-FFF2-40B4-BE49-F238E27FC236}">
-                <a16:creationId xmlns:a16="http://schemas.microsoft.com/office/drawing/2014/main" id="{4238FBBB-A3CB-41DE-8184-2FC5933A45A7}"/>
-              </a:ext>
-            </a:extLst>
-          </p:cNvPr>
-          <p:cNvPicPr>
-            <a:picLocks noChangeAspect="1"/>
-          </p:cNvPicPr>
-          <p:nvPr/>
-        </p:nvPicPr>
-        <p:blipFill>
-          <a:blip r:embed="rId3">
-            <a:extLst>
-              <a:ext uri="{28A0092B-C50C-407E-A947-70E740481C1C}">
-                <a14:useLocalDpi xmlns:a14="http://schemas.microsoft.com/office/drawing/2010/main" val="0"/>
-              </a:ext>
-            </a:extLst>
-          </a:blip>
-          <a:stretch>
-            <a:fillRect/>
-          </a:stretch>
-        </p:blipFill>
-        <p:spPr>
-          <a:xfrm>
             <a:off x="10284905" y="5787957"/>
             <a:ext cx="1697453" cy="892816"/>
           </a:xfrm>
@@ -8210,7 +8434,7 @@
     </p:spTree>
     <p:extLst>
       <p:ext uri="{BB962C8B-B14F-4D97-AF65-F5344CB8AC3E}">
-        <p14:creationId xmlns:p14="http://schemas.microsoft.com/office/powerpoint/2010/main" val="1770725856"/>
+        <p14:creationId xmlns:p14="http://schemas.microsoft.com/office/powerpoint/2010/main" val="1955621066"/>
       </p:ext>
     </p:extLst>
   </p:cSld>
@@ -8239,10 +8463,67 @@
       </p:grpSpPr>
       <p:sp>
         <p:nvSpPr>
+          <p:cNvPr id="4" name="ZoneTexte 3">
+            <a:extLst>
+              <a:ext uri="{FF2B5EF4-FFF2-40B4-BE49-F238E27FC236}">
+                <a16:creationId xmlns:a16="http://schemas.microsoft.com/office/drawing/2014/main" id="{534039F9-21E6-4F1A-BC29-7B3B6F1AA76F}"/>
+              </a:ext>
+            </a:extLst>
+          </p:cNvPr>
+          <p:cNvSpPr txBox="1"/>
+          <p:nvPr/>
+        </p:nvSpPr>
+        <p:spPr>
+          <a:xfrm>
+            <a:off x="785647" y="4040457"/>
+            <a:ext cx="5102448" cy="1477328"/>
+          </a:xfrm>
+          <a:prstGeom prst="rect">
+            <a:avLst/>
+          </a:prstGeom>
+          <a:noFill/>
+        </p:spPr>
+        <p:txBody>
+          <a:bodyPr wrap="square" rtlCol="0">
+            <a:spAutoFit/>
+          </a:bodyPr>
+          <a:lstStyle/>
+          <a:p>
+            <a:endParaRPr lang="fr-FR" dirty="0">
+              <a:latin typeface="Book Antiqua" panose="02040602050305030304" pitchFamily="18" charset="0"/>
+            </a:endParaRPr>
+          </a:p>
+          <a:p>
+            <a:endParaRPr lang="fr-FR" dirty="0">
+              <a:latin typeface="Book Antiqua" panose="02040602050305030304" pitchFamily="18" charset="0"/>
+            </a:endParaRPr>
+          </a:p>
+          <a:p>
+            <a:r>
+              <a:rPr lang="fr-FR" dirty="0">
+                <a:latin typeface="Book Antiqua" panose="02040602050305030304" pitchFamily="18" charset="0"/>
+              </a:rPr>
+              <a:t>Mise en place du diaporama</a:t>
+            </a:r>
+          </a:p>
+          <a:p>
+            <a:endParaRPr lang="fr-FR" dirty="0">
+              <a:latin typeface="Book Antiqua" panose="02040602050305030304" pitchFamily="18" charset="0"/>
+            </a:endParaRPr>
+          </a:p>
+          <a:p>
+            <a:endParaRPr lang="fr-FR" dirty="0">
+              <a:latin typeface="Book Antiqua" panose="02040602050305030304" pitchFamily="18" charset="0"/>
+            </a:endParaRPr>
+          </a:p>
+        </p:txBody>
+      </p:sp>
+      <p:sp>
+        <p:nvSpPr>
           <p:cNvPr id="10" name="Rectangle : coins arrondis 9">
             <a:extLst>
               <a:ext uri="{FF2B5EF4-FFF2-40B4-BE49-F238E27FC236}">
-                <a16:creationId xmlns:a16="http://schemas.microsoft.com/office/drawing/2014/main" id="{EF10D90F-3991-4A6E-9877-0E0611A16E35}"/>
+                <a16:creationId xmlns:a16="http://schemas.microsoft.com/office/drawing/2014/main" id="{93AA23F2-1377-4D6A-96FF-8EDF79963BD2}"/>
               </a:ext>
             </a:extLst>
           </p:cNvPr>
@@ -8251,8 +8532,8 @@
         </p:nvSpPr>
         <p:spPr>
           <a:xfrm>
-            <a:off x="227878" y="1398212"/>
-            <a:ext cx="6713796" cy="597988"/>
+            <a:off x="227878" y="1480892"/>
+            <a:ext cx="3610697" cy="597988"/>
           </a:xfrm>
           <a:prstGeom prst="roundRect">
             <a:avLst/>
@@ -8299,52 +8580,10 @@
       </p:sp>
       <p:sp>
         <p:nvSpPr>
-          <p:cNvPr id="11" name="ZoneTexte 10">
-            <a:extLst>
-              <a:ext uri="{FF2B5EF4-FFF2-40B4-BE49-F238E27FC236}">
-                <a16:creationId xmlns:a16="http://schemas.microsoft.com/office/drawing/2014/main" id="{CD8C034E-B7A2-4ECB-8772-E234F946086F}"/>
-              </a:ext>
-            </a:extLst>
-          </p:cNvPr>
-          <p:cNvSpPr txBox="1"/>
-          <p:nvPr/>
-        </p:nvSpPr>
-        <p:spPr>
-          <a:xfrm>
-            <a:off x="287078" y="1406852"/>
-            <a:ext cx="5715000" cy="830997"/>
-          </a:xfrm>
-          <a:prstGeom prst="rect">
-            <a:avLst/>
-          </a:prstGeom>
-          <a:noFill/>
-        </p:spPr>
-        <p:txBody>
-          <a:bodyPr wrap="square" rtlCol="0">
-            <a:spAutoFit/>
-          </a:bodyPr>
-          <a:lstStyle/>
-          <a:p>
-            <a:r>
-              <a:rPr lang="fr-FR" sz="2000" dirty="0">
-                <a:latin typeface="Book Antiqua" panose="02040602050305030304" pitchFamily="18" charset="0"/>
-              </a:rPr>
-              <a:t>Mise en place d'une base de donnée : </a:t>
-            </a:r>
-          </a:p>
-          <a:p>
-            <a:endParaRPr lang="fr-FR" sz="2800" dirty="0">
-              <a:latin typeface="Book Antiqua" panose="02040602050305030304" pitchFamily="18" charset="0"/>
-            </a:endParaRPr>
-          </a:p>
-        </p:txBody>
-      </p:sp>
-      <p:sp>
-        <p:nvSpPr>
           <p:cNvPr id="12" name="Rectangle : coins arrondis 11">
             <a:extLst>
               <a:ext uri="{FF2B5EF4-FFF2-40B4-BE49-F238E27FC236}">
-                <a16:creationId xmlns:a16="http://schemas.microsoft.com/office/drawing/2014/main" id="{B4A8CAC8-E170-41C2-B26E-09E2361EEF03}"/>
+                <a16:creationId xmlns:a16="http://schemas.microsoft.com/office/drawing/2014/main" id="{2FAD5DC3-847F-4DD0-A72D-E5A190B1130F}"/>
               </a:ext>
             </a:extLst>
           </p:cNvPr>
@@ -8353,7 +8592,7 @@
         </p:nvSpPr>
         <p:spPr>
           <a:xfrm>
-            <a:off x="227878" y="2958300"/>
+            <a:off x="4996529" y="1452161"/>
             <a:ext cx="6713796" cy="597988"/>
           </a:xfrm>
           <a:prstGeom prst="roundRect">
@@ -8404,7 +8643,7 @@
           <p:cNvPr id="13" name="ZoneTexte 12">
             <a:extLst>
               <a:ext uri="{FF2B5EF4-FFF2-40B4-BE49-F238E27FC236}">
-                <a16:creationId xmlns:a16="http://schemas.microsoft.com/office/drawing/2014/main" id="{F90FD864-7AEA-482F-BE0A-C85D5DD55867}"/>
+                <a16:creationId xmlns:a16="http://schemas.microsoft.com/office/drawing/2014/main" id="{BED65DF1-9FF0-49AC-8EAE-DB55472A5B80}"/>
               </a:ext>
             </a:extLst>
           </p:cNvPr>
@@ -8413,8 +8652,8 @@
         </p:nvSpPr>
         <p:spPr>
           <a:xfrm>
-            <a:off x="168678" y="2959328"/>
-            <a:ext cx="6832195" cy="677108"/>
+            <a:off x="287079" y="1500602"/>
+            <a:ext cx="3413328" cy="400110"/>
           </a:xfrm>
           <a:prstGeom prst="rect">
             <a:avLst/>
@@ -8431,22 +8670,82 @@
               <a:rPr lang="fr-FR" sz="2000" dirty="0">
                 <a:latin typeface="Book Antiqua" panose="02040602050305030304" pitchFamily="18" charset="0"/>
               </a:rPr>
-              <a:t>Mise en place de la structure du site internet :  </a:t>
-            </a:r>
-          </a:p>
-          <a:p>
-            <a:endParaRPr lang="fr-FR" dirty="0">
-              <a:latin typeface="Book Antiqua" panose="02040602050305030304" pitchFamily="18" charset="0"/>
-            </a:endParaRPr>
-          </a:p>
-        </p:txBody>
-      </p:sp>
-      <p:sp>
-        <p:nvSpPr>
-          <p:cNvPr id="5" name="Ellipse 4">
+              <a:t>Mise en place du PHP: </a:t>
+            </a:r>
+          </a:p>
+        </p:txBody>
+      </p:sp>
+      <p:sp>
+        <p:nvSpPr>
+          <p:cNvPr id="14" name="ZoneTexte 13">
             <a:extLst>
               <a:ext uri="{FF2B5EF4-FFF2-40B4-BE49-F238E27FC236}">
-                <a16:creationId xmlns:a16="http://schemas.microsoft.com/office/drawing/2014/main" id="{63331D3F-0205-4361-A429-CA35175779E6}"/>
+                <a16:creationId xmlns:a16="http://schemas.microsoft.com/office/drawing/2014/main" id="{2DA9836E-4C21-4398-87F7-955C6D0CCACF}"/>
+              </a:ext>
+            </a:extLst>
+          </p:cNvPr>
+          <p:cNvSpPr txBox="1"/>
+          <p:nvPr/>
+        </p:nvSpPr>
+        <p:spPr>
+          <a:xfrm>
+            <a:off x="309412" y="2580540"/>
+            <a:ext cx="3767271" cy="1077218"/>
+          </a:xfrm>
+          <a:prstGeom prst="rect">
+            <a:avLst/>
+          </a:prstGeom>
+          <a:noFill/>
+        </p:spPr>
+        <p:txBody>
+          <a:bodyPr wrap="square" rtlCol="0">
+            <a:spAutoFit/>
+          </a:bodyPr>
+          <a:lstStyle/>
+          <a:p>
+            <a:r>
+              <a:rPr lang="fr-FR" sz="1600" dirty="0">
+                <a:latin typeface="Book Antiqua" panose="02040602050305030304" pitchFamily="18" charset="0"/>
+              </a:rPr>
+              <a:t>Page de connexion </a:t>
+            </a:r>
+          </a:p>
+          <a:p>
+            <a:r>
+              <a:rPr lang="fr-FR" sz="1600" dirty="0">
+                <a:latin typeface="Book Antiqua" panose="02040602050305030304" pitchFamily="18" charset="0"/>
+              </a:rPr>
+              <a:t>(PHP utilisateur dans la base)</a:t>
+            </a:r>
+          </a:p>
+          <a:p>
+            <a:r>
+              <a:rPr lang="fr-FR" sz="1600" dirty="0">
+                <a:latin typeface="Book Antiqua" panose="02040602050305030304" pitchFamily="18" charset="0"/>
+              </a:rPr>
+              <a:t>Partie connexion PHP (créer une </a:t>
+            </a:r>
+            <a:r>
+              <a:rPr lang="fr-FR" sz="1600" dirty="0" err="1">
+                <a:latin typeface="Book Antiqua" panose="02040602050305030304" pitchFamily="18" charset="0"/>
+              </a:rPr>
+              <a:t>sesison</a:t>
+            </a:r>
+            <a:r>
+              <a:rPr lang="fr-FR" sz="1600" dirty="0">
+                <a:latin typeface="Book Antiqua" panose="02040602050305030304" pitchFamily="18" charset="0"/>
+              </a:rPr>
+              <a:t>)</a:t>
+            </a:r>
+          </a:p>
+        </p:txBody>
+      </p:sp>
+      <p:sp>
+        <p:nvSpPr>
+          <p:cNvPr id="15" name="Rectangle : coins arrondis 14">
+            <a:extLst>
+              <a:ext uri="{FF2B5EF4-FFF2-40B4-BE49-F238E27FC236}">
+                <a16:creationId xmlns:a16="http://schemas.microsoft.com/office/drawing/2014/main" id="{D0C67815-F03B-4FCB-AC5A-1183D6A259E0}"/>
               </a:ext>
             </a:extLst>
           </p:cNvPr>
@@ -8455,21 +8754,21 @@
         </p:nvSpPr>
         <p:spPr>
           <a:xfrm>
-            <a:off x="381000" y="6115665"/>
-            <a:ext cx="513735" cy="462116"/>
-          </a:xfrm>
-          <a:prstGeom prst="ellipse">
+            <a:off x="5149742" y="3120974"/>
+            <a:ext cx="6713796" cy="597988"/>
+          </a:xfrm>
+          <a:prstGeom prst="roundRect">
             <a:avLst/>
           </a:prstGeom>
           <a:solidFill>
-            <a:schemeClr val="bg1">
-              <a:lumMod val="65000"/>
+            <a:schemeClr val="bg2">
+              <a:lumMod val="90000"/>
             </a:schemeClr>
           </a:solidFill>
           <a:ln>
             <a:solidFill>
               <a:schemeClr val="bg1">
-                <a:lumMod val="65000"/>
+                <a:lumMod val="75000"/>
               </a:schemeClr>
             </a:solidFill>
           </a:ln>
@@ -8503,10 +8802,10 @@
       </p:sp>
       <p:sp>
         <p:nvSpPr>
-          <p:cNvPr id="6" name="ZoneTexte 5">
+          <p:cNvPr id="11" name="ZoneTexte 10">
             <a:extLst>
               <a:ext uri="{FF2B5EF4-FFF2-40B4-BE49-F238E27FC236}">
-                <a16:creationId xmlns:a16="http://schemas.microsoft.com/office/drawing/2014/main" id="{8107E87B-3E56-4CD5-BE3B-3212844B0879}"/>
+                <a16:creationId xmlns:a16="http://schemas.microsoft.com/office/drawing/2014/main" id="{F6B9F89C-058C-4460-B5E0-D16E1A58C242}"/>
               </a:ext>
             </a:extLst>
           </p:cNvPr>
@@ -8515,8 +8814,8 @@
         </p:nvSpPr>
         <p:spPr>
           <a:xfrm>
-            <a:off x="904567" y="6182173"/>
-            <a:ext cx="5191432" cy="369332"/>
+            <a:off x="5131927" y="3118047"/>
+            <a:ext cx="6832195" cy="677108"/>
           </a:xfrm>
           <a:prstGeom prst="rect">
             <a:avLst/>
@@ -8530,20 +8829,25 @@
           <a:lstStyle/>
           <a:p>
             <a:r>
-              <a:rPr lang="fr-FR" dirty="0">
+              <a:rPr lang="fr-FR" sz="2000" dirty="0">
                 <a:latin typeface="Book Antiqua" panose="02040602050305030304" pitchFamily="18" charset="0"/>
               </a:rPr>
-              <a:t>Mise en page des fichiers sur GITHUB</a:t>
-            </a:r>
-          </a:p>
-        </p:txBody>
-      </p:sp>
-      <p:sp>
-        <p:nvSpPr>
-          <p:cNvPr id="14" name="ZoneTexte 13">
+              <a:t>Mise en place de la structure du site internet :  </a:t>
+            </a:r>
+          </a:p>
+          <a:p>
+            <a:endParaRPr lang="fr-FR" dirty="0">
+              <a:latin typeface="Book Antiqua" panose="02040602050305030304" pitchFamily="18" charset="0"/>
+            </a:endParaRPr>
+          </a:p>
+        </p:txBody>
+      </p:sp>
+      <p:sp>
+        <p:nvSpPr>
+          <p:cNvPr id="17" name="ZoneTexte 16">
             <a:extLst>
               <a:ext uri="{FF2B5EF4-FFF2-40B4-BE49-F238E27FC236}">
-                <a16:creationId xmlns:a16="http://schemas.microsoft.com/office/drawing/2014/main" id="{A6BC288B-6DB6-475F-8449-1EC72B958D80}"/>
+                <a16:creationId xmlns:a16="http://schemas.microsoft.com/office/drawing/2014/main" id="{FFE0F939-6D43-4FF3-B5D8-A391BFEC3DB4}"/>
               </a:ext>
             </a:extLst>
           </p:cNvPr>
@@ -8552,8 +8856,8 @@
         </p:nvSpPr>
         <p:spPr>
           <a:xfrm>
-            <a:off x="168678" y="3580185"/>
-            <a:ext cx="10031361" cy="1631216"/>
+            <a:off x="5134696" y="1492408"/>
+            <a:ext cx="5715000" cy="800219"/>
           </a:xfrm>
           <a:prstGeom prst="rect">
             <a:avLst/>
@@ -8567,52 +8871,25 @@
           <a:lstStyle/>
           <a:p>
             <a:r>
-              <a:rPr lang="fr-FR" sz="2000" dirty="0">
+              <a:rPr lang="fr-FR" dirty="0">
                 <a:latin typeface="Book Antiqua" panose="02040602050305030304" pitchFamily="18" charset="0"/>
               </a:rPr>
-              <a:t>Synthétisé les CSS/HTML</a:t>
-            </a:r>
-          </a:p>
-          <a:p>
-            <a:r>
-              <a:rPr lang="fr-FR" sz="2000" dirty="0">
-                <a:latin typeface="Book Antiqua" panose="02040602050305030304" pitchFamily="18" charset="0"/>
-              </a:rPr>
-              <a:t>Finir les modèles de BOX</a:t>
-            </a:r>
-          </a:p>
-          <a:p>
-            <a:r>
-              <a:rPr lang="fr-FR" sz="2000" dirty="0">
-                <a:latin typeface="Book Antiqua" panose="02040602050305030304" pitchFamily="18" charset="0"/>
-              </a:rPr>
-              <a:t>Page compte a créer</a:t>
-            </a:r>
-          </a:p>
-          <a:p>
-            <a:r>
-              <a:rPr lang="fr-FR" sz="2000" dirty="0">
-                <a:latin typeface="Book Antiqua" panose="02040602050305030304" pitchFamily="18" charset="0"/>
-              </a:rPr>
-              <a:t>Mise en page et structure du site HTML/CSS terminée</a:t>
-            </a:r>
-          </a:p>
-          <a:p>
-            <a:r>
-              <a:rPr lang="fr-FR" sz="2000" dirty="0">
-                <a:latin typeface="Book Antiqua" panose="02040602050305030304" pitchFamily="18" charset="0"/>
-              </a:rPr>
-              <a:t>Fusion des différents CSS (Main.css : qui est le CSS général et des CSS spécifiques</a:t>
-            </a:r>
-          </a:p>
-        </p:txBody>
-      </p:sp>
-      <p:sp>
-        <p:nvSpPr>
-          <p:cNvPr id="15" name="ZoneTexte 14">
+              <a:t>Mise en place d'une base de donnée : </a:t>
+            </a:r>
+          </a:p>
+          <a:p>
+            <a:endParaRPr lang="fr-FR" sz="2800" dirty="0">
+              <a:latin typeface="Book Antiqua" panose="02040602050305030304" pitchFamily="18" charset="0"/>
+            </a:endParaRPr>
+          </a:p>
+        </p:txBody>
+      </p:sp>
+      <p:sp>
+        <p:nvSpPr>
+          <p:cNvPr id="18" name="ZoneTexte 17">
             <a:extLst>
               <a:ext uri="{FF2B5EF4-FFF2-40B4-BE49-F238E27FC236}">
-                <a16:creationId xmlns:a16="http://schemas.microsoft.com/office/drawing/2014/main" id="{29065034-299F-49C1-84F6-EA189ADE9B99}"/>
+                <a16:creationId xmlns:a16="http://schemas.microsoft.com/office/drawing/2014/main" id="{CBF18C57-1FC6-4DB5-BB6D-E5F37C562EF4}"/>
               </a:ext>
             </a:extLst>
           </p:cNvPr>
@@ -8621,8 +8898,8 @@
         </p:nvSpPr>
         <p:spPr>
           <a:xfrm>
-            <a:off x="227878" y="2067034"/>
-            <a:ext cx="5348747" cy="1015663"/>
+            <a:off x="5149742" y="2178545"/>
+            <a:ext cx="5684909" cy="923330"/>
           </a:xfrm>
           <a:prstGeom prst="rect">
             <a:avLst/>
@@ -8636,22 +8913,155 @@
           <a:lstStyle/>
           <a:p>
             <a:r>
-              <a:rPr lang="fr-FR" sz="2000" dirty="0">
+              <a:rPr lang="fr-FR" dirty="0" err="1">
                 <a:latin typeface="Book Antiqua" panose="02040602050305030304" pitchFamily="18" charset="0"/>
               </a:rPr>
-              <a:t>Remplir catégorie commande articles</a:t>
-            </a:r>
-          </a:p>
-          <a:p>
-            <a:r>
-              <a:rPr lang="fr-FR" sz="2000" dirty="0">
+              <a:t>Recupération</a:t>
+            </a:r>
+            <a:r>
+              <a:rPr lang="fr-FR" dirty="0">
                 <a:latin typeface="Book Antiqua" panose="02040602050305030304" pitchFamily="18" charset="0"/>
               </a:rPr>
-              <a:t>Finir page admin</a:t>
-            </a:r>
-          </a:p>
-          <a:p>
-            <a:endParaRPr lang="fr-FR" sz="2000" dirty="0">
+              <a:t> des données articles</a:t>
+            </a:r>
+          </a:p>
+          <a:p>
+            <a:r>
+              <a:rPr lang="fr-FR" sz="1600" dirty="0" err="1">
+                <a:latin typeface="Book Antiqua" panose="02040602050305030304" pitchFamily="18" charset="0"/>
+              </a:rPr>
+              <a:t>Requete</a:t>
+            </a:r>
+            <a:r>
+              <a:rPr lang="fr-FR" sz="1600" dirty="0">
+                <a:latin typeface="Book Antiqua" panose="02040602050305030304" pitchFamily="18" charset="0"/>
+              </a:rPr>
+              <a:t> SQL</a:t>
+            </a:r>
+          </a:p>
+          <a:p>
+            <a:r>
+              <a:rPr lang="fr-FR" dirty="0">
+                <a:latin typeface="Book Antiqua" panose="02040602050305030304" pitchFamily="18" charset="0"/>
+              </a:rPr>
+              <a:t>Base de données terminée</a:t>
+            </a:r>
+          </a:p>
+        </p:txBody>
+      </p:sp>
+      <p:sp>
+        <p:nvSpPr>
+          <p:cNvPr id="19" name="ZoneTexte 18">
+            <a:extLst>
+              <a:ext uri="{FF2B5EF4-FFF2-40B4-BE49-F238E27FC236}">
+                <a16:creationId xmlns:a16="http://schemas.microsoft.com/office/drawing/2014/main" id="{BB1264BE-4405-4F03-BD35-18DDFD083B88}"/>
+              </a:ext>
+            </a:extLst>
+          </p:cNvPr>
+          <p:cNvSpPr txBox="1"/>
+          <p:nvPr/>
+        </p:nvSpPr>
+        <p:spPr>
+          <a:xfrm>
+            <a:off x="5149742" y="3727156"/>
+            <a:ext cx="6181725" cy="2585323"/>
+          </a:xfrm>
+          <a:prstGeom prst="rect">
+            <a:avLst/>
+          </a:prstGeom>
+          <a:noFill/>
+        </p:spPr>
+        <p:txBody>
+          <a:bodyPr wrap="square" rtlCol="0">
+            <a:spAutoFit/>
+          </a:bodyPr>
+          <a:lstStyle/>
+          <a:p>
+            <a:r>
+              <a:rPr lang="fr-FR" sz="1600" dirty="0">
+                <a:latin typeface="Book Antiqua" panose="02040602050305030304" pitchFamily="18" charset="0"/>
+              </a:rPr>
+              <a:t>Bloque </a:t>
+            </a:r>
+            <a:r>
+              <a:rPr lang="fr-FR" sz="1600" dirty="0" err="1">
+                <a:latin typeface="Book Antiqua" panose="02040602050305030304" pitchFamily="18" charset="0"/>
+              </a:rPr>
+              <a:t>modele</a:t>
+            </a:r>
+            <a:r>
+              <a:rPr lang="fr-FR" sz="1600" dirty="0">
+                <a:latin typeface="Book Antiqua" panose="02040602050305030304" pitchFamily="18" charset="0"/>
+              </a:rPr>
+              <a:t> page figurine</a:t>
+            </a:r>
+          </a:p>
+          <a:p>
+            <a:r>
+              <a:rPr lang="fr-FR" sz="1600" dirty="0">
+                <a:latin typeface="Book Antiqua" panose="02040602050305030304" pitchFamily="18" charset="0"/>
+              </a:rPr>
+              <a:t>Nettoyage code</a:t>
+            </a:r>
+          </a:p>
+          <a:p>
+            <a:r>
+              <a:rPr lang="fr-FR" sz="1600" dirty="0">
+                <a:latin typeface="Book Antiqua" panose="02040602050305030304" pitchFamily="18" charset="0"/>
+              </a:rPr>
+              <a:t>Créer page d'inscription - reste a faire communiqué</a:t>
+            </a:r>
+          </a:p>
+          <a:p>
+            <a:r>
+              <a:rPr lang="fr-FR" sz="1600" dirty="0">
+                <a:latin typeface="Book Antiqua" panose="02040602050305030304" pitchFamily="18" charset="0"/>
+              </a:rPr>
+              <a:t>harmonisation du site</a:t>
+            </a:r>
+          </a:p>
+          <a:p>
+            <a:r>
+              <a:rPr lang="fr-FR" sz="1600" dirty="0">
+                <a:latin typeface="Book Antiqua" panose="02040602050305030304" pitchFamily="18" charset="0"/>
+              </a:rPr>
+              <a:t>Page de compte structure du site</a:t>
+            </a:r>
+          </a:p>
+          <a:p>
+            <a:r>
+              <a:rPr lang="fr-FR" sz="1600" dirty="0">
+                <a:latin typeface="Book Antiqua" panose="02040602050305030304" pitchFamily="18" charset="0"/>
+              </a:rPr>
+              <a:t>Page d'administrateur - à mettre en harmonisation</a:t>
+            </a:r>
+          </a:p>
+          <a:p>
+            <a:r>
+              <a:rPr lang="fr-FR" sz="1600" dirty="0">
+                <a:latin typeface="Book Antiqua" panose="02040602050305030304" pitchFamily="18" charset="0"/>
+              </a:rPr>
+              <a:t>Page CSS main.css en place </a:t>
+            </a:r>
+          </a:p>
+          <a:p>
+            <a:r>
+              <a:rPr lang="fr-FR" sz="1600" dirty="0">
+                <a:latin typeface="Book Antiqua" panose="02040602050305030304" pitchFamily="18" charset="0"/>
+              </a:rPr>
+              <a:t>Uniformisé tout les CSS du site</a:t>
+            </a:r>
+          </a:p>
+          <a:p>
+            <a:r>
+              <a:rPr lang="fr-FR" sz="1600" dirty="0">
+                <a:latin typeface="Book Antiqua" panose="02040602050305030304" pitchFamily="18" charset="0"/>
+              </a:rPr>
+              <a:t>Rectification de la page panier - a terminé</a:t>
+            </a:r>
+          </a:p>
+          <a:p>
+            <a:endParaRPr lang="fr-FR" dirty="0">
               <a:latin typeface="Book Antiqua" panose="02040602050305030304" pitchFamily="18" charset="0"/>
             </a:endParaRPr>
           </a:p>
@@ -8659,10 +9069,10 @@
       </p:sp>
       <p:sp>
         <p:nvSpPr>
-          <p:cNvPr id="16" name="Rectangle 15">
+          <p:cNvPr id="20" name="Ellipse 19">
             <a:extLst>
               <a:ext uri="{FF2B5EF4-FFF2-40B4-BE49-F238E27FC236}">
-                <a16:creationId xmlns:a16="http://schemas.microsoft.com/office/drawing/2014/main" id="{A4F8D916-1D5E-44D8-B6C6-4E4926BCAFDD}"/>
+                <a16:creationId xmlns:a16="http://schemas.microsoft.com/office/drawing/2014/main" id="{98286945-2EE3-4F5A-96EC-B0EA39A10022}"/>
               </a:ext>
             </a:extLst>
           </p:cNvPr>
@@ -8671,15 +9081,23 @@
         </p:nvSpPr>
         <p:spPr>
           <a:xfrm>
-            <a:off x="0" y="0"/>
-            <a:ext cx="2130641" cy="834501"/>
-          </a:xfrm>
-          <a:prstGeom prst="rect">
+            <a:off x="227878" y="4548063"/>
+            <a:ext cx="513735" cy="462116"/>
+          </a:xfrm>
+          <a:prstGeom prst="ellipse">
             <a:avLst/>
           </a:prstGeom>
-          <a:noFill/>
+          <a:solidFill>
+            <a:schemeClr val="bg1">
+              <a:lumMod val="65000"/>
+            </a:schemeClr>
+          </a:solidFill>
           <a:ln>
-            <a:noFill/>
+            <a:solidFill>
+              <a:schemeClr val="bg1">
+                <a:lumMod val="65000"/>
+              </a:schemeClr>
+            </a:solidFill>
           </a:ln>
         </p:spPr>
         <p:style>
@@ -8703,21 +9121,73 @@
           <a:lstStyle/>
           <a:p>
             <a:pPr algn="ctr"/>
+            <a:endParaRPr lang="fr-FR">
+              <a:latin typeface="Book Antiqua" panose="02040602050305030304" pitchFamily="18" charset="0"/>
+            </a:endParaRPr>
+          </a:p>
+        </p:txBody>
+      </p:sp>
+      <p:sp>
+        <p:nvSpPr>
+          <p:cNvPr id="16" name="Rectangle 15">
+            <a:extLst>
+              <a:ext uri="{FF2B5EF4-FFF2-40B4-BE49-F238E27FC236}">
+                <a16:creationId xmlns:a16="http://schemas.microsoft.com/office/drawing/2014/main" id="{AB75A7A7-C7DE-4792-BD71-805B6F6B2E72}"/>
+              </a:ext>
+            </a:extLst>
+          </p:cNvPr>
+          <p:cNvSpPr/>
+          <p:nvPr/>
+        </p:nvSpPr>
+        <p:spPr>
+          <a:xfrm>
+            <a:off x="0" y="0"/>
+            <a:ext cx="2130641" cy="834501"/>
+          </a:xfrm>
+          <a:prstGeom prst="rect">
+            <a:avLst/>
+          </a:prstGeom>
+          <a:noFill/>
+          <a:ln>
+            <a:noFill/>
+          </a:ln>
+        </p:spPr>
+        <p:style>
+          <a:lnRef idx="2">
+            <a:schemeClr val="accent1">
+              <a:shade val="50000"/>
+            </a:schemeClr>
+          </a:lnRef>
+          <a:fillRef idx="1">
+            <a:schemeClr val="accent1"/>
+          </a:fillRef>
+          <a:effectRef idx="0">
+            <a:schemeClr val="accent1"/>
+          </a:effectRef>
+          <a:fontRef idx="minor">
+            <a:schemeClr val="lt1"/>
+          </a:fontRef>
+        </p:style>
+        <p:txBody>
+          <a:bodyPr rtlCol="0" anchor="ctr"/>
+          <a:lstStyle/>
+          <a:p>
+            <a:pPr algn="ctr"/>
             <a:r>
               <a:rPr lang="fr-FR" sz="2400" dirty="0">
                 <a:latin typeface="Book Antiqua" panose="02040602050305030304" pitchFamily="18" charset="0"/>
               </a:rPr>
-              <a:t>Jour 3 :</a:t>
+              <a:t>Jour 4 :</a:t>
             </a:r>
           </a:p>
         </p:txBody>
       </p:sp>
       <p:pic>
         <p:nvPicPr>
-          <p:cNvPr id="18" name="Image 17">
+          <p:cNvPr id="21" name="Image 20">
             <a:extLst>
               <a:ext uri="{FF2B5EF4-FFF2-40B4-BE49-F238E27FC236}">
-                <a16:creationId xmlns:a16="http://schemas.microsoft.com/office/drawing/2014/main" id="{5936973D-9DBC-4A74-BA34-AD28244451CD}"/>
+                <a16:creationId xmlns:a16="http://schemas.microsoft.com/office/drawing/2014/main" id="{626214F1-102C-4C85-934F-7CE4B1B4C356}"/>
               </a:ext>
             </a:extLst>
           </p:cNvPr>
@@ -8751,7 +9221,7 @@
     </p:spTree>
     <p:extLst>
       <p:ext uri="{BB962C8B-B14F-4D97-AF65-F5344CB8AC3E}">
-        <p14:creationId xmlns:p14="http://schemas.microsoft.com/office/powerpoint/2010/main" val="1955621066"/>
+        <p14:creationId xmlns:p14="http://schemas.microsoft.com/office/powerpoint/2010/main" val="2923028296"/>
       </p:ext>
     </p:extLst>
   </p:cSld>
@@ -8780,67 +9250,10 @@
       </p:grpSpPr>
       <p:sp>
         <p:nvSpPr>
-          <p:cNvPr id="4" name="ZoneTexte 3">
+          <p:cNvPr id="12" name="Rectangle : coins arrondis 11">
             <a:extLst>
               <a:ext uri="{FF2B5EF4-FFF2-40B4-BE49-F238E27FC236}">
-                <a16:creationId xmlns:a16="http://schemas.microsoft.com/office/drawing/2014/main" id="{534039F9-21E6-4F1A-BC29-7B3B6F1AA76F}"/>
-              </a:ext>
-            </a:extLst>
-          </p:cNvPr>
-          <p:cNvSpPr txBox="1"/>
-          <p:nvPr/>
-        </p:nvSpPr>
-        <p:spPr>
-          <a:xfrm>
-            <a:off x="785647" y="4040457"/>
-            <a:ext cx="5102448" cy="1477328"/>
-          </a:xfrm>
-          <a:prstGeom prst="rect">
-            <a:avLst/>
-          </a:prstGeom>
-          <a:noFill/>
-        </p:spPr>
-        <p:txBody>
-          <a:bodyPr wrap="square" rtlCol="0">
-            <a:spAutoFit/>
-          </a:bodyPr>
-          <a:lstStyle/>
-          <a:p>
-            <a:endParaRPr lang="fr-FR" dirty="0">
-              <a:latin typeface="Book Antiqua" panose="02040602050305030304" pitchFamily="18" charset="0"/>
-            </a:endParaRPr>
-          </a:p>
-          <a:p>
-            <a:endParaRPr lang="fr-FR" dirty="0">
-              <a:latin typeface="Book Antiqua" panose="02040602050305030304" pitchFamily="18" charset="0"/>
-            </a:endParaRPr>
-          </a:p>
-          <a:p>
-            <a:r>
-              <a:rPr lang="fr-FR" dirty="0">
-                <a:latin typeface="Book Antiqua" panose="02040602050305030304" pitchFamily="18" charset="0"/>
-              </a:rPr>
-              <a:t>Mise en place du diaporama</a:t>
-            </a:r>
-          </a:p>
-          <a:p>
-            <a:endParaRPr lang="fr-FR" dirty="0">
-              <a:latin typeface="Book Antiqua" panose="02040602050305030304" pitchFamily="18" charset="0"/>
-            </a:endParaRPr>
-          </a:p>
-          <a:p>
-            <a:endParaRPr lang="fr-FR" dirty="0">
-              <a:latin typeface="Book Antiqua" panose="02040602050305030304" pitchFamily="18" charset="0"/>
-            </a:endParaRPr>
-          </a:p>
-        </p:txBody>
-      </p:sp>
-      <p:sp>
-        <p:nvSpPr>
-          <p:cNvPr id="10" name="Rectangle : coins arrondis 9">
-            <a:extLst>
-              <a:ext uri="{FF2B5EF4-FFF2-40B4-BE49-F238E27FC236}">
-                <a16:creationId xmlns:a16="http://schemas.microsoft.com/office/drawing/2014/main" id="{93AA23F2-1377-4D6A-96FF-8EDF79963BD2}"/>
+                <a16:creationId xmlns:a16="http://schemas.microsoft.com/office/drawing/2014/main" id="{3EA27282-E777-4E69-AB81-9175616CB228}"/>
               </a:ext>
             </a:extLst>
           </p:cNvPr>
@@ -8849,7 +9262,7 @@
         </p:nvSpPr>
         <p:spPr>
           <a:xfrm>
-            <a:off x="227878" y="1480892"/>
+            <a:off x="7974705" y="1657951"/>
             <a:ext cx="3610697" cy="597988"/>
           </a:xfrm>
           <a:prstGeom prst="roundRect">
@@ -8897,10 +9310,105 @@
       </p:sp>
       <p:sp>
         <p:nvSpPr>
-          <p:cNvPr id="12" name="Rectangle : coins arrondis 11">
+          <p:cNvPr id="11" name="ZoneTexte 10">
             <a:extLst>
               <a:ext uri="{FF2B5EF4-FFF2-40B4-BE49-F238E27FC236}">
-                <a16:creationId xmlns:a16="http://schemas.microsoft.com/office/drawing/2014/main" id="{2FAD5DC3-847F-4DD0-A72D-E5A190B1130F}"/>
+                <a16:creationId xmlns:a16="http://schemas.microsoft.com/office/drawing/2014/main" id="{403BF5EF-A333-41F4-AA39-FC43861C57E7}"/>
+              </a:ext>
+            </a:extLst>
+          </p:cNvPr>
+          <p:cNvSpPr txBox="1"/>
+          <p:nvPr/>
+        </p:nvSpPr>
+        <p:spPr>
+          <a:xfrm>
+            <a:off x="8055540" y="1695335"/>
+            <a:ext cx="3610697" cy="400110"/>
+          </a:xfrm>
+          <a:prstGeom prst="rect">
+            <a:avLst/>
+          </a:prstGeom>
+          <a:noFill/>
+        </p:spPr>
+        <p:txBody>
+          <a:bodyPr wrap="square" rtlCol="0">
+            <a:spAutoFit/>
+          </a:bodyPr>
+          <a:lstStyle/>
+          <a:p>
+            <a:r>
+              <a:rPr lang="fr-FR" sz="2000" dirty="0">
+                <a:latin typeface="Book Antiqua" panose="02040602050305030304" pitchFamily="18" charset="0"/>
+              </a:rPr>
+              <a:t>Mise en place du PHP: </a:t>
+            </a:r>
+          </a:p>
+        </p:txBody>
+      </p:sp>
+      <p:sp>
+        <p:nvSpPr>
+          <p:cNvPr id="5" name="ZoneTexte 4">
+            <a:extLst>
+              <a:ext uri="{FF2B5EF4-FFF2-40B4-BE49-F238E27FC236}">
+                <a16:creationId xmlns:a16="http://schemas.microsoft.com/office/drawing/2014/main" id="{3A7D69C5-518F-43BA-A111-33A390D23D81}"/>
+              </a:ext>
+            </a:extLst>
+          </p:cNvPr>
+          <p:cNvSpPr txBox="1"/>
+          <p:nvPr/>
+        </p:nvSpPr>
+        <p:spPr>
+          <a:xfrm>
+            <a:off x="8168695" y="2418490"/>
+            <a:ext cx="2526890" cy="1107996"/>
+          </a:xfrm>
+          <a:prstGeom prst="rect">
+            <a:avLst/>
+          </a:prstGeom>
+          <a:noFill/>
+        </p:spPr>
+        <p:txBody>
+          <a:bodyPr wrap="square" rtlCol="0">
+            <a:spAutoFit/>
+          </a:bodyPr>
+          <a:lstStyle/>
+          <a:p>
+            <a:r>
+              <a:rPr lang="fr-FR" sz="1600" dirty="0">
+                <a:latin typeface="Book Antiqua" panose="02040602050305030304" pitchFamily="18" charset="0"/>
+              </a:rPr>
+              <a:t>Connexion au page : </a:t>
+            </a:r>
+          </a:p>
+          <a:p>
+            <a:r>
+              <a:rPr lang="fr-FR" sz="1600" dirty="0">
+                <a:latin typeface="Book Antiqua" panose="02040602050305030304" pitchFamily="18" charset="0"/>
+              </a:rPr>
+              <a:t>- d'inscription</a:t>
+            </a:r>
+          </a:p>
+          <a:p>
+            <a:r>
+              <a:rPr lang="fr-FR" sz="1600" dirty="0">
+                <a:latin typeface="Book Antiqua" panose="02040602050305030304" pitchFamily="18" charset="0"/>
+              </a:rPr>
+              <a:t>- page gestion</a:t>
+            </a:r>
+          </a:p>
+          <a:p>
+            <a:endParaRPr lang="fr-FR" dirty="0">
+              <a:latin typeface="Book Antiqua" panose="02040602050305030304" pitchFamily="18" charset="0"/>
+            </a:endParaRPr>
+          </a:p>
+        </p:txBody>
+      </p:sp>
+      <p:sp>
+        <p:nvSpPr>
+          <p:cNvPr id="14" name="Rectangle : coins arrondis 13">
+            <a:extLst>
+              <a:ext uri="{FF2B5EF4-FFF2-40B4-BE49-F238E27FC236}">
+                <a16:creationId xmlns:a16="http://schemas.microsoft.com/office/drawing/2014/main" id="{9170A82E-578D-4E92-A94D-CC3E0A4B2817}"/>
               </a:ext>
             </a:extLst>
           </p:cNvPr>
@@ -8909,7 +9417,7 @@
         </p:nvSpPr>
         <p:spPr>
           <a:xfrm>
-            <a:off x="4996529" y="1452161"/>
+            <a:off x="104823" y="1669387"/>
             <a:ext cx="6713796" cy="597988"/>
           </a:xfrm>
           <a:prstGeom prst="roundRect">
@@ -8960,7 +9468,7 @@
           <p:cNvPr id="13" name="ZoneTexte 12">
             <a:extLst>
               <a:ext uri="{FF2B5EF4-FFF2-40B4-BE49-F238E27FC236}">
-                <a16:creationId xmlns:a16="http://schemas.microsoft.com/office/drawing/2014/main" id="{BED65DF1-9FF0-49AC-8EAE-DB55472A5B80}"/>
+                <a16:creationId xmlns:a16="http://schemas.microsoft.com/office/drawing/2014/main" id="{AFF7CEF6-BBA1-42AE-96E9-8D38E4DF964D}"/>
               </a:ext>
             </a:extLst>
           </p:cNvPr>
@@ -8969,8 +9477,8 @@
         </p:nvSpPr>
         <p:spPr>
           <a:xfrm>
-            <a:off x="287079" y="1500602"/>
-            <a:ext cx="3413328" cy="400110"/>
+            <a:off x="287079" y="1733711"/>
+            <a:ext cx="5893537" cy="677108"/>
           </a:xfrm>
           <a:prstGeom prst="rect">
             <a:avLst/>
@@ -8983,21 +9491,27 @@
           </a:bodyPr>
           <a:lstStyle/>
           <a:p>
+            <a:pPr algn="ctr"/>
             <a:r>
               <a:rPr lang="fr-FR" sz="2000" dirty="0">
                 <a:latin typeface="Book Antiqua" panose="02040602050305030304" pitchFamily="18" charset="0"/>
               </a:rPr>
-              <a:t>Mise en place du PHP: </a:t>
-            </a:r>
-          </a:p>
-        </p:txBody>
-      </p:sp>
-      <p:sp>
-        <p:nvSpPr>
-          <p:cNvPr id="14" name="ZoneTexte 13">
+              <a:t>Mise en place de la structure du site internet :  </a:t>
+            </a:r>
+          </a:p>
+          <a:p>
+            <a:endParaRPr lang="fr-FR" dirty="0">
+              <a:latin typeface="Book Antiqua" panose="02040602050305030304" pitchFamily="18" charset="0"/>
+            </a:endParaRPr>
+          </a:p>
+        </p:txBody>
+      </p:sp>
+      <p:sp>
+        <p:nvSpPr>
+          <p:cNvPr id="6" name="ZoneTexte 5">
             <a:extLst>
               <a:ext uri="{FF2B5EF4-FFF2-40B4-BE49-F238E27FC236}">
-                <a16:creationId xmlns:a16="http://schemas.microsoft.com/office/drawing/2014/main" id="{2DA9836E-4C21-4398-87F7-955C6D0CCACF}"/>
+                <a16:creationId xmlns:a16="http://schemas.microsoft.com/office/drawing/2014/main" id="{93229CD7-DE2B-451C-B43F-46EC8DE3F7DB}"/>
               </a:ext>
             </a:extLst>
           </p:cNvPr>
@@ -9006,8 +9520,8 @@
         </p:nvSpPr>
         <p:spPr>
           <a:xfrm>
-            <a:off x="309412" y="2580540"/>
-            <a:ext cx="3767271" cy="1077218"/>
+            <a:off x="146054" y="2362667"/>
+            <a:ext cx="6054721" cy="3785652"/>
           </a:xfrm>
           <a:prstGeom prst="rect">
             <a:avLst/>
@@ -9024,45 +9538,175 @@
               <a:rPr lang="fr-FR" sz="1600" dirty="0">
                 <a:latin typeface="Book Antiqua" panose="02040602050305030304" pitchFamily="18" charset="0"/>
               </a:rPr>
-              <a:t>Page de connexion </a:t>
-            </a:r>
-          </a:p>
-          <a:p>
+              <a:t>Modification de la </a:t>
+            </a:r>
+            <a:r>
+              <a:rPr lang="fr-FR" sz="1600" dirty="0" err="1">
+                <a:latin typeface="Book Antiqua" panose="02040602050305030304" pitchFamily="18" charset="0"/>
+              </a:rPr>
+              <a:t>Navbar</a:t>
+            </a:r>
             <a:r>
               <a:rPr lang="fr-FR" sz="1600" dirty="0">
                 <a:latin typeface="Book Antiqua" panose="02040602050305030304" pitchFamily="18" charset="0"/>
               </a:rPr>
-              <a:t>(PHP utilisateur dans la base)</a:t>
-            </a:r>
+              <a:t> (Ajout bouton : page de connexion) + fixée la </a:t>
+            </a:r>
+            <a:r>
+              <a:rPr lang="fr-FR" sz="1600" dirty="0" err="1">
+                <a:latin typeface="Book Antiqua" panose="02040602050305030304" pitchFamily="18" charset="0"/>
+              </a:rPr>
+              <a:t>navbar</a:t>
+            </a:r>
+            <a:endParaRPr lang="fr-FR" sz="1600" dirty="0">
+              <a:latin typeface="Book Antiqua" panose="02040602050305030304" pitchFamily="18" charset="0"/>
+            </a:endParaRPr>
           </a:p>
           <a:p>
             <a:r>
               <a:rPr lang="fr-FR" sz="1600" dirty="0">
                 <a:latin typeface="Book Antiqua" panose="02040602050305030304" pitchFamily="18" charset="0"/>
               </a:rPr>
-              <a:t>Partie connexion PHP (créer une </a:t>
+              <a:t>Page contact : </a:t>
+            </a:r>
+          </a:p>
+          <a:p>
+            <a:r>
+              <a:rPr lang="fr-FR" sz="1600" dirty="0">
+                <a:latin typeface="Book Antiqua" panose="02040602050305030304" pitchFamily="18" charset="0"/>
+              </a:rPr>
+              <a:t>Enlevé la bordure grise (optimiser à la forme du site)</a:t>
+            </a:r>
+          </a:p>
+          <a:p>
+            <a:r>
+              <a:rPr lang="fr-FR" sz="1600" dirty="0">
+                <a:latin typeface="Book Antiqua" panose="02040602050305030304" pitchFamily="18" charset="0"/>
+              </a:rPr>
+              <a:t>Adresse = panel panel-default (intégrer)</a:t>
+            </a:r>
+          </a:p>
+          <a:p>
+            <a:r>
+              <a:rPr lang="fr-FR" sz="1600" dirty="0">
+                <a:latin typeface="Book Antiqua" panose="02040602050305030304" pitchFamily="18" charset="0"/>
+              </a:rPr>
+              <a:t>Page figurine :</a:t>
+            </a:r>
+          </a:p>
+          <a:p>
+            <a:r>
+              <a:rPr lang="fr-FR" sz="1600" dirty="0">
+                <a:latin typeface="Book Antiqua" panose="02040602050305030304" pitchFamily="18" charset="0"/>
+              </a:rPr>
+              <a:t>Modification du modèle de figurine </a:t>
+            </a:r>
+          </a:p>
+          <a:p>
+            <a:r>
+              <a:rPr lang="fr-FR" sz="1600" dirty="0">
+                <a:latin typeface="Book Antiqua" panose="02040602050305030304" pitchFamily="18" charset="0"/>
+              </a:rPr>
+              <a:t>détourage des images (articles)</a:t>
+            </a:r>
+          </a:p>
+          <a:p>
+            <a:r>
+              <a:rPr lang="fr-FR" sz="1600" dirty="0">
+                <a:latin typeface="Book Antiqua" panose="02040602050305030304" pitchFamily="18" charset="0"/>
+              </a:rPr>
+              <a:t>Page accueil :</a:t>
+            </a:r>
+          </a:p>
+          <a:p>
+            <a:r>
+              <a:rPr lang="fr-FR" sz="1600" dirty="0">
+                <a:latin typeface="Book Antiqua" panose="02040602050305030304" pitchFamily="18" charset="0"/>
+              </a:rPr>
+              <a:t>suppression du </a:t>
             </a:r>
             <a:r>
               <a:rPr lang="fr-FR" sz="1600" dirty="0" err="1">
                 <a:latin typeface="Book Antiqua" panose="02040602050305030304" pitchFamily="18" charset="0"/>
               </a:rPr>
-              <a:t>sesison</a:t>
-            </a:r>
+              <a:t>carroussel</a:t>
+            </a:r>
+            <a:endParaRPr lang="fr-FR" sz="1600" dirty="0">
+              <a:latin typeface="Book Antiqua" panose="02040602050305030304" pitchFamily="18" charset="0"/>
+            </a:endParaRPr>
+          </a:p>
+          <a:p>
             <a:r>
               <a:rPr lang="fr-FR" sz="1600" dirty="0">
                 <a:latin typeface="Book Antiqua" panose="02040602050305030304" pitchFamily="18" charset="0"/>
               </a:rPr>
-              <a:t>)</a:t>
-            </a:r>
-          </a:p>
-        </p:txBody>
-      </p:sp>
-      <p:sp>
-        <p:nvSpPr>
-          <p:cNvPr id="15" name="Rectangle : coins arrondis 14">
+              <a:t>Remplacé </a:t>
+            </a:r>
+            <a:r>
+              <a:rPr lang="fr-FR" sz="1600" dirty="0" err="1">
+                <a:latin typeface="Book Antiqua" panose="02040602050305030304" pitchFamily="18" charset="0"/>
+              </a:rPr>
+              <a:t>deadpool</a:t>
+            </a:r>
+            <a:r>
+              <a:rPr lang="fr-FR" sz="1600" dirty="0">
+                <a:latin typeface="Book Antiqua" panose="02040602050305030304" pitchFamily="18" charset="0"/>
+              </a:rPr>
+              <a:t> par un </a:t>
+            </a:r>
+            <a:r>
+              <a:rPr lang="fr-FR" sz="1600" dirty="0" err="1">
+                <a:latin typeface="Book Antiqua" panose="02040602050305030304" pitchFamily="18" charset="0"/>
+              </a:rPr>
+              <a:t>caroussel</a:t>
+            </a:r>
+            <a:r>
+              <a:rPr lang="fr-FR" sz="1600" dirty="0">
+                <a:latin typeface="Book Antiqua" panose="02040602050305030304" pitchFamily="18" charset="0"/>
+              </a:rPr>
+              <a:t> </a:t>
+            </a:r>
+          </a:p>
+          <a:p>
+            <a:r>
+              <a:rPr lang="fr-FR" sz="1600" dirty="0">
+                <a:latin typeface="Book Antiqua" panose="02040602050305030304" pitchFamily="18" charset="0"/>
+              </a:rPr>
+              <a:t>Page panier :</a:t>
+            </a:r>
+          </a:p>
+          <a:p>
+            <a:r>
+              <a:rPr lang="fr-FR" sz="1600" dirty="0">
+                <a:latin typeface="Book Antiqua" panose="02040602050305030304" pitchFamily="18" charset="0"/>
+              </a:rPr>
+              <a:t>Rectification a terminée</a:t>
+            </a:r>
+          </a:p>
+          <a:p>
+            <a:r>
+              <a:rPr lang="fr-FR" sz="1600" dirty="0">
+                <a:latin typeface="Book Antiqua" panose="02040602050305030304" pitchFamily="18" charset="0"/>
+              </a:rPr>
+              <a:t>Page compte : </a:t>
+            </a:r>
+          </a:p>
+          <a:p>
+            <a:r>
+              <a:rPr lang="fr-FR" sz="1600" dirty="0">
+                <a:latin typeface="Book Antiqua" panose="02040602050305030304" pitchFamily="18" charset="0"/>
+              </a:rPr>
+              <a:t>Structure de page a réaliser concernant l'historique du panier </a:t>
+            </a:r>
+          </a:p>
+        </p:txBody>
+      </p:sp>
+      <p:sp>
+        <p:nvSpPr>
+          <p:cNvPr id="9" name="Rectangle 8">
             <a:extLst>
               <a:ext uri="{FF2B5EF4-FFF2-40B4-BE49-F238E27FC236}">
-                <a16:creationId xmlns:a16="http://schemas.microsoft.com/office/drawing/2014/main" id="{D0C67815-F03B-4FCB-AC5A-1183D6A259E0}"/>
+                <a16:creationId xmlns:a16="http://schemas.microsoft.com/office/drawing/2014/main" id="{89FEEBA6-AD1F-4F30-93D1-16D5D9385778}"/>
               </a:ext>
             </a:extLst>
           </p:cNvPr>
@@ -9071,23 +9715,15 @@
         </p:nvSpPr>
         <p:spPr>
           <a:xfrm>
-            <a:off x="5149742" y="3120974"/>
-            <a:ext cx="6713796" cy="597988"/>
-          </a:xfrm>
-          <a:prstGeom prst="roundRect">
+            <a:off x="0" y="0"/>
+            <a:ext cx="2130641" cy="834501"/>
+          </a:xfrm>
+          <a:prstGeom prst="rect">
             <a:avLst/>
           </a:prstGeom>
-          <a:solidFill>
-            <a:schemeClr val="bg2">
-              <a:lumMod val="90000"/>
-            </a:schemeClr>
-          </a:solidFill>
+          <a:noFill/>
           <a:ln>
-            <a:solidFill>
-              <a:schemeClr val="bg1">
-                <a:lumMod val="75000"/>
-              </a:schemeClr>
-            </a:solidFill>
+            <a:noFill/>
           </a:ln>
         </p:spPr>
         <p:style>
@@ -9111,400 +9747,21 @@
           <a:lstStyle/>
           <a:p>
             <a:pPr algn="ctr"/>
-            <a:endParaRPr lang="fr-FR">
-              <a:latin typeface="Book Antiqua" panose="02040602050305030304" pitchFamily="18" charset="0"/>
-            </a:endParaRPr>
-          </a:p>
-        </p:txBody>
-      </p:sp>
-      <p:sp>
-        <p:nvSpPr>
-          <p:cNvPr id="11" name="ZoneTexte 10">
+            <a:r>
+              <a:rPr lang="fr-FR" sz="2400" dirty="0">
+                <a:latin typeface="Book Antiqua" panose="02040602050305030304" pitchFamily="18" charset="0"/>
+              </a:rPr>
+              <a:t>Jour 5 :</a:t>
+            </a:r>
+          </a:p>
+        </p:txBody>
+      </p:sp>
+      <p:pic>
+        <p:nvPicPr>
+          <p:cNvPr id="10" name="Image 9">
             <a:extLst>
               <a:ext uri="{FF2B5EF4-FFF2-40B4-BE49-F238E27FC236}">
-                <a16:creationId xmlns:a16="http://schemas.microsoft.com/office/drawing/2014/main" id="{F6B9F89C-058C-4460-B5E0-D16E1A58C242}"/>
-              </a:ext>
-            </a:extLst>
-          </p:cNvPr>
-          <p:cNvSpPr txBox="1"/>
-          <p:nvPr/>
-        </p:nvSpPr>
-        <p:spPr>
-          <a:xfrm>
-            <a:off x="5131927" y="3118047"/>
-            <a:ext cx="6832195" cy="677108"/>
-          </a:xfrm>
-          <a:prstGeom prst="rect">
-            <a:avLst/>
-          </a:prstGeom>
-          <a:noFill/>
-        </p:spPr>
-        <p:txBody>
-          <a:bodyPr wrap="square" rtlCol="0">
-            <a:spAutoFit/>
-          </a:bodyPr>
-          <a:lstStyle/>
-          <a:p>
-            <a:r>
-              <a:rPr lang="fr-FR" sz="2000" dirty="0">
-                <a:latin typeface="Book Antiqua" panose="02040602050305030304" pitchFamily="18" charset="0"/>
-              </a:rPr>
-              <a:t>Mise en place de la structure du site internet :  </a:t>
-            </a:r>
-          </a:p>
-          <a:p>
-            <a:endParaRPr lang="fr-FR" dirty="0">
-              <a:latin typeface="Book Antiqua" panose="02040602050305030304" pitchFamily="18" charset="0"/>
-            </a:endParaRPr>
-          </a:p>
-        </p:txBody>
-      </p:sp>
-      <p:sp>
-        <p:nvSpPr>
-          <p:cNvPr id="17" name="ZoneTexte 16">
-            <a:extLst>
-              <a:ext uri="{FF2B5EF4-FFF2-40B4-BE49-F238E27FC236}">
-                <a16:creationId xmlns:a16="http://schemas.microsoft.com/office/drawing/2014/main" id="{FFE0F939-6D43-4FF3-B5D8-A391BFEC3DB4}"/>
-              </a:ext>
-            </a:extLst>
-          </p:cNvPr>
-          <p:cNvSpPr txBox="1"/>
-          <p:nvPr/>
-        </p:nvSpPr>
-        <p:spPr>
-          <a:xfrm>
-            <a:off x="5134696" y="1492408"/>
-            <a:ext cx="5715000" cy="800219"/>
-          </a:xfrm>
-          <a:prstGeom prst="rect">
-            <a:avLst/>
-          </a:prstGeom>
-          <a:noFill/>
-        </p:spPr>
-        <p:txBody>
-          <a:bodyPr wrap="square" rtlCol="0">
-            <a:spAutoFit/>
-          </a:bodyPr>
-          <a:lstStyle/>
-          <a:p>
-            <a:r>
-              <a:rPr lang="fr-FR" dirty="0">
-                <a:latin typeface="Book Antiqua" panose="02040602050305030304" pitchFamily="18" charset="0"/>
-              </a:rPr>
-              <a:t>Mise en place d'une base de donnée : </a:t>
-            </a:r>
-          </a:p>
-          <a:p>
-            <a:endParaRPr lang="fr-FR" sz="2800" dirty="0">
-              <a:latin typeface="Book Antiqua" panose="02040602050305030304" pitchFamily="18" charset="0"/>
-            </a:endParaRPr>
-          </a:p>
-        </p:txBody>
-      </p:sp>
-      <p:sp>
-        <p:nvSpPr>
-          <p:cNvPr id="18" name="ZoneTexte 17">
-            <a:extLst>
-              <a:ext uri="{FF2B5EF4-FFF2-40B4-BE49-F238E27FC236}">
-                <a16:creationId xmlns:a16="http://schemas.microsoft.com/office/drawing/2014/main" id="{CBF18C57-1FC6-4DB5-BB6D-E5F37C562EF4}"/>
-              </a:ext>
-            </a:extLst>
-          </p:cNvPr>
-          <p:cNvSpPr txBox="1"/>
-          <p:nvPr/>
-        </p:nvSpPr>
-        <p:spPr>
-          <a:xfrm>
-            <a:off x="5149742" y="2178545"/>
-            <a:ext cx="5684909" cy="923330"/>
-          </a:xfrm>
-          <a:prstGeom prst="rect">
-            <a:avLst/>
-          </a:prstGeom>
-          <a:noFill/>
-        </p:spPr>
-        <p:txBody>
-          <a:bodyPr wrap="square" rtlCol="0">
-            <a:spAutoFit/>
-          </a:bodyPr>
-          <a:lstStyle/>
-          <a:p>
-            <a:r>
-              <a:rPr lang="fr-FR" dirty="0" err="1">
-                <a:latin typeface="Book Antiqua" panose="02040602050305030304" pitchFamily="18" charset="0"/>
-              </a:rPr>
-              <a:t>Recupération</a:t>
-            </a:r>
-            <a:r>
-              <a:rPr lang="fr-FR" dirty="0">
-                <a:latin typeface="Book Antiqua" panose="02040602050305030304" pitchFamily="18" charset="0"/>
-              </a:rPr>
-              <a:t> des données articles</a:t>
-            </a:r>
-          </a:p>
-          <a:p>
-            <a:r>
-              <a:rPr lang="fr-FR" sz="1600" dirty="0" err="1">
-                <a:latin typeface="Book Antiqua" panose="02040602050305030304" pitchFamily="18" charset="0"/>
-              </a:rPr>
-              <a:t>Requete</a:t>
-            </a:r>
-            <a:r>
-              <a:rPr lang="fr-FR" sz="1600" dirty="0">
-                <a:latin typeface="Book Antiqua" panose="02040602050305030304" pitchFamily="18" charset="0"/>
-              </a:rPr>
-              <a:t> SQL</a:t>
-            </a:r>
-          </a:p>
-          <a:p>
-            <a:r>
-              <a:rPr lang="fr-FR" dirty="0">
-                <a:latin typeface="Book Antiqua" panose="02040602050305030304" pitchFamily="18" charset="0"/>
-              </a:rPr>
-              <a:t>Base de données terminée</a:t>
-            </a:r>
-          </a:p>
-        </p:txBody>
-      </p:sp>
-      <p:sp>
-        <p:nvSpPr>
-          <p:cNvPr id="19" name="ZoneTexte 18">
-            <a:extLst>
-              <a:ext uri="{FF2B5EF4-FFF2-40B4-BE49-F238E27FC236}">
-                <a16:creationId xmlns:a16="http://schemas.microsoft.com/office/drawing/2014/main" id="{BB1264BE-4405-4F03-BD35-18DDFD083B88}"/>
-              </a:ext>
-            </a:extLst>
-          </p:cNvPr>
-          <p:cNvSpPr txBox="1"/>
-          <p:nvPr/>
-        </p:nvSpPr>
-        <p:spPr>
-          <a:xfrm>
-            <a:off x="5149742" y="3727156"/>
-            <a:ext cx="6181725" cy="2585323"/>
-          </a:xfrm>
-          <a:prstGeom prst="rect">
-            <a:avLst/>
-          </a:prstGeom>
-          <a:noFill/>
-        </p:spPr>
-        <p:txBody>
-          <a:bodyPr wrap="square" rtlCol="0">
-            <a:spAutoFit/>
-          </a:bodyPr>
-          <a:lstStyle/>
-          <a:p>
-            <a:r>
-              <a:rPr lang="fr-FR" sz="1600" dirty="0">
-                <a:latin typeface="Book Antiqua" panose="02040602050305030304" pitchFamily="18" charset="0"/>
-              </a:rPr>
-              <a:t>Bloque </a:t>
-            </a:r>
-            <a:r>
-              <a:rPr lang="fr-FR" sz="1600" dirty="0" err="1">
-                <a:latin typeface="Book Antiqua" panose="02040602050305030304" pitchFamily="18" charset="0"/>
-              </a:rPr>
-              <a:t>modele</a:t>
-            </a:r>
-            <a:r>
-              <a:rPr lang="fr-FR" sz="1600" dirty="0">
-                <a:latin typeface="Book Antiqua" panose="02040602050305030304" pitchFamily="18" charset="0"/>
-              </a:rPr>
-              <a:t> page figurine</a:t>
-            </a:r>
-          </a:p>
-          <a:p>
-            <a:r>
-              <a:rPr lang="fr-FR" sz="1600" dirty="0">
-                <a:latin typeface="Book Antiqua" panose="02040602050305030304" pitchFamily="18" charset="0"/>
-              </a:rPr>
-              <a:t>Nettoyage code</a:t>
-            </a:r>
-          </a:p>
-          <a:p>
-            <a:r>
-              <a:rPr lang="fr-FR" sz="1600" dirty="0">
-                <a:latin typeface="Book Antiqua" panose="02040602050305030304" pitchFamily="18" charset="0"/>
-              </a:rPr>
-              <a:t>Créer page d'inscription - reste a faire communiqué</a:t>
-            </a:r>
-          </a:p>
-          <a:p>
-            <a:r>
-              <a:rPr lang="fr-FR" sz="1600" dirty="0">
-                <a:latin typeface="Book Antiqua" panose="02040602050305030304" pitchFamily="18" charset="0"/>
-              </a:rPr>
-              <a:t>harmonisation du site</a:t>
-            </a:r>
-          </a:p>
-          <a:p>
-            <a:r>
-              <a:rPr lang="fr-FR" sz="1600" dirty="0">
-                <a:latin typeface="Book Antiqua" panose="02040602050305030304" pitchFamily="18" charset="0"/>
-              </a:rPr>
-              <a:t>Page de compte structure du site</a:t>
-            </a:r>
-          </a:p>
-          <a:p>
-            <a:r>
-              <a:rPr lang="fr-FR" sz="1600" dirty="0">
-                <a:latin typeface="Book Antiqua" panose="02040602050305030304" pitchFamily="18" charset="0"/>
-              </a:rPr>
-              <a:t>Page d'administrateur - à mettre en harmonisation</a:t>
-            </a:r>
-          </a:p>
-          <a:p>
-            <a:r>
-              <a:rPr lang="fr-FR" sz="1600" dirty="0">
-                <a:latin typeface="Book Antiqua" panose="02040602050305030304" pitchFamily="18" charset="0"/>
-              </a:rPr>
-              <a:t>Page CSS main.css en place </a:t>
-            </a:r>
-          </a:p>
-          <a:p>
-            <a:r>
-              <a:rPr lang="fr-FR" sz="1600" dirty="0">
-                <a:latin typeface="Book Antiqua" panose="02040602050305030304" pitchFamily="18" charset="0"/>
-              </a:rPr>
-              <a:t>Uniformisé tout les CSS du site</a:t>
-            </a:r>
-          </a:p>
-          <a:p>
-            <a:r>
-              <a:rPr lang="fr-FR" sz="1600" dirty="0">
-                <a:latin typeface="Book Antiqua" panose="02040602050305030304" pitchFamily="18" charset="0"/>
-              </a:rPr>
-              <a:t>Rectification de la page panier - a terminé</a:t>
-            </a:r>
-          </a:p>
-          <a:p>
-            <a:endParaRPr lang="fr-FR" dirty="0">
-              <a:latin typeface="Book Antiqua" panose="02040602050305030304" pitchFamily="18" charset="0"/>
-            </a:endParaRPr>
-          </a:p>
-        </p:txBody>
-      </p:sp>
-      <p:sp>
-        <p:nvSpPr>
-          <p:cNvPr id="20" name="Ellipse 19">
-            <a:extLst>
-              <a:ext uri="{FF2B5EF4-FFF2-40B4-BE49-F238E27FC236}">
-                <a16:creationId xmlns:a16="http://schemas.microsoft.com/office/drawing/2014/main" id="{98286945-2EE3-4F5A-96EC-B0EA39A10022}"/>
-              </a:ext>
-            </a:extLst>
-          </p:cNvPr>
-          <p:cNvSpPr/>
-          <p:nvPr/>
-        </p:nvSpPr>
-        <p:spPr>
-          <a:xfrm>
-            <a:off x="227878" y="4548063"/>
-            <a:ext cx="513735" cy="462116"/>
-          </a:xfrm>
-          <a:prstGeom prst="ellipse">
-            <a:avLst/>
-          </a:prstGeom>
-          <a:solidFill>
-            <a:schemeClr val="bg1">
-              <a:lumMod val="65000"/>
-            </a:schemeClr>
-          </a:solidFill>
-          <a:ln>
-            <a:solidFill>
-              <a:schemeClr val="bg1">
-                <a:lumMod val="65000"/>
-              </a:schemeClr>
-            </a:solidFill>
-          </a:ln>
-        </p:spPr>
-        <p:style>
-          <a:lnRef idx="2">
-            <a:schemeClr val="accent1">
-              <a:shade val="50000"/>
-            </a:schemeClr>
-          </a:lnRef>
-          <a:fillRef idx="1">
-            <a:schemeClr val="accent1"/>
-          </a:fillRef>
-          <a:effectRef idx="0">
-            <a:schemeClr val="accent1"/>
-          </a:effectRef>
-          <a:fontRef idx="minor">
-            <a:schemeClr val="lt1"/>
-          </a:fontRef>
-        </p:style>
-        <p:txBody>
-          <a:bodyPr rtlCol="0" anchor="ctr"/>
-          <a:lstStyle/>
-          <a:p>
-            <a:pPr algn="ctr"/>
-            <a:endParaRPr lang="fr-FR">
-              <a:latin typeface="Book Antiqua" panose="02040602050305030304" pitchFamily="18" charset="0"/>
-            </a:endParaRPr>
-          </a:p>
-        </p:txBody>
-      </p:sp>
-      <p:sp>
-        <p:nvSpPr>
-          <p:cNvPr id="16" name="Rectangle 15">
-            <a:extLst>
-              <a:ext uri="{FF2B5EF4-FFF2-40B4-BE49-F238E27FC236}">
-                <a16:creationId xmlns:a16="http://schemas.microsoft.com/office/drawing/2014/main" id="{AB75A7A7-C7DE-4792-BD71-805B6F6B2E72}"/>
-              </a:ext>
-            </a:extLst>
-          </p:cNvPr>
-          <p:cNvSpPr/>
-          <p:nvPr/>
-        </p:nvSpPr>
-        <p:spPr>
-          <a:xfrm>
-            <a:off x="0" y="0"/>
-            <a:ext cx="2130641" cy="834501"/>
-          </a:xfrm>
-          <a:prstGeom prst="rect">
-            <a:avLst/>
-          </a:prstGeom>
-          <a:noFill/>
-          <a:ln>
-            <a:noFill/>
-          </a:ln>
-        </p:spPr>
-        <p:style>
-          <a:lnRef idx="2">
-            <a:schemeClr val="accent1">
-              <a:shade val="50000"/>
-            </a:schemeClr>
-          </a:lnRef>
-          <a:fillRef idx="1">
-            <a:schemeClr val="accent1"/>
-          </a:fillRef>
-          <a:effectRef idx="0">
-            <a:schemeClr val="accent1"/>
-          </a:effectRef>
-          <a:fontRef idx="minor">
-            <a:schemeClr val="lt1"/>
-          </a:fontRef>
-        </p:style>
-        <p:txBody>
-          <a:bodyPr rtlCol="0" anchor="ctr"/>
-          <a:lstStyle/>
-          <a:p>
-            <a:pPr algn="ctr"/>
-            <a:r>
-              <a:rPr lang="fr-FR" sz="2400" dirty="0">
-                <a:latin typeface="Book Antiqua" panose="02040602050305030304" pitchFamily="18" charset="0"/>
-              </a:rPr>
-              <a:t>Jour 4 :</a:t>
-            </a:r>
-          </a:p>
-        </p:txBody>
-      </p:sp>
-      <p:pic>
-        <p:nvPicPr>
-          <p:cNvPr id="21" name="Image 20">
-            <a:extLst>
-              <a:ext uri="{FF2B5EF4-FFF2-40B4-BE49-F238E27FC236}">
-                <a16:creationId xmlns:a16="http://schemas.microsoft.com/office/drawing/2014/main" id="{626214F1-102C-4C85-934F-7CE4B1B4C356}"/>
+                <a16:creationId xmlns:a16="http://schemas.microsoft.com/office/drawing/2014/main" id="{E98A0DBA-8CAC-4681-8255-2F8763C6CC34}"/>
               </a:ext>
             </a:extLst>
           </p:cNvPr>
@@ -9538,7 +9795,7 @@
     </p:spTree>
     <p:extLst>
       <p:ext uri="{BB962C8B-B14F-4D97-AF65-F5344CB8AC3E}">
-        <p14:creationId xmlns:p14="http://schemas.microsoft.com/office/powerpoint/2010/main" val="2923028296"/>
+        <p14:creationId xmlns:p14="http://schemas.microsoft.com/office/powerpoint/2010/main" val="384764369"/>
       </p:ext>
     </p:extLst>
   </p:cSld>
@@ -9567,10 +9824,10 @@
       </p:grpSpPr>
       <p:sp>
         <p:nvSpPr>
-          <p:cNvPr id="12" name="Rectangle : coins arrondis 11">
+          <p:cNvPr id="8" name="Rectangle : coins arrondis 7">
             <a:extLst>
               <a:ext uri="{FF2B5EF4-FFF2-40B4-BE49-F238E27FC236}">
-                <a16:creationId xmlns:a16="http://schemas.microsoft.com/office/drawing/2014/main" id="{3EA27282-E777-4E69-AB81-9175616CB228}"/>
+                <a16:creationId xmlns:a16="http://schemas.microsoft.com/office/drawing/2014/main" id="{BB5778CB-8881-48A2-98A2-FD4BCD7EF538}"/>
               </a:ext>
             </a:extLst>
           </p:cNvPr>
@@ -9579,7 +9836,7 @@
         </p:nvSpPr>
         <p:spPr>
           <a:xfrm>
-            <a:off x="7974705" y="1657951"/>
+            <a:off x="6911066" y="1304957"/>
             <a:ext cx="3610697" cy="597988"/>
           </a:xfrm>
           <a:prstGeom prst="roundRect">
@@ -9627,105 +9884,10 @@
       </p:sp>
       <p:sp>
         <p:nvSpPr>
-          <p:cNvPr id="11" name="ZoneTexte 10">
+          <p:cNvPr id="6" name="Rectangle : coins arrondis 5">
             <a:extLst>
               <a:ext uri="{FF2B5EF4-FFF2-40B4-BE49-F238E27FC236}">
-                <a16:creationId xmlns:a16="http://schemas.microsoft.com/office/drawing/2014/main" id="{403BF5EF-A333-41F4-AA39-FC43861C57E7}"/>
-              </a:ext>
-            </a:extLst>
-          </p:cNvPr>
-          <p:cNvSpPr txBox="1"/>
-          <p:nvPr/>
-        </p:nvSpPr>
-        <p:spPr>
-          <a:xfrm>
-            <a:off x="8055540" y="1695335"/>
-            <a:ext cx="3610697" cy="400110"/>
-          </a:xfrm>
-          <a:prstGeom prst="rect">
-            <a:avLst/>
-          </a:prstGeom>
-          <a:noFill/>
-        </p:spPr>
-        <p:txBody>
-          <a:bodyPr wrap="square" rtlCol="0">
-            <a:spAutoFit/>
-          </a:bodyPr>
-          <a:lstStyle/>
-          <a:p>
-            <a:r>
-              <a:rPr lang="fr-FR" sz="2000" dirty="0">
-                <a:latin typeface="Book Antiqua" panose="02040602050305030304" pitchFamily="18" charset="0"/>
-              </a:rPr>
-              <a:t>Mise en place du PHP: </a:t>
-            </a:r>
-          </a:p>
-        </p:txBody>
-      </p:sp>
-      <p:sp>
-        <p:nvSpPr>
-          <p:cNvPr id="5" name="ZoneTexte 4">
-            <a:extLst>
-              <a:ext uri="{FF2B5EF4-FFF2-40B4-BE49-F238E27FC236}">
-                <a16:creationId xmlns:a16="http://schemas.microsoft.com/office/drawing/2014/main" id="{3A7D69C5-518F-43BA-A111-33A390D23D81}"/>
-              </a:ext>
-            </a:extLst>
-          </p:cNvPr>
-          <p:cNvSpPr txBox="1"/>
-          <p:nvPr/>
-        </p:nvSpPr>
-        <p:spPr>
-          <a:xfrm>
-            <a:off x="8168695" y="2418490"/>
-            <a:ext cx="2526890" cy="1107996"/>
-          </a:xfrm>
-          <a:prstGeom prst="rect">
-            <a:avLst/>
-          </a:prstGeom>
-          <a:noFill/>
-        </p:spPr>
-        <p:txBody>
-          <a:bodyPr wrap="square" rtlCol="0">
-            <a:spAutoFit/>
-          </a:bodyPr>
-          <a:lstStyle/>
-          <a:p>
-            <a:r>
-              <a:rPr lang="fr-FR" sz="1600" dirty="0">
-                <a:latin typeface="Book Antiqua" panose="02040602050305030304" pitchFamily="18" charset="0"/>
-              </a:rPr>
-              <a:t>Connexion au page : </a:t>
-            </a:r>
-          </a:p>
-          <a:p>
-            <a:r>
-              <a:rPr lang="fr-FR" sz="1600" dirty="0">
-                <a:latin typeface="Book Antiqua" panose="02040602050305030304" pitchFamily="18" charset="0"/>
-              </a:rPr>
-              <a:t>- d'inscription</a:t>
-            </a:r>
-          </a:p>
-          <a:p>
-            <a:r>
-              <a:rPr lang="fr-FR" sz="1600" dirty="0">
-                <a:latin typeface="Book Antiqua" panose="02040602050305030304" pitchFamily="18" charset="0"/>
-              </a:rPr>
-              <a:t>- page gestion</a:t>
-            </a:r>
-          </a:p>
-          <a:p>
-            <a:endParaRPr lang="fr-FR" dirty="0">
-              <a:latin typeface="Book Antiqua" panose="02040602050305030304" pitchFamily="18" charset="0"/>
-            </a:endParaRPr>
-          </a:p>
-        </p:txBody>
-      </p:sp>
-      <p:sp>
-        <p:nvSpPr>
-          <p:cNvPr id="14" name="Rectangle : coins arrondis 13">
-            <a:extLst>
-              <a:ext uri="{FF2B5EF4-FFF2-40B4-BE49-F238E27FC236}">
-                <a16:creationId xmlns:a16="http://schemas.microsoft.com/office/drawing/2014/main" id="{9170A82E-578D-4E92-A94D-CC3E0A4B2817}"/>
+                <a16:creationId xmlns:a16="http://schemas.microsoft.com/office/drawing/2014/main" id="{828669A6-03A2-48DD-A489-FCF89414EC4D}"/>
               </a:ext>
             </a:extLst>
           </p:cNvPr>
@@ -9734,8 +9896,8 @@
         </p:nvSpPr>
         <p:spPr>
           <a:xfrm>
-            <a:off x="104823" y="1669387"/>
-            <a:ext cx="6713796" cy="597988"/>
+            <a:off x="202463" y="1265240"/>
+            <a:ext cx="5452613" cy="637705"/>
           </a:xfrm>
           <a:prstGeom prst="roundRect">
             <a:avLst/>
@@ -9782,244 +9944,6 @@
       </p:sp>
       <p:sp>
         <p:nvSpPr>
-          <p:cNvPr id="13" name="ZoneTexte 12">
-            <a:extLst>
-              <a:ext uri="{FF2B5EF4-FFF2-40B4-BE49-F238E27FC236}">
-                <a16:creationId xmlns:a16="http://schemas.microsoft.com/office/drawing/2014/main" id="{AFF7CEF6-BBA1-42AE-96E9-8D38E4DF964D}"/>
-              </a:ext>
-            </a:extLst>
-          </p:cNvPr>
-          <p:cNvSpPr txBox="1"/>
-          <p:nvPr/>
-        </p:nvSpPr>
-        <p:spPr>
-          <a:xfrm>
-            <a:off x="287079" y="1733711"/>
-            <a:ext cx="5893537" cy="677108"/>
-          </a:xfrm>
-          <a:prstGeom prst="rect">
-            <a:avLst/>
-          </a:prstGeom>
-          <a:noFill/>
-        </p:spPr>
-        <p:txBody>
-          <a:bodyPr wrap="square" rtlCol="0">
-            <a:spAutoFit/>
-          </a:bodyPr>
-          <a:lstStyle/>
-          <a:p>
-            <a:pPr algn="ctr"/>
-            <a:r>
-              <a:rPr lang="fr-FR" sz="2000" dirty="0">
-                <a:latin typeface="Book Antiqua" panose="02040602050305030304" pitchFamily="18" charset="0"/>
-              </a:rPr>
-              <a:t>Mise en place de la structure du site internet :  </a:t>
-            </a:r>
-          </a:p>
-          <a:p>
-            <a:endParaRPr lang="fr-FR" dirty="0">
-              <a:latin typeface="Book Antiqua" panose="02040602050305030304" pitchFamily="18" charset="0"/>
-            </a:endParaRPr>
-          </a:p>
-        </p:txBody>
-      </p:sp>
-      <p:sp>
-        <p:nvSpPr>
-          <p:cNvPr id="6" name="ZoneTexte 5">
-            <a:extLst>
-              <a:ext uri="{FF2B5EF4-FFF2-40B4-BE49-F238E27FC236}">
-                <a16:creationId xmlns:a16="http://schemas.microsoft.com/office/drawing/2014/main" id="{93229CD7-DE2B-451C-B43F-46EC8DE3F7DB}"/>
-              </a:ext>
-            </a:extLst>
-          </p:cNvPr>
-          <p:cNvSpPr txBox="1"/>
-          <p:nvPr/>
-        </p:nvSpPr>
-        <p:spPr>
-          <a:xfrm>
-            <a:off x="146054" y="2362667"/>
-            <a:ext cx="6054721" cy="3785652"/>
-          </a:xfrm>
-          <a:prstGeom prst="rect">
-            <a:avLst/>
-          </a:prstGeom>
-          <a:noFill/>
-        </p:spPr>
-        <p:txBody>
-          <a:bodyPr wrap="square" rtlCol="0">
-            <a:spAutoFit/>
-          </a:bodyPr>
-          <a:lstStyle/>
-          <a:p>
-            <a:r>
-              <a:rPr lang="fr-FR" sz="1600" dirty="0">
-                <a:latin typeface="Book Antiqua" panose="02040602050305030304" pitchFamily="18" charset="0"/>
-              </a:rPr>
-              <a:t>Modification de la </a:t>
-            </a:r>
-            <a:r>
-              <a:rPr lang="fr-FR" sz="1600" dirty="0" err="1">
-                <a:latin typeface="Book Antiqua" panose="02040602050305030304" pitchFamily="18" charset="0"/>
-              </a:rPr>
-              <a:t>Navbar</a:t>
-            </a:r>
-            <a:r>
-              <a:rPr lang="fr-FR" sz="1600" dirty="0">
-                <a:latin typeface="Book Antiqua" panose="02040602050305030304" pitchFamily="18" charset="0"/>
-              </a:rPr>
-              <a:t> (Ajout bouton : page de connexion) + fixée la </a:t>
-            </a:r>
-            <a:r>
-              <a:rPr lang="fr-FR" sz="1600" dirty="0" err="1">
-                <a:latin typeface="Book Antiqua" panose="02040602050305030304" pitchFamily="18" charset="0"/>
-              </a:rPr>
-              <a:t>navbar</a:t>
-            </a:r>
-            <a:endParaRPr lang="fr-FR" sz="1600" dirty="0">
-              <a:latin typeface="Book Antiqua" panose="02040602050305030304" pitchFamily="18" charset="0"/>
-            </a:endParaRPr>
-          </a:p>
-          <a:p>
-            <a:r>
-              <a:rPr lang="fr-FR" sz="1600" dirty="0">
-                <a:latin typeface="Book Antiqua" panose="02040602050305030304" pitchFamily="18" charset="0"/>
-              </a:rPr>
-              <a:t>Page contact : </a:t>
-            </a:r>
-          </a:p>
-          <a:p>
-            <a:r>
-              <a:rPr lang="fr-FR" sz="1600" dirty="0">
-                <a:latin typeface="Book Antiqua" panose="02040602050305030304" pitchFamily="18" charset="0"/>
-              </a:rPr>
-              <a:t>Enlevé la bordure grise (optimiser à la forme du site)</a:t>
-            </a:r>
-          </a:p>
-          <a:p>
-            <a:r>
-              <a:rPr lang="fr-FR" sz="1600" dirty="0">
-                <a:latin typeface="Book Antiqua" panose="02040602050305030304" pitchFamily="18" charset="0"/>
-              </a:rPr>
-              <a:t>Adresse = panel panel-default (intégrer)</a:t>
-            </a:r>
-          </a:p>
-          <a:p>
-            <a:r>
-              <a:rPr lang="fr-FR" sz="1600" dirty="0">
-                <a:latin typeface="Book Antiqua" panose="02040602050305030304" pitchFamily="18" charset="0"/>
-              </a:rPr>
-              <a:t>Page figurine :</a:t>
-            </a:r>
-          </a:p>
-          <a:p>
-            <a:r>
-              <a:rPr lang="fr-FR" sz="1600" dirty="0">
-                <a:latin typeface="Book Antiqua" panose="02040602050305030304" pitchFamily="18" charset="0"/>
-              </a:rPr>
-              <a:t>Modification du modèle de figurine </a:t>
-            </a:r>
-          </a:p>
-          <a:p>
-            <a:r>
-              <a:rPr lang="fr-FR" sz="1600" dirty="0">
-                <a:latin typeface="Book Antiqua" panose="02040602050305030304" pitchFamily="18" charset="0"/>
-              </a:rPr>
-              <a:t>détourage des images (articles)</a:t>
-            </a:r>
-          </a:p>
-          <a:p>
-            <a:r>
-              <a:rPr lang="fr-FR" sz="1600" dirty="0">
-                <a:latin typeface="Book Antiqua" panose="02040602050305030304" pitchFamily="18" charset="0"/>
-              </a:rPr>
-              <a:t>Page accueil :</a:t>
-            </a:r>
-          </a:p>
-          <a:p>
-            <a:r>
-              <a:rPr lang="fr-FR" sz="1600" dirty="0">
-                <a:latin typeface="Book Antiqua" panose="02040602050305030304" pitchFamily="18" charset="0"/>
-              </a:rPr>
-              <a:t>suppression du </a:t>
-            </a:r>
-            <a:r>
-              <a:rPr lang="fr-FR" sz="1600" dirty="0" err="1">
-                <a:latin typeface="Book Antiqua" panose="02040602050305030304" pitchFamily="18" charset="0"/>
-              </a:rPr>
-              <a:t>carroussel</a:t>
-            </a:r>
-            <a:endParaRPr lang="fr-FR" sz="1600" dirty="0">
-              <a:latin typeface="Book Antiqua" panose="02040602050305030304" pitchFamily="18" charset="0"/>
-            </a:endParaRPr>
-          </a:p>
-          <a:p>
-            <a:r>
-              <a:rPr lang="fr-FR" sz="1600" dirty="0">
-                <a:latin typeface="Book Antiqua" panose="02040602050305030304" pitchFamily="18" charset="0"/>
-              </a:rPr>
-              <a:t>Remplacé </a:t>
-            </a:r>
-            <a:r>
-              <a:rPr lang="fr-FR" sz="1600" dirty="0" err="1">
-                <a:latin typeface="Book Antiqua" panose="02040602050305030304" pitchFamily="18" charset="0"/>
-              </a:rPr>
-              <a:t>deadpool</a:t>
-            </a:r>
-            <a:r>
-              <a:rPr lang="fr-FR" sz="1600" dirty="0">
-                <a:latin typeface="Book Antiqua" panose="02040602050305030304" pitchFamily="18" charset="0"/>
-              </a:rPr>
-              <a:t> par un </a:t>
-            </a:r>
-            <a:r>
-              <a:rPr lang="fr-FR" sz="1600" dirty="0" err="1">
-                <a:latin typeface="Book Antiqua" panose="02040602050305030304" pitchFamily="18" charset="0"/>
-              </a:rPr>
-              <a:t>caroussel</a:t>
-            </a:r>
-            <a:r>
-              <a:rPr lang="fr-FR" sz="1600" dirty="0">
-                <a:latin typeface="Book Antiqua" panose="02040602050305030304" pitchFamily="18" charset="0"/>
-              </a:rPr>
-              <a:t> </a:t>
-            </a:r>
-          </a:p>
-          <a:p>
-            <a:r>
-              <a:rPr lang="fr-FR" sz="1600" dirty="0">
-                <a:latin typeface="Book Antiqua" panose="02040602050305030304" pitchFamily="18" charset="0"/>
-              </a:rPr>
-              <a:t>Page panier :</a:t>
-            </a:r>
-          </a:p>
-          <a:p>
-            <a:r>
-              <a:rPr lang="fr-FR" sz="1600" dirty="0">
-                <a:latin typeface="Book Antiqua" panose="02040602050305030304" pitchFamily="18" charset="0"/>
-              </a:rPr>
-              <a:t>Rectification a terminée</a:t>
-            </a:r>
-          </a:p>
-          <a:p>
-            <a:r>
-              <a:rPr lang="fr-FR" sz="1600" dirty="0">
-                <a:latin typeface="Book Antiqua" panose="02040602050305030304" pitchFamily="18" charset="0"/>
-              </a:rPr>
-              <a:t>Page compte : </a:t>
-            </a:r>
-          </a:p>
-          <a:p>
-            <a:r>
-              <a:rPr lang="fr-FR" sz="1600" dirty="0">
-                <a:latin typeface="Book Antiqua" panose="02040602050305030304" pitchFamily="18" charset="0"/>
-              </a:rPr>
-              <a:t>Structure de page a réaliser concernant l'historique du panier </a:t>
-            </a:r>
-          </a:p>
-        </p:txBody>
-      </p:sp>
-      <p:sp>
-        <p:nvSpPr>
           <p:cNvPr id="9" name="Rectangle 8">
             <a:extLst>
               <a:ext uri="{FF2B5EF4-FFF2-40B4-BE49-F238E27FC236}">
@@ -10065,10 +9989,8 @@
           <a:p>
             <a:pPr algn="ctr"/>
             <a:r>
-              <a:rPr lang="fr-FR" sz="2400" dirty="0">
-                <a:latin typeface="Book Antiqua" panose="02040602050305030304" pitchFamily="18" charset="0"/>
-              </a:rPr>
-              <a:t>Jour 5 :</a:t>
+              <a:rPr lang="fr-FR" sz="2400" dirty="0"/>
+              <a:t>Jour 6 :</a:t>
             </a:r>
           </a:p>
         </p:txBody>
@@ -10078,7 +10000,7 @@
           <p:cNvPr id="10" name="Image 9">
             <a:extLst>
               <a:ext uri="{FF2B5EF4-FFF2-40B4-BE49-F238E27FC236}">
-                <a16:creationId xmlns:a16="http://schemas.microsoft.com/office/drawing/2014/main" id="{E98A0DBA-8CAC-4681-8255-2F8763C6CC34}"/>
+                <a16:creationId xmlns:a16="http://schemas.microsoft.com/office/drawing/2014/main" id="{64D4A47D-622E-46DE-944B-F01378B4F7A1}"/>
               </a:ext>
             </a:extLst>
           </p:cNvPr>
@@ -10109,10 +10031,216 @@
           </a:prstGeom>
         </p:spPr>
       </p:pic>
+      <p:sp>
+        <p:nvSpPr>
+          <p:cNvPr id="2" name="ZoneTexte 1">
+            <a:extLst>
+              <a:ext uri="{FF2B5EF4-FFF2-40B4-BE49-F238E27FC236}">
+                <a16:creationId xmlns:a16="http://schemas.microsoft.com/office/drawing/2014/main" id="{CC622D82-E2DE-4F71-AFF6-22A067B24A99}"/>
+              </a:ext>
+            </a:extLst>
+          </p:cNvPr>
+          <p:cNvSpPr txBox="1"/>
+          <p:nvPr/>
+        </p:nvSpPr>
+        <p:spPr>
+          <a:xfrm>
+            <a:off x="202463" y="2032361"/>
+            <a:ext cx="5106384" cy="1754326"/>
+          </a:xfrm>
+          <a:prstGeom prst="rect">
+            <a:avLst/>
+          </a:prstGeom>
+          <a:noFill/>
+        </p:spPr>
+        <p:txBody>
+          <a:bodyPr wrap="square" rtlCol="0">
+            <a:spAutoFit/>
+          </a:bodyPr>
+          <a:lstStyle/>
+          <a:p>
+            <a:r>
+              <a:rPr lang="fr-FR" dirty="0"/>
+              <a:t>Ajout du compteur Panier.</a:t>
+            </a:r>
+          </a:p>
+          <a:p>
+            <a:r>
+              <a:rPr lang="fr-FR" dirty="0"/>
+              <a:t>Bouton Admin.</a:t>
+            </a:r>
+          </a:p>
+          <a:p>
+            <a:r>
+              <a:rPr lang="fr-FR" dirty="0"/>
+              <a:t>Page Index (finalisation, mise en page et remise au propre du code).</a:t>
+            </a:r>
+          </a:p>
+          <a:p>
+            <a:r>
+              <a:rPr lang="fr-FR" dirty="0"/>
+              <a:t>Reste à faire (récup données pour les updates).</a:t>
+            </a:r>
+          </a:p>
+        </p:txBody>
+      </p:sp>
+      <p:sp>
+        <p:nvSpPr>
+          <p:cNvPr id="5" name="ZoneTexte 4">
+            <a:extLst>
+              <a:ext uri="{FF2B5EF4-FFF2-40B4-BE49-F238E27FC236}">
+                <a16:creationId xmlns:a16="http://schemas.microsoft.com/office/drawing/2014/main" id="{8A4D9805-991E-4E15-A091-FA8186E6C7EB}"/>
+              </a:ext>
+            </a:extLst>
+          </p:cNvPr>
+          <p:cNvSpPr txBox="1"/>
+          <p:nvPr/>
+        </p:nvSpPr>
+        <p:spPr>
+          <a:xfrm>
+            <a:off x="202464" y="1355253"/>
+            <a:ext cx="5372714" cy="677108"/>
+          </a:xfrm>
+          <a:prstGeom prst="rect">
+            <a:avLst/>
+          </a:prstGeom>
+          <a:noFill/>
+        </p:spPr>
+        <p:txBody>
+          <a:bodyPr wrap="square" rtlCol="0">
+            <a:spAutoFit/>
+          </a:bodyPr>
+          <a:lstStyle/>
+          <a:p>
+            <a:pPr algn="ctr"/>
+            <a:r>
+              <a:rPr lang="fr-FR" sz="2000" dirty="0">
+                <a:latin typeface="Book Antiqua" panose="02040602050305030304" pitchFamily="18" charset="0"/>
+              </a:rPr>
+              <a:t>Mise en place de la structure du site internet :  </a:t>
+            </a:r>
+          </a:p>
+          <a:p>
+            <a:endParaRPr lang="fr-FR" dirty="0">
+              <a:latin typeface="Book Antiqua" panose="02040602050305030304" pitchFamily="18" charset="0"/>
+            </a:endParaRPr>
+          </a:p>
+        </p:txBody>
+      </p:sp>
+      <p:sp>
+        <p:nvSpPr>
+          <p:cNvPr id="7" name="ZoneTexte 6">
+            <a:extLst>
+              <a:ext uri="{FF2B5EF4-FFF2-40B4-BE49-F238E27FC236}">
+                <a16:creationId xmlns:a16="http://schemas.microsoft.com/office/drawing/2014/main" id="{6E5A53B1-AAFE-46CE-BECF-DCA34FDCAE09}"/>
+              </a:ext>
+            </a:extLst>
+          </p:cNvPr>
+          <p:cNvSpPr txBox="1"/>
+          <p:nvPr/>
+        </p:nvSpPr>
+        <p:spPr>
+          <a:xfrm>
+            <a:off x="7149527" y="1355253"/>
+            <a:ext cx="3610697" cy="400110"/>
+          </a:xfrm>
+          <a:prstGeom prst="rect">
+            <a:avLst/>
+          </a:prstGeom>
+          <a:noFill/>
+        </p:spPr>
+        <p:txBody>
+          <a:bodyPr wrap="square" rtlCol="0">
+            <a:spAutoFit/>
+          </a:bodyPr>
+          <a:lstStyle/>
+          <a:p>
+            <a:r>
+              <a:rPr lang="fr-FR" sz="2000" dirty="0">
+                <a:latin typeface="Book Antiqua" panose="02040602050305030304" pitchFamily="18" charset="0"/>
+              </a:rPr>
+              <a:t>Mise en place du PHP: </a:t>
+            </a:r>
+          </a:p>
+        </p:txBody>
+      </p:sp>
+      <p:sp>
+        <p:nvSpPr>
+          <p:cNvPr id="3" name="ZoneTexte 2">
+            <a:extLst>
+              <a:ext uri="{FF2B5EF4-FFF2-40B4-BE49-F238E27FC236}">
+                <a16:creationId xmlns:a16="http://schemas.microsoft.com/office/drawing/2014/main" id="{444AA9C9-0CA9-4D90-9166-CD5C3CB55CAF}"/>
+              </a:ext>
+            </a:extLst>
+          </p:cNvPr>
+          <p:cNvSpPr txBox="1"/>
+          <p:nvPr/>
+        </p:nvSpPr>
+        <p:spPr>
+          <a:xfrm>
+            <a:off x="6803787" y="2201999"/>
+            <a:ext cx="5185750" cy="2862322"/>
+          </a:xfrm>
+          <a:prstGeom prst="rect">
+            <a:avLst/>
+          </a:prstGeom>
+          <a:noFill/>
+        </p:spPr>
+        <p:txBody>
+          <a:bodyPr wrap="square" rtlCol="0">
+            <a:spAutoFit/>
+          </a:bodyPr>
+          <a:lstStyle/>
+          <a:p>
+            <a:r>
+              <a:rPr lang="fr-FR" dirty="0"/>
+              <a:t>Page admin (</a:t>
+            </a:r>
+            <a:r>
+              <a:rPr lang="fr-FR" dirty="0" err="1"/>
+              <a:t>php</a:t>
+            </a:r>
+            <a:r>
+              <a:rPr lang="fr-FR" dirty="0"/>
+              <a:t>)</a:t>
+            </a:r>
+          </a:p>
+          <a:p>
+            <a:r>
+              <a:rPr lang="fr-FR" dirty="0"/>
+              <a:t>Page Figurines : insertion des données, classification par catégories et Gestion du stock. (3h)</a:t>
+            </a:r>
+          </a:p>
+          <a:p>
+            <a:r>
+              <a:rPr lang="fr-FR" dirty="0"/>
+              <a:t>Mise en place de l’icone Admin(avec condition).15 min</a:t>
+            </a:r>
+          </a:p>
+          <a:p>
+            <a:r>
+              <a:rPr lang="fr-FR" dirty="0"/>
+              <a:t>Prépa de la poste hôte pour la présentation.</a:t>
+            </a:r>
+          </a:p>
+          <a:p>
+            <a:r>
+              <a:rPr lang="fr-FR" dirty="0"/>
+              <a:t>Maj diapo.</a:t>
+            </a:r>
+          </a:p>
+          <a:p>
+            <a:r>
+              <a:rPr lang="fr-FR" dirty="0"/>
+              <a:t>Page Contact( configuration SMTP + intégration PHP) 4h.</a:t>
+            </a:r>
+          </a:p>
+        </p:txBody>
+      </p:sp>
     </p:spTree>
     <p:extLst>
       <p:ext uri="{BB962C8B-B14F-4D97-AF65-F5344CB8AC3E}">
-        <p14:creationId xmlns:p14="http://schemas.microsoft.com/office/powerpoint/2010/main" val="384764369"/>
+        <p14:creationId xmlns:p14="http://schemas.microsoft.com/office/powerpoint/2010/main" val="1243809244"/>
       </p:ext>
     </p:extLst>
   </p:cSld>
@@ -10194,10 +10322,10 @@
       </p:sp>
       <p:pic>
         <p:nvPicPr>
-          <p:cNvPr id="10" name="Image 9">
+          <p:cNvPr id="3" name="Image 2">
             <a:extLst>
               <a:ext uri="{FF2B5EF4-FFF2-40B4-BE49-F238E27FC236}">
-                <a16:creationId xmlns:a16="http://schemas.microsoft.com/office/drawing/2014/main" id="{64D4A47D-622E-46DE-944B-F01378B4F7A1}"/>
+                <a16:creationId xmlns:a16="http://schemas.microsoft.com/office/drawing/2014/main" id="{77216B6A-653A-4547-AA29-D4453F8DE85A}"/>
               </a:ext>
             </a:extLst>
           </p:cNvPr>
@@ -10233,7 +10361,7 @@
           <p:cNvPr id="2" name="ZoneTexte 1">
             <a:extLst>
               <a:ext uri="{FF2B5EF4-FFF2-40B4-BE49-F238E27FC236}">
-                <a16:creationId xmlns:a16="http://schemas.microsoft.com/office/drawing/2014/main" id="{CC622D82-E2DE-4F71-AFF6-22A067B24A99}"/>
+                <a16:creationId xmlns:a16="http://schemas.microsoft.com/office/drawing/2014/main" id="{7425E4BA-84BE-4188-8C70-FEA615E8D9C1}"/>
               </a:ext>
             </a:extLst>
           </p:cNvPr>
@@ -10242,8 +10370,8 @@
         </p:nvSpPr>
         <p:spPr>
           <a:xfrm>
-            <a:off x="1020932" y="1722267"/>
-            <a:ext cx="7279689" cy="6186309"/>
+            <a:off x="3346882" y="2370338"/>
+            <a:ext cx="7989902" cy="369332"/>
           </a:xfrm>
           <a:prstGeom prst="rect">
             <a:avLst/>
@@ -10258,107 +10386,15 @@
           <a:p>
             <a:r>
               <a:rPr lang="fr-FR" dirty="0"/>
-              <a:t>Ajout du compteur Panier.</a:t>
-            </a:r>
-          </a:p>
-          <a:p>
-            <a:r>
-              <a:rPr lang="fr-FR" dirty="0"/>
-              <a:t>Bouton Admin.</a:t>
-            </a:r>
-          </a:p>
-          <a:p>
-            <a:r>
-              <a:rPr lang="fr-FR" dirty="0"/>
-              <a:t>Page admin (</a:t>
-            </a:r>
-            <a:r>
-              <a:rPr lang="fr-FR" dirty="0" err="1"/>
-              <a:t>php</a:t>
-            </a:r>
-            <a:r>
-              <a:rPr lang="fr-FR" dirty="0"/>
-              <a:t>)</a:t>
-            </a:r>
-          </a:p>
-          <a:p>
-            <a:r>
-              <a:rPr lang="fr-FR" dirty="0"/>
-              <a:t>Page Figurines : insertion des données, classification par catégories et Gestion du stock. (3h)</a:t>
-            </a:r>
-          </a:p>
-          <a:p>
-            <a:r>
-              <a:rPr lang="fr-FR" dirty="0"/>
-              <a:t>Mise en place de l’icone Admin(avec condition).15 min</a:t>
-            </a:r>
-          </a:p>
-          <a:p>
-            <a:r>
-              <a:rPr lang="fr-FR" dirty="0"/>
-              <a:t>Prépa de la poste hôte pour la présentation.</a:t>
-            </a:r>
-          </a:p>
-          <a:p>
-            <a:r>
-              <a:rPr lang="fr-FR" dirty="0"/>
-              <a:t>Maj diapo.</a:t>
-            </a:r>
-          </a:p>
-          <a:p>
-            <a:r>
-              <a:rPr lang="fr-FR" dirty="0"/>
-              <a:t>Page Contact( configuration SMTP + intégration PHP) 4h.</a:t>
-            </a:r>
-          </a:p>
-          <a:p>
-            <a:r>
-              <a:rPr lang="fr-FR" dirty="0"/>
-              <a:t>Page Index (finalisation, mise en page et remise au propre du code).</a:t>
-            </a:r>
-          </a:p>
-          <a:p>
-            <a:endParaRPr lang="fr-FR" dirty="0"/>
-          </a:p>
-          <a:p>
-            <a:endParaRPr lang="fr-FR" dirty="0"/>
-          </a:p>
-          <a:p>
-            <a:r>
-              <a:rPr lang="fr-FR" dirty="0"/>
-              <a:t>Reste à faire (récup données pour les updates).</a:t>
-            </a:r>
-          </a:p>
-          <a:p>
-            <a:endParaRPr lang="fr-FR" dirty="0"/>
-          </a:p>
-          <a:p>
-            <a:endParaRPr lang="fr-FR" dirty="0"/>
-          </a:p>
-          <a:p>
-            <a:endParaRPr lang="fr-FR" dirty="0"/>
-          </a:p>
-          <a:p>
-            <a:endParaRPr lang="fr-FR" dirty="0"/>
-          </a:p>
-          <a:p>
-            <a:endParaRPr lang="fr-FR" dirty="0"/>
-          </a:p>
-          <a:p>
-            <a:endParaRPr lang="fr-FR" dirty="0"/>
-          </a:p>
-          <a:p>
-            <a:endParaRPr lang="fr-FR" dirty="0"/>
-          </a:p>
-          <a:p>
-            <a:endParaRPr lang="fr-FR" dirty="0"/>
+              <a:t>TEST</a:t>
+            </a:r>
           </a:p>
         </p:txBody>
       </p:sp>
     </p:spTree>
     <p:extLst>
       <p:ext uri="{BB962C8B-B14F-4D97-AF65-F5344CB8AC3E}">
-        <p14:creationId xmlns:p14="http://schemas.microsoft.com/office/powerpoint/2010/main" val="1243809244"/>
+        <p14:creationId xmlns:p14="http://schemas.microsoft.com/office/powerpoint/2010/main" val="2071178621"/>
       </p:ext>
     </p:extLst>
   </p:cSld>
@@ -10443,7 +10479,7 @@
           <p:cNvPr id="3" name="Image 2">
             <a:extLst>
               <a:ext uri="{FF2B5EF4-FFF2-40B4-BE49-F238E27FC236}">
-                <a16:creationId xmlns:a16="http://schemas.microsoft.com/office/drawing/2014/main" id="{77216B6A-653A-4547-AA29-D4453F8DE85A}"/>
+                <a16:creationId xmlns:a16="http://schemas.microsoft.com/office/drawing/2014/main" id="{3D875A88-8C27-4599-A0C5-747E6F5323F6}"/>
               </a:ext>
             </a:extLst>
           </p:cNvPr>
@@ -10477,7 +10513,7 @@
     </p:spTree>
     <p:extLst>
       <p:ext uri="{BB962C8B-B14F-4D97-AF65-F5344CB8AC3E}">
-        <p14:creationId xmlns:p14="http://schemas.microsoft.com/office/powerpoint/2010/main" val="2071178621"/>
+        <p14:creationId xmlns:p14="http://schemas.microsoft.com/office/powerpoint/2010/main" val="3703258666"/>
       </p:ext>
     </p:extLst>
   </p:cSld>
@@ -10506,10 +10542,10 @@
       </p:grpSpPr>
       <p:sp>
         <p:nvSpPr>
-          <p:cNvPr id="10" name="ZoneTexte 9">
+          <p:cNvPr id="5" name="ZoneTexte 4">
             <a:extLst>
               <a:ext uri="{FF2B5EF4-FFF2-40B4-BE49-F238E27FC236}">
-                <a16:creationId xmlns:a16="http://schemas.microsoft.com/office/drawing/2014/main" id="{B1555614-269C-4439-9BA9-4B06F7CF5E5D}"/>
+                <a16:creationId xmlns:a16="http://schemas.microsoft.com/office/drawing/2014/main" id="{191871D8-B09C-40AF-888F-DD51790EEB85}"/>
               </a:ext>
             </a:extLst>
           </p:cNvPr>
@@ -10518,8 +10554,8 @@
         </p:nvSpPr>
         <p:spPr>
           <a:xfrm>
-            <a:off x="16047" y="2194127"/>
-            <a:ext cx="11850145" cy="923330"/>
+            <a:off x="2595464" y="1600200"/>
+            <a:ext cx="7212406" cy="3046988"/>
           </a:xfrm>
           <a:prstGeom prst="rect">
             <a:avLst/>
@@ -10534,103 +10570,118 @@
           <a:p>
             <a:pPr algn="ctr"/>
             <a:r>
-              <a:rPr lang="fr-FR" sz="5400" b="1" dirty="0">
+              <a:rPr lang="fr-FR" sz="3200" b="1" dirty="0">
                 <a:latin typeface="Book Antiqua" panose="02040602050305030304" pitchFamily="18" charset="0"/>
-                <a:cs typeface="Calibri" panose="020F0502020204030204" pitchFamily="34" charset="0"/>
-              </a:rPr>
-              <a:t>Présentation Projet Fil Rouge</a:t>
-            </a:r>
-          </a:p>
-        </p:txBody>
-      </p:sp>
-      <p:sp>
-        <p:nvSpPr>
-          <p:cNvPr id="3" name="ZoneTexte 2">
+              </a:rPr>
+              <a:t>Camille AUBRY</a:t>
+            </a:r>
+          </a:p>
+          <a:p>
+            <a:pPr algn="ctr"/>
+            <a:r>
+              <a:rPr lang="fr-FR" sz="3200" b="1" dirty="0">
+                <a:latin typeface="Book Antiqua" panose="02040602050305030304" pitchFamily="18" charset="0"/>
+              </a:rPr>
+              <a:t>Dylan CHAMPEME </a:t>
+            </a:r>
+          </a:p>
+          <a:p>
+            <a:pPr algn="ctr"/>
+            <a:r>
+              <a:rPr lang="fr-FR" sz="3200" b="1" dirty="0">
+                <a:latin typeface="Book Antiqua" panose="02040602050305030304" pitchFamily="18" charset="0"/>
+              </a:rPr>
+              <a:t>Mathias GARCIA </a:t>
+            </a:r>
+          </a:p>
+          <a:p>
+            <a:pPr algn="ctr"/>
+            <a:r>
+              <a:rPr lang="fr-FR" sz="3200" b="1" dirty="0">
+                <a:latin typeface="Book Antiqua" panose="02040602050305030304" pitchFamily="18" charset="0"/>
+              </a:rPr>
+              <a:t>Anis LARABA </a:t>
+            </a:r>
+          </a:p>
+          <a:p>
+            <a:pPr algn="ctr"/>
+            <a:r>
+              <a:rPr lang="fr-FR" sz="3200" b="1" dirty="0">
+                <a:latin typeface="Book Antiqua" panose="02040602050305030304" pitchFamily="18" charset="0"/>
+              </a:rPr>
+              <a:t>Ken LE BOT </a:t>
+            </a:r>
+          </a:p>
+          <a:p>
+            <a:pPr algn="ctr"/>
+            <a:r>
+              <a:rPr lang="fr-FR" sz="3200" b="1" dirty="0">
+                <a:latin typeface="Book Antiqua" panose="02040602050305030304" pitchFamily="18" charset="0"/>
+              </a:rPr>
+              <a:t>Jean Christophe SIMON </a:t>
+            </a:r>
+          </a:p>
+        </p:txBody>
+      </p:sp>
+      <p:sp>
+        <p:nvSpPr>
+          <p:cNvPr id="4" name="Rectangle 3">
             <a:extLst>
               <a:ext uri="{FF2B5EF4-FFF2-40B4-BE49-F238E27FC236}">
-                <a16:creationId xmlns:a16="http://schemas.microsoft.com/office/drawing/2014/main" id="{4D1AF6A5-8ACD-4B00-8DF8-871E9E3E0E61}"/>
+                <a16:creationId xmlns:a16="http://schemas.microsoft.com/office/drawing/2014/main" id="{E6E078FE-82AC-4B4B-934E-F64E06EDDCB3}"/>
               </a:ext>
             </a:extLst>
           </p:cNvPr>
-          <p:cNvSpPr txBox="1"/>
+          <p:cNvSpPr/>
           <p:nvPr/>
         </p:nvSpPr>
         <p:spPr>
           <a:xfrm>
-            <a:off x="3162691" y="3429000"/>
-            <a:ext cx="5866618" cy="461665"/>
+            <a:off x="0" y="0"/>
+            <a:ext cx="2130641" cy="834501"/>
           </a:xfrm>
           <a:prstGeom prst="rect">
             <a:avLst/>
           </a:prstGeom>
           <a:noFill/>
-        </p:spPr>
-        <p:txBody>
-          <a:bodyPr wrap="square" rtlCol="0">
-            <a:spAutoFit/>
-          </a:bodyPr>
-          <a:lstStyle/>
-          <a:p>
-            <a:r>
-              <a:rPr lang="fr-FR" sz="2400" b="1" dirty="0">
-                <a:solidFill>
-                  <a:schemeClr val="tx1">
-                    <a:lumMod val="85000"/>
-                  </a:schemeClr>
-                </a:solidFill>
-                <a:effectLst>
-                  <a:outerShdw blurRad="38100" dist="38100" dir="2700000" algn="tl">
-                    <a:srgbClr val="000000">
-                      <a:alpha val="43137"/>
-                    </a:srgbClr>
-                  </a:outerShdw>
-                </a:effectLst>
-                <a:latin typeface="Book Antiqua" panose="02040602050305030304" pitchFamily="18" charset="0"/>
-              </a:rPr>
-              <a:t>Site  Internet : Boutique en ligne </a:t>
-            </a:r>
-            <a:r>
-              <a:rPr lang="fr-FR" sz="2400" b="1" dirty="0" err="1">
-                <a:solidFill>
-                  <a:schemeClr val="tx1">
-                    <a:lumMod val="85000"/>
-                  </a:schemeClr>
-                </a:solidFill>
-                <a:effectLst>
-                  <a:outerShdw blurRad="38100" dist="38100" dir="2700000" algn="tl">
-                    <a:srgbClr val="000000">
-                      <a:alpha val="43137"/>
-                    </a:srgbClr>
-                  </a:outerShdw>
-                </a:effectLst>
-                <a:latin typeface="Book Antiqua" panose="02040602050305030304" pitchFamily="18" charset="0"/>
-              </a:rPr>
-              <a:t>U’Pop</a:t>
-            </a:r>
-            <a:endParaRPr lang="fr-FR" sz="2400" b="1" dirty="0">
-              <a:solidFill>
-                <a:schemeClr val="tx1">
-                  <a:lumMod val="85000"/>
-                </a:schemeClr>
-              </a:solidFill>
-              <a:effectLst>
-                <a:outerShdw blurRad="38100" dist="38100" dir="2700000" algn="tl">
-                  <a:srgbClr val="000000">
-                    <a:alpha val="43137"/>
-                  </a:srgbClr>
-                </a:outerShdw>
-              </a:effectLst>
-              <a:latin typeface="Book Antiqua" panose="02040602050305030304" pitchFamily="18" charset="0"/>
-            </a:endParaRPr>
+          <a:ln>
+            <a:noFill/>
+          </a:ln>
+        </p:spPr>
+        <p:style>
+          <a:lnRef idx="2">
+            <a:schemeClr val="accent1">
+              <a:shade val="50000"/>
+            </a:schemeClr>
+          </a:lnRef>
+          <a:fillRef idx="1">
+            <a:schemeClr val="accent1"/>
+          </a:fillRef>
+          <a:effectRef idx="0">
+            <a:schemeClr val="accent1"/>
+          </a:effectRef>
+          <a:fontRef idx="minor">
+            <a:schemeClr val="lt1"/>
+          </a:fontRef>
+        </p:style>
+        <p:txBody>
+          <a:bodyPr rtlCol="0" anchor="ctr"/>
+          <a:lstStyle/>
+          <a:p>
+            <a:pPr algn="ctr"/>
+            <a:r>
+              <a:rPr lang="fr-FR" sz="2400" dirty="0"/>
+              <a:t>Equipe :</a:t>
+            </a:r>
           </a:p>
         </p:txBody>
       </p:sp>
       <p:pic>
         <p:nvPicPr>
-          <p:cNvPr id="6" name="Image 5">
+          <p:cNvPr id="7" name="Image 6">
             <a:extLst>
               <a:ext uri="{FF2B5EF4-FFF2-40B4-BE49-F238E27FC236}">
-                <a16:creationId xmlns:a16="http://schemas.microsoft.com/office/drawing/2014/main" id="{A40D7B04-F15F-4A23-925B-1E290657620C}"/>
+                <a16:creationId xmlns:a16="http://schemas.microsoft.com/office/drawing/2014/main" id="{C5ACE061-A8F6-40BF-BCCA-7FB5244CCFAB}"/>
               </a:ext>
             </a:extLst>
           </p:cNvPr>
@@ -10664,7 +10715,7 @@
     </p:spTree>
     <p:extLst>
       <p:ext uri="{BB962C8B-B14F-4D97-AF65-F5344CB8AC3E}">
-        <p14:creationId xmlns:p14="http://schemas.microsoft.com/office/powerpoint/2010/main" val="286658702"/>
+        <p14:creationId xmlns:p14="http://schemas.microsoft.com/office/powerpoint/2010/main" val="564097288"/>
       </p:ext>
     </p:extLst>
   </p:cSld>
@@ -10674,7 +10725,7 @@
 </p:sld>
 </file>
 
-<file path=ppt/slides/slide20.xml><?xml version="1.0" encoding="utf-8"?>
+<file path=ppt/slides/slide3.xml><?xml version="1.0" encoding="utf-8"?>
 <p:sld xmlns:a="http://schemas.openxmlformats.org/drawingml/2006/main" xmlns:r="http://schemas.openxmlformats.org/officeDocument/2006/relationships" xmlns:p="http://schemas.openxmlformats.org/presentationml/2006/main">
   <p:cSld>
     <p:spTree>
@@ -10706,7 +10757,7 @@
         <p:spPr>
           <a:xfrm>
             <a:off x="0" y="0"/>
-            <a:ext cx="2130641" cy="834501"/>
+            <a:ext cx="3728621" cy="834501"/>
           </a:xfrm>
           <a:prstGeom prst="rect">
             <a:avLst/>
@@ -10739,7 +10790,7 @@
             <a:pPr algn="ctr"/>
             <a:r>
               <a:rPr lang="fr-FR" sz="2400" dirty="0"/>
-              <a:t>Jour 6 :</a:t>
+              <a:t>Cahier des charges:</a:t>
             </a:r>
           </a:p>
         </p:txBody>
@@ -10780,291 +10831,12 @@
           </a:prstGeom>
         </p:spPr>
       </p:pic>
-    </p:spTree>
-    <p:extLst>
-      <p:ext uri="{BB962C8B-B14F-4D97-AF65-F5344CB8AC3E}">
-        <p14:creationId xmlns:p14="http://schemas.microsoft.com/office/powerpoint/2010/main" val="3703258666"/>
-      </p:ext>
-    </p:extLst>
-  </p:cSld>
-  <p:clrMapOvr>
-    <a:masterClrMapping/>
-  </p:clrMapOvr>
-</p:sld>
-</file>
-
-<file path=ppt/slides/slide21.xml><?xml version="1.0" encoding="utf-8"?>
-<p:sld xmlns:a="http://schemas.openxmlformats.org/drawingml/2006/main" xmlns:r="http://schemas.openxmlformats.org/officeDocument/2006/relationships" xmlns:p="http://schemas.openxmlformats.org/presentationml/2006/main">
-  <p:cSld>
-    <p:spTree>
-      <p:nvGrpSpPr>
-        <p:cNvPr id="1" name=""/>
-        <p:cNvGrpSpPr/>
-        <p:nvPr/>
-      </p:nvGrpSpPr>
-      <p:grpSpPr>
-        <a:xfrm>
-          <a:off x="0" y="0"/>
-          <a:ext cx="0" cy="0"/>
-          <a:chOff x="0" y="0"/>
-          <a:chExt cx="0" cy="0"/>
-        </a:xfrm>
-      </p:grpSpPr>
-      <p:sp>
-        <p:nvSpPr>
-          <p:cNvPr id="9" name="Rectangle 8">
+      <p:sp>
+        <p:nvSpPr>
+          <p:cNvPr id="2" name="ZoneTexte 1">
             <a:extLst>
               <a:ext uri="{FF2B5EF4-FFF2-40B4-BE49-F238E27FC236}">
-                <a16:creationId xmlns:a16="http://schemas.microsoft.com/office/drawing/2014/main" id="{89FEEBA6-AD1F-4F30-93D1-16D5D9385778}"/>
-              </a:ext>
-            </a:extLst>
-          </p:cNvPr>
-          <p:cNvSpPr/>
-          <p:nvPr/>
-        </p:nvSpPr>
-        <p:spPr>
-          <a:xfrm>
-            <a:off x="0" y="0"/>
-            <a:ext cx="2130641" cy="834501"/>
-          </a:xfrm>
-          <a:prstGeom prst="rect">
-            <a:avLst/>
-          </a:prstGeom>
-          <a:noFill/>
-          <a:ln>
-            <a:noFill/>
-          </a:ln>
-        </p:spPr>
-        <p:style>
-          <a:lnRef idx="2">
-            <a:schemeClr val="accent1">
-              <a:shade val="50000"/>
-            </a:schemeClr>
-          </a:lnRef>
-          <a:fillRef idx="1">
-            <a:schemeClr val="accent1"/>
-          </a:fillRef>
-          <a:effectRef idx="0">
-            <a:schemeClr val="accent1"/>
-          </a:effectRef>
-          <a:fontRef idx="minor">
-            <a:schemeClr val="lt1"/>
-          </a:fontRef>
-        </p:style>
-        <p:txBody>
-          <a:bodyPr rtlCol="0" anchor="ctr"/>
-          <a:lstStyle/>
-          <a:p>
-            <a:pPr algn="ctr"/>
-            <a:r>
-              <a:rPr lang="fr-FR" sz="2400" dirty="0"/>
-              <a:t>Jour 6 :</a:t>
-            </a:r>
-          </a:p>
-        </p:txBody>
-      </p:sp>
-    </p:spTree>
-    <p:extLst>
-      <p:ext uri="{BB962C8B-B14F-4D97-AF65-F5344CB8AC3E}">
-        <p14:creationId xmlns:p14="http://schemas.microsoft.com/office/powerpoint/2010/main" val="1079928138"/>
-      </p:ext>
-    </p:extLst>
-  </p:cSld>
-  <p:clrMapOvr>
-    <a:masterClrMapping/>
-  </p:clrMapOvr>
-</p:sld>
-</file>
-
-<file path=ppt/slides/slide22.xml><?xml version="1.0" encoding="utf-8"?>
-<p:sld xmlns:a="http://schemas.openxmlformats.org/drawingml/2006/main" xmlns:r="http://schemas.openxmlformats.org/officeDocument/2006/relationships" xmlns:p="http://schemas.openxmlformats.org/presentationml/2006/main">
-  <p:cSld>
-    <p:spTree>
-      <p:nvGrpSpPr>
-        <p:cNvPr id="1" name=""/>
-        <p:cNvGrpSpPr/>
-        <p:nvPr/>
-      </p:nvGrpSpPr>
-      <p:grpSpPr>
-        <a:xfrm>
-          <a:off x="0" y="0"/>
-          <a:ext cx="0" cy="0"/>
-          <a:chOff x="0" y="0"/>
-          <a:chExt cx="0" cy="0"/>
-        </a:xfrm>
-      </p:grpSpPr>
-      <p:sp>
-        <p:nvSpPr>
-          <p:cNvPr id="9" name="Rectangle 8">
-            <a:extLst>
-              <a:ext uri="{FF2B5EF4-FFF2-40B4-BE49-F238E27FC236}">
-                <a16:creationId xmlns:a16="http://schemas.microsoft.com/office/drawing/2014/main" id="{89FEEBA6-AD1F-4F30-93D1-16D5D9385778}"/>
-              </a:ext>
-            </a:extLst>
-          </p:cNvPr>
-          <p:cNvSpPr/>
-          <p:nvPr/>
-        </p:nvSpPr>
-        <p:spPr>
-          <a:xfrm>
-            <a:off x="0" y="0"/>
-            <a:ext cx="2130641" cy="834501"/>
-          </a:xfrm>
-          <a:prstGeom prst="rect">
-            <a:avLst/>
-          </a:prstGeom>
-          <a:noFill/>
-          <a:ln>
-            <a:noFill/>
-          </a:ln>
-        </p:spPr>
-        <p:style>
-          <a:lnRef idx="2">
-            <a:schemeClr val="accent1">
-              <a:shade val="50000"/>
-            </a:schemeClr>
-          </a:lnRef>
-          <a:fillRef idx="1">
-            <a:schemeClr val="accent1"/>
-          </a:fillRef>
-          <a:effectRef idx="0">
-            <a:schemeClr val="accent1"/>
-          </a:effectRef>
-          <a:fontRef idx="minor">
-            <a:schemeClr val="lt1"/>
-          </a:fontRef>
-        </p:style>
-        <p:txBody>
-          <a:bodyPr rtlCol="0" anchor="ctr"/>
-          <a:lstStyle/>
-          <a:p>
-            <a:pPr algn="ctr"/>
-            <a:r>
-              <a:rPr lang="fr-FR" sz="2400" dirty="0"/>
-              <a:t>Jour 6 :</a:t>
-            </a:r>
-          </a:p>
-        </p:txBody>
-      </p:sp>
-    </p:spTree>
-    <p:extLst>
-      <p:ext uri="{BB962C8B-B14F-4D97-AF65-F5344CB8AC3E}">
-        <p14:creationId xmlns:p14="http://schemas.microsoft.com/office/powerpoint/2010/main" val="1557774376"/>
-      </p:ext>
-    </p:extLst>
-  </p:cSld>
-  <p:clrMapOvr>
-    <a:masterClrMapping/>
-  </p:clrMapOvr>
-</p:sld>
-</file>
-
-<file path=ppt/slides/slide23.xml><?xml version="1.0" encoding="utf-8"?>
-<p:sld xmlns:a="http://schemas.openxmlformats.org/drawingml/2006/main" xmlns:r="http://schemas.openxmlformats.org/officeDocument/2006/relationships" xmlns:p="http://schemas.openxmlformats.org/presentationml/2006/main">
-  <p:cSld>
-    <p:spTree>
-      <p:nvGrpSpPr>
-        <p:cNvPr id="1" name=""/>
-        <p:cNvGrpSpPr/>
-        <p:nvPr/>
-      </p:nvGrpSpPr>
-      <p:grpSpPr>
-        <a:xfrm>
-          <a:off x="0" y="0"/>
-          <a:ext cx="0" cy="0"/>
-          <a:chOff x="0" y="0"/>
-          <a:chExt cx="0" cy="0"/>
-        </a:xfrm>
-      </p:grpSpPr>
-      <p:sp>
-        <p:nvSpPr>
-          <p:cNvPr id="9" name="Rectangle 8">
-            <a:extLst>
-              <a:ext uri="{FF2B5EF4-FFF2-40B4-BE49-F238E27FC236}">
-                <a16:creationId xmlns:a16="http://schemas.microsoft.com/office/drawing/2014/main" id="{89FEEBA6-AD1F-4F30-93D1-16D5D9385778}"/>
-              </a:ext>
-            </a:extLst>
-          </p:cNvPr>
-          <p:cNvSpPr/>
-          <p:nvPr/>
-        </p:nvSpPr>
-        <p:spPr>
-          <a:xfrm>
-            <a:off x="0" y="0"/>
-            <a:ext cx="2130641" cy="834501"/>
-          </a:xfrm>
-          <a:prstGeom prst="rect">
-            <a:avLst/>
-          </a:prstGeom>
-          <a:noFill/>
-          <a:ln>
-            <a:noFill/>
-          </a:ln>
-        </p:spPr>
-        <p:style>
-          <a:lnRef idx="2">
-            <a:schemeClr val="accent1">
-              <a:shade val="50000"/>
-            </a:schemeClr>
-          </a:lnRef>
-          <a:fillRef idx="1">
-            <a:schemeClr val="accent1"/>
-          </a:fillRef>
-          <a:effectRef idx="0">
-            <a:schemeClr val="accent1"/>
-          </a:effectRef>
-          <a:fontRef idx="minor">
-            <a:schemeClr val="lt1"/>
-          </a:fontRef>
-        </p:style>
-        <p:txBody>
-          <a:bodyPr rtlCol="0" anchor="ctr"/>
-          <a:lstStyle/>
-          <a:p>
-            <a:pPr algn="ctr"/>
-            <a:r>
-              <a:rPr lang="fr-FR" sz="2400" dirty="0"/>
-              <a:t>Jour 6 :</a:t>
-            </a:r>
-          </a:p>
-        </p:txBody>
-      </p:sp>
-    </p:spTree>
-    <p:extLst>
-      <p:ext uri="{BB962C8B-B14F-4D97-AF65-F5344CB8AC3E}">
-        <p14:creationId xmlns:p14="http://schemas.microsoft.com/office/powerpoint/2010/main" val="1083249985"/>
-      </p:ext>
-    </p:extLst>
-  </p:cSld>
-  <p:clrMapOvr>
-    <a:masterClrMapping/>
-  </p:clrMapOvr>
-</p:sld>
-</file>
-
-<file path=ppt/slides/slide3.xml><?xml version="1.0" encoding="utf-8"?>
-<p:sld xmlns:a="http://schemas.openxmlformats.org/drawingml/2006/main" xmlns:r="http://schemas.openxmlformats.org/officeDocument/2006/relationships" xmlns:p="http://schemas.openxmlformats.org/presentationml/2006/main">
-  <p:cSld>
-    <p:spTree>
-      <p:nvGrpSpPr>
-        <p:cNvPr id="1" name=""/>
-        <p:cNvGrpSpPr/>
-        <p:nvPr/>
-      </p:nvGrpSpPr>
-      <p:grpSpPr>
-        <a:xfrm>
-          <a:off x="0" y="0"/>
-          <a:ext cx="0" cy="0"/>
-          <a:chOff x="0" y="0"/>
-          <a:chExt cx="0" cy="0"/>
-        </a:xfrm>
-      </p:grpSpPr>
-      <p:sp>
-        <p:nvSpPr>
-          <p:cNvPr id="5" name="ZoneTexte 4">
-            <a:extLst>
-              <a:ext uri="{FF2B5EF4-FFF2-40B4-BE49-F238E27FC236}">
-                <a16:creationId xmlns:a16="http://schemas.microsoft.com/office/drawing/2014/main" id="{191871D8-B09C-40AF-888F-DD51790EEB85}"/>
+                <a16:creationId xmlns:a16="http://schemas.microsoft.com/office/drawing/2014/main" id="{28469C3C-BFB9-4892-BB96-F3BA9BD6E7C7}"/>
               </a:ext>
             </a:extLst>
           </p:cNvPr>
@@ -11073,8 +10845,8 @@
         </p:nvSpPr>
         <p:spPr>
           <a:xfrm>
-            <a:off x="2595464" y="1600200"/>
-            <a:ext cx="7212406" cy="3046988"/>
+            <a:off x="701336" y="834501"/>
+            <a:ext cx="2876365" cy="369332"/>
           </a:xfrm>
           <a:prstGeom prst="rect">
             <a:avLst/>
@@ -11087,154 +10859,119 @@
           </a:bodyPr>
           <a:lstStyle/>
           <a:p>
-            <a:pPr algn="ctr"/>
-            <a:r>
-              <a:rPr lang="fr-FR" sz="3200" b="1" dirty="0">
-                <a:latin typeface="Book Antiqua" panose="02040602050305030304" pitchFamily="18" charset="0"/>
-              </a:rPr>
-              <a:t>Camille AUBRY</a:t>
-            </a:r>
-          </a:p>
-          <a:p>
-            <a:pPr algn="ctr"/>
-            <a:r>
-              <a:rPr lang="fr-FR" sz="3200" b="1" dirty="0">
-                <a:latin typeface="Book Antiqua" panose="02040602050305030304" pitchFamily="18" charset="0"/>
-              </a:rPr>
-              <a:t>Dylan CHAMPEME </a:t>
-            </a:r>
-          </a:p>
-          <a:p>
-            <a:pPr algn="ctr"/>
-            <a:r>
-              <a:rPr lang="fr-FR" sz="3200" b="1" dirty="0">
-                <a:latin typeface="Book Antiqua" panose="02040602050305030304" pitchFamily="18" charset="0"/>
-              </a:rPr>
-              <a:t>Mathias GARCIA </a:t>
-            </a:r>
-          </a:p>
-          <a:p>
-            <a:pPr algn="ctr"/>
-            <a:r>
-              <a:rPr lang="fr-FR" sz="3200" b="1" dirty="0">
-                <a:latin typeface="Book Antiqua" panose="02040602050305030304" pitchFamily="18" charset="0"/>
-              </a:rPr>
-              <a:t>Anis LARABA </a:t>
-            </a:r>
-          </a:p>
-          <a:p>
-            <a:pPr algn="ctr"/>
-            <a:r>
-              <a:rPr lang="fr-FR" sz="3200" b="1" dirty="0">
-                <a:latin typeface="Book Antiqua" panose="02040602050305030304" pitchFamily="18" charset="0"/>
-              </a:rPr>
-              <a:t>Ken LE BOT </a:t>
-            </a:r>
-          </a:p>
-          <a:p>
-            <a:pPr algn="ctr"/>
-            <a:r>
-              <a:rPr lang="fr-FR" sz="3200" b="1" dirty="0">
-                <a:latin typeface="Book Antiqua" panose="02040602050305030304" pitchFamily="18" charset="0"/>
-              </a:rPr>
-              <a:t>Jean Christophe SIMON </a:t>
-            </a:r>
-          </a:p>
-        </p:txBody>
-      </p:sp>
-      <p:sp>
-        <p:nvSpPr>
-          <p:cNvPr id="4" name="Rectangle 3">
+            <a:r>
+              <a:rPr lang="fr-FR" dirty="0"/>
+              <a:t>DESCRIPTION DU PROJET</a:t>
+            </a:r>
+          </a:p>
+        </p:txBody>
+      </p:sp>
+      <p:sp>
+        <p:nvSpPr>
+          <p:cNvPr id="4" name="ZoneTexte 3">
             <a:extLst>
               <a:ext uri="{FF2B5EF4-FFF2-40B4-BE49-F238E27FC236}">
-                <a16:creationId xmlns:a16="http://schemas.microsoft.com/office/drawing/2014/main" id="{E6E078FE-82AC-4B4B-934E-F64E06EDDCB3}"/>
+                <a16:creationId xmlns:a16="http://schemas.microsoft.com/office/drawing/2014/main" id="{81DAB690-C720-40D6-9800-8FC4A0CF14D3}"/>
               </a:ext>
             </a:extLst>
           </p:cNvPr>
-          <p:cNvSpPr/>
+          <p:cNvSpPr txBox="1"/>
           <p:nvPr/>
         </p:nvSpPr>
         <p:spPr>
           <a:xfrm>
-            <a:off x="0" y="0"/>
-            <a:ext cx="2130641" cy="834501"/>
+            <a:off x="1526960" y="2228295"/>
+            <a:ext cx="7652552" cy="2585323"/>
           </a:xfrm>
           <a:prstGeom prst="rect">
             <a:avLst/>
           </a:prstGeom>
           <a:noFill/>
-          <a:ln>
-            <a:noFill/>
-          </a:ln>
-        </p:spPr>
-        <p:style>
-          <a:lnRef idx="2">
-            <a:schemeClr val="accent1">
-              <a:shade val="50000"/>
-            </a:schemeClr>
-          </a:lnRef>
-          <a:fillRef idx="1">
-            <a:schemeClr val="accent1"/>
-          </a:fillRef>
-          <a:effectRef idx="0">
-            <a:schemeClr val="accent1"/>
-          </a:effectRef>
-          <a:fontRef idx="minor">
-            <a:schemeClr val="lt1"/>
-          </a:fontRef>
-        </p:style>
-        <p:txBody>
-          <a:bodyPr rtlCol="0" anchor="ctr"/>
-          <a:lstStyle/>
-          <a:p>
-            <a:pPr algn="ctr"/>
-            <a:r>
-              <a:rPr lang="fr-FR" sz="2400" dirty="0"/>
-              <a:t>Equipe :</a:t>
-            </a:r>
-          </a:p>
-        </p:txBody>
-      </p:sp>
-      <p:pic>
-        <p:nvPicPr>
-          <p:cNvPr id="7" name="Image 6">
-            <a:extLst>
-              <a:ext uri="{FF2B5EF4-FFF2-40B4-BE49-F238E27FC236}">
-                <a16:creationId xmlns:a16="http://schemas.microsoft.com/office/drawing/2014/main" id="{C5ACE061-A8F6-40BF-BCCA-7FB5244CCFAB}"/>
-              </a:ext>
-            </a:extLst>
-          </p:cNvPr>
-          <p:cNvPicPr>
-            <a:picLocks noChangeAspect="1"/>
-          </p:cNvPicPr>
-          <p:nvPr/>
-        </p:nvPicPr>
-        <p:blipFill>
-          <a:blip r:embed="rId2">
-            <a:extLst>
-              <a:ext uri="{28A0092B-C50C-407E-A947-70E740481C1C}">
-                <a14:useLocalDpi xmlns:a14="http://schemas.microsoft.com/office/drawing/2010/main" val="0"/>
-              </a:ext>
-            </a:extLst>
-          </a:blip>
-          <a:stretch>
-            <a:fillRect/>
-          </a:stretch>
-        </p:blipFill>
-        <p:spPr>
-          <a:xfrm>
-            <a:off x="10284905" y="5787957"/>
-            <a:ext cx="1697453" cy="892816"/>
-          </a:xfrm>
-          <a:prstGeom prst="rect">
-            <a:avLst/>
-          </a:prstGeom>
-        </p:spPr>
-      </p:pic>
+        </p:spPr>
+        <p:txBody>
+          <a:bodyPr wrap="square" rtlCol="0">
+            <a:spAutoFit/>
+          </a:bodyPr>
+          <a:lstStyle/>
+          <a:p>
+            <a:r>
+              <a:rPr lang="fr-FR" dirty="0"/>
+              <a:t>Il s’agit d’un site de vente à distance de figurines U’POP spécialisé dans plusieurs univers tels que : </a:t>
+            </a:r>
+          </a:p>
+          <a:p>
+            <a:endParaRPr lang="fr-FR" dirty="0"/>
+          </a:p>
+          <a:p>
+            <a:r>
+              <a:rPr lang="fr-FR" dirty="0">
+                <a:latin typeface="+mj-lt"/>
+              </a:rPr>
+              <a:t>1 - Pop Série (GOT, Breaking Bad, </a:t>
+            </a:r>
+            <a:r>
+              <a:rPr lang="fr-FR" dirty="0" err="1">
+                <a:latin typeface="+mj-lt"/>
+              </a:rPr>
+              <a:t>Lost</a:t>
+            </a:r>
+            <a:r>
+              <a:rPr lang="fr-FR" dirty="0">
+                <a:latin typeface="+mj-lt"/>
+              </a:rPr>
+              <a:t> )</a:t>
+            </a:r>
+          </a:p>
+          <a:p>
+            <a:r>
+              <a:rPr lang="fr-FR" dirty="0">
+                <a:latin typeface="+mj-lt"/>
+              </a:rPr>
+              <a:t>2 - Pop Jeux vidéo (The </a:t>
+            </a:r>
+            <a:r>
+              <a:rPr lang="fr-FR" dirty="0" err="1">
+                <a:latin typeface="+mj-lt"/>
+              </a:rPr>
+              <a:t>witcher</a:t>
+            </a:r>
+            <a:r>
+              <a:rPr lang="fr-FR" dirty="0">
+                <a:latin typeface="+mj-lt"/>
+              </a:rPr>
+              <a:t>, Mario, Zelda)</a:t>
+            </a:r>
+          </a:p>
+          <a:p>
+            <a:r>
+              <a:rPr lang="fr-FR" dirty="0">
+                <a:latin typeface="+mj-lt"/>
+              </a:rPr>
+              <a:t>3 - Pop Animés (Pokémon, Dragon Ball, South Park)</a:t>
+            </a:r>
+          </a:p>
+          <a:p>
+            <a:r>
+              <a:rPr lang="fr-FR" dirty="0">
+                <a:latin typeface="+mj-lt"/>
+              </a:rPr>
+              <a:t>4 - Pop Film (Star Wars, Harry Potter, Seigneur des Anneaux)</a:t>
+            </a:r>
+          </a:p>
+          <a:p>
+            <a:endParaRPr lang="fr-FR" dirty="0">
+              <a:latin typeface="Book Antiqua" panose="02040602050305030304" pitchFamily="18" charset="0"/>
+            </a:endParaRPr>
+          </a:p>
+          <a:p>
+            <a:endParaRPr lang="fr-FR" dirty="0"/>
+          </a:p>
+        </p:txBody>
+      </p:sp>
     </p:spTree>
     <p:extLst>
       <p:ext uri="{BB962C8B-B14F-4D97-AF65-F5344CB8AC3E}">
-        <p14:creationId xmlns:p14="http://schemas.microsoft.com/office/powerpoint/2010/main" val="564097288"/>
+        <p14:creationId xmlns:p14="http://schemas.microsoft.com/office/powerpoint/2010/main" val="939791067"/>
       </p:ext>
     </p:extLst>
   </p:cSld>
@@ -11308,12 +11045,8 @@
           <a:p>
             <a:pPr algn="ctr"/>
             <a:r>
-              <a:rPr lang="fr-FR" sz="2400" dirty="0" err="1"/>
-              <a:t>Cachier</a:t>
-            </a:r>
-            <a:r>
               <a:rPr lang="fr-FR" sz="2400" dirty="0"/>
-              <a:t> des charges:</a:t>
+              <a:t>Cahier des charges:</a:t>
             </a:r>
           </a:p>
         </p:txBody>
@@ -11354,10 +11087,326 @@
           </a:prstGeom>
         </p:spPr>
       </p:pic>
+      <p:sp>
+        <p:nvSpPr>
+          <p:cNvPr id="2" name="ZoneTexte 1">
+            <a:extLst>
+              <a:ext uri="{FF2B5EF4-FFF2-40B4-BE49-F238E27FC236}">
+                <a16:creationId xmlns:a16="http://schemas.microsoft.com/office/drawing/2014/main" id="{B3EB9A42-9C37-4A72-9D0C-5F87D282B6B1}"/>
+              </a:ext>
+            </a:extLst>
+          </p:cNvPr>
+          <p:cNvSpPr txBox="1"/>
+          <p:nvPr/>
+        </p:nvSpPr>
+        <p:spPr>
+          <a:xfrm>
+            <a:off x="213063" y="1118587"/>
+            <a:ext cx="8078679" cy="369332"/>
+          </a:xfrm>
+          <a:prstGeom prst="rect">
+            <a:avLst/>
+          </a:prstGeom>
+          <a:noFill/>
+        </p:spPr>
+        <p:txBody>
+          <a:bodyPr wrap="square" rtlCol="0">
+            <a:spAutoFit/>
+          </a:bodyPr>
+          <a:lstStyle/>
+          <a:p>
+            <a:r>
+              <a:rPr lang="fr-FR" dirty="0"/>
+              <a:t>CONTRAINTES DE PLANNING, CONTRAINTES TECHNIQUES</a:t>
+            </a:r>
+          </a:p>
+        </p:txBody>
+      </p:sp>
+      <p:sp>
+        <p:nvSpPr>
+          <p:cNvPr id="5" name="ZoneTexte 4">
+            <a:extLst>
+              <a:ext uri="{FF2B5EF4-FFF2-40B4-BE49-F238E27FC236}">
+                <a16:creationId xmlns:a16="http://schemas.microsoft.com/office/drawing/2014/main" id="{B460CF9A-EA63-4911-9885-3BCFCA902B76}"/>
+              </a:ext>
+            </a:extLst>
+          </p:cNvPr>
+          <p:cNvSpPr txBox="1"/>
+          <p:nvPr/>
+        </p:nvSpPr>
+        <p:spPr>
+          <a:xfrm>
+            <a:off x="452761" y="2343678"/>
+            <a:ext cx="5237826" cy="923330"/>
+          </a:xfrm>
+          <a:prstGeom prst="rect">
+            <a:avLst/>
+          </a:prstGeom>
+          <a:noFill/>
+        </p:spPr>
+        <p:txBody>
+          <a:bodyPr wrap="square" rtlCol="0">
+            <a:spAutoFit/>
+          </a:bodyPr>
+          <a:lstStyle/>
+          <a:p>
+            <a:r>
+              <a:rPr lang="fr-FR" dirty="0"/>
+              <a:t>Nombres de journées travaillées : 7</a:t>
+            </a:r>
+          </a:p>
+          <a:p>
+            <a:r>
+              <a:rPr lang="fr-FR" dirty="0"/>
+              <a:t>Nombre de journées testes : 1</a:t>
+            </a:r>
+          </a:p>
+          <a:p>
+            <a:r>
+              <a:rPr lang="fr-FR" dirty="0"/>
+              <a:t> </a:t>
+            </a:r>
+          </a:p>
+        </p:txBody>
+      </p:sp>
+      <p:sp>
+        <p:nvSpPr>
+          <p:cNvPr id="7" name="ZoneTexte 6">
+            <a:extLst>
+              <a:ext uri="{FF2B5EF4-FFF2-40B4-BE49-F238E27FC236}">
+                <a16:creationId xmlns:a16="http://schemas.microsoft.com/office/drawing/2014/main" id="{A77B7B25-5238-4BDA-AB6B-271B2D9BC0EB}"/>
+              </a:ext>
+            </a:extLst>
+          </p:cNvPr>
+          <p:cNvSpPr txBox="1"/>
+          <p:nvPr/>
+        </p:nvSpPr>
+        <p:spPr>
+          <a:xfrm>
+            <a:off x="452761" y="1961965"/>
+            <a:ext cx="4944862" cy="369332"/>
+          </a:xfrm>
+          <a:prstGeom prst="rect">
+            <a:avLst/>
+          </a:prstGeom>
+          <a:noFill/>
+        </p:spPr>
+        <p:txBody>
+          <a:bodyPr wrap="square" rtlCol="0">
+            <a:spAutoFit/>
+          </a:bodyPr>
+          <a:lstStyle/>
+          <a:p>
+            <a:r>
+              <a:rPr lang="fr-FR" dirty="0"/>
+              <a:t>CONTRAINTES DE PLANNING</a:t>
+            </a:r>
+          </a:p>
+        </p:txBody>
+      </p:sp>
+      <p:sp>
+        <p:nvSpPr>
+          <p:cNvPr id="8" name="ZoneTexte 7">
+            <a:extLst>
+              <a:ext uri="{FF2B5EF4-FFF2-40B4-BE49-F238E27FC236}">
+                <a16:creationId xmlns:a16="http://schemas.microsoft.com/office/drawing/2014/main" id="{5DD74607-985F-4E9B-B7D2-ADEB217F9BFC}"/>
+              </a:ext>
+            </a:extLst>
+          </p:cNvPr>
+          <p:cNvSpPr txBox="1"/>
+          <p:nvPr/>
+        </p:nvSpPr>
+        <p:spPr>
+          <a:xfrm>
+            <a:off x="452760" y="3329101"/>
+            <a:ext cx="5717220" cy="369332"/>
+          </a:xfrm>
+          <a:prstGeom prst="rect">
+            <a:avLst/>
+          </a:prstGeom>
+          <a:noFill/>
+        </p:spPr>
+        <p:txBody>
+          <a:bodyPr wrap="square" rtlCol="0">
+            <a:spAutoFit/>
+          </a:bodyPr>
+          <a:lstStyle/>
+          <a:p>
+            <a:r>
+              <a:rPr lang="fr-FR" dirty="0"/>
+              <a:t>CONTRAINTES TECHNIQUES</a:t>
+            </a:r>
+          </a:p>
+        </p:txBody>
+      </p:sp>
+      <p:sp>
+        <p:nvSpPr>
+          <p:cNvPr id="10" name="ZoneTexte 9">
+            <a:extLst>
+              <a:ext uri="{FF2B5EF4-FFF2-40B4-BE49-F238E27FC236}">
+                <a16:creationId xmlns:a16="http://schemas.microsoft.com/office/drawing/2014/main" id="{6E594885-9A83-4F74-8A00-361F0524A798}"/>
+              </a:ext>
+            </a:extLst>
+          </p:cNvPr>
+          <p:cNvSpPr txBox="1"/>
+          <p:nvPr/>
+        </p:nvSpPr>
+        <p:spPr>
+          <a:xfrm>
+            <a:off x="452761" y="3733893"/>
+            <a:ext cx="7297446" cy="3231654"/>
+          </a:xfrm>
+          <a:prstGeom prst="rect">
+            <a:avLst/>
+          </a:prstGeom>
+          <a:noFill/>
+        </p:spPr>
+        <p:txBody>
+          <a:bodyPr wrap="square" rtlCol="0">
+            <a:spAutoFit/>
+          </a:bodyPr>
+          <a:lstStyle/>
+          <a:p>
+            <a:r>
+              <a:rPr lang="fr-FR" dirty="0">
+                <a:latin typeface="+mj-lt"/>
+              </a:rPr>
+              <a:t>Utiliser les technologiques apprise pendant la formation POE :</a:t>
+            </a:r>
+          </a:p>
+          <a:p>
+            <a:endParaRPr lang="fr-FR" sz="600" b="1" dirty="0">
+              <a:latin typeface="+mj-lt"/>
+            </a:endParaRPr>
+          </a:p>
+          <a:p>
+            <a:pPr marL="285750" indent="-285750">
+              <a:buFont typeface="Arial" panose="020B0604020202020204" pitchFamily="34" charset="0"/>
+              <a:buChar char="•"/>
+            </a:pPr>
+            <a:r>
+              <a:rPr lang="fr-FR" b="1" dirty="0">
+                <a:latin typeface="+mj-lt"/>
+              </a:rPr>
+              <a:t>HTML 5 / CSS 3</a:t>
+            </a:r>
+          </a:p>
+          <a:p>
+            <a:pPr marL="285750" indent="-285750">
+              <a:buFont typeface="Arial" panose="020B0604020202020204" pitchFamily="34" charset="0"/>
+              <a:buChar char="•"/>
+            </a:pPr>
+            <a:r>
+              <a:rPr lang="fr-FR" b="1" dirty="0">
+                <a:latin typeface="+mj-lt"/>
+              </a:rPr>
+              <a:t>Bootstrap</a:t>
+            </a:r>
+          </a:p>
+          <a:p>
+            <a:pPr marL="285750" indent="-285750">
+              <a:buFont typeface="Arial" panose="020B0604020202020204" pitchFamily="34" charset="0"/>
+              <a:buChar char="•"/>
+            </a:pPr>
+            <a:r>
+              <a:rPr lang="fr-FR" b="1" dirty="0">
+                <a:latin typeface="+mj-lt"/>
+              </a:rPr>
+              <a:t>Méthode Merise</a:t>
+            </a:r>
+          </a:p>
+          <a:p>
+            <a:pPr marL="285750" indent="-285750">
+              <a:buFont typeface="Arial" panose="020B0604020202020204" pitchFamily="34" charset="0"/>
+              <a:buChar char="•"/>
+            </a:pPr>
+            <a:r>
+              <a:rPr lang="fr-FR" b="1" dirty="0" err="1">
+                <a:latin typeface="+mj-lt"/>
+              </a:rPr>
+              <a:t>My</a:t>
+            </a:r>
+            <a:r>
+              <a:rPr lang="fr-FR" b="1" dirty="0">
+                <a:latin typeface="+mj-lt"/>
+              </a:rPr>
+              <a:t> SQL</a:t>
+            </a:r>
+          </a:p>
+          <a:p>
+            <a:pPr marL="285750" indent="-285750">
+              <a:buFont typeface="Arial" panose="020B0604020202020204" pitchFamily="34" charset="0"/>
+              <a:buChar char="•"/>
+            </a:pPr>
+            <a:r>
+              <a:rPr lang="fr-FR" b="1" dirty="0">
+                <a:latin typeface="+mj-lt"/>
+              </a:rPr>
+              <a:t>JQUERY</a:t>
+            </a:r>
+          </a:p>
+          <a:p>
+            <a:pPr marL="285750" indent="-285750">
+              <a:buFont typeface="Arial" panose="020B0604020202020204" pitchFamily="34" charset="0"/>
+              <a:buChar char="•"/>
+            </a:pPr>
+            <a:r>
+              <a:rPr lang="fr-FR" b="1" dirty="0">
+                <a:latin typeface="+mj-lt"/>
+              </a:rPr>
+              <a:t>JAVA SCRIPT</a:t>
+            </a:r>
+          </a:p>
+          <a:p>
+            <a:pPr marL="285750" indent="-285750">
+              <a:buFont typeface="Arial" panose="020B0604020202020204" pitchFamily="34" charset="0"/>
+              <a:buChar char="•"/>
+            </a:pPr>
+            <a:r>
+              <a:rPr lang="fr-FR" b="1" dirty="0">
+                <a:latin typeface="+mj-lt"/>
+              </a:rPr>
+              <a:t>PHP</a:t>
+            </a:r>
+          </a:p>
+          <a:p>
+            <a:pPr marL="285750" indent="-285750">
+              <a:buFont typeface="Arial" panose="020B0604020202020204" pitchFamily="34" charset="0"/>
+              <a:buChar char="•"/>
+            </a:pPr>
+            <a:r>
+              <a:rPr lang="fr-FR" b="1" dirty="0">
+                <a:latin typeface="+mj-lt"/>
+              </a:rPr>
+              <a:t>AGILE</a:t>
+            </a:r>
+          </a:p>
+          <a:p>
+            <a:pPr marL="285750" indent="-285750">
+              <a:buFont typeface="Arial" panose="020B0604020202020204" pitchFamily="34" charset="0"/>
+              <a:buChar char="•"/>
+            </a:pPr>
+            <a:r>
+              <a:rPr lang="fr-FR" b="1" dirty="0">
+                <a:latin typeface="+mj-lt"/>
+              </a:rPr>
+              <a:t>GitHub</a:t>
+            </a:r>
+          </a:p>
+          <a:p>
+            <a:r>
+              <a:rPr lang="fr-FR" dirty="0">
+                <a:latin typeface="+mj-lt"/>
+              </a:rPr>
+              <a:t> </a:t>
+            </a:r>
+          </a:p>
+        </p:txBody>
+      </p:sp>
     </p:spTree>
     <p:extLst>
       <p:ext uri="{BB962C8B-B14F-4D97-AF65-F5344CB8AC3E}">
-        <p14:creationId xmlns:p14="http://schemas.microsoft.com/office/powerpoint/2010/main" val="939791067"/>
+        <p14:creationId xmlns:p14="http://schemas.microsoft.com/office/powerpoint/2010/main" val="2240629157"/>
       </p:ext>
     </p:extLst>
   </p:cSld>
@@ -11386,248 +11435,10 @@
       </p:grpSpPr>
       <p:sp>
         <p:nvSpPr>
-          <p:cNvPr id="5" name="ZoneTexte 4">
+          <p:cNvPr id="9" name="Rectangle 8">
             <a:extLst>
               <a:ext uri="{FF2B5EF4-FFF2-40B4-BE49-F238E27FC236}">
-                <a16:creationId xmlns:a16="http://schemas.microsoft.com/office/drawing/2014/main" id="{FAAEA3E4-9BDD-4544-894E-572174F25D99}"/>
-              </a:ext>
-            </a:extLst>
-          </p:cNvPr>
-          <p:cNvSpPr txBox="1"/>
-          <p:nvPr/>
-        </p:nvSpPr>
-        <p:spPr>
-          <a:xfrm>
-            <a:off x="175105" y="1819609"/>
-            <a:ext cx="10886471" cy="4401205"/>
-          </a:xfrm>
-          <a:prstGeom prst="rect">
-            <a:avLst/>
-          </a:prstGeom>
-          <a:noFill/>
-        </p:spPr>
-        <p:txBody>
-          <a:bodyPr wrap="square" rtlCol="0">
-            <a:spAutoFit/>
-          </a:bodyPr>
-          <a:lstStyle/>
-          <a:p>
-            <a:r>
-              <a:rPr lang="fr-FR" sz="2000" b="1" u="sng" dirty="0">
-                <a:latin typeface="Book Antiqua" panose="02040602050305030304" pitchFamily="18" charset="0"/>
-              </a:rPr>
-              <a:t>Tâches à réaliser :</a:t>
-            </a:r>
-          </a:p>
-          <a:p>
-            <a:endParaRPr lang="fr-FR" sz="2400" dirty="0">
-              <a:latin typeface="Book Antiqua" panose="02040602050305030304" pitchFamily="18" charset="0"/>
-            </a:endParaRPr>
-          </a:p>
-          <a:p>
-            <a:pPr marL="285750" indent="-285750">
-              <a:buFont typeface="Arial" panose="020B0604020202020204" pitchFamily="34" charset="0"/>
-              <a:buChar char="•"/>
-            </a:pPr>
-            <a:r>
-              <a:rPr lang="fr-FR" sz="2000" dirty="0">
-                <a:latin typeface="Book Antiqua" panose="02040602050305030304" pitchFamily="18" charset="0"/>
-              </a:rPr>
-              <a:t>Conception du MCD.</a:t>
-            </a:r>
-          </a:p>
-          <a:p>
-            <a:pPr marL="285750" indent="-285750">
-              <a:buFont typeface="Arial" panose="020B0604020202020204" pitchFamily="34" charset="0"/>
-              <a:buChar char="•"/>
-            </a:pPr>
-            <a:r>
-              <a:rPr lang="fr-FR" sz="2000" dirty="0">
-                <a:latin typeface="Book Antiqua" panose="02040602050305030304" pitchFamily="18" charset="0"/>
-              </a:rPr>
-              <a:t>Création de la base de données.</a:t>
-            </a:r>
-          </a:p>
-          <a:p>
-            <a:pPr marL="285750" indent="-285750">
-              <a:buFont typeface="Arial" panose="020B0604020202020204" pitchFamily="34" charset="0"/>
-              <a:buChar char="•"/>
-            </a:pPr>
-            <a:r>
-              <a:rPr lang="fr-FR" sz="2000" dirty="0">
-                <a:latin typeface="Book Antiqua" panose="02040602050305030304" pitchFamily="18" charset="0"/>
-              </a:rPr>
-              <a:t>Structure du Site Web.</a:t>
-            </a:r>
-          </a:p>
-          <a:p>
-            <a:pPr marL="285750" indent="-285750">
-              <a:buFont typeface="Arial" panose="020B0604020202020204" pitchFamily="34" charset="0"/>
-              <a:buChar char="•"/>
-            </a:pPr>
-            <a:r>
-              <a:rPr lang="fr-FR" sz="2000" dirty="0">
-                <a:latin typeface="Book Antiqua" panose="02040602050305030304" pitchFamily="18" charset="0"/>
-              </a:rPr>
-              <a:t>Style visuel du Site.</a:t>
-            </a:r>
-          </a:p>
-          <a:p>
-            <a:endParaRPr lang="fr-FR" sz="2400" dirty="0">
-              <a:latin typeface="Book Antiqua" panose="02040602050305030304" pitchFamily="18" charset="0"/>
-            </a:endParaRPr>
-          </a:p>
-          <a:p>
-            <a:r>
-              <a:rPr lang="fr-FR" sz="2000" b="1" u="sng" dirty="0">
-                <a:latin typeface="Book Antiqua" panose="02040602050305030304" pitchFamily="18" charset="0"/>
-              </a:rPr>
-              <a:t>Bonus : </a:t>
-            </a:r>
-          </a:p>
-          <a:p>
-            <a:endParaRPr lang="fr-FR" sz="2400" b="1" u="sng" dirty="0">
-              <a:latin typeface="Book Antiqua" panose="02040602050305030304" pitchFamily="18" charset="0"/>
-            </a:endParaRPr>
-          </a:p>
-          <a:p>
-            <a:pPr marL="285750" indent="-285750">
-              <a:buFont typeface="Arial" panose="020B0604020202020204" pitchFamily="34" charset="0"/>
-              <a:buChar char="•"/>
-            </a:pPr>
-            <a:r>
-              <a:rPr lang="fr-FR" sz="2000" dirty="0">
-                <a:latin typeface="Book Antiqua" panose="02040602050305030304" pitchFamily="18" charset="0"/>
-              </a:rPr>
-              <a:t>Mise en place d’une page Administrateur.</a:t>
-            </a:r>
-          </a:p>
-          <a:p>
-            <a:pPr marL="285750" indent="-285750">
-              <a:buFont typeface="Arial" panose="020B0604020202020204" pitchFamily="34" charset="0"/>
-              <a:buChar char="•"/>
-            </a:pPr>
-            <a:r>
-              <a:rPr lang="fr-FR" sz="2000" dirty="0">
-                <a:latin typeface="Book Antiqua" panose="02040602050305030304" pitchFamily="18" charset="0"/>
-              </a:rPr>
-              <a:t>Nombre d’articles affichés : sous forme de liste ou vignette (croissant, décroissant).</a:t>
-            </a:r>
-          </a:p>
-          <a:p>
-            <a:pPr marL="285750" indent="-285750">
-              <a:buFont typeface="Arial" panose="020B0604020202020204" pitchFamily="34" charset="0"/>
-              <a:buChar char="•"/>
-            </a:pPr>
-            <a:r>
-              <a:rPr lang="fr-FR" sz="2000" dirty="0">
-                <a:latin typeface="Book Antiqua" panose="02040602050305030304" pitchFamily="18" charset="0"/>
-              </a:rPr>
-              <a:t>Personnalisation du l’affichage des articles.</a:t>
-            </a:r>
-          </a:p>
-          <a:p>
-            <a:pPr marL="285750" indent="-285750">
-              <a:buFont typeface="Arial" panose="020B0604020202020204" pitchFamily="34" charset="0"/>
-              <a:buChar char="•"/>
-            </a:pPr>
-            <a:r>
-              <a:rPr lang="fr-FR" sz="2000" dirty="0">
-                <a:latin typeface="Book Antiqua" panose="02040602050305030304" pitchFamily="18" charset="0"/>
-              </a:rPr>
-              <a:t>Modification du profil client.</a:t>
-            </a:r>
-          </a:p>
-        </p:txBody>
-      </p:sp>
-      <p:sp>
-        <p:nvSpPr>
-          <p:cNvPr id="10" name="ZoneTexte 9">
-            <a:extLst>
-              <a:ext uri="{FF2B5EF4-FFF2-40B4-BE49-F238E27FC236}">
-                <a16:creationId xmlns:a16="http://schemas.microsoft.com/office/drawing/2014/main" id="{A80132E0-51E6-46D3-9898-0B779E9BCD21}"/>
-              </a:ext>
-            </a:extLst>
-          </p:cNvPr>
-          <p:cNvSpPr txBox="1"/>
-          <p:nvPr/>
-        </p:nvSpPr>
-        <p:spPr>
-          <a:xfrm>
-            <a:off x="2114408" y="1194116"/>
-            <a:ext cx="5866618" cy="461665"/>
-          </a:xfrm>
-          <a:prstGeom prst="rect">
-            <a:avLst/>
-          </a:prstGeom>
-          <a:noFill/>
-        </p:spPr>
-        <p:txBody>
-          <a:bodyPr wrap="square" rtlCol="0">
-            <a:spAutoFit/>
-          </a:bodyPr>
-          <a:lstStyle/>
-          <a:p>
-            <a:r>
-              <a:rPr lang="fr-FR" sz="2400" b="1" dirty="0">
-                <a:solidFill>
-                  <a:schemeClr val="tx1">
-                    <a:lumMod val="85000"/>
-                  </a:schemeClr>
-                </a:solidFill>
-                <a:effectLst>
-                  <a:outerShdw blurRad="38100" dist="38100" dir="2700000" algn="tl">
-                    <a:srgbClr val="000000">
-                      <a:alpha val="43137"/>
-                    </a:srgbClr>
-                  </a:outerShdw>
-                </a:effectLst>
-                <a:latin typeface="Book Antiqua" panose="02040602050305030304" pitchFamily="18" charset="0"/>
-              </a:rPr>
-              <a:t>Site  Internet : Boutique en ligne </a:t>
-            </a:r>
-            <a:r>
-              <a:rPr lang="fr-FR" sz="2400" b="1" dirty="0" err="1">
-                <a:solidFill>
-                  <a:schemeClr val="tx1">
-                    <a:lumMod val="85000"/>
-                  </a:schemeClr>
-                </a:solidFill>
-                <a:effectLst>
-                  <a:outerShdw blurRad="38100" dist="38100" dir="2700000" algn="tl">
-                    <a:srgbClr val="000000">
-                      <a:alpha val="43137"/>
-                    </a:srgbClr>
-                  </a:outerShdw>
-                </a:effectLst>
-                <a:latin typeface="Book Antiqua" panose="02040602050305030304" pitchFamily="18" charset="0"/>
-              </a:rPr>
-              <a:t>U’Pop</a:t>
-            </a:r>
-            <a:endParaRPr lang="fr-FR" sz="2400" b="1" dirty="0">
-              <a:solidFill>
-                <a:schemeClr val="tx1">
-                  <a:lumMod val="85000"/>
-                </a:schemeClr>
-              </a:solidFill>
-              <a:effectLst>
-                <a:outerShdw blurRad="38100" dist="38100" dir="2700000" algn="tl">
-                  <a:srgbClr val="000000">
-                    <a:alpha val="43137"/>
-                  </a:srgbClr>
-                </a:outerShdw>
-              </a:effectLst>
-              <a:latin typeface="Book Antiqua" panose="02040602050305030304" pitchFamily="18" charset="0"/>
-            </a:endParaRPr>
-          </a:p>
-        </p:txBody>
-      </p:sp>
-      <p:sp>
-        <p:nvSpPr>
-          <p:cNvPr id="6" name="Rectangle 5">
-            <a:extLst>
-              <a:ext uri="{FF2B5EF4-FFF2-40B4-BE49-F238E27FC236}">
-                <a16:creationId xmlns:a16="http://schemas.microsoft.com/office/drawing/2014/main" id="{A2FC46C5-5938-4588-944A-111D75D4B34E}"/>
+                <a16:creationId xmlns:a16="http://schemas.microsoft.com/office/drawing/2014/main" id="{89FEEBA6-AD1F-4F30-93D1-16D5D9385778}"/>
               </a:ext>
             </a:extLst>
           </p:cNvPr>
@@ -11637,7 +11448,7 @@
         <p:spPr>
           <a:xfrm>
             <a:off x="0" y="0"/>
-            <a:ext cx="3433864" cy="834501"/>
+            <a:ext cx="3728621" cy="834501"/>
           </a:xfrm>
           <a:prstGeom prst="rect">
             <a:avLst/>
@@ -11669,20 +11480,18 @@
           <a:p>
             <a:pPr algn="ctr"/>
             <a:r>
-              <a:rPr lang="fr-FR" sz="2400" dirty="0">
-                <a:latin typeface="Book Antiqua" panose="02040602050305030304" pitchFamily="18" charset="0"/>
-              </a:rPr>
-              <a:t>Création du Projet :</a:t>
+              <a:rPr lang="fr-FR" sz="2400" dirty="0"/>
+              <a:t>Cahier des charges:</a:t>
             </a:r>
           </a:p>
         </p:txBody>
       </p:sp>
       <p:pic>
         <p:nvPicPr>
-          <p:cNvPr id="7" name="Image 6">
+          <p:cNvPr id="3" name="Image 2">
             <a:extLst>
               <a:ext uri="{FF2B5EF4-FFF2-40B4-BE49-F238E27FC236}">
-                <a16:creationId xmlns:a16="http://schemas.microsoft.com/office/drawing/2014/main" id="{FFFD62C7-4155-43F4-8382-1A96524A9D18}"/>
+                <a16:creationId xmlns:a16="http://schemas.microsoft.com/office/drawing/2014/main" id="{3D875A88-8C27-4599-A0C5-747E6F5323F6}"/>
               </a:ext>
             </a:extLst>
           </p:cNvPr>
@@ -11713,10 +11522,166 @@
           </a:prstGeom>
         </p:spPr>
       </p:pic>
+      <p:sp>
+        <p:nvSpPr>
+          <p:cNvPr id="2" name="ZoneTexte 1">
+            <a:extLst>
+              <a:ext uri="{FF2B5EF4-FFF2-40B4-BE49-F238E27FC236}">
+                <a16:creationId xmlns:a16="http://schemas.microsoft.com/office/drawing/2014/main" id="{669B61F6-400D-47C2-8D83-E6211851C07A}"/>
+              </a:ext>
+            </a:extLst>
+          </p:cNvPr>
+          <p:cNvSpPr txBox="1"/>
+          <p:nvPr/>
+        </p:nvSpPr>
+        <p:spPr>
+          <a:xfrm>
+            <a:off x="426128" y="1987048"/>
+            <a:ext cx="7954392" cy="2862322"/>
+          </a:xfrm>
+          <a:prstGeom prst="rect">
+            <a:avLst/>
+          </a:prstGeom>
+          <a:noFill/>
+        </p:spPr>
+        <p:txBody>
+          <a:bodyPr wrap="square" rtlCol="0">
+            <a:spAutoFit/>
+          </a:bodyPr>
+          <a:lstStyle/>
+          <a:p>
+            <a:r>
+              <a:rPr lang="fr-FR" dirty="0">
+                <a:latin typeface="+mj-lt"/>
+              </a:rPr>
+              <a:t>Site épurée</a:t>
+            </a:r>
+          </a:p>
+          <a:p>
+            <a:r>
+              <a:rPr lang="fr-FR" dirty="0">
+                <a:latin typeface="+mj-lt"/>
+              </a:rPr>
+              <a:t>Fond blanc </a:t>
+            </a:r>
+          </a:p>
+          <a:p>
+            <a:r>
+              <a:rPr lang="fr-FR" dirty="0" err="1">
+                <a:latin typeface="+mj-lt"/>
+              </a:rPr>
+              <a:t>navbar</a:t>
+            </a:r>
+            <a:r>
+              <a:rPr lang="fr-FR" dirty="0">
+                <a:latin typeface="+mj-lt"/>
+              </a:rPr>
+              <a:t> simple et épuré </a:t>
+            </a:r>
+          </a:p>
+          <a:p>
+            <a:r>
+              <a:rPr lang="fr-FR" dirty="0">
+                <a:latin typeface="+mj-lt"/>
+              </a:rPr>
+              <a:t>Logo par articles : </a:t>
+            </a:r>
+          </a:p>
+          <a:p>
+            <a:r>
+              <a:rPr lang="fr-FR" dirty="0">
+                <a:latin typeface="+mj-lt"/>
+              </a:rPr>
+              <a:t>Série : télé</a:t>
+            </a:r>
+          </a:p>
+          <a:p>
+            <a:r>
+              <a:rPr lang="fr-FR" dirty="0">
+                <a:latin typeface="+mj-lt"/>
+              </a:rPr>
+              <a:t>Jeux vidéo : manette</a:t>
+            </a:r>
+          </a:p>
+          <a:p>
+            <a:r>
+              <a:rPr lang="fr-FR" dirty="0">
+                <a:latin typeface="+mj-lt"/>
+              </a:rPr>
+              <a:t>Animés :  tête </a:t>
+            </a:r>
+            <a:r>
+              <a:rPr lang="fr-FR" dirty="0" err="1">
+                <a:latin typeface="+mj-lt"/>
+              </a:rPr>
+              <a:t>pikachu</a:t>
+            </a:r>
+            <a:endParaRPr lang="fr-FR" dirty="0">
+              <a:latin typeface="+mj-lt"/>
+            </a:endParaRPr>
+          </a:p>
+          <a:p>
+            <a:r>
+              <a:rPr lang="fr-FR" dirty="0">
+                <a:latin typeface="+mj-lt"/>
+              </a:rPr>
+              <a:t>Film : bande de film</a:t>
+            </a:r>
+          </a:p>
+          <a:p>
+            <a:r>
+              <a:rPr lang="fr-FR" dirty="0">
+                <a:latin typeface="+mj-lt"/>
+              </a:rPr>
+              <a:t>Trait centré grisé entre bloque d'articles</a:t>
+            </a:r>
+          </a:p>
+          <a:p>
+            <a:endParaRPr lang="fr-FR" dirty="0">
+              <a:latin typeface="+mj-lt"/>
+            </a:endParaRPr>
+          </a:p>
+        </p:txBody>
+      </p:sp>
+      <p:sp>
+        <p:nvSpPr>
+          <p:cNvPr id="4" name="ZoneTexte 3">
+            <a:extLst>
+              <a:ext uri="{FF2B5EF4-FFF2-40B4-BE49-F238E27FC236}">
+                <a16:creationId xmlns:a16="http://schemas.microsoft.com/office/drawing/2014/main" id="{F4D53484-32DA-458E-8548-8875DC408C43}"/>
+              </a:ext>
+            </a:extLst>
+          </p:cNvPr>
+          <p:cNvSpPr txBox="1"/>
+          <p:nvPr/>
+        </p:nvSpPr>
+        <p:spPr>
+          <a:xfrm>
+            <a:off x="292963" y="834501"/>
+            <a:ext cx="3728621" cy="646331"/>
+          </a:xfrm>
+          <a:prstGeom prst="rect">
+            <a:avLst/>
+          </a:prstGeom>
+          <a:noFill/>
+        </p:spPr>
+        <p:txBody>
+          <a:bodyPr wrap="square" rtlCol="0">
+            <a:spAutoFit/>
+          </a:bodyPr>
+          <a:lstStyle/>
+          <a:p>
+            <a:r>
+              <a:rPr lang="fr-FR" dirty="0"/>
+              <a:t>DESCRIPTION DU FORMAT DE LA REPONSE SOUHAITEE</a:t>
+            </a:r>
+          </a:p>
+        </p:txBody>
+      </p:sp>
     </p:spTree>
     <p:extLst>
       <p:ext uri="{BB962C8B-B14F-4D97-AF65-F5344CB8AC3E}">
-        <p14:creationId xmlns:p14="http://schemas.microsoft.com/office/powerpoint/2010/main" val="4278942112"/>
+        <p14:creationId xmlns:p14="http://schemas.microsoft.com/office/powerpoint/2010/main" val="2267958173"/>
       </p:ext>
     </p:extLst>
   </p:cSld>
@@ -11745,177 +11710,10 @@
       </p:grpSpPr>
       <p:sp>
         <p:nvSpPr>
-          <p:cNvPr id="4" name="ZoneTexte 3">
+          <p:cNvPr id="9" name="Rectangle 8">
             <a:extLst>
               <a:ext uri="{FF2B5EF4-FFF2-40B4-BE49-F238E27FC236}">
-                <a16:creationId xmlns:a16="http://schemas.microsoft.com/office/drawing/2014/main" id="{243D81A2-035D-4389-A5E6-9A9D0141D763}"/>
-              </a:ext>
-            </a:extLst>
-          </p:cNvPr>
-          <p:cNvSpPr txBox="1"/>
-          <p:nvPr/>
-        </p:nvSpPr>
-        <p:spPr>
-          <a:xfrm>
-            <a:off x="1065320" y="1499665"/>
-            <a:ext cx="4615633" cy="5170646"/>
-          </a:xfrm>
-          <a:prstGeom prst="rect">
-            <a:avLst/>
-          </a:prstGeom>
-          <a:noFill/>
-        </p:spPr>
-        <p:txBody>
-          <a:bodyPr wrap="square" rtlCol="0">
-            <a:spAutoFit/>
-          </a:bodyPr>
-          <a:lstStyle/>
-          <a:p>
-            <a:endParaRPr lang="fr-FR" sz="2400" b="1" dirty="0">
-              <a:latin typeface="Book Antiqua" panose="02040602050305030304" pitchFamily="18" charset="0"/>
-            </a:endParaRPr>
-          </a:p>
-          <a:p>
-            <a:pPr marL="285750" indent="-285750">
-              <a:buFont typeface="Arial" panose="020B0604020202020204" pitchFamily="34" charset="0"/>
-              <a:buChar char="•"/>
-            </a:pPr>
-            <a:r>
-              <a:rPr lang="fr-FR" sz="2400" b="1" dirty="0">
-                <a:latin typeface="Book Antiqua" panose="02040602050305030304" pitchFamily="18" charset="0"/>
-              </a:rPr>
-              <a:t>HTML 5 / CSS 3</a:t>
-            </a:r>
-          </a:p>
-          <a:p>
-            <a:pPr marL="285750" indent="-285750">
-              <a:buFont typeface="Arial" panose="020B0604020202020204" pitchFamily="34" charset="0"/>
-              <a:buChar char="•"/>
-            </a:pPr>
-            <a:r>
-              <a:rPr lang="fr-FR" sz="2400" b="1" dirty="0">
-                <a:latin typeface="Book Antiqua" panose="02040602050305030304" pitchFamily="18" charset="0"/>
-              </a:rPr>
-              <a:t>Bootstrap</a:t>
-            </a:r>
-          </a:p>
-          <a:p>
-            <a:pPr marL="285750" indent="-285750">
-              <a:buFont typeface="Arial" panose="020B0604020202020204" pitchFamily="34" charset="0"/>
-              <a:buChar char="•"/>
-            </a:pPr>
-            <a:r>
-              <a:rPr lang="fr-FR" sz="2400" b="1" dirty="0">
-                <a:latin typeface="Book Antiqua" panose="02040602050305030304" pitchFamily="18" charset="0"/>
-              </a:rPr>
-              <a:t>Méthode Merise</a:t>
-            </a:r>
-          </a:p>
-          <a:p>
-            <a:pPr marL="285750" indent="-285750">
-              <a:buFont typeface="Arial" panose="020B0604020202020204" pitchFamily="34" charset="0"/>
-              <a:buChar char="•"/>
-            </a:pPr>
-            <a:r>
-              <a:rPr lang="fr-FR" sz="2400" b="1" dirty="0" err="1">
-                <a:latin typeface="Book Antiqua" panose="02040602050305030304" pitchFamily="18" charset="0"/>
-              </a:rPr>
-              <a:t>My</a:t>
-            </a:r>
-            <a:r>
-              <a:rPr lang="fr-FR" sz="2400" b="1" dirty="0">
-                <a:latin typeface="Book Antiqua" panose="02040602050305030304" pitchFamily="18" charset="0"/>
-              </a:rPr>
-              <a:t> SQL</a:t>
-            </a:r>
-          </a:p>
-          <a:p>
-            <a:pPr marL="285750" indent="-285750">
-              <a:buFont typeface="Arial" panose="020B0604020202020204" pitchFamily="34" charset="0"/>
-              <a:buChar char="•"/>
-            </a:pPr>
-            <a:r>
-              <a:rPr lang="fr-FR" sz="2400" b="1" dirty="0">
-                <a:latin typeface="Book Antiqua" panose="02040602050305030304" pitchFamily="18" charset="0"/>
-              </a:rPr>
-              <a:t>JQUERY</a:t>
-            </a:r>
-          </a:p>
-          <a:p>
-            <a:pPr marL="285750" indent="-285750">
-              <a:buFont typeface="Arial" panose="020B0604020202020204" pitchFamily="34" charset="0"/>
-              <a:buChar char="•"/>
-            </a:pPr>
-            <a:r>
-              <a:rPr lang="fr-FR" sz="2400" b="1" dirty="0">
-                <a:latin typeface="Book Antiqua" panose="02040602050305030304" pitchFamily="18" charset="0"/>
-              </a:rPr>
-              <a:t>JAVA SCRIPT</a:t>
-            </a:r>
-          </a:p>
-          <a:p>
-            <a:pPr marL="285750" indent="-285750">
-              <a:buFont typeface="Arial" panose="020B0604020202020204" pitchFamily="34" charset="0"/>
-              <a:buChar char="•"/>
-            </a:pPr>
-            <a:r>
-              <a:rPr lang="fr-FR" sz="2400" b="1" dirty="0">
-                <a:latin typeface="Book Antiqua" panose="02040602050305030304" pitchFamily="18" charset="0"/>
-              </a:rPr>
-              <a:t>PHP</a:t>
-            </a:r>
-          </a:p>
-          <a:p>
-            <a:pPr marL="285750" indent="-285750">
-              <a:buFont typeface="Arial" panose="020B0604020202020204" pitchFamily="34" charset="0"/>
-              <a:buChar char="•"/>
-            </a:pPr>
-            <a:r>
-              <a:rPr lang="fr-FR" sz="2400" b="1" dirty="0">
-                <a:latin typeface="Book Antiqua" panose="02040602050305030304" pitchFamily="18" charset="0"/>
-              </a:rPr>
-              <a:t>AGILE</a:t>
-            </a:r>
-          </a:p>
-          <a:p>
-            <a:pPr marL="285750" indent="-285750">
-              <a:buFont typeface="Arial" panose="020B0604020202020204" pitchFamily="34" charset="0"/>
-              <a:buChar char="•"/>
-            </a:pPr>
-            <a:r>
-              <a:rPr lang="fr-FR" sz="2400" b="1" dirty="0">
-                <a:latin typeface="Book Antiqua" panose="02040602050305030304" pitchFamily="18" charset="0"/>
-              </a:rPr>
-              <a:t>GitHub</a:t>
-            </a:r>
-          </a:p>
-          <a:p>
-            <a:pPr marL="285750" indent="-285750">
-              <a:buFont typeface="Arial" panose="020B0604020202020204" pitchFamily="34" charset="0"/>
-              <a:buChar char="•"/>
-            </a:pPr>
-            <a:endParaRPr lang="fr-FR" dirty="0"/>
-          </a:p>
-          <a:p>
-            <a:endParaRPr lang="fr-FR" dirty="0"/>
-          </a:p>
-          <a:p>
-            <a:endParaRPr lang="fr-FR" dirty="0"/>
-          </a:p>
-          <a:p>
-            <a:endParaRPr lang="fr-FR" dirty="0"/>
-          </a:p>
-          <a:p>
-            <a:endParaRPr lang="fr-FR" dirty="0"/>
-          </a:p>
-        </p:txBody>
-      </p:sp>
-      <p:sp>
-        <p:nvSpPr>
-          <p:cNvPr id="5" name="Rectangle 4">
-            <a:extLst>
-              <a:ext uri="{FF2B5EF4-FFF2-40B4-BE49-F238E27FC236}">
-                <a16:creationId xmlns:a16="http://schemas.microsoft.com/office/drawing/2014/main" id="{496E7598-CC09-4E63-8461-B7A70000770F}"/>
+                <a16:creationId xmlns:a16="http://schemas.microsoft.com/office/drawing/2014/main" id="{89FEEBA6-AD1F-4F30-93D1-16D5D9385778}"/>
               </a:ext>
             </a:extLst>
           </p:cNvPr>
@@ -11925,7 +11723,7 @@
         <p:spPr>
           <a:xfrm>
             <a:off x="0" y="0"/>
-            <a:ext cx="2130641" cy="834501"/>
+            <a:ext cx="3728621" cy="834501"/>
           </a:xfrm>
           <a:prstGeom prst="rect">
             <a:avLst/>
@@ -11958,17 +11756,17 @@
             <a:pPr algn="ctr"/>
             <a:r>
               <a:rPr lang="fr-FR" sz="2400" dirty="0"/>
-              <a:t>Techno</a:t>
+              <a:t>Cahier des charges:</a:t>
             </a:r>
           </a:p>
         </p:txBody>
       </p:sp>
       <p:pic>
         <p:nvPicPr>
-          <p:cNvPr id="6" name="Image 5">
+          <p:cNvPr id="3" name="Image 2">
             <a:extLst>
               <a:ext uri="{FF2B5EF4-FFF2-40B4-BE49-F238E27FC236}">
-                <a16:creationId xmlns:a16="http://schemas.microsoft.com/office/drawing/2014/main" id="{B0ABA9B4-1229-46D5-86B9-3BF4BA8ECCC2}"/>
+                <a16:creationId xmlns:a16="http://schemas.microsoft.com/office/drawing/2014/main" id="{3D875A88-8C27-4599-A0C5-747E6F5323F6}"/>
               </a:ext>
             </a:extLst>
           </p:cNvPr>
@@ -11999,10 +11797,170 @@
           </a:prstGeom>
         </p:spPr>
       </p:pic>
+      <p:sp>
+        <p:nvSpPr>
+          <p:cNvPr id="2" name="ZoneTexte 1">
+            <a:extLst>
+              <a:ext uri="{FF2B5EF4-FFF2-40B4-BE49-F238E27FC236}">
+                <a16:creationId xmlns:a16="http://schemas.microsoft.com/office/drawing/2014/main" id="{1C36808A-9187-4253-9457-432C41ED3083}"/>
+              </a:ext>
+            </a:extLst>
+          </p:cNvPr>
+          <p:cNvSpPr txBox="1"/>
+          <p:nvPr/>
+        </p:nvSpPr>
+        <p:spPr>
+          <a:xfrm>
+            <a:off x="204186" y="1438183"/>
+            <a:ext cx="4483224" cy="646331"/>
+          </a:xfrm>
+          <a:prstGeom prst="rect">
+            <a:avLst/>
+          </a:prstGeom>
+          <a:noFill/>
+        </p:spPr>
+        <p:txBody>
+          <a:bodyPr wrap="square" rtlCol="0">
+            <a:spAutoFit/>
+          </a:bodyPr>
+          <a:lstStyle/>
+          <a:p>
+            <a:r>
+              <a:rPr lang="fr-FR" dirty="0"/>
+              <a:t>DESCRIPTION DES GRANDS BLOCS </a:t>
+            </a:r>
+          </a:p>
+          <a:p>
+            <a:r>
+              <a:rPr lang="fr-FR" dirty="0"/>
+              <a:t>FONCTIONNELS DE LA SOLUTION</a:t>
+            </a:r>
+          </a:p>
+        </p:txBody>
+      </p:sp>
+      <p:sp>
+        <p:nvSpPr>
+          <p:cNvPr id="4" name="ZoneTexte 3">
+            <a:extLst>
+              <a:ext uri="{FF2B5EF4-FFF2-40B4-BE49-F238E27FC236}">
+                <a16:creationId xmlns:a16="http://schemas.microsoft.com/office/drawing/2014/main" id="{F7634BD4-6F98-47CD-B0B4-0EB1EA2E137C}"/>
+              </a:ext>
+            </a:extLst>
+          </p:cNvPr>
+          <p:cNvSpPr txBox="1"/>
+          <p:nvPr/>
+        </p:nvSpPr>
+        <p:spPr>
+          <a:xfrm>
+            <a:off x="381740" y="2308842"/>
+            <a:ext cx="9690101" cy="4247317"/>
+          </a:xfrm>
+          <a:prstGeom prst="rect">
+            <a:avLst/>
+          </a:prstGeom>
+          <a:noFill/>
+        </p:spPr>
+        <p:txBody>
+          <a:bodyPr wrap="square" rtlCol="0">
+            <a:spAutoFit/>
+          </a:bodyPr>
+          <a:lstStyle/>
+          <a:p>
+            <a:r>
+              <a:rPr lang="fr-FR" dirty="0"/>
+              <a:t>Les éléments a développer :</a:t>
+            </a:r>
+          </a:p>
+          <a:p>
+            <a:r>
+              <a:rPr lang="fr-FR" dirty="0"/>
+              <a:t>.Visualisation des </a:t>
+            </a:r>
+            <a:r>
+              <a:rPr lang="fr-FR" dirty="0" err="1"/>
+              <a:t>nouveautées</a:t>
+            </a:r>
+            <a:r>
+              <a:rPr lang="fr-FR" dirty="0"/>
+              <a:t> en page d’accueil et des promotions</a:t>
+            </a:r>
+          </a:p>
+          <a:p>
+            <a:r>
+              <a:rPr lang="fr-FR" dirty="0"/>
+              <a:t>.Visualisations des différents univers et sous catégorie</a:t>
+            </a:r>
+          </a:p>
+          <a:p>
+            <a:r>
+              <a:rPr lang="fr-FR" dirty="0"/>
+              <a:t>.Paramétrage d’échanges avec l’admin en page contact</a:t>
+            </a:r>
+          </a:p>
+          <a:p>
+            <a:r>
+              <a:rPr lang="fr-FR" dirty="0"/>
+              <a:t>.Modifications des données personnels et mot de passe</a:t>
+            </a:r>
+          </a:p>
+          <a:p>
+            <a:r>
+              <a:rPr lang="fr-FR" dirty="0"/>
+              <a:t>.Prise de commande </a:t>
+            </a:r>
+          </a:p>
+          <a:p>
+            <a:r>
+              <a:rPr lang="fr-FR" dirty="0"/>
+              <a:t>.Visualisations de l’historiques des commandes</a:t>
+            </a:r>
+          </a:p>
+          <a:p>
+            <a:r>
+              <a:rPr lang="fr-FR" dirty="0"/>
+              <a:t>.Possibilité de déconnexion du site</a:t>
+            </a:r>
+          </a:p>
+          <a:p>
+            <a:endParaRPr lang="fr-FR" dirty="0"/>
+          </a:p>
+          <a:p>
+            <a:r>
+              <a:rPr lang="fr-FR" dirty="0"/>
+              <a:t>Page Admin :</a:t>
+            </a:r>
+          </a:p>
+          <a:p>
+            <a:r>
+              <a:rPr lang="fr-FR" dirty="0"/>
+              <a:t>.Mise à jour du Stock</a:t>
+            </a:r>
+          </a:p>
+          <a:p>
+            <a:r>
+              <a:rPr lang="fr-FR" dirty="0"/>
+              <a:t>.Ajouts/Suppressions des nouveaux produits</a:t>
+            </a:r>
+          </a:p>
+          <a:p>
+            <a:endParaRPr lang="fr-FR" dirty="0"/>
+          </a:p>
+          <a:p>
+            <a:endParaRPr lang="fr-FR" dirty="0"/>
+          </a:p>
+          <a:p>
+            <a:pPr marL="285750" indent="-285750">
+              <a:buFontTx/>
+              <a:buChar char="-"/>
+            </a:pPr>
+            <a:endParaRPr lang="fr-FR" dirty="0"/>
+          </a:p>
+        </p:txBody>
+      </p:sp>
     </p:spTree>
     <p:extLst>
       <p:ext uri="{BB962C8B-B14F-4D97-AF65-F5344CB8AC3E}">
-        <p14:creationId xmlns:p14="http://schemas.microsoft.com/office/powerpoint/2010/main" val="4249044880"/>
+        <p14:creationId xmlns:p14="http://schemas.microsoft.com/office/powerpoint/2010/main" val="1351715536"/>
       </p:ext>
     </p:extLst>
   </p:cSld>
@@ -12013,6 +11971,380 @@
 </file>
 
 <file path=ppt/slides/slide7.xml><?xml version="1.0" encoding="utf-8"?>
+<p:sld xmlns:a="http://schemas.openxmlformats.org/drawingml/2006/main" xmlns:r="http://schemas.openxmlformats.org/officeDocument/2006/relationships" xmlns:p="http://schemas.openxmlformats.org/presentationml/2006/main">
+  <p:cSld>
+    <p:spTree>
+      <p:nvGrpSpPr>
+        <p:cNvPr id="1" name=""/>
+        <p:cNvGrpSpPr/>
+        <p:nvPr/>
+      </p:nvGrpSpPr>
+      <p:grpSpPr>
+        <a:xfrm>
+          <a:off x="0" y="0"/>
+          <a:ext cx="0" cy="0"/>
+          <a:chOff x="0" y="0"/>
+          <a:chExt cx="0" cy="0"/>
+        </a:xfrm>
+      </p:grpSpPr>
+      <p:sp>
+        <p:nvSpPr>
+          <p:cNvPr id="9" name="Rectangle 8">
+            <a:extLst>
+              <a:ext uri="{FF2B5EF4-FFF2-40B4-BE49-F238E27FC236}">
+                <a16:creationId xmlns:a16="http://schemas.microsoft.com/office/drawing/2014/main" id="{89FEEBA6-AD1F-4F30-93D1-16D5D9385778}"/>
+              </a:ext>
+            </a:extLst>
+          </p:cNvPr>
+          <p:cNvSpPr/>
+          <p:nvPr/>
+        </p:nvSpPr>
+        <p:spPr>
+          <a:xfrm>
+            <a:off x="0" y="0"/>
+            <a:ext cx="3728621" cy="834501"/>
+          </a:xfrm>
+          <a:prstGeom prst="rect">
+            <a:avLst/>
+          </a:prstGeom>
+          <a:noFill/>
+          <a:ln>
+            <a:noFill/>
+          </a:ln>
+        </p:spPr>
+        <p:style>
+          <a:lnRef idx="2">
+            <a:schemeClr val="accent1">
+              <a:shade val="50000"/>
+            </a:schemeClr>
+          </a:lnRef>
+          <a:fillRef idx="1">
+            <a:schemeClr val="accent1"/>
+          </a:fillRef>
+          <a:effectRef idx="0">
+            <a:schemeClr val="accent1"/>
+          </a:effectRef>
+          <a:fontRef idx="minor">
+            <a:schemeClr val="lt1"/>
+          </a:fontRef>
+        </p:style>
+        <p:txBody>
+          <a:bodyPr rtlCol="0" anchor="ctr"/>
+          <a:lstStyle/>
+          <a:p>
+            <a:pPr algn="ctr"/>
+            <a:r>
+              <a:rPr lang="fr-FR" sz="2400" dirty="0"/>
+              <a:t>Cahier des charges:</a:t>
+            </a:r>
+          </a:p>
+        </p:txBody>
+      </p:sp>
+      <p:pic>
+        <p:nvPicPr>
+          <p:cNvPr id="3" name="Image 2">
+            <a:extLst>
+              <a:ext uri="{FF2B5EF4-FFF2-40B4-BE49-F238E27FC236}">
+                <a16:creationId xmlns:a16="http://schemas.microsoft.com/office/drawing/2014/main" id="{3D875A88-8C27-4599-A0C5-747E6F5323F6}"/>
+              </a:ext>
+            </a:extLst>
+          </p:cNvPr>
+          <p:cNvPicPr>
+            <a:picLocks noChangeAspect="1"/>
+          </p:cNvPicPr>
+          <p:nvPr/>
+        </p:nvPicPr>
+        <p:blipFill>
+          <a:blip r:embed="rId2">
+            <a:extLst>
+              <a:ext uri="{28A0092B-C50C-407E-A947-70E740481C1C}">
+                <a14:useLocalDpi xmlns:a14="http://schemas.microsoft.com/office/drawing/2010/main" val="0"/>
+              </a:ext>
+            </a:extLst>
+          </a:blip>
+          <a:stretch>
+            <a:fillRect/>
+          </a:stretch>
+        </p:blipFill>
+        <p:spPr>
+          <a:xfrm>
+            <a:off x="10284905" y="5787957"/>
+            <a:ext cx="1697453" cy="892816"/>
+          </a:xfrm>
+          <a:prstGeom prst="rect">
+            <a:avLst/>
+          </a:prstGeom>
+        </p:spPr>
+      </p:pic>
+      <p:sp>
+        <p:nvSpPr>
+          <p:cNvPr id="2" name="ZoneTexte 1">
+            <a:extLst>
+              <a:ext uri="{FF2B5EF4-FFF2-40B4-BE49-F238E27FC236}">
+                <a16:creationId xmlns:a16="http://schemas.microsoft.com/office/drawing/2014/main" id="{511EC525-C349-45FF-B49E-5A8E0C99D236}"/>
+              </a:ext>
+            </a:extLst>
+          </p:cNvPr>
+          <p:cNvSpPr txBox="1"/>
+          <p:nvPr/>
+        </p:nvSpPr>
+        <p:spPr>
+          <a:xfrm>
+            <a:off x="257452" y="834501"/>
+            <a:ext cx="5217111" cy="656948"/>
+          </a:xfrm>
+          <a:prstGeom prst="rect">
+            <a:avLst/>
+          </a:prstGeom>
+          <a:noFill/>
+        </p:spPr>
+        <p:txBody>
+          <a:bodyPr wrap="square" rtlCol="0">
+            <a:spAutoFit/>
+          </a:bodyPr>
+          <a:lstStyle/>
+          <a:p>
+            <a:r>
+              <a:rPr lang="fr-FR" dirty="0"/>
+              <a:t>Description des différentes cinématiques envisagées pour la visite du site</a:t>
+            </a:r>
+          </a:p>
+        </p:txBody>
+      </p:sp>
+      <p:pic>
+        <p:nvPicPr>
+          <p:cNvPr id="4" name="Image 3">
+            <a:extLst>
+              <a:ext uri="{FF2B5EF4-FFF2-40B4-BE49-F238E27FC236}">
+                <a16:creationId xmlns:a16="http://schemas.microsoft.com/office/drawing/2014/main" id="{F2B48B9D-4E86-43FC-B7C6-E8F5094C67BA}"/>
+              </a:ext>
+            </a:extLst>
+          </p:cNvPr>
+          <p:cNvPicPr>
+            <a:picLocks noChangeAspect="1"/>
+          </p:cNvPicPr>
+          <p:nvPr/>
+        </p:nvPicPr>
+        <p:blipFill>
+          <a:blip r:embed="rId3"/>
+          <a:stretch>
+            <a:fillRect/>
+          </a:stretch>
+        </p:blipFill>
+        <p:spPr>
+          <a:xfrm>
+            <a:off x="1358284" y="1655174"/>
+            <a:ext cx="6312023" cy="5025599"/>
+          </a:xfrm>
+          <a:prstGeom prst="rect">
+            <a:avLst/>
+          </a:prstGeom>
+        </p:spPr>
+      </p:pic>
+    </p:spTree>
+    <p:extLst>
+      <p:ext uri="{BB962C8B-B14F-4D97-AF65-F5344CB8AC3E}">
+        <p14:creationId xmlns:p14="http://schemas.microsoft.com/office/powerpoint/2010/main" val="873761630"/>
+      </p:ext>
+    </p:extLst>
+  </p:cSld>
+  <p:clrMapOvr>
+    <a:masterClrMapping/>
+  </p:clrMapOvr>
+</p:sld>
+</file>
+
+<file path=ppt/slides/slide8.xml><?xml version="1.0" encoding="utf-8"?>
+<p:sld xmlns:a="http://schemas.openxmlformats.org/drawingml/2006/main" xmlns:r="http://schemas.openxmlformats.org/officeDocument/2006/relationships" xmlns:p="http://schemas.openxmlformats.org/presentationml/2006/main">
+  <p:cSld>
+    <p:spTree>
+      <p:nvGrpSpPr>
+        <p:cNvPr id="1" name=""/>
+        <p:cNvGrpSpPr/>
+        <p:nvPr/>
+      </p:nvGrpSpPr>
+      <p:grpSpPr>
+        <a:xfrm>
+          <a:off x="0" y="0"/>
+          <a:ext cx="0" cy="0"/>
+          <a:chOff x="0" y="0"/>
+          <a:chExt cx="0" cy="0"/>
+        </a:xfrm>
+      </p:grpSpPr>
+      <p:sp>
+        <p:nvSpPr>
+          <p:cNvPr id="4" name="ZoneTexte 3">
+            <a:extLst>
+              <a:ext uri="{FF2B5EF4-FFF2-40B4-BE49-F238E27FC236}">
+                <a16:creationId xmlns:a16="http://schemas.microsoft.com/office/drawing/2014/main" id="{C04C4F3B-C055-43AF-B598-D454DAEC6730}"/>
+              </a:ext>
+            </a:extLst>
+          </p:cNvPr>
+          <p:cNvSpPr txBox="1"/>
+          <p:nvPr/>
+        </p:nvSpPr>
+        <p:spPr>
+          <a:xfrm>
+            <a:off x="220446" y="1239682"/>
+            <a:ext cx="2726178" cy="369332"/>
+          </a:xfrm>
+          <a:prstGeom prst="rect">
+            <a:avLst/>
+          </a:prstGeom>
+          <a:noFill/>
+        </p:spPr>
+        <p:txBody>
+          <a:bodyPr wrap="square" rtlCol="0">
+            <a:spAutoFit/>
+          </a:bodyPr>
+          <a:lstStyle/>
+          <a:p>
+            <a:r>
+              <a:rPr lang="fr-FR" dirty="0"/>
+              <a:t>Structure du Site Web:</a:t>
+            </a:r>
+          </a:p>
+        </p:txBody>
+      </p:sp>
+      <p:pic>
+        <p:nvPicPr>
+          <p:cNvPr id="5" name="Image 4">
+            <a:extLst>
+              <a:ext uri="{FF2B5EF4-FFF2-40B4-BE49-F238E27FC236}">
+                <a16:creationId xmlns:a16="http://schemas.microsoft.com/office/drawing/2014/main" id="{7FB2B263-735D-4472-832D-35F87F1C2E23}"/>
+              </a:ext>
+            </a:extLst>
+          </p:cNvPr>
+          <p:cNvPicPr>
+            <a:picLocks noChangeAspect="1"/>
+          </p:cNvPicPr>
+          <p:nvPr/>
+        </p:nvPicPr>
+        <p:blipFill>
+          <a:blip r:embed="rId2">
+            <a:extLst>
+              <a:ext uri="{28A0092B-C50C-407E-A947-70E740481C1C}">
+                <a14:useLocalDpi xmlns:a14="http://schemas.microsoft.com/office/drawing/2010/main" val="0"/>
+              </a:ext>
+            </a:extLst>
+          </a:blip>
+          <a:stretch>
+            <a:fillRect/>
+          </a:stretch>
+        </p:blipFill>
+        <p:spPr>
+          <a:xfrm>
+            <a:off x="10284905" y="5787957"/>
+            <a:ext cx="1697453" cy="892816"/>
+          </a:xfrm>
+          <a:prstGeom prst="rect">
+            <a:avLst/>
+          </a:prstGeom>
+        </p:spPr>
+      </p:pic>
+      <p:pic>
+        <p:nvPicPr>
+          <p:cNvPr id="7" name="Image 6" descr="Une image contenant capture d’écran&#10;&#10;Description générée avec un niveau de confiance très élevé">
+            <a:extLst>
+              <a:ext uri="{FF2B5EF4-FFF2-40B4-BE49-F238E27FC236}">
+                <a16:creationId xmlns:a16="http://schemas.microsoft.com/office/drawing/2014/main" id="{45DC074F-7918-434C-8392-2247168B1CBE}"/>
+              </a:ext>
+            </a:extLst>
+          </p:cNvPr>
+          <p:cNvPicPr>
+            <a:picLocks noChangeAspect="1"/>
+          </p:cNvPicPr>
+          <p:nvPr/>
+        </p:nvPicPr>
+        <p:blipFill>
+          <a:blip r:embed="rId3">
+            <a:extLst>
+              <a:ext uri="{28A0092B-C50C-407E-A947-70E740481C1C}">
+                <a14:useLocalDpi xmlns:a14="http://schemas.microsoft.com/office/drawing/2010/main" val="0"/>
+              </a:ext>
+            </a:extLst>
+          </a:blip>
+          <a:stretch>
+            <a:fillRect/>
+          </a:stretch>
+        </p:blipFill>
+        <p:spPr>
+          <a:xfrm>
+            <a:off x="3103124" y="850062"/>
+            <a:ext cx="6142252" cy="5806943"/>
+          </a:xfrm>
+          <a:prstGeom prst="rect">
+            <a:avLst/>
+          </a:prstGeom>
+        </p:spPr>
+      </p:pic>
+      <p:sp>
+        <p:nvSpPr>
+          <p:cNvPr id="9" name="Rectangle 8">
+            <a:extLst>
+              <a:ext uri="{FF2B5EF4-FFF2-40B4-BE49-F238E27FC236}">
+                <a16:creationId xmlns:a16="http://schemas.microsoft.com/office/drawing/2014/main" id="{EDED1DD3-38A6-4747-95FD-F25D9B6D1D41}"/>
+              </a:ext>
+            </a:extLst>
+          </p:cNvPr>
+          <p:cNvSpPr/>
+          <p:nvPr/>
+        </p:nvSpPr>
+        <p:spPr>
+          <a:xfrm>
+            <a:off x="-1" y="111880"/>
+            <a:ext cx="3728621" cy="834501"/>
+          </a:xfrm>
+          <a:prstGeom prst="rect">
+            <a:avLst/>
+          </a:prstGeom>
+          <a:noFill/>
+          <a:ln>
+            <a:noFill/>
+          </a:ln>
+        </p:spPr>
+        <p:style>
+          <a:lnRef idx="2">
+            <a:schemeClr val="accent1">
+              <a:shade val="50000"/>
+            </a:schemeClr>
+          </a:lnRef>
+          <a:fillRef idx="1">
+            <a:schemeClr val="accent1"/>
+          </a:fillRef>
+          <a:effectRef idx="0">
+            <a:schemeClr val="accent1"/>
+          </a:effectRef>
+          <a:fontRef idx="minor">
+            <a:schemeClr val="lt1"/>
+          </a:fontRef>
+        </p:style>
+        <p:txBody>
+          <a:bodyPr rtlCol="0" anchor="ctr"/>
+          <a:lstStyle/>
+          <a:p>
+            <a:pPr algn="ctr"/>
+            <a:r>
+              <a:rPr lang="fr-FR" sz="2400" dirty="0"/>
+              <a:t>Cahier des charges:</a:t>
+            </a:r>
+          </a:p>
+        </p:txBody>
+      </p:sp>
+    </p:spTree>
+    <p:extLst>
+      <p:ext uri="{BB962C8B-B14F-4D97-AF65-F5344CB8AC3E}">
+        <p14:creationId xmlns:p14="http://schemas.microsoft.com/office/powerpoint/2010/main" val="2281458591"/>
+      </p:ext>
+    </p:extLst>
+  </p:cSld>
+  <p:clrMapOvr>
+    <a:masterClrMapping/>
+  </p:clrMapOvr>
+</p:sld>
+</file>
+
+<file path=ppt/slides/slide9.xml><?xml version="1.0" encoding="utf-8"?>
 <p:sld xmlns:a="http://schemas.openxmlformats.org/drawingml/2006/main" xmlns:r="http://schemas.openxmlformats.org/officeDocument/2006/relationships" xmlns:p="http://schemas.openxmlformats.org/presentationml/2006/main">
   <p:cSld>
     <p:bg>
@@ -12428,253 +12760,6 @@
     <p:extLst>
       <p:ext uri="{BB962C8B-B14F-4D97-AF65-F5344CB8AC3E}">
         <p14:creationId xmlns:p14="http://schemas.microsoft.com/office/powerpoint/2010/main" val="1856246710"/>
-      </p:ext>
-    </p:extLst>
-  </p:cSld>
-  <p:clrMapOvr>
-    <a:masterClrMapping/>
-  </p:clrMapOvr>
-</p:sld>
-</file>
-
-<file path=ppt/slides/slide8.xml><?xml version="1.0" encoding="utf-8"?>
-<p:sld xmlns:a="http://schemas.openxmlformats.org/drawingml/2006/main" xmlns:r="http://schemas.openxmlformats.org/officeDocument/2006/relationships" xmlns:p="http://schemas.openxmlformats.org/presentationml/2006/main">
-  <p:cSld>
-    <p:spTree>
-      <p:nvGrpSpPr>
-        <p:cNvPr id="1" name=""/>
-        <p:cNvGrpSpPr/>
-        <p:nvPr/>
-      </p:nvGrpSpPr>
-      <p:grpSpPr>
-        <a:xfrm>
-          <a:off x="0" y="0"/>
-          <a:ext cx="0" cy="0"/>
-          <a:chOff x="0" y="0"/>
-          <a:chExt cx="0" cy="0"/>
-        </a:xfrm>
-      </p:grpSpPr>
-      <p:sp>
-        <p:nvSpPr>
-          <p:cNvPr id="4" name="ZoneTexte 3">
-            <a:extLst>
-              <a:ext uri="{FF2B5EF4-FFF2-40B4-BE49-F238E27FC236}">
-                <a16:creationId xmlns:a16="http://schemas.microsoft.com/office/drawing/2014/main" id="{7E782867-B202-431E-B5DB-C356E2E3DA8D}"/>
-              </a:ext>
-            </a:extLst>
-          </p:cNvPr>
-          <p:cNvSpPr txBox="1"/>
-          <p:nvPr/>
-        </p:nvSpPr>
-        <p:spPr>
-          <a:xfrm>
-            <a:off x="1019175" y="904875"/>
-            <a:ext cx="8629650" cy="1754326"/>
-          </a:xfrm>
-          <a:prstGeom prst="rect">
-            <a:avLst/>
-          </a:prstGeom>
-          <a:noFill/>
-        </p:spPr>
-        <p:txBody>
-          <a:bodyPr wrap="square" rtlCol="0">
-            <a:spAutoFit/>
-          </a:bodyPr>
-          <a:lstStyle/>
-          <a:p>
-            <a:r>
-              <a:rPr lang="fr-FR" dirty="0"/>
-              <a:t>Conception du MCD :</a:t>
-            </a:r>
-          </a:p>
-          <a:p>
-            <a:endParaRPr lang="fr-FR" dirty="0"/>
-          </a:p>
-          <a:p>
-            <a:r>
-              <a:rPr lang="fr-FR" dirty="0"/>
-              <a:t>Ajout du model mcd !!</a:t>
-            </a:r>
-          </a:p>
-          <a:p>
-            <a:endParaRPr lang="fr-FR" dirty="0"/>
-          </a:p>
-          <a:p>
-            <a:endParaRPr lang="fr-FR" dirty="0"/>
-          </a:p>
-          <a:p>
-            <a:endParaRPr lang="fr-FR" dirty="0"/>
-          </a:p>
-        </p:txBody>
-      </p:sp>
-      <p:pic>
-        <p:nvPicPr>
-          <p:cNvPr id="3" name="Image 2">
-            <a:extLst>
-              <a:ext uri="{FF2B5EF4-FFF2-40B4-BE49-F238E27FC236}">
-                <a16:creationId xmlns:a16="http://schemas.microsoft.com/office/drawing/2014/main" id="{DE42098A-2D7B-46E9-AAA0-A720DDA3977C}"/>
-              </a:ext>
-            </a:extLst>
-          </p:cNvPr>
-          <p:cNvPicPr>
-            <a:picLocks noChangeAspect="1"/>
-          </p:cNvPicPr>
-          <p:nvPr/>
-        </p:nvPicPr>
-        <p:blipFill>
-          <a:blip r:embed="rId2">
-            <a:extLst>
-              <a:ext uri="{28A0092B-C50C-407E-A947-70E740481C1C}">
-                <a14:useLocalDpi xmlns:a14="http://schemas.microsoft.com/office/drawing/2010/main" val="0"/>
-              </a:ext>
-            </a:extLst>
-          </a:blip>
-          <a:stretch>
-            <a:fillRect/>
-          </a:stretch>
-        </p:blipFill>
-        <p:spPr>
-          <a:xfrm>
-            <a:off x="10284905" y="5787957"/>
-            <a:ext cx="1697453" cy="892816"/>
-          </a:xfrm>
-          <a:prstGeom prst="rect">
-            <a:avLst/>
-          </a:prstGeom>
-        </p:spPr>
-      </p:pic>
-    </p:spTree>
-    <p:extLst>
-      <p:ext uri="{BB962C8B-B14F-4D97-AF65-F5344CB8AC3E}">
-        <p14:creationId xmlns:p14="http://schemas.microsoft.com/office/powerpoint/2010/main" val="757861432"/>
-      </p:ext>
-    </p:extLst>
-  </p:cSld>
-  <p:clrMapOvr>
-    <a:masterClrMapping/>
-  </p:clrMapOvr>
-</p:sld>
-</file>
-
-<file path=ppt/slides/slide9.xml><?xml version="1.0" encoding="utf-8"?>
-<p:sld xmlns:a="http://schemas.openxmlformats.org/drawingml/2006/main" xmlns:r="http://schemas.openxmlformats.org/officeDocument/2006/relationships" xmlns:p="http://schemas.openxmlformats.org/presentationml/2006/main">
-  <p:cSld>
-    <p:spTree>
-      <p:nvGrpSpPr>
-        <p:cNvPr id="1" name=""/>
-        <p:cNvGrpSpPr/>
-        <p:nvPr/>
-      </p:nvGrpSpPr>
-      <p:grpSpPr>
-        <a:xfrm>
-          <a:off x="0" y="0"/>
-          <a:ext cx="0" cy="0"/>
-          <a:chOff x="0" y="0"/>
-          <a:chExt cx="0" cy="0"/>
-        </a:xfrm>
-      </p:grpSpPr>
-      <p:sp>
-        <p:nvSpPr>
-          <p:cNvPr id="4" name="ZoneTexte 3">
-            <a:extLst>
-              <a:ext uri="{FF2B5EF4-FFF2-40B4-BE49-F238E27FC236}">
-                <a16:creationId xmlns:a16="http://schemas.microsoft.com/office/drawing/2014/main" id="{D8DEA46A-11D0-48C6-AFDC-51CF2D0684FA}"/>
-              </a:ext>
-            </a:extLst>
-          </p:cNvPr>
-          <p:cNvSpPr txBox="1"/>
-          <p:nvPr/>
-        </p:nvSpPr>
-        <p:spPr>
-          <a:xfrm>
-            <a:off x="1524000" y="1122363"/>
-            <a:ext cx="7629525" cy="2585323"/>
-          </a:xfrm>
-          <a:prstGeom prst="rect">
-            <a:avLst/>
-          </a:prstGeom>
-          <a:noFill/>
-        </p:spPr>
-        <p:txBody>
-          <a:bodyPr wrap="square" rtlCol="0">
-            <a:spAutoFit/>
-          </a:bodyPr>
-          <a:lstStyle/>
-          <a:p>
-            <a:r>
-              <a:rPr lang="fr-FR" dirty="0"/>
-              <a:t>Création de la base de données:</a:t>
-            </a:r>
-          </a:p>
-          <a:p>
-            <a:endParaRPr lang="fr-FR" dirty="0"/>
-          </a:p>
-          <a:p>
-            <a:r>
-              <a:rPr lang="fr-FR" dirty="0"/>
-              <a:t>Expliquer !!!</a:t>
-            </a:r>
-          </a:p>
-          <a:p>
-            <a:endParaRPr lang="fr-FR" dirty="0"/>
-          </a:p>
-          <a:p>
-            <a:endParaRPr lang="fr-FR" dirty="0"/>
-          </a:p>
-          <a:p>
-            <a:endParaRPr lang="fr-FR" dirty="0"/>
-          </a:p>
-          <a:p>
-            <a:endParaRPr lang="fr-FR" dirty="0"/>
-          </a:p>
-          <a:p>
-            <a:endParaRPr lang="fr-FR" dirty="0"/>
-          </a:p>
-          <a:p>
-            <a:endParaRPr lang="fr-FR" dirty="0"/>
-          </a:p>
-        </p:txBody>
-      </p:sp>
-      <p:pic>
-        <p:nvPicPr>
-          <p:cNvPr id="3" name="Image 2">
-            <a:extLst>
-              <a:ext uri="{FF2B5EF4-FFF2-40B4-BE49-F238E27FC236}">
-                <a16:creationId xmlns:a16="http://schemas.microsoft.com/office/drawing/2014/main" id="{4BBFD248-88F4-4A3F-A925-2835FB3D6D59}"/>
-              </a:ext>
-            </a:extLst>
-          </p:cNvPr>
-          <p:cNvPicPr>
-            <a:picLocks noChangeAspect="1"/>
-          </p:cNvPicPr>
-          <p:nvPr/>
-        </p:nvPicPr>
-        <p:blipFill>
-          <a:blip r:embed="rId2">
-            <a:extLst>
-              <a:ext uri="{28A0092B-C50C-407E-A947-70E740481C1C}">
-                <a14:useLocalDpi xmlns:a14="http://schemas.microsoft.com/office/drawing/2010/main" val="0"/>
-              </a:ext>
-            </a:extLst>
-          </a:blip>
-          <a:stretch>
-            <a:fillRect/>
-          </a:stretch>
-        </p:blipFill>
-        <p:spPr>
-          <a:xfrm>
-            <a:off x="10284905" y="5787957"/>
-            <a:ext cx="1697453" cy="892816"/>
-          </a:xfrm>
-          <a:prstGeom prst="rect">
-            <a:avLst/>
-          </a:prstGeom>
-        </p:spPr>
-      </p:pic>
-    </p:spTree>
-    <p:extLst>
-      <p:ext uri="{BB962C8B-B14F-4D97-AF65-F5344CB8AC3E}">
-        <p14:creationId xmlns:p14="http://schemas.microsoft.com/office/powerpoint/2010/main" val="2292033355"/>
       </p:ext>
     </p:extLst>
   </p:cSld>

--- a/Présentation UPOP.pptx
+++ b/Présentation UPOP.pptx
@@ -6869,8 +6869,8 @@
         </p:nvSpPr>
         <p:spPr>
           <a:xfrm>
-            <a:off x="1524000" y="1122363"/>
-            <a:ext cx="7629525" cy="4801314"/>
+            <a:off x="314325" y="1084263"/>
+            <a:ext cx="11363325" cy="3970318"/>
           </a:xfrm>
           <a:prstGeom prst="rect">
             <a:avLst/>
@@ -6885,15 +6885,6 @@
           <a:p>
             <a:r>
               <a:rPr lang="fr-FR" dirty="0"/>
-              <a:t>Création de la base de données:</a:t>
-            </a:r>
-          </a:p>
-          <a:p>
-            <a:endParaRPr lang="fr-FR" dirty="0"/>
-          </a:p>
-          <a:p>
-            <a:r>
-              <a:rPr lang="fr-FR" dirty="0"/>
               <a:t>FICHE_CLIENT (</a:t>
             </a:r>
             <a:r>
@@ -6966,7 +6957,16 @@
             </a:r>
             <a:r>
               <a:rPr lang="fr-FR" dirty="0"/>
-              <a:t>) COMMANDE (</a:t>
+              <a:t>) </a:t>
+            </a:r>
+          </a:p>
+          <a:p>
+            <a:endParaRPr lang="fr-FR" dirty="0"/>
+          </a:p>
+          <a:p>
+            <a:r>
+              <a:rPr lang="fr-FR" dirty="0"/>
+              <a:t>COMMANDE (</a:t>
             </a:r>
             <a:r>
               <a:rPr lang="fr-FR" dirty="0" err="1"/>
@@ -6998,7 +6998,16 @@
             </a:r>
             <a:r>
               <a:rPr lang="fr-FR" dirty="0"/>
-              <a:t>) COMMANDE_ARTICLE (</a:t>
+              <a:t>) </a:t>
+            </a:r>
+          </a:p>
+          <a:p>
+            <a:endParaRPr lang="fr-FR" dirty="0"/>
+          </a:p>
+          <a:p>
+            <a:r>
+              <a:rPr lang="fr-FR" dirty="0"/>
+              <a:t>COMMANDE_ARTICLE (</a:t>
             </a:r>
             <a:r>
               <a:rPr lang="fr-FR" dirty="0" err="1"/>
@@ -7022,7 +7031,16 @@
             </a:r>
             <a:r>
               <a:rPr lang="fr-FR" dirty="0"/>
-              <a:t>) FICHE_ARTICLE (</a:t>
+              <a:t>) </a:t>
+            </a:r>
+          </a:p>
+          <a:p>
+            <a:endParaRPr lang="fr-FR" dirty="0"/>
+          </a:p>
+          <a:p>
+            <a:r>
+              <a:rPr lang="fr-FR" dirty="0"/>
+              <a:t>FICHE_ARTICLE (</a:t>
             </a:r>
             <a:r>
               <a:rPr lang="fr-FR" dirty="0" err="1"/>
@@ -7054,7 +7072,16 @@
             </a:r>
             <a:r>
               <a:rPr lang="fr-FR" dirty="0"/>
-              <a:t>##) STOCK_ARTICLE (</a:t>
+              <a:t>##) </a:t>
+            </a:r>
+          </a:p>
+          <a:p>
+            <a:endParaRPr lang="fr-FR" dirty="0"/>
+          </a:p>
+          <a:p>
+            <a:r>
+              <a:rPr lang="fr-FR" dirty="0"/>
+              <a:t>STOCK_ARTICLE (</a:t>
             </a:r>
             <a:r>
               <a:rPr lang="fr-FR" dirty="0" err="1"/>
@@ -7062,7 +7089,16 @@
             </a:r>
             <a:r>
               <a:rPr lang="fr-FR" dirty="0"/>
-              <a:t>##, stock) UNIVERS (</a:t>
+              <a:t>##, stock)</a:t>
+            </a:r>
+          </a:p>
+          <a:p>
+            <a:endParaRPr lang="fr-FR" dirty="0"/>
+          </a:p>
+          <a:p>
+            <a:r>
+              <a:rPr lang="fr-FR" dirty="0"/>
+              <a:t>UNIVERS (</a:t>
             </a:r>
             <a:r>
               <a:rPr lang="fr-FR" dirty="0" err="1"/>
@@ -7070,7 +7106,16 @@
             </a:r>
             <a:r>
               <a:rPr lang="fr-FR" dirty="0"/>
-              <a:t>#) UNIVERS_CATEGORIE (</a:t>
+              <a:t>#)</a:t>
+            </a:r>
+          </a:p>
+          <a:p>
+            <a:endParaRPr lang="fr-FR" dirty="0"/>
+          </a:p>
+          <a:p>
+            <a:r>
+              <a:rPr lang="fr-FR" dirty="0"/>
+              <a:t>UNIVERS_CATEGORIE (</a:t>
             </a:r>
             <a:r>
               <a:rPr lang="fr-FR" dirty="0" err="1"/>
@@ -7096,21 +7141,6 @@
               <a:rPr lang="fr-FR" dirty="0"/>
               <a:t>#)</a:t>
             </a:r>
-          </a:p>
-          <a:p>
-            <a:endParaRPr lang="fr-FR" dirty="0"/>
-          </a:p>
-          <a:p>
-            <a:endParaRPr lang="fr-FR" dirty="0"/>
-          </a:p>
-          <a:p>
-            <a:endParaRPr lang="fr-FR" dirty="0"/>
-          </a:p>
-          <a:p>
-            <a:endParaRPr lang="fr-FR" dirty="0"/>
-          </a:p>
-          <a:p>
-            <a:endParaRPr lang="fr-FR" dirty="0"/>
           </a:p>
         </p:txBody>
       </p:sp>
@@ -7150,6 +7180,44 @@
           </a:prstGeom>
         </p:spPr>
       </p:pic>
+      <p:sp>
+        <p:nvSpPr>
+          <p:cNvPr id="2" name="ZoneTexte 1">
+            <a:extLst>
+              <a:ext uri="{FF2B5EF4-FFF2-40B4-BE49-F238E27FC236}">
+                <a16:creationId xmlns:a16="http://schemas.microsoft.com/office/drawing/2014/main" id="{17EB5872-7FCB-4649-8DEB-64FA139D7074}"/>
+              </a:ext>
+            </a:extLst>
+          </p:cNvPr>
+          <p:cNvSpPr txBox="1"/>
+          <p:nvPr/>
+        </p:nvSpPr>
+        <p:spPr>
+          <a:xfrm>
+            <a:off x="533400" y="257175"/>
+            <a:ext cx="5267325" cy="646331"/>
+          </a:xfrm>
+          <a:prstGeom prst="rect">
+            <a:avLst/>
+          </a:prstGeom>
+          <a:noFill/>
+        </p:spPr>
+        <p:txBody>
+          <a:bodyPr wrap="square" rtlCol="0">
+            <a:spAutoFit/>
+          </a:bodyPr>
+          <a:lstStyle/>
+          <a:p>
+            <a:r>
+              <a:rPr lang="fr-FR" dirty="0"/>
+              <a:t>Création de la base de données:</a:t>
+            </a:r>
+          </a:p>
+          <a:p>
+            <a:endParaRPr lang="fr-FR" dirty="0"/>
+          </a:p>
+        </p:txBody>
+      </p:sp>
     </p:spTree>
     <p:extLst>
       <p:ext uri="{BB962C8B-B14F-4D97-AF65-F5344CB8AC3E}">
@@ -7313,8 +7381,8 @@
         </p:nvSpPr>
         <p:spPr>
           <a:xfrm>
-            <a:off x="5149743" y="3823406"/>
-            <a:ext cx="6911194" cy="1754326"/>
+            <a:off x="4528879" y="4512722"/>
+            <a:ext cx="7580055" cy="1477328"/>
           </a:xfrm>
           <a:prstGeom prst="rect">
             <a:avLst/>
@@ -7331,7 +7399,7 @@
               <a:rPr lang="fr-FR" dirty="0">
                 <a:latin typeface="Book Antiqua" panose="02040602050305030304" pitchFamily="18" charset="0"/>
               </a:rPr>
-              <a:t>Structure du de la page d'accueil/connexion HTML/CSS OK</a:t>
+              <a:t>Structure du de la page d'accueil/connexion HTML/CSS – Camille(3h)</a:t>
             </a:r>
           </a:p>
           <a:p>
@@ -7339,7 +7407,7 @@
               <a:rPr lang="fr-FR" dirty="0">
                 <a:latin typeface="Book Antiqua" panose="02040602050305030304" pitchFamily="18" charset="0"/>
               </a:rPr>
-              <a:t>TOOLBAR TERMINEE + Structure des pages OK</a:t>
+              <a:t>NAVBAR TERMINEE + Structure des pages OK – Anis et Dylan (2h)</a:t>
             </a:r>
           </a:p>
           <a:p>
@@ -7347,7 +7415,7 @@
               <a:rPr lang="fr-FR" dirty="0">
                 <a:latin typeface="Book Antiqua" panose="02040602050305030304" pitchFamily="18" charset="0"/>
               </a:rPr>
-              <a:t>Structure de la page : ACCUEIL (CSS à finir)</a:t>
+              <a:t>Structure de la page : PANIER OK – Anis (5h)</a:t>
             </a:r>
           </a:p>
           <a:p>
@@ -7355,7 +7423,7 @@
               <a:rPr lang="fr-FR" dirty="0">
                 <a:latin typeface="Book Antiqua" panose="02040602050305030304" pitchFamily="18" charset="0"/>
               </a:rPr>
-              <a:t>Structure de la page : PANIER OK</a:t>
+              <a:t>Structure de la page : contact OK – Camille (4h)</a:t>
             </a:r>
           </a:p>
           <a:p>
@@ -7363,15 +7431,7 @@
               <a:rPr lang="fr-FR" dirty="0">
                 <a:latin typeface="Book Antiqua" panose="02040602050305030304" pitchFamily="18" charset="0"/>
               </a:rPr>
-              <a:t>Structure de la page : contact OK</a:t>
-            </a:r>
-          </a:p>
-          <a:p>
-            <a:r>
-              <a:rPr lang="fr-FR" dirty="0">
-                <a:latin typeface="Book Antiqua" panose="02040602050305030304" pitchFamily="18" charset="0"/>
-              </a:rPr>
-              <a:t>Structure de la page FIGURINE : à finir</a:t>
+              <a:t>Structure de la page FIGURINE : à finir – Dylan (5h)</a:t>
             </a:r>
           </a:p>
         </p:txBody>
@@ -7585,7 +7645,7 @@
         <p:spPr>
           <a:xfrm>
             <a:off x="196220" y="2172802"/>
-            <a:ext cx="5892193" cy="1477328"/>
+            <a:ext cx="5892193" cy="2031325"/>
           </a:xfrm>
           <a:prstGeom prst="rect">
             <a:avLst/>
@@ -7635,6 +7695,19 @@
                 <a:latin typeface="Book Antiqua" panose="02040602050305030304" pitchFamily="18" charset="0"/>
               </a:rPr>
               <a:t>Remplissage de la base de données </a:t>
+            </a:r>
+          </a:p>
+          <a:p>
+            <a:endParaRPr lang="fr-FR" dirty="0">
+              <a:latin typeface="Book Antiqua" panose="02040602050305030304" pitchFamily="18" charset="0"/>
+            </a:endParaRPr>
+          </a:p>
+          <a:p>
+            <a:r>
+              <a:rPr lang="fr-FR" dirty="0">
+                <a:latin typeface="Book Antiqua" panose="02040602050305030304" pitchFamily="18" charset="0"/>
+              </a:rPr>
+              <a:t>Réalisée par Ken et Matthias (7h)</a:t>
             </a:r>
           </a:p>
         </p:txBody>
@@ -7654,7 +7727,7 @@
         <p:spPr>
           <a:xfrm>
             <a:off x="5212220" y="2189832"/>
-            <a:ext cx="5337181" cy="1477328"/>
+            <a:ext cx="6463585" cy="1754326"/>
           </a:xfrm>
           <a:prstGeom prst="rect">
             <a:avLst/>
@@ -7679,7 +7752,15 @@
               <a:rPr lang="fr-FR" dirty="0">
                 <a:latin typeface="Book Antiqua" panose="02040602050305030304" pitchFamily="18" charset="0"/>
               </a:rPr>
-              <a:t>SELECT</a:t>
+              <a:t>Automatisation des jeux de données en CSV</a:t>
+            </a:r>
+          </a:p>
+          <a:p>
+            <a:r>
+              <a:rPr lang="fr-FR" dirty="0">
+                <a:latin typeface="Book Antiqua" panose="02040602050305030304" pitchFamily="18" charset="0"/>
+              </a:rPr>
+              <a:t>SELECT  </a:t>
             </a:r>
           </a:p>
           <a:p>
@@ -7688,6 +7769,14 @@
                 <a:latin typeface="Book Antiqua" panose="02040602050305030304" pitchFamily="18" charset="0"/>
               </a:rPr>
               <a:t>CONDITIONS ET ALGO</a:t>
+            </a:r>
+          </a:p>
+          <a:p>
+            <a:r>
+              <a:rPr lang="fr-FR" dirty="0">
+                <a:latin typeface="Book Antiqua" panose="02040602050305030304" pitchFamily="18" charset="0"/>
+              </a:rPr>
+              <a:t>JC  (7h)</a:t>
             </a:r>
           </a:p>
           <a:p>
@@ -7711,7 +7800,7 @@
         </p:nvSpPr>
         <p:spPr>
           <a:xfrm>
-            <a:off x="5149742" y="3120974"/>
+            <a:off x="4962009" y="3790947"/>
             <a:ext cx="6713796" cy="597988"/>
           </a:xfrm>
           <a:prstGeom prst="roundRect">
@@ -7751,48 +7840,15 @@
           <a:lstStyle/>
           <a:p>
             <a:pPr algn="ctr"/>
-            <a:endParaRPr lang="fr-FR">
-              <a:latin typeface="Book Antiqua" panose="02040602050305030304" pitchFamily="18" charset="0"/>
-            </a:endParaRPr>
-          </a:p>
-        </p:txBody>
-      </p:sp>
-      <p:sp>
-        <p:nvSpPr>
-          <p:cNvPr id="14" name="ZoneTexte 13">
-            <a:extLst>
-              <a:ext uri="{FF2B5EF4-FFF2-40B4-BE49-F238E27FC236}">
-                <a16:creationId xmlns:a16="http://schemas.microsoft.com/office/drawing/2014/main" id="{826B989A-334A-426F-ACAB-F59A8819908A}"/>
-              </a:ext>
-            </a:extLst>
-          </p:cNvPr>
-          <p:cNvSpPr txBox="1"/>
-          <p:nvPr/>
-        </p:nvSpPr>
-        <p:spPr>
-          <a:xfrm>
-            <a:off x="5131927" y="3118047"/>
-            <a:ext cx="6832195" cy="677108"/>
-          </a:xfrm>
-          <a:prstGeom prst="rect">
-            <a:avLst/>
-          </a:prstGeom>
-          <a:noFill/>
-        </p:spPr>
-        <p:txBody>
-          <a:bodyPr wrap="square" rtlCol="0">
-            <a:spAutoFit/>
-          </a:bodyPr>
-          <a:lstStyle/>
-          <a:p>
-            <a:r>
-              <a:rPr lang="fr-FR" sz="2000" dirty="0">
+            <a:r>
+              <a:rPr lang="fr-FR" dirty="0">
                 <a:latin typeface="Book Antiqua" panose="02040602050305030304" pitchFamily="18" charset="0"/>
               </a:rPr>
               <a:t>Mise en place de la structure du site internet :  </a:t>
             </a:r>
           </a:p>
           <a:p>
+            <a:pPr algn="ctr"/>
             <a:endParaRPr lang="fr-FR" dirty="0">
               <a:latin typeface="Book Antiqua" panose="02040602050305030304" pitchFamily="18" charset="0"/>
             </a:endParaRPr>
@@ -8198,8 +8254,8 @@
         </p:nvSpPr>
         <p:spPr>
           <a:xfrm>
-            <a:off x="904567" y="6182173"/>
-            <a:ext cx="5191432" cy="369332"/>
+            <a:off x="904566" y="6182173"/>
+            <a:ext cx="7134533" cy="369332"/>
           </a:xfrm>
           <a:prstGeom prst="rect">
             <a:avLst/>
@@ -8216,7 +8272,7 @@
               <a:rPr lang="fr-FR" dirty="0">
                 <a:latin typeface="Book Antiqua" panose="02040602050305030304" pitchFamily="18" charset="0"/>
               </a:rPr>
-              <a:t>Mise en page des fichiers sur GITHUB</a:t>
+              <a:t>Mise en page des fichiers sur GITHUB – Dylan Hébergeur</a:t>
             </a:r>
           </a:p>
         </p:txBody>
@@ -8236,7 +8292,7 @@
         <p:spPr>
           <a:xfrm>
             <a:off x="168678" y="3580185"/>
-            <a:ext cx="10031361" cy="1631216"/>
+            <a:ext cx="11089872" cy="1631216"/>
           </a:xfrm>
           <a:prstGeom prst="rect">
             <a:avLst/>
@@ -8253,7 +8309,7 @@
               <a:rPr lang="fr-FR" sz="2000" dirty="0">
                 <a:latin typeface="Book Antiqua" panose="02040602050305030304" pitchFamily="18" charset="0"/>
               </a:rPr>
-              <a:t>Synthétisé les CSS/HTML</a:t>
+              <a:t>Synthétisé les CSS/HTML  - Dylan, Anis, Camille (3h)</a:t>
             </a:r>
           </a:p>
           <a:p>
@@ -8261,7 +8317,7 @@
               <a:rPr lang="fr-FR" sz="2000" dirty="0">
                 <a:latin typeface="Book Antiqua" panose="02040602050305030304" pitchFamily="18" charset="0"/>
               </a:rPr>
-              <a:t>Finir les modèles de BOX</a:t>
+              <a:t>Finir les modèles de BOX – Dylan (4h)</a:t>
             </a:r>
           </a:p>
           <a:p>
@@ -8269,7 +8325,7 @@
               <a:rPr lang="fr-FR" sz="2000" dirty="0">
                 <a:latin typeface="Book Antiqua" panose="02040602050305030304" pitchFamily="18" charset="0"/>
               </a:rPr>
-              <a:t>Page compte a créer</a:t>
+              <a:t>Page compte a créer – Camille (4h)</a:t>
             </a:r>
           </a:p>
           <a:p>
@@ -8277,7 +8333,7 @@
               <a:rPr lang="fr-FR" sz="2000" dirty="0">
                 <a:latin typeface="Book Antiqua" panose="02040602050305030304" pitchFamily="18" charset="0"/>
               </a:rPr>
-              <a:t>Mise en page et structure du site HTML/CSS terminée</a:t>
+              <a:t>Mise en page et structure du site HTML/CSS terminée Jean-Christophe – (3h)</a:t>
             </a:r>
           </a:p>
           <a:p>
@@ -8285,7 +8341,7 @@
               <a:rPr lang="fr-FR" sz="2000" dirty="0">
                 <a:latin typeface="Book Antiqua" panose="02040602050305030304" pitchFamily="18" charset="0"/>
               </a:rPr>
-              <a:t>Fusion des différents CSS (Main.css : qui est le CSS général et des CSS spécifiques</a:t>
+              <a:t>Fusion des différents CSS (Main.css : qui est le CSS général et des CSS spécifiques – Anis (4h) </a:t>
             </a:r>
           </a:p>
         </p:txBody>
@@ -8305,7 +8361,7 @@
         <p:spPr>
           <a:xfrm>
             <a:off x="227878" y="2067034"/>
-            <a:ext cx="5348747" cy="1015663"/>
+            <a:ext cx="8782772" cy="707886"/>
           </a:xfrm>
           <a:prstGeom prst="rect">
             <a:avLst/>
@@ -8322,7 +8378,7 @@
               <a:rPr lang="fr-FR" sz="2000" dirty="0">
                 <a:latin typeface="Book Antiqua" panose="02040602050305030304" pitchFamily="18" charset="0"/>
               </a:rPr>
-              <a:t>Remplir catégorie commande articles</a:t>
+              <a:t>Remplir catégorie commande articles – Matthias - Jean-Christophe (7h)</a:t>
             </a:r>
           </a:p>
           <a:p>
@@ -8330,13 +8386,8 @@
               <a:rPr lang="fr-FR" sz="2000" dirty="0">
                 <a:latin typeface="Book Antiqua" panose="02040602050305030304" pitchFamily="18" charset="0"/>
               </a:rPr>
-              <a:t>Finir page admin</a:t>
-            </a:r>
-          </a:p>
-          <a:p>
-            <a:endParaRPr lang="fr-FR" sz="2000" dirty="0">
-              <a:latin typeface="Book Antiqua" panose="02040602050305030304" pitchFamily="18" charset="0"/>
-            </a:endParaRPr>
+              <a:t>Finir page admin - Ken (7h)</a:t>
+            </a:r>
           </a:p>
         </p:txBody>
       </p:sp>
@@ -8475,8 +8526,8 @@
         </p:nvSpPr>
         <p:spPr>
           <a:xfrm>
-            <a:off x="785647" y="4040457"/>
-            <a:ext cx="5102448" cy="1477328"/>
+            <a:off x="842797" y="4455955"/>
+            <a:ext cx="5102448" cy="646331"/>
           </a:xfrm>
           <a:prstGeom prst="rect">
             <a:avLst/>
@@ -8489,16 +8540,6 @@
           </a:bodyPr>
           <a:lstStyle/>
           <a:p>
-            <a:endParaRPr lang="fr-FR" dirty="0">
-              <a:latin typeface="Book Antiqua" panose="02040602050305030304" pitchFamily="18" charset="0"/>
-            </a:endParaRPr>
-          </a:p>
-          <a:p>
-            <a:endParaRPr lang="fr-FR" dirty="0">
-              <a:latin typeface="Book Antiqua" panose="02040602050305030304" pitchFamily="18" charset="0"/>
-            </a:endParaRPr>
-          </a:p>
-          <a:p>
             <a:r>
               <a:rPr lang="fr-FR" dirty="0">
                 <a:latin typeface="Book Antiqua" panose="02040602050305030304" pitchFamily="18" charset="0"/>
@@ -8507,14 +8548,12 @@
             </a:r>
           </a:p>
           <a:p>
-            <a:endParaRPr lang="fr-FR" dirty="0">
-              <a:latin typeface="Book Antiqua" panose="02040602050305030304" pitchFamily="18" charset="0"/>
-            </a:endParaRPr>
-          </a:p>
-          <a:p>
-            <a:endParaRPr lang="fr-FR" dirty="0">
-              <a:latin typeface="Book Antiqua" panose="02040602050305030304" pitchFamily="18" charset="0"/>
-            </a:endParaRPr>
+            <a:r>
+              <a:rPr lang="fr-FR" dirty="0">
+                <a:latin typeface="Book Antiqua" panose="02040602050305030304" pitchFamily="18" charset="0"/>
+              </a:rPr>
+              <a:t>- Camille (2h)</a:t>
+            </a:r>
           </a:p>
         </p:txBody>
       </p:sp>
@@ -8690,7 +8729,7 @@
         <p:spPr>
           <a:xfrm>
             <a:off x="309412" y="2580540"/>
-            <a:ext cx="3767271" cy="1077218"/>
+            <a:ext cx="3767271" cy="1323439"/>
           </a:xfrm>
           <a:prstGeom prst="rect">
             <a:avLst/>
@@ -8723,19 +8762,15 @@
               <a:rPr lang="fr-FR" sz="1600" dirty="0">
                 <a:latin typeface="Book Antiqua" panose="02040602050305030304" pitchFamily="18" charset="0"/>
               </a:rPr>
-              <a:t>Partie connexion PHP (créer une </a:t>
-            </a:r>
-            <a:r>
-              <a:rPr lang="fr-FR" sz="1600" dirty="0" err="1">
-                <a:latin typeface="Book Antiqua" panose="02040602050305030304" pitchFamily="18" charset="0"/>
-              </a:rPr>
-              <a:t>sesison</a:t>
-            </a:r>
+              <a:t>Partie connexion PHP (créer une session </a:t>
+            </a:r>
+          </a:p>
+          <a:p>
             <a:r>
               <a:rPr lang="fr-FR" sz="1600" dirty="0">
                 <a:latin typeface="Book Antiqua" panose="02040602050305030304" pitchFamily="18" charset="0"/>
               </a:rPr>
-              <a:t>)</a:t>
+              <a:t>Matthias – (5h)</a:t>
             </a:r>
           </a:p>
         </p:txBody>
@@ -8913,30 +8948,18 @@
           <a:lstStyle/>
           <a:p>
             <a:r>
-              <a:rPr lang="fr-FR" dirty="0" err="1">
-                <a:latin typeface="Book Antiqua" panose="02040602050305030304" pitchFamily="18" charset="0"/>
-              </a:rPr>
-              <a:t>Recupération</a:t>
-            </a:r>
-            <a:r>
               <a:rPr lang="fr-FR" dirty="0">
                 <a:latin typeface="Book Antiqua" panose="02040602050305030304" pitchFamily="18" charset="0"/>
               </a:rPr>
-              <a:t> des données articles</a:t>
-            </a:r>
-          </a:p>
-          <a:p>
-            <a:r>
-              <a:rPr lang="fr-FR" sz="1600" dirty="0" err="1">
-                <a:latin typeface="Book Antiqua" panose="02040602050305030304" pitchFamily="18" charset="0"/>
-              </a:rPr>
-              <a:t>Requete</a:t>
-            </a:r>
+              <a:t>Récupération des données articles – Mathias(2h)</a:t>
+            </a:r>
+          </a:p>
+          <a:p>
             <a:r>
               <a:rPr lang="fr-FR" sz="1600" dirty="0">
                 <a:latin typeface="Book Antiqua" panose="02040602050305030304" pitchFamily="18" charset="0"/>
               </a:rPr>
-              <a:t> SQL</a:t>
+              <a:t>Requête SQL Jean-Christophe (2h)</a:t>
             </a:r>
           </a:p>
           <a:p>
@@ -8944,7 +8967,7 @@
               <a:rPr lang="fr-FR" dirty="0">
                 <a:latin typeface="Book Antiqua" panose="02040602050305030304" pitchFamily="18" charset="0"/>
               </a:rPr>
-              <a:t>Base de données terminée</a:t>
+              <a:t>Base de données terminée  - Jean-Christophe (5h)</a:t>
             </a:r>
           </a:p>
         </p:txBody>
@@ -8963,8 +8986,8 @@
         </p:nvSpPr>
         <p:spPr>
           <a:xfrm>
-            <a:off x="5149742" y="3727156"/>
-            <a:ext cx="6181725" cy="2585323"/>
+            <a:off x="4905375" y="3727156"/>
+            <a:ext cx="6958163" cy="1815882"/>
           </a:xfrm>
           <a:prstGeom prst="rect">
             <a:avLst/>
@@ -8981,19 +9004,15 @@
               <a:rPr lang="fr-FR" sz="1600" dirty="0">
                 <a:latin typeface="Book Antiqua" panose="02040602050305030304" pitchFamily="18" charset="0"/>
               </a:rPr>
-              <a:t>Bloque </a:t>
-            </a:r>
-            <a:r>
-              <a:rPr lang="fr-FR" sz="1600" dirty="0" err="1">
-                <a:latin typeface="Book Antiqua" panose="02040602050305030304" pitchFamily="18" charset="0"/>
-              </a:rPr>
-              <a:t>modele</a:t>
-            </a:r>
+              <a:t>Bloque modèle page figurine Dylan (7h)</a:t>
+            </a:r>
+          </a:p>
+          <a:p>
             <a:r>
               <a:rPr lang="fr-FR" sz="1600" dirty="0">
                 <a:latin typeface="Book Antiqua" panose="02040602050305030304" pitchFamily="18" charset="0"/>
               </a:rPr>
-              <a:t> page figurine</a:t>
+              <a:t>Créer page d'inscription - reste a faire communiqué </a:t>
             </a:r>
           </a:p>
           <a:p>
@@ -9001,7 +9020,7 @@
               <a:rPr lang="fr-FR" sz="1600" dirty="0">
                 <a:latin typeface="Book Antiqua" panose="02040602050305030304" pitchFamily="18" charset="0"/>
               </a:rPr>
-              <a:t>Nettoyage code</a:t>
+              <a:t>harmonisation du site Jean-Christophe (3h)</a:t>
             </a:r>
           </a:p>
           <a:p>
@@ -9009,7 +9028,7 @@
               <a:rPr lang="fr-FR" sz="1600" dirty="0">
                 <a:latin typeface="Book Antiqua" panose="02040602050305030304" pitchFamily="18" charset="0"/>
               </a:rPr>
-              <a:t>Créer page d'inscription - reste a faire communiqué</a:t>
+              <a:t>Page de compte structure du site - Camille (5h )et Jean-Christophe (2h) </a:t>
             </a:r>
           </a:p>
           <a:p>
@@ -9017,7 +9036,7 @@
               <a:rPr lang="fr-FR" sz="1600" dirty="0">
                 <a:latin typeface="Book Antiqua" panose="02040602050305030304" pitchFamily="18" charset="0"/>
               </a:rPr>
-              <a:t>harmonisation du site</a:t>
+              <a:t>Page d'administrateur - à mettre en harmonisation – Ken (7h)</a:t>
             </a:r>
           </a:p>
           <a:p>
@@ -9025,7 +9044,7 @@
               <a:rPr lang="fr-FR" sz="1600" dirty="0">
                 <a:latin typeface="Book Antiqua" panose="02040602050305030304" pitchFamily="18" charset="0"/>
               </a:rPr>
-              <a:t>Page de compte structure du site</a:t>
+              <a:t>Page CSS main.css en place  et personnalisation des autres CSS–Anis (3h)</a:t>
             </a:r>
           </a:p>
           <a:p>
@@ -9033,37 +9052,8 @@
               <a:rPr lang="fr-FR" sz="1600" dirty="0">
                 <a:latin typeface="Book Antiqua" panose="02040602050305030304" pitchFamily="18" charset="0"/>
               </a:rPr>
-              <a:t>Page d'administrateur - à mettre en harmonisation</a:t>
-            </a:r>
-          </a:p>
-          <a:p>
-            <a:r>
-              <a:rPr lang="fr-FR" sz="1600" dirty="0">
-                <a:latin typeface="Book Antiqua" panose="02040602050305030304" pitchFamily="18" charset="0"/>
-              </a:rPr>
-              <a:t>Page CSS main.css en place </a:t>
-            </a:r>
-          </a:p>
-          <a:p>
-            <a:r>
-              <a:rPr lang="fr-FR" sz="1600" dirty="0">
-                <a:latin typeface="Book Antiqua" panose="02040602050305030304" pitchFamily="18" charset="0"/>
-              </a:rPr>
-              <a:t>Uniformisé tout les CSS du site</a:t>
-            </a:r>
-          </a:p>
-          <a:p>
-            <a:r>
-              <a:rPr lang="fr-FR" sz="1600" dirty="0">
-                <a:latin typeface="Book Antiqua" panose="02040602050305030304" pitchFamily="18" charset="0"/>
-              </a:rPr>
-              <a:t>Rectification de la page panier - a terminé</a:t>
-            </a:r>
-          </a:p>
-          <a:p>
-            <a:endParaRPr lang="fr-FR" dirty="0">
-              <a:latin typeface="Book Antiqua" panose="02040602050305030304" pitchFamily="18" charset="0"/>
-            </a:endParaRPr>
+              <a:t>Rectification de la page panier - a terminé Anis(4h)</a:t>
+            </a:r>
           </a:p>
         </p:txBody>
       </p:sp>
@@ -9262,7 +9252,7 @@
         </p:nvSpPr>
         <p:spPr>
           <a:xfrm>
-            <a:off x="7974705" y="1657951"/>
+            <a:off x="7908030" y="1105842"/>
             <a:ext cx="3610697" cy="597988"/>
           </a:xfrm>
           <a:prstGeom prst="roundRect">
@@ -9322,7 +9312,7 @@
         </p:nvSpPr>
         <p:spPr>
           <a:xfrm>
-            <a:off x="8055540" y="1695335"/>
+            <a:off x="8168695" y="1176566"/>
             <a:ext cx="3610697" cy="400110"/>
           </a:xfrm>
           <a:prstGeom prst="rect">
@@ -9359,8 +9349,8 @@
         </p:nvSpPr>
         <p:spPr>
           <a:xfrm>
-            <a:off x="8168695" y="2418490"/>
-            <a:ext cx="2526890" cy="1107996"/>
+            <a:off x="8037324" y="1774554"/>
+            <a:ext cx="3742067" cy="2339102"/>
           </a:xfrm>
           <a:prstGeom prst="rect">
             <a:avLst/>
@@ -9377,7 +9367,7 @@
               <a:rPr lang="fr-FR" sz="1600" dirty="0">
                 <a:latin typeface="Book Antiqua" panose="02040602050305030304" pitchFamily="18" charset="0"/>
               </a:rPr>
-              <a:t>Connexion au page : </a:t>
+              <a:t>Gestion des erreurs à la connexion</a:t>
             </a:r>
           </a:p>
           <a:p>
@@ -9385,15 +9375,68 @@
               <a:rPr lang="fr-FR" sz="1600" dirty="0">
                 <a:latin typeface="Book Antiqua" panose="02040602050305030304" pitchFamily="18" charset="0"/>
               </a:rPr>
-              <a:t>- d'inscription</a:t>
-            </a:r>
+              <a:t>- Mathias (7h)</a:t>
+            </a:r>
+          </a:p>
+          <a:p>
+            <a:endParaRPr lang="fr-FR" sz="1600" dirty="0">
+              <a:latin typeface="Book Antiqua" panose="02040602050305030304" pitchFamily="18" charset="0"/>
+            </a:endParaRPr>
           </a:p>
           <a:p>
             <a:r>
               <a:rPr lang="fr-FR" sz="1600" dirty="0">
                 <a:latin typeface="Book Antiqua" panose="02040602050305030304" pitchFamily="18" charset="0"/>
               </a:rPr>
-              <a:t>- page gestion</a:t>
+              <a:t>Connexion au page : </a:t>
+            </a:r>
+          </a:p>
+          <a:p>
+            <a:pPr marL="285750" indent="-285750">
+              <a:buFontTx/>
+              <a:buChar char="-"/>
+            </a:pPr>
+            <a:r>
+              <a:rPr lang="fr-FR" sz="1600" dirty="0">
+                <a:latin typeface="Book Antiqua" panose="02040602050305030304" pitchFamily="18" charset="0"/>
+              </a:rPr>
+              <a:t>Page compte – Jean-Christophe (4h)</a:t>
+            </a:r>
+          </a:p>
+          <a:p>
+            <a:pPr marL="285750" indent="-285750">
+              <a:buFontTx/>
+              <a:buChar char="-"/>
+            </a:pPr>
+            <a:r>
+              <a:rPr lang="fr-FR" sz="1600" dirty="0">
+                <a:latin typeface="Book Antiqua" panose="02040602050305030304" pitchFamily="18" charset="0"/>
+              </a:rPr>
+              <a:t>Page Index – Jean-Christophe (4h)</a:t>
+            </a:r>
+          </a:p>
+          <a:p>
+            <a:pPr marL="285750" indent="-285750">
+              <a:buFontTx/>
+              <a:buChar char="-"/>
+            </a:pPr>
+            <a:r>
+              <a:rPr lang="fr-FR" sz="1600" dirty="0">
+                <a:latin typeface="Book Antiqua" panose="02040602050305030304" pitchFamily="18" charset="0"/>
+              </a:rPr>
+              <a:t>Page admin – Ken (7h)</a:t>
+            </a:r>
+          </a:p>
+          <a:p>
+            <a:pPr marL="285750" indent="-285750">
+              <a:buFontTx/>
+              <a:buChar char="-"/>
+            </a:pPr>
+            <a:r>
+              <a:rPr lang="fr-FR" sz="1600" dirty="0">
+                <a:latin typeface="Book Antiqua" panose="02040602050305030304" pitchFamily="18" charset="0"/>
+              </a:rPr>
+              <a:t>Page contact – Anis (7h)</a:t>
             </a:r>
           </a:p>
           <a:p>
@@ -9417,7 +9460,7 @@
         </p:nvSpPr>
         <p:spPr>
           <a:xfrm>
-            <a:off x="104823" y="1669387"/>
+            <a:off x="0" y="1097262"/>
             <a:ext cx="6713796" cy="597988"/>
           </a:xfrm>
           <a:prstGeom prst="roundRect">
@@ -9477,7 +9520,7 @@
         </p:nvSpPr>
         <p:spPr>
           <a:xfrm>
-            <a:off x="287079" y="1733711"/>
+            <a:off x="-151071" y="1105061"/>
             <a:ext cx="5893537" cy="677108"/>
           </a:xfrm>
           <a:prstGeom prst="rect">
@@ -9520,8 +9563,8 @@
         </p:nvSpPr>
         <p:spPr>
           <a:xfrm>
-            <a:off x="146054" y="2362667"/>
-            <a:ext cx="6054721" cy="3785652"/>
+            <a:off x="146054" y="1774554"/>
+            <a:ext cx="8022641" cy="5016758"/>
           </a:xfrm>
           <a:prstGeom prst="rect">
             <a:avLst/>
@@ -9550,7 +9593,15 @@
               <a:rPr lang="fr-FR" sz="1600" dirty="0">
                 <a:latin typeface="Book Antiqua" panose="02040602050305030304" pitchFamily="18" charset="0"/>
               </a:rPr>
-              <a:t> (Ajout bouton : page de connexion) + fixée la </a:t>
+              <a:t>  - Anis (1h)</a:t>
+            </a:r>
+          </a:p>
+          <a:p>
+            <a:r>
+              <a:rPr lang="fr-FR" sz="1600" dirty="0">
+                <a:latin typeface="Book Antiqua" panose="02040602050305030304" pitchFamily="18" charset="0"/>
+              </a:rPr>
+              <a:t>(Ajout bouton déconnexion : page de connexion) + fixée la </a:t>
             </a:r>
             <a:r>
               <a:rPr lang="fr-FR" sz="1600" dirty="0" err="1">
@@ -9558,6 +9609,14 @@
               </a:rPr>
               <a:t>navbar</a:t>
             </a:r>
+            <a:r>
+              <a:rPr lang="fr-FR" sz="1600" dirty="0">
+                <a:latin typeface="Book Antiqua" panose="02040602050305030304" pitchFamily="18" charset="0"/>
+              </a:rPr>
+              <a:t> </a:t>
+            </a:r>
+          </a:p>
+          <a:p>
             <a:endParaRPr lang="fr-FR" sz="1600" dirty="0">
               <a:latin typeface="Book Antiqua" panose="02040602050305030304" pitchFamily="18" charset="0"/>
             </a:endParaRPr>
@@ -9567,7 +9626,7 @@
               <a:rPr lang="fr-FR" sz="1600" dirty="0">
                 <a:latin typeface="Book Antiqua" panose="02040602050305030304" pitchFamily="18" charset="0"/>
               </a:rPr>
-              <a:t>Page contact : </a:t>
+              <a:t>Page contact : Camille (2h)</a:t>
             </a:r>
           </a:p>
           <a:p>
@@ -9587,11 +9646,16 @@
             </a:r>
           </a:p>
           <a:p>
+            <a:endParaRPr lang="fr-FR" sz="1600" dirty="0">
+              <a:latin typeface="Book Antiqua" panose="02040602050305030304" pitchFamily="18" charset="0"/>
+            </a:endParaRPr>
+          </a:p>
+          <a:p>
             <a:r>
               <a:rPr lang="fr-FR" sz="1600" dirty="0">
                 <a:latin typeface="Book Antiqua" panose="02040602050305030304" pitchFamily="18" charset="0"/>
               </a:rPr>
-              <a:t>Page figurine :</a:t>
+              <a:t>Page figurine : Dylan (7h)</a:t>
             </a:r>
           </a:p>
           <a:p>
@@ -9611,11 +9675,16 @@
             </a:r>
           </a:p>
           <a:p>
+            <a:endParaRPr lang="fr-FR" sz="1600" dirty="0">
+              <a:latin typeface="Book Antiqua" panose="02040602050305030304" pitchFamily="18" charset="0"/>
+            </a:endParaRPr>
+          </a:p>
+          <a:p>
             <a:r>
               <a:rPr lang="fr-FR" sz="1600" dirty="0">
                 <a:latin typeface="Book Antiqua" panose="02040602050305030304" pitchFamily="18" charset="0"/>
               </a:rPr>
-              <a:t>Page accueil :</a:t>
+              <a:t>Page accueil : Camille (3h)</a:t>
             </a:r>
           </a:p>
           <a:p>
@@ -9623,17 +9692,8 @@
               <a:rPr lang="fr-FR" sz="1600" dirty="0">
                 <a:latin typeface="Book Antiqua" panose="02040602050305030304" pitchFamily="18" charset="0"/>
               </a:rPr>
-              <a:t>suppression du </a:t>
-            </a:r>
-            <a:r>
-              <a:rPr lang="fr-FR" sz="1600" dirty="0" err="1">
-                <a:latin typeface="Book Antiqua" panose="02040602050305030304" pitchFamily="18" charset="0"/>
-              </a:rPr>
-              <a:t>carroussel</a:t>
-            </a:r>
-            <a:endParaRPr lang="fr-FR" sz="1600" dirty="0">
-              <a:latin typeface="Book Antiqua" panose="02040602050305030304" pitchFamily="18" charset="0"/>
-            </a:endParaRPr>
+              <a:t>suppression du carrousel</a:t>
+            </a:r>
           </a:p>
           <a:p>
             <a:r>
@@ -9646,33 +9706,26 @@
               <a:rPr lang="fr-FR" sz="1600" dirty="0" err="1">
                 <a:latin typeface="Book Antiqua" panose="02040602050305030304" pitchFamily="18" charset="0"/>
               </a:rPr>
-              <a:t>deadpool</a:t>
+              <a:t>Deadpool</a:t>
             </a:r>
             <a:r>
               <a:rPr lang="fr-FR" sz="1600" dirty="0">
                 <a:latin typeface="Book Antiqua" panose="02040602050305030304" pitchFamily="18" charset="0"/>
               </a:rPr>
-              <a:t> par un </a:t>
-            </a:r>
-            <a:r>
-              <a:rPr lang="fr-FR" sz="1600" dirty="0" err="1">
-                <a:latin typeface="Book Antiqua" panose="02040602050305030304" pitchFamily="18" charset="0"/>
-              </a:rPr>
-              <a:t>caroussel</a:t>
-            </a:r>
+              <a:t> par un carrousel</a:t>
+            </a:r>
+          </a:p>
+          <a:p>
+            <a:endParaRPr lang="fr-FR" sz="1600" dirty="0">
+              <a:latin typeface="Book Antiqua" panose="02040602050305030304" pitchFamily="18" charset="0"/>
+            </a:endParaRPr>
+          </a:p>
+          <a:p>
             <a:r>
               <a:rPr lang="fr-FR" sz="1600" dirty="0">
                 <a:latin typeface="Book Antiqua" panose="02040602050305030304" pitchFamily="18" charset="0"/>
               </a:rPr>
-              <a:t> </a:t>
-            </a:r>
-          </a:p>
-          <a:p>
-            <a:r>
-              <a:rPr lang="fr-FR" sz="1600" dirty="0">
-                <a:latin typeface="Book Antiqua" panose="02040602050305030304" pitchFamily="18" charset="0"/>
-              </a:rPr>
-              <a:t>Page panier :</a:t>
+              <a:t>Page panier : Anis (1h)</a:t>
             </a:r>
           </a:p>
           <a:p>
@@ -9684,11 +9737,16 @@
             </a:r>
           </a:p>
           <a:p>
+            <a:endParaRPr lang="fr-FR" sz="1600" dirty="0">
+              <a:latin typeface="Book Antiqua" panose="02040602050305030304" pitchFamily="18" charset="0"/>
+            </a:endParaRPr>
+          </a:p>
+          <a:p>
             <a:r>
               <a:rPr lang="fr-FR" sz="1600" dirty="0">
                 <a:latin typeface="Book Antiqua" panose="02040602050305030304" pitchFamily="18" charset="0"/>
               </a:rPr>
-              <a:t>Page compte : </a:t>
+              <a:t>Page compte :  Camille, Anis (2h)</a:t>
             </a:r>
           </a:p>
           <a:p>
@@ -9696,7 +9754,7 @@
               <a:rPr lang="fr-FR" sz="1600" dirty="0">
                 <a:latin typeface="Book Antiqua" panose="02040602050305030304" pitchFamily="18" charset="0"/>
               </a:rPr>
-              <a:t>Structure de page a réaliser concernant l'historique du panier </a:t>
+              <a:t>Structure de page a réaliser concernant l'historique du panier</a:t>
             </a:r>
           </a:p>
         </p:txBody>
@@ -9957,7 +10015,7 @@
         <p:spPr>
           <a:xfrm>
             <a:off x="0" y="0"/>
-            <a:ext cx="2130641" cy="834501"/>
+            <a:ext cx="3790950" cy="834501"/>
           </a:xfrm>
           <a:prstGeom prst="rect">
             <a:avLst/>
@@ -10046,7 +10104,7 @@
         <p:spPr>
           <a:xfrm>
             <a:off x="202463" y="2032361"/>
-            <a:ext cx="5106384" cy="1754326"/>
+            <a:ext cx="5106384" cy="2308324"/>
           </a:xfrm>
           <a:prstGeom prst="rect">
             <a:avLst/>
@@ -10061,25 +10119,46 @@
           <a:p>
             <a:r>
               <a:rPr lang="fr-FR" dirty="0"/>
-              <a:t>Ajout du compteur Panier.</a:t>
-            </a:r>
-          </a:p>
-          <a:p>
+              <a:t>Ajout du compteur </a:t>
+            </a:r>
+            <a:r>
+              <a:rPr lang="fr-FR" dirty="0" err="1"/>
+              <a:t>Panieret</a:t>
+            </a:r>
             <a:r>
               <a:rPr lang="fr-FR" dirty="0"/>
-              <a:t>Bouton Admin.</a:t>
-            </a:r>
+              <a:t> Bouton Admin</a:t>
+            </a:r>
+          </a:p>
+          <a:p>
+            <a:r>
+              <a:rPr lang="fr-FR"/>
+              <a:t>- Jean-Christophe (h)</a:t>
+            </a:r>
+            <a:endParaRPr lang="fr-FR" dirty="0"/>
+          </a:p>
+          <a:p>
+            <a:endParaRPr lang="fr-FR" dirty="0"/>
           </a:p>
           <a:p>
             <a:r>
               <a:rPr lang="fr-FR" dirty="0"/>
-              <a:t>Page Index (finalisation, mise en page et remise au propre du code).</a:t>
-            </a:r>
+              <a:t>Page Index (finalisation, mise en page et remise au propre du code) – Dylan(1h)</a:t>
+            </a:r>
+          </a:p>
+          <a:p>
+            <a:endParaRPr lang="fr-FR" dirty="0"/>
           </a:p>
           <a:p>
             <a:r>
               <a:rPr lang="fr-FR" dirty="0"/>
-              <a:t>Reste à faire (récup données pour les updates).</a:t>
+              <a:t>Amélioration du responsive : Dylan (5h)</a:t>
+            </a:r>
+          </a:p>
+          <a:p>
+            <a:r>
+              <a:rPr lang="fr-FR" dirty="0"/>
+              <a:t>Coupure du son vidéo – Dylan (2h)</a:t>
             </a:r>
           </a:p>
         </p:txBody>
@@ -10178,8 +10257,8 @@
         </p:nvSpPr>
         <p:spPr>
           <a:xfrm>
-            <a:off x="6803787" y="2201999"/>
-            <a:ext cx="5185750" cy="2862322"/>
+            <a:off x="6450771" y="1965221"/>
+            <a:ext cx="5531587" cy="3970318"/>
           </a:xfrm>
           <a:prstGeom prst="rect">
             <a:avLst/>
@@ -10202,37 +10281,84 @@
             </a:r>
             <a:r>
               <a:rPr lang="fr-FR" dirty="0"/>
-              <a:t>)</a:t>
-            </a:r>
+              <a:t>) – Ken, Jean-Christophe (7h)</a:t>
+            </a:r>
+          </a:p>
+          <a:p>
+            <a:endParaRPr lang="fr-FR" dirty="0"/>
           </a:p>
           <a:p>
             <a:r>
               <a:rPr lang="fr-FR" dirty="0"/>
-              <a:t>Page Figurines : insertion des données, classification par catégories et Gestion du stock. (3h)</a:t>
-            </a:r>
+              <a:t>Page Figurines : insertion des données, classification par catégories et Gestion du stock. Mathias(3h)</a:t>
+            </a:r>
+          </a:p>
+          <a:p>
+            <a:endParaRPr lang="fr-FR" dirty="0"/>
           </a:p>
           <a:p>
             <a:r>
               <a:rPr lang="fr-FR" dirty="0"/>
-              <a:t>Mise en place de l’icone Admin(avec condition).15 min</a:t>
-            </a:r>
+              <a:t>Mise en place de l’icone Admin(avec condition). Mathias (1h)</a:t>
+            </a:r>
+          </a:p>
+          <a:p>
+            <a:endParaRPr lang="fr-FR" dirty="0"/>
           </a:p>
           <a:p>
             <a:r>
               <a:rPr lang="fr-FR" dirty="0"/>
-              <a:t>Prépa de la poste hôte pour la présentation.</a:t>
-            </a:r>
+              <a:t>Prépa du poste hôte pour la présentation. et débogage - Anis (2h)</a:t>
+            </a:r>
+          </a:p>
+          <a:p>
+            <a:endParaRPr lang="fr-FR" dirty="0"/>
           </a:p>
           <a:p>
             <a:r>
               <a:rPr lang="fr-FR" dirty="0"/>
-              <a:t>Maj diapo.</a:t>
-            </a:r>
-          </a:p>
+              <a:t>Page Contact( configuration SMTP + intégration PHP) - Anis(4h)</a:t>
+            </a:r>
+          </a:p>
+        </p:txBody>
+      </p:sp>
+      <p:sp>
+        <p:nvSpPr>
+          <p:cNvPr id="4" name="ZoneTexte 3">
+            <a:extLst>
+              <a:ext uri="{FF2B5EF4-FFF2-40B4-BE49-F238E27FC236}">
+                <a16:creationId xmlns:a16="http://schemas.microsoft.com/office/drawing/2014/main" id="{9343A557-9993-4C8C-AEF3-6F7DA388D4FF}"/>
+              </a:ext>
+            </a:extLst>
+          </p:cNvPr>
+          <p:cNvSpPr txBox="1"/>
+          <p:nvPr/>
+        </p:nvSpPr>
+        <p:spPr>
+          <a:xfrm>
+            <a:off x="76198" y="6234365"/>
+            <a:ext cx="8458201" cy="646331"/>
+          </a:xfrm>
+          <a:prstGeom prst="rect">
+            <a:avLst/>
+          </a:prstGeom>
+          <a:noFill/>
+        </p:spPr>
+        <p:txBody>
+          <a:bodyPr wrap="square" rtlCol="0">
+            <a:spAutoFit/>
+          </a:bodyPr>
+          <a:lstStyle/>
           <a:p>
             <a:r>
               <a:rPr lang="fr-FR" dirty="0"/>
-              <a:t>Page Contact( configuration SMTP + intégration PHP) 4h.</a:t>
+              <a:t>Finalité du diaporama + Création du cahier des charges – Camille (7h)</a:t>
+            </a:r>
+          </a:p>
+          <a:p>
+            <a:r>
+              <a:rPr lang="fr-FR" dirty="0"/>
+              <a:t>Structure du diaporama – Anis (1h)</a:t>
             </a:r>
           </a:p>
         </p:txBody>
@@ -11254,7 +11380,7 @@
         <p:spPr>
           <a:xfrm>
             <a:off x="452761" y="3733893"/>
-            <a:ext cx="7297446" cy="3231654"/>
+            <a:ext cx="7297446" cy="2677656"/>
           </a:xfrm>
           <a:prstGeom prst="rect">
             <a:avLst/>
@@ -11300,8 +11426,15 @@
               <a:rPr lang="fr-FR" b="1" dirty="0">
                 <a:latin typeface="+mj-lt"/>
               </a:rPr>
-              <a:t>Bootstrap</a:t>
-            </a:r>
+              <a:t>Responsive (</a:t>
+            </a:r>
+            <a:r>
+              <a:rPr lang="fr-FR" b="1" dirty="0"/>
+              <a:t>Bootstrap)</a:t>
+            </a:r>
+            <a:endParaRPr lang="fr-FR" b="1" dirty="0">
+              <a:latin typeface="+mj-lt"/>
+            </a:endParaRPr>
           </a:p>
           <a:p>
             <a:pPr marL="285750" indent="-285750">
@@ -11321,16 +11454,10 @@
               <a:buChar char="•"/>
             </a:pPr>
             <a:r>
-              <a:rPr lang="fr-FR" b="1" dirty="0" err="1">
-                <a:latin typeface="+mj-lt"/>
-              </a:rPr>
-              <a:t>My</a:t>
-            </a:r>
-            <a:r>
               <a:rPr lang="fr-FR" b="1" dirty="0">
                 <a:latin typeface="+mj-lt"/>
               </a:rPr>
-              <a:t> SQL</a:t>
+              <a:t>MySQL</a:t>
             </a:r>
           </a:p>
           <a:p>
@@ -11342,7 +11469,17 @@
               <a:rPr lang="fr-FR" b="1" dirty="0">
                 <a:latin typeface="+mj-lt"/>
               </a:rPr>
+              <a:t>JAVA SCRIPT (</a:t>
+            </a:r>
+            <a:r>
+              <a:rPr lang="fr-FR" b="1" dirty="0"/>
               <a:t>JQUERY</a:t>
+            </a:r>
+            <a:r>
+              <a:rPr lang="fr-FR" b="1" dirty="0">
+                <a:latin typeface="+mj-lt"/>
+              </a:rPr>
+              <a:t>)</a:t>
             </a:r>
           </a:p>
           <a:p>
@@ -11354,7 +11491,7 @@
               <a:rPr lang="fr-FR" b="1" dirty="0">
                 <a:latin typeface="+mj-lt"/>
               </a:rPr>
-              <a:t>JAVA SCRIPT</a:t>
+              <a:t>PHP</a:t>
             </a:r>
           </a:p>
           <a:p>
@@ -11366,7 +11503,7 @@
               <a:rPr lang="fr-FR" b="1" dirty="0">
                 <a:latin typeface="+mj-lt"/>
               </a:rPr>
-              <a:t>PHP</a:t>
+              <a:t>AGILE</a:t>
             </a:r>
           </a:p>
           <a:p>
@@ -11378,27 +11515,7 @@
               <a:rPr lang="fr-FR" b="1" dirty="0">
                 <a:latin typeface="+mj-lt"/>
               </a:rPr>
-              <a:t>AGILE</a:t>
-            </a:r>
-          </a:p>
-          <a:p>
-            <a:pPr marL="285750" indent="-285750">
-              <a:buFont typeface="Arial" panose="020B0604020202020204" pitchFamily="34" charset="0"/>
-              <a:buChar char="•"/>
-            </a:pPr>
-            <a:r>
-              <a:rPr lang="fr-FR" b="1" dirty="0">
-                <a:latin typeface="+mj-lt"/>
-              </a:rPr>
               <a:t>GitHub</a:t>
-            </a:r>
-          </a:p>
-          <a:p>
-            <a:r>
-              <a:rPr lang="fr-FR" dirty="0">
-                <a:latin typeface="+mj-lt"/>
-              </a:rPr>
-              <a:t> </a:t>
             </a:r>
           </a:p>
         </p:txBody>
@@ -11874,15 +11991,7 @@
           <a:p>
             <a:r>
               <a:rPr lang="fr-FR" dirty="0"/>
-              <a:t>.Visualisation des </a:t>
-            </a:r>
-            <a:r>
-              <a:rPr lang="fr-FR" dirty="0" err="1"/>
-              <a:t>nouveautées</a:t>
-            </a:r>
-            <a:r>
-              <a:rPr lang="fr-FR" dirty="0"/>
-              <a:t> en page d’accueil et des promotions</a:t>
+              <a:t>.Visualisation des nouveautés en page d’accueil et des promotions</a:t>
             </a:r>
           </a:p>
           <a:p>
@@ -12185,7 +12294,7 @@
         </p:nvSpPr>
         <p:spPr>
           <a:xfrm>
-            <a:off x="220446" y="1239682"/>
+            <a:off x="301726" y="761715"/>
             <a:ext cx="2726178" cy="369332"/>
           </a:xfrm>
           <a:prstGeom prst="rect">
@@ -12242,12 +12351,65 @@
           </a:prstGeom>
         </p:spPr>
       </p:pic>
+      <p:sp>
+        <p:nvSpPr>
+          <p:cNvPr id="9" name="Rectangle 8">
+            <a:extLst>
+              <a:ext uri="{FF2B5EF4-FFF2-40B4-BE49-F238E27FC236}">
+                <a16:creationId xmlns:a16="http://schemas.microsoft.com/office/drawing/2014/main" id="{EDED1DD3-38A6-4747-95FD-F25D9B6D1D41}"/>
+              </a:ext>
+            </a:extLst>
+          </p:cNvPr>
+          <p:cNvSpPr/>
+          <p:nvPr/>
+        </p:nvSpPr>
+        <p:spPr>
+          <a:xfrm>
+            <a:off x="-1" y="111880"/>
+            <a:ext cx="3728621" cy="834501"/>
+          </a:xfrm>
+          <a:prstGeom prst="rect">
+            <a:avLst/>
+          </a:prstGeom>
+          <a:noFill/>
+          <a:ln>
+            <a:noFill/>
+          </a:ln>
+        </p:spPr>
+        <p:style>
+          <a:lnRef idx="2">
+            <a:schemeClr val="accent1">
+              <a:shade val="50000"/>
+            </a:schemeClr>
+          </a:lnRef>
+          <a:fillRef idx="1">
+            <a:schemeClr val="accent1"/>
+          </a:fillRef>
+          <a:effectRef idx="0">
+            <a:schemeClr val="accent1"/>
+          </a:effectRef>
+          <a:fontRef idx="minor">
+            <a:schemeClr val="lt1"/>
+          </a:fontRef>
+        </p:style>
+        <p:txBody>
+          <a:bodyPr rtlCol="0" anchor="ctr"/>
+          <a:lstStyle/>
+          <a:p>
+            <a:pPr algn="ctr"/>
+            <a:r>
+              <a:rPr lang="fr-FR" sz="2400" dirty="0"/>
+              <a:t>Cahier des charges:</a:t>
+            </a:r>
+          </a:p>
+        </p:txBody>
+      </p:sp>
       <p:pic>
         <p:nvPicPr>
-          <p:cNvPr id="7" name="Image 6" descr="Une image contenant capture d’écran&#10;&#10;Description générée avec un niveau de confiance très élevé">
+          <p:cNvPr id="11" name="Image 10">
             <a:extLst>
               <a:ext uri="{FF2B5EF4-FFF2-40B4-BE49-F238E27FC236}">
-                <a16:creationId xmlns:a16="http://schemas.microsoft.com/office/drawing/2014/main" id="{45DC074F-7918-434C-8392-2247168B1CBE}"/>
+                <a16:creationId xmlns:a16="http://schemas.microsoft.com/office/drawing/2014/main" id="{43A2BD6F-0F77-43B3-9EE4-4F89A963EF30}"/>
               </a:ext>
             </a:extLst>
           </p:cNvPr>
@@ -12270,67 +12432,14 @@
         </p:blipFill>
         <p:spPr>
           <a:xfrm>
-            <a:off x="3103124" y="850062"/>
-            <a:ext cx="6142252" cy="5806943"/>
+            <a:off x="240991" y="1131048"/>
+            <a:ext cx="10366050" cy="4599935"/>
           </a:xfrm>
           <a:prstGeom prst="rect">
             <a:avLst/>
           </a:prstGeom>
         </p:spPr>
       </p:pic>
-      <p:sp>
-        <p:nvSpPr>
-          <p:cNvPr id="9" name="Rectangle 8">
-            <a:extLst>
-              <a:ext uri="{FF2B5EF4-FFF2-40B4-BE49-F238E27FC236}">
-                <a16:creationId xmlns:a16="http://schemas.microsoft.com/office/drawing/2014/main" id="{EDED1DD3-38A6-4747-95FD-F25D9B6D1D41}"/>
-              </a:ext>
-            </a:extLst>
-          </p:cNvPr>
-          <p:cNvSpPr/>
-          <p:nvPr/>
-        </p:nvSpPr>
-        <p:spPr>
-          <a:xfrm>
-            <a:off x="-1" y="111880"/>
-            <a:ext cx="3728621" cy="834501"/>
-          </a:xfrm>
-          <a:prstGeom prst="rect">
-            <a:avLst/>
-          </a:prstGeom>
-          <a:noFill/>
-          <a:ln>
-            <a:noFill/>
-          </a:ln>
-        </p:spPr>
-        <p:style>
-          <a:lnRef idx="2">
-            <a:schemeClr val="accent1">
-              <a:shade val="50000"/>
-            </a:schemeClr>
-          </a:lnRef>
-          <a:fillRef idx="1">
-            <a:schemeClr val="accent1"/>
-          </a:fillRef>
-          <a:effectRef idx="0">
-            <a:schemeClr val="accent1"/>
-          </a:effectRef>
-          <a:fontRef idx="minor">
-            <a:schemeClr val="lt1"/>
-          </a:fontRef>
-        </p:style>
-        <p:txBody>
-          <a:bodyPr rtlCol="0" anchor="ctr"/>
-          <a:lstStyle/>
-          <a:p>
-            <a:pPr algn="ctr"/>
-            <a:r>
-              <a:rPr lang="fr-FR" sz="2400" dirty="0"/>
-              <a:t>Cahier des charges:</a:t>
-            </a:r>
-          </a:p>
-        </p:txBody>
-      </p:sp>
     </p:spTree>
     <p:extLst>
       <p:ext uri="{BB962C8B-B14F-4D97-AF65-F5344CB8AC3E}">
@@ -12433,7 +12542,7 @@
               <a:rPr lang="fr-FR" sz="2000" dirty="0">
                 <a:latin typeface="Book Antiqua" panose="02040602050305030304" pitchFamily="18" charset="0"/>
               </a:rPr>
-              <a:t> avec les tables réalisé</a:t>
+              <a:t> avec les tables réalisé – Ken – Jean-Christophe – Mathias (4h)</a:t>
             </a:r>
           </a:p>
           <a:p>
@@ -12441,7 +12550,7 @@
               <a:rPr lang="fr-FR" sz="2000" dirty="0">
                 <a:latin typeface="Book Antiqua" panose="02040602050305030304" pitchFamily="18" charset="0"/>
               </a:rPr>
-              <a:t>- MCD / Merise </a:t>
+              <a:t>- MCD / Merise – Ken – Jean-Christophe – Mathias (4h)</a:t>
             </a:r>
           </a:p>
         </p:txBody>
@@ -12461,7 +12570,7 @@
         <p:spPr>
           <a:xfrm>
             <a:off x="1196502" y="4395626"/>
-            <a:ext cx="10813857" cy="1292662"/>
+            <a:ext cx="10813857" cy="2215991"/>
           </a:xfrm>
           <a:prstGeom prst="rect">
             <a:avLst/>
@@ -12474,11 +12583,15 @@
           </a:bodyPr>
           <a:lstStyle/>
           <a:p>
+            <a:pPr marL="342900" indent="-342900">
+              <a:buFontTx/>
+              <a:buChar char="-"/>
+            </a:pPr>
             <a:r>
               <a:rPr lang="fr-FR" sz="2000" dirty="0">
                 <a:latin typeface="Book Antiqua" panose="02040602050305030304" pitchFamily="18" charset="0"/>
               </a:rPr>
-              <a:t>  (Voir fichier croquis du site complet)</a:t>
+              <a:t>Schéma du site complet – Anis (30mn)</a:t>
             </a:r>
           </a:p>
           <a:p>
@@ -12486,15 +12599,55 @@
               <a:rPr lang="fr-FR" sz="2000" dirty="0">
                 <a:latin typeface="Book Antiqua" panose="02040602050305030304" pitchFamily="18" charset="0"/>
               </a:rPr>
-              <a:t>- Icon réalisé</a:t>
-            </a:r>
-          </a:p>
-          <a:p>
+              <a:t>-    Icon réalisé – Anis et Dylan (2h)</a:t>
+            </a:r>
+          </a:p>
+          <a:p>
+            <a:pPr marL="342900" indent="-342900">
+              <a:buFontTx/>
+              <a:buChar char="-"/>
+            </a:pPr>
             <a:r>
               <a:rPr lang="fr-FR" sz="2000" dirty="0">
                 <a:latin typeface="Book Antiqua" panose="02040602050305030304" pitchFamily="18" charset="0"/>
               </a:rPr>
-              <a:t>- Image et présentation de chacun des produits récupéré </a:t>
+              <a:t>Image et présentation de chacun des produits récupéré – Camille (2h)</a:t>
+            </a:r>
+          </a:p>
+          <a:p>
+            <a:pPr marL="342900" indent="-342900">
+              <a:buFontTx/>
+              <a:buChar char="-"/>
+            </a:pPr>
+            <a:r>
+              <a:rPr lang="fr-FR" sz="2000" dirty="0">
+                <a:latin typeface="Book Antiqua" panose="02040602050305030304" pitchFamily="18" charset="0"/>
+              </a:rPr>
+              <a:t>Structure HTML/CSS de la page Index – Camille (1h)</a:t>
+            </a:r>
+          </a:p>
+          <a:p>
+            <a:pPr marL="342900" indent="-342900">
+              <a:buFontTx/>
+              <a:buChar char="-"/>
+            </a:pPr>
+            <a:r>
+              <a:rPr lang="fr-FR" sz="2000" dirty="0">
+                <a:latin typeface="Book Antiqua" panose="02040602050305030304" pitchFamily="18" charset="0"/>
+              </a:rPr>
+              <a:t>Structure de la page HTML/CSS Contact – Camille (1h)</a:t>
+            </a:r>
+          </a:p>
+          <a:p>
+            <a:pPr marL="342900" indent="-342900">
+              <a:buFontTx/>
+              <a:buChar char="-"/>
+            </a:pPr>
+            <a:r>
+              <a:rPr lang="fr-FR" sz="2000" dirty="0">
+                <a:latin typeface="Book Antiqua" panose="02040602050305030304" pitchFamily="18" charset="0"/>
+              </a:rPr>
+              <a:t>Création du site – Anis et Dylan (2h)</a:t>
             </a:r>
           </a:p>
           <a:p>

--- a/Présentation UPOP.pptx
+++ b/Présentation UPOP.pptx
@@ -13256,7 +13256,7 @@
         <p:spPr>
           <a:xfrm>
             <a:off x="2743200" y="1794063"/>
-            <a:ext cx="7581900" cy="3785652"/>
+            <a:ext cx="7581900" cy="4770537"/>
           </a:xfrm>
           <a:prstGeom prst="rect">
             <a:avLst/>
@@ -13325,6 +13325,26 @@
             <a:r>
               <a:rPr lang="fr-FR" sz="3200" u="sng" dirty="0"/>
               <a:t>Partie Inscription :</a:t>
+            </a:r>
+          </a:p>
+          <a:p>
+            <a:pPr marL="457200" indent="-457200">
+              <a:buFontTx/>
+              <a:buChar char="-"/>
+            </a:pPr>
+            <a:r>
+              <a:rPr lang="fr-FR" sz="2800" dirty="0"/>
+              <a:t>Login déjà existant</a:t>
+            </a:r>
+          </a:p>
+          <a:p>
+            <a:pPr marL="457200" indent="-457200">
+              <a:buFontTx/>
+              <a:buChar char="-"/>
+            </a:pPr>
+            <a:r>
+              <a:rPr lang="fr-FR" sz="2800" dirty="0"/>
+              <a:t>Comparaison des mots de passe</a:t>
             </a:r>
           </a:p>
           <a:p>
@@ -13792,7 +13812,7 @@
         </p:nvSpPr>
         <p:spPr>
           <a:xfrm>
-            <a:off x="4086224" y="2782669"/>
+            <a:off x="3552824" y="2573119"/>
             <a:ext cx="3667125" cy="646331"/>
           </a:xfrm>
           <a:prstGeom prst="rect">

--- a/Présentation UPOP.pptx
+++ b/Présentation UPOP.pptx
@@ -13208,41 +13208,6 @@
       </p:grpSpPr>
       <p:sp>
         <p:nvSpPr>
-          <p:cNvPr id="5" name="ZoneTexte 4">
-            <a:extLst>
-              <a:ext uri="{FF2B5EF4-FFF2-40B4-BE49-F238E27FC236}">
-                <a16:creationId xmlns:a16="http://schemas.microsoft.com/office/drawing/2014/main" id="{BB5C9A76-BDA7-43EB-B77A-D3D4F7CE3552}"/>
-              </a:ext>
-            </a:extLst>
-          </p:cNvPr>
-          <p:cNvSpPr txBox="1"/>
-          <p:nvPr/>
-        </p:nvSpPr>
-        <p:spPr>
-          <a:xfrm>
-            <a:off x="2874608" y="1077039"/>
-            <a:ext cx="5029200" cy="646331"/>
-          </a:xfrm>
-          <a:prstGeom prst="rect">
-            <a:avLst/>
-          </a:prstGeom>
-          <a:noFill/>
-        </p:spPr>
-        <p:txBody>
-          <a:bodyPr wrap="square" rtlCol="0">
-            <a:spAutoFit/>
-          </a:bodyPr>
-          <a:lstStyle/>
-          <a:p>
-            <a:r>
-              <a:rPr lang="fr-FR" sz="3600" dirty="0"/>
-              <a:t>PAGE INDEX :</a:t>
-            </a:r>
-          </a:p>
-        </p:txBody>
-      </p:sp>
-      <p:sp>
-        <p:nvSpPr>
           <p:cNvPr id="6" name="ZoneTexte 5">
             <a:extLst>
               <a:ext uri="{FF2B5EF4-FFF2-40B4-BE49-F238E27FC236}">
@@ -13255,8 +13220,8 @@
         </p:nvSpPr>
         <p:spPr>
           <a:xfrm>
-            <a:off x="2743200" y="1794063"/>
-            <a:ext cx="7581900" cy="4770537"/>
+            <a:off x="2781300" y="1991129"/>
+            <a:ext cx="7581900" cy="4585871"/>
           </a:xfrm>
           <a:prstGeom prst="rect">
             <a:avLst/>
@@ -13348,7 +13313,14 @@
             </a:r>
           </a:p>
           <a:p>
-            <a:endParaRPr lang="fr-FR" sz="3200" dirty="0"/>
+            <a:pPr marL="457200" indent="-457200">
+              <a:buFontTx/>
+              <a:buChar char="-"/>
+            </a:pPr>
+            <a:r>
+              <a:rPr lang="fr-FR" sz="2800" dirty="0"/>
+              <a:t>Format e-mail</a:t>
+            </a:r>
           </a:p>
         </p:txBody>
       </p:sp>
@@ -13431,6 +13403,69 @@
           </a:p>
         </p:txBody>
       </p:sp>
+      <p:sp>
+        <p:nvSpPr>
+          <p:cNvPr id="9" name="Rectangle : coins arrondis 8">
+            <a:extLst>
+              <a:ext uri="{FF2B5EF4-FFF2-40B4-BE49-F238E27FC236}">
+                <a16:creationId xmlns:a16="http://schemas.microsoft.com/office/drawing/2014/main" id="{930E92D7-56FF-418B-877C-90624EBAC0C6}"/>
+              </a:ext>
+            </a:extLst>
+          </p:cNvPr>
+          <p:cNvSpPr/>
+          <p:nvPr/>
+        </p:nvSpPr>
+        <p:spPr>
+          <a:xfrm>
+            <a:off x="1905680" y="974798"/>
+            <a:ext cx="6364054" cy="819265"/>
+          </a:xfrm>
+          <a:prstGeom prst="roundRect">
+            <a:avLst/>
+          </a:prstGeom>
+          <a:solidFill>
+            <a:schemeClr val="bg2">
+              <a:lumMod val="90000"/>
+            </a:schemeClr>
+          </a:solidFill>
+          <a:ln>
+            <a:solidFill>
+              <a:schemeClr val="bg1">
+                <a:lumMod val="75000"/>
+              </a:schemeClr>
+            </a:solidFill>
+          </a:ln>
+        </p:spPr>
+        <p:style>
+          <a:lnRef idx="2">
+            <a:schemeClr val="accent1">
+              <a:shade val="50000"/>
+            </a:schemeClr>
+          </a:lnRef>
+          <a:fillRef idx="1">
+            <a:schemeClr val="accent1"/>
+          </a:fillRef>
+          <a:effectRef idx="0">
+            <a:schemeClr val="accent1"/>
+          </a:effectRef>
+          <a:fontRef idx="minor">
+            <a:schemeClr val="lt1"/>
+          </a:fontRef>
+        </p:style>
+        <p:txBody>
+          <a:bodyPr rtlCol="0" anchor="ctr"/>
+          <a:lstStyle/>
+          <a:p>
+            <a:pPr algn="ctr"/>
+            <a:r>
+              <a:rPr lang="fr-FR" sz="3600" dirty="0">
+                <a:latin typeface="+mj-lt"/>
+              </a:rPr>
+              <a:t>PAGE INDEX</a:t>
+            </a:r>
+          </a:p>
+        </p:txBody>
+      </p:sp>
     </p:spTree>
     <p:extLst>
       <p:ext uri="{BB962C8B-B14F-4D97-AF65-F5344CB8AC3E}">
@@ -13461,41 +13496,6 @@
           <a:chExt cx="0" cy="0"/>
         </a:xfrm>
       </p:grpSpPr>
-      <p:sp>
-        <p:nvSpPr>
-          <p:cNvPr id="4" name="ZoneTexte 3">
-            <a:extLst>
-              <a:ext uri="{FF2B5EF4-FFF2-40B4-BE49-F238E27FC236}">
-                <a16:creationId xmlns:a16="http://schemas.microsoft.com/office/drawing/2014/main" id="{8323A2E3-4281-4733-88CA-72488064597A}"/>
-              </a:ext>
-            </a:extLst>
-          </p:cNvPr>
-          <p:cNvSpPr txBox="1"/>
-          <p:nvPr/>
-        </p:nvSpPr>
-        <p:spPr>
-          <a:xfrm>
-            <a:off x="3240534" y="1450410"/>
-            <a:ext cx="5029200" cy="646331"/>
-          </a:xfrm>
-          <a:prstGeom prst="rect">
-            <a:avLst/>
-          </a:prstGeom>
-          <a:noFill/>
-        </p:spPr>
-        <p:txBody>
-          <a:bodyPr wrap="square" rtlCol="0">
-            <a:spAutoFit/>
-          </a:bodyPr>
-          <a:lstStyle/>
-          <a:p>
-            <a:r>
-              <a:rPr lang="fr-FR" sz="3600" dirty="0"/>
-              <a:t>PAGE CONTACT :</a:t>
-            </a:r>
-          </a:p>
-        </p:txBody>
-      </p:sp>
       <p:sp>
         <p:nvSpPr>
           <p:cNvPr id="5" name="ZoneTexte 4">
@@ -13650,6 +13650,69 @@
                 </a:effectLst>
               </a:rPr>
               <a:t>TEST UNITAIRE</a:t>
+            </a:r>
+          </a:p>
+        </p:txBody>
+      </p:sp>
+      <p:sp>
+        <p:nvSpPr>
+          <p:cNvPr id="6" name="Rectangle : coins arrondis 5">
+            <a:extLst>
+              <a:ext uri="{FF2B5EF4-FFF2-40B4-BE49-F238E27FC236}">
+                <a16:creationId xmlns:a16="http://schemas.microsoft.com/office/drawing/2014/main" id="{7018FB30-60EF-4E43-AB34-117DEE842CAD}"/>
+              </a:ext>
+            </a:extLst>
+          </p:cNvPr>
+          <p:cNvSpPr/>
+          <p:nvPr/>
+        </p:nvSpPr>
+        <p:spPr>
+          <a:xfrm>
+            <a:off x="2294172" y="1292892"/>
+            <a:ext cx="6364054" cy="819265"/>
+          </a:xfrm>
+          <a:prstGeom prst="roundRect">
+            <a:avLst/>
+          </a:prstGeom>
+          <a:solidFill>
+            <a:schemeClr val="bg2">
+              <a:lumMod val="90000"/>
+            </a:schemeClr>
+          </a:solidFill>
+          <a:ln>
+            <a:solidFill>
+              <a:schemeClr val="bg1">
+                <a:lumMod val="75000"/>
+              </a:schemeClr>
+            </a:solidFill>
+          </a:ln>
+        </p:spPr>
+        <p:style>
+          <a:lnRef idx="2">
+            <a:schemeClr val="accent1">
+              <a:shade val="50000"/>
+            </a:schemeClr>
+          </a:lnRef>
+          <a:fillRef idx="1">
+            <a:schemeClr val="accent1"/>
+          </a:fillRef>
+          <a:effectRef idx="0">
+            <a:schemeClr val="accent1"/>
+          </a:effectRef>
+          <a:fontRef idx="minor">
+            <a:schemeClr val="lt1"/>
+          </a:fontRef>
+        </p:style>
+        <p:txBody>
+          <a:bodyPr rtlCol="0" anchor="ctr"/>
+          <a:lstStyle/>
+          <a:p>
+            <a:pPr algn="ctr"/>
+            <a:r>
+              <a:rPr lang="fr-FR" sz="3600" dirty="0">
+                <a:latin typeface="+mj-lt"/>
+              </a:rPr>
+              <a:t>PAGE CONTACT</a:t>
             </a:r>
           </a:p>
         </p:txBody>
@@ -13765,41 +13828,6 @@
       </p:sp>
       <p:sp>
         <p:nvSpPr>
-          <p:cNvPr id="5" name="ZoneTexte 4">
-            <a:extLst>
-              <a:ext uri="{FF2B5EF4-FFF2-40B4-BE49-F238E27FC236}">
-                <a16:creationId xmlns:a16="http://schemas.microsoft.com/office/drawing/2014/main" id="{0DE56B4E-5EA6-46C0-8647-8F68411D503D}"/>
-              </a:ext>
-            </a:extLst>
-          </p:cNvPr>
-          <p:cNvSpPr txBox="1"/>
-          <p:nvPr/>
-        </p:nvSpPr>
-        <p:spPr>
-          <a:xfrm>
-            <a:off x="3405187" y="1480661"/>
-            <a:ext cx="5029200" cy="646331"/>
-          </a:xfrm>
-          <a:prstGeom prst="rect">
-            <a:avLst/>
-          </a:prstGeom>
-          <a:noFill/>
-        </p:spPr>
-        <p:txBody>
-          <a:bodyPr wrap="square" rtlCol="0">
-            <a:spAutoFit/>
-          </a:bodyPr>
-          <a:lstStyle/>
-          <a:p>
-            <a:r>
-              <a:rPr lang="fr-FR" sz="3600" dirty="0"/>
-              <a:t>PAGE COMPTE</a:t>
-            </a:r>
-          </a:p>
-        </p:txBody>
-      </p:sp>
-      <p:sp>
-        <p:nvSpPr>
           <p:cNvPr id="2" name="ZoneTexte 1">
             <a:extLst>
               <a:ext uri="{FF2B5EF4-FFF2-40B4-BE49-F238E27FC236}">
@@ -13812,8 +13840,8 @@
         </p:nvSpPr>
         <p:spPr>
           <a:xfrm>
-            <a:off x="3552824" y="2573119"/>
-            <a:ext cx="3667125" cy="646331"/>
+            <a:off x="2717006" y="2293786"/>
+            <a:ext cx="6757988" cy="954107"/>
           </a:xfrm>
           <a:prstGeom prst="rect">
             <a:avLst/>
@@ -13826,13 +13854,87 @@
           </a:bodyPr>
           <a:lstStyle/>
           <a:p>
-            <a:r>
-              <a:rPr lang="fr-FR" dirty="0"/>
-              <a:t>INFOS PERSO (JC)</a:t>
-            </a:r>
-          </a:p>
-          <a:p>
-            <a:endParaRPr lang="fr-FR" dirty="0"/>
+            <a:pPr marL="457200" indent="-457200">
+              <a:buFontTx/>
+              <a:buChar char="-"/>
+            </a:pPr>
+            <a:r>
+              <a:rPr lang="fr-FR" sz="2800" dirty="0"/>
+              <a:t>Comparaison des mots de passe</a:t>
+            </a:r>
+          </a:p>
+          <a:p>
+            <a:pPr marL="457200" indent="-457200">
+              <a:buFontTx/>
+              <a:buChar char="-"/>
+            </a:pPr>
+            <a:r>
+              <a:rPr lang="fr-FR" sz="2800" dirty="0"/>
+              <a:t>Format e-mail</a:t>
+            </a:r>
+          </a:p>
+        </p:txBody>
+      </p:sp>
+      <p:sp>
+        <p:nvSpPr>
+          <p:cNvPr id="6" name="Rectangle : coins arrondis 5">
+            <a:extLst>
+              <a:ext uri="{FF2B5EF4-FFF2-40B4-BE49-F238E27FC236}">
+                <a16:creationId xmlns:a16="http://schemas.microsoft.com/office/drawing/2014/main" id="{29B4FD19-FE8A-44CB-B96E-88B08CD819FB}"/>
+              </a:ext>
+            </a:extLst>
+          </p:cNvPr>
+          <p:cNvSpPr/>
+          <p:nvPr/>
+        </p:nvSpPr>
+        <p:spPr>
+          <a:xfrm>
+            <a:off x="2294172" y="1292892"/>
+            <a:ext cx="6364054" cy="819265"/>
+          </a:xfrm>
+          <a:prstGeom prst="roundRect">
+            <a:avLst/>
+          </a:prstGeom>
+          <a:solidFill>
+            <a:schemeClr val="bg2">
+              <a:lumMod val="90000"/>
+            </a:schemeClr>
+          </a:solidFill>
+          <a:ln>
+            <a:solidFill>
+              <a:schemeClr val="bg1">
+                <a:lumMod val="75000"/>
+              </a:schemeClr>
+            </a:solidFill>
+          </a:ln>
+        </p:spPr>
+        <p:style>
+          <a:lnRef idx="2">
+            <a:schemeClr val="accent1">
+              <a:shade val="50000"/>
+            </a:schemeClr>
+          </a:lnRef>
+          <a:fillRef idx="1">
+            <a:schemeClr val="accent1"/>
+          </a:fillRef>
+          <a:effectRef idx="0">
+            <a:schemeClr val="accent1"/>
+          </a:effectRef>
+          <a:fontRef idx="minor">
+            <a:schemeClr val="lt1"/>
+          </a:fontRef>
+        </p:style>
+        <p:txBody>
+          <a:bodyPr rtlCol="0" anchor="ctr"/>
+          <a:lstStyle/>
+          <a:p>
+            <a:pPr algn="ctr"/>
+            <a:r>
+              <a:rPr lang="fr-FR" sz="3600" dirty="0">
+                <a:latin typeface="+mj-lt"/>
+              </a:rPr>
+              <a:t>PAGE COMPTE</a:t>
+            </a:r>
           </a:p>
         </p:txBody>
       </p:sp>
@@ -13904,41 +14006,6 @@
       </p:pic>
       <p:sp>
         <p:nvSpPr>
-          <p:cNvPr id="5" name="ZoneTexte 4">
-            <a:extLst>
-              <a:ext uri="{FF2B5EF4-FFF2-40B4-BE49-F238E27FC236}">
-                <a16:creationId xmlns:a16="http://schemas.microsoft.com/office/drawing/2014/main" id="{0DE56B4E-5EA6-46C0-8647-8F68411D503D}"/>
-              </a:ext>
-            </a:extLst>
-          </p:cNvPr>
-          <p:cNvSpPr txBox="1"/>
-          <p:nvPr/>
-        </p:nvSpPr>
-        <p:spPr>
-          <a:xfrm>
-            <a:off x="3381375" y="1802368"/>
-            <a:ext cx="5029200" cy="646331"/>
-          </a:xfrm>
-          <a:prstGeom prst="rect">
-            <a:avLst/>
-          </a:prstGeom>
-          <a:noFill/>
-        </p:spPr>
-        <p:txBody>
-          <a:bodyPr wrap="square" rtlCol="0">
-            <a:spAutoFit/>
-          </a:bodyPr>
-          <a:lstStyle/>
-          <a:p>
-            <a:r>
-              <a:rPr lang="fr-FR" sz="3600" dirty="0"/>
-              <a:t>PAGE PANIER</a:t>
-            </a:r>
-          </a:p>
-        </p:txBody>
-      </p:sp>
-      <p:sp>
-        <p:nvSpPr>
           <p:cNvPr id="2" name="ZoneTexte 1">
             <a:extLst>
               <a:ext uri="{FF2B5EF4-FFF2-40B4-BE49-F238E27FC236}">
@@ -13951,7 +14018,7 @@
         </p:nvSpPr>
         <p:spPr>
           <a:xfrm>
-            <a:off x="3381375" y="2628900"/>
+            <a:off x="3019425" y="2493405"/>
             <a:ext cx="5095875" cy="830997"/>
           </a:xfrm>
           <a:prstGeom prst="rect">
@@ -13967,7 +14034,7 @@
           <a:p>
             <a:r>
               <a:rPr lang="fr-FR" sz="2400" dirty="0"/>
-              <a:t>Si commande en cours :</a:t>
+              <a:t>- Si commande en cours :</a:t>
             </a:r>
           </a:p>
           <a:p>
@@ -14017,6 +14084,69 @@
                 </a:effectLst>
               </a:rPr>
               <a:t>TEST UNITAIRE</a:t>
+            </a:r>
+          </a:p>
+        </p:txBody>
+      </p:sp>
+      <p:sp>
+        <p:nvSpPr>
+          <p:cNvPr id="7" name="Rectangle : coins arrondis 6">
+            <a:extLst>
+              <a:ext uri="{FF2B5EF4-FFF2-40B4-BE49-F238E27FC236}">
+                <a16:creationId xmlns:a16="http://schemas.microsoft.com/office/drawing/2014/main" id="{7EE02B64-2954-4269-8C27-6C3F084A3942}"/>
+              </a:ext>
+            </a:extLst>
+          </p:cNvPr>
+          <p:cNvSpPr/>
+          <p:nvPr/>
+        </p:nvSpPr>
+        <p:spPr>
+          <a:xfrm>
+            <a:off x="2294172" y="1292892"/>
+            <a:ext cx="6364054" cy="819265"/>
+          </a:xfrm>
+          <a:prstGeom prst="roundRect">
+            <a:avLst/>
+          </a:prstGeom>
+          <a:solidFill>
+            <a:schemeClr val="bg2">
+              <a:lumMod val="90000"/>
+            </a:schemeClr>
+          </a:solidFill>
+          <a:ln>
+            <a:solidFill>
+              <a:schemeClr val="bg1">
+                <a:lumMod val="75000"/>
+              </a:schemeClr>
+            </a:solidFill>
+          </a:ln>
+        </p:spPr>
+        <p:style>
+          <a:lnRef idx="2">
+            <a:schemeClr val="accent1">
+              <a:shade val="50000"/>
+            </a:schemeClr>
+          </a:lnRef>
+          <a:fillRef idx="1">
+            <a:schemeClr val="accent1"/>
+          </a:fillRef>
+          <a:effectRef idx="0">
+            <a:schemeClr val="accent1"/>
+          </a:effectRef>
+          <a:fontRef idx="minor">
+            <a:schemeClr val="lt1"/>
+          </a:fontRef>
+        </p:style>
+        <p:txBody>
+          <a:bodyPr rtlCol="0" anchor="ctr"/>
+          <a:lstStyle/>
+          <a:p>
+            <a:pPr algn="ctr"/>
+            <a:r>
+              <a:rPr lang="fr-FR" sz="3600" dirty="0">
+                <a:latin typeface="+mj-lt"/>
+              </a:rPr>
+              <a:t>PAGE PANIER</a:t>
             </a:r>
           </a:p>
         </p:txBody>

--- a/Présentation UPOP.pptx
+++ b/Présentation UPOP.pptx
@@ -13221,7 +13221,7 @@
         <p:spPr>
           <a:xfrm>
             <a:off x="2781300" y="1991129"/>
-            <a:ext cx="7581900" cy="4585871"/>
+            <a:ext cx="7581900" cy="4801314"/>
           </a:xfrm>
           <a:prstGeom prst="rect">
             <a:avLst/>
@@ -13284,7 +13284,7 @@
               <a:buFontTx/>
               <a:buChar char="-"/>
             </a:pPr>
-            <a:endParaRPr lang="fr-FR" sz="3200" dirty="0"/>
+            <a:endParaRPr lang="fr-FR" dirty="0"/>
           </a:p>
           <a:p>
             <a:r>
@@ -13320,6 +13320,16 @@
             <a:r>
               <a:rPr lang="fr-FR" sz="2800" dirty="0"/>
               <a:t>Format e-mail</a:t>
+            </a:r>
+          </a:p>
+          <a:p>
+            <a:pPr marL="457200" indent="-457200">
+              <a:buFontTx/>
+              <a:buChar char="-"/>
+            </a:pPr>
+            <a:r>
+              <a:rPr lang="fr-FR" sz="2800" dirty="0"/>
+              <a:t>Gestion de validation d’inscription</a:t>
             </a:r>
           </a:p>
         </p:txBody>

--- a/Présentation UPOP.pptx
+++ b/Présentation UPOP.pptx
@@ -5,7 +5,7 @@
     <p:sldMasterId id="2147483660" r:id="rId1"/>
   </p:sldMasterIdLst>
   <p:notesMasterIdLst>
-    <p:notesMasterId r:id="rId30"/>
+    <p:notesMasterId r:id="rId37"/>
   </p:notesMasterIdLst>
   <p:sldIdLst>
     <p:sldId id="256" r:id="rId2"/>
@@ -22,20 +22,27 @@
     <p:sldId id="277" r:id="rId13"/>
     <p:sldId id="266" r:id="rId14"/>
     <p:sldId id="289" r:id="rId15"/>
-    <p:sldId id="290" r:id="rId16"/>
-    <p:sldId id="291" r:id="rId17"/>
-    <p:sldId id="267" r:id="rId18"/>
-    <p:sldId id="268" r:id="rId19"/>
-    <p:sldId id="292" r:id="rId20"/>
-    <p:sldId id="293" r:id="rId21"/>
-    <p:sldId id="265" r:id="rId22"/>
-    <p:sldId id="294" r:id="rId23"/>
-    <p:sldId id="271" r:id="rId24"/>
-    <p:sldId id="295" r:id="rId25"/>
-    <p:sldId id="285" r:id="rId26"/>
-    <p:sldId id="272" r:id="rId27"/>
-    <p:sldId id="286" r:id="rId28"/>
-    <p:sldId id="287" r:id="rId29"/>
+    <p:sldId id="305" r:id="rId16"/>
+    <p:sldId id="290" r:id="rId17"/>
+    <p:sldId id="291" r:id="rId18"/>
+    <p:sldId id="267" r:id="rId19"/>
+    <p:sldId id="268" r:id="rId20"/>
+    <p:sldId id="292" r:id="rId21"/>
+    <p:sldId id="293" r:id="rId22"/>
+    <p:sldId id="265" r:id="rId23"/>
+    <p:sldId id="294" r:id="rId24"/>
+    <p:sldId id="271" r:id="rId25"/>
+    <p:sldId id="295" r:id="rId26"/>
+    <p:sldId id="299" r:id="rId27"/>
+    <p:sldId id="298" r:id="rId28"/>
+    <p:sldId id="285" r:id="rId29"/>
+    <p:sldId id="301" r:id="rId30"/>
+    <p:sldId id="304" r:id="rId31"/>
+    <p:sldId id="272" r:id="rId32"/>
+    <p:sldId id="302" r:id="rId33"/>
+    <p:sldId id="286" r:id="rId34"/>
+    <p:sldId id="303" r:id="rId35"/>
+    <p:sldId id="287" r:id="rId36"/>
   </p:sldIdLst>
   <p:sldSz cx="12192000" cy="6858000"/>
   <p:notesSz cx="6858000" cy="9144000"/>
@@ -228,7 +235,7 @@
           <a:p>
             <a:fld id="{64F3B9CB-A3A7-4201-8496-2CBC87780604}" type="datetimeFigureOut">
               <a:rPr lang="fr-FR" smtClean="0"/>
-              <a:t>23/11/2017</a:t>
+              <a:t>24/11/2017</a:t>
             </a:fld>
             <a:endParaRPr lang="fr-FR"/>
           </a:p>
@@ -728,7 +735,7 @@
           <a:p>
             <a:fld id="{A82AFA23-60E9-432C-A398-95A4C87C79C9}" type="slidenum">
               <a:rPr lang="fr-FR" smtClean="0"/>
-              <a:t>15</a:t>
+              <a:t>16</a:t>
             </a:fld>
             <a:endParaRPr lang="fr-FR"/>
           </a:p>
@@ -933,7 +940,7 @@
           <a:p>
             <a:fld id="{EF339115-3077-41F7-8CCB-1E5454686776}" type="datetimeFigureOut">
               <a:rPr lang="fr-FR" smtClean="0"/>
-              <a:t>23/11/2017</a:t>
+              <a:t>24/11/2017</a:t>
             </a:fld>
             <a:endParaRPr lang="fr-FR"/>
           </a:p>
@@ -1208,7 +1215,7 @@
           <a:p>
             <a:fld id="{EF339115-3077-41F7-8CCB-1E5454686776}" type="datetimeFigureOut">
               <a:rPr lang="fr-FR" smtClean="0"/>
-              <a:t>23/11/2017</a:t>
+              <a:t>24/11/2017</a:t>
             </a:fld>
             <a:endParaRPr lang="fr-FR"/>
           </a:p>
@@ -1402,7 +1409,7 @@
           <a:p>
             <a:fld id="{EF339115-3077-41F7-8CCB-1E5454686776}" type="datetimeFigureOut">
               <a:rPr lang="fr-FR" smtClean="0"/>
-              <a:t>23/11/2017</a:t>
+              <a:t>24/11/2017</a:t>
             </a:fld>
             <a:endParaRPr lang="fr-FR"/>
           </a:p>
@@ -1675,7 +1682,7 @@
           <a:p>
             <a:fld id="{EF339115-3077-41F7-8CCB-1E5454686776}" type="datetimeFigureOut">
               <a:rPr lang="fr-FR" smtClean="0"/>
-              <a:t>23/11/2017</a:t>
+              <a:t>24/11/2017</a:t>
             </a:fld>
             <a:endParaRPr lang="fr-FR"/>
           </a:p>
@@ -2016,7 +2023,7 @@
           <a:p>
             <a:fld id="{EF339115-3077-41F7-8CCB-1E5454686776}" type="datetimeFigureOut">
               <a:rPr lang="fr-FR" smtClean="0"/>
-              <a:t>23/11/2017</a:t>
+              <a:t>24/11/2017</a:t>
             </a:fld>
             <a:endParaRPr lang="fr-FR"/>
           </a:p>
@@ -2639,7 +2646,7 @@
           <a:p>
             <a:fld id="{EF339115-3077-41F7-8CCB-1E5454686776}" type="datetimeFigureOut">
               <a:rPr lang="fr-FR" smtClean="0"/>
-              <a:t>23/11/2017</a:t>
+              <a:t>24/11/2017</a:t>
             </a:fld>
             <a:endParaRPr lang="fr-FR"/>
           </a:p>
@@ -3499,7 +3506,7 @@
           <a:p>
             <a:fld id="{EF339115-3077-41F7-8CCB-1E5454686776}" type="datetimeFigureOut">
               <a:rPr lang="fr-FR" smtClean="0"/>
-              <a:t>23/11/2017</a:t>
+              <a:t>24/11/2017</a:t>
             </a:fld>
             <a:endParaRPr lang="fr-FR"/>
           </a:p>
@@ -3669,7 +3676,7 @@
           <a:p>
             <a:fld id="{EF339115-3077-41F7-8CCB-1E5454686776}" type="datetimeFigureOut">
               <a:rPr lang="fr-FR" smtClean="0"/>
-              <a:t>23/11/2017</a:t>
+              <a:t>24/11/2017</a:t>
             </a:fld>
             <a:endParaRPr lang="fr-FR"/>
           </a:p>
@@ -3849,7 +3856,7 @@
           <a:p>
             <a:fld id="{EF339115-3077-41F7-8CCB-1E5454686776}" type="datetimeFigureOut">
               <a:rPr lang="fr-FR" smtClean="0"/>
-              <a:t>23/11/2017</a:t>
+              <a:t>24/11/2017</a:t>
             </a:fld>
             <a:endParaRPr lang="fr-FR"/>
           </a:p>
@@ -4019,7 +4026,7 @@
           <a:p>
             <a:fld id="{EF339115-3077-41F7-8CCB-1E5454686776}" type="datetimeFigureOut">
               <a:rPr lang="fr-FR" smtClean="0"/>
-              <a:t>23/11/2017</a:t>
+              <a:t>24/11/2017</a:t>
             </a:fld>
             <a:endParaRPr lang="fr-FR"/>
           </a:p>
@@ -4266,7 +4273,7 @@
           <a:p>
             <a:fld id="{EF339115-3077-41F7-8CCB-1E5454686776}" type="datetimeFigureOut">
               <a:rPr lang="fr-FR" smtClean="0"/>
-              <a:t>23/11/2017</a:t>
+              <a:t>24/11/2017</a:t>
             </a:fld>
             <a:endParaRPr lang="fr-FR"/>
           </a:p>
@@ -4558,7 +4565,7 @@
           <a:p>
             <a:fld id="{EF339115-3077-41F7-8CCB-1E5454686776}" type="datetimeFigureOut">
               <a:rPr lang="fr-FR" smtClean="0"/>
-              <a:t>23/11/2017</a:t>
+              <a:t>24/11/2017</a:t>
             </a:fld>
             <a:endParaRPr lang="fr-FR"/>
           </a:p>
@@ -5002,7 +5009,7 @@
           <a:p>
             <a:fld id="{EF339115-3077-41F7-8CCB-1E5454686776}" type="datetimeFigureOut">
               <a:rPr lang="fr-FR" smtClean="0"/>
-              <a:t>23/11/2017</a:t>
+              <a:t>24/11/2017</a:t>
             </a:fld>
             <a:endParaRPr lang="fr-FR"/>
           </a:p>
@@ -5120,7 +5127,7 @@
           <a:p>
             <a:fld id="{EF339115-3077-41F7-8CCB-1E5454686776}" type="datetimeFigureOut">
               <a:rPr lang="fr-FR" smtClean="0"/>
-              <a:t>23/11/2017</a:t>
+              <a:t>24/11/2017</a:t>
             </a:fld>
             <a:endParaRPr lang="fr-FR"/>
           </a:p>
@@ -5215,7 +5222,7 @@
           <a:p>
             <a:fld id="{EF339115-3077-41F7-8CCB-1E5454686776}" type="datetimeFigureOut">
               <a:rPr lang="fr-FR" smtClean="0"/>
-              <a:t>23/11/2017</a:t>
+              <a:t>24/11/2017</a:t>
             </a:fld>
             <a:endParaRPr lang="fr-FR"/>
           </a:p>
@@ -5494,7 +5501,7 @@
           <a:p>
             <a:fld id="{EF339115-3077-41F7-8CCB-1E5454686776}" type="datetimeFigureOut">
               <a:rPr lang="fr-FR" smtClean="0"/>
-              <a:t>23/11/2017</a:t>
+              <a:t>24/11/2017</a:t>
             </a:fld>
             <a:endParaRPr lang="fr-FR"/>
           </a:p>
@@ -5769,7 +5776,7 @@
           <a:p>
             <a:fld id="{EF339115-3077-41F7-8CCB-1E5454686776}" type="datetimeFigureOut">
               <a:rPr lang="fr-FR" smtClean="0"/>
-              <a:t>23/11/2017</a:t>
+              <a:t>24/11/2017</a:t>
             </a:fld>
             <a:endParaRPr lang="fr-FR"/>
           </a:p>
@@ -6198,7 +6205,7 @@
           <a:p>
             <a:fld id="{EF339115-3077-41F7-8CCB-1E5454686776}" type="datetimeFigureOut">
               <a:rPr lang="fr-FR" smtClean="0"/>
-              <a:t>23/11/2017</a:t>
+              <a:t>24/11/2017</a:t>
             </a:fld>
             <a:endParaRPr lang="fr-FR"/>
           </a:p>
@@ -6941,7 +6948,7 @@
               <a:rPr lang="fr-FR" sz="2400" dirty="0">
                 <a:latin typeface="+mj-lt"/>
               </a:rPr>
-              <a:t>Icon réalisé - durée de la tâche : 2 heure</a:t>
+              <a:t>Icon réalisé - durée de la tâche : 2 heures</a:t>
             </a:r>
           </a:p>
           <a:p>
@@ -6949,7 +6956,7 @@
               <a:rPr lang="fr-FR" sz="2400" dirty="0">
                 <a:latin typeface="+mj-lt"/>
               </a:rPr>
-              <a:t>Création du site - durée de la tâche : 2 heure</a:t>
+              <a:t>Création du site - durée de la tâche : 2 heures</a:t>
             </a:r>
           </a:p>
           <a:p>
@@ -6970,7 +6977,7 @@
               <a:rPr lang="fr-FR" sz="2400" dirty="0">
                 <a:latin typeface="+mj-lt"/>
               </a:rPr>
-              <a:t>Image et présentation de chacun des produits récupéré - durée de la tâche : 2 heure</a:t>
+              <a:t>Image et présentation de chacun des produits récupérés</a:t>
             </a:r>
           </a:p>
           <a:p>
@@ -6978,7 +6985,7 @@
               <a:rPr lang="fr-FR" sz="2400" dirty="0">
                 <a:latin typeface="+mj-lt"/>
               </a:rPr>
-              <a:t>Structure HTML/CSS de la page Index - durée de la tâche : 1 heure</a:t>
+              <a:t> - durée de la tâche : 2 heures</a:t>
             </a:r>
           </a:p>
           <a:p>
@@ -6986,7 +6993,15 @@
               <a:rPr lang="fr-FR" sz="2400" dirty="0">
                 <a:latin typeface="+mj-lt"/>
               </a:rPr>
-              <a:t>Structure de la page HTML/CSS Contact – durée de la tâche : 1 heure</a:t>
+              <a:t>Structure HTML/CSS de la page Index - durée de la tâche : 2 heures</a:t>
+            </a:r>
+          </a:p>
+          <a:p>
+            <a:r>
+              <a:rPr lang="fr-FR" sz="2400" dirty="0">
+                <a:latin typeface="+mj-lt"/>
+              </a:rPr>
+              <a:t>Structure de la page HTML/CSS Contact – durée de la tâche : 2 heures</a:t>
             </a:r>
           </a:p>
         </p:txBody>
@@ -9298,8 +9313,8 @@
         </p:nvSpPr>
         <p:spPr>
           <a:xfrm>
-            <a:off x="1409700" y="2168100"/>
-            <a:ext cx="11220449" cy="3970318"/>
+            <a:off x="761909" y="2210818"/>
+            <a:ext cx="11220449" cy="3108543"/>
           </a:xfrm>
           <a:prstGeom prst="rect">
             <a:avLst/>
@@ -9320,16 +9335,11 @@
             </a:r>
           </a:p>
           <a:p>
-            <a:endParaRPr lang="fr-FR" sz="2800" dirty="0">
-              <a:latin typeface="+mj-lt"/>
-            </a:endParaRPr>
-          </a:p>
-          <a:p>
             <a:r>
               <a:rPr lang="fr-FR" sz="2800" dirty="0">
                 <a:latin typeface="+mj-lt"/>
               </a:rPr>
-              <a:t>Connexion du PHP au MySQL</a:t>
+              <a:t>Connexion à MySQL via PHP</a:t>
             </a:r>
           </a:p>
           <a:p>
@@ -9337,7 +9347,7 @@
               <a:rPr lang="fr-FR" sz="2800" dirty="0">
                 <a:latin typeface="+mj-lt"/>
               </a:rPr>
-              <a:t>récupération des données en SQL avec la Base</a:t>
+              <a:t>Récupération des données en SQL via PHP avec la BDD</a:t>
             </a:r>
           </a:p>
           <a:p>
@@ -9345,7 +9355,7 @@
               <a:rPr lang="fr-FR" sz="2800" dirty="0">
                 <a:latin typeface="+mj-lt"/>
               </a:rPr>
-              <a:t>Insertion de données</a:t>
+              <a:t>Insertion partielle des données via PHP (test)</a:t>
             </a:r>
           </a:p>
           <a:p>
@@ -9354,14 +9364,6 @@
                 <a:latin typeface="+mj-lt"/>
               </a:rPr>
               <a:t>Préparation de la page ADMIN (SQL)</a:t>
-            </a:r>
-          </a:p>
-          <a:p>
-            <a:r>
-              <a:rPr lang="fr-FR" sz="2800" dirty="0">
-                <a:latin typeface="+mj-lt"/>
-              </a:rPr>
-              <a:t>Remplissage de la base de données </a:t>
             </a:r>
           </a:p>
           <a:p>
@@ -9578,7 +9580,7 @@
         <p:spPr>
           <a:xfrm>
             <a:off x="865295" y="2550426"/>
-            <a:ext cx="9627730" cy="3108543"/>
+            <a:ext cx="9627730" cy="2677656"/>
           </a:xfrm>
           <a:prstGeom prst="rect">
             <a:avLst/>
@@ -9597,16 +9599,11 @@
             </a:r>
           </a:p>
           <a:p>
-            <a:endParaRPr lang="fr-FR" sz="2800" dirty="0">
-              <a:latin typeface="+mj-lt"/>
-            </a:endParaRPr>
-          </a:p>
-          <a:p>
             <a:r>
               <a:rPr lang="fr-FR" sz="2800" dirty="0">
                 <a:latin typeface="+mj-lt"/>
               </a:rPr>
-              <a:t>remplir la base des données avec les produits</a:t>
+              <a:t>Remplir la base des données avec les produits</a:t>
             </a:r>
           </a:p>
           <a:p>
@@ -9759,6 +9756,108 @@
           <a:chExt cx="0" cy="0"/>
         </a:xfrm>
       </p:grpSpPr>
+      <p:pic>
+        <p:nvPicPr>
+          <p:cNvPr id="17" name="Image 16">
+            <a:extLst>
+              <a:ext uri="{FF2B5EF4-FFF2-40B4-BE49-F238E27FC236}">
+                <a16:creationId xmlns:a16="http://schemas.microsoft.com/office/drawing/2014/main" id="{2993D104-FB30-47CA-BF82-3403202227E6}"/>
+              </a:ext>
+            </a:extLst>
+          </p:cNvPr>
+          <p:cNvPicPr>
+            <a:picLocks noChangeAspect="1"/>
+          </p:cNvPicPr>
+          <p:nvPr/>
+        </p:nvPicPr>
+        <p:blipFill>
+          <a:blip r:embed="rId2">
+            <a:extLst>
+              <a:ext uri="{28A0092B-C50C-407E-A947-70E740481C1C}">
+                <a14:useLocalDpi xmlns:a14="http://schemas.microsoft.com/office/drawing/2010/main" val="0"/>
+              </a:ext>
+            </a:extLst>
+          </a:blip>
+          <a:stretch>
+            <a:fillRect/>
+          </a:stretch>
+        </p:blipFill>
+        <p:spPr>
+          <a:xfrm>
+            <a:off x="10881812" y="6101913"/>
+            <a:ext cx="1100546" cy="578859"/>
+          </a:xfrm>
+          <a:prstGeom prst="rect">
+            <a:avLst/>
+          </a:prstGeom>
+        </p:spPr>
+      </p:pic>
+      <p:pic>
+        <p:nvPicPr>
+          <p:cNvPr id="3" name="Image 2">
+            <a:extLst>
+              <a:ext uri="{FF2B5EF4-FFF2-40B4-BE49-F238E27FC236}">
+                <a16:creationId xmlns:a16="http://schemas.microsoft.com/office/drawing/2014/main" id="{4E0BBF93-C44D-4B66-BD9C-820353D2D76D}"/>
+              </a:ext>
+            </a:extLst>
+          </p:cNvPr>
+          <p:cNvPicPr>
+            <a:picLocks noChangeAspect="1"/>
+          </p:cNvPicPr>
+          <p:nvPr/>
+        </p:nvPicPr>
+        <p:blipFill>
+          <a:blip r:embed="rId3">
+            <a:extLst>
+              <a:ext uri="{28A0092B-C50C-407E-A947-70E740481C1C}">
+                <a14:useLocalDpi xmlns:a14="http://schemas.microsoft.com/office/drawing/2010/main" val="0"/>
+              </a:ext>
+            </a:extLst>
+          </a:blip>
+          <a:stretch>
+            <a:fillRect/>
+          </a:stretch>
+        </p:blipFill>
+        <p:spPr>
+          <a:xfrm>
+            <a:off x="101601" y="52525"/>
+            <a:ext cx="9458959" cy="6752950"/>
+          </a:xfrm>
+          <a:prstGeom prst="rect">
+            <a:avLst/>
+          </a:prstGeom>
+        </p:spPr>
+      </p:pic>
+    </p:spTree>
+    <p:extLst>
+      <p:ext uri="{BB962C8B-B14F-4D97-AF65-F5344CB8AC3E}">
+        <p14:creationId xmlns:p14="http://schemas.microsoft.com/office/powerpoint/2010/main" val="300960322"/>
+      </p:ext>
+    </p:extLst>
+  </p:cSld>
+  <p:clrMapOvr>
+    <a:masterClrMapping/>
+  </p:clrMapOvr>
+</p:sld>
+</file>
+
+<file path=ppt/slides/slide16.xml><?xml version="1.0" encoding="utf-8"?>
+<p:sld xmlns:a="http://schemas.openxmlformats.org/drawingml/2006/main" xmlns:r="http://schemas.openxmlformats.org/officeDocument/2006/relationships" xmlns:p="http://schemas.openxmlformats.org/presentationml/2006/main">
+  <p:cSld>
+    <p:spTree>
+      <p:nvGrpSpPr>
+        <p:cNvPr id="1" name=""/>
+        <p:cNvGrpSpPr/>
+        <p:nvPr/>
+      </p:nvGrpSpPr>
+      <p:grpSpPr>
+        <a:xfrm>
+          <a:off x="0" y="0"/>
+          <a:ext cx="0" cy="0"/>
+          <a:chOff x="0" y="0"/>
+          <a:chExt cx="0" cy="0"/>
+        </a:xfrm>
+      </p:grpSpPr>
       <p:sp>
         <p:nvSpPr>
           <p:cNvPr id="4" name="ZoneTexte 3">
@@ -10089,7 +10188,7 @@
 </p:sld>
 </file>
 
-<file path=ppt/slides/slide16.xml><?xml version="1.0" encoding="utf-8"?>
+<file path=ppt/slides/slide17.xml><?xml version="1.0" encoding="utf-8"?>
 <p:sld xmlns:a="http://schemas.openxmlformats.org/drawingml/2006/main" xmlns:r="http://schemas.openxmlformats.org/officeDocument/2006/relationships" xmlns:p="http://schemas.openxmlformats.org/presentationml/2006/main">
   <p:cSld>
     <p:spTree>
@@ -10120,7 +10219,7 @@
         </p:nvSpPr>
         <p:spPr>
           <a:xfrm>
-            <a:off x="127365" y="968773"/>
+            <a:off x="695326" y="1283070"/>
             <a:ext cx="8782773" cy="834501"/>
           </a:xfrm>
           <a:prstGeom prst="roundRect">
@@ -10276,8 +10375,8 @@
         </p:nvSpPr>
         <p:spPr>
           <a:xfrm>
-            <a:off x="227878" y="2067034"/>
-            <a:ext cx="10840172" cy="830997"/>
+            <a:off x="591913" y="2828835"/>
+            <a:ext cx="10840172" cy="1200329"/>
           </a:xfrm>
           <a:prstGeom prst="rect">
             <a:avLst/>
@@ -10302,7 +10401,24 @@
               <a:rPr lang="fr-FR" sz="2400" dirty="0">
                 <a:latin typeface="+mj-lt"/>
               </a:rPr>
-              <a:t>Remplir catégorie commande articles </a:t>
+              <a:t>Insertion des données dans la table Catégorie et </a:t>
+            </a:r>
+            <a:r>
+              <a:rPr lang="fr-FR" sz="2400" dirty="0" err="1">
+                <a:latin typeface="+mj-lt"/>
+              </a:rPr>
+              <a:t>Commande_articles</a:t>
+            </a:r>
+            <a:endParaRPr lang="fr-FR" sz="2400" dirty="0">
+              <a:latin typeface="+mj-lt"/>
+            </a:endParaRPr>
+          </a:p>
+          <a:p>
+            <a:r>
+              <a:rPr lang="fr-FR" sz="2400" dirty="0">
+                <a:latin typeface="+mj-lt"/>
+              </a:rPr>
+              <a:t> </a:t>
             </a:r>
             <a:r>
               <a:rPr lang="fr-FR" sz="2400" dirty="0"/>
@@ -10418,7 +10534,7 @@
 </p:sld>
 </file>
 
-<file path=ppt/slides/slide17.xml><?xml version="1.0" encoding="utf-8"?>
+<file path=ppt/slides/slide18.xml><?xml version="1.0" encoding="utf-8"?>
 <p:sld xmlns:a="http://schemas.openxmlformats.org/drawingml/2006/main" xmlns:r="http://schemas.openxmlformats.org/officeDocument/2006/relationships" xmlns:p="http://schemas.openxmlformats.org/presentationml/2006/main">
   <p:cSld>
     <p:spTree>
@@ -10536,7 +10652,7 @@
               <a:rPr lang="fr-FR" sz="2200" dirty="0">
                 <a:latin typeface="+mj-lt"/>
               </a:rPr>
-              <a:t>Synthétisé les CSS/HTML </a:t>
+              <a:t>Synthétiser les CSS/HTML </a:t>
             </a:r>
             <a:r>
               <a:rPr lang="fr-FR" sz="2200" dirty="0"/>
@@ -10592,7 +10708,7 @@
               <a:rPr lang="fr-FR" sz="2200" dirty="0">
                 <a:latin typeface="+mj-lt"/>
               </a:rPr>
-              <a:t>Page compte a créer – </a:t>
+              <a:t>Page compte à créer – </a:t>
             </a:r>
             <a:r>
               <a:rPr lang="fr-FR" sz="2200" dirty="0"/>
@@ -10613,7 +10729,7 @@
               <a:rPr lang="fr-FR" sz="2200" dirty="0">
                 <a:latin typeface="+mj-lt"/>
               </a:rPr>
-              <a:t>Fusion des différents CSS (Main.css : qui est le CSS général et des CSS spécifiques </a:t>
+              <a:t>Fusion des différents CSS (Main.css) qui est le CSS général et des CSS spécifiques </a:t>
             </a:r>
             <a:r>
               <a:rPr lang="fr-FR" sz="2200" dirty="0"/>
@@ -10743,7 +10859,7 @@
 </p:sld>
 </file>
 
-<file path=ppt/slides/slide18.xml><?xml version="1.0" encoding="utf-8"?>
+<file path=ppt/slides/slide19.xml><?xml version="1.0" encoding="utf-8"?>
 <p:sld xmlns:a="http://schemas.openxmlformats.org/drawingml/2006/main" xmlns:r="http://schemas.openxmlformats.org/officeDocument/2006/relationships" xmlns:p="http://schemas.openxmlformats.org/presentationml/2006/main">
   <p:cSld>
     <p:spTree>
@@ -10775,7 +10891,7 @@
         <p:spPr>
           <a:xfrm>
             <a:off x="349607" y="2113815"/>
-            <a:ext cx="10320488" cy="4401205"/>
+            <a:ext cx="10320488" cy="3970318"/>
           </a:xfrm>
           <a:prstGeom prst="rect">
             <a:avLst/>
@@ -10794,8 +10910,6 @@
               </a:rPr>
               <a:t>Réalisée par Mathias :</a:t>
             </a:r>
-          </a:p>
-          <a:p>
             <a:endParaRPr lang="fr-FR" sz="2800" dirty="0">
               <a:latin typeface="+mj-lt"/>
             </a:endParaRPr>
@@ -10849,7 +10963,7 @@
           <a:p>
             <a:r>
               <a:rPr lang="fr-FR" sz="2800" dirty="0"/>
-              <a:t>Page d'administrateur - à mettre en harmonisation </a:t>
+              <a:t>Page d'administrateur à harmoniser </a:t>
             </a:r>
           </a:p>
           <a:p>
@@ -11016,264 +11130,6 @@
     <p:extLst>
       <p:ext uri="{BB962C8B-B14F-4D97-AF65-F5344CB8AC3E}">
         <p14:creationId xmlns:p14="http://schemas.microsoft.com/office/powerpoint/2010/main" val="2923028296"/>
-      </p:ext>
-    </p:extLst>
-  </p:cSld>
-  <p:clrMapOvr>
-    <a:masterClrMapping/>
-  </p:clrMapOvr>
-</p:sld>
-</file>
-
-<file path=ppt/slides/slide19.xml><?xml version="1.0" encoding="utf-8"?>
-<p:sld xmlns:a="http://schemas.openxmlformats.org/drawingml/2006/main" xmlns:r="http://schemas.openxmlformats.org/officeDocument/2006/relationships" xmlns:p="http://schemas.openxmlformats.org/presentationml/2006/main">
-  <p:cSld>
-    <p:spTree>
-      <p:nvGrpSpPr>
-        <p:cNvPr id="1" name=""/>
-        <p:cNvGrpSpPr/>
-        <p:nvPr/>
-      </p:nvGrpSpPr>
-      <p:grpSpPr>
-        <a:xfrm>
-          <a:off x="0" y="0"/>
-          <a:ext cx="0" cy="0"/>
-          <a:chOff x="0" y="0"/>
-          <a:chExt cx="0" cy="0"/>
-        </a:xfrm>
-      </p:grpSpPr>
-      <p:sp>
-        <p:nvSpPr>
-          <p:cNvPr id="18" name="ZoneTexte 17">
-            <a:extLst>
-              <a:ext uri="{FF2B5EF4-FFF2-40B4-BE49-F238E27FC236}">
-                <a16:creationId xmlns:a16="http://schemas.microsoft.com/office/drawing/2014/main" id="{CBF18C57-1FC6-4DB5-BB6D-E5F37C562EF4}"/>
-              </a:ext>
-            </a:extLst>
-          </p:cNvPr>
-          <p:cNvSpPr txBox="1"/>
-          <p:nvPr/>
-        </p:nvSpPr>
-        <p:spPr>
-          <a:xfrm>
-            <a:off x="351961" y="2254745"/>
-            <a:ext cx="10963739" cy="2492990"/>
-          </a:xfrm>
-          <a:prstGeom prst="rect">
-            <a:avLst/>
-          </a:prstGeom>
-          <a:noFill/>
-        </p:spPr>
-        <p:txBody>
-          <a:bodyPr wrap="square" rtlCol="0">
-            <a:spAutoFit/>
-          </a:bodyPr>
-          <a:lstStyle/>
-          <a:p>
-            <a:r>
-              <a:rPr lang="fr-FR" sz="2600" u="sng" dirty="0">
-                <a:latin typeface="+mj-lt"/>
-              </a:rPr>
-              <a:t>Réalisée par Mathias  :</a:t>
-            </a:r>
-          </a:p>
-          <a:p>
-            <a:r>
-              <a:rPr lang="fr-FR" sz="2600" dirty="0">
-                <a:latin typeface="+mj-lt"/>
-              </a:rPr>
-              <a:t>Récupération des données articles - durée de la tâche : 2 heures</a:t>
-            </a:r>
-          </a:p>
-          <a:p>
-            <a:endParaRPr lang="fr-FR" sz="2600" dirty="0">
-              <a:latin typeface="+mj-lt"/>
-            </a:endParaRPr>
-          </a:p>
-          <a:p>
-            <a:r>
-              <a:rPr lang="fr-FR" sz="2600" u="sng" dirty="0">
-                <a:latin typeface="+mj-lt"/>
-              </a:rPr>
-              <a:t>Réalisée par Jean-Christophe :</a:t>
-            </a:r>
-          </a:p>
-          <a:p>
-            <a:r>
-              <a:rPr lang="fr-FR" sz="2600" dirty="0">
-                <a:latin typeface="+mj-lt"/>
-              </a:rPr>
-              <a:t>Requête SQL Jean-Christophe - durée de la tâche : 2 heures</a:t>
-            </a:r>
-          </a:p>
-          <a:p>
-            <a:r>
-              <a:rPr lang="fr-FR" sz="2600" dirty="0">
-                <a:latin typeface="+mj-lt"/>
-              </a:rPr>
-              <a:t>Base de données terminée  - durée de la tâche : 5 heures</a:t>
-            </a:r>
-          </a:p>
-        </p:txBody>
-      </p:sp>
-      <p:pic>
-        <p:nvPicPr>
-          <p:cNvPr id="22" name="Image 21">
-            <a:extLst>
-              <a:ext uri="{FF2B5EF4-FFF2-40B4-BE49-F238E27FC236}">
-                <a16:creationId xmlns:a16="http://schemas.microsoft.com/office/drawing/2014/main" id="{D35FC360-204B-436F-B28D-C59AD0D466C1}"/>
-              </a:ext>
-            </a:extLst>
-          </p:cNvPr>
-          <p:cNvPicPr>
-            <a:picLocks noChangeAspect="1"/>
-          </p:cNvPicPr>
-          <p:nvPr/>
-        </p:nvPicPr>
-        <p:blipFill>
-          <a:blip r:embed="rId2">
-            <a:extLst>
-              <a:ext uri="{28A0092B-C50C-407E-A947-70E740481C1C}">
-                <a14:useLocalDpi xmlns:a14="http://schemas.microsoft.com/office/drawing/2010/main" val="0"/>
-              </a:ext>
-            </a:extLst>
-          </a:blip>
-          <a:stretch>
-            <a:fillRect/>
-          </a:stretch>
-        </p:blipFill>
-        <p:spPr>
-          <a:xfrm>
-            <a:off x="10881812" y="6101913"/>
-            <a:ext cx="1100546" cy="578859"/>
-          </a:xfrm>
-          <a:prstGeom prst="rect">
-            <a:avLst/>
-          </a:prstGeom>
-        </p:spPr>
-      </p:pic>
-      <p:sp>
-        <p:nvSpPr>
-          <p:cNvPr id="21" name="Rectangle 20">
-            <a:extLst>
-              <a:ext uri="{FF2B5EF4-FFF2-40B4-BE49-F238E27FC236}">
-                <a16:creationId xmlns:a16="http://schemas.microsoft.com/office/drawing/2014/main" id="{33801D6C-FE05-48CE-8395-2C93A6AC1E43}"/>
-              </a:ext>
-            </a:extLst>
-          </p:cNvPr>
-          <p:cNvSpPr/>
-          <p:nvPr/>
-        </p:nvSpPr>
-        <p:spPr>
-          <a:xfrm>
-            <a:off x="0" y="0"/>
-            <a:ext cx="2130641" cy="834501"/>
-          </a:xfrm>
-          <a:prstGeom prst="rect">
-            <a:avLst/>
-          </a:prstGeom>
-          <a:noFill/>
-          <a:ln>
-            <a:noFill/>
-          </a:ln>
-        </p:spPr>
-        <p:style>
-          <a:lnRef idx="2">
-            <a:schemeClr val="accent1">
-              <a:shade val="50000"/>
-            </a:schemeClr>
-          </a:lnRef>
-          <a:fillRef idx="1">
-            <a:schemeClr val="accent1"/>
-          </a:fillRef>
-          <a:effectRef idx="0">
-            <a:schemeClr val="accent1"/>
-          </a:effectRef>
-          <a:fontRef idx="minor">
-            <a:schemeClr val="lt1"/>
-          </a:fontRef>
-        </p:style>
-        <p:txBody>
-          <a:bodyPr rtlCol="0" anchor="ctr"/>
-          <a:lstStyle/>
-          <a:p>
-            <a:pPr algn="ctr"/>
-            <a:r>
-              <a:rPr lang="fr-FR" sz="3600" dirty="0">
-                <a:latin typeface="+mj-lt"/>
-              </a:rPr>
-              <a:t>Jour 4 :</a:t>
-            </a:r>
-          </a:p>
-        </p:txBody>
-      </p:sp>
-      <p:sp>
-        <p:nvSpPr>
-          <p:cNvPr id="23" name="Rectangle : coins arrondis 22">
-            <a:extLst>
-              <a:ext uri="{FF2B5EF4-FFF2-40B4-BE49-F238E27FC236}">
-                <a16:creationId xmlns:a16="http://schemas.microsoft.com/office/drawing/2014/main" id="{21A91D3B-E102-47BA-890A-F0E1E03DAC81}"/>
-              </a:ext>
-            </a:extLst>
-          </p:cNvPr>
-          <p:cNvSpPr/>
-          <p:nvPr/>
-        </p:nvSpPr>
-        <p:spPr>
-          <a:xfrm>
-            <a:off x="127365" y="968773"/>
-            <a:ext cx="8782773" cy="834501"/>
-          </a:xfrm>
-          <a:prstGeom prst="roundRect">
-            <a:avLst/>
-          </a:prstGeom>
-          <a:solidFill>
-            <a:schemeClr val="bg2">
-              <a:lumMod val="90000"/>
-            </a:schemeClr>
-          </a:solidFill>
-          <a:ln>
-            <a:solidFill>
-              <a:schemeClr val="bg1">
-                <a:lumMod val="75000"/>
-              </a:schemeClr>
-            </a:solidFill>
-          </a:ln>
-        </p:spPr>
-        <p:style>
-          <a:lnRef idx="2">
-            <a:schemeClr val="accent1">
-              <a:shade val="50000"/>
-            </a:schemeClr>
-          </a:lnRef>
-          <a:fillRef idx="1">
-            <a:schemeClr val="accent1"/>
-          </a:fillRef>
-          <a:effectRef idx="0">
-            <a:schemeClr val="accent1"/>
-          </a:effectRef>
-          <a:fontRef idx="minor">
-            <a:schemeClr val="lt1"/>
-          </a:fontRef>
-        </p:style>
-        <p:txBody>
-          <a:bodyPr rtlCol="0" anchor="ctr"/>
-          <a:lstStyle/>
-          <a:p>
-            <a:pPr algn="ctr"/>
-            <a:r>
-              <a:rPr lang="fr-FR" sz="3600" dirty="0">
-                <a:latin typeface="+mj-lt"/>
-              </a:rPr>
-              <a:t>Mise en place d'une base de donnée </a:t>
-            </a:r>
-          </a:p>
-        </p:txBody>
-      </p:sp>
-    </p:spTree>
-    <p:extLst>
-      <p:ext uri="{BB962C8B-B14F-4D97-AF65-F5344CB8AC3E}">
-        <p14:creationId xmlns:p14="http://schemas.microsoft.com/office/powerpoint/2010/main" val="4014819510"/>
       </p:ext>
     </p:extLst>
   </p:cSld>
@@ -11512,10 +11368,10 @@
       </p:grpSpPr>
       <p:sp>
         <p:nvSpPr>
-          <p:cNvPr id="4" name="ZoneTexte 3">
+          <p:cNvPr id="18" name="ZoneTexte 17">
             <a:extLst>
               <a:ext uri="{FF2B5EF4-FFF2-40B4-BE49-F238E27FC236}">
-                <a16:creationId xmlns:a16="http://schemas.microsoft.com/office/drawing/2014/main" id="{534039F9-21E6-4F1A-BC29-7B3B6F1AA76F}"/>
+                <a16:creationId xmlns:a16="http://schemas.microsoft.com/office/drawing/2014/main" id="{CBF18C57-1FC6-4DB5-BB6D-E5F37C562EF4}"/>
               </a:ext>
             </a:extLst>
           </p:cNvPr>
@@ -11524,8 +11380,8 @@
         </p:nvSpPr>
         <p:spPr>
           <a:xfrm>
-            <a:off x="8673059" y="2922635"/>
-            <a:ext cx="2585491" cy="923330"/>
+            <a:off x="542461" y="2521445"/>
+            <a:ext cx="10963739" cy="2492990"/>
           </a:xfrm>
           <a:prstGeom prst="rect">
             <a:avLst/>
@@ -11539,231 +11395,48 @@
           <a:lstStyle/>
           <a:p>
             <a:r>
-              <a:rPr lang="fr-FR" dirty="0">
+              <a:rPr lang="fr-FR" sz="2600" u="sng" dirty="0">
                 <a:latin typeface="+mj-lt"/>
               </a:rPr>
-              <a:t>Diaporama : Camille</a:t>
-            </a:r>
-          </a:p>
-          <a:p>
-            <a:r>
-              <a:rPr lang="fr-FR" dirty="0">
+              <a:t>Réalisée par Mathias  :</a:t>
+            </a:r>
+          </a:p>
+          <a:p>
+            <a:r>
+              <a:rPr lang="fr-FR" sz="2600" dirty="0">
                 <a:latin typeface="+mj-lt"/>
               </a:rPr>
-              <a:t> </a:t>
-            </a:r>
-            <a:r>
-              <a:rPr lang="fr-FR" dirty="0"/>
-              <a:t>durée de la tâche : 4 heures</a:t>
-            </a:r>
-            <a:endParaRPr lang="fr-FR" dirty="0">
+              <a:t>Récupération des données articles - durée de la tâche : 2 heures</a:t>
+            </a:r>
+          </a:p>
+          <a:p>
+            <a:endParaRPr lang="fr-FR" sz="2600" dirty="0">
               <a:latin typeface="+mj-lt"/>
             </a:endParaRPr>
           </a:p>
-        </p:txBody>
-      </p:sp>
-      <p:sp>
-        <p:nvSpPr>
-          <p:cNvPr id="19" name="ZoneTexte 18">
-            <a:extLst>
-              <a:ext uri="{FF2B5EF4-FFF2-40B4-BE49-F238E27FC236}">
-                <a16:creationId xmlns:a16="http://schemas.microsoft.com/office/drawing/2014/main" id="{BB1264BE-4405-4F03-BD35-18DDFD083B88}"/>
-              </a:ext>
-            </a:extLst>
-          </p:cNvPr>
-          <p:cNvSpPr txBox="1"/>
-          <p:nvPr/>
-        </p:nvSpPr>
-        <p:spPr>
-          <a:xfrm>
-            <a:off x="0" y="1743075"/>
-            <a:ext cx="9942867" cy="5109091"/>
-          </a:xfrm>
-          <a:prstGeom prst="rect">
-            <a:avLst/>
-          </a:prstGeom>
-          <a:noFill/>
-        </p:spPr>
-        <p:txBody>
-          <a:bodyPr wrap="square" rtlCol="0">
-            <a:spAutoFit/>
-          </a:bodyPr>
-          <a:lstStyle/>
-          <a:p>
-            <a:r>
-              <a:rPr lang="fr-FR" sz="2200" u="sng" dirty="0">
+          <a:p>
+            <a:r>
+              <a:rPr lang="fr-FR" sz="2600" u="sng" dirty="0">
                 <a:latin typeface="+mj-lt"/>
               </a:rPr>
-              <a:t>Réalisée par Dylan :</a:t>
-            </a:r>
-            <a:endParaRPr lang="fr-FR" sz="2200" dirty="0">
-              <a:latin typeface="+mj-lt"/>
-            </a:endParaRPr>
-          </a:p>
-          <a:p>
-            <a:r>
-              <a:rPr lang="fr-FR" sz="2200" dirty="0">
+              <a:t>Réalisée par Jean-Christophe :</a:t>
+            </a:r>
+          </a:p>
+          <a:p>
+            <a:r>
+              <a:rPr lang="fr-FR" sz="2600" dirty="0">
                 <a:latin typeface="+mj-lt"/>
               </a:rPr>
-              <a:t>Bloque modèle page figurine - durée de la tâche : 7 heures</a:t>
-            </a:r>
-          </a:p>
-          <a:p>
-            <a:endParaRPr lang="fr-FR" sz="600" u="sng" dirty="0">
-              <a:latin typeface="+mj-lt"/>
-            </a:endParaRPr>
-          </a:p>
-          <a:p>
-            <a:r>
-              <a:rPr lang="fr-FR" sz="2200" u="sng" dirty="0">
+              <a:t>Requête SQL - durée de la tâche : 2 heures</a:t>
+            </a:r>
+          </a:p>
+          <a:p>
+            <a:r>
+              <a:rPr lang="fr-FR" sz="2600" dirty="0">
                 <a:latin typeface="+mj-lt"/>
               </a:rPr>
-              <a:t>Réalisée par Jean-Christophe - Camille :</a:t>
-            </a:r>
-          </a:p>
-          <a:p>
-            <a:r>
-              <a:rPr lang="fr-FR" sz="2200" dirty="0">
-                <a:latin typeface="+mj-lt"/>
-              </a:rPr>
-              <a:t>Page de compte structure du site </a:t>
-            </a:r>
-          </a:p>
-          <a:p>
-            <a:r>
-              <a:rPr lang="fr-FR" sz="2200" dirty="0">
-                <a:latin typeface="+mj-lt"/>
-              </a:rPr>
-              <a:t>Camille durée de la tâche : 5 heure</a:t>
-            </a:r>
-          </a:p>
-          <a:p>
-            <a:r>
-              <a:rPr lang="fr-FR" sz="2200" dirty="0">
-                <a:latin typeface="+mj-lt"/>
-              </a:rPr>
-              <a:t>et Jean-Christophe - durée de la tâche : 2 heures</a:t>
-            </a:r>
-          </a:p>
-          <a:p>
-            <a:endParaRPr lang="fr-FR" sz="600" dirty="0">
-              <a:latin typeface="+mj-lt"/>
-            </a:endParaRPr>
-          </a:p>
-          <a:p>
-            <a:r>
-              <a:rPr lang="fr-FR" sz="2200" u="sng" dirty="0">
-                <a:latin typeface="+mj-lt"/>
-              </a:rPr>
-              <a:t>Réalisée par Jean-Christophe :</a:t>
-            </a:r>
-            <a:endParaRPr lang="fr-FR" sz="2200" dirty="0">
-              <a:latin typeface="+mj-lt"/>
-            </a:endParaRPr>
-          </a:p>
-          <a:p>
-            <a:r>
-              <a:rPr lang="fr-FR" sz="2200" dirty="0">
-                <a:latin typeface="+mj-lt"/>
-              </a:rPr>
-              <a:t>Créer page d'inscription - reste a faire communiqué </a:t>
-            </a:r>
-          </a:p>
-          <a:p>
-            <a:r>
-              <a:rPr lang="fr-FR" sz="2200" dirty="0">
-                <a:latin typeface="+mj-lt"/>
-              </a:rPr>
-              <a:t>harmonisation du site - durée de la tâche : 3 heures</a:t>
-            </a:r>
-          </a:p>
-          <a:p>
-            <a:endParaRPr lang="fr-FR" sz="600" dirty="0">
-              <a:latin typeface="+mj-lt"/>
-            </a:endParaRPr>
-          </a:p>
-          <a:p>
-            <a:r>
-              <a:rPr lang="fr-FR" sz="2200" u="sng" dirty="0">
-                <a:latin typeface="+mj-lt"/>
-              </a:rPr>
-              <a:t>Réalisée par Anis :</a:t>
-            </a:r>
-            <a:endParaRPr lang="fr-FR" sz="2200" dirty="0">
-              <a:latin typeface="+mj-lt"/>
-            </a:endParaRPr>
-          </a:p>
-          <a:p>
-            <a:r>
-              <a:rPr lang="fr-FR" sz="2200" dirty="0">
-                <a:latin typeface="+mj-lt"/>
-              </a:rPr>
-              <a:t>Page CSS main.css en place  et personnalisation des autres CSS - durée de la tâche : 3 heures</a:t>
-            </a:r>
-          </a:p>
-          <a:p>
-            <a:r>
-              <a:rPr lang="fr-FR" sz="2200" dirty="0">
-                <a:latin typeface="+mj-lt"/>
-              </a:rPr>
-              <a:t>Rectification de la page panier - a terminé - durée de la tâche : 4 heures</a:t>
-            </a:r>
-          </a:p>
-        </p:txBody>
-      </p:sp>
-      <p:sp>
-        <p:nvSpPr>
-          <p:cNvPr id="20" name="Ellipse 19">
-            <a:extLst>
-              <a:ext uri="{FF2B5EF4-FFF2-40B4-BE49-F238E27FC236}">
-                <a16:creationId xmlns:a16="http://schemas.microsoft.com/office/drawing/2014/main" id="{98286945-2EE3-4F5A-96EC-B0EA39A10022}"/>
-              </a:ext>
-            </a:extLst>
-          </p:cNvPr>
-          <p:cNvSpPr/>
-          <p:nvPr/>
-        </p:nvSpPr>
-        <p:spPr>
-          <a:xfrm>
-            <a:off x="8273624" y="3055116"/>
-            <a:ext cx="399435" cy="373884"/>
-          </a:xfrm>
-          <a:prstGeom prst="ellipse">
-            <a:avLst/>
-          </a:prstGeom>
-          <a:solidFill>
-            <a:srgbClr val="FF0000"/>
-          </a:solidFill>
-          <a:ln>
-            <a:solidFill>
-              <a:srgbClr val="FF0000"/>
-            </a:solidFill>
-          </a:ln>
-        </p:spPr>
-        <p:style>
-          <a:lnRef idx="2">
-            <a:schemeClr val="accent1">
-              <a:shade val="50000"/>
-            </a:schemeClr>
-          </a:lnRef>
-          <a:fillRef idx="1">
-            <a:schemeClr val="accent1"/>
-          </a:fillRef>
-          <a:effectRef idx="0">
-            <a:schemeClr val="accent1"/>
-          </a:effectRef>
-          <a:fontRef idx="minor">
-            <a:schemeClr val="lt1"/>
-          </a:fontRef>
-        </p:style>
-        <p:txBody>
-          <a:bodyPr rtlCol="0" anchor="ctr"/>
-          <a:lstStyle/>
-          <a:p>
-            <a:pPr algn="ctr"/>
-            <a:endParaRPr lang="fr-FR">
-              <a:latin typeface="Book Antiqua" panose="02040602050305030304" pitchFamily="18" charset="0"/>
-            </a:endParaRPr>
+              <a:t>Base de données terminée  - durée de la tâche : 5 heures</a:t>
+            </a:r>
           </a:p>
         </p:txBody>
       </p:sp>
@@ -11808,7 +11481,7 @@
           <p:cNvPr id="21" name="Rectangle 20">
             <a:extLst>
               <a:ext uri="{FF2B5EF4-FFF2-40B4-BE49-F238E27FC236}">
-                <a16:creationId xmlns:a16="http://schemas.microsoft.com/office/drawing/2014/main" id="{BB8E8913-3231-45C2-9ECD-D4DC4D0D6DAC}"/>
+                <a16:creationId xmlns:a16="http://schemas.microsoft.com/office/drawing/2014/main" id="{33801D6C-FE05-48CE-8395-2C93A6AC1E43}"/>
               </a:ext>
             </a:extLst>
           </p:cNvPr>
@@ -11817,7 +11490,7 @@
         </p:nvSpPr>
         <p:spPr>
           <a:xfrm>
-            <a:off x="-133350" y="-60542"/>
+            <a:off x="0" y="0"/>
             <a:ext cx="2130641" cy="834501"/>
           </a:xfrm>
           <a:prstGeom prst="rect">
@@ -11863,7 +11536,7 @@
           <p:cNvPr id="23" name="Rectangle : coins arrondis 22">
             <a:extLst>
               <a:ext uri="{FF2B5EF4-FFF2-40B4-BE49-F238E27FC236}">
-                <a16:creationId xmlns:a16="http://schemas.microsoft.com/office/drawing/2014/main" id="{2A2540BA-3371-43D5-8A82-0C48AD5CB3AC}"/>
+                <a16:creationId xmlns:a16="http://schemas.microsoft.com/office/drawing/2014/main" id="{21A91D3B-E102-47BA-890A-F0E1E03DAC81}"/>
               </a:ext>
             </a:extLst>
           </p:cNvPr>
@@ -11872,8 +11545,8 @@
         </p:nvSpPr>
         <p:spPr>
           <a:xfrm>
-            <a:off x="798441" y="639343"/>
-            <a:ext cx="9167363" cy="1103732"/>
+            <a:off x="908415" y="1086495"/>
+            <a:ext cx="8782773" cy="834501"/>
           </a:xfrm>
           <a:prstGeom prst="roundRect">
             <a:avLst/>
@@ -11916,7 +11589,7 @@
               <a:rPr lang="fr-FR" sz="3600" dirty="0">
                 <a:latin typeface="+mj-lt"/>
               </a:rPr>
-              <a:t>Mise en place de la structure du site internet </a:t>
+              <a:t>Mise en place d'une base de donnée </a:t>
             </a:r>
           </a:p>
         </p:txBody>
@@ -11924,7 +11597,7 @@
     </p:spTree>
     <p:extLst>
       <p:ext uri="{BB962C8B-B14F-4D97-AF65-F5344CB8AC3E}">
-        <p14:creationId xmlns:p14="http://schemas.microsoft.com/office/powerpoint/2010/main" val="4158268429"/>
+        <p14:creationId xmlns:p14="http://schemas.microsoft.com/office/powerpoint/2010/main" val="4014819510"/>
       </p:ext>
     </p:extLst>
   </p:cSld>
@@ -11953,6 +11626,455 @@
       </p:grpSpPr>
       <p:sp>
         <p:nvSpPr>
+          <p:cNvPr id="4" name="ZoneTexte 3">
+            <a:extLst>
+              <a:ext uri="{FF2B5EF4-FFF2-40B4-BE49-F238E27FC236}">
+                <a16:creationId xmlns:a16="http://schemas.microsoft.com/office/drawing/2014/main" id="{534039F9-21E6-4F1A-BC29-7B3B6F1AA76F}"/>
+              </a:ext>
+            </a:extLst>
+          </p:cNvPr>
+          <p:cNvSpPr txBox="1"/>
+          <p:nvPr/>
+        </p:nvSpPr>
+        <p:spPr>
+          <a:xfrm>
+            <a:off x="8673059" y="2922635"/>
+            <a:ext cx="2585491" cy="923330"/>
+          </a:xfrm>
+          <a:prstGeom prst="rect">
+            <a:avLst/>
+          </a:prstGeom>
+          <a:noFill/>
+        </p:spPr>
+        <p:txBody>
+          <a:bodyPr wrap="square" rtlCol="0">
+            <a:spAutoFit/>
+          </a:bodyPr>
+          <a:lstStyle/>
+          <a:p>
+            <a:r>
+              <a:rPr lang="fr-FR" dirty="0">
+                <a:latin typeface="+mj-lt"/>
+              </a:rPr>
+              <a:t>Diaporama : Camille</a:t>
+            </a:r>
+          </a:p>
+          <a:p>
+            <a:r>
+              <a:rPr lang="fr-FR" dirty="0">
+                <a:latin typeface="+mj-lt"/>
+              </a:rPr>
+              <a:t> </a:t>
+            </a:r>
+            <a:r>
+              <a:rPr lang="fr-FR" dirty="0"/>
+              <a:t>durée de la tâche : 4 heures</a:t>
+            </a:r>
+            <a:endParaRPr lang="fr-FR" dirty="0">
+              <a:latin typeface="+mj-lt"/>
+            </a:endParaRPr>
+          </a:p>
+        </p:txBody>
+      </p:sp>
+      <p:sp>
+        <p:nvSpPr>
+          <p:cNvPr id="19" name="ZoneTexte 18">
+            <a:extLst>
+              <a:ext uri="{FF2B5EF4-FFF2-40B4-BE49-F238E27FC236}">
+                <a16:creationId xmlns:a16="http://schemas.microsoft.com/office/drawing/2014/main" id="{BB1264BE-4405-4F03-BD35-18DDFD083B88}"/>
+              </a:ext>
+            </a:extLst>
+          </p:cNvPr>
+          <p:cNvSpPr txBox="1"/>
+          <p:nvPr/>
+        </p:nvSpPr>
+        <p:spPr>
+          <a:xfrm>
+            <a:off x="142875" y="1910235"/>
+            <a:ext cx="10191750" cy="4770537"/>
+          </a:xfrm>
+          <a:prstGeom prst="rect">
+            <a:avLst/>
+          </a:prstGeom>
+          <a:noFill/>
+        </p:spPr>
+        <p:txBody>
+          <a:bodyPr wrap="square" rtlCol="0">
+            <a:spAutoFit/>
+          </a:bodyPr>
+          <a:lstStyle/>
+          <a:p>
+            <a:r>
+              <a:rPr lang="fr-FR" sz="2200" u="sng" dirty="0">
+                <a:latin typeface="+mj-lt"/>
+              </a:rPr>
+              <a:t>Réalisée par Dylan :</a:t>
+            </a:r>
+            <a:endParaRPr lang="fr-FR" sz="2200" dirty="0">
+              <a:latin typeface="+mj-lt"/>
+            </a:endParaRPr>
+          </a:p>
+          <a:p>
+            <a:r>
+              <a:rPr lang="fr-FR" sz="2200" dirty="0">
+                <a:latin typeface="+mj-lt"/>
+              </a:rPr>
+              <a:t>Bloque modèle page figurine - durée de la tâche : 7 heures</a:t>
+            </a:r>
+          </a:p>
+          <a:p>
+            <a:endParaRPr lang="fr-FR" sz="600" u="sng" dirty="0">
+              <a:latin typeface="+mj-lt"/>
+            </a:endParaRPr>
+          </a:p>
+          <a:p>
+            <a:r>
+              <a:rPr lang="fr-FR" sz="2200" u="sng" dirty="0">
+                <a:latin typeface="+mj-lt"/>
+              </a:rPr>
+              <a:t>Réalisée par Jean-Christophe - Camille :</a:t>
+            </a:r>
+          </a:p>
+          <a:p>
+            <a:r>
+              <a:rPr lang="fr-FR" sz="2200" dirty="0">
+                <a:latin typeface="+mj-lt"/>
+              </a:rPr>
+              <a:t>Page de compte structure du site </a:t>
+            </a:r>
+          </a:p>
+          <a:p>
+            <a:r>
+              <a:rPr lang="fr-FR" sz="2200" dirty="0">
+                <a:latin typeface="+mj-lt"/>
+              </a:rPr>
+              <a:t>Camille durée de la tâche : 5 heures</a:t>
+            </a:r>
+          </a:p>
+          <a:p>
+            <a:r>
+              <a:rPr lang="fr-FR" sz="2200" dirty="0">
+                <a:latin typeface="+mj-lt"/>
+              </a:rPr>
+              <a:t>et Jean-Christophe - durée de la tâche : 2 heures</a:t>
+            </a:r>
+          </a:p>
+          <a:p>
+            <a:endParaRPr lang="fr-FR" sz="600" dirty="0">
+              <a:latin typeface="+mj-lt"/>
+            </a:endParaRPr>
+          </a:p>
+          <a:p>
+            <a:r>
+              <a:rPr lang="fr-FR" sz="2200" u="sng" dirty="0">
+                <a:latin typeface="+mj-lt"/>
+              </a:rPr>
+              <a:t>Réalisée par Jean-Christophe :</a:t>
+            </a:r>
+            <a:endParaRPr lang="fr-FR" sz="2200" dirty="0">
+              <a:latin typeface="+mj-lt"/>
+            </a:endParaRPr>
+          </a:p>
+          <a:p>
+            <a:r>
+              <a:rPr lang="fr-FR" sz="2200" dirty="0">
+                <a:latin typeface="+mj-lt"/>
+              </a:rPr>
+              <a:t>Créer page d'inscription - reste a faire communiqué </a:t>
+            </a:r>
+          </a:p>
+          <a:p>
+            <a:r>
+              <a:rPr lang="fr-FR" sz="2200" dirty="0">
+                <a:latin typeface="+mj-lt"/>
+              </a:rPr>
+              <a:t>harmonisation du site - durée de la tâche : 3 heures</a:t>
+            </a:r>
+          </a:p>
+          <a:p>
+            <a:endParaRPr lang="fr-FR" sz="600" dirty="0">
+              <a:latin typeface="+mj-lt"/>
+            </a:endParaRPr>
+          </a:p>
+          <a:p>
+            <a:r>
+              <a:rPr lang="fr-FR" sz="2200" u="sng" dirty="0">
+                <a:latin typeface="+mj-lt"/>
+              </a:rPr>
+              <a:t>Réalisée par Anis :</a:t>
+            </a:r>
+            <a:endParaRPr lang="fr-FR" sz="2200" dirty="0">
+              <a:latin typeface="+mj-lt"/>
+            </a:endParaRPr>
+          </a:p>
+          <a:p>
+            <a:r>
+              <a:rPr lang="fr-FR" sz="2200" dirty="0">
+                <a:latin typeface="+mj-lt"/>
+              </a:rPr>
+              <a:t>Page CSS main.css en place  et personnalisation des autres CSS </a:t>
+            </a:r>
+          </a:p>
+          <a:p>
+            <a:r>
+              <a:rPr lang="fr-FR" sz="2200" dirty="0">
+                <a:latin typeface="+mj-lt"/>
+              </a:rPr>
+              <a:t>- durée de la tâche : 3 heures</a:t>
+            </a:r>
+          </a:p>
+          <a:p>
+            <a:r>
+              <a:rPr lang="fr-FR" sz="2200" dirty="0">
+                <a:latin typeface="+mj-lt"/>
+              </a:rPr>
+              <a:t>Rectification de la page panier - a terminé - durée de la tâche : 4 heures</a:t>
+            </a:r>
+          </a:p>
+        </p:txBody>
+      </p:sp>
+      <p:sp>
+        <p:nvSpPr>
+          <p:cNvPr id="20" name="Ellipse 19">
+            <a:extLst>
+              <a:ext uri="{FF2B5EF4-FFF2-40B4-BE49-F238E27FC236}">
+                <a16:creationId xmlns:a16="http://schemas.microsoft.com/office/drawing/2014/main" id="{98286945-2EE3-4F5A-96EC-B0EA39A10022}"/>
+              </a:ext>
+            </a:extLst>
+          </p:cNvPr>
+          <p:cNvSpPr/>
+          <p:nvPr/>
+        </p:nvSpPr>
+        <p:spPr>
+          <a:xfrm>
+            <a:off x="8273624" y="3055116"/>
+            <a:ext cx="399435" cy="373884"/>
+          </a:xfrm>
+          <a:prstGeom prst="ellipse">
+            <a:avLst/>
+          </a:prstGeom>
+          <a:solidFill>
+            <a:srgbClr val="FF0000"/>
+          </a:solidFill>
+          <a:ln>
+            <a:solidFill>
+              <a:srgbClr val="FF0000"/>
+            </a:solidFill>
+          </a:ln>
+        </p:spPr>
+        <p:style>
+          <a:lnRef idx="2">
+            <a:schemeClr val="accent1">
+              <a:shade val="50000"/>
+            </a:schemeClr>
+          </a:lnRef>
+          <a:fillRef idx="1">
+            <a:schemeClr val="accent1"/>
+          </a:fillRef>
+          <a:effectRef idx="0">
+            <a:schemeClr val="accent1"/>
+          </a:effectRef>
+          <a:fontRef idx="minor">
+            <a:schemeClr val="lt1"/>
+          </a:fontRef>
+        </p:style>
+        <p:txBody>
+          <a:bodyPr rtlCol="0" anchor="ctr"/>
+          <a:lstStyle/>
+          <a:p>
+            <a:pPr algn="ctr"/>
+            <a:endParaRPr lang="fr-FR">
+              <a:latin typeface="Book Antiqua" panose="02040602050305030304" pitchFamily="18" charset="0"/>
+            </a:endParaRPr>
+          </a:p>
+        </p:txBody>
+      </p:sp>
+      <p:pic>
+        <p:nvPicPr>
+          <p:cNvPr id="22" name="Image 21">
+            <a:extLst>
+              <a:ext uri="{FF2B5EF4-FFF2-40B4-BE49-F238E27FC236}">
+                <a16:creationId xmlns:a16="http://schemas.microsoft.com/office/drawing/2014/main" id="{D35FC360-204B-436F-B28D-C59AD0D466C1}"/>
+              </a:ext>
+            </a:extLst>
+          </p:cNvPr>
+          <p:cNvPicPr>
+            <a:picLocks noChangeAspect="1"/>
+          </p:cNvPicPr>
+          <p:nvPr/>
+        </p:nvPicPr>
+        <p:blipFill>
+          <a:blip r:embed="rId2">
+            <a:extLst>
+              <a:ext uri="{28A0092B-C50C-407E-A947-70E740481C1C}">
+                <a14:useLocalDpi xmlns:a14="http://schemas.microsoft.com/office/drawing/2010/main" val="0"/>
+              </a:ext>
+            </a:extLst>
+          </a:blip>
+          <a:stretch>
+            <a:fillRect/>
+          </a:stretch>
+        </p:blipFill>
+        <p:spPr>
+          <a:xfrm>
+            <a:off x="10881812" y="6101913"/>
+            <a:ext cx="1100546" cy="578859"/>
+          </a:xfrm>
+          <a:prstGeom prst="rect">
+            <a:avLst/>
+          </a:prstGeom>
+        </p:spPr>
+      </p:pic>
+      <p:sp>
+        <p:nvSpPr>
+          <p:cNvPr id="21" name="Rectangle 20">
+            <a:extLst>
+              <a:ext uri="{FF2B5EF4-FFF2-40B4-BE49-F238E27FC236}">
+                <a16:creationId xmlns:a16="http://schemas.microsoft.com/office/drawing/2014/main" id="{BB8E8913-3231-45C2-9ECD-D4DC4D0D6DAC}"/>
+              </a:ext>
+            </a:extLst>
+          </p:cNvPr>
+          <p:cNvSpPr/>
+          <p:nvPr/>
+        </p:nvSpPr>
+        <p:spPr>
+          <a:xfrm>
+            <a:off x="-133350" y="-60542"/>
+            <a:ext cx="2130641" cy="834501"/>
+          </a:xfrm>
+          <a:prstGeom prst="rect">
+            <a:avLst/>
+          </a:prstGeom>
+          <a:noFill/>
+          <a:ln>
+            <a:noFill/>
+          </a:ln>
+        </p:spPr>
+        <p:style>
+          <a:lnRef idx="2">
+            <a:schemeClr val="accent1">
+              <a:shade val="50000"/>
+            </a:schemeClr>
+          </a:lnRef>
+          <a:fillRef idx="1">
+            <a:schemeClr val="accent1"/>
+          </a:fillRef>
+          <a:effectRef idx="0">
+            <a:schemeClr val="accent1"/>
+          </a:effectRef>
+          <a:fontRef idx="minor">
+            <a:schemeClr val="lt1"/>
+          </a:fontRef>
+        </p:style>
+        <p:txBody>
+          <a:bodyPr rtlCol="0" anchor="ctr"/>
+          <a:lstStyle/>
+          <a:p>
+            <a:pPr algn="ctr"/>
+            <a:r>
+              <a:rPr lang="fr-FR" sz="3600" dirty="0">
+                <a:latin typeface="+mj-lt"/>
+              </a:rPr>
+              <a:t>Jour 4 :</a:t>
+            </a:r>
+          </a:p>
+        </p:txBody>
+      </p:sp>
+      <p:sp>
+        <p:nvSpPr>
+          <p:cNvPr id="23" name="Rectangle : coins arrondis 22">
+            <a:extLst>
+              <a:ext uri="{FF2B5EF4-FFF2-40B4-BE49-F238E27FC236}">
+                <a16:creationId xmlns:a16="http://schemas.microsoft.com/office/drawing/2014/main" id="{2A2540BA-3371-43D5-8A82-0C48AD5CB3AC}"/>
+              </a:ext>
+            </a:extLst>
+          </p:cNvPr>
+          <p:cNvSpPr/>
+          <p:nvPr/>
+        </p:nvSpPr>
+        <p:spPr>
+          <a:xfrm>
+            <a:off x="798441" y="639343"/>
+            <a:ext cx="9167363" cy="1103732"/>
+          </a:xfrm>
+          <a:prstGeom prst="roundRect">
+            <a:avLst/>
+          </a:prstGeom>
+          <a:solidFill>
+            <a:schemeClr val="bg2">
+              <a:lumMod val="90000"/>
+            </a:schemeClr>
+          </a:solidFill>
+          <a:ln>
+            <a:solidFill>
+              <a:schemeClr val="bg1">
+                <a:lumMod val="75000"/>
+              </a:schemeClr>
+            </a:solidFill>
+          </a:ln>
+        </p:spPr>
+        <p:style>
+          <a:lnRef idx="2">
+            <a:schemeClr val="accent1">
+              <a:shade val="50000"/>
+            </a:schemeClr>
+          </a:lnRef>
+          <a:fillRef idx="1">
+            <a:schemeClr val="accent1"/>
+          </a:fillRef>
+          <a:effectRef idx="0">
+            <a:schemeClr val="accent1"/>
+          </a:effectRef>
+          <a:fontRef idx="minor">
+            <a:schemeClr val="lt1"/>
+          </a:fontRef>
+        </p:style>
+        <p:txBody>
+          <a:bodyPr rtlCol="0" anchor="ctr"/>
+          <a:lstStyle/>
+          <a:p>
+            <a:pPr algn="ctr"/>
+            <a:r>
+              <a:rPr lang="fr-FR" sz="3600" dirty="0">
+                <a:latin typeface="+mj-lt"/>
+              </a:rPr>
+              <a:t>Mise en place de la structure du site internet </a:t>
+            </a:r>
+          </a:p>
+        </p:txBody>
+      </p:sp>
+    </p:spTree>
+    <p:extLst>
+      <p:ext uri="{BB962C8B-B14F-4D97-AF65-F5344CB8AC3E}">
+        <p14:creationId xmlns:p14="http://schemas.microsoft.com/office/powerpoint/2010/main" val="4158268429"/>
+      </p:ext>
+    </p:extLst>
+  </p:cSld>
+  <p:clrMapOvr>
+    <a:masterClrMapping/>
+  </p:clrMapOvr>
+</p:sld>
+</file>
+
+<file path=ppt/slides/slide22.xml><?xml version="1.0" encoding="utf-8"?>
+<p:sld xmlns:a="http://schemas.openxmlformats.org/drawingml/2006/main" xmlns:r="http://schemas.openxmlformats.org/officeDocument/2006/relationships" xmlns:p="http://schemas.openxmlformats.org/presentationml/2006/main">
+  <p:cSld>
+    <p:spTree>
+      <p:nvGrpSpPr>
+        <p:cNvPr id="1" name=""/>
+        <p:cNvGrpSpPr/>
+        <p:nvPr/>
+      </p:nvGrpSpPr>
+      <p:grpSpPr>
+        <a:xfrm>
+          <a:off x="0" y="0"/>
+          <a:ext cx="0" cy="0"/>
+          <a:chOff x="0" y="0"/>
+          <a:chExt cx="0" cy="0"/>
+        </a:xfrm>
+      </p:grpSpPr>
+      <p:sp>
+        <p:nvSpPr>
           <p:cNvPr id="5" name="ZoneTexte 4">
             <a:extLst>
               <a:ext uri="{FF2B5EF4-FFF2-40B4-BE49-F238E27FC236}">
@@ -11965,8 +12087,8 @@
         </p:nvSpPr>
         <p:spPr>
           <a:xfrm>
-            <a:off x="209642" y="1687354"/>
-            <a:ext cx="10707876" cy="5170646"/>
+            <a:off x="151012" y="1566829"/>
+            <a:ext cx="12287158" cy="5170646"/>
           </a:xfrm>
           <a:prstGeom prst="rect">
             <a:avLst/>
@@ -11980,7 +12102,7 @@
           <a:lstStyle/>
           <a:p>
             <a:r>
-              <a:rPr lang="fr-FR" sz="2600" u="sng" dirty="0">
+              <a:rPr lang="fr-FR" sz="2400" u="sng" dirty="0">
                 <a:latin typeface="+mj-lt"/>
               </a:rPr>
               <a:t>Réalisée par Mathias  :</a:t>
@@ -11988,10 +12110,25 @@
           </a:p>
           <a:p>
             <a:r>
-              <a:rPr lang="fr-FR" sz="2600" dirty="0">
+              <a:rPr lang="fr-FR" sz="2400" dirty="0">
                 <a:latin typeface="+mj-lt"/>
               </a:rPr>
-              <a:t>Gestion des erreurs à la connexion - durée de la tâche : 7 heures</a:t>
+              <a:t>Gestion des erreurs à la connexion </a:t>
+            </a:r>
+            <a:r>
+              <a:rPr lang="fr-FR" sz="2400" dirty="0"/>
+              <a:t>- durée de la tâche : 3 heures</a:t>
+            </a:r>
+            <a:endParaRPr lang="fr-FR" sz="2400" dirty="0">
+              <a:latin typeface="+mj-lt"/>
+            </a:endParaRPr>
+          </a:p>
+          <a:p>
+            <a:r>
+              <a:rPr lang="fr-FR" sz="2400" dirty="0">
+                <a:latin typeface="+mj-lt"/>
+              </a:rPr>
+              <a:t>Remplissage de la page figurine - durée de la tâche : 4 heures</a:t>
             </a:r>
           </a:p>
           <a:p>
@@ -12001,7 +12138,7 @@
           </a:p>
           <a:p>
             <a:r>
-              <a:rPr lang="fr-FR" sz="2600" u="sng" dirty="0">
+              <a:rPr lang="fr-FR" sz="2400" u="sng" dirty="0">
                 <a:latin typeface="+mj-lt"/>
               </a:rPr>
               <a:t>Réalisée par Jean-Christophe  :</a:t>
@@ -12009,7 +12146,7 @@
           </a:p>
           <a:p>
             <a:r>
-              <a:rPr lang="fr-FR" sz="2600" dirty="0">
+              <a:rPr lang="fr-FR" sz="2400" dirty="0">
                 <a:latin typeface="+mj-lt"/>
               </a:rPr>
               <a:t>Connexion au page : </a:t>
@@ -12017,7 +12154,7 @@
           </a:p>
           <a:p>
             <a:r>
-              <a:rPr lang="fr-FR" sz="2600" dirty="0">
+              <a:rPr lang="fr-FR" sz="2400" dirty="0">
                 <a:latin typeface="+mj-lt"/>
               </a:rPr>
               <a:t>Page compte - durée de la tâche : 4 heures</a:t>
@@ -12025,7 +12162,7 @@
           </a:p>
           <a:p>
             <a:r>
-              <a:rPr lang="fr-FR" sz="2600" dirty="0">
+              <a:rPr lang="fr-FR" sz="2400" dirty="0">
                 <a:latin typeface="+mj-lt"/>
               </a:rPr>
               <a:t>Page Index  - durée de la tâche : 4 heures</a:t>
@@ -12038,7 +12175,7 @@
           </a:p>
           <a:p>
             <a:r>
-              <a:rPr lang="fr-FR" sz="2600" u="sng" dirty="0">
+              <a:rPr lang="fr-FR" sz="2400" u="sng" dirty="0">
                 <a:latin typeface="+mj-lt"/>
               </a:rPr>
               <a:t>Réalisée par Ken  :</a:t>
@@ -12046,7 +12183,7 @@
           </a:p>
           <a:p>
             <a:r>
-              <a:rPr lang="fr-FR" sz="2600" dirty="0">
+              <a:rPr lang="fr-FR" sz="2400" dirty="0">
                 <a:latin typeface="+mj-lt"/>
               </a:rPr>
               <a:t>Connexion au page : </a:t>
@@ -12054,10 +12191,10 @@
           </a:p>
           <a:p>
             <a:r>
-              <a:rPr lang="fr-FR" sz="2600" dirty="0">
+              <a:rPr lang="fr-FR" sz="2400" dirty="0">
                 <a:latin typeface="+mj-lt"/>
               </a:rPr>
-              <a:t>Page admin – - durée de la tâche : 7 heures</a:t>
+              <a:t>Page admin – durée de la tâche : 7 heures</a:t>
             </a:r>
           </a:p>
           <a:p>
@@ -12067,7 +12204,7 @@
           </a:p>
           <a:p>
             <a:r>
-              <a:rPr lang="fr-FR" sz="2600" u="sng" dirty="0">
+              <a:rPr lang="fr-FR" sz="2400" u="sng" dirty="0">
                 <a:latin typeface="+mj-lt"/>
               </a:rPr>
               <a:t>Réalisée par Anis  :</a:t>
@@ -12075,7 +12212,7 @@
           </a:p>
           <a:p>
             <a:r>
-              <a:rPr lang="fr-FR" sz="2600" dirty="0">
+              <a:rPr lang="fr-FR" sz="2400" dirty="0">
                 <a:latin typeface="+mj-lt"/>
               </a:rPr>
               <a:t>Connexion au page : </a:t>
@@ -12087,7 +12224,7 @@
               <a:buChar char="-"/>
             </a:pPr>
             <a:r>
-              <a:rPr lang="fr-FR" sz="2600" dirty="0">
+              <a:rPr lang="fr-FR" sz="2400" dirty="0">
                 <a:latin typeface="+mj-lt"/>
               </a:rPr>
               <a:t>Page contact - durée de la tâche : 7 heures</a:t>
@@ -12200,7 +12337,7 @@
         </p:nvSpPr>
         <p:spPr>
           <a:xfrm>
-            <a:off x="2247178" y="946487"/>
+            <a:off x="2256703" y="773652"/>
             <a:ext cx="6544397" cy="757475"/>
           </a:xfrm>
           <a:prstGeom prst="roundRect">
@@ -12260,7 +12397,7 @@
 </p:sld>
 </file>
 
-<file path=ppt/slides/slide22.xml><?xml version="1.0" encoding="utf-8"?>
+<file path=ppt/slides/slide23.xml><?xml version="1.0" encoding="utf-8"?>
 <p:sld xmlns:a="http://schemas.openxmlformats.org/drawingml/2006/main" xmlns:r="http://schemas.openxmlformats.org/officeDocument/2006/relationships" xmlns:p="http://schemas.openxmlformats.org/presentationml/2006/main">
   <p:cSld>
     <p:spTree>
@@ -12647,7 +12784,7 @@
 </p:sld>
 </file>
 
-<file path=ppt/slides/slide23.xml><?xml version="1.0" encoding="utf-8"?>
+<file path=ppt/slides/slide24.xml><?xml version="1.0" encoding="utf-8"?>
 <p:sld xmlns:a="http://schemas.openxmlformats.org/drawingml/2006/main" xmlns:r="http://schemas.openxmlformats.org/officeDocument/2006/relationships" xmlns:p="http://schemas.openxmlformats.org/presentationml/2006/main">
   <p:cSld>
     <p:spTree>
@@ -12678,8 +12815,8 @@
         </p:nvSpPr>
         <p:spPr>
           <a:xfrm>
-            <a:off x="244060" y="1846530"/>
-            <a:ext cx="11947940" cy="3323987"/>
+            <a:off x="0" y="1101994"/>
+            <a:ext cx="11947940" cy="5632311"/>
           </a:xfrm>
           <a:prstGeom prst="rect">
             <a:avLst/>
@@ -12700,8 +12837,49 @@
           <a:p>
             <a:r>
               <a:rPr lang="fr-FR" sz="2200" dirty="0"/>
-              <a:t>Page admin - durée de la tâche : 7 heures</a:t>
-            </a:r>
+              <a:t>Page admin – (JC durée de la tâche : 3 heures et Ken durée de la tache 7heures)</a:t>
+            </a:r>
+          </a:p>
+          <a:p>
+            <a:endParaRPr lang="fr-FR" sz="600" dirty="0"/>
+          </a:p>
+          <a:p>
+            <a:r>
+              <a:rPr lang="fr-FR" sz="2200" u="sng" dirty="0"/>
+              <a:t>Réalisée par Jean-Christophe  :</a:t>
+            </a:r>
+          </a:p>
+          <a:p>
+            <a:r>
+              <a:rPr lang="fr-FR" sz="2200" dirty="0"/>
+              <a:t>Gestion de la page compte et index - durée de la tâche : 4 heures</a:t>
+            </a:r>
+          </a:p>
+          <a:p>
+            <a:endParaRPr lang="fr-FR" sz="600" dirty="0"/>
+          </a:p>
+          <a:p>
+            <a:r>
+              <a:rPr lang="fr-FR" sz="2200" u="sng" dirty="0"/>
+              <a:t>Réalisée par Jean-Christophe et Dylan  :</a:t>
+            </a:r>
+          </a:p>
+          <a:p>
+            <a:r>
+              <a:rPr lang="fr-FR" sz="2200" dirty="0"/>
+              <a:t>Création de la page fiche produits en </a:t>
+            </a:r>
+            <a:r>
+              <a:rPr lang="fr-FR" sz="2200" dirty="0" err="1"/>
+              <a:t>php</a:t>
+            </a:r>
+            <a:r>
+              <a:rPr lang="fr-FR" sz="2200" dirty="0"/>
+              <a:t> – durée de la tâche : 4 heures</a:t>
+            </a:r>
+          </a:p>
+          <a:p>
+            <a:endParaRPr lang="fr-FR" sz="600" dirty="0"/>
           </a:p>
           <a:p>
             <a:endParaRPr lang="fr-FR" sz="600" dirty="0"/>
@@ -12719,9 +12897,13 @@
             </a:r>
           </a:p>
           <a:p>
+            <a:pPr marL="342900" indent="-342900">
+              <a:buFontTx/>
+              <a:buChar char="-"/>
+            </a:pPr>
             <a:r>
               <a:rPr lang="fr-FR" sz="2200" dirty="0"/>
-              <a:t>- durée de la tâche : 3 heures</a:t>
+              <a:t>durée de la tâche : 3 heures</a:t>
             </a:r>
           </a:p>
           <a:p>
@@ -12749,7 +12931,19 @@
           <a:p>
             <a:r>
               <a:rPr lang="fr-FR" sz="2200" dirty="0"/>
-              <a:t>Page Contact( configuration SMTP + intégration PHP) - durée de la tâche : 4 heures</a:t>
+              <a:t>Page Contact (configuration SMTP + intégration PHP) - durée de la tâche : 4 heures</a:t>
+            </a:r>
+          </a:p>
+          <a:p>
+            <a:r>
+              <a:rPr lang="fr-FR" sz="2200" dirty="0"/>
+              <a:t>Ajout d’un envoi de mail suite à l’inscription de l’utilisateur </a:t>
+            </a:r>
+          </a:p>
+          <a:p>
+            <a:r>
+              <a:rPr lang="fr-FR" sz="2200" dirty="0"/>
+              <a:t>– durée de la tache : 2 heures</a:t>
             </a:r>
           </a:p>
         </p:txBody>
@@ -12859,7 +13053,7 @@
         </p:nvSpPr>
         <p:spPr>
           <a:xfrm>
-            <a:off x="1959317" y="841712"/>
+            <a:off x="2502242" y="344519"/>
             <a:ext cx="6544397" cy="757475"/>
           </a:xfrm>
           <a:prstGeom prst="roundRect">
@@ -12919,7 +13113,7 @@
 </p:sld>
 </file>
 
-<file path=ppt/slides/slide24.xml><?xml version="1.0" encoding="utf-8"?>
+<file path=ppt/slides/slide25.xml><?xml version="1.0" encoding="utf-8"?>
 <p:sld xmlns:a="http://schemas.openxmlformats.org/drawingml/2006/main" xmlns:r="http://schemas.openxmlformats.org/officeDocument/2006/relationships" xmlns:p="http://schemas.openxmlformats.org/presentationml/2006/main">
   <p:cSld>
     <p:spTree>
@@ -12950,8 +13144,8 @@
         </p:nvSpPr>
         <p:spPr>
           <a:xfrm>
-            <a:off x="202462" y="2032361"/>
-            <a:ext cx="11113237" cy="3970318"/>
+            <a:off x="318848" y="1971791"/>
+            <a:ext cx="11113237" cy="4708981"/>
           </a:xfrm>
           <a:prstGeom prst="rect">
             <a:avLst/>
@@ -12989,7 +13183,13 @@
           <a:p>
             <a:r>
               <a:rPr lang="fr-FR" sz="2400" dirty="0"/>
-              <a:t>Page Index (finalisation, mise en page et remise au propre du code) - durée de la tâche : 1 heure</a:t>
+              <a:t>Page Index (finalisation, mise en page et remise au propre du code) </a:t>
+            </a:r>
+          </a:p>
+          <a:p>
+            <a:r>
+              <a:rPr lang="fr-FR" sz="2400" dirty="0"/>
+              <a:t>- durée de la tâche : 1 heure</a:t>
             </a:r>
           </a:p>
           <a:p>
@@ -13017,7 +13217,29 @@
           <a:p>
             <a:r>
               <a:rPr lang="fr-FR" sz="2400" dirty="0"/>
-              <a:t>Finalité du diaporama + Création du cahier des charges - durée de la tâche : 7 heures</a:t>
+              <a:t>Camille : Finalité du diaporama + Création du cahier des charges </a:t>
+            </a:r>
+          </a:p>
+          <a:p>
+            <a:pPr marL="342900" indent="-342900">
+              <a:buFontTx/>
+              <a:buChar char="-"/>
+            </a:pPr>
+            <a:r>
+              <a:rPr lang="fr-FR" sz="2400" dirty="0"/>
+              <a:t>durée de la tâche : 7 heures</a:t>
+            </a:r>
+          </a:p>
+          <a:p>
+            <a:r>
+              <a:rPr lang="fr-FR" sz="2400" dirty="0"/>
+              <a:t>Anis : création et ajout du schéma du site </a:t>
+            </a:r>
+          </a:p>
+          <a:p>
+            <a:r>
+              <a:rPr lang="fr-FR" sz="2400" dirty="0"/>
+              <a:t>- durée de la tâche : 2 heures</a:t>
             </a:r>
           </a:p>
         </p:txBody>
@@ -13189,7 +13411,576 @@
 </p:sld>
 </file>
 
-<file path=ppt/slides/slide25.xml><?xml version="1.0" encoding="utf-8"?>
+<file path=ppt/slides/slide26.xml><?xml version="1.0" encoding="utf-8"?>
+<p:sld xmlns:a="http://schemas.openxmlformats.org/drawingml/2006/main" xmlns:r="http://schemas.openxmlformats.org/officeDocument/2006/relationships" xmlns:p="http://schemas.openxmlformats.org/presentationml/2006/main">
+  <p:cSld>
+    <p:spTree>
+      <p:nvGrpSpPr>
+        <p:cNvPr id="1" name=""/>
+        <p:cNvGrpSpPr/>
+        <p:nvPr/>
+      </p:nvGrpSpPr>
+      <p:grpSpPr>
+        <a:xfrm>
+          <a:off x="0" y="0"/>
+          <a:ext cx="0" cy="0"/>
+          <a:chOff x="0" y="0"/>
+          <a:chExt cx="0" cy="0"/>
+        </a:xfrm>
+      </p:grpSpPr>
+      <p:pic>
+        <p:nvPicPr>
+          <p:cNvPr id="11" name="Image 10">
+            <a:extLst>
+              <a:ext uri="{FF2B5EF4-FFF2-40B4-BE49-F238E27FC236}">
+                <a16:creationId xmlns:a16="http://schemas.microsoft.com/office/drawing/2014/main" id="{8EC3E652-E651-4CB2-A1FE-055C51CBAFCD}"/>
+              </a:ext>
+            </a:extLst>
+          </p:cNvPr>
+          <p:cNvPicPr>
+            <a:picLocks noChangeAspect="1"/>
+          </p:cNvPicPr>
+          <p:nvPr/>
+        </p:nvPicPr>
+        <p:blipFill>
+          <a:blip r:embed="rId2">
+            <a:extLst>
+              <a:ext uri="{28A0092B-C50C-407E-A947-70E740481C1C}">
+                <a14:useLocalDpi xmlns:a14="http://schemas.microsoft.com/office/drawing/2010/main" val="0"/>
+              </a:ext>
+            </a:extLst>
+          </a:blip>
+          <a:stretch>
+            <a:fillRect/>
+          </a:stretch>
+        </p:blipFill>
+        <p:spPr>
+          <a:xfrm>
+            <a:off x="10881812" y="6101913"/>
+            <a:ext cx="1100546" cy="578859"/>
+          </a:xfrm>
+          <a:prstGeom prst="rect">
+            <a:avLst/>
+          </a:prstGeom>
+        </p:spPr>
+      </p:pic>
+      <p:sp>
+        <p:nvSpPr>
+          <p:cNvPr id="12" name="Rectangle 11">
+            <a:extLst>
+              <a:ext uri="{FF2B5EF4-FFF2-40B4-BE49-F238E27FC236}">
+                <a16:creationId xmlns:a16="http://schemas.microsoft.com/office/drawing/2014/main" id="{87BAF8EF-B647-462C-9798-65FA38C9A531}"/>
+              </a:ext>
+            </a:extLst>
+          </p:cNvPr>
+          <p:cNvSpPr/>
+          <p:nvPr/>
+        </p:nvSpPr>
+        <p:spPr>
+          <a:xfrm>
+            <a:off x="-171324" y="-129766"/>
+            <a:ext cx="2130641" cy="834501"/>
+          </a:xfrm>
+          <a:prstGeom prst="rect">
+            <a:avLst/>
+          </a:prstGeom>
+          <a:noFill/>
+          <a:ln>
+            <a:noFill/>
+          </a:ln>
+        </p:spPr>
+        <p:style>
+          <a:lnRef idx="2">
+            <a:schemeClr val="accent1">
+              <a:shade val="50000"/>
+            </a:schemeClr>
+          </a:lnRef>
+          <a:fillRef idx="1">
+            <a:schemeClr val="accent1"/>
+          </a:fillRef>
+          <a:effectRef idx="0">
+            <a:schemeClr val="accent1"/>
+          </a:effectRef>
+          <a:fontRef idx="minor">
+            <a:schemeClr val="lt1"/>
+          </a:fontRef>
+        </p:style>
+        <p:txBody>
+          <a:bodyPr rtlCol="0" anchor="ctr"/>
+          <a:lstStyle/>
+          <a:p>
+            <a:pPr algn="ctr"/>
+            <a:r>
+              <a:rPr lang="fr-FR" sz="3600" dirty="0">
+                <a:latin typeface="+mj-lt"/>
+              </a:rPr>
+              <a:t>Jour 7 :</a:t>
+            </a:r>
+          </a:p>
+        </p:txBody>
+      </p:sp>
+      <p:sp>
+        <p:nvSpPr>
+          <p:cNvPr id="13" name="Rectangle : coins arrondis 12">
+            <a:extLst>
+              <a:ext uri="{FF2B5EF4-FFF2-40B4-BE49-F238E27FC236}">
+                <a16:creationId xmlns:a16="http://schemas.microsoft.com/office/drawing/2014/main" id="{F392CA7E-24F3-4527-B0DF-8E3EF11D029A}"/>
+              </a:ext>
+            </a:extLst>
+          </p:cNvPr>
+          <p:cNvSpPr/>
+          <p:nvPr/>
+        </p:nvSpPr>
+        <p:spPr>
+          <a:xfrm>
+            <a:off x="2502242" y="344519"/>
+            <a:ext cx="6544397" cy="757475"/>
+          </a:xfrm>
+          <a:prstGeom prst="roundRect">
+            <a:avLst/>
+          </a:prstGeom>
+          <a:solidFill>
+            <a:schemeClr val="bg2">
+              <a:lumMod val="90000"/>
+            </a:schemeClr>
+          </a:solidFill>
+          <a:ln>
+            <a:solidFill>
+              <a:schemeClr val="bg1">
+                <a:lumMod val="75000"/>
+              </a:schemeClr>
+            </a:solidFill>
+          </a:ln>
+        </p:spPr>
+        <p:style>
+          <a:lnRef idx="2">
+            <a:schemeClr val="accent1">
+              <a:shade val="50000"/>
+            </a:schemeClr>
+          </a:lnRef>
+          <a:fillRef idx="1">
+            <a:schemeClr val="accent1"/>
+          </a:fillRef>
+          <a:effectRef idx="0">
+            <a:schemeClr val="accent1"/>
+          </a:effectRef>
+          <a:fontRef idx="minor">
+            <a:schemeClr val="lt1"/>
+          </a:fontRef>
+        </p:style>
+        <p:txBody>
+          <a:bodyPr rtlCol="0" anchor="ctr"/>
+          <a:lstStyle/>
+          <a:p>
+            <a:pPr algn="ctr"/>
+            <a:r>
+              <a:rPr lang="fr-FR" sz="3600" dirty="0"/>
+              <a:t>Mise en place du PHP </a:t>
+            </a:r>
+          </a:p>
+        </p:txBody>
+      </p:sp>
+      <p:sp>
+        <p:nvSpPr>
+          <p:cNvPr id="2" name="ZoneTexte 1">
+            <a:extLst>
+              <a:ext uri="{FF2B5EF4-FFF2-40B4-BE49-F238E27FC236}">
+                <a16:creationId xmlns:a16="http://schemas.microsoft.com/office/drawing/2014/main" id="{E92FD2A9-CF80-4028-82DF-5F39E535A256}"/>
+              </a:ext>
+            </a:extLst>
+          </p:cNvPr>
+          <p:cNvSpPr txBox="1"/>
+          <p:nvPr/>
+        </p:nvSpPr>
+        <p:spPr>
+          <a:xfrm>
+            <a:off x="95341" y="1239043"/>
+            <a:ext cx="11687083" cy="4462760"/>
+          </a:xfrm>
+          <a:prstGeom prst="rect">
+            <a:avLst/>
+          </a:prstGeom>
+          <a:noFill/>
+        </p:spPr>
+        <p:txBody>
+          <a:bodyPr wrap="square" rtlCol="0">
+            <a:spAutoFit/>
+          </a:bodyPr>
+          <a:lstStyle/>
+          <a:p>
+            <a:r>
+              <a:rPr lang="fr-FR" sz="2600" u="sng" dirty="0"/>
+              <a:t>Réalisée par Ken et Jean-Christophe :</a:t>
+            </a:r>
+          </a:p>
+          <a:p>
+            <a:r>
+              <a:rPr lang="fr-FR" sz="2600" dirty="0"/>
+              <a:t>Page admin – durée de la tâche :  heures</a:t>
+            </a:r>
+          </a:p>
+          <a:p>
+            <a:endParaRPr lang="fr-FR" sz="1200" dirty="0"/>
+          </a:p>
+          <a:p>
+            <a:r>
+              <a:rPr lang="fr-FR" sz="2600" u="sng" dirty="0"/>
+              <a:t>Réalisée par Mathias  :</a:t>
+            </a:r>
+          </a:p>
+          <a:p>
+            <a:r>
+              <a:rPr lang="fr-FR" sz="2600" dirty="0"/>
+              <a:t>Générer la page panier : </a:t>
+            </a:r>
+          </a:p>
+          <a:p>
+            <a:pPr marL="457200" indent="-457200">
+              <a:buFontTx/>
+              <a:buChar char="-"/>
+            </a:pPr>
+            <a:r>
+              <a:rPr lang="fr-FR" sz="2600" dirty="0"/>
+              <a:t>modifier la quantité,</a:t>
+            </a:r>
+          </a:p>
+          <a:p>
+            <a:pPr marL="457200" indent="-457200">
+              <a:buFontTx/>
+              <a:buChar char="-"/>
+            </a:pPr>
+            <a:r>
+              <a:rPr lang="fr-FR" sz="2600" dirty="0"/>
+              <a:t>supprimé article,</a:t>
+            </a:r>
+          </a:p>
+          <a:p>
+            <a:pPr marL="457200" indent="-457200">
+              <a:buFontTx/>
+              <a:buChar char="-"/>
+            </a:pPr>
+            <a:r>
+              <a:rPr lang="fr-FR" sz="2600" dirty="0"/>
+              <a:t>validé commande</a:t>
+            </a:r>
+          </a:p>
+          <a:p>
+            <a:r>
+              <a:rPr lang="fr-FR" sz="2600" dirty="0"/>
+              <a:t>durée de la tâche :   heures</a:t>
+            </a:r>
+          </a:p>
+          <a:p>
+            <a:endParaRPr lang="fr-FR" sz="1200" dirty="0"/>
+          </a:p>
+          <a:p>
+            <a:r>
+              <a:rPr lang="fr-FR" sz="2600" u="sng" dirty="0"/>
+              <a:t>Réalisée par Jean-Christophe :</a:t>
+            </a:r>
+          </a:p>
+          <a:p>
+            <a:r>
+              <a:rPr lang="fr-FR" sz="2600" dirty="0"/>
+              <a:t>Mise en panier : réalisation de l’icone - durée de la tâche :  heures</a:t>
+            </a:r>
+          </a:p>
+        </p:txBody>
+      </p:sp>
+    </p:spTree>
+    <p:extLst>
+      <p:ext uri="{BB962C8B-B14F-4D97-AF65-F5344CB8AC3E}">
+        <p14:creationId xmlns:p14="http://schemas.microsoft.com/office/powerpoint/2010/main" val="756851952"/>
+      </p:ext>
+    </p:extLst>
+  </p:cSld>
+  <p:clrMapOvr>
+    <a:masterClrMapping/>
+  </p:clrMapOvr>
+</p:sld>
+</file>
+
+<file path=ppt/slides/slide27.xml><?xml version="1.0" encoding="utf-8"?>
+<p:sld xmlns:a="http://schemas.openxmlformats.org/drawingml/2006/main" xmlns:r="http://schemas.openxmlformats.org/officeDocument/2006/relationships" xmlns:p="http://schemas.openxmlformats.org/presentationml/2006/main">
+  <p:cSld>
+    <p:spTree>
+      <p:nvGrpSpPr>
+        <p:cNvPr id="1" name=""/>
+        <p:cNvGrpSpPr/>
+        <p:nvPr/>
+      </p:nvGrpSpPr>
+      <p:grpSpPr>
+        <a:xfrm>
+          <a:off x="0" y="0"/>
+          <a:ext cx="0" cy="0"/>
+          <a:chOff x="0" y="0"/>
+          <a:chExt cx="0" cy="0"/>
+        </a:xfrm>
+      </p:grpSpPr>
+      <p:pic>
+        <p:nvPicPr>
+          <p:cNvPr id="11" name="Image 10">
+            <a:extLst>
+              <a:ext uri="{FF2B5EF4-FFF2-40B4-BE49-F238E27FC236}">
+                <a16:creationId xmlns:a16="http://schemas.microsoft.com/office/drawing/2014/main" id="{8EC3E652-E651-4CB2-A1FE-055C51CBAFCD}"/>
+              </a:ext>
+            </a:extLst>
+          </p:cNvPr>
+          <p:cNvPicPr>
+            <a:picLocks noChangeAspect="1"/>
+          </p:cNvPicPr>
+          <p:nvPr/>
+        </p:nvPicPr>
+        <p:blipFill>
+          <a:blip r:embed="rId2">
+            <a:extLst>
+              <a:ext uri="{28A0092B-C50C-407E-A947-70E740481C1C}">
+                <a14:useLocalDpi xmlns:a14="http://schemas.microsoft.com/office/drawing/2010/main" val="0"/>
+              </a:ext>
+            </a:extLst>
+          </a:blip>
+          <a:stretch>
+            <a:fillRect/>
+          </a:stretch>
+        </p:blipFill>
+        <p:spPr>
+          <a:xfrm>
+            <a:off x="10881812" y="6101913"/>
+            <a:ext cx="1100546" cy="578859"/>
+          </a:xfrm>
+          <a:prstGeom prst="rect">
+            <a:avLst/>
+          </a:prstGeom>
+        </p:spPr>
+      </p:pic>
+      <p:sp>
+        <p:nvSpPr>
+          <p:cNvPr id="12" name="Rectangle 11">
+            <a:extLst>
+              <a:ext uri="{FF2B5EF4-FFF2-40B4-BE49-F238E27FC236}">
+                <a16:creationId xmlns:a16="http://schemas.microsoft.com/office/drawing/2014/main" id="{CF048D5B-8E97-492F-8375-3D76F02BA3C3}"/>
+              </a:ext>
+            </a:extLst>
+          </p:cNvPr>
+          <p:cNvSpPr/>
+          <p:nvPr/>
+        </p:nvSpPr>
+        <p:spPr>
+          <a:xfrm>
+            <a:off x="-171324" y="-129766"/>
+            <a:ext cx="2130641" cy="834501"/>
+          </a:xfrm>
+          <a:prstGeom prst="rect">
+            <a:avLst/>
+          </a:prstGeom>
+          <a:noFill/>
+          <a:ln>
+            <a:noFill/>
+          </a:ln>
+        </p:spPr>
+        <p:style>
+          <a:lnRef idx="2">
+            <a:schemeClr val="accent1">
+              <a:shade val="50000"/>
+            </a:schemeClr>
+          </a:lnRef>
+          <a:fillRef idx="1">
+            <a:schemeClr val="accent1"/>
+          </a:fillRef>
+          <a:effectRef idx="0">
+            <a:schemeClr val="accent1"/>
+          </a:effectRef>
+          <a:fontRef idx="minor">
+            <a:schemeClr val="lt1"/>
+          </a:fontRef>
+        </p:style>
+        <p:txBody>
+          <a:bodyPr rtlCol="0" anchor="ctr"/>
+          <a:lstStyle/>
+          <a:p>
+            <a:pPr algn="ctr"/>
+            <a:r>
+              <a:rPr lang="fr-FR" sz="3600" dirty="0">
+                <a:latin typeface="+mj-lt"/>
+              </a:rPr>
+              <a:t>Jour 7 :</a:t>
+            </a:r>
+          </a:p>
+        </p:txBody>
+      </p:sp>
+      <p:sp>
+        <p:nvSpPr>
+          <p:cNvPr id="13" name="Rectangle : coins arrondis 12">
+            <a:extLst>
+              <a:ext uri="{FF2B5EF4-FFF2-40B4-BE49-F238E27FC236}">
+                <a16:creationId xmlns:a16="http://schemas.microsoft.com/office/drawing/2014/main" id="{669708C7-5470-41B4-98F5-FE4D46C7FBA3}"/>
+              </a:ext>
+            </a:extLst>
+          </p:cNvPr>
+          <p:cNvSpPr/>
+          <p:nvPr/>
+        </p:nvSpPr>
+        <p:spPr>
+          <a:xfrm>
+            <a:off x="893996" y="704735"/>
+            <a:ext cx="9167363" cy="1103732"/>
+          </a:xfrm>
+          <a:prstGeom prst="roundRect">
+            <a:avLst/>
+          </a:prstGeom>
+          <a:solidFill>
+            <a:schemeClr val="bg2">
+              <a:lumMod val="90000"/>
+            </a:schemeClr>
+          </a:solidFill>
+          <a:ln>
+            <a:solidFill>
+              <a:schemeClr val="bg1">
+                <a:lumMod val="75000"/>
+              </a:schemeClr>
+            </a:solidFill>
+          </a:ln>
+        </p:spPr>
+        <p:style>
+          <a:lnRef idx="2">
+            <a:schemeClr val="accent1">
+              <a:shade val="50000"/>
+            </a:schemeClr>
+          </a:lnRef>
+          <a:fillRef idx="1">
+            <a:schemeClr val="accent1"/>
+          </a:fillRef>
+          <a:effectRef idx="0">
+            <a:schemeClr val="accent1"/>
+          </a:effectRef>
+          <a:fontRef idx="minor">
+            <a:schemeClr val="lt1"/>
+          </a:fontRef>
+        </p:style>
+        <p:txBody>
+          <a:bodyPr rtlCol="0" anchor="ctr"/>
+          <a:lstStyle/>
+          <a:p>
+            <a:pPr algn="ctr"/>
+            <a:r>
+              <a:rPr lang="fr-FR" sz="3600" dirty="0">
+                <a:latin typeface="+mj-lt"/>
+              </a:rPr>
+              <a:t>Mise en place de la structure du site internet </a:t>
+            </a:r>
+          </a:p>
+        </p:txBody>
+      </p:sp>
+      <p:sp>
+        <p:nvSpPr>
+          <p:cNvPr id="3" name="ZoneTexte 2">
+            <a:extLst>
+              <a:ext uri="{FF2B5EF4-FFF2-40B4-BE49-F238E27FC236}">
+                <a16:creationId xmlns:a16="http://schemas.microsoft.com/office/drawing/2014/main" id="{E458CFE7-1A6D-4A33-A25D-87C5BF6BE9E4}"/>
+              </a:ext>
+            </a:extLst>
+          </p:cNvPr>
+          <p:cNvSpPr txBox="1"/>
+          <p:nvPr/>
+        </p:nvSpPr>
+        <p:spPr>
+          <a:xfrm>
+            <a:off x="140042" y="2352674"/>
+            <a:ext cx="12051958" cy="4062651"/>
+          </a:xfrm>
+          <a:prstGeom prst="rect">
+            <a:avLst/>
+          </a:prstGeom>
+          <a:noFill/>
+        </p:spPr>
+        <p:txBody>
+          <a:bodyPr wrap="square" rtlCol="0">
+            <a:spAutoFit/>
+          </a:bodyPr>
+          <a:lstStyle/>
+          <a:p>
+            <a:r>
+              <a:rPr lang="fr-FR" sz="2400" u="sng" dirty="0"/>
+              <a:t>Réalisée par Anis :</a:t>
+            </a:r>
+          </a:p>
+          <a:p>
+            <a:r>
+              <a:rPr lang="fr-FR" sz="2400" dirty="0"/>
+              <a:t>Page inscription : modification du mail d’inscription - durée de la tâche :  heures</a:t>
+            </a:r>
+          </a:p>
+          <a:p>
+            <a:endParaRPr lang="fr-FR" sz="600" dirty="0"/>
+          </a:p>
+          <a:p>
+            <a:r>
+              <a:rPr lang="fr-FR" sz="2400" u="sng" dirty="0"/>
+              <a:t>Réalisée par Dylan :</a:t>
+            </a:r>
+          </a:p>
+          <a:p>
+            <a:r>
+              <a:rPr lang="fr-FR" sz="2400" dirty="0"/>
+              <a:t>Finalisation de la structuration de la page produit - durée de la tâche : 1 heure</a:t>
+            </a:r>
+          </a:p>
+          <a:p>
+            <a:r>
+              <a:rPr lang="fr-FR" sz="2400" dirty="0"/>
+              <a:t>Page article : modification des bordures - durée de la tâche : 1 heure</a:t>
+            </a:r>
+          </a:p>
+          <a:p>
+            <a:endParaRPr lang="fr-FR" sz="600" dirty="0"/>
+          </a:p>
+          <a:p>
+            <a:endParaRPr lang="fr-FR" sz="600" dirty="0"/>
+          </a:p>
+          <a:p>
+            <a:r>
+              <a:rPr lang="fr-FR" sz="2400" u="sng" dirty="0"/>
+              <a:t>Réalisée par Jean-Christophe :</a:t>
+            </a:r>
+          </a:p>
+          <a:p>
+            <a:r>
+              <a:rPr lang="fr-FR" sz="2400" dirty="0"/>
+              <a:t>Page contact : Format du message texte fixe  - durée de la tâche :  heures</a:t>
+            </a:r>
+          </a:p>
+          <a:p>
+            <a:endParaRPr lang="fr-FR" sz="2400" dirty="0"/>
+          </a:p>
+          <a:p>
+            <a:r>
+              <a:rPr lang="fr-FR" sz="2400" u="sng" dirty="0"/>
+              <a:t>Réalisée par Camille :</a:t>
+            </a:r>
+            <a:endParaRPr lang="fr-FR" sz="2400" dirty="0"/>
+          </a:p>
+          <a:p>
+            <a:r>
+              <a:rPr lang="fr-FR" sz="2400" dirty="0"/>
+              <a:t>Finalisation du diaporama - durée de la tâche :  heures</a:t>
+            </a:r>
+          </a:p>
+        </p:txBody>
+      </p:sp>
+    </p:spTree>
+    <p:extLst>
+      <p:ext uri="{BB962C8B-B14F-4D97-AF65-F5344CB8AC3E}">
+        <p14:creationId xmlns:p14="http://schemas.microsoft.com/office/powerpoint/2010/main" val="4003129430"/>
+      </p:ext>
+    </p:extLst>
+  </p:cSld>
+  <p:clrMapOvr>
+    <a:masterClrMapping/>
+  </p:clrMapOvr>
+</p:sld>
+</file>
+
+<file path=ppt/slides/slide28.xml><?xml version="1.0" encoding="utf-8"?>
 <p:sld xmlns:a="http://schemas.openxmlformats.org/drawingml/2006/main" xmlns:r="http://schemas.openxmlformats.org/officeDocument/2006/relationships" xmlns:p="http://schemas.openxmlformats.org/presentationml/2006/main">
   <p:cSld>
     <p:spTree>
@@ -13489,7 +14280,561 @@
 </p:sld>
 </file>
 
-<file path=ppt/slides/slide26.xml><?xml version="1.0" encoding="utf-8"?>
+<file path=ppt/slides/slide29.xml><?xml version="1.0" encoding="utf-8"?>
+<p:sld xmlns:a="http://schemas.openxmlformats.org/drawingml/2006/main" xmlns:r="http://schemas.openxmlformats.org/officeDocument/2006/relationships" xmlns:p="http://schemas.openxmlformats.org/presentationml/2006/main">
+  <p:cSld>
+    <p:spTree>
+      <p:nvGrpSpPr>
+        <p:cNvPr id="1" name=""/>
+        <p:cNvGrpSpPr/>
+        <p:nvPr/>
+      </p:nvGrpSpPr>
+      <p:grpSpPr>
+        <a:xfrm>
+          <a:off x="0" y="0"/>
+          <a:ext cx="0" cy="0"/>
+          <a:chOff x="0" y="0"/>
+          <a:chExt cx="0" cy="0"/>
+        </a:xfrm>
+      </p:grpSpPr>
+      <p:pic>
+        <p:nvPicPr>
+          <p:cNvPr id="7" name="Image 6">
+            <a:extLst>
+              <a:ext uri="{FF2B5EF4-FFF2-40B4-BE49-F238E27FC236}">
+                <a16:creationId xmlns:a16="http://schemas.microsoft.com/office/drawing/2014/main" id="{9CD792C2-8D7B-4382-B04B-0B6B90AFF177}"/>
+              </a:ext>
+            </a:extLst>
+          </p:cNvPr>
+          <p:cNvPicPr>
+            <a:picLocks noChangeAspect="1"/>
+          </p:cNvPicPr>
+          <p:nvPr/>
+        </p:nvPicPr>
+        <p:blipFill>
+          <a:blip r:embed="rId2">
+            <a:extLst>
+              <a:ext uri="{28A0092B-C50C-407E-A947-70E740481C1C}">
+                <a14:useLocalDpi xmlns:a14="http://schemas.microsoft.com/office/drawing/2010/main" val="0"/>
+              </a:ext>
+            </a:extLst>
+          </a:blip>
+          <a:stretch>
+            <a:fillRect/>
+          </a:stretch>
+        </p:blipFill>
+        <p:spPr>
+          <a:xfrm>
+            <a:off x="10881812" y="6101913"/>
+            <a:ext cx="1100546" cy="578859"/>
+          </a:xfrm>
+          <a:prstGeom prst="rect">
+            <a:avLst/>
+          </a:prstGeom>
+        </p:spPr>
+      </p:pic>
+      <p:sp>
+        <p:nvSpPr>
+          <p:cNvPr id="8" name="ZoneTexte 7">
+            <a:extLst>
+              <a:ext uri="{FF2B5EF4-FFF2-40B4-BE49-F238E27FC236}">
+                <a16:creationId xmlns:a16="http://schemas.microsoft.com/office/drawing/2014/main" id="{2BE4BA17-121D-4762-808D-7D199E9E9E39}"/>
+              </a:ext>
+            </a:extLst>
+          </p:cNvPr>
+          <p:cNvSpPr txBox="1"/>
+          <p:nvPr/>
+        </p:nvSpPr>
+        <p:spPr>
+          <a:xfrm>
+            <a:off x="279832" y="265313"/>
+            <a:ext cx="7989902" cy="646331"/>
+          </a:xfrm>
+          <a:prstGeom prst="rect">
+            <a:avLst/>
+          </a:prstGeom>
+          <a:noFill/>
+        </p:spPr>
+        <p:txBody>
+          <a:bodyPr wrap="square" rtlCol="0">
+            <a:spAutoFit/>
+          </a:bodyPr>
+          <a:lstStyle/>
+          <a:p>
+            <a:r>
+              <a:rPr lang="fr-FR" sz="3600" b="1" dirty="0">
+                <a:effectLst>
+                  <a:outerShdw blurRad="38100" dist="38100" dir="2700000" algn="tl">
+                    <a:srgbClr val="000000">
+                      <a:alpha val="43137"/>
+                    </a:srgbClr>
+                  </a:outerShdw>
+                </a:effectLst>
+              </a:rPr>
+              <a:t>TEST UNITAIRE</a:t>
+            </a:r>
+          </a:p>
+        </p:txBody>
+      </p:sp>
+      <p:pic>
+        <p:nvPicPr>
+          <p:cNvPr id="3" name="Image 2">
+            <a:extLst>
+              <a:ext uri="{FF2B5EF4-FFF2-40B4-BE49-F238E27FC236}">
+                <a16:creationId xmlns:a16="http://schemas.microsoft.com/office/drawing/2014/main" id="{71E3C7EC-A8DB-45D3-B8E2-D360556AA455}"/>
+              </a:ext>
+            </a:extLst>
+          </p:cNvPr>
+          <p:cNvPicPr>
+            <a:picLocks noChangeAspect="1"/>
+          </p:cNvPicPr>
+          <p:nvPr/>
+        </p:nvPicPr>
+        <p:blipFill>
+          <a:blip r:embed="rId3">
+            <a:extLst>
+              <a:ext uri="{28A0092B-C50C-407E-A947-70E740481C1C}">
+                <a14:useLocalDpi xmlns:a14="http://schemas.microsoft.com/office/drawing/2010/main" val="0"/>
+              </a:ext>
+            </a:extLst>
+          </a:blip>
+          <a:stretch>
+            <a:fillRect/>
+          </a:stretch>
+        </p:blipFill>
+        <p:spPr>
+          <a:xfrm>
+            <a:off x="3752850" y="332784"/>
+            <a:ext cx="5330190" cy="6589351"/>
+          </a:xfrm>
+          <a:prstGeom prst="rect">
+            <a:avLst/>
+          </a:prstGeom>
+        </p:spPr>
+      </p:pic>
+    </p:spTree>
+    <p:extLst>
+      <p:ext uri="{BB962C8B-B14F-4D97-AF65-F5344CB8AC3E}">
+        <p14:creationId xmlns:p14="http://schemas.microsoft.com/office/powerpoint/2010/main" val="1560309273"/>
+      </p:ext>
+    </p:extLst>
+  </p:cSld>
+  <p:clrMapOvr>
+    <a:masterClrMapping/>
+  </p:clrMapOvr>
+</p:sld>
+</file>
+
+<file path=ppt/slides/slide3.xml><?xml version="1.0" encoding="utf-8"?>
+<p:sld xmlns:a="http://schemas.openxmlformats.org/drawingml/2006/main" xmlns:r="http://schemas.openxmlformats.org/officeDocument/2006/relationships" xmlns:p="http://schemas.openxmlformats.org/presentationml/2006/main">
+  <p:cSld>
+    <p:spTree>
+      <p:nvGrpSpPr>
+        <p:cNvPr id="1" name=""/>
+        <p:cNvGrpSpPr/>
+        <p:nvPr/>
+      </p:nvGrpSpPr>
+      <p:grpSpPr>
+        <a:xfrm>
+          <a:off x="0" y="0"/>
+          <a:ext cx="0" cy="0"/>
+          <a:chOff x="0" y="0"/>
+          <a:chExt cx="0" cy="0"/>
+        </a:xfrm>
+      </p:grpSpPr>
+      <p:sp>
+        <p:nvSpPr>
+          <p:cNvPr id="9" name="Rectangle 8">
+            <a:extLst>
+              <a:ext uri="{FF2B5EF4-FFF2-40B4-BE49-F238E27FC236}">
+                <a16:creationId xmlns:a16="http://schemas.microsoft.com/office/drawing/2014/main" id="{89FEEBA6-AD1F-4F30-93D1-16D5D9385778}"/>
+              </a:ext>
+            </a:extLst>
+          </p:cNvPr>
+          <p:cNvSpPr/>
+          <p:nvPr/>
+        </p:nvSpPr>
+        <p:spPr>
+          <a:xfrm>
+            <a:off x="-238125" y="-97107"/>
+            <a:ext cx="5362575" cy="834501"/>
+          </a:xfrm>
+          <a:prstGeom prst="rect">
+            <a:avLst/>
+          </a:prstGeom>
+          <a:noFill/>
+          <a:ln>
+            <a:noFill/>
+          </a:ln>
+        </p:spPr>
+        <p:style>
+          <a:lnRef idx="2">
+            <a:schemeClr val="accent1">
+              <a:shade val="50000"/>
+            </a:schemeClr>
+          </a:lnRef>
+          <a:fillRef idx="1">
+            <a:schemeClr val="accent1"/>
+          </a:fillRef>
+          <a:effectRef idx="0">
+            <a:schemeClr val="accent1"/>
+          </a:effectRef>
+          <a:fontRef idx="minor">
+            <a:schemeClr val="lt1"/>
+          </a:fontRef>
+        </p:style>
+        <p:txBody>
+          <a:bodyPr rtlCol="0" anchor="ctr"/>
+          <a:lstStyle/>
+          <a:p>
+            <a:pPr algn="ctr"/>
+            <a:r>
+              <a:rPr lang="fr-FR" sz="3600" b="1" dirty="0">
+                <a:effectLst>
+                  <a:outerShdw blurRad="38100" dist="38100" dir="2700000" algn="tl">
+                    <a:srgbClr val="000000">
+                      <a:alpha val="43137"/>
+                    </a:srgbClr>
+                  </a:outerShdw>
+                </a:effectLst>
+              </a:rPr>
+              <a:t>Cahier des charges</a:t>
+            </a:r>
+          </a:p>
+        </p:txBody>
+      </p:sp>
+      <p:sp>
+        <p:nvSpPr>
+          <p:cNvPr id="2" name="ZoneTexte 1">
+            <a:extLst>
+              <a:ext uri="{FF2B5EF4-FFF2-40B4-BE49-F238E27FC236}">
+                <a16:creationId xmlns:a16="http://schemas.microsoft.com/office/drawing/2014/main" id="{28469C3C-BFB9-4892-BB96-F3BA9BD6E7C7}"/>
+              </a:ext>
+            </a:extLst>
+          </p:cNvPr>
+          <p:cNvSpPr txBox="1"/>
+          <p:nvPr/>
+        </p:nvSpPr>
+        <p:spPr>
+          <a:xfrm>
+            <a:off x="329861" y="1057291"/>
+            <a:ext cx="5699464" cy="584775"/>
+          </a:xfrm>
+          <a:prstGeom prst="rect">
+            <a:avLst/>
+          </a:prstGeom>
+          <a:noFill/>
+        </p:spPr>
+        <p:txBody>
+          <a:bodyPr wrap="square" rtlCol="0">
+            <a:spAutoFit/>
+          </a:bodyPr>
+          <a:lstStyle/>
+          <a:p>
+            <a:r>
+              <a:rPr lang="fr-FR" sz="3200" u="sng" dirty="0"/>
+              <a:t>DESCRIPTION DU PROJET</a:t>
+            </a:r>
+          </a:p>
+        </p:txBody>
+      </p:sp>
+      <p:sp>
+        <p:nvSpPr>
+          <p:cNvPr id="4" name="ZoneTexte 3">
+            <a:extLst>
+              <a:ext uri="{FF2B5EF4-FFF2-40B4-BE49-F238E27FC236}">
+                <a16:creationId xmlns:a16="http://schemas.microsoft.com/office/drawing/2014/main" id="{81DAB690-C720-40D6-9800-8FC4A0CF14D3}"/>
+              </a:ext>
+            </a:extLst>
+          </p:cNvPr>
+          <p:cNvSpPr txBox="1"/>
+          <p:nvPr/>
+        </p:nvSpPr>
+        <p:spPr>
+          <a:xfrm>
+            <a:off x="131593" y="2013541"/>
+            <a:ext cx="11928814" cy="4524315"/>
+          </a:xfrm>
+          <a:prstGeom prst="rect">
+            <a:avLst/>
+          </a:prstGeom>
+          <a:noFill/>
+        </p:spPr>
+        <p:txBody>
+          <a:bodyPr wrap="square" rtlCol="0">
+            <a:spAutoFit/>
+          </a:bodyPr>
+          <a:lstStyle/>
+          <a:p>
+            <a:r>
+              <a:rPr lang="fr-FR" sz="3200" dirty="0"/>
+              <a:t>Il s’agit d’un site de vente à distance de figurines U’POP spécialisé dans plusieurs univers tels que : </a:t>
+            </a:r>
+          </a:p>
+          <a:p>
+            <a:endParaRPr lang="fr-FR" sz="3200" dirty="0"/>
+          </a:p>
+          <a:p>
+            <a:r>
+              <a:rPr lang="fr-FR" sz="3200" dirty="0">
+                <a:latin typeface="+mj-lt"/>
+              </a:rPr>
+              <a:t>1 - Pop Série (GOT, Breaking Bad, </a:t>
+            </a:r>
+            <a:r>
+              <a:rPr lang="fr-FR" sz="3200" dirty="0" err="1">
+                <a:latin typeface="+mj-lt"/>
+              </a:rPr>
+              <a:t>Lost</a:t>
+            </a:r>
+            <a:r>
+              <a:rPr lang="fr-FR" sz="3200" dirty="0">
+                <a:latin typeface="+mj-lt"/>
+              </a:rPr>
+              <a:t>)</a:t>
+            </a:r>
+          </a:p>
+          <a:p>
+            <a:r>
+              <a:rPr lang="fr-FR" sz="3200" dirty="0">
+                <a:latin typeface="+mj-lt"/>
+              </a:rPr>
+              <a:t>2 - Pop Jeux vidéo (The </a:t>
+            </a:r>
+            <a:r>
+              <a:rPr lang="fr-FR" sz="3200" dirty="0" err="1">
+                <a:latin typeface="+mj-lt"/>
+              </a:rPr>
+              <a:t>witcher</a:t>
+            </a:r>
+            <a:r>
+              <a:rPr lang="fr-FR" sz="3200" dirty="0">
+                <a:latin typeface="+mj-lt"/>
+              </a:rPr>
+              <a:t>, Mario, Zelda)</a:t>
+            </a:r>
+          </a:p>
+          <a:p>
+            <a:r>
+              <a:rPr lang="fr-FR" sz="3200" dirty="0">
+                <a:latin typeface="+mj-lt"/>
+              </a:rPr>
+              <a:t>3 - Pop Animés (Pokémon, Dragon Ball, South Park)</a:t>
+            </a:r>
+          </a:p>
+          <a:p>
+            <a:r>
+              <a:rPr lang="fr-FR" sz="3200" dirty="0">
+                <a:latin typeface="+mj-lt"/>
+              </a:rPr>
+              <a:t>4 - Pop Film (Star Wars, Harry Potter, Seigneur des Anneaux)</a:t>
+            </a:r>
+          </a:p>
+          <a:p>
+            <a:endParaRPr lang="fr-FR" sz="3200" dirty="0">
+              <a:latin typeface="Book Antiqua" panose="02040602050305030304" pitchFamily="18" charset="0"/>
+            </a:endParaRPr>
+          </a:p>
+          <a:p>
+            <a:endParaRPr lang="fr-FR" sz="3200" dirty="0"/>
+          </a:p>
+        </p:txBody>
+      </p:sp>
+      <p:pic>
+        <p:nvPicPr>
+          <p:cNvPr id="6" name="Image 5">
+            <a:extLst>
+              <a:ext uri="{FF2B5EF4-FFF2-40B4-BE49-F238E27FC236}">
+                <a16:creationId xmlns:a16="http://schemas.microsoft.com/office/drawing/2014/main" id="{F4A7A59A-344F-46BD-8F14-762870DBAFF3}"/>
+              </a:ext>
+            </a:extLst>
+          </p:cNvPr>
+          <p:cNvPicPr>
+            <a:picLocks noChangeAspect="1"/>
+          </p:cNvPicPr>
+          <p:nvPr/>
+        </p:nvPicPr>
+        <p:blipFill>
+          <a:blip r:embed="rId2">
+            <a:extLst>
+              <a:ext uri="{28A0092B-C50C-407E-A947-70E740481C1C}">
+                <a14:useLocalDpi xmlns:a14="http://schemas.microsoft.com/office/drawing/2010/main" val="0"/>
+              </a:ext>
+            </a:extLst>
+          </a:blip>
+          <a:stretch>
+            <a:fillRect/>
+          </a:stretch>
+        </p:blipFill>
+        <p:spPr>
+          <a:xfrm>
+            <a:off x="10881812" y="6101913"/>
+            <a:ext cx="1100546" cy="578859"/>
+          </a:xfrm>
+          <a:prstGeom prst="rect">
+            <a:avLst/>
+          </a:prstGeom>
+        </p:spPr>
+      </p:pic>
+    </p:spTree>
+    <p:extLst>
+      <p:ext uri="{BB962C8B-B14F-4D97-AF65-F5344CB8AC3E}">
+        <p14:creationId xmlns:p14="http://schemas.microsoft.com/office/powerpoint/2010/main" val="939791067"/>
+      </p:ext>
+    </p:extLst>
+  </p:cSld>
+  <p:clrMapOvr>
+    <a:masterClrMapping/>
+  </p:clrMapOvr>
+</p:sld>
+</file>
+
+<file path=ppt/slides/slide30.xml><?xml version="1.0" encoding="utf-8"?>
+<p:sld xmlns:a="http://schemas.openxmlformats.org/drawingml/2006/main" xmlns:r="http://schemas.openxmlformats.org/officeDocument/2006/relationships" xmlns:p="http://schemas.openxmlformats.org/presentationml/2006/main">
+  <p:cSld>
+    <p:spTree>
+      <p:nvGrpSpPr>
+        <p:cNvPr id="1" name=""/>
+        <p:cNvGrpSpPr/>
+        <p:nvPr/>
+      </p:nvGrpSpPr>
+      <p:grpSpPr>
+        <a:xfrm>
+          <a:off x="0" y="0"/>
+          <a:ext cx="0" cy="0"/>
+          <a:chOff x="0" y="0"/>
+          <a:chExt cx="0" cy="0"/>
+        </a:xfrm>
+      </p:grpSpPr>
+      <p:pic>
+        <p:nvPicPr>
+          <p:cNvPr id="7" name="Image 6">
+            <a:extLst>
+              <a:ext uri="{FF2B5EF4-FFF2-40B4-BE49-F238E27FC236}">
+                <a16:creationId xmlns:a16="http://schemas.microsoft.com/office/drawing/2014/main" id="{9CD792C2-8D7B-4382-B04B-0B6B90AFF177}"/>
+              </a:ext>
+            </a:extLst>
+          </p:cNvPr>
+          <p:cNvPicPr>
+            <a:picLocks noChangeAspect="1"/>
+          </p:cNvPicPr>
+          <p:nvPr/>
+        </p:nvPicPr>
+        <p:blipFill>
+          <a:blip r:embed="rId2">
+            <a:extLst>
+              <a:ext uri="{28A0092B-C50C-407E-A947-70E740481C1C}">
+                <a14:useLocalDpi xmlns:a14="http://schemas.microsoft.com/office/drawing/2010/main" val="0"/>
+              </a:ext>
+            </a:extLst>
+          </a:blip>
+          <a:stretch>
+            <a:fillRect/>
+          </a:stretch>
+        </p:blipFill>
+        <p:spPr>
+          <a:xfrm>
+            <a:off x="10881812" y="6101913"/>
+            <a:ext cx="1100546" cy="578859"/>
+          </a:xfrm>
+          <a:prstGeom prst="rect">
+            <a:avLst/>
+          </a:prstGeom>
+        </p:spPr>
+      </p:pic>
+      <p:sp>
+        <p:nvSpPr>
+          <p:cNvPr id="8" name="ZoneTexte 7">
+            <a:extLst>
+              <a:ext uri="{FF2B5EF4-FFF2-40B4-BE49-F238E27FC236}">
+                <a16:creationId xmlns:a16="http://schemas.microsoft.com/office/drawing/2014/main" id="{2BE4BA17-121D-4762-808D-7D199E9E9E39}"/>
+              </a:ext>
+            </a:extLst>
+          </p:cNvPr>
+          <p:cNvSpPr txBox="1"/>
+          <p:nvPr/>
+        </p:nvSpPr>
+        <p:spPr>
+          <a:xfrm>
+            <a:off x="279832" y="265313"/>
+            <a:ext cx="7989902" cy="646331"/>
+          </a:xfrm>
+          <a:prstGeom prst="rect">
+            <a:avLst/>
+          </a:prstGeom>
+          <a:noFill/>
+        </p:spPr>
+        <p:txBody>
+          <a:bodyPr wrap="square" rtlCol="0">
+            <a:spAutoFit/>
+          </a:bodyPr>
+          <a:lstStyle/>
+          <a:p>
+            <a:r>
+              <a:rPr lang="fr-FR" sz="3600" b="1" dirty="0">
+                <a:effectLst>
+                  <a:outerShdw blurRad="38100" dist="38100" dir="2700000" algn="tl">
+                    <a:srgbClr val="000000">
+                      <a:alpha val="43137"/>
+                    </a:srgbClr>
+                  </a:outerShdw>
+                </a:effectLst>
+              </a:rPr>
+              <a:t>TEST UNITAIRE</a:t>
+            </a:r>
+          </a:p>
+        </p:txBody>
+      </p:sp>
+      <p:pic>
+        <p:nvPicPr>
+          <p:cNvPr id="4" name="Image 3">
+            <a:extLst>
+              <a:ext uri="{FF2B5EF4-FFF2-40B4-BE49-F238E27FC236}">
+                <a16:creationId xmlns:a16="http://schemas.microsoft.com/office/drawing/2014/main" id="{BBDBBCF9-611B-4EBF-B420-05E0CAC04161}"/>
+              </a:ext>
+            </a:extLst>
+          </p:cNvPr>
+          <p:cNvPicPr>
+            <a:picLocks noChangeAspect="1"/>
+          </p:cNvPicPr>
+          <p:nvPr/>
+        </p:nvPicPr>
+        <p:blipFill>
+          <a:blip r:embed="rId3">
+            <a:extLst>
+              <a:ext uri="{28A0092B-C50C-407E-A947-70E740481C1C}">
+                <a14:useLocalDpi xmlns:a14="http://schemas.microsoft.com/office/drawing/2010/main" val="0"/>
+              </a:ext>
+            </a:extLst>
+          </a:blip>
+          <a:stretch>
+            <a:fillRect/>
+          </a:stretch>
+        </p:blipFill>
+        <p:spPr>
+          <a:xfrm>
+            <a:off x="4274783" y="265313"/>
+            <a:ext cx="4773930" cy="6501638"/>
+          </a:xfrm>
+          <a:prstGeom prst="rect">
+            <a:avLst/>
+          </a:prstGeom>
+        </p:spPr>
+      </p:pic>
+    </p:spTree>
+    <p:extLst>
+      <p:ext uri="{BB962C8B-B14F-4D97-AF65-F5344CB8AC3E}">
+        <p14:creationId xmlns:p14="http://schemas.microsoft.com/office/powerpoint/2010/main" val="839647808"/>
+      </p:ext>
+    </p:extLst>
+  </p:cSld>
+  <p:clrMapOvr>
+    <a:masterClrMapping/>
+  </p:clrMapOvr>
+</p:sld>
+</file>
+
+<file path=ppt/slides/slide31.xml><?xml version="1.0" encoding="utf-8"?>
 <p:sld xmlns:a="http://schemas.openxmlformats.org/drawingml/2006/main" xmlns:r="http://schemas.openxmlformats.org/officeDocument/2006/relationships" xmlns:p="http://schemas.openxmlformats.org/presentationml/2006/main">
   <p:cSld>
     <p:spTree>
@@ -13740,7 +15085,152 @@
 </p:sld>
 </file>
 
-<file path=ppt/slides/slide27.xml><?xml version="1.0" encoding="utf-8"?>
+<file path=ppt/slides/slide32.xml><?xml version="1.0" encoding="utf-8"?>
+<p:sld xmlns:a="http://schemas.openxmlformats.org/drawingml/2006/main" xmlns:r="http://schemas.openxmlformats.org/officeDocument/2006/relationships" xmlns:p="http://schemas.openxmlformats.org/presentationml/2006/main">
+  <p:cSld>
+    <p:spTree>
+      <p:nvGrpSpPr>
+        <p:cNvPr id="1" name=""/>
+        <p:cNvGrpSpPr/>
+        <p:nvPr/>
+      </p:nvGrpSpPr>
+      <p:grpSpPr>
+        <a:xfrm>
+          <a:off x="0" y="0"/>
+          <a:ext cx="0" cy="0"/>
+          <a:chOff x="0" y="0"/>
+          <a:chExt cx="0" cy="0"/>
+        </a:xfrm>
+      </p:grpSpPr>
+      <p:pic>
+        <p:nvPicPr>
+          <p:cNvPr id="7" name="Image 6">
+            <a:extLst>
+              <a:ext uri="{FF2B5EF4-FFF2-40B4-BE49-F238E27FC236}">
+                <a16:creationId xmlns:a16="http://schemas.microsoft.com/office/drawing/2014/main" id="{911F51EF-BDF6-403A-96A9-853A040CC0B8}"/>
+              </a:ext>
+            </a:extLst>
+          </p:cNvPr>
+          <p:cNvPicPr>
+            <a:picLocks noChangeAspect="1"/>
+          </p:cNvPicPr>
+          <p:nvPr/>
+        </p:nvPicPr>
+        <p:blipFill>
+          <a:blip r:embed="rId2">
+            <a:extLst>
+              <a:ext uri="{28A0092B-C50C-407E-A947-70E740481C1C}">
+                <a14:useLocalDpi xmlns:a14="http://schemas.microsoft.com/office/drawing/2010/main" val="0"/>
+              </a:ext>
+            </a:extLst>
+          </a:blip>
+          <a:stretch>
+            <a:fillRect/>
+          </a:stretch>
+        </p:blipFill>
+        <p:spPr>
+          <a:xfrm>
+            <a:off x="10881812" y="6101913"/>
+            <a:ext cx="1100546" cy="578859"/>
+          </a:xfrm>
+          <a:prstGeom prst="rect">
+            <a:avLst/>
+          </a:prstGeom>
+        </p:spPr>
+      </p:pic>
+      <p:sp>
+        <p:nvSpPr>
+          <p:cNvPr id="8" name="ZoneTexte 7">
+            <a:extLst>
+              <a:ext uri="{FF2B5EF4-FFF2-40B4-BE49-F238E27FC236}">
+                <a16:creationId xmlns:a16="http://schemas.microsoft.com/office/drawing/2014/main" id="{5E605250-2589-4B01-810C-A0989390AFAE}"/>
+              </a:ext>
+            </a:extLst>
+          </p:cNvPr>
+          <p:cNvSpPr txBox="1"/>
+          <p:nvPr/>
+        </p:nvSpPr>
+        <p:spPr>
+          <a:xfrm>
+            <a:off x="279832" y="265313"/>
+            <a:ext cx="7989902" cy="646331"/>
+          </a:xfrm>
+          <a:prstGeom prst="rect">
+            <a:avLst/>
+          </a:prstGeom>
+          <a:noFill/>
+        </p:spPr>
+        <p:txBody>
+          <a:bodyPr wrap="square" rtlCol="0">
+            <a:spAutoFit/>
+          </a:bodyPr>
+          <a:lstStyle/>
+          <a:p>
+            <a:r>
+              <a:rPr lang="fr-FR" sz="3600" b="1" dirty="0">
+                <a:effectLst>
+                  <a:outerShdw blurRad="38100" dist="38100" dir="2700000" algn="tl">
+                    <a:srgbClr val="000000">
+                      <a:alpha val="43137"/>
+                    </a:srgbClr>
+                  </a:outerShdw>
+                </a:effectLst>
+              </a:rPr>
+              <a:t>TEST UNITAIRE</a:t>
+            </a:r>
+          </a:p>
+        </p:txBody>
+      </p:sp>
+      <p:pic>
+        <p:nvPicPr>
+          <p:cNvPr id="9" name="Image 8">
+            <a:extLst>
+              <a:ext uri="{FF2B5EF4-FFF2-40B4-BE49-F238E27FC236}">
+                <a16:creationId xmlns:a16="http://schemas.microsoft.com/office/drawing/2014/main" id="{90322C73-EB42-41FF-B263-4985F0841062}"/>
+              </a:ext>
+            </a:extLst>
+          </p:cNvPr>
+          <p:cNvPicPr>
+            <a:picLocks noChangeAspect="1"/>
+          </p:cNvPicPr>
+          <p:nvPr/>
+        </p:nvPicPr>
+        <p:blipFill>
+          <a:blip r:embed="rId3">
+            <a:extLst>
+              <a:ext uri="{28A0092B-C50C-407E-A947-70E740481C1C}">
+                <a14:useLocalDpi xmlns:a14="http://schemas.microsoft.com/office/drawing/2010/main" val="0"/>
+              </a:ext>
+            </a:extLst>
+          </a:blip>
+          <a:stretch>
+            <a:fillRect/>
+          </a:stretch>
+        </p:blipFill>
+        <p:spPr>
+          <a:xfrm>
+            <a:off x="913764" y="1262043"/>
+            <a:ext cx="10101677" cy="4839870"/>
+          </a:xfrm>
+          <a:prstGeom prst="rect">
+            <a:avLst/>
+          </a:prstGeom>
+        </p:spPr>
+      </p:pic>
+    </p:spTree>
+    <p:extLst>
+      <p:ext uri="{BB962C8B-B14F-4D97-AF65-F5344CB8AC3E}">
+        <p14:creationId xmlns:p14="http://schemas.microsoft.com/office/powerpoint/2010/main" val="77088528"/>
+      </p:ext>
+    </p:extLst>
+  </p:cSld>
+  <p:clrMapOvr>
+    <a:masterClrMapping/>
+  </p:clrMapOvr>
+</p:sld>
+</file>
+
+<file path=ppt/slides/slide33.xml><?xml version="1.0" encoding="utf-8"?>
 <p:sld xmlns:a="http://schemas.openxmlformats.org/drawingml/2006/main" xmlns:r="http://schemas.openxmlformats.org/officeDocument/2006/relationships" xmlns:p="http://schemas.openxmlformats.org/presentationml/2006/main">
   <p:cSld>
     <p:spTree>
@@ -13961,7 +15451,7 @@
 </p:sld>
 </file>
 
-<file path=ppt/slides/slide28.xml><?xml version="1.0" encoding="utf-8"?>
+<file path=ppt/slides/slide34.xml><?xml version="1.0" encoding="utf-8"?>
 <p:sld xmlns:a="http://schemas.openxmlformats.org/drawingml/2006/main" xmlns:r="http://schemas.openxmlformats.org/officeDocument/2006/relationships" xmlns:p="http://schemas.openxmlformats.org/presentationml/2006/main">
   <p:cSld>
     <p:spTree>
@@ -14016,51 +15506,10 @@
       </p:pic>
       <p:sp>
         <p:nvSpPr>
-          <p:cNvPr id="2" name="ZoneTexte 1">
+          <p:cNvPr id="4" name="ZoneTexte 3">
             <a:extLst>
               <a:ext uri="{FF2B5EF4-FFF2-40B4-BE49-F238E27FC236}">
-                <a16:creationId xmlns:a16="http://schemas.microsoft.com/office/drawing/2014/main" id="{9914CF36-3F05-4278-9C33-426A522E764C}"/>
-              </a:ext>
-            </a:extLst>
-          </p:cNvPr>
-          <p:cNvSpPr txBox="1"/>
-          <p:nvPr/>
-        </p:nvSpPr>
-        <p:spPr>
-          <a:xfrm>
-            <a:off x="3019425" y="2493405"/>
-            <a:ext cx="5095875" cy="830997"/>
-          </a:xfrm>
-          <a:prstGeom prst="rect">
-            <a:avLst/>
-          </a:prstGeom>
-          <a:noFill/>
-        </p:spPr>
-        <p:txBody>
-          <a:bodyPr wrap="square" rtlCol="0">
-            <a:spAutoFit/>
-          </a:bodyPr>
-          <a:lstStyle/>
-          <a:p>
-            <a:r>
-              <a:rPr lang="fr-FR" sz="2400" dirty="0"/>
-              <a:t>- Si commande en cours :</a:t>
-            </a:r>
-          </a:p>
-          <a:p>
-            <a:r>
-              <a:rPr lang="fr-FR" sz="2400" dirty="0"/>
-              <a:t>Confirmation ou non du panier</a:t>
-            </a:r>
-          </a:p>
-        </p:txBody>
-      </p:sp>
-      <p:sp>
-        <p:nvSpPr>
-          <p:cNvPr id="6" name="ZoneTexte 5">
-            <a:extLst>
-              <a:ext uri="{FF2B5EF4-FFF2-40B4-BE49-F238E27FC236}">
-                <a16:creationId xmlns:a16="http://schemas.microsoft.com/office/drawing/2014/main" id="{E576E5CB-6710-4B77-981C-287D069D5B34}"/>
+                <a16:creationId xmlns:a16="http://schemas.microsoft.com/office/drawing/2014/main" id="{D025B6D1-BF08-4DBC-AB02-3AAC5D402495}"/>
               </a:ext>
             </a:extLst>
           </p:cNvPr>
@@ -14098,73 +15547,46 @@
           </a:p>
         </p:txBody>
       </p:sp>
-      <p:sp>
-        <p:nvSpPr>
-          <p:cNvPr id="7" name="Rectangle : coins arrondis 6">
+      <p:pic>
+        <p:nvPicPr>
+          <p:cNvPr id="7" name="Image 6">
             <a:extLst>
               <a:ext uri="{FF2B5EF4-FFF2-40B4-BE49-F238E27FC236}">
-                <a16:creationId xmlns:a16="http://schemas.microsoft.com/office/drawing/2014/main" id="{7EE02B64-2954-4269-8C27-6C3F084A3942}"/>
+                <a16:creationId xmlns:a16="http://schemas.microsoft.com/office/drawing/2014/main" id="{E2D9E1E5-56DD-4051-AD7E-9D8CC30E03FC}"/>
               </a:ext>
             </a:extLst>
           </p:cNvPr>
-          <p:cNvSpPr/>
+          <p:cNvPicPr>
+            <a:picLocks noChangeAspect="1"/>
+          </p:cNvPicPr>
           <p:nvPr/>
-        </p:nvSpPr>
-        <p:spPr>
-          <a:xfrm>
-            <a:off x="2294172" y="1292892"/>
-            <a:ext cx="6364054" cy="819265"/>
-          </a:xfrm>
-          <a:prstGeom prst="roundRect">
+        </p:nvPicPr>
+        <p:blipFill>
+          <a:blip r:embed="rId3">
+            <a:extLst>
+              <a:ext uri="{28A0092B-C50C-407E-A947-70E740481C1C}">
+                <a14:useLocalDpi xmlns:a14="http://schemas.microsoft.com/office/drawing/2010/main" val="0"/>
+              </a:ext>
+            </a:extLst>
+          </a:blip>
+          <a:stretch>
+            <a:fillRect/>
+          </a:stretch>
+        </p:blipFill>
+        <p:spPr>
+          <a:xfrm>
+            <a:off x="2890653" y="1053286"/>
+            <a:ext cx="6410694" cy="5627487"/>
+          </a:xfrm>
+          <a:prstGeom prst="rect">
             <a:avLst/>
           </a:prstGeom>
-          <a:solidFill>
-            <a:schemeClr val="bg2">
-              <a:lumMod val="90000"/>
-            </a:schemeClr>
-          </a:solidFill>
-          <a:ln>
-            <a:solidFill>
-              <a:schemeClr val="bg1">
-                <a:lumMod val="75000"/>
-              </a:schemeClr>
-            </a:solidFill>
-          </a:ln>
-        </p:spPr>
-        <p:style>
-          <a:lnRef idx="2">
-            <a:schemeClr val="accent1">
-              <a:shade val="50000"/>
-            </a:schemeClr>
-          </a:lnRef>
-          <a:fillRef idx="1">
-            <a:schemeClr val="accent1"/>
-          </a:fillRef>
-          <a:effectRef idx="0">
-            <a:schemeClr val="accent1"/>
-          </a:effectRef>
-          <a:fontRef idx="minor">
-            <a:schemeClr val="lt1"/>
-          </a:fontRef>
-        </p:style>
-        <p:txBody>
-          <a:bodyPr rtlCol="0" anchor="ctr"/>
-          <a:lstStyle/>
-          <a:p>
-            <a:pPr algn="ctr"/>
-            <a:r>
-              <a:rPr lang="fr-FR" sz="3600" dirty="0">
-                <a:latin typeface="+mj-lt"/>
-              </a:rPr>
-              <a:t>PAGE PANIER</a:t>
-            </a:r>
-          </a:p>
-        </p:txBody>
-      </p:sp>
+        </p:spPr>
+      </p:pic>
     </p:spTree>
     <p:extLst>
       <p:ext uri="{BB962C8B-B14F-4D97-AF65-F5344CB8AC3E}">
-        <p14:creationId xmlns:p14="http://schemas.microsoft.com/office/powerpoint/2010/main" val="2004704464"/>
+        <p14:creationId xmlns:p14="http://schemas.microsoft.com/office/powerpoint/2010/main" val="1592656348"/>
       </p:ext>
     </p:extLst>
   </p:cSld>
@@ -14174,7 +15596,7 @@
 </p:sld>
 </file>
 
-<file path=ppt/slides/slide3.xml><?xml version="1.0" encoding="utf-8"?>
+<file path=ppt/slides/slide35.xml><?xml version="1.0" encoding="utf-8"?>
 <p:sld xmlns:a="http://schemas.openxmlformats.org/drawingml/2006/main" xmlns:r="http://schemas.openxmlformats.org/officeDocument/2006/relationships" xmlns:p="http://schemas.openxmlformats.org/presentationml/2006/main">
   <p:cSld>
     <p:spTree>
@@ -14191,210 +15613,12 @@
           <a:chExt cx="0" cy="0"/>
         </a:xfrm>
       </p:grpSpPr>
-      <p:sp>
-        <p:nvSpPr>
-          <p:cNvPr id="9" name="Rectangle 8">
+      <p:pic>
+        <p:nvPicPr>
+          <p:cNvPr id="3" name="Image 2">
             <a:extLst>
               <a:ext uri="{FF2B5EF4-FFF2-40B4-BE49-F238E27FC236}">
-                <a16:creationId xmlns:a16="http://schemas.microsoft.com/office/drawing/2014/main" id="{89FEEBA6-AD1F-4F30-93D1-16D5D9385778}"/>
-              </a:ext>
-            </a:extLst>
-          </p:cNvPr>
-          <p:cNvSpPr/>
-          <p:nvPr/>
-        </p:nvSpPr>
-        <p:spPr>
-          <a:xfrm>
-            <a:off x="-238125" y="-97107"/>
-            <a:ext cx="5362575" cy="834501"/>
-          </a:xfrm>
-          <a:prstGeom prst="rect">
-            <a:avLst/>
-          </a:prstGeom>
-          <a:noFill/>
-          <a:ln>
-            <a:noFill/>
-          </a:ln>
-        </p:spPr>
-        <p:style>
-          <a:lnRef idx="2">
-            <a:schemeClr val="accent1">
-              <a:shade val="50000"/>
-            </a:schemeClr>
-          </a:lnRef>
-          <a:fillRef idx="1">
-            <a:schemeClr val="accent1"/>
-          </a:fillRef>
-          <a:effectRef idx="0">
-            <a:schemeClr val="accent1"/>
-          </a:effectRef>
-          <a:fontRef idx="minor">
-            <a:schemeClr val="lt1"/>
-          </a:fontRef>
-        </p:style>
-        <p:txBody>
-          <a:bodyPr rtlCol="0" anchor="ctr"/>
-          <a:lstStyle/>
-          <a:p>
-            <a:pPr algn="ctr"/>
-            <a:r>
-              <a:rPr lang="fr-FR" sz="3600" b="1" dirty="0">
-                <a:effectLst>
-                  <a:outerShdw blurRad="38100" dist="38100" dir="2700000" algn="tl">
-                    <a:srgbClr val="000000">
-                      <a:alpha val="43137"/>
-                    </a:srgbClr>
-                  </a:outerShdw>
-                </a:effectLst>
-              </a:rPr>
-              <a:t>Cahier des charges</a:t>
-            </a:r>
-          </a:p>
-        </p:txBody>
-      </p:sp>
-      <p:sp>
-        <p:nvSpPr>
-          <p:cNvPr id="2" name="ZoneTexte 1">
-            <a:extLst>
-              <a:ext uri="{FF2B5EF4-FFF2-40B4-BE49-F238E27FC236}">
-                <a16:creationId xmlns:a16="http://schemas.microsoft.com/office/drawing/2014/main" id="{28469C3C-BFB9-4892-BB96-F3BA9BD6E7C7}"/>
-              </a:ext>
-            </a:extLst>
-          </p:cNvPr>
-          <p:cNvSpPr txBox="1"/>
-          <p:nvPr/>
-        </p:nvSpPr>
-        <p:spPr>
-          <a:xfrm>
-            <a:off x="329861" y="1057291"/>
-            <a:ext cx="5699464" cy="584775"/>
-          </a:xfrm>
-          <a:prstGeom prst="rect">
-            <a:avLst/>
-          </a:prstGeom>
-          <a:noFill/>
-        </p:spPr>
-        <p:txBody>
-          <a:bodyPr wrap="square" rtlCol="0">
-            <a:spAutoFit/>
-          </a:bodyPr>
-          <a:lstStyle/>
-          <a:p>
-            <a:r>
-              <a:rPr lang="fr-FR" sz="3200" u="sng" dirty="0"/>
-              <a:t>DESCRIPTION DU PROJET</a:t>
-            </a:r>
-          </a:p>
-        </p:txBody>
-      </p:sp>
-      <p:sp>
-        <p:nvSpPr>
-          <p:cNvPr id="4" name="ZoneTexte 3">
-            <a:extLst>
-              <a:ext uri="{FF2B5EF4-FFF2-40B4-BE49-F238E27FC236}">
-                <a16:creationId xmlns:a16="http://schemas.microsoft.com/office/drawing/2014/main" id="{81DAB690-C720-40D6-9800-8FC4A0CF14D3}"/>
-              </a:ext>
-            </a:extLst>
-          </p:cNvPr>
-          <p:cNvSpPr txBox="1"/>
-          <p:nvPr/>
-        </p:nvSpPr>
-        <p:spPr>
-          <a:xfrm>
-            <a:off x="131593" y="2013541"/>
-            <a:ext cx="11928814" cy="4524315"/>
-          </a:xfrm>
-          <a:prstGeom prst="rect">
-            <a:avLst/>
-          </a:prstGeom>
-          <a:noFill/>
-        </p:spPr>
-        <p:txBody>
-          <a:bodyPr wrap="square" rtlCol="0">
-            <a:spAutoFit/>
-          </a:bodyPr>
-          <a:lstStyle/>
-          <a:p>
-            <a:r>
-              <a:rPr lang="fr-FR" sz="3200" dirty="0"/>
-              <a:t>Il s’agit d’un site de vente à distance de figurines U’POP spécialisé dans plusieurs univers tels que : </a:t>
-            </a:r>
-          </a:p>
-          <a:p>
-            <a:endParaRPr lang="fr-FR" sz="3200" dirty="0"/>
-          </a:p>
-          <a:p>
-            <a:r>
-              <a:rPr lang="fr-FR" sz="3200" dirty="0">
-                <a:latin typeface="+mj-lt"/>
-              </a:rPr>
-              <a:t>1 - Pop Série (GOT, Breaking Bad, </a:t>
-            </a:r>
-            <a:r>
-              <a:rPr lang="fr-FR" sz="3200" dirty="0" err="1">
-                <a:latin typeface="+mj-lt"/>
-              </a:rPr>
-              <a:t>Lost</a:t>
-            </a:r>
-            <a:r>
-              <a:rPr lang="fr-FR" sz="3200" dirty="0">
-                <a:latin typeface="+mj-lt"/>
-              </a:rPr>
-              <a:t> )</a:t>
-            </a:r>
-          </a:p>
-          <a:p>
-            <a:r>
-              <a:rPr lang="fr-FR" sz="3200" dirty="0">
-                <a:latin typeface="+mj-lt"/>
-              </a:rPr>
-              <a:t>2 - Pop Jeux vidéo (The </a:t>
-            </a:r>
-            <a:r>
-              <a:rPr lang="fr-FR" sz="3200" dirty="0" err="1">
-                <a:latin typeface="+mj-lt"/>
-              </a:rPr>
-              <a:t>witcher</a:t>
-            </a:r>
-            <a:r>
-              <a:rPr lang="fr-FR" sz="3200" dirty="0">
-                <a:latin typeface="+mj-lt"/>
-              </a:rPr>
-              <a:t>, Mario, Zelda)</a:t>
-            </a:r>
-          </a:p>
-          <a:p>
-            <a:r>
-              <a:rPr lang="fr-FR" sz="3200" dirty="0">
-                <a:latin typeface="+mj-lt"/>
-              </a:rPr>
-              <a:t>3 - Pop Animés (Pokémon, Dragon Ball, South Park)</a:t>
-            </a:r>
-          </a:p>
-          <a:p>
-            <a:r>
-              <a:rPr lang="fr-FR" sz="3200" dirty="0">
-                <a:latin typeface="+mj-lt"/>
-              </a:rPr>
-              <a:t>4 - Pop Film (Star Wars, Harry Potter, Seigneur des Anneaux)</a:t>
-            </a:r>
-          </a:p>
-          <a:p>
-            <a:endParaRPr lang="fr-FR" sz="3200" dirty="0">
-              <a:latin typeface="Book Antiqua" panose="02040602050305030304" pitchFamily="18" charset="0"/>
-            </a:endParaRPr>
-          </a:p>
-          <a:p>
-            <a:endParaRPr lang="fr-FR" sz="3200" dirty="0"/>
-          </a:p>
-        </p:txBody>
-      </p:sp>
-      <p:pic>
-        <p:nvPicPr>
-          <p:cNvPr id="6" name="Image 5">
-            <a:extLst>
-              <a:ext uri="{FF2B5EF4-FFF2-40B4-BE49-F238E27FC236}">
-                <a16:creationId xmlns:a16="http://schemas.microsoft.com/office/drawing/2014/main" id="{F4A7A59A-344F-46BD-8F14-762870DBAFF3}"/>
+                <a16:creationId xmlns:a16="http://schemas.microsoft.com/office/drawing/2014/main" id="{3D875A88-8C27-4599-A0C5-747E6F5323F6}"/>
               </a:ext>
             </a:extLst>
           </p:cNvPr>
@@ -14417,18 +15641,165 @@
         </p:blipFill>
         <p:spPr>
           <a:xfrm>
-            <a:off x="10881812" y="6101913"/>
-            <a:ext cx="1100546" cy="578859"/>
+            <a:off x="10284905" y="5787957"/>
+            <a:ext cx="1697453" cy="892816"/>
           </a:xfrm>
           <a:prstGeom prst="rect">
             <a:avLst/>
           </a:prstGeom>
         </p:spPr>
       </p:pic>
+      <p:sp>
+        <p:nvSpPr>
+          <p:cNvPr id="2" name="ZoneTexte 1">
+            <a:extLst>
+              <a:ext uri="{FF2B5EF4-FFF2-40B4-BE49-F238E27FC236}">
+                <a16:creationId xmlns:a16="http://schemas.microsoft.com/office/drawing/2014/main" id="{9914CF36-3F05-4278-9C33-426A522E764C}"/>
+              </a:ext>
+            </a:extLst>
+          </p:cNvPr>
+          <p:cNvSpPr txBox="1"/>
+          <p:nvPr/>
+        </p:nvSpPr>
+        <p:spPr>
+          <a:xfrm>
+            <a:off x="3019425" y="2493405"/>
+            <a:ext cx="5095875" cy="830997"/>
+          </a:xfrm>
+          <a:prstGeom prst="rect">
+            <a:avLst/>
+          </a:prstGeom>
+          <a:noFill/>
+        </p:spPr>
+        <p:txBody>
+          <a:bodyPr wrap="square" rtlCol="0">
+            <a:spAutoFit/>
+          </a:bodyPr>
+          <a:lstStyle/>
+          <a:p>
+            <a:r>
+              <a:rPr lang="fr-FR" sz="2400" dirty="0"/>
+              <a:t>- Si commande en cours :</a:t>
+            </a:r>
+          </a:p>
+          <a:p>
+            <a:r>
+              <a:rPr lang="fr-FR" sz="2400" dirty="0"/>
+              <a:t>Confirmation ou non du panier</a:t>
+            </a:r>
+          </a:p>
+        </p:txBody>
+      </p:sp>
+      <p:sp>
+        <p:nvSpPr>
+          <p:cNvPr id="6" name="ZoneTexte 5">
+            <a:extLst>
+              <a:ext uri="{FF2B5EF4-FFF2-40B4-BE49-F238E27FC236}">
+                <a16:creationId xmlns:a16="http://schemas.microsoft.com/office/drawing/2014/main" id="{E576E5CB-6710-4B77-981C-287D069D5B34}"/>
+              </a:ext>
+            </a:extLst>
+          </p:cNvPr>
+          <p:cNvSpPr txBox="1"/>
+          <p:nvPr/>
+        </p:nvSpPr>
+        <p:spPr>
+          <a:xfrm>
+            <a:off x="279832" y="265313"/>
+            <a:ext cx="7989902" cy="646331"/>
+          </a:xfrm>
+          <a:prstGeom prst="rect">
+            <a:avLst/>
+          </a:prstGeom>
+          <a:noFill/>
+        </p:spPr>
+        <p:txBody>
+          <a:bodyPr wrap="square" rtlCol="0">
+            <a:spAutoFit/>
+          </a:bodyPr>
+          <a:lstStyle/>
+          <a:p>
+            <a:r>
+              <a:rPr lang="fr-FR" sz="3600" b="1" dirty="0">
+                <a:effectLst>
+                  <a:outerShdw blurRad="38100" dist="38100" dir="2700000" algn="tl">
+                    <a:srgbClr val="000000">
+                      <a:alpha val="43137"/>
+                    </a:srgbClr>
+                  </a:outerShdw>
+                </a:effectLst>
+              </a:rPr>
+              <a:t>TEST UNITAIRE</a:t>
+            </a:r>
+          </a:p>
+        </p:txBody>
+      </p:sp>
+      <p:sp>
+        <p:nvSpPr>
+          <p:cNvPr id="7" name="Rectangle : coins arrondis 6">
+            <a:extLst>
+              <a:ext uri="{FF2B5EF4-FFF2-40B4-BE49-F238E27FC236}">
+                <a16:creationId xmlns:a16="http://schemas.microsoft.com/office/drawing/2014/main" id="{7EE02B64-2954-4269-8C27-6C3F084A3942}"/>
+              </a:ext>
+            </a:extLst>
+          </p:cNvPr>
+          <p:cNvSpPr/>
+          <p:nvPr/>
+        </p:nvSpPr>
+        <p:spPr>
+          <a:xfrm>
+            <a:off x="2294172" y="1292892"/>
+            <a:ext cx="6364054" cy="819265"/>
+          </a:xfrm>
+          <a:prstGeom prst="roundRect">
+            <a:avLst/>
+          </a:prstGeom>
+          <a:solidFill>
+            <a:schemeClr val="bg2">
+              <a:lumMod val="90000"/>
+            </a:schemeClr>
+          </a:solidFill>
+          <a:ln>
+            <a:solidFill>
+              <a:schemeClr val="bg1">
+                <a:lumMod val="75000"/>
+              </a:schemeClr>
+            </a:solidFill>
+          </a:ln>
+        </p:spPr>
+        <p:style>
+          <a:lnRef idx="2">
+            <a:schemeClr val="accent1">
+              <a:shade val="50000"/>
+            </a:schemeClr>
+          </a:lnRef>
+          <a:fillRef idx="1">
+            <a:schemeClr val="accent1"/>
+          </a:fillRef>
+          <a:effectRef idx="0">
+            <a:schemeClr val="accent1"/>
+          </a:effectRef>
+          <a:fontRef idx="minor">
+            <a:schemeClr val="lt1"/>
+          </a:fontRef>
+        </p:style>
+        <p:txBody>
+          <a:bodyPr rtlCol="0" anchor="ctr"/>
+          <a:lstStyle/>
+          <a:p>
+            <a:pPr algn="ctr"/>
+            <a:r>
+              <a:rPr lang="fr-FR" sz="3600" dirty="0">
+                <a:latin typeface="+mj-lt"/>
+              </a:rPr>
+              <a:t>PAGE PANIER</a:t>
+            </a:r>
+          </a:p>
+        </p:txBody>
+      </p:sp>
     </p:spTree>
     <p:extLst>
       <p:ext uri="{BB962C8B-B14F-4D97-AF65-F5344CB8AC3E}">
-        <p14:creationId xmlns:p14="http://schemas.microsoft.com/office/powerpoint/2010/main" val="939791067"/>
+        <p14:creationId xmlns:p14="http://schemas.microsoft.com/office/powerpoint/2010/main" val="2004704464"/>
       </p:ext>
     </p:extLst>
   </p:cSld>
@@ -15054,19 +16425,27 @@
           <a:p>
             <a:r>
               <a:rPr lang="fr-FR" sz="2800" u="sng" dirty="0"/>
-              <a:t>Les éléments a développer :</a:t>
+              <a:t>Les éléments à développer :</a:t>
             </a:r>
           </a:p>
           <a:p>
             <a:r>
               <a:rPr lang="fr-FR" sz="2800" dirty="0"/>
-              <a:t>.Visualisation des nouveautés en page d’accueil et des promotions</a:t>
-            </a:r>
-          </a:p>
-          <a:p>
+              <a:t>.Visualisation des </a:t>
+            </a:r>
+            <a:r>
+              <a:rPr lang="fr-FR" sz="2800" dirty="0" err="1"/>
+              <a:t>nouveautées</a:t>
+            </a:r>
             <a:r>
               <a:rPr lang="fr-FR" sz="2800" dirty="0"/>
-              <a:t>.Visualisations des différents univers et sous catégorie</a:t>
+              <a:t> en page d’accueil et des promotions</a:t>
+            </a:r>
+          </a:p>
+          <a:p>
+            <a:r>
+              <a:rPr lang="fr-FR" sz="2800" dirty="0"/>
+              <a:t>.Visualisation des différents univers et sous catégories</a:t>
             </a:r>
           </a:p>
           <a:p>
@@ -15090,13 +16469,13 @@
           <a:p>
             <a:r>
               <a:rPr lang="fr-FR" sz="2800" dirty="0"/>
-              <a:t>.Visualisations de l’historiques des commandes</a:t>
+              <a:t>.Visualisation de l’historique des commandes</a:t>
             </a:r>
           </a:p>
           <a:p>
             <a:r>
               <a:rPr lang="fr-FR" sz="2800" dirty="0"/>
-              <a:t>.Possibilité de déconnexion du site</a:t>
+              <a:t>.Bouton de déconnexion du site</a:t>
             </a:r>
           </a:p>
           <a:p>
@@ -15579,8 +16958,8 @@
         </p:nvGrpSpPr>
         <p:grpSpPr>
           <a:xfrm>
-            <a:off x="621659" y="283777"/>
-            <a:ext cx="9848073" cy="6290446"/>
+            <a:off x="767673" y="947414"/>
+            <a:ext cx="9517232" cy="5434337"/>
             <a:chOff x="621659" y="177227"/>
             <a:chExt cx="9848073" cy="6290446"/>
           </a:xfrm>
@@ -19529,7 +20908,7 @@
         </p:blipFill>
         <p:spPr>
           <a:xfrm>
-            <a:off x="240991" y="1131048"/>
+            <a:off x="515762" y="1414558"/>
             <a:ext cx="10366050" cy="4599935"/>
           </a:xfrm>
           <a:prstGeom prst="rect">
@@ -19706,8 +21085,8 @@
         </p:nvSpPr>
         <p:spPr>
           <a:xfrm>
-            <a:off x="571407" y="2682270"/>
-            <a:ext cx="11410951" cy="1815882"/>
+            <a:off x="571407" y="3091845"/>
+            <a:ext cx="11410951" cy="1384995"/>
           </a:xfrm>
           <a:prstGeom prst="rect">
             <a:avLst/>
@@ -19728,9 +21107,10 @@
             </a:r>
           </a:p>
           <a:p>
-            <a:endParaRPr lang="fr-FR" sz="2800" u="sng" dirty="0">
-              <a:latin typeface="+mj-lt"/>
-            </a:endParaRPr>
+            <a:r>
+              <a:rPr lang="fr-FR" sz="2800" dirty="0"/>
+              <a:t>MCD / Merise - durée de la tâche : 4 heures</a:t>
+            </a:r>
           </a:p>
           <a:p>
             <a:r>
@@ -19744,14 +21124,6 @@
                 <a:latin typeface="+mj-lt"/>
               </a:rPr>
               <a:t> avec les tables réalisé - durée de la tâche : 4 heures</a:t>
-            </a:r>
-          </a:p>
-          <a:p>
-            <a:r>
-              <a:rPr lang="fr-FR" sz="2800" dirty="0">
-                <a:latin typeface="+mj-lt"/>
-              </a:rPr>
-              <a:t>MCD / Merise - durée de la tâche : 4 heures</a:t>
             </a:r>
           </a:p>
         </p:txBody>

--- a/Présentation UPOP.pptx
+++ b/Présentation UPOP.pptx
@@ -6942,7 +6942,7 @@
           <p:nvPr>
             <p:extLst>
               <p:ext uri="{D42A27DB-BD31-4B8C-83A1-F6EECF244321}">
-                <p14:modId xmlns:p14="http://schemas.microsoft.com/office/powerpoint/2010/main" val="2109109695"/>
+                <p14:modId xmlns:p14="http://schemas.microsoft.com/office/powerpoint/2010/main" val="341365432"/>
               </p:ext>
             </p:extLst>
           </p:nvPr>
@@ -7275,7 +7275,7 @@
                           <a:effectLst/>
                           <a:latin typeface="+mn-lt"/>
                         </a:rPr>
-                        <a:t>1h </a:t>
+                        <a:t>10h </a:t>
                       </a:r>
                       <a:endParaRPr lang="fr-FR" sz="2000" b="1" i="0" u="none" strike="noStrike" dirty="0">
                         <a:solidFill>
@@ -7368,7 +7368,7 @@
                           <a:effectLst/>
                           <a:latin typeface="+mn-lt"/>
                         </a:rPr>
-                        <a:t>13h</a:t>
+                        <a:t>6h</a:t>
                       </a:r>
                       <a:endParaRPr lang="fr-FR" sz="2000" b="1" i="0" u="none" strike="noStrike" dirty="0">
                         <a:solidFill>
@@ -7399,7 +7399,7 @@
                           <a:effectLst/>
                           <a:latin typeface="+mn-lt"/>
                         </a:rPr>
-                        <a:t>0h</a:t>
+                        <a:t>3h</a:t>
                       </a:r>
                       <a:endParaRPr lang="fr-FR" sz="2000" b="1" i="0" u="none" strike="noStrike" dirty="0">
                         <a:solidFill>
@@ -7430,7 +7430,7 @@
                           <a:effectLst/>
                           <a:latin typeface="+mn-lt"/>
                         </a:rPr>
-                        <a:t>4h</a:t>
+                        <a:t>2h</a:t>
                       </a:r>
                       <a:endParaRPr lang="fr-FR" sz="2000" b="1" i="0" u="none" strike="noStrike" dirty="0">
                         <a:solidFill>
@@ -7499,7 +7499,7 @@
                           <a:effectLst/>
                           <a:latin typeface="+mn-lt"/>
                         </a:rPr>
-                        <a:t>16h</a:t>
+                        <a:t>12h</a:t>
                       </a:r>
                       <a:endParaRPr lang="fr-FR" sz="2000" b="1" i="0" u="none" strike="noStrike" dirty="0">
                         <a:solidFill>
@@ -7554,7 +7554,7 @@
                           <a:effectLst/>
                           <a:latin typeface="+mn-lt"/>
                         </a:rPr>
-                        <a:t>0h</a:t>
+                        <a:t>5h</a:t>
                       </a:r>
                       <a:endParaRPr lang="fr-FR" sz="2000" b="1" i="0" u="none" strike="noStrike" dirty="0">
                         <a:solidFill>
@@ -7585,7 +7585,7 @@
                           <a:effectLst/>
                           <a:latin typeface="+mn-lt"/>
                         </a:rPr>
-                        <a:t>10h</a:t>
+                        <a:t>3h</a:t>
                       </a:r>
                       <a:endParaRPr lang="fr-FR" sz="2000" b="1" i="0" u="none" strike="noStrike" dirty="0">
                         <a:solidFill>
@@ -7647,7 +7647,7 @@
                           <a:effectLst/>
                           <a:latin typeface="+mn-lt"/>
                         </a:rPr>
-                        <a:t>3h</a:t>
+                        <a:t>2h</a:t>
                       </a:r>
                       <a:endParaRPr lang="fr-FR" sz="2000" b="1" i="0" u="none" strike="noStrike" dirty="0">
                         <a:solidFill>
@@ -7778,7 +7778,7 @@
                           <a:effectLst/>
                           <a:latin typeface="+mn-lt"/>
                         </a:rPr>
-                        <a:t>15h</a:t>
+                        <a:t>7h</a:t>
                       </a:r>
                       <a:endParaRPr lang="fr-FR" sz="2000" b="1" i="0" u="none" strike="noStrike" dirty="0">
                         <a:solidFill>
@@ -7840,7 +7840,7 @@
                           <a:effectLst/>
                           <a:latin typeface="+mn-lt"/>
                         </a:rPr>
-                        <a:t>12h</a:t>
+                        <a:t>9h</a:t>
                       </a:r>
                       <a:endParaRPr lang="fr-FR" sz="2000" b="1" i="0" u="none" strike="noStrike" dirty="0">
                         <a:solidFill>
@@ -8102,7 +8102,7 @@
                           <a:effectLst/>
                           <a:latin typeface="+mn-lt"/>
                         </a:rPr>
-                        <a:t>5h</a:t>
+                        <a:t>2h</a:t>
                       </a:r>
                       <a:endParaRPr lang="fr-FR" sz="2000" b="1" i="0" u="none" strike="noStrike" dirty="0">
                         <a:solidFill>
@@ -8167,19 +8167,15 @@
                     <a:p>
                       <a:pPr algn="ctr" fontAlgn="ctr"/>
                       <a:r>
-                        <a:rPr lang="fr-FR" sz="2000" b="1" u="none" strike="noStrike" dirty="0">
+                        <a:rPr lang="fr-FR" sz="2000" b="1" i="0" u="none" strike="noStrike" dirty="0">
+                          <a:solidFill>
+                            <a:srgbClr val="000000"/>
+                          </a:solidFill>
                           <a:effectLst/>
                           <a:latin typeface="+mn-lt"/>
                         </a:rPr>
-                        <a:t>0h</a:t>
+                        <a:t>2h</a:t>
                       </a:r>
-                      <a:endParaRPr lang="fr-FR" sz="2000" b="1" i="0" u="none" strike="noStrike" dirty="0">
-                        <a:solidFill>
-                          <a:srgbClr val="000000"/>
-                        </a:solidFill>
-                        <a:effectLst/>
-                        <a:latin typeface="+mn-lt"/>
-                      </a:endParaRPr>
                     </a:p>
                   </a:txBody>
                   <a:tcPr marL="6350" marR="6350" marT="6350" marB="0" anchor="ctr">
@@ -8233,7 +8229,7 @@
                           <a:effectLst/>
                           <a:latin typeface="+mn-lt"/>
                         </a:rPr>
-                        <a:t>9h</a:t>
+                        <a:t>10h</a:t>
                       </a:r>
                       <a:endParaRPr lang="fr-FR" sz="2000" b="1" i="0" u="none" strike="noStrike" dirty="0">
                         <a:solidFill>
@@ -8264,7 +8260,7 @@
                           <a:effectLst/>
                           <a:latin typeface="+mn-lt"/>
                         </a:rPr>
-                        <a:t>4h</a:t>
+                        <a:t>16h</a:t>
                       </a:r>
                       <a:endParaRPr lang="fr-FR" sz="2000" b="1" i="0" u="none" strike="noStrike" dirty="0">
                         <a:solidFill>
@@ -8326,7 +8322,7 @@
                           <a:effectLst/>
                           <a:latin typeface="+mn-lt"/>
                         </a:rPr>
-                        <a:t>6h</a:t>
+                        <a:t>12h</a:t>
                       </a:r>
                       <a:endParaRPr lang="fr-FR" sz="2000" b="1" i="0" u="none" strike="noStrike" dirty="0">
                         <a:solidFill>
@@ -8395,7 +8391,7 @@
                           <a:effectLst/>
                           <a:latin typeface="+mn-lt"/>
                         </a:rPr>
-                        <a:t>0h</a:t>
+                        <a:t>3h</a:t>
                       </a:r>
                       <a:endParaRPr lang="fr-FR" sz="2000" b="1" i="0" u="none" strike="noStrike" dirty="0">
                         <a:solidFill>
@@ -8457,7 +8453,7 @@
                           <a:effectLst/>
                           <a:latin typeface="+mn-lt"/>
                         </a:rPr>
-                        <a:t>7h</a:t>
+                        <a:t>9h</a:t>
                       </a:r>
                       <a:endParaRPr lang="fr-FR" sz="2000" b="1" i="0" u="none" strike="noStrike" dirty="0">
                         <a:solidFill>
@@ -8488,7 +8484,7 @@
                           <a:effectLst/>
                           <a:latin typeface="+mn-lt"/>
                         </a:rPr>
-                        <a:t>6h</a:t>
+                        <a:t>8h</a:t>
                       </a:r>
                       <a:endParaRPr lang="fr-FR" sz="2000" b="1" i="0" u="none" strike="noStrike" dirty="0">
                         <a:solidFill>
@@ -11044,15 +11040,7 @@
           <a:p>
             <a:r>
               <a:rPr lang="fr-FR" sz="2200" dirty="0"/>
-              <a:t>.Visualisation des </a:t>
-            </a:r>
-            <a:r>
-              <a:rPr lang="fr-FR" sz="2200" dirty="0" err="1"/>
-              <a:t>nouveautées</a:t>
-            </a:r>
-            <a:r>
-              <a:rPr lang="fr-FR" sz="2200" dirty="0"/>
-              <a:t> en page d’accueil</a:t>
+              <a:t>.Visualisation des nouveautés en page d’accueil</a:t>
             </a:r>
           </a:p>
           <a:p>
@@ -13054,8 +13042,8 @@
         </p:nvSpPr>
         <p:spPr>
           <a:xfrm rot="15663506">
-            <a:off x="10626048" y="1092871"/>
-            <a:ext cx="617482" cy="697851"/>
+            <a:off x="10643857" y="1107193"/>
+            <a:ext cx="616425" cy="662697"/>
           </a:xfrm>
           <a:prstGeom prst="arc">
             <a:avLst>
@@ -17409,7 +17397,7 @@
                   </a:outerShdw>
                 </a:effectLst>
               </a:rPr>
-              <a:t>Structure du Site Web</a:t>
+              <a:t>  Structure du Site Web</a:t>
             </a:r>
           </a:p>
         </p:txBody>

--- a/Présentation UPOP.pptx
+++ b/Présentation UPOP.pptx
@@ -5,7 +5,7 @@
     <p:sldMasterId id="2147483660" r:id="rId1"/>
   </p:sldMasterIdLst>
   <p:notesMasterIdLst>
-    <p:notesMasterId r:id="rId19"/>
+    <p:notesMasterId r:id="rId18"/>
   </p:notesMasterIdLst>
   <p:sldIdLst>
     <p:sldId id="256" r:id="rId2"/>
@@ -17,14 +17,13 @@
     <p:sldId id="310" r:id="rId8"/>
     <p:sldId id="307" r:id="rId9"/>
     <p:sldId id="306" r:id="rId10"/>
-    <p:sldId id="309" r:id="rId11"/>
-    <p:sldId id="305" r:id="rId12"/>
-    <p:sldId id="314" r:id="rId13"/>
-    <p:sldId id="285" r:id="rId14"/>
-    <p:sldId id="272" r:id="rId15"/>
-    <p:sldId id="286" r:id="rId16"/>
-    <p:sldId id="287" r:id="rId17"/>
-    <p:sldId id="313" r:id="rId18"/>
+    <p:sldId id="314" r:id="rId11"/>
+    <p:sldId id="285" r:id="rId12"/>
+    <p:sldId id="272" r:id="rId13"/>
+    <p:sldId id="286" r:id="rId14"/>
+    <p:sldId id="287" r:id="rId15"/>
+    <p:sldId id="313" r:id="rId16"/>
+    <p:sldId id="315" r:id="rId17"/>
   </p:sldIdLst>
   <p:sldSz cx="12192000" cy="6858000"/>
   <p:notesSz cx="6858000" cy="9144000"/>
@@ -6601,316 +6600,6 @@
 </file>
 
 <file path=ppt/slides/slide10.xml><?xml version="1.0" encoding="utf-8"?>
-<p:sld xmlns:a="http://schemas.openxmlformats.org/drawingml/2006/main" xmlns:r="http://schemas.openxmlformats.org/officeDocument/2006/relationships" xmlns:p="http://schemas.openxmlformats.org/presentationml/2006/main">
-  <p:cSld>
-    <p:spTree>
-      <p:nvGrpSpPr>
-        <p:cNvPr id="1" name=""/>
-        <p:cNvGrpSpPr/>
-        <p:nvPr/>
-      </p:nvGrpSpPr>
-      <p:grpSpPr>
-        <a:xfrm>
-          <a:off x="0" y="0"/>
-          <a:ext cx="0" cy="0"/>
-          <a:chOff x="0" y="0"/>
-          <a:chExt cx="0" cy="0"/>
-        </a:xfrm>
-      </p:grpSpPr>
-      <p:sp>
-        <p:nvSpPr>
-          <p:cNvPr id="9" name="Rectangle 8">
-            <a:extLst>
-              <a:ext uri="{FF2B5EF4-FFF2-40B4-BE49-F238E27FC236}">
-                <a16:creationId xmlns:a16="http://schemas.microsoft.com/office/drawing/2014/main" id="{89FEEBA6-AD1F-4F30-93D1-16D5D9385778}"/>
-              </a:ext>
-            </a:extLst>
-          </p:cNvPr>
-          <p:cNvSpPr/>
-          <p:nvPr/>
-        </p:nvSpPr>
-        <p:spPr>
-          <a:xfrm>
-            <a:off x="0" y="0"/>
-            <a:ext cx="2130641" cy="834501"/>
-          </a:xfrm>
-          <a:prstGeom prst="rect">
-            <a:avLst/>
-          </a:prstGeom>
-          <a:noFill/>
-          <a:ln>
-            <a:noFill/>
-          </a:ln>
-        </p:spPr>
-        <p:style>
-          <a:lnRef idx="2">
-            <a:schemeClr val="accent1">
-              <a:shade val="50000"/>
-            </a:schemeClr>
-          </a:lnRef>
-          <a:fillRef idx="1">
-            <a:schemeClr val="accent1"/>
-          </a:fillRef>
-          <a:effectRef idx="0">
-            <a:schemeClr val="accent1"/>
-          </a:effectRef>
-          <a:fontRef idx="minor">
-            <a:schemeClr val="lt1"/>
-          </a:fontRef>
-        </p:style>
-        <p:txBody>
-          <a:bodyPr rtlCol="0" anchor="ctr"/>
-          <a:lstStyle/>
-          <a:p>
-            <a:pPr algn="ctr"/>
-            <a:r>
-              <a:rPr lang="fr-FR" sz="3600" dirty="0"/>
-              <a:t>GitHub:</a:t>
-            </a:r>
-          </a:p>
-        </p:txBody>
-      </p:sp>
-      <p:pic>
-        <p:nvPicPr>
-          <p:cNvPr id="5" name="Image 4" descr="Une image contenant capture d’écran&#10;&#10;Description générée avec un niveau de confiance très élevé">
-            <a:extLst>
-              <a:ext uri="{FF2B5EF4-FFF2-40B4-BE49-F238E27FC236}">
-                <a16:creationId xmlns:a16="http://schemas.microsoft.com/office/drawing/2014/main" id="{AA489339-79C7-442A-8069-D0BCF121F720}"/>
-              </a:ext>
-            </a:extLst>
-          </p:cNvPr>
-          <p:cNvPicPr>
-            <a:picLocks noChangeAspect="1"/>
-          </p:cNvPicPr>
-          <p:nvPr/>
-        </p:nvPicPr>
-        <p:blipFill>
-          <a:blip r:embed="rId2">
-            <a:extLst>
-              <a:ext uri="{28A0092B-C50C-407E-A947-70E740481C1C}">
-                <a14:useLocalDpi xmlns:a14="http://schemas.microsoft.com/office/drawing/2010/main" val="0"/>
-              </a:ext>
-            </a:extLst>
-          </a:blip>
-          <a:stretch>
-            <a:fillRect/>
-          </a:stretch>
-        </p:blipFill>
-        <p:spPr>
-          <a:xfrm>
-            <a:off x="1952625" y="761476"/>
-            <a:ext cx="8394163" cy="5896060"/>
-          </a:xfrm>
-          <a:prstGeom prst="rect">
-            <a:avLst/>
-          </a:prstGeom>
-        </p:spPr>
-      </p:pic>
-      <p:pic>
-        <p:nvPicPr>
-          <p:cNvPr id="4" name="Image 3">
-            <a:extLst>
-              <a:ext uri="{FF2B5EF4-FFF2-40B4-BE49-F238E27FC236}">
-                <a16:creationId xmlns:a16="http://schemas.microsoft.com/office/drawing/2014/main" id="{6AFB6E0B-6335-4718-B486-BBFAA826533F}"/>
-              </a:ext>
-            </a:extLst>
-          </p:cNvPr>
-          <p:cNvPicPr>
-            <a:picLocks noChangeAspect="1"/>
-          </p:cNvPicPr>
-          <p:nvPr/>
-        </p:nvPicPr>
-        <p:blipFill>
-          <a:blip r:embed="rId3">
-            <a:extLst>
-              <a:ext uri="{28A0092B-C50C-407E-A947-70E740481C1C}">
-                <a14:useLocalDpi xmlns:a14="http://schemas.microsoft.com/office/drawing/2010/main" val="0"/>
-              </a:ext>
-            </a:extLst>
-          </a:blip>
-          <a:stretch>
-            <a:fillRect/>
-          </a:stretch>
-        </p:blipFill>
-        <p:spPr>
-          <a:xfrm>
-            <a:off x="10881812" y="6101913"/>
-            <a:ext cx="1100546" cy="578859"/>
-          </a:xfrm>
-          <a:prstGeom prst="rect">
-            <a:avLst/>
-          </a:prstGeom>
-        </p:spPr>
-      </p:pic>
-    </p:spTree>
-    <p:extLst>
-      <p:ext uri="{BB962C8B-B14F-4D97-AF65-F5344CB8AC3E}">
-        <p14:creationId xmlns:p14="http://schemas.microsoft.com/office/powerpoint/2010/main" val="371656534"/>
-      </p:ext>
-    </p:extLst>
-  </p:cSld>
-  <p:clrMapOvr>
-    <a:masterClrMapping/>
-  </p:clrMapOvr>
-</p:sld>
-</file>
-
-<file path=ppt/slides/slide11.xml><?xml version="1.0" encoding="utf-8"?>
-<p:sld xmlns:a="http://schemas.openxmlformats.org/drawingml/2006/main" xmlns:r="http://schemas.openxmlformats.org/officeDocument/2006/relationships" xmlns:p="http://schemas.openxmlformats.org/presentationml/2006/main">
-  <p:cSld>
-    <p:spTree>
-      <p:nvGrpSpPr>
-        <p:cNvPr id="1" name=""/>
-        <p:cNvGrpSpPr/>
-        <p:nvPr/>
-      </p:nvGrpSpPr>
-      <p:grpSpPr>
-        <a:xfrm>
-          <a:off x="0" y="0"/>
-          <a:ext cx="0" cy="0"/>
-          <a:chOff x="0" y="0"/>
-          <a:chExt cx="0" cy="0"/>
-        </a:xfrm>
-      </p:grpSpPr>
-      <p:pic>
-        <p:nvPicPr>
-          <p:cNvPr id="17" name="Image 16">
-            <a:extLst>
-              <a:ext uri="{FF2B5EF4-FFF2-40B4-BE49-F238E27FC236}">
-                <a16:creationId xmlns:a16="http://schemas.microsoft.com/office/drawing/2014/main" id="{2993D104-FB30-47CA-BF82-3403202227E6}"/>
-              </a:ext>
-            </a:extLst>
-          </p:cNvPr>
-          <p:cNvPicPr>
-            <a:picLocks noChangeAspect="1"/>
-          </p:cNvPicPr>
-          <p:nvPr/>
-        </p:nvPicPr>
-        <p:blipFill>
-          <a:blip r:embed="rId2">
-            <a:extLst>
-              <a:ext uri="{28A0092B-C50C-407E-A947-70E740481C1C}">
-                <a14:useLocalDpi xmlns:a14="http://schemas.microsoft.com/office/drawing/2010/main" val="0"/>
-              </a:ext>
-            </a:extLst>
-          </a:blip>
-          <a:stretch>
-            <a:fillRect/>
-          </a:stretch>
-        </p:blipFill>
-        <p:spPr>
-          <a:xfrm>
-            <a:off x="10881812" y="6101913"/>
-            <a:ext cx="1100546" cy="578859"/>
-          </a:xfrm>
-          <a:prstGeom prst="rect">
-            <a:avLst/>
-          </a:prstGeom>
-        </p:spPr>
-      </p:pic>
-      <p:pic>
-        <p:nvPicPr>
-          <p:cNvPr id="4" name="Image 3">
-            <a:extLst>
-              <a:ext uri="{FF2B5EF4-FFF2-40B4-BE49-F238E27FC236}">
-                <a16:creationId xmlns:a16="http://schemas.microsoft.com/office/drawing/2014/main" id="{45543671-5EA0-47FE-8CED-D1ABB25D0763}"/>
-              </a:ext>
-            </a:extLst>
-          </p:cNvPr>
-          <p:cNvPicPr>
-            <a:picLocks noChangeAspect="1"/>
-          </p:cNvPicPr>
-          <p:nvPr/>
-        </p:nvPicPr>
-        <p:blipFill>
-          <a:blip r:embed="rId3">
-            <a:extLst>
-              <a:ext uri="{28A0092B-C50C-407E-A947-70E740481C1C}">
-                <a14:useLocalDpi xmlns:a14="http://schemas.microsoft.com/office/drawing/2010/main" val="0"/>
-              </a:ext>
-            </a:extLst>
-          </a:blip>
-          <a:stretch>
-            <a:fillRect/>
-          </a:stretch>
-        </p:blipFill>
-        <p:spPr>
-          <a:xfrm>
-            <a:off x="1376273" y="669265"/>
-            <a:ext cx="8424951" cy="6011507"/>
-          </a:xfrm>
-          <a:prstGeom prst="rect">
-            <a:avLst/>
-          </a:prstGeom>
-        </p:spPr>
-      </p:pic>
-      <p:sp>
-        <p:nvSpPr>
-          <p:cNvPr id="5" name="Rectangle 4">
-            <a:extLst>
-              <a:ext uri="{FF2B5EF4-FFF2-40B4-BE49-F238E27FC236}">
-                <a16:creationId xmlns:a16="http://schemas.microsoft.com/office/drawing/2014/main" id="{31D9109B-1F7C-4959-9CC0-B0A8CCE40715}"/>
-              </a:ext>
-            </a:extLst>
-          </p:cNvPr>
-          <p:cNvSpPr/>
-          <p:nvPr/>
-        </p:nvSpPr>
-        <p:spPr>
-          <a:xfrm>
-            <a:off x="-647700" y="-95250"/>
-            <a:ext cx="5210175" cy="834501"/>
-          </a:xfrm>
-          <a:prstGeom prst="rect">
-            <a:avLst/>
-          </a:prstGeom>
-          <a:noFill/>
-          <a:ln>
-            <a:noFill/>
-          </a:ln>
-        </p:spPr>
-        <p:style>
-          <a:lnRef idx="2">
-            <a:schemeClr val="accent1">
-              <a:shade val="50000"/>
-            </a:schemeClr>
-          </a:lnRef>
-          <a:fillRef idx="1">
-            <a:schemeClr val="accent1"/>
-          </a:fillRef>
-          <a:effectRef idx="0">
-            <a:schemeClr val="accent1"/>
-          </a:effectRef>
-          <a:fontRef idx="minor">
-            <a:schemeClr val="lt1"/>
-          </a:fontRef>
-        </p:style>
-        <p:txBody>
-          <a:bodyPr rtlCol="0" anchor="ctr"/>
-          <a:lstStyle/>
-          <a:p>
-            <a:pPr algn="ctr"/>
-            <a:r>
-              <a:rPr lang="fr-FR" sz="3600" dirty="0"/>
-              <a:t>Extrait de la BDD</a:t>
-            </a:r>
-          </a:p>
-        </p:txBody>
-      </p:sp>
-    </p:spTree>
-    <p:extLst>
-      <p:ext uri="{BB962C8B-B14F-4D97-AF65-F5344CB8AC3E}">
-        <p14:creationId xmlns:p14="http://schemas.microsoft.com/office/powerpoint/2010/main" val="3508179667"/>
-      </p:ext>
-    </p:extLst>
-  </p:cSld>
-  <p:clrMapOvr>
-    <a:masterClrMapping/>
-  </p:clrMapOvr>
-</p:sld>
-</file>
-
-<file path=ppt/slides/slide12.xml><?xml version="1.0" encoding="utf-8"?>
 <p:sld xmlns:a="http://schemas.openxmlformats.org/drawingml/2006/main" xmlns:r="http://schemas.openxmlformats.org/officeDocument/2006/relationships" xmlns:p="http://schemas.openxmlformats.org/presentationml/2006/main">
   <p:cSld>
     <p:spTree>
@@ -8876,7 +8565,7 @@
 </p:sld>
 </file>
 
-<file path=ppt/slides/slide13.xml><?xml version="1.0" encoding="utf-8"?>
+<file path=ppt/slides/slide11.xml><?xml version="1.0" encoding="utf-8"?>
 <p:sld xmlns:a="http://schemas.openxmlformats.org/drawingml/2006/main" xmlns:r="http://schemas.openxmlformats.org/officeDocument/2006/relationships" xmlns:p="http://schemas.openxmlformats.org/presentationml/2006/main">
   <p:cSld>
     <p:spTree>
@@ -9176,7 +8865,7 @@
 </p:sld>
 </file>
 
-<file path=ppt/slides/slide14.xml><?xml version="1.0" encoding="utf-8"?>
+<file path=ppt/slides/slide12.xml><?xml version="1.0" encoding="utf-8"?>
 <p:sld xmlns:a="http://schemas.openxmlformats.org/drawingml/2006/main" xmlns:r="http://schemas.openxmlformats.org/officeDocument/2006/relationships" xmlns:p="http://schemas.openxmlformats.org/presentationml/2006/main">
   <p:cSld>
     <p:spTree>
@@ -9427,7 +9116,7 @@
 </p:sld>
 </file>
 
-<file path=ppt/slides/slide15.xml><?xml version="1.0" encoding="utf-8"?>
+<file path=ppt/slides/slide13.xml><?xml version="1.0" encoding="utf-8"?>
 <p:sld xmlns:a="http://schemas.openxmlformats.org/drawingml/2006/main" xmlns:r="http://schemas.openxmlformats.org/officeDocument/2006/relationships" xmlns:p="http://schemas.openxmlformats.org/presentationml/2006/main">
   <p:cSld>
     <p:spTree>
@@ -9648,7 +9337,7 @@
 </p:sld>
 </file>
 
-<file path=ppt/slides/slide16.xml><?xml version="1.0" encoding="utf-8"?>
+<file path=ppt/slides/slide14.xml><?xml version="1.0" encoding="utf-8"?>
 <p:sld xmlns:a="http://schemas.openxmlformats.org/drawingml/2006/main" xmlns:r="http://schemas.openxmlformats.org/officeDocument/2006/relationships" xmlns:p="http://schemas.openxmlformats.org/presentationml/2006/main">
   <p:cSld>
     <p:spTree>
@@ -9861,7 +9550,7 @@
 </p:sld>
 </file>
 
-<file path=ppt/slides/slide17.xml><?xml version="1.0" encoding="utf-8"?>
+<file path=ppt/slides/slide15.xml><?xml version="1.0" encoding="utf-8"?>
 <p:sld xmlns:a="http://schemas.openxmlformats.org/drawingml/2006/main" xmlns:r="http://schemas.openxmlformats.org/officeDocument/2006/relationships" xmlns:p="http://schemas.openxmlformats.org/presentationml/2006/main">
   <p:cSld>
     <p:spTree>
@@ -9893,7 +9582,7 @@
         <p:spPr>
           <a:xfrm>
             <a:off x="2000249" y="2844225"/>
-            <a:ext cx="7696201" cy="1569660"/>
+            <a:ext cx="7696201" cy="584775"/>
           </a:xfrm>
           <a:prstGeom prst="rect">
             <a:avLst/>
@@ -9908,16 +9597,18 @@
           <a:p>
             <a:pPr algn="ctr"/>
             <a:r>
+              <a:rPr lang="fr-FR" sz="3200" dirty="0" err="1"/>
+              <a:t>Demo</a:t>
+            </a:r>
+            <a:r>
               <a:rPr lang="fr-FR" sz="3200" dirty="0"/>
-              <a:t>Merci pour votre écoute de la présentation du projet</a:t>
-            </a:r>
-          </a:p>
-          <a:p>
-            <a:pPr algn="ctr"/>
-            <a:r>
-              <a:rPr lang="fr-FR" sz="3200" dirty="0"/>
-              <a:t> </a:t>
-            </a:r>
+              <a:t> Site </a:t>
+            </a:r>
+            <a:r>
+              <a:rPr lang="fr-FR" sz="3200" dirty="0" err="1"/>
+              <a:t>U’Pop</a:t>
+            </a:r>
+            <a:endParaRPr lang="fr-FR" sz="3200" dirty="0"/>
           </a:p>
         </p:txBody>
       </p:sp>
@@ -9961,6 +9652,108 @@
     <p:extLst>
       <p:ext uri="{BB962C8B-B14F-4D97-AF65-F5344CB8AC3E}">
         <p14:creationId xmlns:p14="http://schemas.microsoft.com/office/powerpoint/2010/main" val="1804370703"/>
+      </p:ext>
+    </p:extLst>
+  </p:cSld>
+  <p:clrMapOvr>
+    <a:masterClrMapping/>
+  </p:clrMapOvr>
+</p:sld>
+</file>
+
+<file path=ppt/slides/slide16.xml><?xml version="1.0" encoding="utf-8"?>
+<p:sld xmlns:a="http://schemas.openxmlformats.org/drawingml/2006/main" xmlns:r="http://schemas.openxmlformats.org/officeDocument/2006/relationships" xmlns:p="http://schemas.openxmlformats.org/presentationml/2006/main">
+  <p:cSld>
+    <p:spTree>
+      <p:nvGrpSpPr>
+        <p:cNvPr id="1" name=""/>
+        <p:cNvGrpSpPr/>
+        <p:nvPr/>
+      </p:nvGrpSpPr>
+      <p:grpSpPr>
+        <a:xfrm>
+          <a:off x="0" y="0"/>
+          <a:ext cx="0" cy="0"/>
+          <a:chOff x="0" y="0"/>
+          <a:chExt cx="0" cy="0"/>
+        </a:xfrm>
+      </p:grpSpPr>
+      <p:sp>
+        <p:nvSpPr>
+          <p:cNvPr id="5" name="ZoneTexte 4">
+            <a:extLst>
+              <a:ext uri="{FF2B5EF4-FFF2-40B4-BE49-F238E27FC236}">
+                <a16:creationId xmlns:a16="http://schemas.microsoft.com/office/drawing/2014/main" id="{AC6BA5C2-1BC2-4C53-ABF7-5241C421C681}"/>
+              </a:ext>
+            </a:extLst>
+          </p:cNvPr>
+          <p:cNvSpPr txBox="1"/>
+          <p:nvPr/>
+        </p:nvSpPr>
+        <p:spPr>
+          <a:xfrm>
+            <a:off x="2000249" y="2844225"/>
+            <a:ext cx="7696201" cy="584775"/>
+          </a:xfrm>
+          <a:prstGeom prst="rect">
+            <a:avLst/>
+          </a:prstGeom>
+          <a:noFill/>
+        </p:spPr>
+        <p:txBody>
+          <a:bodyPr wrap="square" rtlCol="0">
+            <a:spAutoFit/>
+          </a:bodyPr>
+          <a:lstStyle/>
+          <a:p>
+            <a:pPr algn="ctr"/>
+            <a:r>
+              <a:rPr lang="fr-FR" sz="3200" dirty="0"/>
+              <a:t>Merci pour votre écoute.</a:t>
+            </a:r>
+          </a:p>
+        </p:txBody>
+      </p:sp>
+      <p:pic>
+        <p:nvPicPr>
+          <p:cNvPr id="3" name="Image 2">
+            <a:extLst>
+              <a:ext uri="{FF2B5EF4-FFF2-40B4-BE49-F238E27FC236}">
+                <a16:creationId xmlns:a16="http://schemas.microsoft.com/office/drawing/2014/main" id="{EE701060-834F-4421-A445-F61E56EB03B5}"/>
+              </a:ext>
+            </a:extLst>
+          </p:cNvPr>
+          <p:cNvPicPr>
+            <a:picLocks noChangeAspect="1"/>
+          </p:cNvPicPr>
+          <p:nvPr/>
+        </p:nvPicPr>
+        <p:blipFill>
+          <a:blip r:embed="rId2">
+            <a:extLst>
+              <a:ext uri="{28A0092B-C50C-407E-A947-70E740481C1C}">
+                <a14:useLocalDpi xmlns:a14="http://schemas.microsoft.com/office/drawing/2010/main" val="0"/>
+              </a:ext>
+            </a:extLst>
+          </a:blip>
+          <a:stretch>
+            <a:fillRect/>
+          </a:stretch>
+        </p:blipFill>
+        <p:spPr>
+          <a:xfrm>
+            <a:off x="10881812" y="6101913"/>
+            <a:ext cx="1100546" cy="578859"/>
+          </a:xfrm>
+          <a:prstGeom prst="rect">
+            <a:avLst/>
+          </a:prstGeom>
+        </p:spPr>
+      </p:pic>
+    </p:spTree>
+    <p:extLst>
+      <p:ext uri="{BB962C8B-B14F-4D97-AF65-F5344CB8AC3E}">
+        <p14:creationId xmlns:p14="http://schemas.microsoft.com/office/powerpoint/2010/main" val="2692101356"/>
       </p:ext>
     </p:extLst>
   </p:cSld>
@@ -10592,13 +10385,13 @@
           <a:p>
             <a:r>
               <a:rPr lang="fr-FR" sz="2200" dirty="0"/>
-              <a:t>Nombre de journée travaillée : 7</a:t>
+              <a:t>Nombre de journée travaillée : 5</a:t>
             </a:r>
           </a:p>
           <a:p>
             <a:r>
               <a:rPr lang="fr-FR" sz="2200" dirty="0"/>
-              <a:t>Nombre de journée teste : 1</a:t>
+              <a:t>Dont une journée de test.</a:t>
             </a:r>
           </a:p>
           <a:p>
@@ -13155,7 +12948,7 @@
         <p:spPr>
           <a:xfrm>
             <a:off x="3312672" y="2361941"/>
-            <a:ext cx="4455289" cy="2718306"/>
+            <a:ext cx="5236524" cy="3266502"/>
           </a:xfrm>
           <a:prstGeom prst="roundRect">
             <a:avLst/>
@@ -13213,7 +13006,7 @@
         </p:nvSpPr>
         <p:spPr>
           <a:xfrm>
-            <a:off x="4599259" y="3226415"/>
+            <a:off x="4599259" y="3466114"/>
             <a:ext cx="2574243" cy="443632"/>
           </a:xfrm>
           <a:prstGeom prst="roundRect">
@@ -13265,7 +13058,7 @@
         </p:nvSpPr>
         <p:spPr>
           <a:xfrm>
-            <a:off x="4599259" y="3779053"/>
+            <a:off x="4599259" y="4018752"/>
             <a:ext cx="2574243" cy="443632"/>
           </a:xfrm>
           <a:prstGeom prst="roundRect">
@@ -13400,6 +13193,100 @@
           </a:prstGeom>
         </p:spPr>
       </p:pic>
+      <p:sp>
+        <p:nvSpPr>
+          <p:cNvPr id="3" name="ZoneTexte 2">
+            <a:extLst>
+              <a:ext uri="{FF2B5EF4-FFF2-40B4-BE49-F238E27FC236}">
+                <a16:creationId xmlns:a16="http://schemas.microsoft.com/office/drawing/2014/main" id="{2BEF8E89-B725-4174-BCE9-1E5C07A7F538}"/>
+              </a:ext>
+            </a:extLst>
+          </p:cNvPr>
+          <p:cNvSpPr txBox="1"/>
+          <p:nvPr/>
+        </p:nvSpPr>
+        <p:spPr>
+          <a:xfrm>
+            <a:off x="6823969" y="5128670"/>
+            <a:ext cx="1306768" cy="369332"/>
+          </a:xfrm>
+          <a:prstGeom prst="rect">
+            <a:avLst/>
+          </a:prstGeom>
+          <a:noFill/>
+        </p:spPr>
+        <p:txBody>
+          <a:bodyPr wrap="none" rtlCol="0">
+            <a:spAutoFit/>
+          </a:bodyPr>
+          <a:lstStyle/>
+          <a:p>
+            <a:r>
+              <a:rPr lang="fr-FR" dirty="0">
+                <a:solidFill>
+                  <a:srgbClr val="FF0000"/>
+                </a:solidFill>
+              </a:rPr>
+              <a:t>Inscription</a:t>
+            </a:r>
+          </a:p>
+        </p:txBody>
+      </p:sp>
+      <p:sp>
+        <p:nvSpPr>
+          <p:cNvPr id="4" name="Rectangle : coins arrondis 3">
+            <a:extLst>
+              <a:ext uri="{FF2B5EF4-FFF2-40B4-BE49-F238E27FC236}">
+                <a16:creationId xmlns:a16="http://schemas.microsoft.com/office/drawing/2014/main" id="{4ED14BAE-1ADF-4C28-B001-467681856BA8}"/>
+              </a:ext>
+            </a:extLst>
+          </p:cNvPr>
+          <p:cNvSpPr/>
+          <p:nvPr/>
+        </p:nvSpPr>
+        <p:spPr>
+          <a:xfrm>
+            <a:off x="5344842" y="4589554"/>
+            <a:ext cx="1083075" cy="369332"/>
+          </a:xfrm>
+          <a:prstGeom prst="roundRect">
+            <a:avLst/>
+          </a:prstGeom>
+          <a:solidFill>
+            <a:schemeClr val="dk1">
+              <a:alpha val="50000"/>
+            </a:schemeClr>
+          </a:solidFill>
+          <a:ln>
+            <a:noFill/>
+          </a:ln>
+        </p:spPr>
+        <p:style>
+          <a:lnRef idx="0">
+            <a:scrgbClr r="0" g="0" b="0"/>
+          </a:lnRef>
+          <a:fillRef idx="0">
+            <a:scrgbClr r="0" g="0" b="0"/>
+          </a:fillRef>
+          <a:effectRef idx="0">
+            <a:scrgbClr r="0" g="0" b="0"/>
+          </a:effectRef>
+          <a:fontRef idx="minor">
+            <a:schemeClr val="lt1"/>
+          </a:fontRef>
+        </p:style>
+        <p:txBody>
+          <a:bodyPr rtlCol="0" anchor="ctr"/>
+          <a:lstStyle/>
+          <a:p>
+            <a:pPr algn="ctr"/>
+            <a:r>
+              <a:rPr lang="fr-FR" sz="1000" dirty="0"/>
+              <a:t>Se Connecter</a:t>
+            </a:r>
+          </a:p>
+        </p:txBody>
+      </p:sp>
     </p:spTree>
     <p:extLst>
       <p:ext uri="{BB962C8B-B14F-4D97-AF65-F5344CB8AC3E}">

--- a/Présentation UPOP.pptx
+++ b/Présentation UPOP.pptx
@@ -216,7 +216,7 @@
           <a:p>
             <a:fld id="{64F3B9CB-A3A7-4201-8496-2CBC87780604}" type="datetimeFigureOut">
               <a:rPr lang="fr-FR" smtClean="0"/>
-              <a:t>24/11/2017</a:t>
+              <a:t>26/11/2017</a:t>
             </a:fld>
             <a:endParaRPr lang="fr-FR"/>
           </a:p>
@@ -669,7 +669,7 @@
           <a:p>
             <a:fld id="{EF339115-3077-41F7-8CCB-1E5454686776}" type="datetimeFigureOut">
               <a:rPr lang="fr-FR" smtClean="0"/>
-              <a:t>24/11/2017</a:t>
+              <a:t>26/11/2017</a:t>
             </a:fld>
             <a:endParaRPr lang="fr-FR"/>
           </a:p>
@@ -944,7 +944,7 @@
           <a:p>
             <a:fld id="{EF339115-3077-41F7-8CCB-1E5454686776}" type="datetimeFigureOut">
               <a:rPr lang="fr-FR" smtClean="0"/>
-              <a:t>24/11/2017</a:t>
+              <a:t>26/11/2017</a:t>
             </a:fld>
             <a:endParaRPr lang="fr-FR"/>
           </a:p>
@@ -1138,7 +1138,7 @@
           <a:p>
             <a:fld id="{EF339115-3077-41F7-8CCB-1E5454686776}" type="datetimeFigureOut">
               <a:rPr lang="fr-FR" smtClean="0"/>
-              <a:t>24/11/2017</a:t>
+              <a:t>26/11/2017</a:t>
             </a:fld>
             <a:endParaRPr lang="fr-FR"/>
           </a:p>
@@ -1411,7 +1411,7 @@
           <a:p>
             <a:fld id="{EF339115-3077-41F7-8CCB-1E5454686776}" type="datetimeFigureOut">
               <a:rPr lang="fr-FR" smtClean="0"/>
-              <a:t>24/11/2017</a:t>
+              <a:t>26/11/2017</a:t>
             </a:fld>
             <a:endParaRPr lang="fr-FR"/>
           </a:p>
@@ -1752,7 +1752,7 @@
           <a:p>
             <a:fld id="{EF339115-3077-41F7-8CCB-1E5454686776}" type="datetimeFigureOut">
               <a:rPr lang="fr-FR" smtClean="0"/>
-              <a:t>24/11/2017</a:t>
+              <a:t>26/11/2017</a:t>
             </a:fld>
             <a:endParaRPr lang="fr-FR"/>
           </a:p>
@@ -2375,7 +2375,7 @@
           <a:p>
             <a:fld id="{EF339115-3077-41F7-8CCB-1E5454686776}" type="datetimeFigureOut">
               <a:rPr lang="fr-FR" smtClean="0"/>
-              <a:t>24/11/2017</a:t>
+              <a:t>26/11/2017</a:t>
             </a:fld>
             <a:endParaRPr lang="fr-FR"/>
           </a:p>
@@ -3235,7 +3235,7 @@
           <a:p>
             <a:fld id="{EF339115-3077-41F7-8CCB-1E5454686776}" type="datetimeFigureOut">
               <a:rPr lang="fr-FR" smtClean="0"/>
-              <a:t>24/11/2017</a:t>
+              <a:t>26/11/2017</a:t>
             </a:fld>
             <a:endParaRPr lang="fr-FR"/>
           </a:p>
@@ -3405,7 +3405,7 @@
           <a:p>
             <a:fld id="{EF339115-3077-41F7-8CCB-1E5454686776}" type="datetimeFigureOut">
               <a:rPr lang="fr-FR" smtClean="0"/>
-              <a:t>24/11/2017</a:t>
+              <a:t>26/11/2017</a:t>
             </a:fld>
             <a:endParaRPr lang="fr-FR"/>
           </a:p>
@@ -3585,7 +3585,7 @@
           <a:p>
             <a:fld id="{EF339115-3077-41F7-8CCB-1E5454686776}" type="datetimeFigureOut">
               <a:rPr lang="fr-FR" smtClean="0"/>
-              <a:t>24/11/2017</a:t>
+              <a:t>26/11/2017</a:t>
             </a:fld>
             <a:endParaRPr lang="fr-FR"/>
           </a:p>
@@ -3755,7 +3755,7 @@
           <a:p>
             <a:fld id="{EF339115-3077-41F7-8CCB-1E5454686776}" type="datetimeFigureOut">
               <a:rPr lang="fr-FR" smtClean="0"/>
-              <a:t>24/11/2017</a:t>
+              <a:t>26/11/2017</a:t>
             </a:fld>
             <a:endParaRPr lang="fr-FR"/>
           </a:p>
@@ -4002,7 +4002,7 @@
           <a:p>
             <a:fld id="{EF339115-3077-41F7-8CCB-1E5454686776}" type="datetimeFigureOut">
               <a:rPr lang="fr-FR" smtClean="0"/>
-              <a:t>24/11/2017</a:t>
+              <a:t>26/11/2017</a:t>
             </a:fld>
             <a:endParaRPr lang="fr-FR"/>
           </a:p>
@@ -4294,7 +4294,7 @@
           <a:p>
             <a:fld id="{EF339115-3077-41F7-8CCB-1E5454686776}" type="datetimeFigureOut">
               <a:rPr lang="fr-FR" smtClean="0"/>
-              <a:t>24/11/2017</a:t>
+              <a:t>26/11/2017</a:t>
             </a:fld>
             <a:endParaRPr lang="fr-FR"/>
           </a:p>
@@ -4738,7 +4738,7 @@
           <a:p>
             <a:fld id="{EF339115-3077-41F7-8CCB-1E5454686776}" type="datetimeFigureOut">
               <a:rPr lang="fr-FR" smtClean="0"/>
-              <a:t>24/11/2017</a:t>
+              <a:t>26/11/2017</a:t>
             </a:fld>
             <a:endParaRPr lang="fr-FR"/>
           </a:p>
@@ -4856,7 +4856,7 @@
           <a:p>
             <a:fld id="{EF339115-3077-41F7-8CCB-1E5454686776}" type="datetimeFigureOut">
               <a:rPr lang="fr-FR" smtClean="0"/>
-              <a:t>24/11/2017</a:t>
+              <a:t>26/11/2017</a:t>
             </a:fld>
             <a:endParaRPr lang="fr-FR"/>
           </a:p>
@@ -4951,7 +4951,7 @@
           <a:p>
             <a:fld id="{EF339115-3077-41F7-8CCB-1E5454686776}" type="datetimeFigureOut">
               <a:rPr lang="fr-FR" smtClean="0"/>
-              <a:t>24/11/2017</a:t>
+              <a:t>26/11/2017</a:t>
             </a:fld>
             <a:endParaRPr lang="fr-FR"/>
           </a:p>
@@ -5230,7 +5230,7 @@
           <a:p>
             <a:fld id="{EF339115-3077-41F7-8CCB-1E5454686776}" type="datetimeFigureOut">
               <a:rPr lang="fr-FR" smtClean="0"/>
-              <a:t>24/11/2017</a:t>
+              <a:t>26/11/2017</a:t>
             </a:fld>
             <a:endParaRPr lang="fr-FR"/>
           </a:p>
@@ -5505,7 +5505,7 @@
           <a:p>
             <a:fld id="{EF339115-3077-41F7-8CCB-1E5454686776}" type="datetimeFigureOut">
               <a:rPr lang="fr-FR" smtClean="0"/>
-              <a:t>24/11/2017</a:t>
+              <a:t>26/11/2017</a:t>
             </a:fld>
             <a:endParaRPr lang="fr-FR"/>
           </a:p>
@@ -5934,7 +5934,7 @@
           <a:p>
             <a:fld id="{EF339115-3077-41F7-8CCB-1E5454686776}" type="datetimeFigureOut">
               <a:rPr lang="fr-FR" smtClean="0"/>
-              <a:t>24/11/2017</a:t>
+              <a:t>26/11/2017</a:t>
             </a:fld>
             <a:endParaRPr lang="fr-FR"/>
           </a:p>
@@ -13317,3808 +13317,47 @@
           <a:chExt cx="0" cy="0"/>
         </a:xfrm>
       </p:grpSpPr>
-      <p:grpSp>
-        <p:nvGrpSpPr>
-          <p:cNvPr id="196" name="Groupe 195">
+      <p:cxnSp>
+        <p:nvCxnSpPr>
+          <p:cNvPr id="27" name="Connecteur droit avec flèche 26">
             <a:extLst>
               <a:ext uri="{FF2B5EF4-FFF2-40B4-BE49-F238E27FC236}">
-                <a16:creationId xmlns:a16="http://schemas.microsoft.com/office/drawing/2014/main" id="{72D6E20A-2304-4C50-BA1C-CD3834977F84}"/>
+                <a16:creationId xmlns:a16="http://schemas.microsoft.com/office/drawing/2014/main" id="{C3EFA92B-47E6-4F8E-A4CD-472AB7A8277F}"/>
               </a:ext>
             </a:extLst>
           </p:cNvPr>
-          <p:cNvGrpSpPr/>
+          <p:cNvCxnSpPr>
+            <a:cxnSpLocks/>
+          </p:cNvCxnSpPr>
           <p:nvPr/>
-        </p:nvGrpSpPr>
-        <p:grpSpPr>
-          <a:xfrm>
-            <a:off x="767673" y="947414"/>
-            <a:ext cx="9517232" cy="5434337"/>
-            <a:chOff x="621659" y="177227"/>
-            <a:chExt cx="9848073" cy="6290446"/>
+        </p:nvCxnSpPr>
+        <p:spPr>
+          <a:xfrm flipH="1">
+            <a:off x="4547201" y="4127947"/>
+            <a:ext cx="8556" cy="199261"/>
           </a:xfrm>
-        </p:grpSpPr>
-        <p:grpSp>
-          <p:nvGrpSpPr>
-            <p:cNvPr id="195" name="Groupe 194">
-              <a:extLst>
-                <a:ext uri="{FF2B5EF4-FFF2-40B4-BE49-F238E27FC236}">
-                  <a16:creationId xmlns:a16="http://schemas.microsoft.com/office/drawing/2014/main" id="{703CD95F-7793-4EB5-926A-0B484E3E5E18}"/>
-                </a:ext>
-              </a:extLst>
-            </p:cNvPr>
-            <p:cNvGrpSpPr/>
-            <p:nvPr/>
-          </p:nvGrpSpPr>
-          <p:grpSpPr>
-            <a:xfrm>
-              <a:off x="621659" y="177227"/>
-              <a:ext cx="9848073" cy="6290446"/>
-              <a:chOff x="2343927" y="456583"/>
-              <a:chExt cx="9848073" cy="6290446"/>
-            </a:xfrm>
-          </p:grpSpPr>
-          <p:grpSp>
-            <p:nvGrpSpPr>
-              <p:cNvPr id="194" name="Groupe 193">
-                <a:extLst>
-                  <a:ext uri="{FF2B5EF4-FFF2-40B4-BE49-F238E27FC236}">
-                    <a16:creationId xmlns:a16="http://schemas.microsoft.com/office/drawing/2014/main" id="{5B73B919-3905-43DA-B90F-10EC50EB0A79}"/>
-                  </a:ext>
-                </a:extLst>
-              </p:cNvPr>
-              <p:cNvGrpSpPr/>
-              <p:nvPr/>
-            </p:nvGrpSpPr>
-            <p:grpSpPr>
-              <a:xfrm>
-                <a:off x="2343927" y="456583"/>
-                <a:ext cx="9848073" cy="6290446"/>
-                <a:chOff x="153329" y="128109"/>
-                <a:chExt cx="9848073" cy="6290446"/>
-              </a:xfrm>
-            </p:grpSpPr>
-            <p:grpSp>
-              <p:nvGrpSpPr>
-                <p:cNvPr id="193" name="Groupe 192">
-                  <a:extLst>
-                    <a:ext uri="{FF2B5EF4-FFF2-40B4-BE49-F238E27FC236}">
-                      <a16:creationId xmlns:a16="http://schemas.microsoft.com/office/drawing/2014/main" id="{AF6C7803-3E8D-4651-A460-5E34F5B7553D}"/>
-                    </a:ext>
-                  </a:extLst>
-                </p:cNvPr>
-                <p:cNvGrpSpPr/>
-                <p:nvPr/>
-              </p:nvGrpSpPr>
-              <p:grpSpPr>
-                <a:xfrm>
-                  <a:off x="153329" y="128109"/>
-                  <a:ext cx="9848073" cy="6290446"/>
-                  <a:chOff x="153329" y="128109"/>
-                  <a:chExt cx="9848073" cy="6290446"/>
-                </a:xfrm>
-              </p:grpSpPr>
-              <p:grpSp>
-                <p:nvGrpSpPr>
-                  <p:cNvPr id="192" name="Groupe 191">
-                    <a:extLst>
-                      <a:ext uri="{FF2B5EF4-FFF2-40B4-BE49-F238E27FC236}">
-                        <a16:creationId xmlns:a16="http://schemas.microsoft.com/office/drawing/2014/main" id="{0C49E648-6146-4016-9F4F-7DA049A773C7}"/>
-                      </a:ext>
-                    </a:extLst>
-                  </p:cNvPr>
-                  <p:cNvGrpSpPr/>
-                  <p:nvPr/>
-                </p:nvGrpSpPr>
-                <p:grpSpPr>
-                  <a:xfrm>
-                    <a:off x="153329" y="128109"/>
-                    <a:ext cx="9848073" cy="6290446"/>
-                    <a:chOff x="153329" y="128109"/>
-                    <a:chExt cx="9848073" cy="6290446"/>
-                  </a:xfrm>
-                </p:grpSpPr>
-                <p:grpSp>
-                  <p:nvGrpSpPr>
-                    <p:cNvPr id="84" name="Groupe 83">
-                      <a:extLst>
-                        <a:ext uri="{FF2B5EF4-FFF2-40B4-BE49-F238E27FC236}">
-                          <a16:creationId xmlns:a16="http://schemas.microsoft.com/office/drawing/2014/main" id="{EA924DBC-C525-456E-8E0C-E3CF7F777F5F}"/>
-                        </a:ext>
-                      </a:extLst>
-                    </p:cNvPr>
-                    <p:cNvGrpSpPr/>
-                    <p:nvPr/>
-                  </p:nvGrpSpPr>
-                  <p:grpSpPr>
-                    <a:xfrm>
-                      <a:off x="7098182" y="2945224"/>
-                      <a:ext cx="2903220" cy="2611221"/>
-                      <a:chOff x="7261860" y="627670"/>
-                      <a:chExt cx="2903220" cy="1727558"/>
-                    </a:xfrm>
-                  </p:grpSpPr>
-                  <p:grpSp>
-                    <p:nvGrpSpPr>
-                      <p:cNvPr id="86" name="Groupe 85">
-                        <a:extLst>
-                          <a:ext uri="{FF2B5EF4-FFF2-40B4-BE49-F238E27FC236}">
-                            <a16:creationId xmlns:a16="http://schemas.microsoft.com/office/drawing/2014/main" id="{8C1514B5-046B-4074-A021-5F220F52C3ED}"/>
-                          </a:ext>
-                        </a:extLst>
-                      </p:cNvPr>
-                      <p:cNvGrpSpPr/>
-                      <p:nvPr/>
-                    </p:nvGrpSpPr>
-                    <p:grpSpPr>
-                      <a:xfrm>
-                        <a:off x="7261860" y="627670"/>
-                        <a:ext cx="2903220" cy="1727558"/>
-                        <a:chOff x="7261860" y="627670"/>
-                        <a:chExt cx="2903220" cy="1727558"/>
-                      </a:xfrm>
-                    </p:grpSpPr>
-                    <p:sp>
-                      <p:nvSpPr>
-                        <p:cNvPr id="93" name="Rectangle : coins arrondis 92">
-                          <a:extLst>
-                            <a:ext uri="{FF2B5EF4-FFF2-40B4-BE49-F238E27FC236}">
-                              <a16:creationId xmlns:a16="http://schemas.microsoft.com/office/drawing/2014/main" id="{3855EB7B-69A2-4561-8A55-C773D078D1DC}"/>
-                            </a:ext>
-                          </a:extLst>
-                        </p:cNvPr>
-                        <p:cNvSpPr/>
-                        <p:nvPr/>
-                      </p:nvSpPr>
-                      <p:spPr>
-                        <a:xfrm>
-                          <a:off x="7261860" y="627670"/>
-                          <a:ext cx="2903220" cy="1727558"/>
-                        </a:xfrm>
-                        <a:prstGeom prst="roundRect">
-                          <a:avLst/>
-                        </a:prstGeom>
-                      </p:spPr>
-                      <p:style>
-                        <a:lnRef idx="2">
-                          <a:schemeClr val="dk1"/>
-                        </a:lnRef>
-                        <a:fillRef idx="1">
-                          <a:schemeClr val="lt1"/>
-                        </a:fillRef>
-                        <a:effectRef idx="0">
-                          <a:schemeClr val="dk1"/>
-                        </a:effectRef>
-                        <a:fontRef idx="minor">
-                          <a:schemeClr val="dk1"/>
-                        </a:fontRef>
-                      </p:style>
-                      <p:txBody>
-                        <a:bodyPr rtlCol="0" anchor="ctr"/>
-                        <a:lstStyle/>
-                        <a:p>
-                          <a:pPr algn="ctr"/>
-                          <a:endParaRPr lang="fr-FR"/>
-                        </a:p>
-                      </p:txBody>
-                    </p:sp>
-                    <p:cxnSp>
-                      <p:nvCxnSpPr>
-                        <p:cNvPr id="94" name="Connecteur droit 93">
-                          <a:extLst>
-                            <a:ext uri="{FF2B5EF4-FFF2-40B4-BE49-F238E27FC236}">
-                              <a16:creationId xmlns:a16="http://schemas.microsoft.com/office/drawing/2014/main" id="{C348E899-C700-42F9-B3A3-A5C3F6DC004B}"/>
-                            </a:ext>
-                          </a:extLst>
-                        </p:cNvPr>
-                        <p:cNvCxnSpPr/>
-                        <p:nvPr/>
-                      </p:nvCxnSpPr>
-                      <p:spPr>
-                        <a:xfrm>
-                          <a:off x="7261860" y="1077250"/>
-                          <a:ext cx="2903220" cy="0"/>
-                        </a:xfrm>
-                        <a:prstGeom prst="line">
-                          <a:avLst/>
-                        </a:prstGeom>
-                      </p:spPr>
-                      <p:style>
-                        <a:lnRef idx="2">
-                          <a:schemeClr val="dk1"/>
-                        </a:lnRef>
-                        <a:fillRef idx="0">
-                          <a:schemeClr val="dk1"/>
-                        </a:fillRef>
-                        <a:effectRef idx="1">
-                          <a:schemeClr val="dk1"/>
-                        </a:effectRef>
-                        <a:fontRef idx="minor">
-                          <a:schemeClr val="tx1"/>
-                        </a:fontRef>
-                      </p:style>
-                    </p:cxnSp>
-                  </p:grpSp>
-                  <p:grpSp>
-                    <p:nvGrpSpPr>
-                      <p:cNvPr id="87" name="Groupe 86">
-                        <a:extLst>
-                          <a:ext uri="{FF2B5EF4-FFF2-40B4-BE49-F238E27FC236}">
-                            <a16:creationId xmlns:a16="http://schemas.microsoft.com/office/drawing/2014/main" id="{D70EAEE4-A3C3-4526-A5E9-174AF7218CBB}"/>
-                          </a:ext>
-                        </a:extLst>
-                      </p:cNvPr>
-                      <p:cNvGrpSpPr/>
-                      <p:nvPr/>
-                    </p:nvGrpSpPr>
-                    <p:grpSpPr>
-                      <a:xfrm>
-                        <a:off x="7491411" y="666049"/>
-                        <a:ext cx="2444118" cy="375821"/>
-                        <a:chOff x="4019082" y="2264255"/>
-                        <a:chExt cx="2444118" cy="375821"/>
-                      </a:xfrm>
-                    </p:grpSpPr>
-                    <p:pic>
-                      <p:nvPicPr>
-                        <p:cNvPr id="88" name="Image 87">
-                          <a:extLst>
-                            <a:ext uri="{FF2B5EF4-FFF2-40B4-BE49-F238E27FC236}">
-                              <a16:creationId xmlns:a16="http://schemas.microsoft.com/office/drawing/2014/main" id="{57451AFD-0799-4648-9050-C605B59E425E}"/>
-                            </a:ext>
-                          </a:extLst>
-                        </p:cNvPr>
-                        <p:cNvPicPr>
-                          <a:picLocks noChangeAspect="1"/>
-                        </p:cNvPicPr>
-                        <p:nvPr/>
-                      </p:nvPicPr>
-                      <p:blipFill>
-                        <a:blip r:embed="rId2">
-                          <a:extLst>
-                            <a:ext uri="{28A0092B-C50C-407E-A947-70E740481C1C}">
-                              <a14:useLocalDpi xmlns:a14="http://schemas.microsoft.com/office/drawing/2010/main" val="0"/>
-                            </a:ext>
-                          </a:extLst>
-                        </a:blip>
-                        <a:stretch>
-                          <a:fillRect/>
-                        </a:stretch>
-                      </p:blipFill>
-                      <p:spPr>
-                        <a:xfrm>
-                          <a:off x="4019082" y="2265888"/>
-                          <a:ext cx="368479" cy="368479"/>
-                        </a:xfrm>
-                        <a:prstGeom prst="rect">
-                          <a:avLst/>
-                        </a:prstGeom>
-                      </p:spPr>
-                    </p:pic>
-                    <p:pic>
-                      <p:nvPicPr>
-                        <p:cNvPr id="89" name="Image 88">
-                          <a:extLst>
-                            <a:ext uri="{FF2B5EF4-FFF2-40B4-BE49-F238E27FC236}">
-                              <a16:creationId xmlns:a16="http://schemas.microsoft.com/office/drawing/2014/main" id="{C3893BC0-43AD-47B5-8037-2DF62F1104C4}"/>
-                            </a:ext>
-                          </a:extLst>
-                        </p:cNvPr>
-                        <p:cNvPicPr>
-                          <a:picLocks noChangeAspect="1"/>
-                        </p:cNvPicPr>
-                        <p:nvPr/>
-                      </p:nvPicPr>
-                      <p:blipFill>
-                        <a:blip r:embed="rId3">
-                          <a:extLst>
-                            <a:ext uri="{28A0092B-C50C-407E-A947-70E740481C1C}">
-                              <a14:useLocalDpi xmlns:a14="http://schemas.microsoft.com/office/drawing/2010/main" val="0"/>
-                            </a:ext>
-                          </a:extLst>
-                        </a:blip>
-                        <a:stretch>
-                          <a:fillRect/>
-                        </a:stretch>
-                      </p:blipFill>
-                      <p:spPr>
-                        <a:xfrm flipH="1">
-                          <a:off x="4420959" y="2266528"/>
-                          <a:ext cx="367200" cy="367200"/>
-                        </a:xfrm>
-                        <a:prstGeom prst="rect">
-                          <a:avLst/>
-                        </a:prstGeom>
-                      </p:spPr>
-                    </p:pic>
-                    <p:pic>
-                      <p:nvPicPr>
-                        <p:cNvPr id="90" name="Image 89">
-                          <a:extLst>
-                            <a:ext uri="{FF2B5EF4-FFF2-40B4-BE49-F238E27FC236}">
-                              <a16:creationId xmlns:a16="http://schemas.microsoft.com/office/drawing/2014/main" id="{712D8755-2F5C-4803-AF6C-7F6F4BC28CF6}"/>
-                            </a:ext>
-                          </a:extLst>
-                        </p:cNvPr>
-                        <p:cNvPicPr>
-                          <a:picLocks noChangeAspect="1"/>
-                        </p:cNvPicPr>
-                        <p:nvPr/>
-                      </p:nvPicPr>
-                      <p:blipFill>
-                        <a:blip r:embed="rId4">
-                          <a:extLst>
-                            <a:ext uri="{28A0092B-C50C-407E-A947-70E740481C1C}">
-                              <a14:useLocalDpi xmlns:a14="http://schemas.microsoft.com/office/drawing/2010/main" val="0"/>
-                            </a:ext>
-                          </a:extLst>
-                        </a:blip>
-                        <a:stretch>
-                          <a:fillRect/>
-                        </a:stretch>
-                      </p:blipFill>
-                      <p:spPr>
-                        <a:xfrm>
-                          <a:off x="4871096" y="2264255"/>
-                          <a:ext cx="367200" cy="367200"/>
-                        </a:xfrm>
-                        <a:prstGeom prst="rect">
-                          <a:avLst/>
-                        </a:prstGeom>
-                      </p:spPr>
-                    </p:pic>
-                    <p:pic>
-                      <p:nvPicPr>
-                        <p:cNvPr id="91" name="Image 90">
-                          <a:extLst>
-                            <a:ext uri="{FF2B5EF4-FFF2-40B4-BE49-F238E27FC236}">
-                              <a16:creationId xmlns:a16="http://schemas.microsoft.com/office/drawing/2014/main" id="{5C842C72-A1A0-4764-AA2E-CDB7D611E16B}"/>
-                            </a:ext>
-                          </a:extLst>
-                        </p:cNvPr>
-                        <p:cNvPicPr>
-                          <a:picLocks noChangeAspect="1"/>
-                        </p:cNvPicPr>
-                        <p:nvPr/>
-                      </p:nvPicPr>
-                      <p:blipFill>
-                        <a:blip r:embed="rId5">
-                          <a:extLst>
-                            <a:ext uri="{28A0092B-C50C-407E-A947-70E740481C1C}">
-                              <a14:useLocalDpi xmlns:a14="http://schemas.microsoft.com/office/drawing/2010/main" val="0"/>
-                            </a:ext>
-                          </a:extLst>
-                        </a:blip>
-                        <a:stretch>
-                          <a:fillRect/>
-                        </a:stretch>
-                      </p:blipFill>
-                      <p:spPr>
-                        <a:xfrm>
-                          <a:off x="5649459" y="2268553"/>
-                          <a:ext cx="367200" cy="367200"/>
-                        </a:xfrm>
-                        <a:prstGeom prst="rect">
-                          <a:avLst/>
-                        </a:prstGeom>
-                      </p:spPr>
-                    </p:pic>
-                    <p:pic>
-                      <p:nvPicPr>
-                        <p:cNvPr id="92" name="Image 91">
-                          <a:extLst>
-                            <a:ext uri="{FF2B5EF4-FFF2-40B4-BE49-F238E27FC236}">
-                              <a16:creationId xmlns:a16="http://schemas.microsoft.com/office/drawing/2014/main" id="{83285A98-C900-4F8C-B184-135F00AC06CA}"/>
-                            </a:ext>
-                          </a:extLst>
-                        </p:cNvPr>
-                        <p:cNvPicPr>
-                          <a:picLocks noChangeAspect="1"/>
-                        </p:cNvPicPr>
-                        <p:nvPr/>
-                      </p:nvPicPr>
-                      <p:blipFill>
-                        <a:blip r:embed="rId6">
-                          <a:extLst>
-                            <a:ext uri="{28A0092B-C50C-407E-A947-70E740481C1C}">
-                              <a14:useLocalDpi xmlns:a14="http://schemas.microsoft.com/office/drawing/2010/main" val="0"/>
-                            </a:ext>
-                          </a:extLst>
-                        </a:blip>
-                        <a:stretch>
-                          <a:fillRect/>
-                        </a:stretch>
-                      </p:blipFill>
-                      <p:spPr>
-                        <a:xfrm>
-                          <a:off x="6096000" y="2272876"/>
-                          <a:ext cx="367200" cy="367200"/>
-                        </a:xfrm>
-                        <a:prstGeom prst="rect">
-                          <a:avLst/>
-                        </a:prstGeom>
-                      </p:spPr>
-                    </p:pic>
-                  </p:grpSp>
-                </p:grpSp>
-                <p:grpSp>
-                  <p:nvGrpSpPr>
-                    <p:cNvPr id="191" name="Groupe 190">
-                      <a:extLst>
-                        <a:ext uri="{FF2B5EF4-FFF2-40B4-BE49-F238E27FC236}">
-                          <a16:creationId xmlns:a16="http://schemas.microsoft.com/office/drawing/2014/main" id="{C31466BE-6FD6-483E-9A4A-833D7D210361}"/>
-                        </a:ext>
-                      </a:extLst>
-                    </p:cNvPr>
-                    <p:cNvGrpSpPr/>
-                    <p:nvPr/>
-                  </p:nvGrpSpPr>
-                  <p:grpSpPr>
-                    <a:xfrm>
-                      <a:off x="153329" y="128109"/>
-                      <a:ext cx="9762240" cy="6290446"/>
-                      <a:chOff x="144451" y="128109"/>
-                      <a:chExt cx="9762240" cy="6290446"/>
-                    </a:xfrm>
-                  </p:grpSpPr>
-                  <p:grpSp>
-                    <p:nvGrpSpPr>
-                      <p:cNvPr id="188" name="Groupe 187">
-                        <a:extLst>
-                          <a:ext uri="{FF2B5EF4-FFF2-40B4-BE49-F238E27FC236}">
-                            <a16:creationId xmlns:a16="http://schemas.microsoft.com/office/drawing/2014/main" id="{98DE50DE-2940-4452-8A6F-3A7DF2FA9444}"/>
-                          </a:ext>
-                        </a:extLst>
-                      </p:cNvPr>
-                      <p:cNvGrpSpPr/>
-                      <p:nvPr/>
-                    </p:nvGrpSpPr>
-                    <p:grpSpPr>
-                      <a:xfrm>
-                        <a:off x="144451" y="2123389"/>
-                        <a:ext cx="2903220" cy="2611221"/>
-                        <a:chOff x="144451" y="2123389"/>
-                        <a:chExt cx="2903220" cy="2611221"/>
-                      </a:xfrm>
-                    </p:grpSpPr>
-                    <p:grpSp>
-                      <p:nvGrpSpPr>
-                        <p:cNvPr id="63" name="Groupe 62">
-                          <a:extLst>
-                            <a:ext uri="{FF2B5EF4-FFF2-40B4-BE49-F238E27FC236}">
-                              <a16:creationId xmlns:a16="http://schemas.microsoft.com/office/drawing/2014/main" id="{3125BA5F-AB7A-4685-B25B-1AA8C8B514F7}"/>
-                            </a:ext>
-                          </a:extLst>
-                        </p:cNvPr>
-                        <p:cNvGrpSpPr/>
-                        <p:nvPr/>
-                      </p:nvGrpSpPr>
-                      <p:grpSpPr>
-                        <a:xfrm>
-                          <a:off x="144451" y="2123389"/>
-                          <a:ext cx="2903220" cy="2611221"/>
-                          <a:chOff x="7261860" y="627670"/>
-                          <a:chExt cx="2903220" cy="1727558"/>
-                        </a:xfrm>
-                      </p:grpSpPr>
-                      <p:grpSp>
-                        <p:nvGrpSpPr>
-                          <p:cNvPr id="62" name="Groupe 61">
-                            <a:extLst>
-                              <a:ext uri="{FF2B5EF4-FFF2-40B4-BE49-F238E27FC236}">
-                                <a16:creationId xmlns:a16="http://schemas.microsoft.com/office/drawing/2014/main" id="{F4FB309A-2966-4F12-9D23-571FB44A6C6E}"/>
-                              </a:ext>
-                            </a:extLst>
-                          </p:cNvPr>
-                          <p:cNvGrpSpPr/>
-                          <p:nvPr/>
-                        </p:nvGrpSpPr>
-                        <p:grpSpPr>
-                          <a:xfrm>
-                            <a:off x="7261860" y="627670"/>
-                            <a:ext cx="2903220" cy="1727558"/>
-                            <a:chOff x="7261860" y="627670"/>
-                            <a:chExt cx="2903220" cy="1727558"/>
-                          </a:xfrm>
-                        </p:grpSpPr>
-                        <p:sp>
-                          <p:nvSpPr>
-                            <p:cNvPr id="11" name="Rectangle : coins arrondis 10">
-                              <a:extLst>
-                                <a:ext uri="{FF2B5EF4-FFF2-40B4-BE49-F238E27FC236}">
-                                  <a16:creationId xmlns:a16="http://schemas.microsoft.com/office/drawing/2014/main" id="{6251CC6F-7889-418E-8773-521F0891E24A}"/>
-                                </a:ext>
-                              </a:extLst>
-                            </p:cNvPr>
-                            <p:cNvSpPr/>
-                            <p:nvPr/>
-                          </p:nvSpPr>
-                          <p:spPr>
-                            <a:xfrm>
-                              <a:off x="7261860" y="627670"/>
-                              <a:ext cx="2903220" cy="1727558"/>
-                            </a:xfrm>
-                            <a:prstGeom prst="roundRect">
-                              <a:avLst/>
-                            </a:prstGeom>
-                          </p:spPr>
-                          <p:style>
-                            <a:lnRef idx="2">
-                              <a:schemeClr val="dk1"/>
-                            </a:lnRef>
-                            <a:fillRef idx="1">
-                              <a:schemeClr val="lt1"/>
-                            </a:fillRef>
-                            <a:effectRef idx="0">
-                              <a:schemeClr val="dk1"/>
-                            </a:effectRef>
-                            <a:fontRef idx="minor">
-                              <a:schemeClr val="dk1"/>
-                            </a:fontRef>
-                          </p:style>
-                          <p:txBody>
-                            <a:bodyPr rtlCol="0" anchor="ctr"/>
-                            <a:lstStyle/>
-                            <a:p>
-                              <a:pPr algn="ctr"/>
-                              <a:endParaRPr lang="fr-FR"/>
-                            </a:p>
-                          </p:txBody>
-                        </p:sp>
-                        <p:cxnSp>
-                          <p:nvCxnSpPr>
-                            <p:cNvPr id="26" name="Connecteur droit 25">
-                              <a:extLst>
-                                <a:ext uri="{FF2B5EF4-FFF2-40B4-BE49-F238E27FC236}">
-                                  <a16:creationId xmlns:a16="http://schemas.microsoft.com/office/drawing/2014/main" id="{B925664D-D02D-4438-A023-D248DABDD0A7}"/>
-                                </a:ext>
-                              </a:extLst>
-                            </p:cNvPr>
-                            <p:cNvCxnSpPr/>
-                            <p:nvPr/>
-                          </p:nvCxnSpPr>
-                          <p:spPr>
-                            <a:xfrm>
-                              <a:off x="7261860" y="1077250"/>
-                              <a:ext cx="2903220" cy="0"/>
-                            </a:xfrm>
-                            <a:prstGeom prst="line">
-                              <a:avLst/>
-                            </a:prstGeom>
-                          </p:spPr>
-                          <p:style>
-                            <a:lnRef idx="2">
-                              <a:schemeClr val="dk1"/>
-                            </a:lnRef>
-                            <a:fillRef idx="0">
-                              <a:schemeClr val="dk1"/>
-                            </a:fillRef>
-                            <a:effectRef idx="1">
-                              <a:schemeClr val="dk1"/>
-                            </a:effectRef>
-                            <a:fontRef idx="minor">
-                              <a:schemeClr val="tx1"/>
-                            </a:fontRef>
-                          </p:style>
-                        </p:cxnSp>
-                      </p:grpSp>
-                      <p:grpSp>
-                        <p:nvGrpSpPr>
-                          <p:cNvPr id="56" name="Groupe 55">
-                            <a:extLst>
-                              <a:ext uri="{FF2B5EF4-FFF2-40B4-BE49-F238E27FC236}">
-                                <a16:creationId xmlns:a16="http://schemas.microsoft.com/office/drawing/2014/main" id="{E0D15909-DBCF-4CA3-B231-A2F6C909A038}"/>
-                              </a:ext>
-                            </a:extLst>
-                          </p:cNvPr>
-                          <p:cNvGrpSpPr/>
-                          <p:nvPr/>
-                        </p:nvGrpSpPr>
-                        <p:grpSpPr>
-                          <a:xfrm>
-                            <a:off x="7491411" y="666049"/>
-                            <a:ext cx="2444118" cy="375821"/>
-                            <a:chOff x="4019082" y="2264255"/>
-                            <a:chExt cx="2444118" cy="375821"/>
-                          </a:xfrm>
-                        </p:grpSpPr>
-                        <p:pic>
-                          <p:nvPicPr>
-                            <p:cNvPr id="57" name="Image 56">
-                              <a:extLst>
-                                <a:ext uri="{FF2B5EF4-FFF2-40B4-BE49-F238E27FC236}">
-                                  <a16:creationId xmlns:a16="http://schemas.microsoft.com/office/drawing/2014/main" id="{EABEAEFE-66CA-48EF-94AE-0E89C0ABDC2F}"/>
-                                </a:ext>
-                              </a:extLst>
-                            </p:cNvPr>
-                            <p:cNvPicPr>
-                              <a:picLocks noChangeAspect="1"/>
-                            </p:cNvPicPr>
-                            <p:nvPr/>
-                          </p:nvPicPr>
-                          <p:blipFill>
-                            <a:blip r:embed="rId2">
-                              <a:extLst>
-                                <a:ext uri="{28A0092B-C50C-407E-A947-70E740481C1C}">
-                                  <a14:useLocalDpi xmlns:a14="http://schemas.microsoft.com/office/drawing/2010/main" val="0"/>
-                                </a:ext>
-                              </a:extLst>
-                            </a:blip>
-                            <a:stretch>
-                              <a:fillRect/>
-                            </a:stretch>
-                          </p:blipFill>
-                          <p:spPr>
-                            <a:xfrm>
-                              <a:off x="4019082" y="2265888"/>
-                              <a:ext cx="368479" cy="368479"/>
-                            </a:xfrm>
-                            <a:prstGeom prst="rect">
-                              <a:avLst/>
-                            </a:prstGeom>
-                          </p:spPr>
-                        </p:pic>
-                        <p:pic>
-                          <p:nvPicPr>
-                            <p:cNvPr id="58" name="Image 57">
-                              <a:extLst>
-                                <a:ext uri="{FF2B5EF4-FFF2-40B4-BE49-F238E27FC236}">
-                                  <a16:creationId xmlns:a16="http://schemas.microsoft.com/office/drawing/2014/main" id="{4DABBEA4-D6C4-437D-9D29-42EE227860B5}"/>
-                                </a:ext>
-                              </a:extLst>
-                            </p:cNvPr>
-                            <p:cNvPicPr>
-                              <a:picLocks noChangeAspect="1"/>
-                            </p:cNvPicPr>
-                            <p:nvPr/>
-                          </p:nvPicPr>
-                          <p:blipFill>
-                            <a:blip r:embed="rId3">
-                              <a:extLst>
-                                <a:ext uri="{28A0092B-C50C-407E-A947-70E740481C1C}">
-                                  <a14:useLocalDpi xmlns:a14="http://schemas.microsoft.com/office/drawing/2010/main" val="0"/>
-                                </a:ext>
-                              </a:extLst>
-                            </a:blip>
-                            <a:stretch>
-                              <a:fillRect/>
-                            </a:stretch>
-                          </p:blipFill>
-                          <p:spPr>
-                            <a:xfrm flipH="1">
-                              <a:off x="4420959" y="2266528"/>
-                              <a:ext cx="367200" cy="367200"/>
-                            </a:xfrm>
-                            <a:prstGeom prst="rect">
-                              <a:avLst/>
-                            </a:prstGeom>
-                          </p:spPr>
-                        </p:pic>
-                        <p:pic>
-                          <p:nvPicPr>
-                            <p:cNvPr id="59" name="Image 58">
-                              <a:extLst>
-                                <a:ext uri="{FF2B5EF4-FFF2-40B4-BE49-F238E27FC236}">
-                                  <a16:creationId xmlns:a16="http://schemas.microsoft.com/office/drawing/2014/main" id="{A0C7D4F6-87B9-4AAF-9A07-BFF04F8C1D17}"/>
-                                </a:ext>
-                              </a:extLst>
-                            </p:cNvPr>
-                            <p:cNvPicPr>
-                              <a:picLocks noChangeAspect="1"/>
-                            </p:cNvPicPr>
-                            <p:nvPr/>
-                          </p:nvPicPr>
-                          <p:blipFill>
-                            <a:blip r:embed="rId4">
-                              <a:extLst>
-                                <a:ext uri="{28A0092B-C50C-407E-A947-70E740481C1C}">
-                                  <a14:useLocalDpi xmlns:a14="http://schemas.microsoft.com/office/drawing/2010/main" val="0"/>
-                                </a:ext>
-                              </a:extLst>
-                            </a:blip>
-                            <a:stretch>
-                              <a:fillRect/>
-                            </a:stretch>
-                          </p:blipFill>
-                          <p:spPr>
-                            <a:xfrm>
-                              <a:off x="4871096" y="2264255"/>
-                              <a:ext cx="367200" cy="367200"/>
-                            </a:xfrm>
-                            <a:prstGeom prst="rect">
-                              <a:avLst/>
-                            </a:prstGeom>
-                          </p:spPr>
-                        </p:pic>
-                        <p:pic>
-                          <p:nvPicPr>
-                            <p:cNvPr id="60" name="Image 59">
-                              <a:extLst>
-                                <a:ext uri="{FF2B5EF4-FFF2-40B4-BE49-F238E27FC236}">
-                                  <a16:creationId xmlns:a16="http://schemas.microsoft.com/office/drawing/2014/main" id="{C38C1093-09CE-46D4-B27D-935EEDB62502}"/>
-                                </a:ext>
-                              </a:extLst>
-                            </p:cNvPr>
-                            <p:cNvPicPr>
-                              <a:picLocks noChangeAspect="1"/>
-                            </p:cNvPicPr>
-                            <p:nvPr/>
-                          </p:nvPicPr>
-                          <p:blipFill>
-                            <a:blip r:embed="rId5">
-                              <a:extLst>
-                                <a:ext uri="{28A0092B-C50C-407E-A947-70E740481C1C}">
-                                  <a14:useLocalDpi xmlns:a14="http://schemas.microsoft.com/office/drawing/2010/main" val="0"/>
-                                </a:ext>
-                              </a:extLst>
-                            </a:blip>
-                            <a:stretch>
-                              <a:fillRect/>
-                            </a:stretch>
-                          </p:blipFill>
-                          <p:spPr>
-                            <a:xfrm>
-                              <a:off x="5649459" y="2268553"/>
-                              <a:ext cx="367200" cy="367200"/>
-                            </a:xfrm>
-                            <a:prstGeom prst="rect">
-                              <a:avLst/>
-                            </a:prstGeom>
-                          </p:spPr>
-                        </p:pic>
-                        <p:pic>
-                          <p:nvPicPr>
-                            <p:cNvPr id="61" name="Image 60">
-                              <a:extLst>
-                                <a:ext uri="{FF2B5EF4-FFF2-40B4-BE49-F238E27FC236}">
-                                  <a16:creationId xmlns:a16="http://schemas.microsoft.com/office/drawing/2014/main" id="{5D3ED05B-42C2-4C2F-B6DC-EC46D8F9DD75}"/>
-                                </a:ext>
-                              </a:extLst>
-                            </p:cNvPr>
-                            <p:cNvPicPr>
-                              <a:picLocks noChangeAspect="1"/>
-                            </p:cNvPicPr>
-                            <p:nvPr/>
-                          </p:nvPicPr>
-                          <p:blipFill>
-                            <a:blip r:embed="rId6">
-                              <a:extLst>
-                                <a:ext uri="{28A0092B-C50C-407E-A947-70E740481C1C}">
-                                  <a14:useLocalDpi xmlns:a14="http://schemas.microsoft.com/office/drawing/2010/main" val="0"/>
-                                </a:ext>
-                              </a:extLst>
-                            </a:blip>
-                            <a:stretch>
-                              <a:fillRect/>
-                            </a:stretch>
-                          </p:blipFill>
-                          <p:spPr>
-                            <a:xfrm>
-                              <a:off x="6096000" y="2272876"/>
-                              <a:ext cx="367200" cy="367200"/>
-                            </a:xfrm>
-                            <a:prstGeom prst="rect">
-                              <a:avLst/>
-                            </a:prstGeom>
-                          </p:spPr>
-                        </p:pic>
-                      </p:grpSp>
-                    </p:grpSp>
-                    <p:grpSp>
-                      <p:nvGrpSpPr>
-                        <p:cNvPr id="174" name="Groupe 173">
-                          <a:extLst>
-                            <a:ext uri="{FF2B5EF4-FFF2-40B4-BE49-F238E27FC236}">
-                              <a16:creationId xmlns:a16="http://schemas.microsoft.com/office/drawing/2014/main" id="{F91E17DB-B588-4AF5-B697-B873EF76C013}"/>
-                            </a:ext>
-                          </a:extLst>
-                        </p:cNvPr>
-                        <p:cNvGrpSpPr/>
-                        <p:nvPr/>
-                      </p:nvGrpSpPr>
-                      <p:grpSpPr>
-                        <a:xfrm>
-                          <a:off x="213064" y="2896078"/>
-                          <a:ext cx="2726796" cy="1675923"/>
-                          <a:chOff x="213064" y="2896078"/>
-                          <a:chExt cx="2726796" cy="1675923"/>
-                        </a:xfrm>
-                      </p:grpSpPr>
-                      <p:sp>
-                        <p:nvSpPr>
-                          <p:cNvPr id="131" name="Rectangle : coins arrondis 130">
-                            <a:extLst>
-                              <a:ext uri="{FF2B5EF4-FFF2-40B4-BE49-F238E27FC236}">
-                                <a16:creationId xmlns:a16="http://schemas.microsoft.com/office/drawing/2014/main" id="{A0961B4B-534D-4FE6-988B-FB4B57A0C98D}"/>
-                              </a:ext>
-                            </a:extLst>
-                          </p:cNvPr>
-                          <p:cNvSpPr/>
-                          <p:nvPr/>
-                        </p:nvSpPr>
-                        <p:spPr>
-                          <a:xfrm>
-                            <a:off x="213064" y="2896078"/>
-                            <a:ext cx="2726796" cy="1675923"/>
-                          </a:xfrm>
-                          <a:prstGeom prst="roundRect">
-                            <a:avLst/>
-                          </a:prstGeom>
-                          <a:ln/>
-                        </p:spPr>
-                        <p:style>
-                          <a:lnRef idx="1">
-                            <a:schemeClr val="accent3"/>
-                          </a:lnRef>
-                          <a:fillRef idx="2">
-                            <a:schemeClr val="accent3"/>
-                          </a:fillRef>
-                          <a:effectRef idx="1">
-                            <a:schemeClr val="accent3"/>
-                          </a:effectRef>
-                          <a:fontRef idx="minor">
-                            <a:schemeClr val="dk1"/>
-                          </a:fontRef>
-                        </p:style>
-                        <p:txBody>
-                          <a:bodyPr rtlCol="0" anchor="ctr"/>
-                          <a:lstStyle/>
-                          <a:p>
-                            <a:pPr algn="ctr"/>
-                            <a:endParaRPr lang="fr-FR"/>
-                          </a:p>
-                        </p:txBody>
-                      </p:sp>
-                      <p:sp>
-                        <p:nvSpPr>
-                          <p:cNvPr id="159" name="Rectangle 158">
-                            <a:extLst>
-                              <a:ext uri="{FF2B5EF4-FFF2-40B4-BE49-F238E27FC236}">
-                                <a16:creationId xmlns:a16="http://schemas.microsoft.com/office/drawing/2014/main" id="{044CF740-49A5-465B-8494-DDF42424A21B}"/>
-                              </a:ext>
-                            </a:extLst>
-                          </p:cNvPr>
-                          <p:cNvSpPr/>
-                          <p:nvPr/>
-                        </p:nvSpPr>
-                        <p:spPr>
-                          <a:xfrm>
-                            <a:off x="315977" y="3220436"/>
-                            <a:ext cx="616694" cy="597129"/>
-                          </a:xfrm>
-                          <a:prstGeom prst="rect">
-                            <a:avLst/>
-                          </a:prstGeom>
-                          <a:solidFill>
-                            <a:schemeClr val="dk1">
-                              <a:alpha val="50000"/>
-                            </a:schemeClr>
-                          </a:solidFill>
-                          <a:ln>
-                            <a:noFill/>
-                          </a:ln>
-                        </p:spPr>
-                        <p:style>
-                          <a:lnRef idx="0">
-                            <a:scrgbClr r="0" g="0" b="0"/>
-                          </a:lnRef>
-                          <a:fillRef idx="0">
-                            <a:scrgbClr r="0" g="0" b="0"/>
-                          </a:fillRef>
-                          <a:effectRef idx="0">
-                            <a:scrgbClr r="0" g="0" b="0"/>
-                          </a:effectRef>
-                          <a:fontRef idx="minor">
-                            <a:schemeClr val="lt1"/>
-                          </a:fontRef>
-                        </p:style>
-                        <p:txBody>
-                          <a:bodyPr rtlCol="0" anchor="ctr"/>
-                          <a:lstStyle/>
-                          <a:p>
-                            <a:pPr algn="ctr"/>
-                            <a:r>
-                              <a:rPr lang="fr-FR" sz="1000" dirty="0">
-                                <a:solidFill>
-                                  <a:schemeClr val="tx1"/>
-                                </a:solidFill>
-                              </a:rPr>
-                              <a:t>Image</a:t>
-                            </a:r>
-                          </a:p>
-                        </p:txBody>
-                      </p:sp>
-                      <p:sp>
-                        <p:nvSpPr>
-                          <p:cNvPr id="160" name="Rectangle : coins arrondis 159">
-                            <a:extLst>
-                              <a:ext uri="{FF2B5EF4-FFF2-40B4-BE49-F238E27FC236}">
-                                <a16:creationId xmlns:a16="http://schemas.microsoft.com/office/drawing/2014/main" id="{708C0224-7CA9-4C71-8ABC-3FB30CF4E4CE}"/>
-                              </a:ext>
-                            </a:extLst>
-                          </p:cNvPr>
-                          <p:cNvSpPr/>
-                          <p:nvPr/>
-                        </p:nvSpPr>
-                        <p:spPr>
-                          <a:xfrm>
-                            <a:off x="1005929" y="3219718"/>
-                            <a:ext cx="601541" cy="196252"/>
-                          </a:xfrm>
-                          <a:prstGeom prst="roundRect">
-                            <a:avLst/>
-                          </a:prstGeom>
-                          <a:solidFill>
-                            <a:schemeClr val="dk1">
-                              <a:alpha val="50000"/>
-                            </a:schemeClr>
-                          </a:solidFill>
-                          <a:ln>
-                            <a:noFill/>
-                          </a:ln>
-                        </p:spPr>
-                        <p:style>
-                          <a:lnRef idx="0">
-                            <a:scrgbClr r="0" g="0" b="0"/>
-                          </a:lnRef>
-                          <a:fillRef idx="0">
-                            <a:scrgbClr r="0" g="0" b="0"/>
-                          </a:fillRef>
-                          <a:effectRef idx="0">
-                            <a:scrgbClr r="0" g="0" b="0"/>
-                          </a:effectRef>
-                          <a:fontRef idx="minor">
-                            <a:schemeClr val="lt1"/>
-                          </a:fontRef>
-                        </p:style>
-                        <p:txBody>
-                          <a:bodyPr rtlCol="0" anchor="ctr"/>
-                          <a:lstStyle/>
-                          <a:p>
-                            <a:pPr algn="ctr"/>
-                            <a:r>
-                              <a:rPr lang="fr-FR" sz="1000" dirty="0"/>
-                              <a:t>Nom</a:t>
-                            </a:r>
-                          </a:p>
-                        </p:txBody>
-                      </p:sp>
-                      <p:sp>
-                        <p:nvSpPr>
-                          <p:cNvPr id="161" name="Rectangle : coins arrondis 160">
-                            <a:extLst>
-                              <a:ext uri="{FF2B5EF4-FFF2-40B4-BE49-F238E27FC236}">
-                                <a16:creationId xmlns:a16="http://schemas.microsoft.com/office/drawing/2014/main" id="{A09ACCBC-6B86-4986-A678-6F2B69B5377E}"/>
-                              </a:ext>
-                            </a:extLst>
-                          </p:cNvPr>
-                          <p:cNvSpPr/>
-                          <p:nvPr/>
-                        </p:nvSpPr>
-                        <p:spPr>
-                          <a:xfrm>
-                            <a:off x="1005238" y="3482877"/>
-                            <a:ext cx="601541" cy="184478"/>
-                          </a:xfrm>
-                          <a:prstGeom prst="roundRect">
-                            <a:avLst/>
-                          </a:prstGeom>
-                          <a:solidFill>
-                            <a:schemeClr val="dk1">
-                              <a:alpha val="50000"/>
-                            </a:schemeClr>
-                          </a:solidFill>
-                          <a:ln>
-                            <a:noFill/>
-                          </a:ln>
-                        </p:spPr>
-                        <p:style>
-                          <a:lnRef idx="0">
-                            <a:scrgbClr r="0" g="0" b="0"/>
-                          </a:lnRef>
-                          <a:fillRef idx="0">
-                            <a:scrgbClr r="0" g="0" b="0"/>
-                          </a:fillRef>
-                          <a:effectRef idx="0">
-                            <a:scrgbClr r="0" g="0" b="0"/>
-                          </a:effectRef>
-                          <a:fontRef idx="minor">
-                            <a:schemeClr val="lt1"/>
-                          </a:fontRef>
-                        </p:style>
-                        <p:txBody>
-                          <a:bodyPr rtlCol="0" anchor="ctr"/>
-                          <a:lstStyle/>
-                          <a:p>
-                            <a:pPr algn="ctr"/>
-                            <a:r>
-                              <a:rPr lang="fr-FR" sz="1000" dirty="0" err="1"/>
-                              <a:t>Rèf</a:t>
-                            </a:r>
-                            <a:endParaRPr lang="fr-FR" sz="1000" dirty="0"/>
-                          </a:p>
-                        </p:txBody>
-                      </p:sp>
-                      <p:sp>
-                        <p:nvSpPr>
-                          <p:cNvPr id="162" name="Rectangle : coins arrondis 161">
-                            <a:extLst>
-                              <a:ext uri="{FF2B5EF4-FFF2-40B4-BE49-F238E27FC236}">
-                                <a16:creationId xmlns:a16="http://schemas.microsoft.com/office/drawing/2014/main" id="{5218C6FB-704E-4C91-B159-656453EA5DAB}"/>
-                              </a:ext>
-                            </a:extLst>
-                          </p:cNvPr>
-                          <p:cNvSpPr/>
-                          <p:nvPr/>
-                        </p:nvSpPr>
-                        <p:spPr>
-                          <a:xfrm>
-                            <a:off x="1980228" y="3215180"/>
-                            <a:ext cx="783252" cy="186121"/>
-                          </a:xfrm>
-                          <a:prstGeom prst="roundRect">
-                            <a:avLst/>
-                          </a:prstGeom>
-                          <a:solidFill>
-                            <a:schemeClr val="dk1">
-                              <a:alpha val="50000"/>
-                            </a:schemeClr>
-                          </a:solidFill>
-                          <a:ln>
-                            <a:noFill/>
-                          </a:ln>
-                        </p:spPr>
-                        <p:style>
-                          <a:lnRef idx="0">
-                            <a:scrgbClr r="0" g="0" b="0"/>
-                          </a:lnRef>
-                          <a:fillRef idx="0">
-                            <a:scrgbClr r="0" g="0" b="0"/>
-                          </a:fillRef>
-                          <a:effectRef idx="0">
-                            <a:scrgbClr r="0" g="0" b="0"/>
-                          </a:effectRef>
-                          <a:fontRef idx="minor">
-                            <a:schemeClr val="lt1"/>
-                          </a:fontRef>
-                        </p:style>
-                        <p:txBody>
-                          <a:bodyPr rtlCol="0" anchor="ctr"/>
-                          <a:lstStyle/>
-                          <a:p>
-                            <a:pPr algn="ctr"/>
-                            <a:r>
-                              <a:rPr lang="fr-FR" sz="1000" dirty="0"/>
-                              <a:t>Prix</a:t>
-                            </a:r>
-                          </a:p>
-                        </p:txBody>
-                      </p:sp>
-                      <p:sp>
-                        <p:nvSpPr>
-                          <p:cNvPr id="163" name="Rectangle : coins arrondis 162">
-                            <a:extLst>
-                              <a:ext uri="{FF2B5EF4-FFF2-40B4-BE49-F238E27FC236}">
-                                <a16:creationId xmlns:a16="http://schemas.microsoft.com/office/drawing/2014/main" id="{62319B4B-6254-4F29-9813-B6A8768698D5}"/>
-                              </a:ext>
-                            </a:extLst>
-                          </p:cNvPr>
-                          <p:cNvSpPr/>
-                          <p:nvPr/>
-                        </p:nvSpPr>
-                        <p:spPr>
-                          <a:xfrm>
-                            <a:off x="1982719" y="3509595"/>
-                            <a:ext cx="786485" cy="232256"/>
-                          </a:xfrm>
-                          <a:prstGeom prst="roundRect">
-                            <a:avLst/>
-                          </a:prstGeom>
-                          <a:solidFill>
-                            <a:schemeClr val="dk1">
-                              <a:alpha val="50000"/>
-                            </a:schemeClr>
-                          </a:solidFill>
-                          <a:ln>
-                            <a:noFill/>
-                          </a:ln>
-                        </p:spPr>
-                        <p:style>
-                          <a:lnRef idx="0">
-                            <a:scrgbClr r="0" g="0" b="0"/>
-                          </a:lnRef>
-                          <a:fillRef idx="0">
-                            <a:scrgbClr r="0" g="0" b="0"/>
-                          </a:fillRef>
-                          <a:effectRef idx="0">
-                            <a:scrgbClr r="0" g="0" b="0"/>
-                          </a:effectRef>
-                          <a:fontRef idx="minor">
-                            <a:schemeClr val="lt1"/>
-                          </a:fontRef>
-                        </p:style>
-                        <p:txBody>
-                          <a:bodyPr rtlCol="0" anchor="ctr"/>
-                          <a:lstStyle/>
-                          <a:p>
-                            <a:pPr algn="ctr"/>
-                            <a:r>
-                              <a:rPr lang="fr-FR" sz="1000" dirty="0"/>
-                              <a:t>Stock</a:t>
-                            </a:r>
-                          </a:p>
-                        </p:txBody>
-                      </p:sp>
-                    </p:grpSp>
-                  </p:grpSp>
-                  <p:grpSp>
-                    <p:nvGrpSpPr>
-                      <p:cNvPr id="190" name="Groupe 189">
-                        <a:extLst>
-                          <a:ext uri="{FF2B5EF4-FFF2-40B4-BE49-F238E27FC236}">
-                            <a16:creationId xmlns:a16="http://schemas.microsoft.com/office/drawing/2014/main" id="{CCC59E3A-F414-4961-966F-48C846782153}"/>
-                          </a:ext>
-                        </a:extLst>
-                      </p:cNvPr>
-                      <p:cNvGrpSpPr/>
-                      <p:nvPr/>
-                    </p:nvGrpSpPr>
-                    <p:grpSpPr>
-                      <a:xfrm>
-                        <a:off x="3809026" y="3220436"/>
-                        <a:ext cx="2596325" cy="3198119"/>
-                        <a:chOff x="3809026" y="3220436"/>
-                        <a:chExt cx="2596325" cy="3198119"/>
-                      </a:xfrm>
-                    </p:grpSpPr>
-                    <p:grpSp>
-                      <p:nvGrpSpPr>
-                        <p:cNvPr id="189" name="Groupe 188">
-                          <a:extLst>
-                            <a:ext uri="{FF2B5EF4-FFF2-40B4-BE49-F238E27FC236}">
-                              <a16:creationId xmlns:a16="http://schemas.microsoft.com/office/drawing/2014/main" id="{5C5F0773-99A8-44DF-89D1-464DFB1DC60E}"/>
-                            </a:ext>
-                          </a:extLst>
-                        </p:cNvPr>
-                        <p:cNvGrpSpPr/>
-                        <p:nvPr/>
-                      </p:nvGrpSpPr>
-                      <p:grpSpPr>
-                        <a:xfrm>
-                          <a:off x="3809026" y="3220436"/>
-                          <a:ext cx="2596325" cy="3198119"/>
-                          <a:chOff x="3809026" y="3220436"/>
-                          <a:chExt cx="2596325" cy="3198119"/>
-                        </a:xfrm>
-                      </p:grpSpPr>
-                      <p:grpSp>
-                        <p:nvGrpSpPr>
-                          <p:cNvPr id="28" name="Groupe 27">
-                            <a:extLst>
-                              <a:ext uri="{FF2B5EF4-FFF2-40B4-BE49-F238E27FC236}">
-                                <a16:creationId xmlns:a16="http://schemas.microsoft.com/office/drawing/2014/main" id="{ACDD04AD-3F35-41D6-BEE8-ECDA5ADC91A3}"/>
-                              </a:ext>
-                            </a:extLst>
-                          </p:cNvPr>
-                          <p:cNvGrpSpPr/>
-                          <p:nvPr/>
-                        </p:nvGrpSpPr>
-                        <p:grpSpPr>
-                          <a:xfrm>
-                            <a:off x="3809026" y="3220436"/>
-                            <a:ext cx="2596325" cy="3198119"/>
-                            <a:chOff x="3949255" y="2052499"/>
-                            <a:chExt cx="2438400" cy="3365321"/>
-                          </a:xfrm>
-                        </p:grpSpPr>
-                        <p:sp>
-                          <p:nvSpPr>
-                            <p:cNvPr id="12" name="Rectangle : coins arrondis 11">
-                              <a:extLst>
-                                <a:ext uri="{FF2B5EF4-FFF2-40B4-BE49-F238E27FC236}">
-                                  <a16:creationId xmlns:a16="http://schemas.microsoft.com/office/drawing/2014/main" id="{4278010F-0883-45F3-9891-38EECE9AB062}"/>
-                                </a:ext>
-                              </a:extLst>
-                            </p:cNvPr>
-                            <p:cNvSpPr/>
-                            <p:nvPr/>
-                          </p:nvSpPr>
-                          <p:spPr>
-                            <a:xfrm>
-                              <a:off x="3949255" y="2052499"/>
-                              <a:ext cx="2438400" cy="3365321"/>
-                            </a:xfrm>
-                            <a:prstGeom prst="roundRect">
-                              <a:avLst/>
-                            </a:prstGeom>
-                          </p:spPr>
-                          <p:style>
-                            <a:lnRef idx="2">
-                              <a:schemeClr val="dk1"/>
-                            </a:lnRef>
-                            <a:fillRef idx="1">
-                              <a:schemeClr val="lt1"/>
-                            </a:fillRef>
-                            <a:effectRef idx="0">
-                              <a:schemeClr val="dk1"/>
-                            </a:effectRef>
-                            <a:fontRef idx="minor">
-                              <a:schemeClr val="dk1"/>
-                            </a:fontRef>
-                          </p:style>
-                          <p:txBody>
-                            <a:bodyPr rtlCol="0" anchor="ctr"/>
-                            <a:lstStyle/>
-                            <a:p>
-                              <a:pPr algn="ctr"/>
-                              <a:endParaRPr lang="fr-FR" dirty="0"/>
-                            </a:p>
-                          </p:txBody>
-                        </p:sp>
-                        <p:cxnSp>
-                          <p:nvCxnSpPr>
-                            <p:cNvPr id="21" name="Connecteur droit 20">
-                              <a:extLst>
-                                <a:ext uri="{FF2B5EF4-FFF2-40B4-BE49-F238E27FC236}">
-                                  <a16:creationId xmlns:a16="http://schemas.microsoft.com/office/drawing/2014/main" id="{00A95503-CD41-484F-A1EC-986F339DCAF9}"/>
-                                </a:ext>
-                              </a:extLst>
-                            </p:cNvPr>
-                            <p:cNvCxnSpPr/>
-                            <p:nvPr/>
-                          </p:nvCxnSpPr>
-                          <p:spPr>
-                            <a:xfrm>
-                              <a:off x="3949255" y="2766060"/>
-                              <a:ext cx="2438400" cy="0"/>
-                            </a:xfrm>
-                            <a:prstGeom prst="line">
-                              <a:avLst/>
-                            </a:prstGeom>
-                          </p:spPr>
-                          <p:style>
-                            <a:lnRef idx="2">
-                              <a:schemeClr val="dk1"/>
-                            </a:lnRef>
-                            <a:fillRef idx="0">
-                              <a:schemeClr val="dk1"/>
-                            </a:fillRef>
-                            <a:effectRef idx="1">
-                              <a:schemeClr val="dk1"/>
-                            </a:effectRef>
-                            <a:fontRef idx="minor">
-                              <a:schemeClr val="tx1"/>
-                            </a:fontRef>
-                          </p:style>
-                        </p:cxnSp>
-                      </p:grpSp>
-                      <p:grpSp>
-                        <p:nvGrpSpPr>
-                          <p:cNvPr id="185" name="Groupe 184">
-                            <a:extLst>
-                              <a:ext uri="{FF2B5EF4-FFF2-40B4-BE49-F238E27FC236}">
-                                <a16:creationId xmlns:a16="http://schemas.microsoft.com/office/drawing/2014/main" id="{138663F8-25A1-4712-AE1F-65DB2AB61C6D}"/>
-                              </a:ext>
-                            </a:extLst>
-                          </p:cNvPr>
-                          <p:cNvGrpSpPr/>
-                          <p:nvPr/>
-                        </p:nvGrpSpPr>
-                        <p:grpSpPr>
-                          <a:xfrm>
-                            <a:off x="3925077" y="3994498"/>
-                            <a:ext cx="2364222" cy="2131092"/>
-                            <a:chOff x="3925077" y="3994498"/>
-                            <a:chExt cx="2364222" cy="2131092"/>
-                          </a:xfrm>
-                        </p:grpSpPr>
-                        <p:sp>
-                          <p:nvSpPr>
-                            <p:cNvPr id="178" name="Rectangle : coins arrondis 177">
-                              <a:extLst>
-                                <a:ext uri="{FF2B5EF4-FFF2-40B4-BE49-F238E27FC236}">
-                                  <a16:creationId xmlns:a16="http://schemas.microsoft.com/office/drawing/2014/main" id="{1BE19C4D-9901-4B4B-A16F-74FDB0F48849}"/>
-                                </a:ext>
-                              </a:extLst>
-                            </p:cNvPr>
-                            <p:cNvSpPr/>
-                            <p:nvPr/>
-                          </p:nvSpPr>
-                          <p:spPr>
-                            <a:xfrm>
-                              <a:off x="3925077" y="3994498"/>
-                              <a:ext cx="2364222" cy="2131092"/>
-                            </a:xfrm>
-                            <a:prstGeom prst="roundRect">
-                              <a:avLst/>
-                            </a:prstGeom>
-                            <a:ln/>
-                          </p:spPr>
-                          <p:style>
-                            <a:lnRef idx="1">
-                              <a:schemeClr val="accent3"/>
-                            </a:lnRef>
-                            <a:fillRef idx="2">
-                              <a:schemeClr val="accent3"/>
-                            </a:fillRef>
-                            <a:effectRef idx="1">
-                              <a:schemeClr val="accent3"/>
-                            </a:effectRef>
-                            <a:fontRef idx="minor">
-                              <a:schemeClr val="dk1"/>
-                            </a:fontRef>
-                          </p:style>
-                          <p:txBody>
-                            <a:bodyPr rtlCol="0" anchor="ctr"/>
-                            <a:lstStyle/>
-                            <a:p>
-                              <a:pPr algn="ctr"/>
-                              <a:endParaRPr lang="fr-FR"/>
-                            </a:p>
-                          </p:txBody>
-                        </p:sp>
-                        <p:sp>
-                          <p:nvSpPr>
-                            <p:cNvPr id="30" name="Rectangle 29">
-                              <a:extLst>
-                                <a:ext uri="{FF2B5EF4-FFF2-40B4-BE49-F238E27FC236}">
-                                  <a16:creationId xmlns:a16="http://schemas.microsoft.com/office/drawing/2014/main" id="{B4A760EB-5182-4A7E-85BF-CDF852A16F41}"/>
-                                </a:ext>
-                              </a:extLst>
-                            </p:cNvPr>
-                            <p:cNvSpPr/>
-                            <p:nvPr/>
-                          </p:nvSpPr>
-                          <p:spPr>
-                            <a:xfrm>
-                              <a:off x="4394315" y="4112859"/>
-                              <a:ext cx="1460433" cy="902661"/>
-                            </a:xfrm>
-                            <a:prstGeom prst="rect">
-                              <a:avLst/>
-                            </a:prstGeom>
-                            <a:solidFill>
-                              <a:schemeClr val="accent4">
-                                <a:alpha val="50000"/>
-                              </a:schemeClr>
-                            </a:solidFill>
-                            <a:ln>
-                              <a:noFill/>
-                            </a:ln>
-                          </p:spPr>
-                          <p:style>
-                            <a:lnRef idx="0">
-                              <a:scrgbClr r="0" g="0" b="0"/>
-                            </a:lnRef>
-                            <a:fillRef idx="0">
-                              <a:scrgbClr r="0" g="0" b="0"/>
-                            </a:fillRef>
-                            <a:effectRef idx="0">
-                              <a:scrgbClr r="0" g="0" b="0"/>
-                            </a:effectRef>
-                            <a:fontRef idx="minor">
-                              <a:schemeClr val="lt1"/>
-                            </a:fontRef>
-                          </p:style>
-                          <p:txBody>
-                            <a:bodyPr rtlCol="0" anchor="ctr"/>
-                            <a:lstStyle/>
-                            <a:p>
-                              <a:pPr algn="ctr"/>
-                              <a:r>
-                                <a:rPr lang="fr-FR" dirty="0">
-                                  <a:solidFill>
-                                    <a:schemeClr val="bg1"/>
-                                  </a:solidFill>
-                                </a:rPr>
-                                <a:t>Vidéo</a:t>
-                              </a:r>
-                            </a:p>
-                          </p:txBody>
-                        </p:sp>
-                        <p:sp>
-                          <p:nvSpPr>
-                            <p:cNvPr id="31" name="Rectangle 30">
-                              <a:extLst>
-                                <a:ext uri="{FF2B5EF4-FFF2-40B4-BE49-F238E27FC236}">
-                                  <a16:creationId xmlns:a16="http://schemas.microsoft.com/office/drawing/2014/main" id="{42FF186C-26C1-4DCA-B896-8393972F5F21}"/>
-                                </a:ext>
-                              </a:extLst>
-                            </p:cNvPr>
-                            <p:cNvSpPr/>
-                            <p:nvPr/>
-                          </p:nvSpPr>
-                          <p:spPr>
-                            <a:xfrm>
-                              <a:off x="4110342" y="5133402"/>
-                              <a:ext cx="608514" cy="574219"/>
-                            </a:xfrm>
-                            <a:prstGeom prst="rect">
-                              <a:avLst/>
-                            </a:prstGeom>
-                            <a:solidFill>
-                              <a:schemeClr val="accent4">
-                                <a:alpha val="50000"/>
-                              </a:schemeClr>
-                            </a:solidFill>
-                            <a:ln>
-                              <a:noFill/>
-                            </a:ln>
-                          </p:spPr>
-                          <p:style>
-                            <a:lnRef idx="0">
-                              <a:scrgbClr r="0" g="0" b="0"/>
-                            </a:lnRef>
-                            <a:fillRef idx="0">
-                              <a:scrgbClr r="0" g="0" b="0"/>
-                            </a:fillRef>
-                            <a:effectRef idx="0">
-                              <a:scrgbClr r="0" g="0" b="0"/>
-                            </a:effectRef>
-                            <a:fontRef idx="minor">
-                              <a:schemeClr val="lt1"/>
-                            </a:fontRef>
-                          </p:style>
-                          <p:txBody>
-                            <a:bodyPr rtlCol="0" anchor="ctr"/>
-                            <a:lstStyle/>
-                            <a:p>
-                              <a:pPr algn="ctr"/>
-                              <a:r>
-                                <a:rPr lang="fr-FR" sz="1400" dirty="0">
-                                  <a:solidFill>
-                                    <a:schemeClr val="bg1"/>
-                                  </a:solidFill>
-                                </a:rPr>
-                                <a:t>Pop</a:t>
-                              </a:r>
-                            </a:p>
-                          </p:txBody>
-                        </p:sp>
-                        <p:sp>
-                          <p:nvSpPr>
-                            <p:cNvPr id="32" name="Rectangle 31">
-                              <a:extLst>
-                                <a:ext uri="{FF2B5EF4-FFF2-40B4-BE49-F238E27FC236}">
-                                  <a16:creationId xmlns:a16="http://schemas.microsoft.com/office/drawing/2014/main" id="{ACB8477A-54AC-4CBA-A726-9AC0E238065D}"/>
-                                </a:ext>
-                              </a:extLst>
-                            </p:cNvPr>
-                            <p:cNvSpPr/>
-                            <p:nvPr/>
-                          </p:nvSpPr>
-                          <p:spPr>
-                            <a:xfrm>
-                              <a:off x="4802932" y="5133401"/>
-                              <a:ext cx="608514" cy="574219"/>
-                            </a:xfrm>
-                            <a:prstGeom prst="rect">
-                              <a:avLst/>
-                            </a:prstGeom>
-                            <a:solidFill>
-                              <a:schemeClr val="accent4">
-                                <a:alpha val="50000"/>
-                              </a:schemeClr>
-                            </a:solidFill>
-                            <a:ln>
-                              <a:noFill/>
-                            </a:ln>
-                          </p:spPr>
-                          <p:style>
-                            <a:lnRef idx="0">
-                              <a:scrgbClr r="0" g="0" b="0"/>
-                            </a:lnRef>
-                            <a:fillRef idx="0">
-                              <a:scrgbClr r="0" g="0" b="0"/>
-                            </a:fillRef>
-                            <a:effectRef idx="0">
-                              <a:scrgbClr r="0" g="0" b="0"/>
-                            </a:effectRef>
-                            <a:fontRef idx="minor">
-                              <a:schemeClr val="lt1"/>
-                            </a:fontRef>
-                          </p:style>
-                          <p:txBody>
-                            <a:bodyPr rtlCol="0" anchor="ctr"/>
-                            <a:lstStyle/>
-                            <a:p>
-                              <a:pPr algn="ctr"/>
-                              <a:r>
-                                <a:rPr lang="fr-FR" sz="1400" dirty="0">
-                                  <a:solidFill>
-                                    <a:schemeClr val="bg1"/>
-                                  </a:solidFill>
-                                </a:rPr>
-                                <a:t>Pop</a:t>
-                              </a:r>
-                              <a:endParaRPr lang="fr-FR" sz="1400" dirty="0"/>
-                            </a:p>
-                          </p:txBody>
-                        </p:sp>
-                        <p:sp>
-                          <p:nvSpPr>
-                            <p:cNvPr id="33" name="Rectangle 32">
-                              <a:extLst>
-                                <a:ext uri="{FF2B5EF4-FFF2-40B4-BE49-F238E27FC236}">
-                                  <a16:creationId xmlns:a16="http://schemas.microsoft.com/office/drawing/2014/main" id="{BA069CC2-51DE-4DEE-B6C1-A51392B89EF9}"/>
-                                </a:ext>
-                              </a:extLst>
-                            </p:cNvPr>
-                            <p:cNvSpPr/>
-                            <p:nvPr/>
-                          </p:nvSpPr>
-                          <p:spPr>
-                            <a:xfrm>
-                              <a:off x="5528381" y="5133401"/>
-                              <a:ext cx="608514" cy="574219"/>
-                            </a:xfrm>
-                            <a:prstGeom prst="rect">
-                              <a:avLst/>
-                            </a:prstGeom>
-                            <a:solidFill>
-                              <a:schemeClr val="accent4">
-                                <a:alpha val="50000"/>
-                              </a:schemeClr>
-                            </a:solidFill>
-                            <a:ln>
-                              <a:noFill/>
-                            </a:ln>
-                          </p:spPr>
-                          <p:style>
-                            <a:lnRef idx="0">
-                              <a:scrgbClr r="0" g="0" b="0"/>
-                            </a:lnRef>
-                            <a:fillRef idx="0">
-                              <a:scrgbClr r="0" g="0" b="0"/>
-                            </a:fillRef>
-                            <a:effectRef idx="0">
-                              <a:scrgbClr r="0" g="0" b="0"/>
-                            </a:effectRef>
-                            <a:fontRef idx="minor">
-                              <a:schemeClr val="lt1"/>
-                            </a:fontRef>
-                          </p:style>
-                          <p:txBody>
-                            <a:bodyPr rtlCol="0" anchor="ctr"/>
-                            <a:lstStyle/>
-                            <a:p>
-                              <a:pPr algn="ctr"/>
-                              <a:r>
-                                <a:rPr lang="fr-FR" sz="1400" dirty="0">
-                                  <a:solidFill>
-                                    <a:schemeClr val="bg1"/>
-                                  </a:solidFill>
-                                </a:rPr>
-                                <a:t>Pop</a:t>
-                              </a:r>
-                              <a:endParaRPr lang="fr-FR" sz="1400" dirty="0"/>
-                            </a:p>
-                          </p:txBody>
-                        </p:sp>
-                      </p:grpSp>
-                    </p:grpSp>
-                    <p:grpSp>
-                      <p:nvGrpSpPr>
-                        <p:cNvPr id="95" name="Groupe 94">
-                          <a:extLst>
-                            <a:ext uri="{FF2B5EF4-FFF2-40B4-BE49-F238E27FC236}">
-                              <a16:creationId xmlns:a16="http://schemas.microsoft.com/office/drawing/2014/main" id="{3294EF32-6C9C-4AD0-A184-7F1A1A0503E5}"/>
-                            </a:ext>
-                          </a:extLst>
-                        </p:cNvPr>
-                        <p:cNvGrpSpPr/>
-                        <p:nvPr/>
-                      </p:nvGrpSpPr>
-                      <p:grpSpPr>
-                        <a:xfrm>
-                          <a:off x="3887975" y="3474423"/>
-                          <a:ext cx="2444118" cy="343142"/>
-                          <a:chOff x="4019082" y="2264255"/>
-                          <a:chExt cx="2444118" cy="375821"/>
-                        </a:xfrm>
-                      </p:grpSpPr>
-                      <p:pic>
-                        <p:nvPicPr>
-                          <p:cNvPr id="96" name="Image 95">
-                            <a:extLst>
-                              <a:ext uri="{FF2B5EF4-FFF2-40B4-BE49-F238E27FC236}">
-                                <a16:creationId xmlns:a16="http://schemas.microsoft.com/office/drawing/2014/main" id="{0467F8DD-A867-478D-8FD0-B6881C3970E2}"/>
-                              </a:ext>
-                            </a:extLst>
-                          </p:cNvPr>
-                          <p:cNvPicPr>
-                            <a:picLocks noChangeAspect="1"/>
-                          </p:cNvPicPr>
-                          <p:nvPr/>
-                        </p:nvPicPr>
-                        <p:blipFill>
-                          <a:blip r:embed="rId2">
-                            <a:extLst>
-                              <a:ext uri="{28A0092B-C50C-407E-A947-70E740481C1C}">
-                                <a14:useLocalDpi xmlns:a14="http://schemas.microsoft.com/office/drawing/2010/main" val="0"/>
-                              </a:ext>
-                            </a:extLst>
-                          </a:blip>
-                          <a:stretch>
-                            <a:fillRect/>
-                          </a:stretch>
-                        </p:blipFill>
-                        <p:spPr>
-                          <a:xfrm>
-                            <a:off x="4019082" y="2265888"/>
-                            <a:ext cx="368479" cy="368479"/>
-                          </a:xfrm>
-                          <a:prstGeom prst="rect">
-                            <a:avLst/>
-                          </a:prstGeom>
-                        </p:spPr>
-                      </p:pic>
-                      <p:pic>
-                        <p:nvPicPr>
-                          <p:cNvPr id="98" name="Image 97">
-                            <a:extLst>
-                              <a:ext uri="{FF2B5EF4-FFF2-40B4-BE49-F238E27FC236}">
-                                <a16:creationId xmlns:a16="http://schemas.microsoft.com/office/drawing/2014/main" id="{CE59DEE9-2782-4530-9264-784B69C6864C}"/>
-                              </a:ext>
-                            </a:extLst>
-                          </p:cNvPr>
-                          <p:cNvPicPr>
-                            <a:picLocks noChangeAspect="1"/>
-                          </p:cNvPicPr>
-                          <p:nvPr/>
-                        </p:nvPicPr>
-                        <p:blipFill>
-                          <a:blip r:embed="rId3">
-                            <a:extLst>
-                              <a:ext uri="{28A0092B-C50C-407E-A947-70E740481C1C}">
-                                <a14:useLocalDpi xmlns:a14="http://schemas.microsoft.com/office/drawing/2010/main" val="0"/>
-                              </a:ext>
-                            </a:extLst>
-                          </a:blip>
-                          <a:stretch>
-                            <a:fillRect/>
-                          </a:stretch>
-                        </p:blipFill>
-                        <p:spPr>
-                          <a:xfrm flipH="1">
-                            <a:off x="4420959" y="2266528"/>
-                            <a:ext cx="367200" cy="367200"/>
-                          </a:xfrm>
-                          <a:prstGeom prst="rect">
-                            <a:avLst/>
-                          </a:prstGeom>
-                        </p:spPr>
-                      </p:pic>
-                      <p:pic>
-                        <p:nvPicPr>
-                          <p:cNvPr id="99" name="Image 98">
-                            <a:extLst>
-                              <a:ext uri="{FF2B5EF4-FFF2-40B4-BE49-F238E27FC236}">
-                                <a16:creationId xmlns:a16="http://schemas.microsoft.com/office/drawing/2014/main" id="{F3A2ACCE-DFBC-4E4B-B5A1-C4A7E0369276}"/>
-                              </a:ext>
-                            </a:extLst>
-                          </p:cNvPr>
-                          <p:cNvPicPr>
-                            <a:picLocks noChangeAspect="1"/>
-                          </p:cNvPicPr>
-                          <p:nvPr/>
-                        </p:nvPicPr>
-                        <p:blipFill>
-                          <a:blip r:embed="rId4">
-                            <a:extLst>
-                              <a:ext uri="{28A0092B-C50C-407E-A947-70E740481C1C}">
-                                <a14:useLocalDpi xmlns:a14="http://schemas.microsoft.com/office/drawing/2010/main" val="0"/>
-                              </a:ext>
-                            </a:extLst>
-                          </a:blip>
-                          <a:stretch>
-                            <a:fillRect/>
-                          </a:stretch>
-                        </p:blipFill>
-                        <p:spPr>
-                          <a:xfrm>
-                            <a:off x="4871096" y="2264255"/>
-                            <a:ext cx="367200" cy="367200"/>
-                          </a:xfrm>
-                          <a:prstGeom prst="rect">
-                            <a:avLst/>
-                          </a:prstGeom>
-                        </p:spPr>
-                      </p:pic>
-                      <p:pic>
-                        <p:nvPicPr>
-                          <p:cNvPr id="114" name="Image 113">
-                            <a:extLst>
-                              <a:ext uri="{FF2B5EF4-FFF2-40B4-BE49-F238E27FC236}">
-                                <a16:creationId xmlns:a16="http://schemas.microsoft.com/office/drawing/2014/main" id="{05F1AAA6-CE6D-4742-AEE0-0774FAE44793}"/>
-                              </a:ext>
-                            </a:extLst>
-                          </p:cNvPr>
-                          <p:cNvPicPr>
-                            <a:picLocks noChangeAspect="1"/>
-                          </p:cNvPicPr>
-                          <p:nvPr/>
-                        </p:nvPicPr>
-                        <p:blipFill>
-                          <a:blip r:embed="rId5">
-                            <a:extLst>
-                              <a:ext uri="{28A0092B-C50C-407E-A947-70E740481C1C}">
-                                <a14:useLocalDpi xmlns:a14="http://schemas.microsoft.com/office/drawing/2010/main" val="0"/>
-                              </a:ext>
-                            </a:extLst>
-                          </a:blip>
-                          <a:stretch>
-                            <a:fillRect/>
-                          </a:stretch>
-                        </p:blipFill>
-                        <p:spPr>
-                          <a:xfrm>
-                            <a:off x="5649459" y="2268553"/>
-                            <a:ext cx="367200" cy="367200"/>
-                          </a:xfrm>
-                          <a:prstGeom prst="rect">
-                            <a:avLst/>
-                          </a:prstGeom>
-                        </p:spPr>
-                      </p:pic>
-                      <p:pic>
-                        <p:nvPicPr>
-                          <p:cNvPr id="118" name="Image 117">
-                            <a:extLst>
-                              <a:ext uri="{FF2B5EF4-FFF2-40B4-BE49-F238E27FC236}">
-                                <a16:creationId xmlns:a16="http://schemas.microsoft.com/office/drawing/2014/main" id="{3F194B26-2436-4993-8840-32121AC54DD2}"/>
-                              </a:ext>
-                            </a:extLst>
-                          </p:cNvPr>
-                          <p:cNvPicPr>
-                            <a:picLocks noChangeAspect="1"/>
-                          </p:cNvPicPr>
-                          <p:nvPr/>
-                        </p:nvPicPr>
-                        <p:blipFill>
-                          <a:blip r:embed="rId6">
-                            <a:extLst>
-                              <a:ext uri="{28A0092B-C50C-407E-A947-70E740481C1C}">
-                                <a14:useLocalDpi xmlns:a14="http://schemas.microsoft.com/office/drawing/2010/main" val="0"/>
-                              </a:ext>
-                            </a:extLst>
-                          </a:blip>
-                          <a:stretch>
-                            <a:fillRect/>
-                          </a:stretch>
-                        </p:blipFill>
-                        <p:spPr>
-                          <a:xfrm>
-                            <a:off x="6096000" y="2272876"/>
-                            <a:ext cx="367200" cy="367200"/>
-                          </a:xfrm>
-                          <a:prstGeom prst="rect">
-                            <a:avLst/>
-                          </a:prstGeom>
-                        </p:spPr>
-                      </p:pic>
-                    </p:grpSp>
-                  </p:grpSp>
-                  <p:grpSp>
-                    <p:nvGrpSpPr>
-                      <p:cNvPr id="186" name="Groupe 185">
-                        <a:extLst>
-                          <a:ext uri="{FF2B5EF4-FFF2-40B4-BE49-F238E27FC236}">
-                            <a16:creationId xmlns:a16="http://schemas.microsoft.com/office/drawing/2014/main" id="{87982C13-4CF6-4089-996D-B08AD4C920F9}"/>
-                          </a:ext>
-                        </a:extLst>
-                      </p:cNvPr>
-                      <p:cNvGrpSpPr/>
-                      <p:nvPr/>
-                    </p:nvGrpSpPr>
-                    <p:grpSpPr>
-                      <a:xfrm>
-                        <a:off x="6992294" y="128109"/>
-                        <a:ext cx="2903220" cy="2611221"/>
-                        <a:chOff x="6992294" y="128109"/>
-                        <a:chExt cx="2903220" cy="2611221"/>
-                      </a:xfrm>
-                    </p:grpSpPr>
-                    <p:grpSp>
-                      <p:nvGrpSpPr>
-                        <p:cNvPr id="74" name="Groupe 73">
-                          <a:extLst>
-                            <a:ext uri="{FF2B5EF4-FFF2-40B4-BE49-F238E27FC236}">
-                              <a16:creationId xmlns:a16="http://schemas.microsoft.com/office/drawing/2014/main" id="{76C0880C-0DD0-4926-B135-DCDD5D4F8928}"/>
-                            </a:ext>
-                          </a:extLst>
-                        </p:cNvPr>
-                        <p:cNvGrpSpPr/>
-                        <p:nvPr/>
-                      </p:nvGrpSpPr>
-                      <p:grpSpPr>
-                        <a:xfrm>
-                          <a:off x="6992294" y="128109"/>
-                          <a:ext cx="2903220" cy="2611221"/>
-                          <a:chOff x="7261860" y="627670"/>
-                          <a:chExt cx="2903220" cy="1727558"/>
-                        </a:xfrm>
-                      </p:grpSpPr>
-                      <p:grpSp>
-                        <p:nvGrpSpPr>
-                          <p:cNvPr id="75" name="Groupe 74">
-                            <a:extLst>
-                              <a:ext uri="{FF2B5EF4-FFF2-40B4-BE49-F238E27FC236}">
-                                <a16:creationId xmlns:a16="http://schemas.microsoft.com/office/drawing/2014/main" id="{C600748E-1455-4353-A795-789702FFBE18}"/>
-                              </a:ext>
-                            </a:extLst>
-                          </p:cNvPr>
-                          <p:cNvGrpSpPr/>
-                          <p:nvPr/>
-                        </p:nvGrpSpPr>
-                        <p:grpSpPr>
-                          <a:xfrm>
-                            <a:off x="7261860" y="627670"/>
-                            <a:ext cx="2903220" cy="1727558"/>
-                            <a:chOff x="7261860" y="627670"/>
-                            <a:chExt cx="2903220" cy="1727558"/>
-                          </a:xfrm>
-                        </p:grpSpPr>
-                        <p:sp>
-                          <p:nvSpPr>
-                            <p:cNvPr id="82" name="Rectangle : coins arrondis 81">
-                              <a:extLst>
-                                <a:ext uri="{FF2B5EF4-FFF2-40B4-BE49-F238E27FC236}">
-                                  <a16:creationId xmlns:a16="http://schemas.microsoft.com/office/drawing/2014/main" id="{94CAB4ED-3DFA-4377-8486-84D00CE80566}"/>
-                                </a:ext>
-                              </a:extLst>
-                            </p:cNvPr>
-                            <p:cNvSpPr/>
-                            <p:nvPr/>
-                          </p:nvSpPr>
-                          <p:spPr>
-                            <a:xfrm>
-                              <a:off x="7261860" y="627670"/>
-                              <a:ext cx="2903220" cy="1727558"/>
-                            </a:xfrm>
-                            <a:prstGeom prst="roundRect">
-                              <a:avLst/>
-                            </a:prstGeom>
-                          </p:spPr>
-                          <p:style>
-                            <a:lnRef idx="2">
-                              <a:schemeClr val="dk1"/>
-                            </a:lnRef>
-                            <a:fillRef idx="1">
-                              <a:schemeClr val="lt1"/>
-                            </a:fillRef>
-                            <a:effectRef idx="0">
-                              <a:schemeClr val="dk1"/>
-                            </a:effectRef>
-                            <a:fontRef idx="minor">
-                              <a:schemeClr val="dk1"/>
-                            </a:fontRef>
-                          </p:style>
-                          <p:txBody>
-                            <a:bodyPr rtlCol="0" anchor="ctr"/>
-                            <a:lstStyle/>
-                            <a:p>
-                              <a:pPr algn="ctr"/>
-                              <a:endParaRPr lang="fr-FR"/>
-                            </a:p>
-                          </p:txBody>
-                        </p:sp>
-                        <p:cxnSp>
-                          <p:nvCxnSpPr>
-                            <p:cNvPr id="83" name="Connecteur droit 82">
-                              <a:extLst>
-                                <a:ext uri="{FF2B5EF4-FFF2-40B4-BE49-F238E27FC236}">
-                                  <a16:creationId xmlns:a16="http://schemas.microsoft.com/office/drawing/2014/main" id="{63316466-2918-4E85-90D0-ED44A73FB295}"/>
-                                </a:ext>
-                              </a:extLst>
-                            </p:cNvPr>
-                            <p:cNvCxnSpPr/>
-                            <p:nvPr/>
-                          </p:nvCxnSpPr>
-                          <p:spPr>
-                            <a:xfrm>
-                              <a:off x="7261860" y="1077250"/>
-                              <a:ext cx="2903220" cy="0"/>
-                            </a:xfrm>
-                            <a:prstGeom prst="line">
-                              <a:avLst/>
-                            </a:prstGeom>
-                          </p:spPr>
-                          <p:style>
-                            <a:lnRef idx="2">
-                              <a:schemeClr val="dk1"/>
-                            </a:lnRef>
-                            <a:fillRef idx="0">
-                              <a:schemeClr val="dk1"/>
-                            </a:fillRef>
-                            <a:effectRef idx="1">
-                              <a:schemeClr val="dk1"/>
-                            </a:effectRef>
-                            <a:fontRef idx="minor">
-                              <a:schemeClr val="tx1"/>
-                            </a:fontRef>
-                          </p:style>
-                        </p:cxnSp>
-                      </p:grpSp>
-                      <p:grpSp>
-                        <p:nvGrpSpPr>
-                          <p:cNvPr id="76" name="Groupe 75">
-                            <a:extLst>
-                              <a:ext uri="{FF2B5EF4-FFF2-40B4-BE49-F238E27FC236}">
-                                <a16:creationId xmlns:a16="http://schemas.microsoft.com/office/drawing/2014/main" id="{2151E550-6CF5-43BB-995C-01A65A940B32}"/>
-                              </a:ext>
-                            </a:extLst>
-                          </p:cNvPr>
-                          <p:cNvGrpSpPr/>
-                          <p:nvPr/>
-                        </p:nvGrpSpPr>
-                        <p:grpSpPr>
-                          <a:xfrm>
-                            <a:off x="7491411" y="666049"/>
-                            <a:ext cx="2444118" cy="375821"/>
-                            <a:chOff x="4019082" y="2264255"/>
-                            <a:chExt cx="2444118" cy="375821"/>
-                          </a:xfrm>
-                        </p:grpSpPr>
-                        <p:pic>
-                          <p:nvPicPr>
-                            <p:cNvPr id="77" name="Image 76">
-                              <a:extLst>
-                                <a:ext uri="{FF2B5EF4-FFF2-40B4-BE49-F238E27FC236}">
-                                  <a16:creationId xmlns:a16="http://schemas.microsoft.com/office/drawing/2014/main" id="{C9050FD4-42EC-4F61-9B03-18A20A4AF388}"/>
-                                </a:ext>
-                              </a:extLst>
-                            </p:cNvPr>
-                            <p:cNvPicPr>
-                              <a:picLocks noChangeAspect="1"/>
-                            </p:cNvPicPr>
-                            <p:nvPr/>
-                          </p:nvPicPr>
-                          <p:blipFill>
-                            <a:blip r:embed="rId2">
-                              <a:extLst>
-                                <a:ext uri="{28A0092B-C50C-407E-A947-70E740481C1C}">
-                                  <a14:useLocalDpi xmlns:a14="http://schemas.microsoft.com/office/drawing/2010/main" val="0"/>
-                                </a:ext>
-                              </a:extLst>
-                            </a:blip>
-                            <a:stretch>
-                              <a:fillRect/>
-                            </a:stretch>
-                          </p:blipFill>
-                          <p:spPr>
-                            <a:xfrm>
-                              <a:off x="4019082" y="2265888"/>
-                              <a:ext cx="368479" cy="368479"/>
-                            </a:xfrm>
-                            <a:prstGeom prst="rect">
-                              <a:avLst/>
-                            </a:prstGeom>
-                          </p:spPr>
-                        </p:pic>
-                        <p:pic>
-                          <p:nvPicPr>
-                            <p:cNvPr id="78" name="Image 77">
-                              <a:extLst>
-                                <a:ext uri="{FF2B5EF4-FFF2-40B4-BE49-F238E27FC236}">
-                                  <a16:creationId xmlns:a16="http://schemas.microsoft.com/office/drawing/2014/main" id="{35B6B31C-7813-4F21-8ECF-020C3F5041D4}"/>
-                                </a:ext>
-                              </a:extLst>
-                            </p:cNvPr>
-                            <p:cNvPicPr>
-                              <a:picLocks noChangeAspect="1"/>
-                            </p:cNvPicPr>
-                            <p:nvPr/>
-                          </p:nvPicPr>
-                          <p:blipFill>
-                            <a:blip r:embed="rId3">
-                              <a:extLst>
-                                <a:ext uri="{28A0092B-C50C-407E-A947-70E740481C1C}">
-                                  <a14:useLocalDpi xmlns:a14="http://schemas.microsoft.com/office/drawing/2010/main" val="0"/>
-                                </a:ext>
-                              </a:extLst>
-                            </a:blip>
-                            <a:stretch>
-                              <a:fillRect/>
-                            </a:stretch>
-                          </p:blipFill>
-                          <p:spPr>
-                            <a:xfrm flipH="1">
-                              <a:off x="4420959" y="2266528"/>
-                              <a:ext cx="367200" cy="367200"/>
-                            </a:xfrm>
-                            <a:prstGeom prst="rect">
-                              <a:avLst/>
-                            </a:prstGeom>
-                          </p:spPr>
-                        </p:pic>
-                        <p:pic>
-                          <p:nvPicPr>
-                            <p:cNvPr id="79" name="Image 78">
-                              <a:extLst>
-                                <a:ext uri="{FF2B5EF4-FFF2-40B4-BE49-F238E27FC236}">
-                                  <a16:creationId xmlns:a16="http://schemas.microsoft.com/office/drawing/2014/main" id="{227A772F-7452-4B87-9288-16CB625304B7}"/>
-                                </a:ext>
-                              </a:extLst>
-                            </p:cNvPr>
-                            <p:cNvPicPr>
-                              <a:picLocks noChangeAspect="1"/>
-                            </p:cNvPicPr>
-                            <p:nvPr/>
-                          </p:nvPicPr>
-                          <p:blipFill>
-                            <a:blip r:embed="rId4">
-                              <a:extLst>
-                                <a:ext uri="{28A0092B-C50C-407E-A947-70E740481C1C}">
-                                  <a14:useLocalDpi xmlns:a14="http://schemas.microsoft.com/office/drawing/2010/main" val="0"/>
-                                </a:ext>
-                              </a:extLst>
-                            </a:blip>
-                            <a:stretch>
-                              <a:fillRect/>
-                            </a:stretch>
-                          </p:blipFill>
-                          <p:spPr>
-                            <a:xfrm>
-                              <a:off x="4871096" y="2264255"/>
-                              <a:ext cx="367200" cy="367200"/>
-                            </a:xfrm>
-                            <a:prstGeom prst="rect">
-                              <a:avLst/>
-                            </a:prstGeom>
-                          </p:spPr>
-                        </p:pic>
-                        <p:pic>
-                          <p:nvPicPr>
-                            <p:cNvPr id="80" name="Image 79">
-                              <a:extLst>
-                                <a:ext uri="{FF2B5EF4-FFF2-40B4-BE49-F238E27FC236}">
-                                  <a16:creationId xmlns:a16="http://schemas.microsoft.com/office/drawing/2014/main" id="{6BA607EB-FA32-46E1-9253-2C641377B07F}"/>
-                                </a:ext>
-                              </a:extLst>
-                            </p:cNvPr>
-                            <p:cNvPicPr>
-                              <a:picLocks noChangeAspect="1"/>
-                            </p:cNvPicPr>
-                            <p:nvPr/>
-                          </p:nvPicPr>
-                          <p:blipFill>
-                            <a:blip r:embed="rId5">
-                              <a:extLst>
-                                <a:ext uri="{28A0092B-C50C-407E-A947-70E740481C1C}">
-                                  <a14:useLocalDpi xmlns:a14="http://schemas.microsoft.com/office/drawing/2010/main" val="0"/>
-                                </a:ext>
-                              </a:extLst>
-                            </a:blip>
-                            <a:stretch>
-                              <a:fillRect/>
-                            </a:stretch>
-                          </p:blipFill>
-                          <p:spPr>
-                            <a:xfrm>
-                              <a:off x="5649459" y="2268553"/>
-                              <a:ext cx="367200" cy="367200"/>
-                            </a:xfrm>
-                            <a:prstGeom prst="rect">
-                              <a:avLst/>
-                            </a:prstGeom>
-                          </p:spPr>
-                        </p:pic>
-                        <p:pic>
-                          <p:nvPicPr>
-                            <p:cNvPr id="81" name="Image 80">
-                              <a:extLst>
-                                <a:ext uri="{FF2B5EF4-FFF2-40B4-BE49-F238E27FC236}">
-                                  <a16:creationId xmlns:a16="http://schemas.microsoft.com/office/drawing/2014/main" id="{C5E0193B-0C47-46DB-AA23-8F0A07A99F80}"/>
-                                </a:ext>
-                              </a:extLst>
-                            </p:cNvPr>
-                            <p:cNvPicPr>
-                              <a:picLocks noChangeAspect="1"/>
-                            </p:cNvPicPr>
-                            <p:nvPr/>
-                          </p:nvPicPr>
-                          <p:blipFill>
-                            <a:blip r:embed="rId6">
-                              <a:extLst>
-                                <a:ext uri="{28A0092B-C50C-407E-A947-70E740481C1C}">
-                                  <a14:useLocalDpi xmlns:a14="http://schemas.microsoft.com/office/drawing/2010/main" val="0"/>
-                                </a:ext>
-                              </a:extLst>
-                            </a:blip>
-                            <a:stretch>
-                              <a:fillRect/>
-                            </a:stretch>
-                          </p:blipFill>
-                          <p:spPr>
-                            <a:xfrm>
-                              <a:off x="6096000" y="2272876"/>
-                              <a:ext cx="367200" cy="367200"/>
-                            </a:xfrm>
-                            <a:prstGeom prst="rect">
-                              <a:avLst/>
-                            </a:prstGeom>
-                          </p:spPr>
-                        </p:pic>
-                      </p:grpSp>
-                    </p:grpSp>
-                    <p:grpSp>
-                      <p:nvGrpSpPr>
-                        <p:cNvPr id="150" name="Groupe 149">
-                          <a:extLst>
-                            <a:ext uri="{FF2B5EF4-FFF2-40B4-BE49-F238E27FC236}">
-                              <a16:creationId xmlns:a16="http://schemas.microsoft.com/office/drawing/2014/main" id="{19C306BC-A676-4CD8-8874-8C74F2762E33}"/>
-                            </a:ext>
-                          </a:extLst>
-                        </p:cNvPr>
-                        <p:cNvGrpSpPr/>
-                        <p:nvPr/>
-                      </p:nvGrpSpPr>
-                      <p:grpSpPr>
-                        <a:xfrm>
-                          <a:off x="7221845" y="861133"/>
-                          <a:ext cx="2371628" cy="1806828"/>
-                          <a:chOff x="7221845" y="861133"/>
-                          <a:chExt cx="2371628" cy="1806828"/>
-                        </a:xfrm>
-                      </p:grpSpPr>
-                      <p:sp>
-                        <p:nvSpPr>
-                          <p:cNvPr id="120" name="Rectangle : coins arrondis 119">
-                            <a:extLst>
-                              <a:ext uri="{FF2B5EF4-FFF2-40B4-BE49-F238E27FC236}">
-                                <a16:creationId xmlns:a16="http://schemas.microsoft.com/office/drawing/2014/main" id="{85D9BFC6-9733-448D-9D61-F971A3C2E553}"/>
-                              </a:ext>
-                            </a:extLst>
-                          </p:cNvPr>
-                          <p:cNvSpPr/>
-                          <p:nvPr/>
-                        </p:nvSpPr>
-                        <p:spPr>
-                          <a:xfrm>
-                            <a:off x="7221845" y="861133"/>
-                            <a:ext cx="2371628" cy="1806828"/>
-                          </a:xfrm>
-                          <a:prstGeom prst="roundRect">
-                            <a:avLst/>
-                          </a:prstGeom>
-                          <a:ln/>
-                        </p:spPr>
-                        <p:style>
-                          <a:lnRef idx="1">
-                            <a:schemeClr val="accent3"/>
-                          </a:lnRef>
-                          <a:fillRef idx="2">
-                            <a:schemeClr val="accent3"/>
-                          </a:fillRef>
-                          <a:effectRef idx="1">
-                            <a:schemeClr val="accent3"/>
-                          </a:effectRef>
-                          <a:fontRef idx="minor">
-                            <a:schemeClr val="dk1"/>
-                          </a:fontRef>
-                        </p:style>
-                        <p:txBody>
-                          <a:bodyPr rtlCol="0" anchor="ctr"/>
-                          <a:lstStyle/>
-                          <a:p>
-                            <a:pPr algn="ctr"/>
-                            <a:endParaRPr lang="fr-FR" dirty="0"/>
-                          </a:p>
-                        </p:txBody>
-                      </p:sp>
-                      <p:sp>
-                        <p:nvSpPr>
-                          <p:cNvPr id="122" name="Rectangle : coins arrondis 121">
-                            <a:extLst>
-                              <a:ext uri="{FF2B5EF4-FFF2-40B4-BE49-F238E27FC236}">
-                                <a16:creationId xmlns:a16="http://schemas.microsoft.com/office/drawing/2014/main" id="{8E134A2A-A9F9-4860-AC54-3D2DE7EEB3B7}"/>
-                              </a:ext>
-                            </a:extLst>
-                          </p:cNvPr>
-                          <p:cNvSpPr/>
-                          <p:nvPr/>
-                        </p:nvSpPr>
-                        <p:spPr>
-                          <a:xfrm>
-                            <a:off x="7389431" y="925897"/>
-                            <a:ext cx="1157516" cy="249471"/>
-                          </a:xfrm>
-                          <a:prstGeom prst="roundRect">
-                            <a:avLst/>
-                          </a:prstGeom>
-                          <a:solidFill>
-                            <a:schemeClr val="dk1">
-                              <a:alpha val="50000"/>
-                            </a:schemeClr>
-                          </a:solidFill>
-                          <a:ln>
-                            <a:noFill/>
-                          </a:ln>
-                        </p:spPr>
-                        <p:style>
-                          <a:lnRef idx="0">
-                            <a:scrgbClr r="0" g="0" b="0"/>
-                          </a:lnRef>
-                          <a:fillRef idx="0">
-                            <a:scrgbClr r="0" g="0" b="0"/>
-                          </a:fillRef>
-                          <a:effectRef idx="0">
-                            <a:scrgbClr r="0" g="0" b="0"/>
-                          </a:effectRef>
-                          <a:fontRef idx="minor">
-                            <a:schemeClr val="lt1"/>
-                          </a:fontRef>
-                        </p:style>
-                        <p:txBody>
-                          <a:bodyPr rtlCol="0" anchor="ctr"/>
-                          <a:lstStyle/>
-                          <a:p>
-                            <a:pPr algn="ctr"/>
-                            <a:r>
-                              <a:rPr lang="fr-FR" sz="1000" dirty="0"/>
-                              <a:t>Login</a:t>
-                            </a:r>
-                          </a:p>
-                        </p:txBody>
-                      </p:sp>
-                      <p:sp>
-                        <p:nvSpPr>
-                          <p:cNvPr id="123" name="Rectangle : coins arrondis 122">
-                            <a:extLst>
-                              <a:ext uri="{FF2B5EF4-FFF2-40B4-BE49-F238E27FC236}">
-                                <a16:creationId xmlns:a16="http://schemas.microsoft.com/office/drawing/2014/main" id="{EEADAABB-4B12-4127-9F2E-BBB1FBBD9A5C}"/>
-                              </a:ext>
-                            </a:extLst>
-                          </p:cNvPr>
-                          <p:cNvSpPr/>
-                          <p:nvPr/>
-                        </p:nvSpPr>
-                        <p:spPr>
-                          <a:xfrm>
-                            <a:off x="7397290" y="1195872"/>
-                            <a:ext cx="1146004" cy="252260"/>
-                          </a:xfrm>
-                          <a:prstGeom prst="roundRect">
-                            <a:avLst/>
-                          </a:prstGeom>
-                          <a:solidFill>
-                            <a:schemeClr val="dk1">
-                              <a:alpha val="50000"/>
-                            </a:schemeClr>
-                          </a:solidFill>
-                          <a:ln>
-                            <a:noFill/>
-                          </a:ln>
-                        </p:spPr>
-                        <p:style>
-                          <a:lnRef idx="0">
-                            <a:scrgbClr r="0" g="0" b="0"/>
-                          </a:lnRef>
-                          <a:fillRef idx="0">
-                            <a:scrgbClr r="0" g="0" b="0"/>
-                          </a:fillRef>
-                          <a:effectRef idx="0">
-                            <a:scrgbClr r="0" g="0" b="0"/>
-                          </a:effectRef>
-                          <a:fontRef idx="minor">
-                            <a:schemeClr val="lt1"/>
-                          </a:fontRef>
-                        </p:style>
-                        <p:txBody>
-                          <a:bodyPr rtlCol="0" anchor="ctr"/>
-                          <a:lstStyle/>
-                          <a:p>
-                            <a:pPr algn="ctr"/>
-                            <a:r>
-                              <a:rPr lang="fr-FR" sz="1000" dirty="0"/>
-                              <a:t>Mot de passe</a:t>
-                            </a:r>
-                          </a:p>
-                        </p:txBody>
-                      </p:sp>
-                      <p:sp>
-                        <p:nvSpPr>
-                          <p:cNvPr id="124" name="Rectangle : coins arrondis 123">
-                            <a:extLst>
-                              <a:ext uri="{FF2B5EF4-FFF2-40B4-BE49-F238E27FC236}">
-                                <a16:creationId xmlns:a16="http://schemas.microsoft.com/office/drawing/2014/main" id="{248E370A-43C5-432B-84B3-4384D004987F}"/>
-                              </a:ext>
-                            </a:extLst>
-                          </p:cNvPr>
-                          <p:cNvSpPr/>
-                          <p:nvPr/>
-                        </p:nvSpPr>
-                        <p:spPr>
-                          <a:xfrm>
-                            <a:off x="7397290" y="1470216"/>
-                            <a:ext cx="1146003" cy="249471"/>
-                          </a:xfrm>
-                          <a:prstGeom prst="roundRect">
-                            <a:avLst/>
-                          </a:prstGeom>
-                          <a:solidFill>
-                            <a:schemeClr val="dk1">
-                              <a:alpha val="50000"/>
-                            </a:schemeClr>
-                          </a:solidFill>
-                          <a:ln>
-                            <a:noFill/>
-                          </a:ln>
-                        </p:spPr>
-                        <p:style>
-                          <a:lnRef idx="0">
-                            <a:scrgbClr r="0" g="0" b="0"/>
-                          </a:lnRef>
-                          <a:fillRef idx="0">
-                            <a:scrgbClr r="0" g="0" b="0"/>
-                          </a:fillRef>
-                          <a:effectRef idx="0">
-                            <a:scrgbClr r="0" g="0" b="0"/>
-                          </a:effectRef>
-                          <a:fontRef idx="minor">
-                            <a:schemeClr val="lt1"/>
-                          </a:fontRef>
-                        </p:style>
-                        <p:txBody>
-                          <a:bodyPr rtlCol="0" anchor="ctr"/>
-                          <a:lstStyle/>
-                          <a:p>
-                            <a:pPr algn="ctr"/>
-                            <a:r>
-                              <a:rPr lang="fr-FR" sz="1000" dirty="0"/>
-                              <a:t>Adresse</a:t>
-                            </a:r>
-                          </a:p>
-                        </p:txBody>
-                      </p:sp>
-                      <p:sp>
-                        <p:nvSpPr>
-                          <p:cNvPr id="125" name="Rectangle : coins arrondis 124">
-                            <a:extLst>
-                              <a:ext uri="{FF2B5EF4-FFF2-40B4-BE49-F238E27FC236}">
-                                <a16:creationId xmlns:a16="http://schemas.microsoft.com/office/drawing/2014/main" id="{E9BDFEAD-5221-4C99-B1E0-2E5C9DEA4CC4}"/>
-                              </a:ext>
-                            </a:extLst>
-                          </p:cNvPr>
-                          <p:cNvSpPr/>
-                          <p:nvPr/>
-                        </p:nvSpPr>
-                        <p:spPr>
-                          <a:xfrm>
-                            <a:off x="7406167" y="1755537"/>
-                            <a:ext cx="1146001" cy="249471"/>
-                          </a:xfrm>
-                          <a:prstGeom prst="roundRect">
-                            <a:avLst/>
-                          </a:prstGeom>
-                          <a:solidFill>
-                            <a:schemeClr val="dk1">
-                              <a:alpha val="50000"/>
-                            </a:schemeClr>
-                          </a:solidFill>
-                          <a:ln>
-                            <a:noFill/>
-                          </a:ln>
-                        </p:spPr>
-                        <p:style>
-                          <a:lnRef idx="0">
-                            <a:scrgbClr r="0" g="0" b="0"/>
-                          </a:lnRef>
-                          <a:fillRef idx="0">
-                            <a:scrgbClr r="0" g="0" b="0"/>
-                          </a:fillRef>
-                          <a:effectRef idx="0">
-                            <a:scrgbClr r="0" g="0" b="0"/>
-                          </a:effectRef>
-                          <a:fontRef idx="minor">
-                            <a:schemeClr val="lt1"/>
-                          </a:fontRef>
-                        </p:style>
-                        <p:txBody>
-                          <a:bodyPr rtlCol="0" anchor="ctr"/>
-                          <a:lstStyle/>
-                          <a:p>
-                            <a:pPr algn="ctr"/>
-                            <a:r>
-                              <a:rPr lang="fr-FR" sz="1000" dirty="0"/>
-                              <a:t>Mail</a:t>
-                            </a:r>
-                          </a:p>
-                        </p:txBody>
-                      </p:sp>
-                      <p:sp>
-                        <p:nvSpPr>
-                          <p:cNvPr id="128" name="Rectangle : coins arrondis 127">
-                            <a:extLst>
-                              <a:ext uri="{FF2B5EF4-FFF2-40B4-BE49-F238E27FC236}">
-                                <a16:creationId xmlns:a16="http://schemas.microsoft.com/office/drawing/2014/main" id="{E7E35F94-D225-4812-B0B5-5F1F4867ECEC}"/>
-                              </a:ext>
-                            </a:extLst>
-                          </p:cNvPr>
-                          <p:cNvSpPr/>
-                          <p:nvPr/>
-                        </p:nvSpPr>
-                        <p:spPr>
-                          <a:xfrm>
-                            <a:off x="7409042" y="2031863"/>
-                            <a:ext cx="1146003" cy="249471"/>
-                          </a:xfrm>
-                          <a:prstGeom prst="roundRect">
-                            <a:avLst/>
-                          </a:prstGeom>
-                          <a:solidFill>
-                            <a:schemeClr val="dk1">
-                              <a:alpha val="50000"/>
-                            </a:schemeClr>
-                          </a:solidFill>
-                          <a:ln>
-                            <a:noFill/>
-                          </a:ln>
-                        </p:spPr>
-                        <p:style>
-                          <a:lnRef idx="0">
-                            <a:scrgbClr r="0" g="0" b="0"/>
-                          </a:lnRef>
-                          <a:fillRef idx="0">
-                            <a:scrgbClr r="0" g="0" b="0"/>
-                          </a:fillRef>
-                          <a:effectRef idx="0">
-                            <a:scrgbClr r="0" g="0" b="0"/>
-                          </a:effectRef>
-                          <a:fontRef idx="minor">
-                            <a:schemeClr val="lt1"/>
-                          </a:fontRef>
-                        </p:style>
-                        <p:txBody>
-                          <a:bodyPr rtlCol="0" anchor="ctr"/>
-                          <a:lstStyle/>
-                          <a:p>
-                            <a:pPr algn="ctr"/>
-                            <a:r>
-                              <a:rPr lang="fr-FR" sz="1000" dirty="0"/>
-                              <a:t>Adresse</a:t>
-                            </a:r>
-                          </a:p>
-                        </p:txBody>
-                      </p:sp>
-                      <p:sp>
-                        <p:nvSpPr>
-                          <p:cNvPr id="129" name="Rectangle : coins arrondis 128">
-                            <a:extLst>
-                              <a:ext uri="{FF2B5EF4-FFF2-40B4-BE49-F238E27FC236}">
-                                <a16:creationId xmlns:a16="http://schemas.microsoft.com/office/drawing/2014/main" id="{A6530BB1-2767-4418-845A-01C755878FC9}"/>
-                              </a:ext>
-                            </a:extLst>
-                          </p:cNvPr>
-                          <p:cNvSpPr/>
-                          <p:nvPr/>
-                        </p:nvSpPr>
-                        <p:spPr>
-                          <a:xfrm>
-                            <a:off x="7417919" y="2317184"/>
-                            <a:ext cx="1146001" cy="249471"/>
-                          </a:xfrm>
-                          <a:prstGeom prst="roundRect">
-                            <a:avLst/>
-                          </a:prstGeom>
-                          <a:solidFill>
-                            <a:schemeClr val="dk1">
-                              <a:alpha val="50000"/>
-                            </a:schemeClr>
-                          </a:solidFill>
-                          <a:ln>
-                            <a:noFill/>
-                          </a:ln>
-                        </p:spPr>
-                        <p:style>
-                          <a:lnRef idx="0">
-                            <a:scrgbClr r="0" g="0" b="0"/>
-                          </a:lnRef>
-                          <a:fillRef idx="0">
-                            <a:scrgbClr r="0" g="0" b="0"/>
-                          </a:fillRef>
-                          <a:effectRef idx="0">
-                            <a:scrgbClr r="0" g="0" b="0"/>
-                          </a:effectRef>
-                          <a:fontRef idx="minor">
-                            <a:schemeClr val="lt1"/>
-                          </a:fontRef>
-                        </p:style>
-                        <p:txBody>
-                          <a:bodyPr rtlCol="0" anchor="ctr"/>
-                          <a:lstStyle/>
-                          <a:p>
-                            <a:pPr algn="ctr"/>
-                            <a:r>
-                              <a:rPr lang="fr-FR" sz="1000" dirty="0"/>
-                              <a:t>Mail</a:t>
-                            </a:r>
-                          </a:p>
-                        </p:txBody>
-                      </p:sp>
-                    </p:grpSp>
-                  </p:grpSp>
-                  <p:grpSp>
-                    <p:nvGrpSpPr>
-                      <p:cNvPr id="187" name="Groupe 186">
-                        <a:extLst>
-                          <a:ext uri="{FF2B5EF4-FFF2-40B4-BE49-F238E27FC236}">
-                            <a16:creationId xmlns:a16="http://schemas.microsoft.com/office/drawing/2014/main" id="{D39DC19C-5B58-4C7D-BC5F-7AC87E0F9AFC}"/>
-                          </a:ext>
-                        </a:extLst>
-                      </p:cNvPr>
-                      <p:cNvGrpSpPr/>
-                      <p:nvPr/>
-                    </p:nvGrpSpPr>
-                    <p:grpSpPr>
-                      <a:xfrm>
-                        <a:off x="3578527" y="128109"/>
-                        <a:ext cx="2903220" cy="2611221"/>
-                        <a:chOff x="3578527" y="128109"/>
-                        <a:chExt cx="2903220" cy="2611221"/>
-                      </a:xfrm>
-                    </p:grpSpPr>
-                    <p:grpSp>
-                      <p:nvGrpSpPr>
-                        <p:cNvPr id="104" name="Groupe 103">
-                          <a:extLst>
-                            <a:ext uri="{FF2B5EF4-FFF2-40B4-BE49-F238E27FC236}">
-                              <a16:creationId xmlns:a16="http://schemas.microsoft.com/office/drawing/2014/main" id="{3F0B40B8-487C-42DB-846E-8CBD752A9742}"/>
-                            </a:ext>
-                          </a:extLst>
-                        </p:cNvPr>
-                        <p:cNvGrpSpPr/>
-                        <p:nvPr/>
-                      </p:nvGrpSpPr>
-                      <p:grpSpPr>
-                        <a:xfrm>
-                          <a:off x="3578527" y="128109"/>
-                          <a:ext cx="2903220" cy="2611221"/>
-                          <a:chOff x="7261860" y="627670"/>
-                          <a:chExt cx="2903220" cy="1727558"/>
-                        </a:xfrm>
-                      </p:grpSpPr>
-                      <p:grpSp>
-                        <p:nvGrpSpPr>
-                          <p:cNvPr id="105" name="Groupe 104">
-                            <a:extLst>
-                              <a:ext uri="{FF2B5EF4-FFF2-40B4-BE49-F238E27FC236}">
-                                <a16:creationId xmlns:a16="http://schemas.microsoft.com/office/drawing/2014/main" id="{03651ECB-6B92-4CF2-9195-82F7686B4D25}"/>
-                              </a:ext>
-                            </a:extLst>
-                          </p:cNvPr>
-                          <p:cNvGrpSpPr/>
-                          <p:nvPr/>
-                        </p:nvGrpSpPr>
-                        <p:grpSpPr>
-                          <a:xfrm>
-                            <a:off x="7261860" y="627670"/>
-                            <a:ext cx="2903220" cy="1727558"/>
-                            <a:chOff x="7261860" y="627670"/>
-                            <a:chExt cx="2903220" cy="1727558"/>
-                          </a:xfrm>
-                        </p:grpSpPr>
-                        <p:sp>
-                          <p:nvSpPr>
-                            <p:cNvPr id="112" name="Rectangle : coins arrondis 111">
-                              <a:extLst>
-                                <a:ext uri="{FF2B5EF4-FFF2-40B4-BE49-F238E27FC236}">
-                                  <a16:creationId xmlns:a16="http://schemas.microsoft.com/office/drawing/2014/main" id="{FA09416E-BBCE-49E2-8237-EAAE989C5C88}"/>
-                                </a:ext>
-                              </a:extLst>
-                            </p:cNvPr>
-                            <p:cNvSpPr/>
-                            <p:nvPr/>
-                          </p:nvSpPr>
-                          <p:spPr>
-                            <a:xfrm>
-                              <a:off x="7261860" y="627670"/>
-                              <a:ext cx="2903220" cy="1727558"/>
-                            </a:xfrm>
-                            <a:prstGeom prst="roundRect">
-                              <a:avLst/>
-                            </a:prstGeom>
-                          </p:spPr>
-                          <p:style>
-                            <a:lnRef idx="2">
-                              <a:schemeClr val="dk1"/>
-                            </a:lnRef>
-                            <a:fillRef idx="1">
-                              <a:schemeClr val="lt1"/>
-                            </a:fillRef>
-                            <a:effectRef idx="0">
-                              <a:schemeClr val="dk1"/>
-                            </a:effectRef>
-                            <a:fontRef idx="minor">
-                              <a:schemeClr val="dk1"/>
-                            </a:fontRef>
-                          </p:style>
-                          <p:txBody>
-                            <a:bodyPr rtlCol="0" anchor="ctr"/>
-                            <a:lstStyle/>
-                            <a:p>
-                              <a:pPr algn="ctr"/>
-                              <a:endParaRPr lang="fr-FR"/>
-                            </a:p>
-                          </p:txBody>
-                        </p:sp>
-                        <p:cxnSp>
-                          <p:nvCxnSpPr>
-                            <p:cNvPr id="113" name="Connecteur droit 112">
-                              <a:extLst>
-                                <a:ext uri="{FF2B5EF4-FFF2-40B4-BE49-F238E27FC236}">
-                                  <a16:creationId xmlns:a16="http://schemas.microsoft.com/office/drawing/2014/main" id="{03274D9A-96D2-4F45-A49A-1769F5658880}"/>
-                                </a:ext>
-                              </a:extLst>
-                            </p:cNvPr>
-                            <p:cNvCxnSpPr/>
-                            <p:nvPr/>
-                          </p:nvCxnSpPr>
-                          <p:spPr>
-                            <a:xfrm>
-                              <a:off x="7261860" y="1077250"/>
-                              <a:ext cx="2903220" cy="0"/>
-                            </a:xfrm>
-                            <a:prstGeom prst="line">
-                              <a:avLst/>
-                            </a:prstGeom>
-                          </p:spPr>
-                          <p:style>
-                            <a:lnRef idx="2">
-                              <a:schemeClr val="dk1"/>
-                            </a:lnRef>
-                            <a:fillRef idx="0">
-                              <a:schemeClr val="dk1"/>
-                            </a:fillRef>
-                            <a:effectRef idx="1">
-                              <a:schemeClr val="dk1"/>
-                            </a:effectRef>
-                            <a:fontRef idx="minor">
-                              <a:schemeClr val="tx1"/>
-                            </a:fontRef>
-                          </p:style>
-                        </p:cxnSp>
-                      </p:grpSp>
-                      <p:grpSp>
-                        <p:nvGrpSpPr>
-                          <p:cNvPr id="106" name="Groupe 105">
-                            <a:extLst>
-                              <a:ext uri="{FF2B5EF4-FFF2-40B4-BE49-F238E27FC236}">
-                                <a16:creationId xmlns:a16="http://schemas.microsoft.com/office/drawing/2014/main" id="{28FD1990-E508-4C3D-9010-1B235FA75DE3}"/>
-                              </a:ext>
-                            </a:extLst>
-                          </p:cNvPr>
-                          <p:cNvGrpSpPr/>
-                          <p:nvPr/>
-                        </p:nvGrpSpPr>
-                        <p:grpSpPr>
-                          <a:xfrm>
-                            <a:off x="7491411" y="666049"/>
-                            <a:ext cx="2444118" cy="375821"/>
-                            <a:chOff x="4019082" y="2264255"/>
-                            <a:chExt cx="2444118" cy="375821"/>
-                          </a:xfrm>
-                        </p:grpSpPr>
-                        <p:pic>
-                          <p:nvPicPr>
-                            <p:cNvPr id="107" name="Image 106">
-                              <a:extLst>
-                                <a:ext uri="{FF2B5EF4-FFF2-40B4-BE49-F238E27FC236}">
-                                  <a16:creationId xmlns:a16="http://schemas.microsoft.com/office/drawing/2014/main" id="{8847F19A-CB7F-4395-B3E0-92183628E3FB}"/>
-                                </a:ext>
-                              </a:extLst>
-                            </p:cNvPr>
-                            <p:cNvPicPr>
-                              <a:picLocks noChangeAspect="1"/>
-                            </p:cNvPicPr>
-                            <p:nvPr/>
-                          </p:nvPicPr>
-                          <p:blipFill>
-                            <a:blip r:embed="rId2">
-                              <a:extLst>
-                                <a:ext uri="{28A0092B-C50C-407E-A947-70E740481C1C}">
-                                  <a14:useLocalDpi xmlns:a14="http://schemas.microsoft.com/office/drawing/2010/main" val="0"/>
-                                </a:ext>
-                              </a:extLst>
-                            </a:blip>
-                            <a:stretch>
-                              <a:fillRect/>
-                            </a:stretch>
-                          </p:blipFill>
-                          <p:spPr>
-                            <a:xfrm>
-                              <a:off x="4019082" y="2265888"/>
-                              <a:ext cx="368479" cy="368479"/>
-                            </a:xfrm>
-                            <a:prstGeom prst="rect">
-                              <a:avLst/>
-                            </a:prstGeom>
-                          </p:spPr>
-                        </p:pic>
-                        <p:pic>
-                          <p:nvPicPr>
-                            <p:cNvPr id="108" name="Image 107">
-                              <a:extLst>
-                                <a:ext uri="{FF2B5EF4-FFF2-40B4-BE49-F238E27FC236}">
-                                  <a16:creationId xmlns:a16="http://schemas.microsoft.com/office/drawing/2014/main" id="{5A93398F-D56E-496D-8AB4-0FED3F59C105}"/>
-                                </a:ext>
-                              </a:extLst>
-                            </p:cNvPr>
-                            <p:cNvPicPr>
-                              <a:picLocks noChangeAspect="1"/>
-                            </p:cNvPicPr>
-                            <p:nvPr/>
-                          </p:nvPicPr>
-                          <p:blipFill>
-                            <a:blip r:embed="rId3">
-                              <a:extLst>
-                                <a:ext uri="{28A0092B-C50C-407E-A947-70E740481C1C}">
-                                  <a14:useLocalDpi xmlns:a14="http://schemas.microsoft.com/office/drawing/2010/main" val="0"/>
-                                </a:ext>
-                              </a:extLst>
-                            </a:blip>
-                            <a:stretch>
-                              <a:fillRect/>
-                            </a:stretch>
-                          </p:blipFill>
-                          <p:spPr>
-                            <a:xfrm flipH="1">
-                              <a:off x="4420959" y="2266528"/>
-                              <a:ext cx="367200" cy="367200"/>
-                            </a:xfrm>
-                            <a:prstGeom prst="rect">
-                              <a:avLst/>
-                            </a:prstGeom>
-                          </p:spPr>
-                        </p:pic>
-                        <p:pic>
-                          <p:nvPicPr>
-                            <p:cNvPr id="109" name="Image 108">
-                              <a:extLst>
-                                <a:ext uri="{FF2B5EF4-FFF2-40B4-BE49-F238E27FC236}">
-                                  <a16:creationId xmlns:a16="http://schemas.microsoft.com/office/drawing/2014/main" id="{D89D116F-C4DC-4967-ABF1-5A86A6A042E4}"/>
-                                </a:ext>
-                              </a:extLst>
-                            </p:cNvPr>
-                            <p:cNvPicPr>
-                              <a:picLocks noChangeAspect="1"/>
-                            </p:cNvPicPr>
-                            <p:nvPr/>
-                          </p:nvPicPr>
-                          <p:blipFill>
-                            <a:blip r:embed="rId4">
-                              <a:extLst>
-                                <a:ext uri="{28A0092B-C50C-407E-A947-70E740481C1C}">
-                                  <a14:useLocalDpi xmlns:a14="http://schemas.microsoft.com/office/drawing/2010/main" val="0"/>
-                                </a:ext>
-                              </a:extLst>
-                            </a:blip>
-                            <a:stretch>
-                              <a:fillRect/>
-                            </a:stretch>
-                          </p:blipFill>
-                          <p:spPr>
-                            <a:xfrm>
-                              <a:off x="4871096" y="2264255"/>
-                              <a:ext cx="367200" cy="367200"/>
-                            </a:xfrm>
-                            <a:prstGeom prst="rect">
-                              <a:avLst/>
-                            </a:prstGeom>
-                          </p:spPr>
-                        </p:pic>
-                        <p:pic>
-                          <p:nvPicPr>
-                            <p:cNvPr id="110" name="Image 109">
-                              <a:extLst>
-                                <a:ext uri="{FF2B5EF4-FFF2-40B4-BE49-F238E27FC236}">
-                                  <a16:creationId xmlns:a16="http://schemas.microsoft.com/office/drawing/2014/main" id="{DCDF7B3A-D79C-4A8D-873E-84E1FBC64330}"/>
-                                </a:ext>
-                              </a:extLst>
-                            </p:cNvPr>
-                            <p:cNvPicPr>
-                              <a:picLocks noChangeAspect="1"/>
-                            </p:cNvPicPr>
-                            <p:nvPr/>
-                          </p:nvPicPr>
-                          <p:blipFill>
-                            <a:blip r:embed="rId5">
-                              <a:extLst>
-                                <a:ext uri="{28A0092B-C50C-407E-A947-70E740481C1C}">
-                                  <a14:useLocalDpi xmlns:a14="http://schemas.microsoft.com/office/drawing/2010/main" val="0"/>
-                                </a:ext>
-                              </a:extLst>
-                            </a:blip>
-                            <a:stretch>
-                              <a:fillRect/>
-                            </a:stretch>
-                          </p:blipFill>
-                          <p:spPr>
-                            <a:xfrm>
-                              <a:off x="5649459" y="2268553"/>
-                              <a:ext cx="367200" cy="367200"/>
-                            </a:xfrm>
-                            <a:prstGeom prst="rect">
-                              <a:avLst/>
-                            </a:prstGeom>
-                          </p:spPr>
-                        </p:pic>
-                        <p:pic>
-                          <p:nvPicPr>
-                            <p:cNvPr id="111" name="Image 110">
-                              <a:extLst>
-                                <a:ext uri="{FF2B5EF4-FFF2-40B4-BE49-F238E27FC236}">
-                                  <a16:creationId xmlns:a16="http://schemas.microsoft.com/office/drawing/2014/main" id="{5500D2FF-D886-42FD-878B-8CF9B17DB5A1}"/>
-                                </a:ext>
-                              </a:extLst>
-                            </p:cNvPr>
-                            <p:cNvPicPr>
-                              <a:picLocks noChangeAspect="1"/>
-                            </p:cNvPicPr>
-                            <p:nvPr/>
-                          </p:nvPicPr>
-                          <p:blipFill>
-                            <a:blip r:embed="rId6">
-                              <a:extLst>
-                                <a:ext uri="{28A0092B-C50C-407E-A947-70E740481C1C}">
-                                  <a14:useLocalDpi xmlns:a14="http://schemas.microsoft.com/office/drawing/2010/main" val="0"/>
-                                </a:ext>
-                              </a:extLst>
-                            </a:blip>
-                            <a:stretch>
-                              <a:fillRect/>
-                            </a:stretch>
-                          </p:blipFill>
-                          <p:spPr>
-                            <a:xfrm>
-                              <a:off x="6096000" y="2272876"/>
-                              <a:ext cx="367200" cy="367200"/>
-                            </a:xfrm>
-                            <a:prstGeom prst="rect">
-                              <a:avLst/>
-                            </a:prstGeom>
-                          </p:spPr>
-                        </p:pic>
-                      </p:grpSp>
-                    </p:grpSp>
-                    <p:sp>
-                      <p:nvSpPr>
-                        <p:cNvPr id="152" name="Rectangle : coins arrondis 151">
-                          <a:extLst>
-                            <a:ext uri="{FF2B5EF4-FFF2-40B4-BE49-F238E27FC236}">
-                              <a16:creationId xmlns:a16="http://schemas.microsoft.com/office/drawing/2014/main" id="{C80E30E7-AFDF-469B-B411-3864891D1A5A}"/>
-                            </a:ext>
-                          </a:extLst>
-                        </p:cNvPr>
-                        <p:cNvSpPr/>
-                        <p:nvPr/>
-                      </p:nvSpPr>
-                      <p:spPr>
-                        <a:xfrm>
-                          <a:off x="3776865" y="879499"/>
-                          <a:ext cx="2371628" cy="1663124"/>
-                        </a:xfrm>
-                        <a:prstGeom prst="roundRect">
-                          <a:avLst/>
-                        </a:prstGeom>
-                        <a:ln/>
-                      </p:spPr>
-                      <p:style>
-                        <a:lnRef idx="1">
-                          <a:schemeClr val="accent3"/>
-                        </a:lnRef>
-                        <a:fillRef idx="2">
-                          <a:schemeClr val="accent3"/>
-                        </a:fillRef>
-                        <a:effectRef idx="1">
-                          <a:schemeClr val="accent3"/>
-                        </a:effectRef>
-                        <a:fontRef idx="minor">
-                          <a:schemeClr val="dk1"/>
-                        </a:fontRef>
-                      </p:style>
-                      <p:txBody>
-                        <a:bodyPr rtlCol="0" anchor="ctr"/>
-                        <a:lstStyle/>
-                        <a:p>
-                          <a:pPr algn="ctr"/>
-                          <a:endParaRPr lang="fr-FR" dirty="0"/>
-                        </a:p>
-                      </p:txBody>
-                    </p:sp>
-                  </p:grpSp>
-                  <p:grpSp>
-                    <p:nvGrpSpPr>
-                      <p:cNvPr id="166" name="Groupe 165">
-                        <a:extLst>
-                          <a:ext uri="{FF2B5EF4-FFF2-40B4-BE49-F238E27FC236}">
-                            <a16:creationId xmlns:a16="http://schemas.microsoft.com/office/drawing/2014/main" id="{DE578A14-CE57-4A7B-BFB0-D94191520835}"/>
-                          </a:ext>
-                        </a:extLst>
-                      </p:cNvPr>
-                      <p:cNvGrpSpPr/>
-                      <p:nvPr/>
-                    </p:nvGrpSpPr>
-                    <p:grpSpPr>
-                      <a:xfrm>
-                        <a:off x="7179895" y="3726910"/>
-                        <a:ext cx="2726796" cy="1635204"/>
-                        <a:chOff x="213064" y="2896078"/>
-                        <a:chExt cx="2726796" cy="1675923"/>
-                      </a:xfrm>
-                    </p:grpSpPr>
-                    <p:sp>
-                      <p:nvSpPr>
-                        <p:cNvPr id="167" name="Rectangle : coins arrondis 166">
-                          <a:extLst>
-                            <a:ext uri="{FF2B5EF4-FFF2-40B4-BE49-F238E27FC236}">
-                              <a16:creationId xmlns:a16="http://schemas.microsoft.com/office/drawing/2014/main" id="{6010EB6D-52FA-4009-B6CF-AB1D44D19173}"/>
-                            </a:ext>
-                          </a:extLst>
-                        </p:cNvPr>
-                        <p:cNvSpPr/>
-                        <p:nvPr/>
-                      </p:nvSpPr>
-                      <p:spPr>
-                        <a:xfrm>
-                          <a:off x="213064" y="2896078"/>
-                          <a:ext cx="2726796" cy="1675923"/>
-                        </a:xfrm>
-                        <a:prstGeom prst="roundRect">
-                          <a:avLst/>
-                        </a:prstGeom>
-                        <a:ln/>
-                      </p:spPr>
-                      <p:style>
-                        <a:lnRef idx="1">
-                          <a:schemeClr val="accent3"/>
-                        </a:lnRef>
-                        <a:fillRef idx="2">
-                          <a:schemeClr val="accent3"/>
-                        </a:fillRef>
-                        <a:effectRef idx="1">
-                          <a:schemeClr val="accent3"/>
-                        </a:effectRef>
-                        <a:fontRef idx="minor">
-                          <a:schemeClr val="dk1"/>
-                        </a:fontRef>
-                      </p:style>
-                      <p:txBody>
-                        <a:bodyPr rtlCol="0" anchor="ctr"/>
-                        <a:lstStyle/>
-                        <a:p>
-                          <a:pPr algn="ctr"/>
-                          <a:endParaRPr lang="fr-FR"/>
-                        </a:p>
-                      </p:txBody>
-                    </p:sp>
-                    <p:sp>
-                      <p:nvSpPr>
-                        <p:cNvPr id="168" name="Rectangle 167">
-                          <a:extLst>
-                            <a:ext uri="{FF2B5EF4-FFF2-40B4-BE49-F238E27FC236}">
-                              <a16:creationId xmlns:a16="http://schemas.microsoft.com/office/drawing/2014/main" id="{8C07C9F9-036F-4F53-B2AA-BF7A5C5722AD}"/>
-                            </a:ext>
-                          </a:extLst>
-                        </p:cNvPr>
-                        <p:cNvSpPr/>
-                        <p:nvPr/>
-                      </p:nvSpPr>
-                      <p:spPr>
-                        <a:xfrm>
-                          <a:off x="315977" y="3220436"/>
-                          <a:ext cx="616694" cy="597129"/>
-                        </a:xfrm>
-                        <a:prstGeom prst="rect">
-                          <a:avLst/>
-                        </a:prstGeom>
-                        <a:solidFill>
-                          <a:schemeClr val="dk1">
-                            <a:alpha val="50000"/>
-                          </a:schemeClr>
-                        </a:solidFill>
-                        <a:ln>
-                          <a:noFill/>
-                        </a:ln>
-                      </p:spPr>
-                      <p:style>
-                        <a:lnRef idx="0">
-                          <a:scrgbClr r="0" g="0" b="0"/>
-                        </a:lnRef>
-                        <a:fillRef idx="0">
-                          <a:scrgbClr r="0" g="0" b="0"/>
-                        </a:fillRef>
-                        <a:effectRef idx="0">
-                          <a:scrgbClr r="0" g="0" b="0"/>
-                        </a:effectRef>
-                        <a:fontRef idx="minor">
-                          <a:schemeClr val="lt1"/>
-                        </a:fontRef>
-                      </p:style>
-                      <p:txBody>
-                        <a:bodyPr rtlCol="0" anchor="ctr"/>
-                        <a:lstStyle/>
-                        <a:p>
-                          <a:pPr algn="ctr"/>
-                          <a:r>
-                            <a:rPr lang="fr-FR" sz="1000" dirty="0">
-                              <a:solidFill>
-                                <a:schemeClr val="tx1"/>
-                              </a:solidFill>
-                            </a:rPr>
-                            <a:t>Image</a:t>
-                          </a:r>
-                        </a:p>
-                      </p:txBody>
-                    </p:sp>
-                    <p:sp>
-                      <p:nvSpPr>
-                        <p:cNvPr id="169" name="Rectangle : coins arrondis 168">
-                          <a:extLst>
-                            <a:ext uri="{FF2B5EF4-FFF2-40B4-BE49-F238E27FC236}">
-                              <a16:creationId xmlns:a16="http://schemas.microsoft.com/office/drawing/2014/main" id="{92E79E7B-7378-4DA6-AFAE-228E4F103191}"/>
-                            </a:ext>
-                          </a:extLst>
-                        </p:cNvPr>
-                        <p:cNvSpPr/>
-                        <p:nvPr/>
-                      </p:nvSpPr>
-                      <p:spPr>
-                        <a:xfrm>
-                          <a:off x="1005929" y="3219718"/>
-                          <a:ext cx="601541" cy="196252"/>
-                        </a:xfrm>
-                        <a:prstGeom prst="roundRect">
-                          <a:avLst/>
-                        </a:prstGeom>
-                        <a:solidFill>
-                          <a:schemeClr val="dk1">
-                            <a:alpha val="50000"/>
-                          </a:schemeClr>
-                        </a:solidFill>
-                        <a:ln>
-                          <a:noFill/>
-                        </a:ln>
-                      </p:spPr>
-                      <p:style>
-                        <a:lnRef idx="0">
-                          <a:scrgbClr r="0" g="0" b="0"/>
-                        </a:lnRef>
-                        <a:fillRef idx="0">
-                          <a:scrgbClr r="0" g="0" b="0"/>
-                        </a:fillRef>
-                        <a:effectRef idx="0">
-                          <a:scrgbClr r="0" g="0" b="0"/>
-                        </a:effectRef>
-                        <a:fontRef idx="minor">
-                          <a:schemeClr val="lt1"/>
-                        </a:fontRef>
-                      </p:style>
-                      <p:txBody>
-                        <a:bodyPr rtlCol="0" anchor="ctr"/>
-                        <a:lstStyle/>
-                        <a:p>
-                          <a:pPr algn="ctr"/>
-                          <a:r>
-                            <a:rPr lang="fr-FR" sz="1000" dirty="0"/>
-                            <a:t>Nom</a:t>
-                          </a:r>
-                        </a:p>
-                      </p:txBody>
-                    </p:sp>
-                    <p:sp>
-                      <p:nvSpPr>
-                        <p:cNvPr id="170" name="Rectangle : coins arrondis 169">
-                          <a:extLst>
-                            <a:ext uri="{FF2B5EF4-FFF2-40B4-BE49-F238E27FC236}">
-                              <a16:creationId xmlns:a16="http://schemas.microsoft.com/office/drawing/2014/main" id="{F6F764D3-2F13-4501-91F5-D94F39994422}"/>
-                            </a:ext>
-                          </a:extLst>
-                        </p:cNvPr>
-                        <p:cNvSpPr/>
-                        <p:nvPr/>
-                      </p:nvSpPr>
-                      <p:spPr>
-                        <a:xfrm>
-                          <a:off x="1005238" y="3482877"/>
-                          <a:ext cx="601541" cy="184478"/>
-                        </a:xfrm>
-                        <a:prstGeom prst="roundRect">
-                          <a:avLst/>
-                        </a:prstGeom>
-                        <a:solidFill>
-                          <a:schemeClr val="dk1">
-                            <a:alpha val="50000"/>
-                          </a:schemeClr>
-                        </a:solidFill>
-                        <a:ln>
-                          <a:noFill/>
-                        </a:ln>
-                      </p:spPr>
-                      <p:style>
-                        <a:lnRef idx="0">
-                          <a:scrgbClr r="0" g="0" b="0"/>
-                        </a:lnRef>
-                        <a:fillRef idx="0">
-                          <a:scrgbClr r="0" g="0" b="0"/>
-                        </a:fillRef>
-                        <a:effectRef idx="0">
-                          <a:scrgbClr r="0" g="0" b="0"/>
-                        </a:effectRef>
-                        <a:fontRef idx="minor">
-                          <a:schemeClr val="lt1"/>
-                        </a:fontRef>
-                      </p:style>
-                      <p:txBody>
-                        <a:bodyPr rtlCol="0" anchor="ctr"/>
-                        <a:lstStyle/>
-                        <a:p>
-                          <a:pPr algn="ctr"/>
-                          <a:r>
-                            <a:rPr lang="fr-FR" sz="1000" dirty="0" err="1"/>
-                            <a:t>Rèf</a:t>
-                          </a:r>
-                          <a:endParaRPr lang="fr-FR" sz="1000" dirty="0"/>
-                        </a:p>
-                      </p:txBody>
-                    </p:sp>
-                    <p:sp>
-                      <p:nvSpPr>
-                        <p:cNvPr id="171" name="Rectangle : coins arrondis 170">
-                          <a:extLst>
-                            <a:ext uri="{FF2B5EF4-FFF2-40B4-BE49-F238E27FC236}">
-                              <a16:creationId xmlns:a16="http://schemas.microsoft.com/office/drawing/2014/main" id="{BE1BDC9B-2E92-4986-A83D-9221E0075B05}"/>
-                            </a:ext>
-                          </a:extLst>
-                        </p:cNvPr>
-                        <p:cNvSpPr/>
-                        <p:nvPr/>
-                      </p:nvSpPr>
-                      <p:spPr>
-                        <a:xfrm>
-                          <a:off x="1980228" y="3215180"/>
-                          <a:ext cx="783252" cy="186121"/>
-                        </a:xfrm>
-                        <a:prstGeom prst="roundRect">
-                          <a:avLst/>
-                        </a:prstGeom>
-                        <a:solidFill>
-                          <a:schemeClr val="dk1">
-                            <a:alpha val="50000"/>
-                          </a:schemeClr>
-                        </a:solidFill>
-                        <a:ln>
-                          <a:noFill/>
-                        </a:ln>
-                      </p:spPr>
-                      <p:style>
-                        <a:lnRef idx="0">
-                          <a:scrgbClr r="0" g="0" b="0"/>
-                        </a:lnRef>
-                        <a:fillRef idx="0">
-                          <a:scrgbClr r="0" g="0" b="0"/>
-                        </a:fillRef>
-                        <a:effectRef idx="0">
-                          <a:scrgbClr r="0" g="0" b="0"/>
-                        </a:effectRef>
-                        <a:fontRef idx="minor">
-                          <a:schemeClr val="lt1"/>
-                        </a:fontRef>
-                      </p:style>
-                      <p:txBody>
-                        <a:bodyPr rtlCol="0" anchor="ctr"/>
-                        <a:lstStyle/>
-                        <a:p>
-                          <a:pPr algn="ctr"/>
-                          <a:r>
-                            <a:rPr lang="fr-FR" sz="1000" dirty="0"/>
-                            <a:t>Prix</a:t>
-                          </a:r>
-                        </a:p>
-                      </p:txBody>
-                    </p:sp>
-                    <p:sp>
-                      <p:nvSpPr>
-                        <p:cNvPr id="172" name="Rectangle : coins arrondis 171">
-                          <a:extLst>
-                            <a:ext uri="{FF2B5EF4-FFF2-40B4-BE49-F238E27FC236}">
-                              <a16:creationId xmlns:a16="http://schemas.microsoft.com/office/drawing/2014/main" id="{7E6EA02B-6F87-46B4-A1C3-29CDE23816F1}"/>
-                            </a:ext>
-                          </a:extLst>
-                        </p:cNvPr>
-                        <p:cNvSpPr/>
-                        <p:nvPr/>
-                      </p:nvSpPr>
-                      <p:spPr>
-                        <a:xfrm>
-                          <a:off x="1982719" y="3509595"/>
-                          <a:ext cx="786485" cy="232256"/>
-                        </a:xfrm>
-                        <a:prstGeom prst="roundRect">
-                          <a:avLst/>
-                        </a:prstGeom>
-                        <a:solidFill>
-                          <a:schemeClr val="dk1">
-                            <a:alpha val="50000"/>
-                          </a:schemeClr>
-                        </a:solidFill>
-                        <a:ln>
-                          <a:noFill/>
-                        </a:ln>
-                      </p:spPr>
-                      <p:style>
-                        <a:lnRef idx="0">
-                          <a:scrgbClr r="0" g="0" b="0"/>
-                        </a:lnRef>
-                        <a:fillRef idx="0">
-                          <a:scrgbClr r="0" g="0" b="0"/>
-                        </a:fillRef>
-                        <a:effectRef idx="0">
-                          <a:scrgbClr r="0" g="0" b="0"/>
-                        </a:effectRef>
-                        <a:fontRef idx="minor">
-                          <a:schemeClr val="lt1"/>
-                        </a:fontRef>
-                      </p:style>
-                      <p:txBody>
-                        <a:bodyPr rtlCol="0" anchor="ctr"/>
-                        <a:lstStyle/>
-                        <a:p>
-                          <a:pPr algn="ctr"/>
-                          <a:r>
-                            <a:rPr lang="fr-FR" sz="1000" dirty="0"/>
-                            <a:t>Quantité</a:t>
-                          </a:r>
-                        </a:p>
-                      </p:txBody>
-                    </p:sp>
-                    <p:sp>
-                      <p:nvSpPr>
-                        <p:cNvPr id="173" name="Rectangle : coins arrondis 172">
-                          <a:extLst>
-                            <a:ext uri="{FF2B5EF4-FFF2-40B4-BE49-F238E27FC236}">
-                              <a16:creationId xmlns:a16="http://schemas.microsoft.com/office/drawing/2014/main" id="{C7E82F86-9655-451B-A419-3F967B3E3692}"/>
-                            </a:ext>
-                          </a:extLst>
-                        </p:cNvPr>
-                        <p:cNvSpPr/>
-                        <p:nvPr/>
-                      </p:nvSpPr>
-                      <p:spPr>
-                        <a:xfrm>
-                          <a:off x="1744583" y="4048217"/>
-                          <a:ext cx="1073538" cy="232256"/>
-                        </a:xfrm>
-                        <a:prstGeom prst="roundRect">
-                          <a:avLst/>
-                        </a:prstGeom>
-                        <a:solidFill>
-                          <a:schemeClr val="accent5"/>
-                        </a:solidFill>
-                        <a:ln>
-                          <a:noFill/>
-                        </a:ln>
-                      </p:spPr>
-                      <p:style>
-                        <a:lnRef idx="0">
-                          <a:scrgbClr r="0" g="0" b="0"/>
-                        </a:lnRef>
-                        <a:fillRef idx="0">
-                          <a:scrgbClr r="0" g="0" b="0"/>
-                        </a:fillRef>
-                        <a:effectRef idx="0">
-                          <a:scrgbClr r="0" g="0" b="0"/>
-                        </a:effectRef>
-                        <a:fontRef idx="minor">
-                          <a:schemeClr val="lt1"/>
-                        </a:fontRef>
-                      </p:style>
-                      <p:txBody>
-                        <a:bodyPr rtlCol="0" anchor="ctr"/>
-                        <a:lstStyle/>
-                        <a:p>
-                          <a:pPr algn="ctr"/>
-                          <a:r>
-                            <a:rPr lang="fr-FR" sz="1000" dirty="0"/>
-                            <a:t>Commander</a:t>
-                          </a:r>
-                        </a:p>
-                      </p:txBody>
-                    </p:sp>
-                  </p:grpSp>
-                </p:grpSp>
-              </p:grpSp>
-              <p:cxnSp>
-                <p:nvCxnSpPr>
-                  <p:cNvPr id="42" name="Connecteur droit avec flèche 41">
-                    <a:extLst>
-                      <a:ext uri="{FF2B5EF4-FFF2-40B4-BE49-F238E27FC236}">
-                        <a16:creationId xmlns:a16="http://schemas.microsoft.com/office/drawing/2014/main" id="{9DA84D76-A73C-4964-B323-35020B63595E}"/>
-                      </a:ext>
-                    </a:extLst>
-                  </p:cNvPr>
-                  <p:cNvCxnSpPr>
-                    <a:cxnSpLocks/>
-                    <a:stCxn id="114" idx="0"/>
-                  </p:cNvCxnSpPr>
-                  <p:nvPr/>
-                </p:nvCxnSpPr>
-                <p:spPr>
-                  <a:xfrm flipV="1">
-                    <a:off x="5710830" y="2079692"/>
-                    <a:ext cx="1396230" cy="1398655"/>
-                  </a:xfrm>
-                  <a:prstGeom prst="straightConnector1">
-                    <a:avLst/>
-                  </a:prstGeom>
-                  <a:ln>
-                    <a:tailEnd type="triangle"/>
-                  </a:ln>
-                </p:spPr>
-                <p:style>
-                  <a:lnRef idx="3">
-                    <a:schemeClr val="accent1"/>
-                  </a:lnRef>
-                  <a:fillRef idx="0">
-                    <a:schemeClr val="accent1"/>
-                  </a:fillRef>
-                  <a:effectRef idx="2">
-                    <a:schemeClr val="accent1"/>
-                  </a:effectRef>
-                  <a:fontRef idx="minor">
-                    <a:schemeClr val="tx1"/>
-                  </a:fontRef>
-                </p:style>
-              </p:cxnSp>
-              <p:cxnSp>
-                <p:nvCxnSpPr>
-                  <p:cNvPr id="40" name="Connecteur droit avec flèche 39">
-                    <a:extLst>
-                      <a:ext uri="{FF2B5EF4-FFF2-40B4-BE49-F238E27FC236}">
-                        <a16:creationId xmlns:a16="http://schemas.microsoft.com/office/drawing/2014/main" id="{8AE12F32-1CDF-4A3E-BBA9-1427A81A956D}"/>
-                      </a:ext>
-                    </a:extLst>
-                  </p:cNvPr>
-                  <p:cNvCxnSpPr>
-                    <a:cxnSpLocks/>
-                    <a:stCxn id="99" idx="0"/>
-                  </p:cNvCxnSpPr>
-                  <p:nvPr/>
-                </p:nvCxnSpPr>
-                <p:spPr>
-                  <a:xfrm flipH="1" flipV="1">
-                    <a:off x="4923589" y="2566653"/>
-                    <a:ext cx="8878" cy="907770"/>
-                  </a:xfrm>
-                  <a:prstGeom prst="straightConnector1">
-                    <a:avLst/>
-                  </a:prstGeom>
-                  <a:ln>
-                    <a:tailEnd type="triangle"/>
-                  </a:ln>
-                </p:spPr>
-                <p:style>
-                  <a:lnRef idx="3">
-                    <a:schemeClr val="accent1"/>
-                  </a:lnRef>
-                  <a:fillRef idx="0">
-                    <a:schemeClr val="accent1"/>
-                  </a:fillRef>
-                  <a:effectRef idx="2">
-                    <a:schemeClr val="accent1"/>
-                  </a:effectRef>
-                  <a:fontRef idx="minor">
-                    <a:schemeClr val="tx1"/>
-                  </a:fontRef>
-                </p:style>
-              </p:cxnSp>
-              <p:grpSp>
-                <p:nvGrpSpPr>
-                  <p:cNvPr id="144" name="Groupe 143">
-                    <a:extLst>
-                      <a:ext uri="{FF2B5EF4-FFF2-40B4-BE49-F238E27FC236}">
-                        <a16:creationId xmlns:a16="http://schemas.microsoft.com/office/drawing/2014/main" id="{66ECF458-3E75-403A-A1BA-8FCD5BE4617C}"/>
-                      </a:ext>
-                    </a:extLst>
-                  </p:cNvPr>
-                  <p:cNvGrpSpPr/>
-                  <p:nvPr/>
-                </p:nvGrpSpPr>
-                <p:grpSpPr>
-                  <a:xfrm>
-                    <a:off x="2922264" y="3293778"/>
-                    <a:ext cx="1544693" cy="180645"/>
-                    <a:chOff x="2922264" y="3293778"/>
-                    <a:chExt cx="1544693" cy="180645"/>
-                  </a:xfrm>
-                </p:grpSpPr>
-                <p:cxnSp>
-                  <p:nvCxnSpPr>
-                    <p:cNvPr id="38" name="Connecteur droit avec flèche 37">
-                      <a:extLst>
-                        <a:ext uri="{FF2B5EF4-FFF2-40B4-BE49-F238E27FC236}">
-                          <a16:creationId xmlns:a16="http://schemas.microsoft.com/office/drawing/2014/main" id="{E9E00B0D-B426-42A6-A2EA-3EDF4FE949A4}"/>
-                        </a:ext>
-                      </a:extLst>
-                    </p:cNvPr>
-                    <p:cNvCxnSpPr>
-                      <a:cxnSpLocks/>
-                    </p:cNvCxnSpPr>
-                    <p:nvPr/>
-                  </p:nvCxnSpPr>
-                  <p:spPr>
-                    <a:xfrm flipH="1">
-                      <a:off x="2922264" y="3293778"/>
-                      <a:ext cx="1544693" cy="9573"/>
-                    </a:xfrm>
-                    <a:prstGeom prst="straightConnector1">
-                      <a:avLst/>
-                    </a:prstGeom>
-                    <a:ln>
-                      <a:tailEnd type="triangle"/>
-                    </a:ln>
-                  </p:spPr>
-                  <p:style>
-                    <a:lnRef idx="3">
-                      <a:schemeClr val="accent1"/>
-                    </a:lnRef>
-                    <a:fillRef idx="0">
-                      <a:schemeClr val="accent1"/>
-                    </a:fillRef>
-                    <a:effectRef idx="2">
-                      <a:schemeClr val="accent1"/>
-                    </a:effectRef>
-                    <a:fontRef idx="minor">
-                      <a:schemeClr val="tx1"/>
-                    </a:fontRef>
-                  </p:style>
-                </p:cxnSp>
-                <p:cxnSp>
-                  <p:nvCxnSpPr>
-                    <p:cNvPr id="142" name="Connecteur droit 141">
-                      <a:extLst>
-                        <a:ext uri="{FF2B5EF4-FFF2-40B4-BE49-F238E27FC236}">
-                          <a16:creationId xmlns:a16="http://schemas.microsoft.com/office/drawing/2014/main" id="{6EA654EF-E11F-40BC-91EC-33B9CA6DFCEF}"/>
-                        </a:ext>
-                      </a:extLst>
-                    </p:cNvPr>
-                    <p:cNvCxnSpPr>
-                      <a:cxnSpLocks/>
-                    </p:cNvCxnSpPr>
-                    <p:nvPr/>
-                  </p:nvCxnSpPr>
-                  <p:spPr>
-                    <a:xfrm flipV="1">
-                      <a:off x="4466957" y="3293778"/>
-                      <a:ext cx="0" cy="180645"/>
-                    </a:xfrm>
-                    <a:prstGeom prst="line">
-                      <a:avLst/>
-                    </a:prstGeom>
-                  </p:spPr>
-                  <p:style>
-                    <a:lnRef idx="3">
-                      <a:schemeClr val="accent1"/>
-                    </a:lnRef>
-                    <a:fillRef idx="0">
-                      <a:schemeClr val="accent1"/>
-                    </a:fillRef>
-                    <a:effectRef idx="2">
-                      <a:schemeClr val="accent1"/>
-                    </a:effectRef>
-                    <a:fontRef idx="minor">
-                      <a:schemeClr val="tx1"/>
-                    </a:fontRef>
-                  </p:style>
-                </p:cxnSp>
-              </p:grpSp>
-            </p:grpSp>
-            <p:cxnSp>
-              <p:nvCxnSpPr>
-                <p:cNvPr id="44" name="Connecteur droit avec flèche 43">
-                  <a:extLst>
-                    <a:ext uri="{FF2B5EF4-FFF2-40B4-BE49-F238E27FC236}">
-                      <a16:creationId xmlns:a16="http://schemas.microsoft.com/office/drawing/2014/main" id="{17A5C063-58B3-467F-BBAB-CA10963753B8}"/>
-                    </a:ext>
-                  </a:extLst>
-                </p:cNvPr>
-                <p:cNvCxnSpPr>
-                  <a:cxnSpLocks/>
-                  <a:stCxn id="118" idx="3"/>
-                </p:cNvCxnSpPr>
-                <p:nvPr/>
-              </p:nvCxnSpPr>
-              <p:spPr>
-                <a:xfrm>
-                  <a:off x="6340971" y="3649930"/>
-                  <a:ext cx="889752" cy="72005"/>
-                </a:xfrm>
-                <a:prstGeom prst="straightConnector1">
-                  <a:avLst/>
-                </a:prstGeom>
-                <a:ln>
-                  <a:tailEnd type="triangle"/>
-                </a:ln>
-              </p:spPr>
-              <p:style>
-                <a:lnRef idx="3">
-                  <a:schemeClr val="accent1"/>
-                </a:lnRef>
-                <a:fillRef idx="0">
-                  <a:schemeClr val="accent1"/>
-                </a:fillRef>
-                <a:effectRef idx="2">
-                  <a:schemeClr val="accent1"/>
-                </a:effectRef>
-                <a:fontRef idx="minor">
-                  <a:schemeClr val="tx1"/>
-                </a:fontRef>
-              </p:style>
-            </p:cxnSp>
-          </p:grpSp>
-          <p:sp>
-            <p:nvSpPr>
-              <p:cNvPr id="153" name="Rectangle : coins arrondis 152">
-                <a:extLst>
-                  <a:ext uri="{FF2B5EF4-FFF2-40B4-BE49-F238E27FC236}">
-                    <a16:creationId xmlns:a16="http://schemas.microsoft.com/office/drawing/2014/main" id="{EA833DAF-C3D5-468E-A25F-DC3F9447200B}"/>
-                  </a:ext>
-                </a:extLst>
-              </p:cNvPr>
-              <p:cNvSpPr/>
-              <p:nvPr/>
-            </p:nvSpPr>
-            <p:spPr>
-              <a:xfrm>
-                <a:off x="6152803" y="1290940"/>
-                <a:ext cx="1157516" cy="229630"/>
-              </a:xfrm>
-              <a:prstGeom prst="roundRect">
-                <a:avLst/>
-              </a:prstGeom>
-              <a:solidFill>
-                <a:schemeClr val="dk1">
-                  <a:alpha val="50000"/>
-                </a:schemeClr>
-              </a:solidFill>
-              <a:ln>
-                <a:noFill/>
-              </a:ln>
-            </p:spPr>
-            <p:style>
-              <a:lnRef idx="0">
-                <a:scrgbClr r="0" g="0" b="0"/>
-              </a:lnRef>
-              <a:fillRef idx="0">
-                <a:scrgbClr r="0" g="0" b="0"/>
-              </a:fillRef>
-              <a:effectRef idx="0">
-                <a:scrgbClr r="0" g="0" b="0"/>
-              </a:effectRef>
-              <a:fontRef idx="minor">
-                <a:schemeClr val="lt1"/>
-              </a:fontRef>
-            </p:style>
-            <p:txBody>
-              <a:bodyPr rtlCol="0" anchor="ctr"/>
-              <a:lstStyle/>
-              <a:p>
-                <a:pPr algn="ctr"/>
-                <a:r>
-                  <a:rPr lang="fr-FR" sz="1000" dirty="0"/>
-                  <a:t>Nom</a:t>
-                </a:r>
-              </a:p>
-            </p:txBody>
-          </p:sp>
-          <p:sp>
-            <p:nvSpPr>
-              <p:cNvPr id="154" name="Rectangle : coins arrondis 153">
-                <a:extLst>
-                  <a:ext uri="{FF2B5EF4-FFF2-40B4-BE49-F238E27FC236}">
-                    <a16:creationId xmlns:a16="http://schemas.microsoft.com/office/drawing/2014/main" id="{9A6DEC40-95EB-49A8-9AA3-DCF80A4237C7}"/>
-                  </a:ext>
-                </a:extLst>
-              </p:cNvPr>
-              <p:cNvSpPr/>
-              <p:nvPr/>
-            </p:nvSpPr>
-            <p:spPr>
-              <a:xfrm>
-                <a:off x="6160662" y="1566077"/>
-                <a:ext cx="1146004" cy="232197"/>
-              </a:xfrm>
-              <a:prstGeom prst="roundRect">
-                <a:avLst/>
-              </a:prstGeom>
-              <a:solidFill>
-                <a:schemeClr val="dk1">
-                  <a:alpha val="50000"/>
-                </a:schemeClr>
-              </a:solidFill>
-              <a:ln>
-                <a:noFill/>
-              </a:ln>
-            </p:spPr>
-            <p:style>
-              <a:lnRef idx="0">
-                <a:scrgbClr r="0" g="0" b="0"/>
-              </a:lnRef>
-              <a:fillRef idx="0">
-                <a:scrgbClr r="0" g="0" b="0"/>
-              </a:fillRef>
-              <a:effectRef idx="0">
-                <a:scrgbClr r="0" g="0" b="0"/>
-              </a:effectRef>
-              <a:fontRef idx="minor">
-                <a:schemeClr val="lt1"/>
-              </a:fontRef>
-            </p:style>
-            <p:txBody>
-              <a:bodyPr rtlCol="0" anchor="ctr"/>
-              <a:lstStyle/>
-              <a:p>
-                <a:pPr algn="ctr"/>
-                <a:r>
-                  <a:rPr lang="fr-FR" sz="1000" dirty="0"/>
-                  <a:t>Mail</a:t>
-                </a:r>
-              </a:p>
-            </p:txBody>
-          </p:sp>
-          <p:sp>
-            <p:nvSpPr>
-              <p:cNvPr id="155" name="Rectangle : coins arrondis 154">
-                <a:extLst>
-                  <a:ext uri="{FF2B5EF4-FFF2-40B4-BE49-F238E27FC236}">
-                    <a16:creationId xmlns:a16="http://schemas.microsoft.com/office/drawing/2014/main" id="{C6F4A854-DF13-4CA9-89C4-4A0001DB9B0E}"/>
-                  </a:ext>
-                </a:extLst>
-              </p:cNvPr>
-              <p:cNvSpPr/>
-              <p:nvPr/>
-            </p:nvSpPr>
-            <p:spPr>
-              <a:xfrm>
-                <a:off x="6160662" y="1854113"/>
-                <a:ext cx="1146003" cy="229630"/>
-              </a:xfrm>
-              <a:prstGeom prst="roundRect">
-                <a:avLst/>
-              </a:prstGeom>
-              <a:solidFill>
-                <a:schemeClr val="dk1">
-                  <a:alpha val="50000"/>
-                </a:schemeClr>
-              </a:solidFill>
-              <a:ln>
-                <a:noFill/>
-              </a:ln>
-            </p:spPr>
-            <p:style>
-              <a:lnRef idx="0">
-                <a:scrgbClr r="0" g="0" b="0"/>
-              </a:lnRef>
-              <a:fillRef idx="0">
-                <a:scrgbClr r="0" g="0" b="0"/>
-              </a:fillRef>
-              <a:effectRef idx="0">
-                <a:scrgbClr r="0" g="0" b="0"/>
-              </a:effectRef>
-              <a:fontRef idx="minor">
-                <a:schemeClr val="lt1"/>
-              </a:fontRef>
-            </p:style>
-            <p:txBody>
-              <a:bodyPr rtlCol="0" anchor="ctr"/>
-              <a:lstStyle/>
-              <a:p>
-                <a:pPr algn="ctr"/>
-                <a:r>
-                  <a:rPr lang="fr-FR" sz="1000" dirty="0"/>
-                  <a:t>Objet</a:t>
-                </a:r>
-              </a:p>
-            </p:txBody>
-          </p:sp>
-          <p:sp>
-            <p:nvSpPr>
-              <p:cNvPr id="156" name="Rectangle : coins arrondis 155">
-                <a:extLst>
-                  <a:ext uri="{FF2B5EF4-FFF2-40B4-BE49-F238E27FC236}">
-                    <a16:creationId xmlns:a16="http://schemas.microsoft.com/office/drawing/2014/main" id="{78964214-B2C5-49F6-B8B7-90F93438F7F4}"/>
-                  </a:ext>
-                </a:extLst>
-              </p:cNvPr>
-              <p:cNvSpPr/>
-              <p:nvPr/>
-            </p:nvSpPr>
-            <p:spPr>
-              <a:xfrm>
-                <a:off x="6160661" y="2143372"/>
-                <a:ext cx="1617102" cy="680562"/>
-              </a:xfrm>
-              <a:prstGeom prst="roundRect">
-                <a:avLst/>
-              </a:prstGeom>
-              <a:solidFill>
-                <a:schemeClr val="dk1">
-                  <a:alpha val="50000"/>
-                </a:schemeClr>
-              </a:solidFill>
-              <a:ln>
-                <a:noFill/>
-              </a:ln>
-            </p:spPr>
-            <p:style>
-              <a:lnRef idx="0">
-                <a:scrgbClr r="0" g="0" b="0"/>
-              </a:lnRef>
-              <a:fillRef idx="0">
-                <a:scrgbClr r="0" g="0" b="0"/>
-              </a:fillRef>
-              <a:effectRef idx="0">
-                <a:scrgbClr r="0" g="0" b="0"/>
-              </a:effectRef>
-              <a:fontRef idx="minor">
-                <a:schemeClr val="lt1"/>
-              </a:fontRef>
-            </p:style>
-            <p:txBody>
-              <a:bodyPr rtlCol="0" anchor="ctr"/>
-              <a:lstStyle/>
-              <a:p>
-                <a:pPr algn="ctr"/>
-                <a:r>
-                  <a:rPr lang="fr-FR" sz="1000" dirty="0"/>
-                  <a:t>Message</a:t>
-                </a:r>
-              </a:p>
-            </p:txBody>
-          </p:sp>
-        </p:grpSp>
-        <p:cxnSp>
-          <p:nvCxnSpPr>
-            <p:cNvPr id="27" name="Connecteur droit avec flèche 26">
-              <a:extLst>
-                <a:ext uri="{FF2B5EF4-FFF2-40B4-BE49-F238E27FC236}">
-                  <a16:creationId xmlns:a16="http://schemas.microsoft.com/office/drawing/2014/main" id="{C3EFA92B-47E6-4F8E-A4CD-472AB7A8277F}"/>
-                </a:ext>
-              </a:extLst>
-            </p:cNvPr>
-            <p:cNvCxnSpPr>
-              <a:cxnSpLocks/>
-            </p:cNvCxnSpPr>
-            <p:nvPr/>
-          </p:nvCxnSpPr>
-          <p:spPr>
-            <a:xfrm flipH="1">
-              <a:off x="4532572" y="3858812"/>
-              <a:ext cx="8853" cy="230652"/>
-            </a:xfrm>
-            <a:prstGeom prst="straightConnector1">
-              <a:avLst/>
-            </a:prstGeom>
-            <a:ln>
-              <a:tailEnd type="triangle"/>
-            </a:ln>
-          </p:spPr>
-          <p:style>
-            <a:lnRef idx="3">
-              <a:schemeClr val="accent1"/>
-            </a:lnRef>
-            <a:fillRef idx="0">
-              <a:schemeClr val="accent1"/>
-            </a:fillRef>
-            <a:effectRef idx="2">
-              <a:schemeClr val="accent1"/>
-            </a:effectRef>
-            <a:fontRef idx="minor">
-              <a:schemeClr val="tx1"/>
-            </a:fontRef>
-          </p:style>
-        </p:cxnSp>
-      </p:grpSp>
+          <a:prstGeom prst="straightConnector1">
+            <a:avLst/>
+          </a:prstGeom>
+          <a:ln>
+            <a:tailEnd type="triangle"/>
+          </a:ln>
+        </p:spPr>
+        <p:style>
+          <a:lnRef idx="3">
+            <a:schemeClr val="accent1"/>
+          </a:lnRef>
+          <a:fillRef idx="0">
+            <a:schemeClr val="accent1"/>
+          </a:fillRef>
+          <a:effectRef idx="2">
+            <a:schemeClr val="accent1"/>
+          </a:effectRef>
+          <a:fontRef idx="minor">
+            <a:schemeClr val="tx1"/>
+          </a:fontRef>
+        </p:style>
+      </p:cxnSp>
       <p:sp>
         <p:nvSpPr>
           <p:cNvPr id="115" name="Rectangle 114">
@@ -17195,7 +13434,7 @@
           <p:nvPr/>
         </p:nvPicPr>
         <p:blipFill>
-          <a:blip r:embed="rId7">
+          <a:blip r:embed="rId2">
             <a:extLst>
               <a:ext uri="{28A0092B-C50C-407E-A947-70E740481C1C}">
                 <a14:useLocalDpi xmlns:a14="http://schemas.microsoft.com/office/drawing/2010/main" val="0"/>
@@ -17216,6 +13455,4364 @@
           </a:prstGeom>
         </p:spPr>
       </p:pic>
+      <p:sp>
+        <p:nvSpPr>
+          <p:cNvPr id="2" name="Ellipse 1">
+            <a:extLst>
+              <a:ext uri="{FF2B5EF4-FFF2-40B4-BE49-F238E27FC236}">
+                <a16:creationId xmlns:a16="http://schemas.microsoft.com/office/drawing/2014/main" id="{29DE8E6B-D503-4357-83D8-708B2D7E9748}"/>
+              </a:ext>
+            </a:extLst>
+          </p:cNvPr>
+          <p:cNvSpPr/>
+          <p:nvPr/>
+        </p:nvSpPr>
+        <p:spPr>
+          <a:xfrm>
+            <a:off x="5594536" y="3836950"/>
+            <a:ext cx="322731" cy="290651"/>
+          </a:xfrm>
+          <a:prstGeom prst="ellipse">
+            <a:avLst/>
+          </a:prstGeom>
+        </p:spPr>
+        <p:style>
+          <a:lnRef idx="2">
+            <a:schemeClr val="dk1">
+              <a:shade val="50000"/>
+            </a:schemeClr>
+          </a:lnRef>
+          <a:fillRef idx="1">
+            <a:schemeClr val="dk1"/>
+          </a:fillRef>
+          <a:effectRef idx="0">
+            <a:schemeClr val="dk1"/>
+          </a:effectRef>
+          <a:fontRef idx="minor">
+            <a:schemeClr val="lt1"/>
+          </a:fontRef>
+        </p:style>
+        <p:txBody>
+          <a:bodyPr rtlCol="0" anchor="ctr"/>
+          <a:lstStyle/>
+          <a:p>
+            <a:pPr algn="ctr"/>
+            <a:endParaRPr lang="fr-FR"/>
+          </a:p>
+        </p:txBody>
+      </p:sp>
+      <p:grpSp>
+        <p:nvGrpSpPr>
+          <p:cNvPr id="46" name="Groupe 45">
+            <a:extLst>
+              <a:ext uri="{FF2B5EF4-FFF2-40B4-BE49-F238E27FC236}">
+                <a16:creationId xmlns:a16="http://schemas.microsoft.com/office/drawing/2014/main" id="{74E320CF-9097-449F-A8E0-2E96158FBE6A}"/>
+              </a:ext>
+            </a:extLst>
+          </p:cNvPr>
+          <p:cNvGrpSpPr/>
+          <p:nvPr/>
+        </p:nvGrpSpPr>
+        <p:grpSpPr>
+          <a:xfrm>
+            <a:off x="215560" y="544551"/>
+            <a:ext cx="10530027" cy="6032509"/>
+            <a:chOff x="172133" y="349242"/>
+            <a:chExt cx="10530027" cy="6032509"/>
+          </a:xfrm>
+        </p:grpSpPr>
+        <p:grpSp>
+          <p:nvGrpSpPr>
+            <p:cNvPr id="43" name="Groupe 42">
+              <a:extLst>
+                <a:ext uri="{FF2B5EF4-FFF2-40B4-BE49-F238E27FC236}">
+                  <a16:creationId xmlns:a16="http://schemas.microsoft.com/office/drawing/2014/main" id="{9DCE301B-914A-40B0-B7D8-0DAF2614B853}"/>
+                </a:ext>
+              </a:extLst>
+            </p:cNvPr>
+            <p:cNvGrpSpPr/>
+            <p:nvPr/>
+          </p:nvGrpSpPr>
+          <p:grpSpPr>
+            <a:xfrm>
+              <a:off x="172133" y="349242"/>
+              <a:ext cx="10530027" cy="6032509"/>
+              <a:chOff x="172133" y="349242"/>
+              <a:chExt cx="10530027" cy="6032509"/>
+            </a:xfrm>
+          </p:grpSpPr>
+          <p:grpSp>
+            <p:nvGrpSpPr>
+              <p:cNvPr id="188" name="Groupe 187">
+                <a:extLst>
+                  <a:ext uri="{FF2B5EF4-FFF2-40B4-BE49-F238E27FC236}">
+                    <a16:creationId xmlns:a16="http://schemas.microsoft.com/office/drawing/2014/main" id="{98DE50DE-2940-4452-8A6F-3A7DF2FA9444}"/>
+                  </a:ext>
+                </a:extLst>
+              </p:cNvPr>
+              <p:cNvGrpSpPr/>
+              <p:nvPr/>
+            </p:nvGrpSpPr>
+            <p:grpSpPr>
+              <a:xfrm>
+                <a:off x="172133" y="3523451"/>
+                <a:ext cx="2805688" cy="2255842"/>
+                <a:chOff x="144451" y="2123389"/>
+                <a:chExt cx="2903220" cy="2611221"/>
+              </a:xfrm>
+            </p:grpSpPr>
+            <p:grpSp>
+              <p:nvGrpSpPr>
+                <p:cNvPr id="63" name="Groupe 62">
+                  <a:extLst>
+                    <a:ext uri="{FF2B5EF4-FFF2-40B4-BE49-F238E27FC236}">
+                      <a16:creationId xmlns:a16="http://schemas.microsoft.com/office/drawing/2014/main" id="{3125BA5F-AB7A-4685-B25B-1AA8C8B514F7}"/>
+                    </a:ext>
+                  </a:extLst>
+                </p:cNvPr>
+                <p:cNvGrpSpPr/>
+                <p:nvPr/>
+              </p:nvGrpSpPr>
+              <p:grpSpPr>
+                <a:xfrm>
+                  <a:off x="144451" y="2123389"/>
+                  <a:ext cx="2903220" cy="2611221"/>
+                  <a:chOff x="7261860" y="627670"/>
+                  <a:chExt cx="2903220" cy="1727558"/>
+                </a:xfrm>
+              </p:grpSpPr>
+              <p:grpSp>
+                <p:nvGrpSpPr>
+                  <p:cNvPr id="62" name="Groupe 61">
+                    <a:extLst>
+                      <a:ext uri="{FF2B5EF4-FFF2-40B4-BE49-F238E27FC236}">
+                        <a16:creationId xmlns:a16="http://schemas.microsoft.com/office/drawing/2014/main" id="{F4FB309A-2966-4F12-9D23-571FB44A6C6E}"/>
+                      </a:ext>
+                    </a:extLst>
+                  </p:cNvPr>
+                  <p:cNvGrpSpPr/>
+                  <p:nvPr/>
+                </p:nvGrpSpPr>
+                <p:grpSpPr>
+                  <a:xfrm>
+                    <a:off x="7261860" y="627670"/>
+                    <a:ext cx="2903220" cy="1727558"/>
+                    <a:chOff x="7261860" y="627670"/>
+                    <a:chExt cx="2903220" cy="1727558"/>
+                  </a:xfrm>
+                </p:grpSpPr>
+                <p:sp>
+                  <p:nvSpPr>
+                    <p:cNvPr id="11" name="Rectangle : coins arrondis 10">
+                      <a:extLst>
+                        <a:ext uri="{FF2B5EF4-FFF2-40B4-BE49-F238E27FC236}">
+                          <a16:creationId xmlns:a16="http://schemas.microsoft.com/office/drawing/2014/main" id="{6251CC6F-7889-418E-8773-521F0891E24A}"/>
+                        </a:ext>
+                      </a:extLst>
+                    </p:cNvPr>
+                    <p:cNvSpPr/>
+                    <p:nvPr/>
+                  </p:nvSpPr>
+                  <p:spPr>
+                    <a:xfrm>
+                      <a:off x="7261860" y="627670"/>
+                      <a:ext cx="2903220" cy="1727558"/>
+                    </a:xfrm>
+                    <a:prstGeom prst="roundRect">
+                      <a:avLst/>
+                    </a:prstGeom>
+                  </p:spPr>
+                  <p:style>
+                    <a:lnRef idx="2">
+                      <a:schemeClr val="dk1"/>
+                    </a:lnRef>
+                    <a:fillRef idx="1">
+                      <a:schemeClr val="lt1"/>
+                    </a:fillRef>
+                    <a:effectRef idx="0">
+                      <a:schemeClr val="dk1"/>
+                    </a:effectRef>
+                    <a:fontRef idx="minor">
+                      <a:schemeClr val="dk1"/>
+                    </a:fontRef>
+                  </p:style>
+                  <p:txBody>
+                    <a:bodyPr rtlCol="0" anchor="ctr"/>
+                    <a:lstStyle/>
+                    <a:p>
+                      <a:pPr algn="ctr"/>
+                      <a:endParaRPr lang="fr-FR"/>
+                    </a:p>
+                  </p:txBody>
+                </p:sp>
+                <p:cxnSp>
+                  <p:nvCxnSpPr>
+                    <p:cNvPr id="26" name="Connecteur droit 25">
+                      <a:extLst>
+                        <a:ext uri="{FF2B5EF4-FFF2-40B4-BE49-F238E27FC236}">
+                          <a16:creationId xmlns:a16="http://schemas.microsoft.com/office/drawing/2014/main" id="{B925664D-D02D-4438-A023-D248DABDD0A7}"/>
+                        </a:ext>
+                      </a:extLst>
+                    </p:cNvPr>
+                    <p:cNvCxnSpPr/>
+                    <p:nvPr/>
+                  </p:nvCxnSpPr>
+                  <p:spPr>
+                    <a:xfrm>
+                      <a:off x="7261860" y="1077250"/>
+                      <a:ext cx="2903220" cy="0"/>
+                    </a:xfrm>
+                    <a:prstGeom prst="line">
+                      <a:avLst/>
+                    </a:prstGeom>
+                  </p:spPr>
+                  <p:style>
+                    <a:lnRef idx="2">
+                      <a:schemeClr val="dk1"/>
+                    </a:lnRef>
+                    <a:fillRef idx="0">
+                      <a:schemeClr val="dk1"/>
+                    </a:fillRef>
+                    <a:effectRef idx="1">
+                      <a:schemeClr val="dk1"/>
+                    </a:effectRef>
+                    <a:fontRef idx="minor">
+                      <a:schemeClr val="tx1"/>
+                    </a:fontRef>
+                  </p:style>
+                </p:cxnSp>
+              </p:grpSp>
+              <p:grpSp>
+                <p:nvGrpSpPr>
+                  <p:cNvPr id="56" name="Groupe 55">
+                    <a:extLst>
+                      <a:ext uri="{FF2B5EF4-FFF2-40B4-BE49-F238E27FC236}">
+                        <a16:creationId xmlns:a16="http://schemas.microsoft.com/office/drawing/2014/main" id="{E0D15909-DBCF-4CA3-B231-A2F6C909A038}"/>
+                      </a:ext>
+                    </a:extLst>
+                  </p:cNvPr>
+                  <p:cNvGrpSpPr/>
+                  <p:nvPr/>
+                </p:nvGrpSpPr>
+                <p:grpSpPr>
+                  <a:xfrm>
+                    <a:off x="7491411" y="666049"/>
+                    <a:ext cx="2444118" cy="375821"/>
+                    <a:chOff x="4019082" y="2264255"/>
+                    <a:chExt cx="2444118" cy="375821"/>
+                  </a:xfrm>
+                </p:grpSpPr>
+                <p:pic>
+                  <p:nvPicPr>
+                    <p:cNvPr id="57" name="Image 56">
+                      <a:extLst>
+                        <a:ext uri="{FF2B5EF4-FFF2-40B4-BE49-F238E27FC236}">
+                          <a16:creationId xmlns:a16="http://schemas.microsoft.com/office/drawing/2014/main" id="{EABEAEFE-66CA-48EF-94AE-0E89C0ABDC2F}"/>
+                        </a:ext>
+                      </a:extLst>
+                    </p:cNvPr>
+                    <p:cNvPicPr>
+                      <a:picLocks noChangeAspect="1"/>
+                    </p:cNvPicPr>
+                    <p:nvPr/>
+                  </p:nvPicPr>
+                  <p:blipFill>
+                    <a:blip r:embed="rId3">
+                      <a:extLst>
+                        <a:ext uri="{28A0092B-C50C-407E-A947-70E740481C1C}">
+                          <a14:useLocalDpi xmlns:a14="http://schemas.microsoft.com/office/drawing/2010/main" val="0"/>
+                        </a:ext>
+                      </a:extLst>
+                    </a:blip>
+                    <a:stretch>
+                      <a:fillRect/>
+                    </a:stretch>
+                  </p:blipFill>
+                  <p:spPr>
+                    <a:xfrm>
+                      <a:off x="4019082" y="2265888"/>
+                      <a:ext cx="368479" cy="368479"/>
+                    </a:xfrm>
+                    <a:prstGeom prst="rect">
+                      <a:avLst/>
+                    </a:prstGeom>
+                  </p:spPr>
+                </p:pic>
+                <p:pic>
+                  <p:nvPicPr>
+                    <p:cNvPr id="58" name="Image 57">
+                      <a:extLst>
+                        <a:ext uri="{FF2B5EF4-FFF2-40B4-BE49-F238E27FC236}">
+                          <a16:creationId xmlns:a16="http://schemas.microsoft.com/office/drawing/2014/main" id="{4DABBEA4-D6C4-437D-9D29-42EE227860B5}"/>
+                        </a:ext>
+                      </a:extLst>
+                    </p:cNvPr>
+                    <p:cNvPicPr>
+                      <a:picLocks noChangeAspect="1"/>
+                    </p:cNvPicPr>
+                    <p:nvPr/>
+                  </p:nvPicPr>
+                  <p:blipFill>
+                    <a:blip r:embed="rId4">
+                      <a:extLst>
+                        <a:ext uri="{28A0092B-C50C-407E-A947-70E740481C1C}">
+                          <a14:useLocalDpi xmlns:a14="http://schemas.microsoft.com/office/drawing/2010/main" val="0"/>
+                        </a:ext>
+                      </a:extLst>
+                    </a:blip>
+                    <a:stretch>
+                      <a:fillRect/>
+                    </a:stretch>
+                  </p:blipFill>
+                  <p:spPr>
+                    <a:xfrm flipH="1">
+                      <a:off x="4420959" y="2266528"/>
+                      <a:ext cx="367200" cy="367200"/>
+                    </a:xfrm>
+                    <a:prstGeom prst="rect">
+                      <a:avLst/>
+                    </a:prstGeom>
+                  </p:spPr>
+                </p:pic>
+                <p:pic>
+                  <p:nvPicPr>
+                    <p:cNvPr id="59" name="Image 58">
+                      <a:extLst>
+                        <a:ext uri="{FF2B5EF4-FFF2-40B4-BE49-F238E27FC236}">
+                          <a16:creationId xmlns:a16="http://schemas.microsoft.com/office/drawing/2014/main" id="{A0C7D4F6-87B9-4AAF-9A07-BFF04F8C1D17}"/>
+                        </a:ext>
+                      </a:extLst>
+                    </p:cNvPr>
+                    <p:cNvPicPr>
+                      <a:picLocks noChangeAspect="1"/>
+                    </p:cNvPicPr>
+                    <p:nvPr/>
+                  </p:nvPicPr>
+                  <p:blipFill>
+                    <a:blip r:embed="rId5">
+                      <a:extLst>
+                        <a:ext uri="{28A0092B-C50C-407E-A947-70E740481C1C}">
+                          <a14:useLocalDpi xmlns:a14="http://schemas.microsoft.com/office/drawing/2010/main" val="0"/>
+                        </a:ext>
+                      </a:extLst>
+                    </a:blip>
+                    <a:stretch>
+                      <a:fillRect/>
+                    </a:stretch>
+                  </p:blipFill>
+                  <p:spPr>
+                    <a:xfrm>
+                      <a:off x="4871096" y="2264255"/>
+                      <a:ext cx="367200" cy="367200"/>
+                    </a:xfrm>
+                    <a:prstGeom prst="rect">
+                      <a:avLst/>
+                    </a:prstGeom>
+                  </p:spPr>
+                </p:pic>
+                <p:pic>
+                  <p:nvPicPr>
+                    <p:cNvPr id="60" name="Image 59">
+                      <a:extLst>
+                        <a:ext uri="{FF2B5EF4-FFF2-40B4-BE49-F238E27FC236}">
+                          <a16:creationId xmlns:a16="http://schemas.microsoft.com/office/drawing/2014/main" id="{C38C1093-09CE-46D4-B27D-935EEDB62502}"/>
+                        </a:ext>
+                      </a:extLst>
+                    </p:cNvPr>
+                    <p:cNvPicPr>
+                      <a:picLocks noChangeAspect="1"/>
+                    </p:cNvPicPr>
+                    <p:nvPr/>
+                  </p:nvPicPr>
+                  <p:blipFill>
+                    <a:blip r:embed="rId6">
+                      <a:extLst>
+                        <a:ext uri="{28A0092B-C50C-407E-A947-70E740481C1C}">
+                          <a14:useLocalDpi xmlns:a14="http://schemas.microsoft.com/office/drawing/2010/main" val="0"/>
+                        </a:ext>
+                      </a:extLst>
+                    </a:blip>
+                    <a:stretch>
+                      <a:fillRect/>
+                    </a:stretch>
+                  </p:blipFill>
+                  <p:spPr>
+                    <a:xfrm>
+                      <a:off x="5649459" y="2268553"/>
+                      <a:ext cx="367200" cy="367200"/>
+                    </a:xfrm>
+                    <a:prstGeom prst="rect">
+                      <a:avLst/>
+                    </a:prstGeom>
+                  </p:spPr>
+                </p:pic>
+                <p:pic>
+                  <p:nvPicPr>
+                    <p:cNvPr id="61" name="Image 60">
+                      <a:extLst>
+                        <a:ext uri="{FF2B5EF4-FFF2-40B4-BE49-F238E27FC236}">
+                          <a16:creationId xmlns:a16="http://schemas.microsoft.com/office/drawing/2014/main" id="{5D3ED05B-42C2-4C2F-B6DC-EC46D8F9DD75}"/>
+                        </a:ext>
+                      </a:extLst>
+                    </p:cNvPr>
+                    <p:cNvPicPr>
+                      <a:picLocks noChangeAspect="1"/>
+                    </p:cNvPicPr>
+                    <p:nvPr/>
+                  </p:nvPicPr>
+                  <p:blipFill>
+                    <a:blip r:embed="rId7">
+                      <a:extLst>
+                        <a:ext uri="{28A0092B-C50C-407E-A947-70E740481C1C}">
+                          <a14:useLocalDpi xmlns:a14="http://schemas.microsoft.com/office/drawing/2010/main" val="0"/>
+                        </a:ext>
+                      </a:extLst>
+                    </a:blip>
+                    <a:stretch>
+                      <a:fillRect/>
+                    </a:stretch>
+                  </p:blipFill>
+                  <p:spPr>
+                    <a:xfrm>
+                      <a:off x="6096000" y="2272876"/>
+                      <a:ext cx="367200" cy="367200"/>
+                    </a:xfrm>
+                    <a:prstGeom prst="rect">
+                      <a:avLst/>
+                    </a:prstGeom>
+                  </p:spPr>
+                </p:pic>
+              </p:grpSp>
+            </p:grpSp>
+            <p:grpSp>
+              <p:nvGrpSpPr>
+                <p:cNvPr id="174" name="Groupe 173">
+                  <a:extLst>
+                    <a:ext uri="{FF2B5EF4-FFF2-40B4-BE49-F238E27FC236}">
+                      <a16:creationId xmlns:a16="http://schemas.microsoft.com/office/drawing/2014/main" id="{F91E17DB-B588-4AF5-B697-B873EF76C013}"/>
+                    </a:ext>
+                  </a:extLst>
+                </p:cNvPr>
+                <p:cNvGrpSpPr/>
+                <p:nvPr/>
+              </p:nvGrpSpPr>
+              <p:grpSpPr>
+                <a:xfrm>
+                  <a:off x="213064" y="2896077"/>
+                  <a:ext cx="2726796" cy="1675923"/>
+                  <a:chOff x="213064" y="2896077"/>
+                  <a:chExt cx="2726796" cy="1675923"/>
+                </a:xfrm>
+              </p:grpSpPr>
+              <p:sp>
+                <p:nvSpPr>
+                  <p:cNvPr id="131" name="Rectangle : coins arrondis 130">
+                    <a:extLst>
+                      <a:ext uri="{FF2B5EF4-FFF2-40B4-BE49-F238E27FC236}">
+                        <a16:creationId xmlns:a16="http://schemas.microsoft.com/office/drawing/2014/main" id="{A0961B4B-534D-4FE6-988B-FB4B57A0C98D}"/>
+                      </a:ext>
+                    </a:extLst>
+                  </p:cNvPr>
+                  <p:cNvSpPr/>
+                  <p:nvPr/>
+                </p:nvSpPr>
+                <p:spPr>
+                  <a:xfrm>
+                    <a:off x="213064" y="2896077"/>
+                    <a:ext cx="2726796" cy="1675923"/>
+                  </a:xfrm>
+                  <a:prstGeom prst="roundRect">
+                    <a:avLst/>
+                  </a:prstGeom>
+                  <a:ln/>
+                </p:spPr>
+                <p:style>
+                  <a:lnRef idx="1">
+                    <a:schemeClr val="accent3"/>
+                  </a:lnRef>
+                  <a:fillRef idx="2">
+                    <a:schemeClr val="accent3"/>
+                  </a:fillRef>
+                  <a:effectRef idx="1">
+                    <a:schemeClr val="accent3"/>
+                  </a:effectRef>
+                  <a:fontRef idx="minor">
+                    <a:schemeClr val="dk1"/>
+                  </a:fontRef>
+                </p:style>
+                <p:txBody>
+                  <a:bodyPr rtlCol="0" anchor="ctr"/>
+                  <a:lstStyle/>
+                  <a:p>
+                    <a:pPr algn="ctr"/>
+                    <a:endParaRPr lang="fr-FR" dirty="0"/>
+                  </a:p>
+                </p:txBody>
+              </p:sp>
+              <p:sp>
+                <p:nvSpPr>
+                  <p:cNvPr id="159" name="Rectangle 158">
+                    <a:extLst>
+                      <a:ext uri="{FF2B5EF4-FFF2-40B4-BE49-F238E27FC236}">
+                        <a16:creationId xmlns:a16="http://schemas.microsoft.com/office/drawing/2014/main" id="{044CF740-49A5-465B-8494-DDF42424A21B}"/>
+                      </a:ext>
+                    </a:extLst>
+                  </p:cNvPr>
+                  <p:cNvSpPr/>
+                  <p:nvPr/>
+                </p:nvSpPr>
+                <p:spPr>
+                  <a:xfrm>
+                    <a:off x="315977" y="3220436"/>
+                    <a:ext cx="616694" cy="597129"/>
+                  </a:xfrm>
+                  <a:prstGeom prst="rect">
+                    <a:avLst/>
+                  </a:prstGeom>
+                  <a:solidFill>
+                    <a:schemeClr val="dk1">
+                      <a:alpha val="50000"/>
+                    </a:schemeClr>
+                  </a:solidFill>
+                  <a:ln>
+                    <a:noFill/>
+                  </a:ln>
+                </p:spPr>
+                <p:style>
+                  <a:lnRef idx="0">
+                    <a:scrgbClr r="0" g="0" b="0"/>
+                  </a:lnRef>
+                  <a:fillRef idx="0">
+                    <a:scrgbClr r="0" g="0" b="0"/>
+                  </a:fillRef>
+                  <a:effectRef idx="0">
+                    <a:scrgbClr r="0" g="0" b="0"/>
+                  </a:effectRef>
+                  <a:fontRef idx="minor">
+                    <a:schemeClr val="lt1"/>
+                  </a:fontRef>
+                </p:style>
+                <p:txBody>
+                  <a:bodyPr rtlCol="0" anchor="ctr"/>
+                  <a:lstStyle/>
+                  <a:p>
+                    <a:pPr algn="ctr"/>
+                    <a:r>
+                      <a:rPr lang="fr-FR" sz="1000" dirty="0">
+                        <a:solidFill>
+                          <a:schemeClr val="tx1"/>
+                        </a:solidFill>
+                      </a:rPr>
+                      <a:t>Image</a:t>
+                    </a:r>
+                  </a:p>
+                </p:txBody>
+              </p:sp>
+              <p:sp>
+                <p:nvSpPr>
+                  <p:cNvPr id="160" name="Rectangle : coins arrondis 159">
+                    <a:extLst>
+                      <a:ext uri="{FF2B5EF4-FFF2-40B4-BE49-F238E27FC236}">
+                        <a16:creationId xmlns:a16="http://schemas.microsoft.com/office/drawing/2014/main" id="{708C0224-7CA9-4C71-8ABC-3FB30CF4E4CE}"/>
+                      </a:ext>
+                    </a:extLst>
+                  </p:cNvPr>
+                  <p:cNvSpPr/>
+                  <p:nvPr/>
+                </p:nvSpPr>
+                <p:spPr>
+                  <a:xfrm>
+                    <a:off x="1005929" y="3219718"/>
+                    <a:ext cx="601541" cy="196252"/>
+                  </a:xfrm>
+                  <a:prstGeom prst="roundRect">
+                    <a:avLst/>
+                  </a:prstGeom>
+                  <a:solidFill>
+                    <a:schemeClr val="dk1">
+                      <a:alpha val="50000"/>
+                    </a:schemeClr>
+                  </a:solidFill>
+                  <a:ln>
+                    <a:noFill/>
+                  </a:ln>
+                </p:spPr>
+                <p:style>
+                  <a:lnRef idx="0">
+                    <a:scrgbClr r="0" g="0" b="0"/>
+                  </a:lnRef>
+                  <a:fillRef idx="0">
+                    <a:scrgbClr r="0" g="0" b="0"/>
+                  </a:fillRef>
+                  <a:effectRef idx="0">
+                    <a:scrgbClr r="0" g="0" b="0"/>
+                  </a:effectRef>
+                  <a:fontRef idx="minor">
+                    <a:schemeClr val="lt1"/>
+                  </a:fontRef>
+                </p:style>
+                <p:txBody>
+                  <a:bodyPr rtlCol="0" anchor="ctr"/>
+                  <a:lstStyle/>
+                  <a:p>
+                    <a:pPr algn="ctr"/>
+                    <a:r>
+                      <a:rPr lang="fr-FR" sz="1000" dirty="0"/>
+                      <a:t>Nom</a:t>
+                    </a:r>
+                  </a:p>
+                </p:txBody>
+              </p:sp>
+              <p:sp>
+                <p:nvSpPr>
+                  <p:cNvPr id="161" name="Rectangle : coins arrondis 160">
+                    <a:extLst>
+                      <a:ext uri="{FF2B5EF4-FFF2-40B4-BE49-F238E27FC236}">
+                        <a16:creationId xmlns:a16="http://schemas.microsoft.com/office/drawing/2014/main" id="{A09ACCBC-6B86-4986-A678-6F2B69B5377E}"/>
+                      </a:ext>
+                    </a:extLst>
+                  </p:cNvPr>
+                  <p:cNvSpPr/>
+                  <p:nvPr/>
+                </p:nvSpPr>
+                <p:spPr>
+                  <a:xfrm>
+                    <a:off x="1005238" y="3482877"/>
+                    <a:ext cx="601541" cy="184478"/>
+                  </a:xfrm>
+                  <a:prstGeom prst="roundRect">
+                    <a:avLst/>
+                  </a:prstGeom>
+                  <a:solidFill>
+                    <a:schemeClr val="dk1">
+                      <a:alpha val="50000"/>
+                    </a:schemeClr>
+                  </a:solidFill>
+                  <a:ln>
+                    <a:noFill/>
+                  </a:ln>
+                </p:spPr>
+                <p:style>
+                  <a:lnRef idx="0">
+                    <a:scrgbClr r="0" g="0" b="0"/>
+                  </a:lnRef>
+                  <a:fillRef idx="0">
+                    <a:scrgbClr r="0" g="0" b="0"/>
+                  </a:fillRef>
+                  <a:effectRef idx="0">
+                    <a:scrgbClr r="0" g="0" b="0"/>
+                  </a:effectRef>
+                  <a:fontRef idx="minor">
+                    <a:schemeClr val="lt1"/>
+                  </a:fontRef>
+                </p:style>
+                <p:txBody>
+                  <a:bodyPr rtlCol="0" anchor="ctr"/>
+                  <a:lstStyle/>
+                  <a:p>
+                    <a:pPr algn="ctr"/>
+                    <a:r>
+                      <a:rPr lang="fr-FR" sz="1000" dirty="0" err="1"/>
+                      <a:t>Rèf</a:t>
+                    </a:r>
+                    <a:endParaRPr lang="fr-FR" sz="1000" dirty="0"/>
+                  </a:p>
+                </p:txBody>
+              </p:sp>
+              <p:sp>
+                <p:nvSpPr>
+                  <p:cNvPr id="162" name="Rectangle : coins arrondis 161">
+                    <a:extLst>
+                      <a:ext uri="{FF2B5EF4-FFF2-40B4-BE49-F238E27FC236}">
+                        <a16:creationId xmlns:a16="http://schemas.microsoft.com/office/drawing/2014/main" id="{5218C6FB-704E-4C91-B159-656453EA5DAB}"/>
+                      </a:ext>
+                    </a:extLst>
+                  </p:cNvPr>
+                  <p:cNvSpPr/>
+                  <p:nvPr/>
+                </p:nvSpPr>
+                <p:spPr>
+                  <a:xfrm>
+                    <a:off x="1980228" y="3215180"/>
+                    <a:ext cx="783252" cy="186121"/>
+                  </a:xfrm>
+                  <a:prstGeom prst="roundRect">
+                    <a:avLst/>
+                  </a:prstGeom>
+                  <a:solidFill>
+                    <a:schemeClr val="dk1">
+                      <a:alpha val="50000"/>
+                    </a:schemeClr>
+                  </a:solidFill>
+                  <a:ln>
+                    <a:noFill/>
+                  </a:ln>
+                </p:spPr>
+                <p:style>
+                  <a:lnRef idx="0">
+                    <a:scrgbClr r="0" g="0" b="0"/>
+                  </a:lnRef>
+                  <a:fillRef idx="0">
+                    <a:scrgbClr r="0" g="0" b="0"/>
+                  </a:fillRef>
+                  <a:effectRef idx="0">
+                    <a:scrgbClr r="0" g="0" b="0"/>
+                  </a:effectRef>
+                  <a:fontRef idx="minor">
+                    <a:schemeClr val="lt1"/>
+                  </a:fontRef>
+                </p:style>
+                <p:txBody>
+                  <a:bodyPr rtlCol="0" anchor="ctr"/>
+                  <a:lstStyle/>
+                  <a:p>
+                    <a:pPr algn="ctr"/>
+                    <a:r>
+                      <a:rPr lang="fr-FR" sz="1000" dirty="0"/>
+                      <a:t>Prix</a:t>
+                    </a:r>
+                  </a:p>
+                </p:txBody>
+              </p:sp>
+              <p:sp>
+                <p:nvSpPr>
+                  <p:cNvPr id="163" name="Rectangle : coins arrondis 162">
+                    <a:extLst>
+                      <a:ext uri="{FF2B5EF4-FFF2-40B4-BE49-F238E27FC236}">
+                        <a16:creationId xmlns:a16="http://schemas.microsoft.com/office/drawing/2014/main" id="{62319B4B-6254-4F29-9813-B6A8768698D5}"/>
+                      </a:ext>
+                    </a:extLst>
+                  </p:cNvPr>
+                  <p:cNvSpPr/>
+                  <p:nvPr/>
+                </p:nvSpPr>
+                <p:spPr>
+                  <a:xfrm>
+                    <a:off x="1982719" y="3509595"/>
+                    <a:ext cx="786485" cy="232256"/>
+                  </a:xfrm>
+                  <a:prstGeom prst="roundRect">
+                    <a:avLst/>
+                  </a:prstGeom>
+                  <a:solidFill>
+                    <a:schemeClr val="dk1">
+                      <a:alpha val="50000"/>
+                    </a:schemeClr>
+                  </a:solidFill>
+                  <a:ln>
+                    <a:noFill/>
+                  </a:ln>
+                </p:spPr>
+                <p:style>
+                  <a:lnRef idx="0">
+                    <a:scrgbClr r="0" g="0" b="0"/>
+                  </a:lnRef>
+                  <a:fillRef idx="0">
+                    <a:scrgbClr r="0" g="0" b="0"/>
+                  </a:fillRef>
+                  <a:effectRef idx="0">
+                    <a:scrgbClr r="0" g="0" b="0"/>
+                  </a:effectRef>
+                  <a:fontRef idx="minor">
+                    <a:schemeClr val="lt1"/>
+                  </a:fontRef>
+                </p:style>
+                <p:txBody>
+                  <a:bodyPr rtlCol="0" anchor="ctr"/>
+                  <a:lstStyle/>
+                  <a:p>
+                    <a:pPr algn="ctr"/>
+                    <a:r>
+                      <a:rPr lang="fr-FR" sz="1000" dirty="0"/>
+                      <a:t>Stock</a:t>
+                    </a:r>
+                  </a:p>
+                </p:txBody>
+              </p:sp>
+            </p:grpSp>
+          </p:grpSp>
+          <p:grpSp>
+            <p:nvGrpSpPr>
+              <p:cNvPr id="190" name="Groupe 189">
+                <a:extLst>
+                  <a:ext uri="{FF2B5EF4-FFF2-40B4-BE49-F238E27FC236}">
+                    <a16:creationId xmlns:a16="http://schemas.microsoft.com/office/drawing/2014/main" id="{CCC59E3A-F414-4961-966F-48C846782153}"/>
+                  </a:ext>
+                </a:extLst>
+              </p:cNvPr>
+              <p:cNvGrpSpPr/>
+              <p:nvPr/>
+            </p:nvGrpSpPr>
+            <p:grpSpPr>
+              <a:xfrm>
+                <a:off x="4309139" y="3618885"/>
+                <a:ext cx="2509103" cy="2762866"/>
+                <a:chOff x="3809026" y="3220436"/>
+                <a:chExt cx="2596325" cy="3198119"/>
+              </a:xfrm>
+            </p:grpSpPr>
+            <p:grpSp>
+              <p:nvGrpSpPr>
+                <p:cNvPr id="189" name="Groupe 188">
+                  <a:extLst>
+                    <a:ext uri="{FF2B5EF4-FFF2-40B4-BE49-F238E27FC236}">
+                      <a16:creationId xmlns:a16="http://schemas.microsoft.com/office/drawing/2014/main" id="{5C5F0773-99A8-44DF-89D1-464DFB1DC60E}"/>
+                    </a:ext>
+                  </a:extLst>
+                </p:cNvPr>
+                <p:cNvGrpSpPr/>
+                <p:nvPr/>
+              </p:nvGrpSpPr>
+              <p:grpSpPr>
+                <a:xfrm>
+                  <a:off x="3809026" y="3220436"/>
+                  <a:ext cx="2596325" cy="3198119"/>
+                  <a:chOff x="3809026" y="3220436"/>
+                  <a:chExt cx="2596325" cy="3198119"/>
+                </a:xfrm>
+              </p:grpSpPr>
+              <p:grpSp>
+                <p:nvGrpSpPr>
+                  <p:cNvPr id="28" name="Groupe 27">
+                    <a:extLst>
+                      <a:ext uri="{FF2B5EF4-FFF2-40B4-BE49-F238E27FC236}">
+                        <a16:creationId xmlns:a16="http://schemas.microsoft.com/office/drawing/2014/main" id="{ACDD04AD-3F35-41D6-BEE8-ECDA5ADC91A3}"/>
+                      </a:ext>
+                    </a:extLst>
+                  </p:cNvPr>
+                  <p:cNvGrpSpPr/>
+                  <p:nvPr/>
+                </p:nvGrpSpPr>
+                <p:grpSpPr>
+                  <a:xfrm>
+                    <a:off x="3809026" y="3220436"/>
+                    <a:ext cx="2596325" cy="3198119"/>
+                    <a:chOff x="3949255" y="2052499"/>
+                    <a:chExt cx="2438400" cy="3365321"/>
+                  </a:xfrm>
+                </p:grpSpPr>
+                <p:sp>
+                  <p:nvSpPr>
+                    <p:cNvPr id="12" name="Rectangle : coins arrondis 11">
+                      <a:extLst>
+                        <a:ext uri="{FF2B5EF4-FFF2-40B4-BE49-F238E27FC236}">
+                          <a16:creationId xmlns:a16="http://schemas.microsoft.com/office/drawing/2014/main" id="{4278010F-0883-45F3-9891-38EECE9AB062}"/>
+                        </a:ext>
+                      </a:extLst>
+                    </p:cNvPr>
+                    <p:cNvSpPr/>
+                    <p:nvPr/>
+                  </p:nvSpPr>
+                  <p:spPr>
+                    <a:xfrm>
+                      <a:off x="3949255" y="2052499"/>
+                      <a:ext cx="2438400" cy="3365321"/>
+                    </a:xfrm>
+                    <a:prstGeom prst="roundRect">
+                      <a:avLst/>
+                    </a:prstGeom>
+                  </p:spPr>
+                  <p:style>
+                    <a:lnRef idx="2">
+                      <a:schemeClr val="dk1"/>
+                    </a:lnRef>
+                    <a:fillRef idx="1">
+                      <a:schemeClr val="lt1"/>
+                    </a:fillRef>
+                    <a:effectRef idx="0">
+                      <a:schemeClr val="dk1"/>
+                    </a:effectRef>
+                    <a:fontRef idx="minor">
+                      <a:schemeClr val="dk1"/>
+                    </a:fontRef>
+                  </p:style>
+                  <p:txBody>
+                    <a:bodyPr rtlCol="0" anchor="ctr"/>
+                    <a:lstStyle/>
+                    <a:p>
+                      <a:pPr algn="ctr"/>
+                      <a:endParaRPr lang="fr-FR" dirty="0"/>
+                    </a:p>
+                  </p:txBody>
+                </p:sp>
+                <p:cxnSp>
+                  <p:nvCxnSpPr>
+                    <p:cNvPr id="21" name="Connecteur droit 20">
+                      <a:extLst>
+                        <a:ext uri="{FF2B5EF4-FFF2-40B4-BE49-F238E27FC236}">
+                          <a16:creationId xmlns:a16="http://schemas.microsoft.com/office/drawing/2014/main" id="{00A95503-CD41-484F-A1EC-986F339DCAF9}"/>
+                        </a:ext>
+                      </a:extLst>
+                    </p:cNvPr>
+                    <p:cNvCxnSpPr/>
+                    <p:nvPr/>
+                  </p:nvCxnSpPr>
+                  <p:spPr>
+                    <a:xfrm>
+                      <a:off x="3949255" y="2766060"/>
+                      <a:ext cx="2438400" cy="0"/>
+                    </a:xfrm>
+                    <a:prstGeom prst="line">
+                      <a:avLst/>
+                    </a:prstGeom>
+                  </p:spPr>
+                  <p:style>
+                    <a:lnRef idx="2">
+                      <a:schemeClr val="dk1"/>
+                    </a:lnRef>
+                    <a:fillRef idx="0">
+                      <a:schemeClr val="dk1"/>
+                    </a:fillRef>
+                    <a:effectRef idx="1">
+                      <a:schemeClr val="dk1"/>
+                    </a:effectRef>
+                    <a:fontRef idx="minor">
+                      <a:schemeClr val="tx1"/>
+                    </a:fontRef>
+                  </p:style>
+                </p:cxnSp>
+              </p:grpSp>
+              <p:grpSp>
+                <p:nvGrpSpPr>
+                  <p:cNvPr id="185" name="Groupe 184">
+                    <a:extLst>
+                      <a:ext uri="{FF2B5EF4-FFF2-40B4-BE49-F238E27FC236}">
+                        <a16:creationId xmlns:a16="http://schemas.microsoft.com/office/drawing/2014/main" id="{138663F8-25A1-4712-AE1F-65DB2AB61C6D}"/>
+                      </a:ext>
+                    </a:extLst>
+                  </p:cNvPr>
+                  <p:cNvGrpSpPr/>
+                  <p:nvPr/>
+                </p:nvGrpSpPr>
+                <p:grpSpPr>
+                  <a:xfrm>
+                    <a:off x="3925077" y="3994498"/>
+                    <a:ext cx="2364222" cy="2131092"/>
+                    <a:chOff x="3925077" y="3994498"/>
+                    <a:chExt cx="2364222" cy="2131092"/>
+                  </a:xfrm>
+                </p:grpSpPr>
+                <p:sp>
+                  <p:nvSpPr>
+                    <p:cNvPr id="178" name="Rectangle : coins arrondis 177">
+                      <a:extLst>
+                        <a:ext uri="{FF2B5EF4-FFF2-40B4-BE49-F238E27FC236}">
+                          <a16:creationId xmlns:a16="http://schemas.microsoft.com/office/drawing/2014/main" id="{1BE19C4D-9901-4B4B-A16F-74FDB0F48849}"/>
+                        </a:ext>
+                      </a:extLst>
+                    </p:cNvPr>
+                    <p:cNvSpPr/>
+                    <p:nvPr/>
+                  </p:nvSpPr>
+                  <p:spPr>
+                    <a:xfrm>
+                      <a:off x="3925077" y="3994498"/>
+                      <a:ext cx="2364222" cy="2131092"/>
+                    </a:xfrm>
+                    <a:prstGeom prst="roundRect">
+                      <a:avLst/>
+                    </a:prstGeom>
+                    <a:ln/>
+                  </p:spPr>
+                  <p:style>
+                    <a:lnRef idx="1">
+                      <a:schemeClr val="accent3"/>
+                    </a:lnRef>
+                    <a:fillRef idx="2">
+                      <a:schemeClr val="accent3"/>
+                    </a:fillRef>
+                    <a:effectRef idx="1">
+                      <a:schemeClr val="accent3"/>
+                    </a:effectRef>
+                    <a:fontRef idx="minor">
+                      <a:schemeClr val="dk1"/>
+                    </a:fontRef>
+                  </p:style>
+                  <p:txBody>
+                    <a:bodyPr rtlCol="0" anchor="ctr"/>
+                    <a:lstStyle/>
+                    <a:p>
+                      <a:pPr algn="ctr"/>
+                      <a:endParaRPr lang="fr-FR"/>
+                    </a:p>
+                  </p:txBody>
+                </p:sp>
+                <p:sp>
+                  <p:nvSpPr>
+                    <p:cNvPr id="30" name="Rectangle 29">
+                      <a:extLst>
+                        <a:ext uri="{FF2B5EF4-FFF2-40B4-BE49-F238E27FC236}">
+                          <a16:creationId xmlns:a16="http://schemas.microsoft.com/office/drawing/2014/main" id="{B4A760EB-5182-4A7E-85BF-CDF852A16F41}"/>
+                        </a:ext>
+                      </a:extLst>
+                    </p:cNvPr>
+                    <p:cNvSpPr/>
+                    <p:nvPr/>
+                  </p:nvSpPr>
+                  <p:spPr>
+                    <a:xfrm>
+                      <a:off x="4394315" y="4112859"/>
+                      <a:ext cx="1460433" cy="902661"/>
+                    </a:xfrm>
+                    <a:prstGeom prst="rect">
+                      <a:avLst/>
+                    </a:prstGeom>
+                    <a:solidFill>
+                      <a:schemeClr val="accent4">
+                        <a:alpha val="50000"/>
+                      </a:schemeClr>
+                    </a:solidFill>
+                    <a:ln>
+                      <a:noFill/>
+                    </a:ln>
+                  </p:spPr>
+                  <p:style>
+                    <a:lnRef idx="0">
+                      <a:scrgbClr r="0" g="0" b="0"/>
+                    </a:lnRef>
+                    <a:fillRef idx="0">
+                      <a:scrgbClr r="0" g="0" b="0"/>
+                    </a:fillRef>
+                    <a:effectRef idx="0">
+                      <a:scrgbClr r="0" g="0" b="0"/>
+                    </a:effectRef>
+                    <a:fontRef idx="minor">
+                      <a:schemeClr val="lt1"/>
+                    </a:fontRef>
+                  </p:style>
+                  <p:txBody>
+                    <a:bodyPr rtlCol="0" anchor="ctr"/>
+                    <a:lstStyle/>
+                    <a:p>
+                      <a:pPr algn="ctr"/>
+                      <a:r>
+                        <a:rPr lang="fr-FR" dirty="0">
+                          <a:solidFill>
+                            <a:schemeClr val="bg1"/>
+                          </a:solidFill>
+                        </a:rPr>
+                        <a:t>Vidéo</a:t>
+                      </a:r>
+                    </a:p>
+                  </p:txBody>
+                </p:sp>
+                <p:sp>
+                  <p:nvSpPr>
+                    <p:cNvPr id="31" name="Rectangle 30">
+                      <a:extLst>
+                        <a:ext uri="{FF2B5EF4-FFF2-40B4-BE49-F238E27FC236}">
+                          <a16:creationId xmlns:a16="http://schemas.microsoft.com/office/drawing/2014/main" id="{42FF186C-26C1-4DCA-B896-8393972F5F21}"/>
+                        </a:ext>
+                      </a:extLst>
+                    </p:cNvPr>
+                    <p:cNvSpPr/>
+                    <p:nvPr/>
+                  </p:nvSpPr>
+                  <p:spPr>
+                    <a:xfrm>
+                      <a:off x="4110342" y="5133402"/>
+                      <a:ext cx="608514" cy="574219"/>
+                    </a:xfrm>
+                    <a:prstGeom prst="rect">
+                      <a:avLst/>
+                    </a:prstGeom>
+                    <a:solidFill>
+                      <a:schemeClr val="accent4">
+                        <a:alpha val="50000"/>
+                      </a:schemeClr>
+                    </a:solidFill>
+                    <a:ln>
+                      <a:noFill/>
+                    </a:ln>
+                  </p:spPr>
+                  <p:style>
+                    <a:lnRef idx="0">
+                      <a:scrgbClr r="0" g="0" b="0"/>
+                    </a:lnRef>
+                    <a:fillRef idx="0">
+                      <a:scrgbClr r="0" g="0" b="0"/>
+                    </a:fillRef>
+                    <a:effectRef idx="0">
+                      <a:scrgbClr r="0" g="0" b="0"/>
+                    </a:effectRef>
+                    <a:fontRef idx="minor">
+                      <a:schemeClr val="lt1"/>
+                    </a:fontRef>
+                  </p:style>
+                  <p:txBody>
+                    <a:bodyPr rtlCol="0" anchor="ctr"/>
+                    <a:lstStyle/>
+                    <a:p>
+                      <a:pPr algn="ctr"/>
+                      <a:r>
+                        <a:rPr lang="fr-FR" sz="1400" dirty="0">
+                          <a:solidFill>
+                            <a:schemeClr val="bg1"/>
+                          </a:solidFill>
+                        </a:rPr>
+                        <a:t>Pop</a:t>
+                      </a:r>
+                    </a:p>
+                  </p:txBody>
+                </p:sp>
+                <p:sp>
+                  <p:nvSpPr>
+                    <p:cNvPr id="32" name="Rectangle 31">
+                      <a:extLst>
+                        <a:ext uri="{FF2B5EF4-FFF2-40B4-BE49-F238E27FC236}">
+                          <a16:creationId xmlns:a16="http://schemas.microsoft.com/office/drawing/2014/main" id="{ACB8477A-54AC-4CBA-A726-9AC0E238065D}"/>
+                        </a:ext>
+                      </a:extLst>
+                    </p:cNvPr>
+                    <p:cNvSpPr/>
+                    <p:nvPr/>
+                  </p:nvSpPr>
+                  <p:spPr>
+                    <a:xfrm>
+                      <a:off x="4802932" y="5133401"/>
+                      <a:ext cx="608514" cy="574219"/>
+                    </a:xfrm>
+                    <a:prstGeom prst="rect">
+                      <a:avLst/>
+                    </a:prstGeom>
+                    <a:solidFill>
+                      <a:schemeClr val="accent4">
+                        <a:alpha val="50000"/>
+                      </a:schemeClr>
+                    </a:solidFill>
+                    <a:ln>
+                      <a:noFill/>
+                    </a:ln>
+                  </p:spPr>
+                  <p:style>
+                    <a:lnRef idx="0">
+                      <a:scrgbClr r="0" g="0" b="0"/>
+                    </a:lnRef>
+                    <a:fillRef idx="0">
+                      <a:scrgbClr r="0" g="0" b="0"/>
+                    </a:fillRef>
+                    <a:effectRef idx="0">
+                      <a:scrgbClr r="0" g="0" b="0"/>
+                    </a:effectRef>
+                    <a:fontRef idx="minor">
+                      <a:schemeClr val="lt1"/>
+                    </a:fontRef>
+                  </p:style>
+                  <p:txBody>
+                    <a:bodyPr rtlCol="0" anchor="ctr"/>
+                    <a:lstStyle/>
+                    <a:p>
+                      <a:pPr algn="ctr"/>
+                      <a:r>
+                        <a:rPr lang="fr-FR" sz="1400" dirty="0">
+                          <a:solidFill>
+                            <a:schemeClr val="bg1"/>
+                          </a:solidFill>
+                        </a:rPr>
+                        <a:t>Pop</a:t>
+                      </a:r>
+                      <a:endParaRPr lang="fr-FR" sz="1400" dirty="0"/>
+                    </a:p>
+                  </p:txBody>
+                </p:sp>
+                <p:sp>
+                  <p:nvSpPr>
+                    <p:cNvPr id="33" name="Rectangle 32">
+                      <a:extLst>
+                        <a:ext uri="{FF2B5EF4-FFF2-40B4-BE49-F238E27FC236}">
+                          <a16:creationId xmlns:a16="http://schemas.microsoft.com/office/drawing/2014/main" id="{BA069CC2-51DE-4DEE-B6C1-A51392B89EF9}"/>
+                        </a:ext>
+                      </a:extLst>
+                    </p:cNvPr>
+                    <p:cNvSpPr/>
+                    <p:nvPr/>
+                  </p:nvSpPr>
+                  <p:spPr>
+                    <a:xfrm>
+                      <a:off x="5528381" y="5133401"/>
+                      <a:ext cx="608514" cy="574219"/>
+                    </a:xfrm>
+                    <a:prstGeom prst="rect">
+                      <a:avLst/>
+                    </a:prstGeom>
+                    <a:solidFill>
+                      <a:schemeClr val="accent4">
+                        <a:alpha val="50000"/>
+                      </a:schemeClr>
+                    </a:solidFill>
+                    <a:ln>
+                      <a:noFill/>
+                    </a:ln>
+                  </p:spPr>
+                  <p:style>
+                    <a:lnRef idx="0">
+                      <a:scrgbClr r="0" g="0" b="0"/>
+                    </a:lnRef>
+                    <a:fillRef idx="0">
+                      <a:scrgbClr r="0" g="0" b="0"/>
+                    </a:fillRef>
+                    <a:effectRef idx="0">
+                      <a:scrgbClr r="0" g="0" b="0"/>
+                    </a:effectRef>
+                    <a:fontRef idx="minor">
+                      <a:schemeClr val="lt1"/>
+                    </a:fontRef>
+                  </p:style>
+                  <p:txBody>
+                    <a:bodyPr rtlCol="0" anchor="ctr"/>
+                    <a:lstStyle/>
+                    <a:p>
+                      <a:pPr algn="ctr"/>
+                      <a:r>
+                        <a:rPr lang="fr-FR" sz="1400" dirty="0">
+                          <a:solidFill>
+                            <a:schemeClr val="bg1"/>
+                          </a:solidFill>
+                        </a:rPr>
+                        <a:t>Pop</a:t>
+                      </a:r>
+                      <a:endParaRPr lang="fr-FR" sz="1400" dirty="0"/>
+                    </a:p>
+                  </p:txBody>
+                </p:sp>
+              </p:grpSp>
+            </p:grpSp>
+            <p:grpSp>
+              <p:nvGrpSpPr>
+                <p:cNvPr id="95" name="Groupe 94">
+                  <a:extLst>
+                    <a:ext uri="{FF2B5EF4-FFF2-40B4-BE49-F238E27FC236}">
+                      <a16:creationId xmlns:a16="http://schemas.microsoft.com/office/drawing/2014/main" id="{3294EF32-6C9C-4AD0-A184-7F1A1A0503E5}"/>
+                    </a:ext>
+                  </a:extLst>
+                </p:cNvPr>
+                <p:cNvGrpSpPr/>
+                <p:nvPr/>
+              </p:nvGrpSpPr>
+              <p:grpSpPr>
+                <a:xfrm>
+                  <a:off x="3887975" y="3474423"/>
+                  <a:ext cx="2444118" cy="343142"/>
+                  <a:chOff x="4019082" y="2264255"/>
+                  <a:chExt cx="2444118" cy="375821"/>
+                </a:xfrm>
+              </p:grpSpPr>
+              <p:pic>
+                <p:nvPicPr>
+                  <p:cNvPr id="96" name="Image 95">
+                    <a:extLst>
+                      <a:ext uri="{FF2B5EF4-FFF2-40B4-BE49-F238E27FC236}">
+                        <a16:creationId xmlns:a16="http://schemas.microsoft.com/office/drawing/2014/main" id="{0467F8DD-A867-478D-8FD0-B6881C3970E2}"/>
+                      </a:ext>
+                    </a:extLst>
+                  </p:cNvPr>
+                  <p:cNvPicPr>
+                    <a:picLocks noChangeAspect="1"/>
+                  </p:cNvPicPr>
+                  <p:nvPr/>
+                </p:nvPicPr>
+                <p:blipFill>
+                  <a:blip r:embed="rId3">
+                    <a:extLst>
+                      <a:ext uri="{28A0092B-C50C-407E-A947-70E740481C1C}">
+                        <a14:useLocalDpi xmlns:a14="http://schemas.microsoft.com/office/drawing/2010/main" val="0"/>
+                      </a:ext>
+                    </a:extLst>
+                  </a:blip>
+                  <a:stretch>
+                    <a:fillRect/>
+                  </a:stretch>
+                </p:blipFill>
+                <p:spPr>
+                  <a:xfrm>
+                    <a:off x="4019082" y="2265888"/>
+                    <a:ext cx="368479" cy="368479"/>
+                  </a:xfrm>
+                  <a:prstGeom prst="rect">
+                    <a:avLst/>
+                  </a:prstGeom>
+                </p:spPr>
+              </p:pic>
+              <p:pic>
+                <p:nvPicPr>
+                  <p:cNvPr id="98" name="Image 97">
+                    <a:extLst>
+                      <a:ext uri="{FF2B5EF4-FFF2-40B4-BE49-F238E27FC236}">
+                        <a16:creationId xmlns:a16="http://schemas.microsoft.com/office/drawing/2014/main" id="{CE59DEE9-2782-4530-9264-784B69C6864C}"/>
+                      </a:ext>
+                    </a:extLst>
+                  </p:cNvPr>
+                  <p:cNvPicPr>
+                    <a:picLocks noChangeAspect="1"/>
+                  </p:cNvPicPr>
+                  <p:nvPr/>
+                </p:nvPicPr>
+                <p:blipFill>
+                  <a:blip r:embed="rId4">
+                    <a:extLst>
+                      <a:ext uri="{28A0092B-C50C-407E-A947-70E740481C1C}">
+                        <a14:useLocalDpi xmlns:a14="http://schemas.microsoft.com/office/drawing/2010/main" val="0"/>
+                      </a:ext>
+                    </a:extLst>
+                  </a:blip>
+                  <a:stretch>
+                    <a:fillRect/>
+                  </a:stretch>
+                </p:blipFill>
+                <p:spPr>
+                  <a:xfrm flipH="1">
+                    <a:off x="4420959" y="2266528"/>
+                    <a:ext cx="367200" cy="367200"/>
+                  </a:xfrm>
+                  <a:prstGeom prst="rect">
+                    <a:avLst/>
+                  </a:prstGeom>
+                </p:spPr>
+              </p:pic>
+              <p:pic>
+                <p:nvPicPr>
+                  <p:cNvPr id="99" name="Image 98">
+                    <a:extLst>
+                      <a:ext uri="{FF2B5EF4-FFF2-40B4-BE49-F238E27FC236}">
+                        <a16:creationId xmlns:a16="http://schemas.microsoft.com/office/drawing/2014/main" id="{F3A2ACCE-DFBC-4E4B-B5A1-C4A7E0369276}"/>
+                      </a:ext>
+                    </a:extLst>
+                  </p:cNvPr>
+                  <p:cNvPicPr>
+                    <a:picLocks noChangeAspect="1"/>
+                  </p:cNvPicPr>
+                  <p:nvPr/>
+                </p:nvPicPr>
+                <p:blipFill>
+                  <a:blip r:embed="rId5">
+                    <a:extLst>
+                      <a:ext uri="{28A0092B-C50C-407E-A947-70E740481C1C}">
+                        <a14:useLocalDpi xmlns:a14="http://schemas.microsoft.com/office/drawing/2010/main" val="0"/>
+                      </a:ext>
+                    </a:extLst>
+                  </a:blip>
+                  <a:stretch>
+                    <a:fillRect/>
+                  </a:stretch>
+                </p:blipFill>
+                <p:spPr>
+                  <a:xfrm>
+                    <a:off x="4871096" y="2264255"/>
+                    <a:ext cx="367200" cy="367200"/>
+                  </a:xfrm>
+                  <a:prstGeom prst="rect">
+                    <a:avLst/>
+                  </a:prstGeom>
+                </p:spPr>
+              </p:pic>
+              <p:pic>
+                <p:nvPicPr>
+                  <p:cNvPr id="114" name="Image 113">
+                    <a:extLst>
+                      <a:ext uri="{FF2B5EF4-FFF2-40B4-BE49-F238E27FC236}">
+                        <a16:creationId xmlns:a16="http://schemas.microsoft.com/office/drawing/2014/main" id="{05F1AAA6-CE6D-4742-AEE0-0774FAE44793}"/>
+                      </a:ext>
+                    </a:extLst>
+                  </p:cNvPr>
+                  <p:cNvPicPr>
+                    <a:picLocks noChangeAspect="1"/>
+                  </p:cNvPicPr>
+                  <p:nvPr/>
+                </p:nvPicPr>
+                <p:blipFill>
+                  <a:blip r:embed="rId6">
+                    <a:extLst>
+                      <a:ext uri="{28A0092B-C50C-407E-A947-70E740481C1C}">
+                        <a14:useLocalDpi xmlns:a14="http://schemas.microsoft.com/office/drawing/2010/main" val="0"/>
+                      </a:ext>
+                    </a:extLst>
+                  </a:blip>
+                  <a:stretch>
+                    <a:fillRect/>
+                  </a:stretch>
+                </p:blipFill>
+                <p:spPr>
+                  <a:xfrm>
+                    <a:off x="5649459" y="2268553"/>
+                    <a:ext cx="367200" cy="367200"/>
+                  </a:xfrm>
+                  <a:prstGeom prst="rect">
+                    <a:avLst/>
+                  </a:prstGeom>
+                </p:spPr>
+              </p:pic>
+              <p:pic>
+                <p:nvPicPr>
+                  <p:cNvPr id="118" name="Image 117">
+                    <a:extLst>
+                      <a:ext uri="{FF2B5EF4-FFF2-40B4-BE49-F238E27FC236}">
+                        <a16:creationId xmlns:a16="http://schemas.microsoft.com/office/drawing/2014/main" id="{3F194B26-2436-4993-8840-32121AC54DD2}"/>
+                      </a:ext>
+                    </a:extLst>
+                  </p:cNvPr>
+                  <p:cNvPicPr>
+                    <a:picLocks noChangeAspect="1"/>
+                  </p:cNvPicPr>
+                  <p:nvPr/>
+                </p:nvPicPr>
+                <p:blipFill>
+                  <a:blip r:embed="rId7">
+                    <a:extLst>
+                      <a:ext uri="{28A0092B-C50C-407E-A947-70E740481C1C}">
+                        <a14:useLocalDpi xmlns:a14="http://schemas.microsoft.com/office/drawing/2010/main" val="0"/>
+                      </a:ext>
+                    </a:extLst>
+                  </a:blip>
+                  <a:stretch>
+                    <a:fillRect/>
+                  </a:stretch>
+                </p:blipFill>
+                <p:spPr>
+                  <a:xfrm>
+                    <a:off x="6096000" y="2272876"/>
+                    <a:ext cx="367200" cy="367200"/>
+                  </a:xfrm>
+                  <a:prstGeom prst="rect">
+                    <a:avLst/>
+                  </a:prstGeom>
+                </p:spPr>
+              </p:pic>
+            </p:grpSp>
+          </p:grpSp>
+          <p:grpSp>
+            <p:nvGrpSpPr>
+              <p:cNvPr id="186" name="Groupe 185">
+                <a:extLst>
+                  <a:ext uri="{FF2B5EF4-FFF2-40B4-BE49-F238E27FC236}">
+                    <a16:creationId xmlns:a16="http://schemas.microsoft.com/office/drawing/2014/main" id="{87982C13-4CF6-4089-996D-B08AD4C920F9}"/>
+                  </a:ext>
+                </a:extLst>
+              </p:cNvPr>
+              <p:cNvGrpSpPr/>
+              <p:nvPr/>
+            </p:nvGrpSpPr>
+            <p:grpSpPr>
+              <a:xfrm>
+                <a:off x="7896472" y="798238"/>
+                <a:ext cx="2805688" cy="2255842"/>
+                <a:chOff x="6992294" y="128109"/>
+                <a:chExt cx="2903220" cy="2611221"/>
+              </a:xfrm>
+            </p:grpSpPr>
+            <p:grpSp>
+              <p:nvGrpSpPr>
+                <p:cNvPr id="74" name="Groupe 73">
+                  <a:extLst>
+                    <a:ext uri="{FF2B5EF4-FFF2-40B4-BE49-F238E27FC236}">
+                      <a16:creationId xmlns:a16="http://schemas.microsoft.com/office/drawing/2014/main" id="{76C0880C-0DD0-4926-B135-DCDD5D4F8928}"/>
+                    </a:ext>
+                  </a:extLst>
+                </p:cNvPr>
+                <p:cNvGrpSpPr/>
+                <p:nvPr/>
+              </p:nvGrpSpPr>
+              <p:grpSpPr>
+                <a:xfrm>
+                  <a:off x="6992294" y="128109"/>
+                  <a:ext cx="2903220" cy="2611221"/>
+                  <a:chOff x="7261860" y="627670"/>
+                  <a:chExt cx="2903220" cy="1727558"/>
+                </a:xfrm>
+              </p:grpSpPr>
+              <p:grpSp>
+                <p:nvGrpSpPr>
+                  <p:cNvPr id="75" name="Groupe 74">
+                    <a:extLst>
+                      <a:ext uri="{FF2B5EF4-FFF2-40B4-BE49-F238E27FC236}">
+                        <a16:creationId xmlns:a16="http://schemas.microsoft.com/office/drawing/2014/main" id="{C600748E-1455-4353-A795-789702FFBE18}"/>
+                      </a:ext>
+                    </a:extLst>
+                  </p:cNvPr>
+                  <p:cNvGrpSpPr/>
+                  <p:nvPr/>
+                </p:nvGrpSpPr>
+                <p:grpSpPr>
+                  <a:xfrm>
+                    <a:off x="7261860" y="627670"/>
+                    <a:ext cx="2903220" cy="1727558"/>
+                    <a:chOff x="7261860" y="627670"/>
+                    <a:chExt cx="2903220" cy="1727558"/>
+                  </a:xfrm>
+                </p:grpSpPr>
+                <p:sp>
+                  <p:nvSpPr>
+                    <p:cNvPr id="82" name="Rectangle : coins arrondis 81">
+                      <a:extLst>
+                        <a:ext uri="{FF2B5EF4-FFF2-40B4-BE49-F238E27FC236}">
+                          <a16:creationId xmlns:a16="http://schemas.microsoft.com/office/drawing/2014/main" id="{94CAB4ED-3DFA-4377-8486-84D00CE80566}"/>
+                        </a:ext>
+                      </a:extLst>
+                    </p:cNvPr>
+                    <p:cNvSpPr/>
+                    <p:nvPr/>
+                  </p:nvSpPr>
+                  <p:spPr>
+                    <a:xfrm>
+                      <a:off x="7261860" y="627670"/>
+                      <a:ext cx="2903220" cy="1727558"/>
+                    </a:xfrm>
+                    <a:prstGeom prst="roundRect">
+                      <a:avLst/>
+                    </a:prstGeom>
+                  </p:spPr>
+                  <p:style>
+                    <a:lnRef idx="2">
+                      <a:schemeClr val="dk1"/>
+                    </a:lnRef>
+                    <a:fillRef idx="1">
+                      <a:schemeClr val="lt1"/>
+                    </a:fillRef>
+                    <a:effectRef idx="0">
+                      <a:schemeClr val="dk1"/>
+                    </a:effectRef>
+                    <a:fontRef idx="minor">
+                      <a:schemeClr val="dk1"/>
+                    </a:fontRef>
+                  </p:style>
+                  <p:txBody>
+                    <a:bodyPr rtlCol="0" anchor="ctr"/>
+                    <a:lstStyle/>
+                    <a:p>
+                      <a:pPr algn="ctr"/>
+                      <a:endParaRPr lang="fr-FR"/>
+                    </a:p>
+                  </p:txBody>
+                </p:sp>
+                <p:cxnSp>
+                  <p:nvCxnSpPr>
+                    <p:cNvPr id="83" name="Connecteur droit 82">
+                      <a:extLst>
+                        <a:ext uri="{FF2B5EF4-FFF2-40B4-BE49-F238E27FC236}">
+                          <a16:creationId xmlns:a16="http://schemas.microsoft.com/office/drawing/2014/main" id="{63316466-2918-4E85-90D0-ED44A73FB295}"/>
+                        </a:ext>
+                      </a:extLst>
+                    </p:cNvPr>
+                    <p:cNvCxnSpPr/>
+                    <p:nvPr/>
+                  </p:nvCxnSpPr>
+                  <p:spPr>
+                    <a:xfrm>
+                      <a:off x="7261860" y="1077250"/>
+                      <a:ext cx="2903220" cy="0"/>
+                    </a:xfrm>
+                    <a:prstGeom prst="line">
+                      <a:avLst/>
+                    </a:prstGeom>
+                  </p:spPr>
+                  <p:style>
+                    <a:lnRef idx="2">
+                      <a:schemeClr val="dk1"/>
+                    </a:lnRef>
+                    <a:fillRef idx="0">
+                      <a:schemeClr val="dk1"/>
+                    </a:fillRef>
+                    <a:effectRef idx="1">
+                      <a:schemeClr val="dk1"/>
+                    </a:effectRef>
+                    <a:fontRef idx="minor">
+                      <a:schemeClr val="tx1"/>
+                    </a:fontRef>
+                  </p:style>
+                </p:cxnSp>
+              </p:grpSp>
+              <p:grpSp>
+                <p:nvGrpSpPr>
+                  <p:cNvPr id="76" name="Groupe 75">
+                    <a:extLst>
+                      <a:ext uri="{FF2B5EF4-FFF2-40B4-BE49-F238E27FC236}">
+                        <a16:creationId xmlns:a16="http://schemas.microsoft.com/office/drawing/2014/main" id="{2151E550-6CF5-43BB-995C-01A65A940B32}"/>
+                      </a:ext>
+                    </a:extLst>
+                  </p:cNvPr>
+                  <p:cNvGrpSpPr/>
+                  <p:nvPr/>
+                </p:nvGrpSpPr>
+                <p:grpSpPr>
+                  <a:xfrm>
+                    <a:off x="7491411" y="666049"/>
+                    <a:ext cx="2444118" cy="375821"/>
+                    <a:chOff x="4019082" y="2264255"/>
+                    <a:chExt cx="2444118" cy="375821"/>
+                  </a:xfrm>
+                </p:grpSpPr>
+                <p:pic>
+                  <p:nvPicPr>
+                    <p:cNvPr id="77" name="Image 76">
+                      <a:extLst>
+                        <a:ext uri="{FF2B5EF4-FFF2-40B4-BE49-F238E27FC236}">
+                          <a16:creationId xmlns:a16="http://schemas.microsoft.com/office/drawing/2014/main" id="{C9050FD4-42EC-4F61-9B03-18A20A4AF388}"/>
+                        </a:ext>
+                      </a:extLst>
+                    </p:cNvPr>
+                    <p:cNvPicPr>
+                      <a:picLocks noChangeAspect="1"/>
+                    </p:cNvPicPr>
+                    <p:nvPr/>
+                  </p:nvPicPr>
+                  <p:blipFill>
+                    <a:blip r:embed="rId3">
+                      <a:extLst>
+                        <a:ext uri="{28A0092B-C50C-407E-A947-70E740481C1C}">
+                          <a14:useLocalDpi xmlns:a14="http://schemas.microsoft.com/office/drawing/2010/main" val="0"/>
+                        </a:ext>
+                      </a:extLst>
+                    </a:blip>
+                    <a:stretch>
+                      <a:fillRect/>
+                    </a:stretch>
+                  </p:blipFill>
+                  <p:spPr>
+                    <a:xfrm>
+                      <a:off x="4019082" y="2265888"/>
+                      <a:ext cx="368479" cy="368479"/>
+                    </a:xfrm>
+                    <a:prstGeom prst="rect">
+                      <a:avLst/>
+                    </a:prstGeom>
+                  </p:spPr>
+                </p:pic>
+                <p:pic>
+                  <p:nvPicPr>
+                    <p:cNvPr id="78" name="Image 77">
+                      <a:extLst>
+                        <a:ext uri="{FF2B5EF4-FFF2-40B4-BE49-F238E27FC236}">
+                          <a16:creationId xmlns:a16="http://schemas.microsoft.com/office/drawing/2014/main" id="{35B6B31C-7813-4F21-8ECF-020C3F5041D4}"/>
+                        </a:ext>
+                      </a:extLst>
+                    </p:cNvPr>
+                    <p:cNvPicPr>
+                      <a:picLocks noChangeAspect="1"/>
+                    </p:cNvPicPr>
+                    <p:nvPr/>
+                  </p:nvPicPr>
+                  <p:blipFill>
+                    <a:blip r:embed="rId4">
+                      <a:extLst>
+                        <a:ext uri="{28A0092B-C50C-407E-A947-70E740481C1C}">
+                          <a14:useLocalDpi xmlns:a14="http://schemas.microsoft.com/office/drawing/2010/main" val="0"/>
+                        </a:ext>
+                      </a:extLst>
+                    </a:blip>
+                    <a:stretch>
+                      <a:fillRect/>
+                    </a:stretch>
+                  </p:blipFill>
+                  <p:spPr>
+                    <a:xfrm flipH="1">
+                      <a:off x="4420959" y="2266528"/>
+                      <a:ext cx="367200" cy="367200"/>
+                    </a:xfrm>
+                    <a:prstGeom prst="rect">
+                      <a:avLst/>
+                    </a:prstGeom>
+                  </p:spPr>
+                </p:pic>
+                <p:pic>
+                  <p:nvPicPr>
+                    <p:cNvPr id="79" name="Image 78">
+                      <a:extLst>
+                        <a:ext uri="{FF2B5EF4-FFF2-40B4-BE49-F238E27FC236}">
+                          <a16:creationId xmlns:a16="http://schemas.microsoft.com/office/drawing/2014/main" id="{227A772F-7452-4B87-9288-16CB625304B7}"/>
+                        </a:ext>
+                      </a:extLst>
+                    </p:cNvPr>
+                    <p:cNvPicPr>
+                      <a:picLocks noChangeAspect="1"/>
+                    </p:cNvPicPr>
+                    <p:nvPr/>
+                  </p:nvPicPr>
+                  <p:blipFill>
+                    <a:blip r:embed="rId5">
+                      <a:extLst>
+                        <a:ext uri="{28A0092B-C50C-407E-A947-70E740481C1C}">
+                          <a14:useLocalDpi xmlns:a14="http://schemas.microsoft.com/office/drawing/2010/main" val="0"/>
+                        </a:ext>
+                      </a:extLst>
+                    </a:blip>
+                    <a:stretch>
+                      <a:fillRect/>
+                    </a:stretch>
+                  </p:blipFill>
+                  <p:spPr>
+                    <a:xfrm>
+                      <a:off x="4871096" y="2264255"/>
+                      <a:ext cx="367200" cy="367200"/>
+                    </a:xfrm>
+                    <a:prstGeom prst="rect">
+                      <a:avLst/>
+                    </a:prstGeom>
+                  </p:spPr>
+                </p:pic>
+                <p:pic>
+                  <p:nvPicPr>
+                    <p:cNvPr id="80" name="Image 79">
+                      <a:extLst>
+                        <a:ext uri="{FF2B5EF4-FFF2-40B4-BE49-F238E27FC236}">
+                          <a16:creationId xmlns:a16="http://schemas.microsoft.com/office/drawing/2014/main" id="{6BA607EB-FA32-46E1-9253-2C641377B07F}"/>
+                        </a:ext>
+                      </a:extLst>
+                    </p:cNvPr>
+                    <p:cNvPicPr>
+                      <a:picLocks noChangeAspect="1"/>
+                    </p:cNvPicPr>
+                    <p:nvPr/>
+                  </p:nvPicPr>
+                  <p:blipFill>
+                    <a:blip r:embed="rId6">
+                      <a:extLst>
+                        <a:ext uri="{28A0092B-C50C-407E-A947-70E740481C1C}">
+                          <a14:useLocalDpi xmlns:a14="http://schemas.microsoft.com/office/drawing/2010/main" val="0"/>
+                        </a:ext>
+                      </a:extLst>
+                    </a:blip>
+                    <a:stretch>
+                      <a:fillRect/>
+                    </a:stretch>
+                  </p:blipFill>
+                  <p:spPr>
+                    <a:xfrm>
+                      <a:off x="5649459" y="2268553"/>
+                      <a:ext cx="367200" cy="367200"/>
+                    </a:xfrm>
+                    <a:prstGeom prst="rect">
+                      <a:avLst/>
+                    </a:prstGeom>
+                  </p:spPr>
+                </p:pic>
+                <p:pic>
+                  <p:nvPicPr>
+                    <p:cNvPr id="81" name="Image 80">
+                      <a:extLst>
+                        <a:ext uri="{FF2B5EF4-FFF2-40B4-BE49-F238E27FC236}">
+                          <a16:creationId xmlns:a16="http://schemas.microsoft.com/office/drawing/2014/main" id="{C5E0193B-0C47-46DB-AA23-8F0A07A99F80}"/>
+                        </a:ext>
+                      </a:extLst>
+                    </p:cNvPr>
+                    <p:cNvPicPr>
+                      <a:picLocks noChangeAspect="1"/>
+                    </p:cNvPicPr>
+                    <p:nvPr/>
+                  </p:nvPicPr>
+                  <p:blipFill>
+                    <a:blip r:embed="rId7">
+                      <a:extLst>
+                        <a:ext uri="{28A0092B-C50C-407E-A947-70E740481C1C}">
+                          <a14:useLocalDpi xmlns:a14="http://schemas.microsoft.com/office/drawing/2010/main" val="0"/>
+                        </a:ext>
+                      </a:extLst>
+                    </a:blip>
+                    <a:stretch>
+                      <a:fillRect/>
+                    </a:stretch>
+                  </p:blipFill>
+                  <p:spPr>
+                    <a:xfrm>
+                      <a:off x="6096000" y="2272876"/>
+                      <a:ext cx="367200" cy="367200"/>
+                    </a:xfrm>
+                    <a:prstGeom prst="rect">
+                      <a:avLst/>
+                    </a:prstGeom>
+                  </p:spPr>
+                </p:pic>
+              </p:grpSp>
+            </p:grpSp>
+            <p:grpSp>
+              <p:nvGrpSpPr>
+                <p:cNvPr id="150" name="Groupe 149">
+                  <a:extLst>
+                    <a:ext uri="{FF2B5EF4-FFF2-40B4-BE49-F238E27FC236}">
+                      <a16:creationId xmlns:a16="http://schemas.microsoft.com/office/drawing/2014/main" id="{19C306BC-A676-4CD8-8874-8C74F2762E33}"/>
+                    </a:ext>
+                  </a:extLst>
+                </p:cNvPr>
+                <p:cNvGrpSpPr/>
+                <p:nvPr/>
+              </p:nvGrpSpPr>
+              <p:grpSpPr>
+                <a:xfrm>
+                  <a:off x="7221845" y="861133"/>
+                  <a:ext cx="2371628" cy="1806828"/>
+                  <a:chOff x="7221845" y="861133"/>
+                  <a:chExt cx="2371628" cy="1806828"/>
+                </a:xfrm>
+              </p:grpSpPr>
+              <p:sp>
+                <p:nvSpPr>
+                  <p:cNvPr id="120" name="Rectangle : coins arrondis 119">
+                    <a:extLst>
+                      <a:ext uri="{FF2B5EF4-FFF2-40B4-BE49-F238E27FC236}">
+                        <a16:creationId xmlns:a16="http://schemas.microsoft.com/office/drawing/2014/main" id="{85D9BFC6-9733-448D-9D61-F971A3C2E553}"/>
+                      </a:ext>
+                    </a:extLst>
+                  </p:cNvPr>
+                  <p:cNvSpPr/>
+                  <p:nvPr/>
+                </p:nvSpPr>
+                <p:spPr>
+                  <a:xfrm>
+                    <a:off x="7221845" y="861133"/>
+                    <a:ext cx="2371628" cy="1806828"/>
+                  </a:xfrm>
+                  <a:prstGeom prst="roundRect">
+                    <a:avLst/>
+                  </a:prstGeom>
+                  <a:ln/>
+                </p:spPr>
+                <p:style>
+                  <a:lnRef idx="1">
+                    <a:schemeClr val="accent3"/>
+                  </a:lnRef>
+                  <a:fillRef idx="2">
+                    <a:schemeClr val="accent3"/>
+                  </a:fillRef>
+                  <a:effectRef idx="1">
+                    <a:schemeClr val="accent3"/>
+                  </a:effectRef>
+                  <a:fontRef idx="minor">
+                    <a:schemeClr val="dk1"/>
+                  </a:fontRef>
+                </p:style>
+                <p:txBody>
+                  <a:bodyPr rtlCol="0" anchor="ctr"/>
+                  <a:lstStyle/>
+                  <a:p>
+                    <a:pPr algn="ctr"/>
+                    <a:endParaRPr lang="fr-FR" dirty="0"/>
+                  </a:p>
+                </p:txBody>
+              </p:sp>
+              <p:sp>
+                <p:nvSpPr>
+                  <p:cNvPr id="122" name="Rectangle : coins arrondis 121">
+                    <a:extLst>
+                      <a:ext uri="{FF2B5EF4-FFF2-40B4-BE49-F238E27FC236}">
+                        <a16:creationId xmlns:a16="http://schemas.microsoft.com/office/drawing/2014/main" id="{8E134A2A-A9F9-4860-AC54-3D2DE7EEB3B7}"/>
+                      </a:ext>
+                    </a:extLst>
+                  </p:cNvPr>
+                  <p:cNvSpPr/>
+                  <p:nvPr/>
+                </p:nvSpPr>
+                <p:spPr>
+                  <a:xfrm>
+                    <a:off x="7389431" y="925897"/>
+                    <a:ext cx="1157516" cy="249471"/>
+                  </a:xfrm>
+                  <a:prstGeom prst="roundRect">
+                    <a:avLst/>
+                  </a:prstGeom>
+                  <a:solidFill>
+                    <a:schemeClr val="dk1">
+                      <a:alpha val="50000"/>
+                    </a:schemeClr>
+                  </a:solidFill>
+                  <a:ln>
+                    <a:noFill/>
+                  </a:ln>
+                </p:spPr>
+                <p:style>
+                  <a:lnRef idx="0">
+                    <a:scrgbClr r="0" g="0" b="0"/>
+                  </a:lnRef>
+                  <a:fillRef idx="0">
+                    <a:scrgbClr r="0" g="0" b="0"/>
+                  </a:fillRef>
+                  <a:effectRef idx="0">
+                    <a:scrgbClr r="0" g="0" b="0"/>
+                  </a:effectRef>
+                  <a:fontRef idx="minor">
+                    <a:schemeClr val="lt1"/>
+                  </a:fontRef>
+                </p:style>
+                <p:txBody>
+                  <a:bodyPr rtlCol="0" anchor="ctr"/>
+                  <a:lstStyle/>
+                  <a:p>
+                    <a:pPr algn="ctr"/>
+                    <a:r>
+                      <a:rPr lang="fr-FR" sz="1000" dirty="0"/>
+                      <a:t>Login</a:t>
+                    </a:r>
+                  </a:p>
+                </p:txBody>
+              </p:sp>
+              <p:sp>
+                <p:nvSpPr>
+                  <p:cNvPr id="123" name="Rectangle : coins arrondis 122">
+                    <a:extLst>
+                      <a:ext uri="{FF2B5EF4-FFF2-40B4-BE49-F238E27FC236}">
+                        <a16:creationId xmlns:a16="http://schemas.microsoft.com/office/drawing/2014/main" id="{EEADAABB-4B12-4127-9F2E-BBB1FBBD9A5C}"/>
+                      </a:ext>
+                    </a:extLst>
+                  </p:cNvPr>
+                  <p:cNvSpPr/>
+                  <p:nvPr/>
+                </p:nvSpPr>
+                <p:spPr>
+                  <a:xfrm>
+                    <a:off x="7397290" y="1195872"/>
+                    <a:ext cx="1146004" cy="252260"/>
+                  </a:xfrm>
+                  <a:prstGeom prst="roundRect">
+                    <a:avLst/>
+                  </a:prstGeom>
+                  <a:solidFill>
+                    <a:schemeClr val="dk1">
+                      <a:alpha val="50000"/>
+                    </a:schemeClr>
+                  </a:solidFill>
+                  <a:ln>
+                    <a:noFill/>
+                  </a:ln>
+                </p:spPr>
+                <p:style>
+                  <a:lnRef idx="0">
+                    <a:scrgbClr r="0" g="0" b="0"/>
+                  </a:lnRef>
+                  <a:fillRef idx="0">
+                    <a:scrgbClr r="0" g="0" b="0"/>
+                  </a:fillRef>
+                  <a:effectRef idx="0">
+                    <a:scrgbClr r="0" g="0" b="0"/>
+                  </a:effectRef>
+                  <a:fontRef idx="minor">
+                    <a:schemeClr val="lt1"/>
+                  </a:fontRef>
+                </p:style>
+                <p:txBody>
+                  <a:bodyPr rtlCol="0" anchor="ctr"/>
+                  <a:lstStyle/>
+                  <a:p>
+                    <a:pPr algn="ctr"/>
+                    <a:r>
+                      <a:rPr lang="fr-FR" sz="1000" dirty="0"/>
+                      <a:t>Mot de passe</a:t>
+                    </a:r>
+                  </a:p>
+                </p:txBody>
+              </p:sp>
+              <p:sp>
+                <p:nvSpPr>
+                  <p:cNvPr id="124" name="Rectangle : coins arrondis 123">
+                    <a:extLst>
+                      <a:ext uri="{FF2B5EF4-FFF2-40B4-BE49-F238E27FC236}">
+                        <a16:creationId xmlns:a16="http://schemas.microsoft.com/office/drawing/2014/main" id="{248E370A-43C5-432B-84B3-4384D004987F}"/>
+                      </a:ext>
+                    </a:extLst>
+                  </p:cNvPr>
+                  <p:cNvSpPr/>
+                  <p:nvPr/>
+                </p:nvSpPr>
+                <p:spPr>
+                  <a:xfrm>
+                    <a:off x="7397290" y="1470216"/>
+                    <a:ext cx="1146003" cy="249471"/>
+                  </a:xfrm>
+                  <a:prstGeom prst="roundRect">
+                    <a:avLst/>
+                  </a:prstGeom>
+                  <a:solidFill>
+                    <a:schemeClr val="dk1">
+                      <a:alpha val="50000"/>
+                    </a:schemeClr>
+                  </a:solidFill>
+                  <a:ln>
+                    <a:noFill/>
+                  </a:ln>
+                </p:spPr>
+                <p:style>
+                  <a:lnRef idx="0">
+                    <a:scrgbClr r="0" g="0" b="0"/>
+                  </a:lnRef>
+                  <a:fillRef idx="0">
+                    <a:scrgbClr r="0" g="0" b="0"/>
+                  </a:fillRef>
+                  <a:effectRef idx="0">
+                    <a:scrgbClr r="0" g="0" b="0"/>
+                  </a:effectRef>
+                  <a:fontRef idx="minor">
+                    <a:schemeClr val="lt1"/>
+                  </a:fontRef>
+                </p:style>
+                <p:txBody>
+                  <a:bodyPr rtlCol="0" anchor="ctr"/>
+                  <a:lstStyle/>
+                  <a:p>
+                    <a:pPr algn="ctr"/>
+                    <a:r>
+                      <a:rPr lang="fr-FR" sz="1000" dirty="0"/>
+                      <a:t>Adresse</a:t>
+                    </a:r>
+                  </a:p>
+                </p:txBody>
+              </p:sp>
+              <p:sp>
+                <p:nvSpPr>
+                  <p:cNvPr id="125" name="Rectangle : coins arrondis 124">
+                    <a:extLst>
+                      <a:ext uri="{FF2B5EF4-FFF2-40B4-BE49-F238E27FC236}">
+                        <a16:creationId xmlns:a16="http://schemas.microsoft.com/office/drawing/2014/main" id="{E9BDFEAD-5221-4C99-B1E0-2E5C9DEA4CC4}"/>
+                      </a:ext>
+                    </a:extLst>
+                  </p:cNvPr>
+                  <p:cNvSpPr/>
+                  <p:nvPr/>
+                </p:nvSpPr>
+                <p:spPr>
+                  <a:xfrm>
+                    <a:off x="7406167" y="1755537"/>
+                    <a:ext cx="1146001" cy="249471"/>
+                  </a:xfrm>
+                  <a:prstGeom prst="roundRect">
+                    <a:avLst/>
+                  </a:prstGeom>
+                  <a:solidFill>
+                    <a:schemeClr val="dk1">
+                      <a:alpha val="50000"/>
+                    </a:schemeClr>
+                  </a:solidFill>
+                  <a:ln>
+                    <a:noFill/>
+                  </a:ln>
+                </p:spPr>
+                <p:style>
+                  <a:lnRef idx="0">
+                    <a:scrgbClr r="0" g="0" b="0"/>
+                  </a:lnRef>
+                  <a:fillRef idx="0">
+                    <a:scrgbClr r="0" g="0" b="0"/>
+                  </a:fillRef>
+                  <a:effectRef idx="0">
+                    <a:scrgbClr r="0" g="0" b="0"/>
+                  </a:effectRef>
+                  <a:fontRef idx="minor">
+                    <a:schemeClr val="lt1"/>
+                  </a:fontRef>
+                </p:style>
+                <p:txBody>
+                  <a:bodyPr rtlCol="0" anchor="ctr"/>
+                  <a:lstStyle/>
+                  <a:p>
+                    <a:pPr algn="ctr"/>
+                    <a:r>
+                      <a:rPr lang="fr-FR" sz="1000" dirty="0"/>
+                      <a:t>Mail</a:t>
+                    </a:r>
+                  </a:p>
+                </p:txBody>
+              </p:sp>
+              <p:sp>
+                <p:nvSpPr>
+                  <p:cNvPr id="128" name="Rectangle : coins arrondis 127">
+                    <a:extLst>
+                      <a:ext uri="{FF2B5EF4-FFF2-40B4-BE49-F238E27FC236}">
+                        <a16:creationId xmlns:a16="http://schemas.microsoft.com/office/drawing/2014/main" id="{E7E35F94-D225-4812-B0B5-5F1F4867ECEC}"/>
+                      </a:ext>
+                    </a:extLst>
+                  </p:cNvPr>
+                  <p:cNvSpPr/>
+                  <p:nvPr/>
+                </p:nvSpPr>
+                <p:spPr>
+                  <a:xfrm>
+                    <a:off x="7409042" y="2031863"/>
+                    <a:ext cx="1146003" cy="249471"/>
+                  </a:xfrm>
+                  <a:prstGeom prst="roundRect">
+                    <a:avLst/>
+                  </a:prstGeom>
+                  <a:solidFill>
+                    <a:schemeClr val="dk1">
+                      <a:alpha val="50000"/>
+                    </a:schemeClr>
+                  </a:solidFill>
+                  <a:ln>
+                    <a:noFill/>
+                  </a:ln>
+                </p:spPr>
+                <p:style>
+                  <a:lnRef idx="0">
+                    <a:scrgbClr r="0" g="0" b="0"/>
+                  </a:lnRef>
+                  <a:fillRef idx="0">
+                    <a:scrgbClr r="0" g="0" b="0"/>
+                  </a:fillRef>
+                  <a:effectRef idx="0">
+                    <a:scrgbClr r="0" g="0" b="0"/>
+                  </a:effectRef>
+                  <a:fontRef idx="minor">
+                    <a:schemeClr val="lt1"/>
+                  </a:fontRef>
+                </p:style>
+                <p:txBody>
+                  <a:bodyPr rtlCol="0" anchor="ctr"/>
+                  <a:lstStyle/>
+                  <a:p>
+                    <a:pPr algn="ctr"/>
+                    <a:r>
+                      <a:rPr lang="fr-FR" sz="1000" dirty="0"/>
+                      <a:t>Adresse</a:t>
+                    </a:r>
+                  </a:p>
+                </p:txBody>
+              </p:sp>
+              <p:sp>
+                <p:nvSpPr>
+                  <p:cNvPr id="129" name="Rectangle : coins arrondis 128">
+                    <a:extLst>
+                      <a:ext uri="{FF2B5EF4-FFF2-40B4-BE49-F238E27FC236}">
+                        <a16:creationId xmlns:a16="http://schemas.microsoft.com/office/drawing/2014/main" id="{A6530BB1-2767-4418-845A-01C755878FC9}"/>
+                      </a:ext>
+                    </a:extLst>
+                  </p:cNvPr>
+                  <p:cNvSpPr/>
+                  <p:nvPr/>
+                </p:nvSpPr>
+                <p:spPr>
+                  <a:xfrm>
+                    <a:off x="7417919" y="2317184"/>
+                    <a:ext cx="1146001" cy="249471"/>
+                  </a:xfrm>
+                  <a:prstGeom prst="roundRect">
+                    <a:avLst/>
+                  </a:prstGeom>
+                  <a:solidFill>
+                    <a:schemeClr val="dk1">
+                      <a:alpha val="50000"/>
+                    </a:schemeClr>
+                  </a:solidFill>
+                  <a:ln>
+                    <a:noFill/>
+                  </a:ln>
+                </p:spPr>
+                <p:style>
+                  <a:lnRef idx="0">
+                    <a:scrgbClr r="0" g="0" b="0"/>
+                  </a:lnRef>
+                  <a:fillRef idx="0">
+                    <a:scrgbClr r="0" g="0" b="0"/>
+                  </a:fillRef>
+                  <a:effectRef idx="0">
+                    <a:scrgbClr r="0" g="0" b="0"/>
+                  </a:effectRef>
+                  <a:fontRef idx="minor">
+                    <a:schemeClr val="lt1"/>
+                  </a:fontRef>
+                </p:style>
+                <p:txBody>
+                  <a:bodyPr rtlCol="0" anchor="ctr"/>
+                  <a:lstStyle/>
+                  <a:p>
+                    <a:pPr algn="ctr"/>
+                    <a:r>
+                      <a:rPr lang="fr-FR" sz="1000" dirty="0"/>
+                      <a:t>Mail</a:t>
+                    </a:r>
+                  </a:p>
+                </p:txBody>
+              </p:sp>
+            </p:grpSp>
+          </p:grpSp>
+          <p:grpSp>
+            <p:nvGrpSpPr>
+              <p:cNvPr id="23" name="Groupe 22">
+                <a:extLst>
+                  <a:ext uri="{FF2B5EF4-FFF2-40B4-BE49-F238E27FC236}">
+                    <a16:creationId xmlns:a16="http://schemas.microsoft.com/office/drawing/2014/main" id="{360CF718-459A-4504-80D9-36061D2CC52B}"/>
+                  </a:ext>
+                </a:extLst>
+              </p:cNvPr>
+              <p:cNvGrpSpPr/>
+              <p:nvPr/>
+            </p:nvGrpSpPr>
+            <p:grpSpPr>
+              <a:xfrm>
+                <a:off x="7861444" y="3638894"/>
+                <a:ext cx="2805688" cy="2255842"/>
+                <a:chOff x="7479217" y="3381129"/>
+                <a:chExt cx="2805688" cy="2255842"/>
+              </a:xfrm>
+            </p:grpSpPr>
+            <p:grpSp>
+              <p:nvGrpSpPr>
+                <p:cNvPr id="84" name="Groupe 83">
+                  <a:extLst>
+                    <a:ext uri="{FF2B5EF4-FFF2-40B4-BE49-F238E27FC236}">
+                      <a16:creationId xmlns:a16="http://schemas.microsoft.com/office/drawing/2014/main" id="{EA924DBC-C525-456E-8E0C-E3CF7F777F5F}"/>
+                    </a:ext>
+                  </a:extLst>
+                </p:cNvPr>
+                <p:cNvGrpSpPr/>
+                <p:nvPr/>
+              </p:nvGrpSpPr>
+              <p:grpSpPr>
+                <a:xfrm>
+                  <a:off x="7479217" y="3381129"/>
+                  <a:ext cx="2805688" cy="2255842"/>
+                  <a:chOff x="7261860" y="627670"/>
+                  <a:chExt cx="2903220" cy="1727558"/>
+                </a:xfrm>
+              </p:grpSpPr>
+              <p:grpSp>
+                <p:nvGrpSpPr>
+                  <p:cNvPr id="86" name="Groupe 85">
+                    <a:extLst>
+                      <a:ext uri="{FF2B5EF4-FFF2-40B4-BE49-F238E27FC236}">
+                        <a16:creationId xmlns:a16="http://schemas.microsoft.com/office/drawing/2014/main" id="{8C1514B5-046B-4074-A021-5F220F52C3ED}"/>
+                      </a:ext>
+                    </a:extLst>
+                  </p:cNvPr>
+                  <p:cNvGrpSpPr/>
+                  <p:nvPr/>
+                </p:nvGrpSpPr>
+                <p:grpSpPr>
+                  <a:xfrm>
+                    <a:off x="7261860" y="627670"/>
+                    <a:ext cx="2903220" cy="1727558"/>
+                    <a:chOff x="7261860" y="627670"/>
+                    <a:chExt cx="2903220" cy="1727558"/>
+                  </a:xfrm>
+                </p:grpSpPr>
+                <p:sp>
+                  <p:nvSpPr>
+                    <p:cNvPr id="93" name="Rectangle : coins arrondis 92">
+                      <a:extLst>
+                        <a:ext uri="{FF2B5EF4-FFF2-40B4-BE49-F238E27FC236}">
+                          <a16:creationId xmlns:a16="http://schemas.microsoft.com/office/drawing/2014/main" id="{3855EB7B-69A2-4561-8A55-C773D078D1DC}"/>
+                        </a:ext>
+                      </a:extLst>
+                    </p:cNvPr>
+                    <p:cNvSpPr/>
+                    <p:nvPr/>
+                  </p:nvSpPr>
+                  <p:spPr>
+                    <a:xfrm>
+                      <a:off x="7261860" y="627670"/>
+                      <a:ext cx="2903220" cy="1727558"/>
+                    </a:xfrm>
+                    <a:prstGeom prst="roundRect">
+                      <a:avLst/>
+                    </a:prstGeom>
+                  </p:spPr>
+                  <p:style>
+                    <a:lnRef idx="2">
+                      <a:schemeClr val="dk1"/>
+                    </a:lnRef>
+                    <a:fillRef idx="1">
+                      <a:schemeClr val="lt1"/>
+                    </a:fillRef>
+                    <a:effectRef idx="0">
+                      <a:schemeClr val="dk1"/>
+                    </a:effectRef>
+                    <a:fontRef idx="minor">
+                      <a:schemeClr val="dk1"/>
+                    </a:fontRef>
+                  </p:style>
+                  <p:txBody>
+                    <a:bodyPr rtlCol="0" anchor="ctr"/>
+                    <a:lstStyle/>
+                    <a:p>
+                      <a:pPr algn="ctr"/>
+                      <a:endParaRPr lang="fr-FR"/>
+                    </a:p>
+                  </p:txBody>
+                </p:sp>
+                <p:cxnSp>
+                  <p:nvCxnSpPr>
+                    <p:cNvPr id="94" name="Connecteur droit 93">
+                      <a:extLst>
+                        <a:ext uri="{FF2B5EF4-FFF2-40B4-BE49-F238E27FC236}">
+                          <a16:creationId xmlns:a16="http://schemas.microsoft.com/office/drawing/2014/main" id="{C348E899-C700-42F9-B3A3-A5C3F6DC004B}"/>
+                        </a:ext>
+                      </a:extLst>
+                    </p:cNvPr>
+                    <p:cNvCxnSpPr/>
+                    <p:nvPr/>
+                  </p:nvCxnSpPr>
+                  <p:spPr>
+                    <a:xfrm>
+                      <a:off x="7261860" y="1077250"/>
+                      <a:ext cx="2903220" cy="0"/>
+                    </a:xfrm>
+                    <a:prstGeom prst="line">
+                      <a:avLst/>
+                    </a:prstGeom>
+                  </p:spPr>
+                  <p:style>
+                    <a:lnRef idx="2">
+                      <a:schemeClr val="dk1"/>
+                    </a:lnRef>
+                    <a:fillRef idx="0">
+                      <a:schemeClr val="dk1"/>
+                    </a:fillRef>
+                    <a:effectRef idx="1">
+                      <a:schemeClr val="dk1"/>
+                    </a:effectRef>
+                    <a:fontRef idx="minor">
+                      <a:schemeClr val="tx1"/>
+                    </a:fontRef>
+                  </p:style>
+                </p:cxnSp>
+              </p:grpSp>
+              <p:grpSp>
+                <p:nvGrpSpPr>
+                  <p:cNvPr id="87" name="Groupe 86">
+                    <a:extLst>
+                      <a:ext uri="{FF2B5EF4-FFF2-40B4-BE49-F238E27FC236}">
+                        <a16:creationId xmlns:a16="http://schemas.microsoft.com/office/drawing/2014/main" id="{D70EAEE4-A3C3-4526-A5E9-174AF7218CBB}"/>
+                      </a:ext>
+                    </a:extLst>
+                  </p:cNvPr>
+                  <p:cNvGrpSpPr/>
+                  <p:nvPr/>
+                </p:nvGrpSpPr>
+                <p:grpSpPr>
+                  <a:xfrm>
+                    <a:off x="7491411" y="666049"/>
+                    <a:ext cx="2444118" cy="375821"/>
+                    <a:chOff x="4019082" y="2264255"/>
+                    <a:chExt cx="2444118" cy="375821"/>
+                  </a:xfrm>
+                </p:grpSpPr>
+                <p:pic>
+                  <p:nvPicPr>
+                    <p:cNvPr id="88" name="Image 87">
+                      <a:extLst>
+                        <a:ext uri="{FF2B5EF4-FFF2-40B4-BE49-F238E27FC236}">
+                          <a16:creationId xmlns:a16="http://schemas.microsoft.com/office/drawing/2014/main" id="{57451AFD-0799-4648-9050-C605B59E425E}"/>
+                        </a:ext>
+                      </a:extLst>
+                    </p:cNvPr>
+                    <p:cNvPicPr>
+                      <a:picLocks noChangeAspect="1"/>
+                    </p:cNvPicPr>
+                    <p:nvPr/>
+                  </p:nvPicPr>
+                  <p:blipFill>
+                    <a:blip r:embed="rId3">
+                      <a:extLst>
+                        <a:ext uri="{28A0092B-C50C-407E-A947-70E740481C1C}">
+                          <a14:useLocalDpi xmlns:a14="http://schemas.microsoft.com/office/drawing/2010/main" val="0"/>
+                        </a:ext>
+                      </a:extLst>
+                    </a:blip>
+                    <a:stretch>
+                      <a:fillRect/>
+                    </a:stretch>
+                  </p:blipFill>
+                  <p:spPr>
+                    <a:xfrm>
+                      <a:off x="4019082" y="2265888"/>
+                      <a:ext cx="368479" cy="368479"/>
+                    </a:xfrm>
+                    <a:prstGeom prst="rect">
+                      <a:avLst/>
+                    </a:prstGeom>
+                  </p:spPr>
+                </p:pic>
+                <p:pic>
+                  <p:nvPicPr>
+                    <p:cNvPr id="89" name="Image 88">
+                      <a:extLst>
+                        <a:ext uri="{FF2B5EF4-FFF2-40B4-BE49-F238E27FC236}">
+                          <a16:creationId xmlns:a16="http://schemas.microsoft.com/office/drawing/2014/main" id="{C3893BC0-43AD-47B5-8037-2DF62F1104C4}"/>
+                        </a:ext>
+                      </a:extLst>
+                    </p:cNvPr>
+                    <p:cNvPicPr>
+                      <a:picLocks noChangeAspect="1"/>
+                    </p:cNvPicPr>
+                    <p:nvPr/>
+                  </p:nvPicPr>
+                  <p:blipFill>
+                    <a:blip r:embed="rId4">
+                      <a:extLst>
+                        <a:ext uri="{28A0092B-C50C-407E-A947-70E740481C1C}">
+                          <a14:useLocalDpi xmlns:a14="http://schemas.microsoft.com/office/drawing/2010/main" val="0"/>
+                        </a:ext>
+                      </a:extLst>
+                    </a:blip>
+                    <a:stretch>
+                      <a:fillRect/>
+                    </a:stretch>
+                  </p:blipFill>
+                  <p:spPr>
+                    <a:xfrm flipH="1">
+                      <a:off x="4420959" y="2266528"/>
+                      <a:ext cx="367200" cy="367200"/>
+                    </a:xfrm>
+                    <a:prstGeom prst="rect">
+                      <a:avLst/>
+                    </a:prstGeom>
+                  </p:spPr>
+                </p:pic>
+                <p:pic>
+                  <p:nvPicPr>
+                    <p:cNvPr id="90" name="Image 89">
+                      <a:extLst>
+                        <a:ext uri="{FF2B5EF4-FFF2-40B4-BE49-F238E27FC236}">
+                          <a16:creationId xmlns:a16="http://schemas.microsoft.com/office/drawing/2014/main" id="{712D8755-2F5C-4803-AF6C-7F6F4BC28CF6}"/>
+                        </a:ext>
+                      </a:extLst>
+                    </p:cNvPr>
+                    <p:cNvPicPr>
+                      <a:picLocks noChangeAspect="1"/>
+                    </p:cNvPicPr>
+                    <p:nvPr/>
+                  </p:nvPicPr>
+                  <p:blipFill>
+                    <a:blip r:embed="rId5">
+                      <a:extLst>
+                        <a:ext uri="{28A0092B-C50C-407E-A947-70E740481C1C}">
+                          <a14:useLocalDpi xmlns:a14="http://schemas.microsoft.com/office/drawing/2010/main" val="0"/>
+                        </a:ext>
+                      </a:extLst>
+                    </a:blip>
+                    <a:stretch>
+                      <a:fillRect/>
+                    </a:stretch>
+                  </p:blipFill>
+                  <p:spPr>
+                    <a:xfrm>
+                      <a:off x="4871096" y="2264255"/>
+                      <a:ext cx="367200" cy="367200"/>
+                    </a:xfrm>
+                    <a:prstGeom prst="rect">
+                      <a:avLst/>
+                    </a:prstGeom>
+                  </p:spPr>
+                </p:pic>
+                <p:pic>
+                  <p:nvPicPr>
+                    <p:cNvPr id="91" name="Image 90">
+                      <a:extLst>
+                        <a:ext uri="{FF2B5EF4-FFF2-40B4-BE49-F238E27FC236}">
+                          <a16:creationId xmlns:a16="http://schemas.microsoft.com/office/drawing/2014/main" id="{5C842C72-A1A0-4764-AA2E-CDB7D611E16B}"/>
+                        </a:ext>
+                      </a:extLst>
+                    </p:cNvPr>
+                    <p:cNvPicPr>
+                      <a:picLocks noChangeAspect="1"/>
+                    </p:cNvPicPr>
+                    <p:nvPr/>
+                  </p:nvPicPr>
+                  <p:blipFill>
+                    <a:blip r:embed="rId6">
+                      <a:extLst>
+                        <a:ext uri="{28A0092B-C50C-407E-A947-70E740481C1C}">
+                          <a14:useLocalDpi xmlns:a14="http://schemas.microsoft.com/office/drawing/2010/main" val="0"/>
+                        </a:ext>
+                      </a:extLst>
+                    </a:blip>
+                    <a:stretch>
+                      <a:fillRect/>
+                    </a:stretch>
+                  </p:blipFill>
+                  <p:spPr>
+                    <a:xfrm>
+                      <a:off x="5649459" y="2268553"/>
+                      <a:ext cx="367200" cy="367200"/>
+                    </a:xfrm>
+                    <a:prstGeom prst="rect">
+                      <a:avLst/>
+                    </a:prstGeom>
+                  </p:spPr>
+                </p:pic>
+                <p:pic>
+                  <p:nvPicPr>
+                    <p:cNvPr id="92" name="Image 91">
+                      <a:extLst>
+                        <a:ext uri="{FF2B5EF4-FFF2-40B4-BE49-F238E27FC236}">
+                          <a16:creationId xmlns:a16="http://schemas.microsoft.com/office/drawing/2014/main" id="{83285A98-C900-4F8C-B184-135F00AC06CA}"/>
+                        </a:ext>
+                      </a:extLst>
+                    </p:cNvPr>
+                    <p:cNvPicPr>
+                      <a:picLocks noChangeAspect="1"/>
+                    </p:cNvPicPr>
+                    <p:nvPr/>
+                  </p:nvPicPr>
+                  <p:blipFill>
+                    <a:blip r:embed="rId7">
+                      <a:extLst>
+                        <a:ext uri="{28A0092B-C50C-407E-A947-70E740481C1C}">
+                          <a14:useLocalDpi xmlns:a14="http://schemas.microsoft.com/office/drawing/2010/main" val="0"/>
+                        </a:ext>
+                      </a:extLst>
+                    </a:blip>
+                    <a:stretch>
+                      <a:fillRect/>
+                    </a:stretch>
+                  </p:blipFill>
+                  <p:spPr>
+                    <a:xfrm>
+                      <a:off x="6096000" y="2272876"/>
+                      <a:ext cx="367200" cy="367200"/>
+                    </a:xfrm>
+                    <a:prstGeom prst="rect">
+                      <a:avLst/>
+                    </a:prstGeom>
+                  </p:spPr>
+                </p:pic>
+              </p:grpSp>
+            </p:grpSp>
+            <p:grpSp>
+              <p:nvGrpSpPr>
+                <p:cNvPr id="166" name="Groupe 165">
+                  <a:extLst>
+                    <a:ext uri="{FF2B5EF4-FFF2-40B4-BE49-F238E27FC236}">
+                      <a16:creationId xmlns:a16="http://schemas.microsoft.com/office/drawing/2014/main" id="{DE578A14-CE57-4A7B-BFB0-D94191520835}"/>
+                    </a:ext>
+                  </a:extLst>
+                </p:cNvPr>
+                <p:cNvGrpSpPr/>
+                <p:nvPr/>
+              </p:nvGrpSpPr>
+              <p:grpSpPr>
+                <a:xfrm>
+                  <a:off x="7566765" y="4056430"/>
+                  <a:ext cx="2635191" cy="1412658"/>
+                  <a:chOff x="213064" y="2896078"/>
+                  <a:chExt cx="2726796" cy="1675923"/>
+                </a:xfrm>
+              </p:grpSpPr>
+              <p:sp>
+                <p:nvSpPr>
+                  <p:cNvPr id="167" name="Rectangle : coins arrondis 166">
+                    <a:extLst>
+                      <a:ext uri="{FF2B5EF4-FFF2-40B4-BE49-F238E27FC236}">
+                        <a16:creationId xmlns:a16="http://schemas.microsoft.com/office/drawing/2014/main" id="{6010EB6D-52FA-4009-B6CF-AB1D44D19173}"/>
+                      </a:ext>
+                    </a:extLst>
+                  </p:cNvPr>
+                  <p:cNvSpPr/>
+                  <p:nvPr/>
+                </p:nvSpPr>
+                <p:spPr>
+                  <a:xfrm>
+                    <a:off x="213064" y="2896078"/>
+                    <a:ext cx="2726796" cy="1675923"/>
+                  </a:xfrm>
+                  <a:prstGeom prst="roundRect">
+                    <a:avLst/>
+                  </a:prstGeom>
+                  <a:ln/>
+                </p:spPr>
+                <p:style>
+                  <a:lnRef idx="1">
+                    <a:schemeClr val="accent3"/>
+                  </a:lnRef>
+                  <a:fillRef idx="2">
+                    <a:schemeClr val="accent3"/>
+                  </a:fillRef>
+                  <a:effectRef idx="1">
+                    <a:schemeClr val="accent3"/>
+                  </a:effectRef>
+                  <a:fontRef idx="minor">
+                    <a:schemeClr val="dk1"/>
+                  </a:fontRef>
+                </p:style>
+                <p:txBody>
+                  <a:bodyPr rtlCol="0" anchor="ctr"/>
+                  <a:lstStyle/>
+                  <a:p>
+                    <a:pPr algn="ctr"/>
+                    <a:endParaRPr lang="fr-FR" dirty="0"/>
+                  </a:p>
+                </p:txBody>
+              </p:sp>
+              <p:sp>
+                <p:nvSpPr>
+                  <p:cNvPr id="168" name="Rectangle 167">
+                    <a:extLst>
+                      <a:ext uri="{FF2B5EF4-FFF2-40B4-BE49-F238E27FC236}">
+                        <a16:creationId xmlns:a16="http://schemas.microsoft.com/office/drawing/2014/main" id="{8C07C9F9-036F-4F53-B2AA-BF7A5C5722AD}"/>
+                      </a:ext>
+                    </a:extLst>
+                  </p:cNvPr>
+                  <p:cNvSpPr/>
+                  <p:nvPr/>
+                </p:nvSpPr>
+                <p:spPr>
+                  <a:xfrm>
+                    <a:off x="315977" y="3220436"/>
+                    <a:ext cx="616694" cy="597129"/>
+                  </a:xfrm>
+                  <a:prstGeom prst="rect">
+                    <a:avLst/>
+                  </a:prstGeom>
+                  <a:solidFill>
+                    <a:schemeClr val="dk1">
+                      <a:alpha val="50000"/>
+                    </a:schemeClr>
+                  </a:solidFill>
+                  <a:ln>
+                    <a:noFill/>
+                  </a:ln>
+                </p:spPr>
+                <p:style>
+                  <a:lnRef idx="0">
+                    <a:scrgbClr r="0" g="0" b="0"/>
+                  </a:lnRef>
+                  <a:fillRef idx="0">
+                    <a:scrgbClr r="0" g="0" b="0"/>
+                  </a:fillRef>
+                  <a:effectRef idx="0">
+                    <a:scrgbClr r="0" g="0" b="0"/>
+                  </a:effectRef>
+                  <a:fontRef idx="minor">
+                    <a:schemeClr val="lt1"/>
+                  </a:fontRef>
+                </p:style>
+                <p:txBody>
+                  <a:bodyPr rtlCol="0" anchor="ctr"/>
+                  <a:lstStyle/>
+                  <a:p>
+                    <a:pPr algn="ctr"/>
+                    <a:r>
+                      <a:rPr lang="fr-FR" sz="1000" dirty="0">
+                        <a:solidFill>
+                          <a:schemeClr val="tx1"/>
+                        </a:solidFill>
+                      </a:rPr>
+                      <a:t>Image</a:t>
+                    </a:r>
+                  </a:p>
+                </p:txBody>
+              </p:sp>
+              <p:sp>
+                <p:nvSpPr>
+                  <p:cNvPr id="169" name="Rectangle : coins arrondis 168">
+                    <a:extLst>
+                      <a:ext uri="{FF2B5EF4-FFF2-40B4-BE49-F238E27FC236}">
+                        <a16:creationId xmlns:a16="http://schemas.microsoft.com/office/drawing/2014/main" id="{92E79E7B-7378-4DA6-AFAE-228E4F103191}"/>
+                      </a:ext>
+                    </a:extLst>
+                  </p:cNvPr>
+                  <p:cNvSpPr/>
+                  <p:nvPr/>
+                </p:nvSpPr>
+                <p:spPr>
+                  <a:xfrm>
+                    <a:off x="1005929" y="3219718"/>
+                    <a:ext cx="601541" cy="196252"/>
+                  </a:xfrm>
+                  <a:prstGeom prst="roundRect">
+                    <a:avLst/>
+                  </a:prstGeom>
+                  <a:solidFill>
+                    <a:schemeClr val="dk1">
+                      <a:alpha val="50000"/>
+                    </a:schemeClr>
+                  </a:solidFill>
+                  <a:ln>
+                    <a:noFill/>
+                  </a:ln>
+                </p:spPr>
+                <p:style>
+                  <a:lnRef idx="0">
+                    <a:scrgbClr r="0" g="0" b="0"/>
+                  </a:lnRef>
+                  <a:fillRef idx="0">
+                    <a:scrgbClr r="0" g="0" b="0"/>
+                  </a:fillRef>
+                  <a:effectRef idx="0">
+                    <a:scrgbClr r="0" g="0" b="0"/>
+                  </a:effectRef>
+                  <a:fontRef idx="minor">
+                    <a:schemeClr val="lt1"/>
+                  </a:fontRef>
+                </p:style>
+                <p:txBody>
+                  <a:bodyPr rtlCol="0" anchor="ctr"/>
+                  <a:lstStyle/>
+                  <a:p>
+                    <a:pPr algn="ctr"/>
+                    <a:r>
+                      <a:rPr lang="fr-FR" sz="1000" dirty="0"/>
+                      <a:t>Nom</a:t>
+                    </a:r>
+                  </a:p>
+                </p:txBody>
+              </p:sp>
+              <p:sp>
+                <p:nvSpPr>
+                  <p:cNvPr id="170" name="Rectangle : coins arrondis 169">
+                    <a:extLst>
+                      <a:ext uri="{FF2B5EF4-FFF2-40B4-BE49-F238E27FC236}">
+                        <a16:creationId xmlns:a16="http://schemas.microsoft.com/office/drawing/2014/main" id="{F6F764D3-2F13-4501-91F5-D94F39994422}"/>
+                      </a:ext>
+                    </a:extLst>
+                  </p:cNvPr>
+                  <p:cNvSpPr/>
+                  <p:nvPr/>
+                </p:nvSpPr>
+                <p:spPr>
+                  <a:xfrm>
+                    <a:off x="1005238" y="3482877"/>
+                    <a:ext cx="601541" cy="184478"/>
+                  </a:xfrm>
+                  <a:prstGeom prst="roundRect">
+                    <a:avLst/>
+                  </a:prstGeom>
+                  <a:solidFill>
+                    <a:schemeClr val="dk1">
+                      <a:alpha val="50000"/>
+                    </a:schemeClr>
+                  </a:solidFill>
+                  <a:ln>
+                    <a:noFill/>
+                  </a:ln>
+                </p:spPr>
+                <p:style>
+                  <a:lnRef idx="0">
+                    <a:scrgbClr r="0" g="0" b="0"/>
+                  </a:lnRef>
+                  <a:fillRef idx="0">
+                    <a:scrgbClr r="0" g="0" b="0"/>
+                  </a:fillRef>
+                  <a:effectRef idx="0">
+                    <a:scrgbClr r="0" g="0" b="0"/>
+                  </a:effectRef>
+                  <a:fontRef idx="minor">
+                    <a:schemeClr val="lt1"/>
+                  </a:fontRef>
+                </p:style>
+                <p:txBody>
+                  <a:bodyPr rtlCol="0" anchor="ctr"/>
+                  <a:lstStyle/>
+                  <a:p>
+                    <a:pPr algn="ctr"/>
+                    <a:r>
+                      <a:rPr lang="fr-FR" sz="1000" dirty="0" err="1"/>
+                      <a:t>Rèf</a:t>
+                    </a:r>
+                    <a:endParaRPr lang="fr-FR" sz="1000" dirty="0"/>
+                  </a:p>
+                </p:txBody>
+              </p:sp>
+              <p:sp>
+                <p:nvSpPr>
+                  <p:cNvPr id="171" name="Rectangle : coins arrondis 170">
+                    <a:extLst>
+                      <a:ext uri="{FF2B5EF4-FFF2-40B4-BE49-F238E27FC236}">
+                        <a16:creationId xmlns:a16="http://schemas.microsoft.com/office/drawing/2014/main" id="{BE1BDC9B-2E92-4986-A83D-9221E0075B05}"/>
+                      </a:ext>
+                    </a:extLst>
+                  </p:cNvPr>
+                  <p:cNvSpPr/>
+                  <p:nvPr/>
+                </p:nvSpPr>
+                <p:spPr>
+                  <a:xfrm>
+                    <a:off x="1980228" y="3215180"/>
+                    <a:ext cx="783252" cy="186121"/>
+                  </a:xfrm>
+                  <a:prstGeom prst="roundRect">
+                    <a:avLst/>
+                  </a:prstGeom>
+                  <a:solidFill>
+                    <a:schemeClr val="dk1">
+                      <a:alpha val="50000"/>
+                    </a:schemeClr>
+                  </a:solidFill>
+                  <a:ln>
+                    <a:noFill/>
+                  </a:ln>
+                </p:spPr>
+                <p:style>
+                  <a:lnRef idx="0">
+                    <a:scrgbClr r="0" g="0" b="0"/>
+                  </a:lnRef>
+                  <a:fillRef idx="0">
+                    <a:scrgbClr r="0" g="0" b="0"/>
+                  </a:fillRef>
+                  <a:effectRef idx="0">
+                    <a:scrgbClr r="0" g="0" b="0"/>
+                  </a:effectRef>
+                  <a:fontRef idx="minor">
+                    <a:schemeClr val="lt1"/>
+                  </a:fontRef>
+                </p:style>
+                <p:txBody>
+                  <a:bodyPr rtlCol="0" anchor="ctr"/>
+                  <a:lstStyle/>
+                  <a:p>
+                    <a:pPr algn="ctr"/>
+                    <a:r>
+                      <a:rPr lang="fr-FR" sz="1000" dirty="0"/>
+                      <a:t>Prix</a:t>
+                    </a:r>
+                  </a:p>
+                </p:txBody>
+              </p:sp>
+              <p:sp>
+                <p:nvSpPr>
+                  <p:cNvPr id="172" name="Rectangle : coins arrondis 171">
+                    <a:extLst>
+                      <a:ext uri="{FF2B5EF4-FFF2-40B4-BE49-F238E27FC236}">
+                        <a16:creationId xmlns:a16="http://schemas.microsoft.com/office/drawing/2014/main" id="{7E6EA02B-6F87-46B4-A1C3-29CDE23816F1}"/>
+                      </a:ext>
+                    </a:extLst>
+                  </p:cNvPr>
+                  <p:cNvSpPr/>
+                  <p:nvPr/>
+                </p:nvSpPr>
+                <p:spPr>
+                  <a:xfrm>
+                    <a:off x="1982719" y="3509595"/>
+                    <a:ext cx="786485" cy="232256"/>
+                  </a:xfrm>
+                  <a:prstGeom prst="roundRect">
+                    <a:avLst/>
+                  </a:prstGeom>
+                  <a:solidFill>
+                    <a:schemeClr val="dk1">
+                      <a:alpha val="50000"/>
+                    </a:schemeClr>
+                  </a:solidFill>
+                  <a:ln>
+                    <a:noFill/>
+                  </a:ln>
+                </p:spPr>
+                <p:style>
+                  <a:lnRef idx="0">
+                    <a:scrgbClr r="0" g="0" b="0"/>
+                  </a:lnRef>
+                  <a:fillRef idx="0">
+                    <a:scrgbClr r="0" g="0" b="0"/>
+                  </a:fillRef>
+                  <a:effectRef idx="0">
+                    <a:scrgbClr r="0" g="0" b="0"/>
+                  </a:effectRef>
+                  <a:fontRef idx="minor">
+                    <a:schemeClr val="lt1"/>
+                  </a:fontRef>
+                </p:style>
+                <p:txBody>
+                  <a:bodyPr rtlCol="0" anchor="ctr"/>
+                  <a:lstStyle/>
+                  <a:p>
+                    <a:pPr algn="ctr"/>
+                    <a:r>
+                      <a:rPr lang="fr-FR" sz="1000" dirty="0"/>
+                      <a:t>Quantité</a:t>
+                    </a:r>
+                  </a:p>
+                </p:txBody>
+              </p:sp>
+              <p:sp>
+                <p:nvSpPr>
+                  <p:cNvPr id="173" name="Rectangle : coins arrondis 172">
+                    <a:extLst>
+                      <a:ext uri="{FF2B5EF4-FFF2-40B4-BE49-F238E27FC236}">
+                        <a16:creationId xmlns:a16="http://schemas.microsoft.com/office/drawing/2014/main" id="{C7E82F86-9655-451B-A419-3F967B3E3692}"/>
+                      </a:ext>
+                    </a:extLst>
+                  </p:cNvPr>
+                  <p:cNvSpPr/>
+                  <p:nvPr/>
+                </p:nvSpPr>
+                <p:spPr>
+                  <a:xfrm>
+                    <a:off x="1744583" y="4048217"/>
+                    <a:ext cx="1073538" cy="232256"/>
+                  </a:xfrm>
+                  <a:prstGeom prst="roundRect">
+                    <a:avLst/>
+                  </a:prstGeom>
+                  <a:solidFill>
+                    <a:schemeClr val="accent5"/>
+                  </a:solidFill>
+                  <a:ln>
+                    <a:noFill/>
+                  </a:ln>
+                </p:spPr>
+                <p:style>
+                  <a:lnRef idx="0">
+                    <a:scrgbClr r="0" g="0" b="0"/>
+                  </a:lnRef>
+                  <a:fillRef idx="0">
+                    <a:scrgbClr r="0" g="0" b="0"/>
+                  </a:fillRef>
+                  <a:effectRef idx="0">
+                    <a:scrgbClr r="0" g="0" b="0"/>
+                  </a:effectRef>
+                  <a:fontRef idx="minor">
+                    <a:schemeClr val="lt1"/>
+                  </a:fontRef>
+                </p:style>
+                <p:txBody>
+                  <a:bodyPr rtlCol="0" anchor="ctr"/>
+                  <a:lstStyle/>
+                  <a:p>
+                    <a:pPr algn="ctr"/>
+                    <a:r>
+                      <a:rPr lang="fr-FR" sz="1000" dirty="0"/>
+                      <a:t>Commander</a:t>
+                    </a:r>
+                  </a:p>
+                </p:txBody>
+              </p:sp>
+            </p:grpSp>
+          </p:grpSp>
+          <p:cxnSp>
+            <p:nvCxnSpPr>
+              <p:cNvPr id="44" name="Connecteur droit avec flèche 43">
+                <a:extLst>
+                  <a:ext uri="{FF2B5EF4-FFF2-40B4-BE49-F238E27FC236}">
+                    <a16:creationId xmlns:a16="http://schemas.microsoft.com/office/drawing/2014/main" id="{17A5C063-58B3-467F-BBAB-CA10963753B8}"/>
+                  </a:ext>
+                </a:extLst>
+              </p:cNvPr>
+              <p:cNvCxnSpPr>
+                <a:cxnSpLocks/>
+                <a:stCxn id="118" idx="3"/>
+              </p:cNvCxnSpPr>
+              <p:nvPr/>
+            </p:nvCxnSpPr>
+            <p:spPr>
+              <a:xfrm>
+                <a:off x="6747445" y="3989926"/>
+                <a:ext cx="1300346" cy="70033"/>
+              </a:xfrm>
+              <a:prstGeom prst="straightConnector1">
+                <a:avLst/>
+              </a:prstGeom>
+              <a:ln>
+                <a:tailEnd type="triangle"/>
+              </a:ln>
+            </p:spPr>
+            <p:style>
+              <a:lnRef idx="3">
+                <a:schemeClr val="accent1"/>
+              </a:lnRef>
+              <a:fillRef idx="0">
+                <a:schemeClr val="accent1"/>
+              </a:fillRef>
+              <a:effectRef idx="2">
+                <a:schemeClr val="accent1"/>
+              </a:effectRef>
+              <a:fontRef idx="minor">
+                <a:schemeClr val="tx1"/>
+              </a:fontRef>
+            </p:style>
+          </p:cxnSp>
+          <p:grpSp>
+            <p:nvGrpSpPr>
+              <p:cNvPr id="10" name="Groupe 9">
+                <a:extLst>
+                  <a:ext uri="{FF2B5EF4-FFF2-40B4-BE49-F238E27FC236}">
+                    <a16:creationId xmlns:a16="http://schemas.microsoft.com/office/drawing/2014/main" id="{F2B11726-62CA-4FF4-B441-EB449A255A6C}"/>
+                  </a:ext>
+                </a:extLst>
+              </p:cNvPr>
+              <p:cNvGrpSpPr/>
+              <p:nvPr/>
+            </p:nvGrpSpPr>
+            <p:grpSpPr>
+              <a:xfrm>
+                <a:off x="403458" y="896324"/>
+                <a:ext cx="2805688" cy="2255842"/>
+                <a:chOff x="4086383" y="947414"/>
+                <a:chExt cx="2805688" cy="2255842"/>
+              </a:xfrm>
+            </p:grpSpPr>
+            <p:grpSp>
+              <p:nvGrpSpPr>
+                <p:cNvPr id="187" name="Groupe 186">
+                  <a:extLst>
+                    <a:ext uri="{FF2B5EF4-FFF2-40B4-BE49-F238E27FC236}">
+                      <a16:creationId xmlns:a16="http://schemas.microsoft.com/office/drawing/2014/main" id="{D39DC19C-5B58-4C7D-BC5F-7AC87E0F9AFC}"/>
+                    </a:ext>
+                  </a:extLst>
+                </p:cNvPr>
+                <p:cNvGrpSpPr/>
+                <p:nvPr/>
+              </p:nvGrpSpPr>
+              <p:grpSpPr>
+                <a:xfrm>
+                  <a:off x="4086383" y="947414"/>
+                  <a:ext cx="2805688" cy="2255842"/>
+                  <a:chOff x="3578527" y="128109"/>
+                  <a:chExt cx="2903220" cy="2611221"/>
+                </a:xfrm>
+              </p:grpSpPr>
+              <p:grpSp>
+                <p:nvGrpSpPr>
+                  <p:cNvPr id="104" name="Groupe 103">
+                    <a:extLst>
+                      <a:ext uri="{FF2B5EF4-FFF2-40B4-BE49-F238E27FC236}">
+                        <a16:creationId xmlns:a16="http://schemas.microsoft.com/office/drawing/2014/main" id="{3F0B40B8-487C-42DB-846E-8CBD752A9742}"/>
+                      </a:ext>
+                    </a:extLst>
+                  </p:cNvPr>
+                  <p:cNvGrpSpPr/>
+                  <p:nvPr/>
+                </p:nvGrpSpPr>
+                <p:grpSpPr>
+                  <a:xfrm>
+                    <a:off x="3578527" y="128109"/>
+                    <a:ext cx="2903220" cy="2611221"/>
+                    <a:chOff x="7261860" y="627670"/>
+                    <a:chExt cx="2903220" cy="1727558"/>
+                  </a:xfrm>
+                </p:grpSpPr>
+                <p:grpSp>
+                  <p:nvGrpSpPr>
+                    <p:cNvPr id="105" name="Groupe 104">
+                      <a:extLst>
+                        <a:ext uri="{FF2B5EF4-FFF2-40B4-BE49-F238E27FC236}">
+                          <a16:creationId xmlns:a16="http://schemas.microsoft.com/office/drawing/2014/main" id="{03651ECB-6B92-4CF2-9195-82F7686B4D25}"/>
+                        </a:ext>
+                      </a:extLst>
+                    </p:cNvPr>
+                    <p:cNvGrpSpPr/>
+                    <p:nvPr/>
+                  </p:nvGrpSpPr>
+                  <p:grpSpPr>
+                    <a:xfrm>
+                      <a:off x="7261860" y="627670"/>
+                      <a:ext cx="2903220" cy="1727558"/>
+                      <a:chOff x="7261860" y="627670"/>
+                      <a:chExt cx="2903220" cy="1727558"/>
+                    </a:xfrm>
+                  </p:grpSpPr>
+                  <p:cxnSp>
+                    <p:nvCxnSpPr>
+                      <p:cNvPr id="113" name="Connecteur droit 112">
+                        <a:extLst>
+                          <a:ext uri="{FF2B5EF4-FFF2-40B4-BE49-F238E27FC236}">
+                            <a16:creationId xmlns:a16="http://schemas.microsoft.com/office/drawing/2014/main" id="{03274D9A-96D2-4F45-A49A-1769F5658880}"/>
+                          </a:ext>
+                        </a:extLst>
+                      </p:cNvPr>
+                      <p:cNvCxnSpPr/>
+                      <p:nvPr/>
+                    </p:nvCxnSpPr>
+                    <p:spPr>
+                      <a:xfrm>
+                        <a:off x="7261860" y="1077250"/>
+                        <a:ext cx="2903220" cy="0"/>
+                      </a:xfrm>
+                      <a:prstGeom prst="line">
+                        <a:avLst/>
+                      </a:prstGeom>
+                    </p:spPr>
+                    <p:style>
+                      <a:lnRef idx="2">
+                        <a:schemeClr val="dk1"/>
+                      </a:lnRef>
+                      <a:fillRef idx="0">
+                        <a:schemeClr val="dk1"/>
+                      </a:fillRef>
+                      <a:effectRef idx="1">
+                        <a:schemeClr val="dk1"/>
+                      </a:effectRef>
+                      <a:fontRef idx="minor">
+                        <a:schemeClr val="tx1"/>
+                      </a:fontRef>
+                    </p:style>
+                  </p:cxnSp>
+                  <p:sp>
+                    <p:nvSpPr>
+                      <p:cNvPr id="112" name="Rectangle : coins arrondis 111">
+                        <a:extLst>
+                          <a:ext uri="{FF2B5EF4-FFF2-40B4-BE49-F238E27FC236}">
+                            <a16:creationId xmlns:a16="http://schemas.microsoft.com/office/drawing/2014/main" id="{FA09416E-BBCE-49E2-8237-EAAE989C5C88}"/>
+                          </a:ext>
+                        </a:extLst>
+                      </p:cNvPr>
+                      <p:cNvSpPr/>
+                      <p:nvPr/>
+                    </p:nvSpPr>
+                    <p:spPr>
+                      <a:xfrm>
+                        <a:off x="7261860" y="627670"/>
+                        <a:ext cx="2903220" cy="1727558"/>
+                      </a:xfrm>
+                      <a:prstGeom prst="roundRect">
+                        <a:avLst/>
+                      </a:prstGeom>
+                    </p:spPr>
+                    <p:style>
+                      <a:lnRef idx="2">
+                        <a:schemeClr val="dk1"/>
+                      </a:lnRef>
+                      <a:fillRef idx="1">
+                        <a:schemeClr val="lt1"/>
+                      </a:fillRef>
+                      <a:effectRef idx="0">
+                        <a:schemeClr val="dk1"/>
+                      </a:effectRef>
+                      <a:fontRef idx="minor">
+                        <a:schemeClr val="dk1"/>
+                      </a:fontRef>
+                    </p:style>
+                    <p:txBody>
+                      <a:bodyPr rtlCol="0" anchor="ctr"/>
+                      <a:lstStyle/>
+                      <a:p>
+                        <a:pPr algn="ctr"/>
+                        <a:endParaRPr lang="fr-FR"/>
+                      </a:p>
+                    </p:txBody>
+                  </p:sp>
+                </p:grpSp>
+                <p:grpSp>
+                  <p:nvGrpSpPr>
+                    <p:cNvPr id="106" name="Groupe 105">
+                      <a:extLst>
+                        <a:ext uri="{FF2B5EF4-FFF2-40B4-BE49-F238E27FC236}">
+                          <a16:creationId xmlns:a16="http://schemas.microsoft.com/office/drawing/2014/main" id="{28FD1990-E508-4C3D-9010-1B235FA75DE3}"/>
+                        </a:ext>
+                      </a:extLst>
+                    </p:cNvPr>
+                    <p:cNvGrpSpPr/>
+                    <p:nvPr/>
+                  </p:nvGrpSpPr>
+                  <p:grpSpPr>
+                    <a:xfrm>
+                      <a:off x="7491411" y="666049"/>
+                      <a:ext cx="2444118" cy="375821"/>
+                      <a:chOff x="4019082" y="2264255"/>
+                      <a:chExt cx="2444118" cy="375821"/>
+                    </a:xfrm>
+                  </p:grpSpPr>
+                  <p:pic>
+                    <p:nvPicPr>
+                      <p:cNvPr id="107" name="Image 106">
+                        <a:extLst>
+                          <a:ext uri="{FF2B5EF4-FFF2-40B4-BE49-F238E27FC236}">
+                            <a16:creationId xmlns:a16="http://schemas.microsoft.com/office/drawing/2014/main" id="{8847F19A-CB7F-4395-B3E0-92183628E3FB}"/>
+                          </a:ext>
+                        </a:extLst>
+                      </p:cNvPr>
+                      <p:cNvPicPr>
+                        <a:picLocks noChangeAspect="1"/>
+                      </p:cNvPicPr>
+                      <p:nvPr/>
+                    </p:nvPicPr>
+                    <p:blipFill>
+                      <a:blip r:embed="rId3">
+                        <a:extLst>
+                          <a:ext uri="{28A0092B-C50C-407E-A947-70E740481C1C}">
+                            <a14:useLocalDpi xmlns:a14="http://schemas.microsoft.com/office/drawing/2010/main" val="0"/>
+                          </a:ext>
+                        </a:extLst>
+                      </a:blip>
+                      <a:stretch>
+                        <a:fillRect/>
+                      </a:stretch>
+                    </p:blipFill>
+                    <p:spPr>
+                      <a:xfrm>
+                        <a:off x="4019082" y="2265888"/>
+                        <a:ext cx="368479" cy="368479"/>
+                      </a:xfrm>
+                      <a:prstGeom prst="rect">
+                        <a:avLst/>
+                      </a:prstGeom>
+                    </p:spPr>
+                  </p:pic>
+                  <p:pic>
+                    <p:nvPicPr>
+                      <p:cNvPr id="108" name="Image 107">
+                        <a:extLst>
+                          <a:ext uri="{FF2B5EF4-FFF2-40B4-BE49-F238E27FC236}">
+                            <a16:creationId xmlns:a16="http://schemas.microsoft.com/office/drawing/2014/main" id="{5A93398F-D56E-496D-8AB4-0FED3F59C105}"/>
+                          </a:ext>
+                        </a:extLst>
+                      </p:cNvPr>
+                      <p:cNvPicPr>
+                        <a:picLocks noChangeAspect="1"/>
+                      </p:cNvPicPr>
+                      <p:nvPr/>
+                    </p:nvPicPr>
+                    <p:blipFill>
+                      <a:blip r:embed="rId4">
+                        <a:extLst>
+                          <a:ext uri="{28A0092B-C50C-407E-A947-70E740481C1C}">
+                            <a14:useLocalDpi xmlns:a14="http://schemas.microsoft.com/office/drawing/2010/main" val="0"/>
+                          </a:ext>
+                        </a:extLst>
+                      </a:blip>
+                      <a:stretch>
+                        <a:fillRect/>
+                      </a:stretch>
+                    </p:blipFill>
+                    <p:spPr>
+                      <a:xfrm flipH="1">
+                        <a:off x="4420959" y="2266528"/>
+                        <a:ext cx="367200" cy="367200"/>
+                      </a:xfrm>
+                      <a:prstGeom prst="rect">
+                        <a:avLst/>
+                      </a:prstGeom>
+                    </p:spPr>
+                  </p:pic>
+                  <p:pic>
+                    <p:nvPicPr>
+                      <p:cNvPr id="109" name="Image 108">
+                        <a:extLst>
+                          <a:ext uri="{FF2B5EF4-FFF2-40B4-BE49-F238E27FC236}">
+                            <a16:creationId xmlns:a16="http://schemas.microsoft.com/office/drawing/2014/main" id="{D89D116F-C4DC-4967-ABF1-5A86A6A042E4}"/>
+                          </a:ext>
+                        </a:extLst>
+                      </p:cNvPr>
+                      <p:cNvPicPr>
+                        <a:picLocks noChangeAspect="1"/>
+                      </p:cNvPicPr>
+                      <p:nvPr/>
+                    </p:nvPicPr>
+                    <p:blipFill>
+                      <a:blip r:embed="rId5">
+                        <a:extLst>
+                          <a:ext uri="{28A0092B-C50C-407E-A947-70E740481C1C}">
+                            <a14:useLocalDpi xmlns:a14="http://schemas.microsoft.com/office/drawing/2010/main" val="0"/>
+                          </a:ext>
+                        </a:extLst>
+                      </a:blip>
+                      <a:stretch>
+                        <a:fillRect/>
+                      </a:stretch>
+                    </p:blipFill>
+                    <p:spPr>
+                      <a:xfrm>
+                        <a:off x="4871096" y="2264255"/>
+                        <a:ext cx="367200" cy="367200"/>
+                      </a:xfrm>
+                      <a:prstGeom prst="rect">
+                        <a:avLst/>
+                      </a:prstGeom>
+                    </p:spPr>
+                  </p:pic>
+                  <p:pic>
+                    <p:nvPicPr>
+                      <p:cNvPr id="110" name="Image 109">
+                        <a:extLst>
+                          <a:ext uri="{FF2B5EF4-FFF2-40B4-BE49-F238E27FC236}">
+                            <a16:creationId xmlns:a16="http://schemas.microsoft.com/office/drawing/2014/main" id="{DCDF7B3A-D79C-4A8D-873E-84E1FBC64330}"/>
+                          </a:ext>
+                        </a:extLst>
+                      </p:cNvPr>
+                      <p:cNvPicPr>
+                        <a:picLocks noChangeAspect="1"/>
+                      </p:cNvPicPr>
+                      <p:nvPr/>
+                    </p:nvPicPr>
+                    <p:blipFill>
+                      <a:blip r:embed="rId6">
+                        <a:extLst>
+                          <a:ext uri="{28A0092B-C50C-407E-A947-70E740481C1C}">
+                            <a14:useLocalDpi xmlns:a14="http://schemas.microsoft.com/office/drawing/2010/main" val="0"/>
+                          </a:ext>
+                        </a:extLst>
+                      </a:blip>
+                      <a:stretch>
+                        <a:fillRect/>
+                      </a:stretch>
+                    </p:blipFill>
+                    <p:spPr>
+                      <a:xfrm>
+                        <a:off x="5649459" y="2268553"/>
+                        <a:ext cx="367200" cy="367200"/>
+                      </a:xfrm>
+                      <a:prstGeom prst="rect">
+                        <a:avLst/>
+                      </a:prstGeom>
+                    </p:spPr>
+                  </p:pic>
+                  <p:pic>
+                    <p:nvPicPr>
+                      <p:cNvPr id="111" name="Image 110">
+                        <a:extLst>
+                          <a:ext uri="{FF2B5EF4-FFF2-40B4-BE49-F238E27FC236}">
+                            <a16:creationId xmlns:a16="http://schemas.microsoft.com/office/drawing/2014/main" id="{5500D2FF-D886-42FD-878B-8CF9B17DB5A1}"/>
+                          </a:ext>
+                        </a:extLst>
+                      </p:cNvPr>
+                      <p:cNvPicPr>
+                        <a:picLocks noChangeAspect="1"/>
+                      </p:cNvPicPr>
+                      <p:nvPr/>
+                    </p:nvPicPr>
+                    <p:blipFill>
+                      <a:blip r:embed="rId7">
+                        <a:extLst>
+                          <a:ext uri="{28A0092B-C50C-407E-A947-70E740481C1C}">
+                            <a14:useLocalDpi xmlns:a14="http://schemas.microsoft.com/office/drawing/2010/main" val="0"/>
+                          </a:ext>
+                        </a:extLst>
+                      </a:blip>
+                      <a:stretch>
+                        <a:fillRect/>
+                      </a:stretch>
+                    </p:blipFill>
+                    <p:spPr>
+                      <a:xfrm>
+                        <a:off x="6096000" y="2272876"/>
+                        <a:ext cx="367200" cy="367200"/>
+                      </a:xfrm>
+                      <a:prstGeom prst="rect">
+                        <a:avLst/>
+                      </a:prstGeom>
+                    </p:spPr>
+                  </p:pic>
+                </p:grpSp>
+              </p:grpSp>
+              <p:sp>
+                <p:nvSpPr>
+                  <p:cNvPr id="152" name="Rectangle : coins arrondis 151">
+                    <a:extLst>
+                      <a:ext uri="{FF2B5EF4-FFF2-40B4-BE49-F238E27FC236}">
+                        <a16:creationId xmlns:a16="http://schemas.microsoft.com/office/drawing/2014/main" id="{C80E30E7-AFDF-469B-B411-3864891D1A5A}"/>
+                      </a:ext>
+                    </a:extLst>
+                  </p:cNvPr>
+                  <p:cNvSpPr/>
+                  <p:nvPr/>
+                </p:nvSpPr>
+                <p:spPr>
+                  <a:xfrm>
+                    <a:off x="3776865" y="879499"/>
+                    <a:ext cx="2371628" cy="1663124"/>
+                  </a:xfrm>
+                  <a:prstGeom prst="roundRect">
+                    <a:avLst/>
+                  </a:prstGeom>
+                  <a:ln/>
+                </p:spPr>
+                <p:style>
+                  <a:lnRef idx="1">
+                    <a:schemeClr val="accent3"/>
+                  </a:lnRef>
+                  <a:fillRef idx="2">
+                    <a:schemeClr val="accent3"/>
+                  </a:fillRef>
+                  <a:effectRef idx="1">
+                    <a:schemeClr val="accent3"/>
+                  </a:effectRef>
+                  <a:fontRef idx="minor">
+                    <a:schemeClr val="dk1"/>
+                  </a:fontRef>
+                </p:style>
+                <p:txBody>
+                  <a:bodyPr rtlCol="0" anchor="ctr"/>
+                  <a:lstStyle/>
+                  <a:p>
+                    <a:pPr algn="ctr"/>
+                    <a:endParaRPr lang="fr-FR" dirty="0"/>
+                  </a:p>
+                </p:txBody>
+              </p:sp>
+            </p:grpSp>
+            <p:sp>
+              <p:nvSpPr>
+                <p:cNvPr id="153" name="Rectangle : coins arrondis 152">
+                  <a:extLst>
+                    <a:ext uri="{FF2B5EF4-FFF2-40B4-BE49-F238E27FC236}">
+                      <a16:creationId xmlns:a16="http://schemas.microsoft.com/office/drawing/2014/main" id="{EA833DAF-C3D5-468E-A25F-DC3F9447200B}"/>
+                    </a:ext>
+                  </a:extLst>
+                </p:cNvPr>
+                <p:cNvSpPr/>
+                <p:nvPr/>
+              </p:nvSpPr>
+              <p:spPr>
+                <a:xfrm>
+                  <a:off x="4448592" y="1668218"/>
+                  <a:ext cx="1118630" cy="198378"/>
+                </a:xfrm>
+                <a:prstGeom prst="roundRect">
+                  <a:avLst/>
+                </a:prstGeom>
+                <a:solidFill>
+                  <a:schemeClr val="dk1">
+                    <a:alpha val="50000"/>
+                  </a:schemeClr>
+                </a:solidFill>
+                <a:ln>
+                  <a:noFill/>
+                </a:ln>
+              </p:spPr>
+              <p:style>
+                <a:lnRef idx="0">
+                  <a:scrgbClr r="0" g="0" b="0"/>
+                </a:lnRef>
+                <a:fillRef idx="0">
+                  <a:scrgbClr r="0" g="0" b="0"/>
+                </a:fillRef>
+                <a:effectRef idx="0">
+                  <a:scrgbClr r="0" g="0" b="0"/>
+                </a:effectRef>
+                <a:fontRef idx="minor">
+                  <a:schemeClr val="lt1"/>
+                </a:fontRef>
+              </p:style>
+              <p:txBody>
+                <a:bodyPr rtlCol="0" anchor="ctr"/>
+                <a:lstStyle/>
+                <a:p>
+                  <a:pPr algn="ctr"/>
+                  <a:r>
+                    <a:rPr lang="fr-FR" sz="1000" dirty="0"/>
+                    <a:t>Nom</a:t>
+                  </a:r>
+                </a:p>
+              </p:txBody>
+            </p:sp>
+            <p:sp>
+              <p:nvSpPr>
+                <p:cNvPr id="154" name="Rectangle : coins arrondis 153">
+                  <a:extLst>
+                    <a:ext uri="{FF2B5EF4-FFF2-40B4-BE49-F238E27FC236}">
+                      <a16:creationId xmlns:a16="http://schemas.microsoft.com/office/drawing/2014/main" id="{9A6DEC40-95EB-49A8-9AA3-DCF80A4237C7}"/>
+                    </a:ext>
+                  </a:extLst>
+                </p:cNvPr>
+                <p:cNvSpPr/>
+                <p:nvPr/>
+              </p:nvSpPr>
+              <p:spPr>
+                <a:xfrm>
+                  <a:off x="4456187" y="1905909"/>
+                  <a:ext cx="1107505" cy="200596"/>
+                </a:xfrm>
+                <a:prstGeom prst="roundRect">
+                  <a:avLst/>
+                </a:prstGeom>
+                <a:solidFill>
+                  <a:schemeClr val="dk1">
+                    <a:alpha val="50000"/>
+                  </a:schemeClr>
+                </a:solidFill>
+                <a:ln>
+                  <a:noFill/>
+                </a:ln>
+              </p:spPr>
+              <p:style>
+                <a:lnRef idx="0">
+                  <a:scrgbClr r="0" g="0" b="0"/>
+                </a:lnRef>
+                <a:fillRef idx="0">
+                  <a:scrgbClr r="0" g="0" b="0"/>
+                </a:fillRef>
+                <a:effectRef idx="0">
+                  <a:scrgbClr r="0" g="0" b="0"/>
+                </a:effectRef>
+                <a:fontRef idx="minor">
+                  <a:schemeClr val="lt1"/>
+                </a:fontRef>
+              </p:style>
+              <p:txBody>
+                <a:bodyPr rtlCol="0" anchor="ctr"/>
+                <a:lstStyle/>
+                <a:p>
+                  <a:pPr algn="ctr"/>
+                  <a:r>
+                    <a:rPr lang="fr-FR" sz="1000" dirty="0"/>
+                    <a:t>Mail</a:t>
+                  </a:r>
+                </a:p>
+              </p:txBody>
+            </p:sp>
+            <p:sp>
+              <p:nvSpPr>
+                <p:cNvPr id="155" name="Rectangle : coins arrondis 154">
+                  <a:extLst>
+                    <a:ext uri="{FF2B5EF4-FFF2-40B4-BE49-F238E27FC236}">
+                      <a16:creationId xmlns:a16="http://schemas.microsoft.com/office/drawing/2014/main" id="{C6F4A854-DF13-4CA9-89C4-4A0001DB9B0E}"/>
+                    </a:ext>
+                  </a:extLst>
+                </p:cNvPr>
+                <p:cNvSpPr/>
+                <p:nvPr/>
+              </p:nvSpPr>
+              <p:spPr>
+                <a:xfrm>
+                  <a:off x="4456187" y="2154745"/>
+                  <a:ext cx="1107504" cy="198378"/>
+                </a:xfrm>
+                <a:prstGeom prst="roundRect">
+                  <a:avLst/>
+                </a:prstGeom>
+                <a:solidFill>
+                  <a:schemeClr val="dk1">
+                    <a:alpha val="50000"/>
+                  </a:schemeClr>
+                </a:solidFill>
+                <a:ln>
+                  <a:noFill/>
+                </a:ln>
+              </p:spPr>
+              <p:style>
+                <a:lnRef idx="0">
+                  <a:scrgbClr r="0" g="0" b="0"/>
+                </a:lnRef>
+                <a:fillRef idx="0">
+                  <a:scrgbClr r="0" g="0" b="0"/>
+                </a:fillRef>
+                <a:effectRef idx="0">
+                  <a:scrgbClr r="0" g="0" b="0"/>
+                </a:effectRef>
+                <a:fontRef idx="minor">
+                  <a:schemeClr val="lt1"/>
+                </a:fontRef>
+              </p:style>
+              <p:txBody>
+                <a:bodyPr rtlCol="0" anchor="ctr"/>
+                <a:lstStyle/>
+                <a:p>
+                  <a:pPr algn="ctr"/>
+                  <a:r>
+                    <a:rPr lang="fr-FR" sz="1000" dirty="0"/>
+                    <a:t>Objet</a:t>
+                  </a:r>
+                </a:p>
+              </p:txBody>
+            </p:sp>
+            <p:sp>
+              <p:nvSpPr>
+                <p:cNvPr id="156" name="Rectangle : coins arrondis 155">
+                  <a:extLst>
+                    <a:ext uri="{FF2B5EF4-FFF2-40B4-BE49-F238E27FC236}">
+                      <a16:creationId xmlns:a16="http://schemas.microsoft.com/office/drawing/2014/main" id="{78964214-B2C5-49F6-B8B7-90F93438F7F4}"/>
+                    </a:ext>
+                  </a:extLst>
+                </p:cNvPr>
+                <p:cNvSpPr/>
+                <p:nvPr/>
+              </p:nvSpPr>
+              <p:spPr>
+                <a:xfrm>
+                  <a:off x="4456185" y="2404638"/>
+                  <a:ext cx="1562776" cy="587940"/>
+                </a:xfrm>
+                <a:prstGeom prst="roundRect">
+                  <a:avLst/>
+                </a:prstGeom>
+                <a:solidFill>
+                  <a:schemeClr val="dk1">
+                    <a:alpha val="50000"/>
+                  </a:schemeClr>
+                </a:solidFill>
+                <a:ln>
+                  <a:noFill/>
+                </a:ln>
+              </p:spPr>
+              <p:style>
+                <a:lnRef idx="0">
+                  <a:scrgbClr r="0" g="0" b="0"/>
+                </a:lnRef>
+                <a:fillRef idx="0">
+                  <a:scrgbClr r="0" g="0" b="0"/>
+                </a:fillRef>
+                <a:effectRef idx="0">
+                  <a:scrgbClr r="0" g="0" b="0"/>
+                </a:effectRef>
+                <a:fontRef idx="minor">
+                  <a:schemeClr val="lt1"/>
+                </a:fontRef>
+              </p:style>
+              <p:txBody>
+                <a:bodyPr rtlCol="0" anchor="ctr"/>
+                <a:lstStyle/>
+                <a:p>
+                  <a:pPr algn="ctr"/>
+                  <a:r>
+                    <a:rPr lang="fr-FR" sz="1000" dirty="0"/>
+                    <a:t>Message</a:t>
+                  </a:r>
+                </a:p>
+              </p:txBody>
+            </p:sp>
+          </p:grpSp>
+          <p:grpSp>
+            <p:nvGrpSpPr>
+              <p:cNvPr id="9" name="Groupe 8">
+                <a:extLst>
+                  <a:ext uri="{FF2B5EF4-FFF2-40B4-BE49-F238E27FC236}">
+                    <a16:creationId xmlns:a16="http://schemas.microsoft.com/office/drawing/2014/main" id="{AF87769F-668F-4A49-A6BB-1B4FD2AE832E}"/>
+                  </a:ext>
+                </a:extLst>
+              </p:cNvPr>
+              <p:cNvGrpSpPr/>
+              <p:nvPr/>
+            </p:nvGrpSpPr>
+            <p:grpSpPr>
+              <a:xfrm>
+                <a:off x="4469477" y="349242"/>
+                <a:ext cx="2509103" cy="2762866"/>
+                <a:chOff x="857285" y="3829091"/>
+                <a:chExt cx="2509103" cy="2762866"/>
+              </a:xfrm>
+            </p:grpSpPr>
+            <p:grpSp>
+              <p:nvGrpSpPr>
+                <p:cNvPr id="8" name="Groupe 7">
+                  <a:extLst>
+                    <a:ext uri="{FF2B5EF4-FFF2-40B4-BE49-F238E27FC236}">
+                      <a16:creationId xmlns:a16="http://schemas.microsoft.com/office/drawing/2014/main" id="{2B9A5495-5A92-4559-A8E4-E685B231F4B1}"/>
+                    </a:ext>
+                  </a:extLst>
+                </p:cNvPr>
+                <p:cNvGrpSpPr/>
+                <p:nvPr/>
+              </p:nvGrpSpPr>
+              <p:grpSpPr>
+                <a:xfrm>
+                  <a:off x="857285" y="3829091"/>
+                  <a:ext cx="2509103" cy="2762866"/>
+                  <a:chOff x="857285" y="3829091"/>
+                  <a:chExt cx="2509103" cy="2762866"/>
+                </a:xfrm>
+              </p:grpSpPr>
+              <p:grpSp>
+                <p:nvGrpSpPr>
+                  <p:cNvPr id="126" name="Groupe 125">
+                    <a:extLst>
+                      <a:ext uri="{FF2B5EF4-FFF2-40B4-BE49-F238E27FC236}">
+                        <a16:creationId xmlns:a16="http://schemas.microsoft.com/office/drawing/2014/main" id="{012A7D25-E28D-4687-95A0-008BC9C19089}"/>
+                      </a:ext>
+                    </a:extLst>
+                  </p:cNvPr>
+                  <p:cNvGrpSpPr/>
+                  <p:nvPr/>
+                </p:nvGrpSpPr>
+                <p:grpSpPr>
+                  <a:xfrm>
+                    <a:off x="857285" y="3829091"/>
+                    <a:ext cx="2509103" cy="2762866"/>
+                    <a:chOff x="3809026" y="3220436"/>
+                    <a:chExt cx="2596325" cy="3198119"/>
+                  </a:xfrm>
+                </p:grpSpPr>
+                <p:grpSp>
+                  <p:nvGrpSpPr>
+                    <p:cNvPr id="136" name="Groupe 135">
+                      <a:extLst>
+                        <a:ext uri="{FF2B5EF4-FFF2-40B4-BE49-F238E27FC236}">
+                          <a16:creationId xmlns:a16="http://schemas.microsoft.com/office/drawing/2014/main" id="{FDE278FD-AEDB-4763-8344-D5943679548A}"/>
+                        </a:ext>
+                      </a:extLst>
+                    </p:cNvPr>
+                    <p:cNvGrpSpPr/>
+                    <p:nvPr/>
+                  </p:nvGrpSpPr>
+                  <p:grpSpPr>
+                    <a:xfrm>
+                      <a:off x="3809026" y="3220436"/>
+                      <a:ext cx="2596325" cy="3198119"/>
+                      <a:chOff x="3949255" y="2052499"/>
+                      <a:chExt cx="2438400" cy="3365321"/>
+                    </a:xfrm>
+                  </p:grpSpPr>
+                  <p:sp>
+                    <p:nvSpPr>
+                      <p:cNvPr id="145" name="Rectangle : coins arrondis 144">
+                        <a:extLst>
+                          <a:ext uri="{FF2B5EF4-FFF2-40B4-BE49-F238E27FC236}">
+                            <a16:creationId xmlns:a16="http://schemas.microsoft.com/office/drawing/2014/main" id="{87FF6C2C-31B5-4E8A-85B3-C5C8AA31E542}"/>
+                          </a:ext>
+                        </a:extLst>
+                      </p:cNvPr>
+                      <p:cNvSpPr/>
+                      <p:nvPr/>
+                    </p:nvSpPr>
+                    <p:spPr>
+                      <a:xfrm>
+                        <a:off x="3949255" y="2052499"/>
+                        <a:ext cx="2438400" cy="3365321"/>
+                      </a:xfrm>
+                      <a:prstGeom prst="roundRect">
+                        <a:avLst/>
+                      </a:prstGeom>
+                    </p:spPr>
+                    <p:style>
+                      <a:lnRef idx="2">
+                        <a:schemeClr val="dk1"/>
+                      </a:lnRef>
+                      <a:fillRef idx="1">
+                        <a:schemeClr val="lt1"/>
+                      </a:fillRef>
+                      <a:effectRef idx="0">
+                        <a:schemeClr val="dk1"/>
+                      </a:effectRef>
+                      <a:fontRef idx="minor">
+                        <a:schemeClr val="dk1"/>
+                      </a:fontRef>
+                    </p:style>
+                    <p:txBody>
+                      <a:bodyPr rtlCol="0" anchor="ctr"/>
+                      <a:lstStyle/>
+                      <a:p>
+                        <a:pPr algn="ctr"/>
+                        <a:endParaRPr lang="fr-FR" dirty="0"/>
+                      </a:p>
+                    </p:txBody>
+                  </p:sp>
+                  <p:cxnSp>
+                    <p:nvCxnSpPr>
+                      <p:cNvPr id="146" name="Connecteur droit 145">
+                        <a:extLst>
+                          <a:ext uri="{FF2B5EF4-FFF2-40B4-BE49-F238E27FC236}">
+                            <a16:creationId xmlns:a16="http://schemas.microsoft.com/office/drawing/2014/main" id="{BF015ECC-7B4E-4249-A731-B24C41A1CA65}"/>
+                          </a:ext>
+                        </a:extLst>
+                      </p:cNvPr>
+                      <p:cNvCxnSpPr/>
+                      <p:nvPr/>
+                    </p:nvCxnSpPr>
+                    <p:spPr>
+                      <a:xfrm>
+                        <a:off x="3949255" y="2766060"/>
+                        <a:ext cx="2438400" cy="0"/>
+                      </a:xfrm>
+                      <a:prstGeom prst="line">
+                        <a:avLst/>
+                      </a:prstGeom>
+                    </p:spPr>
+                    <p:style>
+                      <a:lnRef idx="2">
+                        <a:schemeClr val="dk1"/>
+                      </a:lnRef>
+                      <a:fillRef idx="0">
+                        <a:schemeClr val="dk1"/>
+                      </a:fillRef>
+                      <a:effectRef idx="1">
+                        <a:schemeClr val="dk1"/>
+                      </a:effectRef>
+                      <a:fontRef idx="minor">
+                        <a:schemeClr val="tx1"/>
+                      </a:fontRef>
+                    </p:style>
+                  </p:cxnSp>
+                </p:grpSp>
+                <p:grpSp>
+                  <p:nvGrpSpPr>
+                    <p:cNvPr id="137" name="Groupe 136">
+                      <a:extLst>
+                        <a:ext uri="{FF2B5EF4-FFF2-40B4-BE49-F238E27FC236}">
+                          <a16:creationId xmlns:a16="http://schemas.microsoft.com/office/drawing/2014/main" id="{322E2BD6-650D-4355-B44C-250A42ABD6FE}"/>
+                        </a:ext>
+                      </a:extLst>
+                    </p:cNvPr>
+                    <p:cNvGrpSpPr/>
+                    <p:nvPr/>
+                  </p:nvGrpSpPr>
+                  <p:grpSpPr>
+                    <a:xfrm>
+                      <a:off x="3925077" y="3994498"/>
+                      <a:ext cx="2364222" cy="2131092"/>
+                      <a:chOff x="3925077" y="3994498"/>
+                      <a:chExt cx="2364222" cy="2131092"/>
+                    </a:xfrm>
+                  </p:grpSpPr>
+                  <p:sp>
+                    <p:nvSpPr>
+                      <p:cNvPr id="138" name="Rectangle : coins arrondis 137">
+                        <a:extLst>
+                          <a:ext uri="{FF2B5EF4-FFF2-40B4-BE49-F238E27FC236}">
+                            <a16:creationId xmlns:a16="http://schemas.microsoft.com/office/drawing/2014/main" id="{5E35F7E6-C146-45EF-A655-F5BCCCCCDFD9}"/>
+                          </a:ext>
+                        </a:extLst>
+                      </p:cNvPr>
+                      <p:cNvSpPr/>
+                      <p:nvPr/>
+                    </p:nvSpPr>
+                    <p:spPr>
+                      <a:xfrm>
+                        <a:off x="3925077" y="3994498"/>
+                        <a:ext cx="2364222" cy="2131092"/>
+                      </a:xfrm>
+                      <a:prstGeom prst="roundRect">
+                        <a:avLst/>
+                      </a:prstGeom>
+                      <a:ln/>
+                    </p:spPr>
+                    <p:style>
+                      <a:lnRef idx="1">
+                        <a:schemeClr val="accent3"/>
+                      </a:lnRef>
+                      <a:fillRef idx="2">
+                        <a:schemeClr val="accent3"/>
+                      </a:fillRef>
+                      <a:effectRef idx="1">
+                        <a:schemeClr val="accent3"/>
+                      </a:effectRef>
+                      <a:fontRef idx="minor">
+                        <a:schemeClr val="dk1"/>
+                      </a:fontRef>
+                    </p:style>
+                    <p:txBody>
+                      <a:bodyPr rtlCol="0" anchor="ctr"/>
+                      <a:lstStyle/>
+                      <a:p>
+                        <a:pPr algn="ctr"/>
+                        <a:endParaRPr lang="fr-FR"/>
+                      </a:p>
+                    </p:txBody>
+                  </p:sp>
+                  <p:sp>
+                    <p:nvSpPr>
+                      <p:cNvPr id="139" name="Rectangle 138">
+                        <a:extLst>
+                          <a:ext uri="{FF2B5EF4-FFF2-40B4-BE49-F238E27FC236}">
+                            <a16:creationId xmlns:a16="http://schemas.microsoft.com/office/drawing/2014/main" id="{F687BD83-130C-4937-855D-532C1E860621}"/>
+                          </a:ext>
+                        </a:extLst>
+                      </p:cNvPr>
+                      <p:cNvSpPr/>
+                      <p:nvPr/>
+                    </p:nvSpPr>
+                    <p:spPr>
+                      <a:xfrm>
+                        <a:off x="4394315" y="4112857"/>
+                        <a:ext cx="1460433" cy="1878901"/>
+                      </a:xfrm>
+                      <a:prstGeom prst="rect">
+                        <a:avLst/>
+                      </a:prstGeom>
+                      <a:solidFill>
+                        <a:schemeClr val="dk1">
+                          <a:alpha val="50000"/>
+                        </a:schemeClr>
+                      </a:solidFill>
+                      <a:ln>
+                        <a:noFill/>
+                      </a:ln>
+                    </p:spPr>
+                    <p:style>
+                      <a:lnRef idx="0">
+                        <a:scrgbClr r="0" g="0" b="0"/>
+                      </a:lnRef>
+                      <a:fillRef idx="0">
+                        <a:scrgbClr r="0" g="0" b="0"/>
+                      </a:fillRef>
+                      <a:effectRef idx="0">
+                        <a:scrgbClr r="0" g="0" b="0"/>
+                      </a:effectRef>
+                      <a:fontRef idx="minor">
+                        <a:schemeClr val="lt1"/>
+                      </a:fontRef>
+                    </p:style>
+                    <p:txBody>
+                      <a:bodyPr rtlCol="0" anchor="ctr"/>
+                      <a:lstStyle/>
+                      <a:p>
+                        <a:pPr algn="ctr"/>
+                        <a:r>
+                          <a:rPr lang="fr-FR" dirty="0">
+                            <a:solidFill>
+                              <a:schemeClr val="bg1"/>
+                            </a:solidFill>
+                          </a:rPr>
+                          <a:t>Page Admin</a:t>
+                        </a:r>
+                      </a:p>
+                    </p:txBody>
+                  </p:sp>
+                </p:grpSp>
+              </p:grpSp>
+              <p:grpSp>
+                <p:nvGrpSpPr>
+                  <p:cNvPr id="127" name="Groupe 126">
+                    <a:extLst>
+                      <a:ext uri="{FF2B5EF4-FFF2-40B4-BE49-F238E27FC236}">
+                        <a16:creationId xmlns:a16="http://schemas.microsoft.com/office/drawing/2014/main" id="{7666469F-4471-471A-AD92-973991F15067}"/>
+                      </a:ext>
+                    </a:extLst>
+                  </p:cNvPr>
+                  <p:cNvGrpSpPr/>
+                  <p:nvPr/>
+                </p:nvGrpSpPr>
+                <p:grpSpPr>
+                  <a:xfrm>
+                    <a:off x="933582" y="4048511"/>
+                    <a:ext cx="2362009" cy="296442"/>
+                    <a:chOff x="4019082" y="2264255"/>
+                    <a:chExt cx="2444118" cy="375821"/>
+                  </a:xfrm>
+                </p:grpSpPr>
+                <p:pic>
+                  <p:nvPicPr>
+                    <p:cNvPr id="130" name="Image 129">
+                      <a:extLst>
+                        <a:ext uri="{FF2B5EF4-FFF2-40B4-BE49-F238E27FC236}">
+                          <a16:creationId xmlns:a16="http://schemas.microsoft.com/office/drawing/2014/main" id="{D5BC6D1D-3135-4197-8740-6578FAC2E02C}"/>
+                        </a:ext>
+                      </a:extLst>
+                    </p:cNvPr>
+                    <p:cNvPicPr>
+                      <a:picLocks noChangeAspect="1"/>
+                    </p:cNvPicPr>
+                    <p:nvPr/>
+                  </p:nvPicPr>
+                  <p:blipFill>
+                    <a:blip r:embed="rId3">
+                      <a:extLst>
+                        <a:ext uri="{28A0092B-C50C-407E-A947-70E740481C1C}">
+                          <a14:useLocalDpi xmlns:a14="http://schemas.microsoft.com/office/drawing/2010/main" val="0"/>
+                        </a:ext>
+                      </a:extLst>
+                    </a:blip>
+                    <a:stretch>
+                      <a:fillRect/>
+                    </a:stretch>
+                  </p:blipFill>
+                  <p:spPr>
+                    <a:xfrm>
+                      <a:off x="4019082" y="2265888"/>
+                      <a:ext cx="368479" cy="368479"/>
+                    </a:xfrm>
+                    <a:prstGeom prst="rect">
+                      <a:avLst/>
+                    </a:prstGeom>
+                  </p:spPr>
+                </p:pic>
+                <p:pic>
+                  <p:nvPicPr>
+                    <p:cNvPr id="132" name="Image 131">
+                      <a:extLst>
+                        <a:ext uri="{FF2B5EF4-FFF2-40B4-BE49-F238E27FC236}">
+                          <a16:creationId xmlns:a16="http://schemas.microsoft.com/office/drawing/2014/main" id="{BC8953FB-3B4A-4192-AD8F-D32BF7334F97}"/>
+                        </a:ext>
+                      </a:extLst>
+                    </p:cNvPr>
+                    <p:cNvPicPr>
+                      <a:picLocks noChangeAspect="1"/>
+                    </p:cNvPicPr>
+                    <p:nvPr/>
+                  </p:nvPicPr>
+                  <p:blipFill>
+                    <a:blip r:embed="rId4">
+                      <a:extLst>
+                        <a:ext uri="{28A0092B-C50C-407E-A947-70E740481C1C}">
+                          <a14:useLocalDpi xmlns:a14="http://schemas.microsoft.com/office/drawing/2010/main" val="0"/>
+                        </a:ext>
+                      </a:extLst>
+                    </a:blip>
+                    <a:stretch>
+                      <a:fillRect/>
+                    </a:stretch>
+                  </p:blipFill>
+                  <p:spPr>
+                    <a:xfrm flipH="1">
+                      <a:off x="4420959" y="2266528"/>
+                      <a:ext cx="367200" cy="367200"/>
+                    </a:xfrm>
+                    <a:prstGeom prst="rect">
+                      <a:avLst/>
+                    </a:prstGeom>
+                  </p:spPr>
+                </p:pic>
+                <p:pic>
+                  <p:nvPicPr>
+                    <p:cNvPr id="133" name="Image 132">
+                      <a:extLst>
+                        <a:ext uri="{FF2B5EF4-FFF2-40B4-BE49-F238E27FC236}">
+                          <a16:creationId xmlns:a16="http://schemas.microsoft.com/office/drawing/2014/main" id="{FB0F7160-D3C1-4449-BBC6-DC18282F94E8}"/>
+                        </a:ext>
+                      </a:extLst>
+                    </p:cNvPr>
+                    <p:cNvPicPr>
+                      <a:picLocks noChangeAspect="1"/>
+                    </p:cNvPicPr>
+                    <p:nvPr/>
+                  </p:nvPicPr>
+                  <p:blipFill>
+                    <a:blip r:embed="rId5">
+                      <a:extLst>
+                        <a:ext uri="{28A0092B-C50C-407E-A947-70E740481C1C}">
+                          <a14:useLocalDpi xmlns:a14="http://schemas.microsoft.com/office/drawing/2010/main" val="0"/>
+                        </a:ext>
+                      </a:extLst>
+                    </a:blip>
+                    <a:stretch>
+                      <a:fillRect/>
+                    </a:stretch>
+                  </p:blipFill>
+                  <p:spPr>
+                    <a:xfrm>
+                      <a:off x="4871096" y="2264255"/>
+                      <a:ext cx="367200" cy="367200"/>
+                    </a:xfrm>
+                    <a:prstGeom prst="rect">
+                      <a:avLst/>
+                    </a:prstGeom>
+                  </p:spPr>
+                </p:pic>
+                <p:pic>
+                  <p:nvPicPr>
+                    <p:cNvPr id="134" name="Image 133">
+                      <a:extLst>
+                        <a:ext uri="{FF2B5EF4-FFF2-40B4-BE49-F238E27FC236}">
+                          <a16:creationId xmlns:a16="http://schemas.microsoft.com/office/drawing/2014/main" id="{E3CD6E6C-74CD-4E22-9673-25715FD54B0F}"/>
+                        </a:ext>
+                      </a:extLst>
+                    </p:cNvPr>
+                    <p:cNvPicPr>
+                      <a:picLocks noChangeAspect="1"/>
+                    </p:cNvPicPr>
+                    <p:nvPr/>
+                  </p:nvPicPr>
+                  <p:blipFill>
+                    <a:blip r:embed="rId6">
+                      <a:extLst>
+                        <a:ext uri="{28A0092B-C50C-407E-A947-70E740481C1C}">
+                          <a14:useLocalDpi xmlns:a14="http://schemas.microsoft.com/office/drawing/2010/main" val="0"/>
+                        </a:ext>
+                      </a:extLst>
+                    </a:blip>
+                    <a:stretch>
+                      <a:fillRect/>
+                    </a:stretch>
+                  </p:blipFill>
+                  <p:spPr>
+                    <a:xfrm>
+                      <a:off x="5649459" y="2268553"/>
+                      <a:ext cx="367200" cy="367200"/>
+                    </a:xfrm>
+                    <a:prstGeom prst="rect">
+                      <a:avLst/>
+                    </a:prstGeom>
+                  </p:spPr>
+                </p:pic>
+                <p:pic>
+                  <p:nvPicPr>
+                    <p:cNvPr id="135" name="Image 134">
+                      <a:extLst>
+                        <a:ext uri="{FF2B5EF4-FFF2-40B4-BE49-F238E27FC236}">
+                          <a16:creationId xmlns:a16="http://schemas.microsoft.com/office/drawing/2014/main" id="{5281CB6B-9DAF-4D9F-9066-EBEDA2ED22CA}"/>
+                        </a:ext>
+                      </a:extLst>
+                    </p:cNvPr>
+                    <p:cNvPicPr>
+                      <a:picLocks noChangeAspect="1"/>
+                    </p:cNvPicPr>
+                    <p:nvPr/>
+                  </p:nvPicPr>
+                  <p:blipFill>
+                    <a:blip r:embed="rId7">
+                      <a:extLst>
+                        <a:ext uri="{28A0092B-C50C-407E-A947-70E740481C1C}">
+                          <a14:useLocalDpi xmlns:a14="http://schemas.microsoft.com/office/drawing/2010/main" val="0"/>
+                        </a:ext>
+                      </a:extLst>
+                    </a:blip>
+                    <a:stretch>
+                      <a:fillRect/>
+                    </a:stretch>
+                  </p:blipFill>
+                  <p:spPr>
+                    <a:xfrm>
+                      <a:off x="6096000" y="2272876"/>
+                      <a:ext cx="367200" cy="367200"/>
+                    </a:xfrm>
+                    <a:prstGeom prst="rect">
+                      <a:avLst/>
+                    </a:prstGeom>
+                  </p:spPr>
+                </p:pic>
+              </p:grpSp>
+            </p:grpSp>
+            <p:sp>
+              <p:nvSpPr>
+                <p:cNvPr id="147" name="Ellipse 146">
+                  <a:extLst>
+                    <a:ext uri="{FF2B5EF4-FFF2-40B4-BE49-F238E27FC236}">
+                      <a16:creationId xmlns:a16="http://schemas.microsoft.com/office/drawing/2014/main" id="{A1067EEC-CF3F-42F4-8E40-681A5D4EF3FA}"/>
+                    </a:ext>
+                  </a:extLst>
+                </p:cNvPr>
+                <p:cNvSpPr/>
+                <p:nvPr/>
+              </p:nvSpPr>
+              <p:spPr>
+                <a:xfrm>
+                  <a:off x="2134034" y="4065484"/>
+                  <a:ext cx="322731" cy="290651"/>
+                </a:xfrm>
+                <a:prstGeom prst="ellipse">
+                  <a:avLst/>
+                </a:prstGeom>
+              </p:spPr>
+              <p:style>
+                <a:lnRef idx="2">
+                  <a:schemeClr val="dk1">
+                    <a:shade val="50000"/>
+                  </a:schemeClr>
+                </a:lnRef>
+                <a:fillRef idx="1">
+                  <a:schemeClr val="dk1"/>
+                </a:fillRef>
+                <a:effectRef idx="0">
+                  <a:schemeClr val="dk1"/>
+                </a:effectRef>
+                <a:fontRef idx="minor">
+                  <a:schemeClr val="lt1"/>
+                </a:fontRef>
+              </p:style>
+              <p:txBody>
+                <a:bodyPr rtlCol="0" anchor="ctr"/>
+                <a:lstStyle/>
+                <a:p>
+                  <a:pPr algn="ctr"/>
+                  <a:endParaRPr lang="fr-FR"/>
+                </a:p>
+              </p:txBody>
+            </p:sp>
+          </p:grpSp>
+          <p:cxnSp>
+            <p:nvCxnSpPr>
+              <p:cNvPr id="40" name="Connecteur droit avec flèche 39">
+                <a:extLst>
+                  <a:ext uri="{FF2B5EF4-FFF2-40B4-BE49-F238E27FC236}">
+                    <a16:creationId xmlns:a16="http://schemas.microsoft.com/office/drawing/2014/main" id="{8AE12F32-1CDF-4A3E-BBA9-1427A81A956D}"/>
+                  </a:ext>
+                </a:extLst>
+              </p:cNvPr>
+              <p:cNvCxnSpPr>
+                <a:cxnSpLocks/>
+              </p:cNvCxnSpPr>
+              <p:nvPr/>
+            </p:nvCxnSpPr>
+            <p:spPr>
+              <a:xfrm flipH="1" flipV="1">
+                <a:off x="5751715" y="2904071"/>
+                <a:ext cx="13563" cy="926578"/>
+              </a:xfrm>
+              <a:prstGeom prst="straightConnector1">
+                <a:avLst/>
+              </a:prstGeom>
+              <a:ln>
+                <a:tailEnd type="triangle"/>
+              </a:ln>
+            </p:spPr>
+            <p:style>
+              <a:lnRef idx="3">
+                <a:schemeClr val="accent1"/>
+              </a:lnRef>
+              <a:fillRef idx="0">
+                <a:schemeClr val="accent1"/>
+              </a:fillRef>
+              <a:effectRef idx="2">
+                <a:schemeClr val="accent1"/>
+              </a:effectRef>
+              <a:fontRef idx="minor">
+                <a:schemeClr val="tx1"/>
+              </a:fontRef>
+            </p:style>
+          </p:cxnSp>
+          <p:cxnSp>
+            <p:nvCxnSpPr>
+              <p:cNvPr id="38" name="Connecteur droit avec flèche 37">
+                <a:extLst>
+                  <a:ext uri="{FF2B5EF4-FFF2-40B4-BE49-F238E27FC236}">
+                    <a16:creationId xmlns:a16="http://schemas.microsoft.com/office/drawing/2014/main" id="{E9E00B0D-B426-42A6-A2EA-3EDF4FE949A4}"/>
+                  </a:ext>
+                </a:extLst>
+              </p:cNvPr>
+              <p:cNvCxnSpPr>
+                <a:cxnSpLocks/>
+              </p:cNvCxnSpPr>
+              <p:nvPr/>
+            </p:nvCxnSpPr>
+            <p:spPr>
+              <a:xfrm flipH="1" flipV="1">
+                <a:off x="2987307" y="2743397"/>
+                <a:ext cx="2381858" cy="567303"/>
+              </a:xfrm>
+              <a:prstGeom prst="straightConnector1">
+                <a:avLst/>
+              </a:prstGeom>
+              <a:ln>
+                <a:tailEnd type="triangle"/>
+              </a:ln>
+            </p:spPr>
+            <p:style>
+              <a:lnRef idx="3">
+                <a:schemeClr val="accent1"/>
+              </a:lnRef>
+              <a:fillRef idx="0">
+                <a:schemeClr val="accent1"/>
+              </a:fillRef>
+              <a:effectRef idx="2">
+                <a:schemeClr val="accent1"/>
+              </a:effectRef>
+              <a:fontRef idx="minor">
+                <a:schemeClr val="tx1"/>
+              </a:fontRef>
+            </p:style>
+          </p:cxnSp>
+          <p:cxnSp>
+            <p:nvCxnSpPr>
+              <p:cNvPr id="149" name="Connecteur droit avec flèche 148">
+                <a:extLst>
+                  <a:ext uri="{FF2B5EF4-FFF2-40B4-BE49-F238E27FC236}">
+                    <a16:creationId xmlns:a16="http://schemas.microsoft.com/office/drawing/2014/main" id="{846E26DB-2DF6-492B-B6AA-9730069354CA}"/>
+                  </a:ext>
+                </a:extLst>
+              </p:cNvPr>
+              <p:cNvCxnSpPr>
+                <a:cxnSpLocks/>
+              </p:cNvCxnSpPr>
+              <p:nvPr/>
+            </p:nvCxnSpPr>
+            <p:spPr>
+              <a:xfrm flipH="1">
+                <a:off x="2809874" y="3394585"/>
+                <a:ext cx="2141370" cy="571548"/>
+              </a:xfrm>
+              <a:prstGeom prst="straightConnector1">
+                <a:avLst/>
+              </a:prstGeom>
+              <a:ln>
+                <a:tailEnd type="triangle"/>
+              </a:ln>
+            </p:spPr>
+            <p:style>
+              <a:lnRef idx="3">
+                <a:schemeClr val="accent1"/>
+              </a:lnRef>
+              <a:fillRef idx="0">
+                <a:schemeClr val="accent1"/>
+              </a:fillRef>
+              <a:effectRef idx="2">
+                <a:schemeClr val="accent1"/>
+              </a:effectRef>
+              <a:fontRef idx="minor">
+                <a:schemeClr val="tx1"/>
+              </a:fontRef>
+            </p:style>
+          </p:cxnSp>
+          <p:cxnSp>
+            <p:nvCxnSpPr>
+              <p:cNvPr id="35" name="Connecteur droit 34">
+                <a:extLst>
+                  <a:ext uri="{FF2B5EF4-FFF2-40B4-BE49-F238E27FC236}">
+                    <a16:creationId xmlns:a16="http://schemas.microsoft.com/office/drawing/2014/main" id="{CB12F830-5129-4234-9A9E-C84B9963E6E4}"/>
+                  </a:ext>
+                </a:extLst>
+              </p:cNvPr>
+              <p:cNvCxnSpPr>
+                <a:endCxn id="99" idx="0"/>
+              </p:cNvCxnSpPr>
+              <p:nvPr/>
+            </p:nvCxnSpPr>
+            <p:spPr>
+              <a:xfrm>
+                <a:off x="5369165" y="3310700"/>
+                <a:ext cx="17094" cy="527605"/>
+              </a:xfrm>
+              <a:prstGeom prst="line">
+                <a:avLst/>
+              </a:prstGeom>
+            </p:spPr>
+            <p:style>
+              <a:lnRef idx="3">
+                <a:schemeClr val="accent1"/>
+              </a:lnRef>
+              <a:fillRef idx="0">
+                <a:schemeClr val="accent1"/>
+              </a:fillRef>
+              <a:effectRef idx="2">
+                <a:schemeClr val="accent1"/>
+              </a:effectRef>
+              <a:fontRef idx="minor">
+                <a:schemeClr val="tx1"/>
+              </a:fontRef>
+            </p:style>
+          </p:cxnSp>
+          <p:cxnSp>
+            <p:nvCxnSpPr>
+              <p:cNvPr id="41" name="Connecteur droit 40">
+                <a:extLst>
+                  <a:ext uri="{FF2B5EF4-FFF2-40B4-BE49-F238E27FC236}">
+                    <a16:creationId xmlns:a16="http://schemas.microsoft.com/office/drawing/2014/main" id="{1E1186A0-A6B1-467E-BB8D-B6D800CE645A}"/>
+                  </a:ext>
+                </a:extLst>
+              </p:cNvPr>
+              <p:cNvCxnSpPr>
+                <a:endCxn id="98" idx="0"/>
+              </p:cNvCxnSpPr>
+              <p:nvPr/>
+            </p:nvCxnSpPr>
+            <p:spPr>
+              <a:xfrm>
+                <a:off x="4951244" y="3394585"/>
+                <a:ext cx="0" cy="445513"/>
+              </a:xfrm>
+              <a:prstGeom prst="line">
+                <a:avLst/>
+              </a:prstGeom>
+            </p:spPr>
+            <p:style>
+              <a:lnRef idx="3">
+                <a:schemeClr val="accent1"/>
+              </a:lnRef>
+              <a:fillRef idx="0">
+                <a:schemeClr val="accent1"/>
+              </a:fillRef>
+              <a:effectRef idx="2">
+                <a:schemeClr val="accent1"/>
+              </a:effectRef>
+              <a:fontRef idx="minor">
+                <a:schemeClr val="tx1"/>
+              </a:fontRef>
+            </p:style>
+          </p:cxnSp>
+        </p:grpSp>
+        <p:cxnSp>
+          <p:nvCxnSpPr>
+            <p:cNvPr id="42" name="Connecteur droit avec flèche 41">
+              <a:extLst>
+                <a:ext uri="{FF2B5EF4-FFF2-40B4-BE49-F238E27FC236}">
+                  <a16:creationId xmlns:a16="http://schemas.microsoft.com/office/drawing/2014/main" id="{9DA84D76-A73C-4964-B323-35020B63595E}"/>
+                </a:ext>
+              </a:extLst>
+            </p:cNvPr>
+            <p:cNvCxnSpPr>
+              <a:cxnSpLocks/>
+              <a:stCxn id="114" idx="0"/>
+            </p:cNvCxnSpPr>
+            <p:nvPr/>
+          </p:nvCxnSpPr>
+          <p:spPr>
+            <a:xfrm flipV="1">
+              <a:off x="6138473" y="2442897"/>
+              <a:ext cx="1864659" cy="1398798"/>
+            </a:xfrm>
+            <a:prstGeom prst="straightConnector1">
+              <a:avLst/>
+            </a:prstGeom>
+            <a:ln>
+              <a:tailEnd type="triangle"/>
+            </a:ln>
+          </p:spPr>
+          <p:style>
+            <a:lnRef idx="3">
+              <a:schemeClr val="accent1"/>
+            </a:lnRef>
+            <a:fillRef idx="0">
+              <a:schemeClr val="accent1"/>
+            </a:fillRef>
+            <a:effectRef idx="2">
+              <a:schemeClr val="accent1"/>
+            </a:effectRef>
+            <a:fontRef idx="minor">
+              <a:schemeClr val="tx1"/>
+            </a:fontRef>
+          </p:style>
+        </p:cxnSp>
+      </p:grpSp>
     </p:spTree>
     <p:extLst>
       <p:ext uri="{BB962C8B-B14F-4D97-AF65-F5344CB8AC3E}">
